--- a/presentation.pptx
+++ b/presentation.pptx
@@ -5,14 +5,30 @@
     <p:sldMasterId id="2147483648" r:id="rId1"/>
   </p:sldMasterIdLst>
   <p:notesMasterIdLst>
-    <p:notesMasterId r:id="rId7"/>
+    <p:notesMasterId r:id="rId23"/>
   </p:notesMasterIdLst>
   <p:sldIdLst>
     <p:sldId id="256" r:id="rId2"/>
     <p:sldId id="257" r:id="rId3"/>
     <p:sldId id="258" r:id="rId4"/>
-    <p:sldId id="259" r:id="rId5"/>
-    <p:sldId id="260" r:id="rId6"/>
+    <p:sldId id="264" r:id="rId5"/>
+    <p:sldId id="261" r:id="rId6"/>
+    <p:sldId id="263" r:id="rId7"/>
+    <p:sldId id="265" r:id="rId8"/>
+    <p:sldId id="262" r:id="rId9"/>
+    <p:sldId id="266" r:id="rId10"/>
+    <p:sldId id="267" r:id="rId11"/>
+    <p:sldId id="268" r:id="rId12"/>
+    <p:sldId id="271" r:id="rId13"/>
+    <p:sldId id="269" r:id="rId14"/>
+    <p:sldId id="273" r:id="rId15"/>
+    <p:sldId id="270" r:id="rId16"/>
+    <p:sldId id="274" r:id="rId17"/>
+    <p:sldId id="275" r:id="rId18"/>
+    <p:sldId id="276" r:id="rId19"/>
+    <p:sldId id="277" r:id="rId20"/>
+    <p:sldId id="259" r:id="rId21"/>
+    <p:sldId id="260" r:id="rId22"/>
   </p:sldIdLst>
   <p:sldSz cx="12192000" cy="6858000"/>
   <p:notesSz cx="6858000" cy="9144000"/>
@@ -111,6 +127,14 @@
       </a:defRPr>
     </a:lvl9pPr>
   </p:defaultTextStyle>
+  <p:extLst>
+    <p:ext uri="{EFAFB233-063F-42B5-8137-9DF3F51BA10A}">
+      <p15:sldGuideLst xmlns:p15="http://schemas.microsoft.com/office/powerpoint/2012/main"/>
+    </p:ext>
+    <p:ext uri="{2D200454-40CA-4A62-9FC3-DE9A4176ACB9}">
+      <p15:notesGuideLst xmlns:p15="http://schemas.microsoft.com/office/powerpoint/2012/main"/>
+    </p:ext>
+  </p:extLst>
 </p:presentation>
 </file>
 
@@ -196,7 +220,7 @@
           <a:p>
             <a:fld id="{B72CCB43-93CC-4D9A-B1A7-BFC1DBB69676}" type="datetimeFigureOut">
               <a:rPr lang="de-DE" smtClean="0"/>
-              <a:t>24.10.2023</a:t>
+              <a:t>30.10.2023</a:t>
             </a:fld>
             <a:endParaRPr lang="de-DE" dirty="0"/>
           </a:p>
@@ -3887,6 +3911,2198 @@
 </p:sld>
 </file>
 
+<file path=ppt/slides/slide10.xml><?xml version="1.0" encoding="utf-8"?>
+<p:sld xmlns:a="http://schemas.openxmlformats.org/drawingml/2006/main" xmlns:r="http://schemas.openxmlformats.org/officeDocument/2006/relationships" xmlns:p="http://schemas.openxmlformats.org/presentationml/2006/main">
+  <p:cSld>
+    <p:spTree>
+      <p:nvGrpSpPr>
+        <p:cNvPr id="1" name=""/>
+        <p:cNvGrpSpPr/>
+        <p:nvPr/>
+      </p:nvGrpSpPr>
+      <p:grpSpPr>
+        <a:xfrm>
+          <a:off x="0" y="0"/>
+          <a:ext cx="0" cy="0"/>
+          <a:chOff x="0" y="0"/>
+          <a:chExt cx="0" cy="0"/>
+        </a:xfrm>
+      </p:grpSpPr>
+      <p:sp>
+        <p:nvSpPr>
+          <p:cNvPr id="2" name="Titel 1">
+            <a:extLst>
+              <a:ext uri="{FF2B5EF4-FFF2-40B4-BE49-F238E27FC236}">
+                <a16:creationId xmlns:a16="http://schemas.microsoft.com/office/drawing/2014/main" id="{6452F334-F080-DBB0-A268-9394B43DEBA8}"/>
+              </a:ext>
+            </a:extLst>
+          </p:cNvPr>
+          <p:cNvSpPr>
+            <a:spLocks noGrp="1"/>
+          </p:cNvSpPr>
+          <p:nvPr>
+            <p:ph type="title"/>
+          </p:nvPr>
+        </p:nvSpPr>
+        <p:spPr/>
+        <p:txBody>
+          <a:bodyPr/>
+          <a:lstStyle/>
+          <a:p>
+            <a:r>
+              <a:rPr lang="de-DE" dirty="0"/>
+              <a:t>Evaluation Methods</a:t>
+            </a:r>
+          </a:p>
+        </p:txBody>
+      </p:sp>
+      <p:sp>
+        <p:nvSpPr>
+          <p:cNvPr id="3" name="Inhaltsplatzhalter 2">
+            <a:extLst>
+              <a:ext uri="{FF2B5EF4-FFF2-40B4-BE49-F238E27FC236}">
+                <a16:creationId xmlns:a16="http://schemas.microsoft.com/office/drawing/2014/main" id="{0BC14114-1E13-5B1E-5A43-0BB83E17C6F1}"/>
+              </a:ext>
+            </a:extLst>
+          </p:cNvPr>
+          <p:cNvSpPr>
+            <a:spLocks noGrp="1"/>
+          </p:cNvSpPr>
+          <p:nvPr>
+            <p:ph idx="1"/>
+          </p:nvPr>
+        </p:nvSpPr>
+        <p:spPr/>
+        <p:txBody>
+          <a:bodyPr/>
+          <a:lstStyle/>
+          <a:p>
+            <a:endParaRPr lang="de-DE" dirty="0"/>
+          </a:p>
+        </p:txBody>
+      </p:sp>
+      <p:sp>
+        <p:nvSpPr>
+          <p:cNvPr id="4" name="Datumsplatzhalter 3">
+            <a:extLst>
+              <a:ext uri="{FF2B5EF4-FFF2-40B4-BE49-F238E27FC236}">
+                <a16:creationId xmlns:a16="http://schemas.microsoft.com/office/drawing/2014/main" id="{F497F52B-AAC9-8C16-F110-59A289D079D0}"/>
+              </a:ext>
+            </a:extLst>
+          </p:cNvPr>
+          <p:cNvSpPr>
+            <a:spLocks noGrp="1"/>
+          </p:cNvSpPr>
+          <p:nvPr>
+            <p:ph type="dt" sz="half" idx="10"/>
+          </p:nvPr>
+        </p:nvSpPr>
+        <p:spPr/>
+        <p:txBody>
+          <a:bodyPr/>
+          <a:lstStyle/>
+          <a:p>
+            <a:r>
+              <a:rPr lang="de-DE"/>
+              <a:t>05.12.2023</a:t>
+            </a:r>
+            <a:endParaRPr lang="de-DE" dirty="0"/>
+          </a:p>
+        </p:txBody>
+      </p:sp>
+      <p:sp>
+        <p:nvSpPr>
+          <p:cNvPr id="5" name="Fußzeilenplatzhalter 4">
+            <a:extLst>
+              <a:ext uri="{FF2B5EF4-FFF2-40B4-BE49-F238E27FC236}">
+                <a16:creationId xmlns:a16="http://schemas.microsoft.com/office/drawing/2014/main" id="{E2506B73-B077-24FB-9352-AF165E90D6F8}"/>
+              </a:ext>
+            </a:extLst>
+          </p:cNvPr>
+          <p:cNvSpPr>
+            <a:spLocks noGrp="1"/>
+          </p:cNvSpPr>
+          <p:nvPr>
+            <p:ph type="ftr" sz="quarter" idx="11"/>
+          </p:nvPr>
+        </p:nvSpPr>
+        <p:spPr/>
+        <p:txBody>
+          <a:bodyPr/>
+          <a:lstStyle/>
+          <a:p>
+            <a:r>
+              <a:rPr lang="en-US"/>
+              <a:t>Multi-modal Speech Representation Learning</a:t>
+            </a:r>
+            <a:endParaRPr lang="de-DE" dirty="0"/>
+          </a:p>
+        </p:txBody>
+      </p:sp>
+      <p:sp>
+        <p:nvSpPr>
+          <p:cNvPr id="6" name="Foliennummernplatzhalter 5">
+            <a:extLst>
+              <a:ext uri="{FF2B5EF4-FFF2-40B4-BE49-F238E27FC236}">
+                <a16:creationId xmlns:a16="http://schemas.microsoft.com/office/drawing/2014/main" id="{7B25BD66-92E0-A4B6-E1D3-EF8C9DE64E7E}"/>
+              </a:ext>
+            </a:extLst>
+          </p:cNvPr>
+          <p:cNvSpPr>
+            <a:spLocks noGrp="1"/>
+          </p:cNvSpPr>
+          <p:nvPr>
+            <p:ph type="sldNum" sz="quarter" idx="12"/>
+          </p:nvPr>
+        </p:nvSpPr>
+        <p:spPr/>
+        <p:txBody>
+          <a:bodyPr/>
+          <a:lstStyle/>
+          <a:p>
+            <a:fld id="{4589C08E-11F1-4614-AD94-2F79D605AB8D}" type="slidenum">
+              <a:rPr lang="de-DE" smtClean="0"/>
+              <a:t>10</a:t>
+            </a:fld>
+            <a:endParaRPr lang="de-DE" dirty="0"/>
+          </a:p>
+        </p:txBody>
+      </p:sp>
+    </p:spTree>
+    <p:extLst>
+      <p:ext uri="{BB962C8B-B14F-4D97-AF65-F5344CB8AC3E}">
+        <p14:creationId xmlns:p14="http://schemas.microsoft.com/office/powerpoint/2010/main" val="1967141980"/>
+      </p:ext>
+    </p:extLst>
+  </p:cSld>
+  <p:clrMapOvr>
+    <a:masterClrMapping/>
+  </p:clrMapOvr>
+</p:sld>
+</file>
+
+<file path=ppt/slides/slide11.xml><?xml version="1.0" encoding="utf-8"?>
+<p:sld xmlns:a="http://schemas.openxmlformats.org/drawingml/2006/main" xmlns:r="http://schemas.openxmlformats.org/officeDocument/2006/relationships" xmlns:p="http://schemas.openxmlformats.org/presentationml/2006/main">
+  <p:cSld>
+    <p:spTree>
+      <p:nvGrpSpPr>
+        <p:cNvPr id="1" name=""/>
+        <p:cNvGrpSpPr/>
+        <p:nvPr/>
+      </p:nvGrpSpPr>
+      <p:grpSpPr>
+        <a:xfrm>
+          <a:off x="0" y="0"/>
+          <a:ext cx="0" cy="0"/>
+          <a:chOff x="0" y="0"/>
+          <a:chExt cx="0" cy="0"/>
+        </a:xfrm>
+      </p:grpSpPr>
+      <p:sp>
+        <p:nvSpPr>
+          <p:cNvPr id="2" name="Titel 1">
+            <a:extLst>
+              <a:ext uri="{FF2B5EF4-FFF2-40B4-BE49-F238E27FC236}">
+                <a16:creationId xmlns:a16="http://schemas.microsoft.com/office/drawing/2014/main" id="{50D04423-9DD4-F6BA-2DC9-5D0829C9B98C}"/>
+              </a:ext>
+            </a:extLst>
+          </p:cNvPr>
+          <p:cNvSpPr>
+            <a:spLocks noGrp="1"/>
+          </p:cNvSpPr>
+          <p:nvPr>
+            <p:ph type="title"/>
+          </p:nvPr>
+        </p:nvSpPr>
+        <p:spPr/>
+        <p:txBody>
+          <a:bodyPr/>
+          <a:lstStyle/>
+          <a:p>
+            <a:r>
+              <a:rPr lang="de-DE" dirty="0"/>
+              <a:t>AV-</a:t>
+            </a:r>
+            <a:r>
+              <a:rPr lang="de-DE" dirty="0" err="1"/>
+              <a:t>HuBERT</a:t>
+            </a:r>
+            <a:r>
+              <a:rPr lang="de-DE" dirty="0"/>
+              <a:t> (2022/03)</a:t>
+            </a:r>
+          </a:p>
+        </p:txBody>
+      </p:sp>
+      <p:sp>
+        <p:nvSpPr>
+          <p:cNvPr id="3" name="Inhaltsplatzhalter 2">
+            <a:extLst>
+              <a:ext uri="{FF2B5EF4-FFF2-40B4-BE49-F238E27FC236}">
+                <a16:creationId xmlns:a16="http://schemas.microsoft.com/office/drawing/2014/main" id="{FDD85934-B3B6-E0EF-C5FA-FDB5E52BA311}"/>
+              </a:ext>
+            </a:extLst>
+          </p:cNvPr>
+          <p:cNvSpPr>
+            <a:spLocks noGrp="1"/>
+          </p:cNvSpPr>
+          <p:nvPr>
+            <p:ph idx="1"/>
+          </p:nvPr>
+        </p:nvSpPr>
+        <p:spPr/>
+        <p:txBody>
+          <a:bodyPr/>
+          <a:lstStyle/>
+          <a:p>
+            <a:r>
+              <a:rPr lang="de-DE" dirty="0" err="1"/>
+              <a:t>Based</a:t>
+            </a:r>
+            <a:r>
+              <a:rPr lang="de-DE" dirty="0"/>
+              <a:t> on </a:t>
+            </a:r>
+            <a:r>
+              <a:rPr lang="de-DE" dirty="0" err="1"/>
+              <a:t>HuBERT</a:t>
+            </a:r>
+            <a:r>
+              <a:rPr lang="de-DE" dirty="0"/>
+              <a:t> (2106.07447)</a:t>
+            </a:r>
+          </a:p>
+          <a:p>
+            <a:r>
+              <a:rPr lang="de-DE" dirty="0"/>
+              <a:t>Audio and Visual </a:t>
+            </a:r>
+            <a:r>
+              <a:rPr lang="de-DE" dirty="0" err="1"/>
+              <a:t>channels</a:t>
+            </a:r>
+            <a:endParaRPr lang="de-DE" dirty="0"/>
+          </a:p>
+          <a:p>
+            <a:endParaRPr lang="de-DE" dirty="0"/>
+          </a:p>
+        </p:txBody>
+      </p:sp>
+      <p:sp>
+        <p:nvSpPr>
+          <p:cNvPr id="4" name="Datumsplatzhalter 3">
+            <a:extLst>
+              <a:ext uri="{FF2B5EF4-FFF2-40B4-BE49-F238E27FC236}">
+                <a16:creationId xmlns:a16="http://schemas.microsoft.com/office/drawing/2014/main" id="{0EFF3519-5645-AC9C-2AC3-70C6A68E499D}"/>
+              </a:ext>
+            </a:extLst>
+          </p:cNvPr>
+          <p:cNvSpPr>
+            <a:spLocks noGrp="1"/>
+          </p:cNvSpPr>
+          <p:nvPr>
+            <p:ph type="dt" sz="half" idx="10"/>
+          </p:nvPr>
+        </p:nvSpPr>
+        <p:spPr/>
+        <p:txBody>
+          <a:bodyPr/>
+          <a:lstStyle/>
+          <a:p>
+            <a:r>
+              <a:rPr lang="de-DE"/>
+              <a:t>05.12.2023</a:t>
+            </a:r>
+            <a:endParaRPr lang="de-DE" dirty="0"/>
+          </a:p>
+        </p:txBody>
+      </p:sp>
+      <p:sp>
+        <p:nvSpPr>
+          <p:cNvPr id="5" name="Fußzeilenplatzhalter 4">
+            <a:extLst>
+              <a:ext uri="{FF2B5EF4-FFF2-40B4-BE49-F238E27FC236}">
+                <a16:creationId xmlns:a16="http://schemas.microsoft.com/office/drawing/2014/main" id="{BF312A83-83AC-9C68-95FC-E7A6D59D3BB4}"/>
+              </a:ext>
+            </a:extLst>
+          </p:cNvPr>
+          <p:cNvSpPr>
+            <a:spLocks noGrp="1"/>
+          </p:cNvSpPr>
+          <p:nvPr>
+            <p:ph type="ftr" sz="quarter" idx="11"/>
+          </p:nvPr>
+        </p:nvSpPr>
+        <p:spPr/>
+        <p:txBody>
+          <a:bodyPr/>
+          <a:lstStyle/>
+          <a:p>
+            <a:r>
+              <a:rPr lang="en-US"/>
+              <a:t>Multi-modal Speech Representation Learning</a:t>
+            </a:r>
+            <a:endParaRPr lang="de-DE" dirty="0"/>
+          </a:p>
+        </p:txBody>
+      </p:sp>
+      <p:sp>
+        <p:nvSpPr>
+          <p:cNvPr id="6" name="Foliennummernplatzhalter 5">
+            <a:extLst>
+              <a:ext uri="{FF2B5EF4-FFF2-40B4-BE49-F238E27FC236}">
+                <a16:creationId xmlns:a16="http://schemas.microsoft.com/office/drawing/2014/main" id="{E525FE09-F039-617D-9C2B-891727A4B0B4}"/>
+              </a:ext>
+            </a:extLst>
+          </p:cNvPr>
+          <p:cNvSpPr>
+            <a:spLocks noGrp="1"/>
+          </p:cNvSpPr>
+          <p:nvPr>
+            <p:ph type="sldNum" sz="quarter" idx="12"/>
+          </p:nvPr>
+        </p:nvSpPr>
+        <p:spPr/>
+        <p:txBody>
+          <a:bodyPr/>
+          <a:lstStyle/>
+          <a:p>
+            <a:fld id="{4589C08E-11F1-4614-AD94-2F79D605AB8D}" type="slidenum">
+              <a:rPr lang="de-DE" smtClean="0"/>
+              <a:t>11</a:t>
+            </a:fld>
+            <a:endParaRPr lang="de-DE" dirty="0"/>
+          </a:p>
+        </p:txBody>
+      </p:sp>
+    </p:spTree>
+    <p:extLst>
+      <p:ext uri="{BB962C8B-B14F-4D97-AF65-F5344CB8AC3E}">
+        <p14:creationId xmlns:p14="http://schemas.microsoft.com/office/powerpoint/2010/main" val="2506345323"/>
+      </p:ext>
+    </p:extLst>
+  </p:cSld>
+  <p:clrMapOvr>
+    <a:masterClrMapping/>
+  </p:clrMapOvr>
+</p:sld>
+</file>
+
+<file path=ppt/slides/slide12.xml><?xml version="1.0" encoding="utf-8"?>
+<p:sld xmlns:a="http://schemas.openxmlformats.org/drawingml/2006/main" xmlns:r="http://schemas.openxmlformats.org/officeDocument/2006/relationships" xmlns:p="http://schemas.openxmlformats.org/presentationml/2006/main">
+  <p:cSld>
+    <p:spTree>
+      <p:nvGrpSpPr>
+        <p:cNvPr id="1" name=""/>
+        <p:cNvGrpSpPr/>
+        <p:nvPr/>
+      </p:nvGrpSpPr>
+      <p:grpSpPr>
+        <a:xfrm>
+          <a:off x="0" y="0"/>
+          <a:ext cx="0" cy="0"/>
+          <a:chOff x="0" y="0"/>
+          <a:chExt cx="0" cy="0"/>
+        </a:xfrm>
+      </p:grpSpPr>
+      <p:sp>
+        <p:nvSpPr>
+          <p:cNvPr id="2" name="Titel 1">
+            <a:extLst>
+              <a:ext uri="{FF2B5EF4-FFF2-40B4-BE49-F238E27FC236}">
+                <a16:creationId xmlns:a16="http://schemas.microsoft.com/office/drawing/2014/main" id="{50D04423-9DD4-F6BA-2DC9-5D0829C9B98C}"/>
+              </a:ext>
+            </a:extLst>
+          </p:cNvPr>
+          <p:cNvSpPr>
+            <a:spLocks noGrp="1"/>
+          </p:cNvSpPr>
+          <p:nvPr>
+            <p:ph type="title"/>
+          </p:nvPr>
+        </p:nvSpPr>
+        <p:spPr/>
+        <p:txBody>
+          <a:bodyPr/>
+          <a:lstStyle/>
+          <a:p>
+            <a:r>
+              <a:rPr lang="de-DE" dirty="0"/>
+              <a:t>AV-</a:t>
+            </a:r>
+            <a:r>
+              <a:rPr lang="de-DE" dirty="0" err="1"/>
+              <a:t>HuBERT</a:t>
+            </a:r>
+            <a:r>
+              <a:rPr lang="de-DE" dirty="0"/>
+              <a:t> (2022/03)</a:t>
+            </a:r>
+          </a:p>
+        </p:txBody>
+      </p:sp>
+      <p:sp>
+        <p:nvSpPr>
+          <p:cNvPr id="3" name="Inhaltsplatzhalter 2">
+            <a:extLst>
+              <a:ext uri="{FF2B5EF4-FFF2-40B4-BE49-F238E27FC236}">
+                <a16:creationId xmlns:a16="http://schemas.microsoft.com/office/drawing/2014/main" id="{FDD85934-B3B6-E0EF-C5FA-FDB5E52BA311}"/>
+              </a:ext>
+            </a:extLst>
+          </p:cNvPr>
+          <p:cNvSpPr>
+            <a:spLocks noGrp="1"/>
+          </p:cNvSpPr>
+          <p:nvPr>
+            <p:ph idx="1"/>
+          </p:nvPr>
+        </p:nvSpPr>
+        <p:spPr/>
+        <p:txBody>
+          <a:bodyPr/>
+          <a:lstStyle/>
+          <a:p>
+            <a:r>
+              <a:rPr lang="de-DE" dirty="0"/>
+              <a:t>Scores in ASR/…</a:t>
+            </a:r>
+          </a:p>
+          <a:p>
+            <a:endParaRPr lang="de-DE" dirty="0"/>
+          </a:p>
+        </p:txBody>
+      </p:sp>
+      <p:sp>
+        <p:nvSpPr>
+          <p:cNvPr id="4" name="Datumsplatzhalter 3">
+            <a:extLst>
+              <a:ext uri="{FF2B5EF4-FFF2-40B4-BE49-F238E27FC236}">
+                <a16:creationId xmlns:a16="http://schemas.microsoft.com/office/drawing/2014/main" id="{0EFF3519-5645-AC9C-2AC3-70C6A68E499D}"/>
+              </a:ext>
+            </a:extLst>
+          </p:cNvPr>
+          <p:cNvSpPr>
+            <a:spLocks noGrp="1"/>
+          </p:cNvSpPr>
+          <p:nvPr>
+            <p:ph type="dt" sz="half" idx="10"/>
+          </p:nvPr>
+        </p:nvSpPr>
+        <p:spPr/>
+        <p:txBody>
+          <a:bodyPr/>
+          <a:lstStyle/>
+          <a:p>
+            <a:r>
+              <a:rPr lang="de-DE"/>
+              <a:t>05.12.2023</a:t>
+            </a:r>
+            <a:endParaRPr lang="de-DE" dirty="0"/>
+          </a:p>
+        </p:txBody>
+      </p:sp>
+      <p:sp>
+        <p:nvSpPr>
+          <p:cNvPr id="5" name="Fußzeilenplatzhalter 4">
+            <a:extLst>
+              <a:ext uri="{FF2B5EF4-FFF2-40B4-BE49-F238E27FC236}">
+                <a16:creationId xmlns:a16="http://schemas.microsoft.com/office/drawing/2014/main" id="{BF312A83-83AC-9C68-95FC-E7A6D59D3BB4}"/>
+              </a:ext>
+            </a:extLst>
+          </p:cNvPr>
+          <p:cNvSpPr>
+            <a:spLocks noGrp="1"/>
+          </p:cNvSpPr>
+          <p:nvPr>
+            <p:ph type="ftr" sz="quarter" idx="11"/>
+          </p:nvPr>
+        </p:nvSpPr>
+        <p:spPr/>
+        <p:txBody>
+          <a:bodyPr/>
+          <a:lstStyle/>
+          <a:p>
+            <a:r>
+              <a:rPr lang="en-US"/>
+              <a:t>Multi-modal Speech Representation Learning</a:t>
+            </a:r>
+            <a:endParaRPr lang="de-DE" dirty="0"/>
+          </a:p>
+        </p:txBody>
+      </p:sp>
+      <p:sp>
+        <p:nvSpPr>
+          <p:cNvPr id="6" name="Foliennummernplatzhalter 5">
+            <a:extLst>
+              <a:ext uri="{FF2B5EF4-FFF2-40B4-BE49-F238E27FC236}">
+                <a16:creationId xmlns:a16="http://schemas.microsoft.com/office/drawing/2014/main" id="{E525FE09-F039-617D-9C2B-891727A4B0B4}"/>
+              </a:ext>
+            </a:extLst>
+          </p:cNvPr>
+          <p:cNvSpPr>
+            <a:spLocks noGrp="1"/>
+          </p:cNvSpPr>
+          <p:nvPr>
+            <p:ph type="sldNum" sz="quarter" idx="12"/>
+          </p:nvPr>
+        </p:nvSpPr>
+        <p:spPr/>
+        <p:txBody>
+          <a:bodyPr/>
+          <a:lstStyle/>
+          <a:p>
+            <a:fld id="{4589C08E-11F1-4614-AD94-2F79D605AB8D}" type="slidenum">
+              <a:rPr lang="de-DE" smtClean="0"/>
+              <a:t>12</a:t>
+            </a:fld>
+            <a:endParaRPr lang="de-DE" dirty="0"/>
+          </a:p>
+        </p:txBody>
+      </p:sp>
+    </p:spTree>
+    <p:extLst>
+      <p:ext uri="{BB962C8B-B14F-4D97-AF65-F5344CB8AC3E}">
+        <p14:creationId xmlns:p14="http://schemas.microsoft.com/office/powerpoint/2010/main" val="1880602538"/>
+      </p:ext>
+    </p:extLst>
+  </p:cSld>
+  <p:clrMapOvr>
+    <a:masterClrMapping/>
+  </p:clrMapOvr>
+</p:sld>
+</file>
+
+<file path=ppt/slides/slide13.xml><?xml version="1.0" encoding="utf-8"?>
+<p:sld xmlns:a="http://schemas.openxmlformats.org/drawingml/2006/main" xmlns:r="http://schemas.openxmlformats.org/officeDocument/2006/relationships" xmlns:p="http://schemas.openxmlformats.org/presentationml/2006/main">
+  <p:cSld>
+    <p:spTree>
+      <p:nvGrpSpPr>
+        <p:cNvPr id="1" name=""/>
+        <p:cNvGrpSpPr/>
+        <p:nvPr/>
+      </p:nvGrpSpPr>
+      <p:grpSpPr>
+        <a:xfrm>
+          <a:off x="0" y="0"/>
+          <a:ext cx="0" cy="0"/>
+          <a:chOff x="0" y="0"/>
+          <a:chExt cx="0" cy="0"/>
+        </a:xfrm>
+      </p:grpSpPr>
+      <p:sp>
+        <p:nvSpPr>
+          <p:cNvPr id="2" name="Titel 1">
+            <a:extLst>
+              <a:ext uri="{FF2B5EF4-FFF2-40B4-BE49-F238E27FC236}">
+                <a16:creationId xmlns:a16="http://schemas.microsoft.com/office/drawing/2014/main" id="{900237B8-8B96-DE96-EA74-C21807612AD9}"/>
+              </a:ext>
+            </a:extLst>
+          </p:cNvPr>
+          <p:cNvSpPr>
+            <a:spLocks noGrp="1"/>
+          </p:cNvSpPr>
+          <p:nvPr>
+            <p:ph type="title"/>
+          </p:nvPr>
+        </p:nvSpPr>
+        <p:spPr/>
+        <p:txBody>
+          <a:bodyPr/>
+          <a:lstStyle/>
+          <a:p>
+            <a:r>
+              <a:rPr lang="de-DE" dirty="0"/>
+              <a:t>SpeechT5 (2022/05)</a:t>
+            </a:r>
+          </a:p>
+        </p:txBody>
+      </p:sp>
+      <p:sp>
+        <p:nvSpPr>
+          <p:cNvPr id="3" name="Inhaltsplatzhalter 2">
+            <a:extLst>
+              <a:ext uri="{FF2B5EF4-FFF2-40B4-BE49-F238E27FC236}">
+                <a16:creationId xmlns:a16="http://schemas.microsoft.com/office/drawing/2014/main" id="{ADA39428-2238-5C4F-EA42-1FF1034AD083}"/>
+              </a:ext>
+            </a:extLst>
+          </p:cNvPr>
+          <p:cNvSpPr>
+            <a:spLocks noGrp="1"/>
+          </p:cNvSpPr>
+          <p:nvPr>
+            <p:ph idx="1"/>
+          </p:nvPr>
+        </p:nvSpPr>
+        <p:spPr/>
+        <p:txBody>
+          <a:bodyPr/>
+          <a:lstStyle/>
+          <a:p>
+            <a:r>
+              <a:rPr lang="de-DE" dirty="0"/>
+              <a:t>Speech/Text </a:t>
+            </a:r>
+            <a:r>
+              <a:rPr lang="de-DE" dirty="0" err="1"/>
+              <a:t>to</a:t>
+            </a:r>
+            <a:r>
+              <a:rPr lang="de-DE" dirty="0"/>
+              <a:t> Speech/Text </a:t>
+            </a:r>
+            <a:r>
+              <a:rPr lang="de-DE" dirty="0" err="1"/>
+              <a:t>learning</a:t>
+            </a:r>
+            <a:endParaRPr lang="de-DE" dirty="0"/>
+          </a:p>
+          <a:p>
+            <a:r>
+              <a:rPr lang="de-DE" dirty="0"/>
+              <a:t>Text/Speech </a:t>
+            </a:r>
+            <a:r>
+              <a:rPr lang="de-DE" dirty="0" err="1"/>
+              <a:t>input</a:t>
+            </a:r>
+            <a:r>
+              <a:rPr lang="de-DE" dirty="0"/>
+              <a:t> </a:t>
+            </a:r>
+            <a:r>
+              <a:rPr lang="de-DE" dirty="0" err="1"/>
+              <a:t>into</a:t>
+            </a:r>
+            <a:r>
+              <a:rPr lang="de-DE" dirty="0"/>
+              <a:t> same </a:t>
+            </a:r>
+            <a:r>
+              <a:rPr lang="de-DE" dirty="0" err="1"/>
+              <a:t>vector</a:t>
+            </a:r>
+            <a:r>
+              <a:rPr lang="de-DE" dirty="0"/>
+              <a:t> </a:t>
+            </a:r>
+            <a:r>
+              <a:rPr lang="de-DE" dirty="0" err="1"/>
+              <a:t>space</a:t>
+            </a:r>
+            <a:endParaRPr lang="de-DE" dirty="0"/>
+          </a:p>
+          <a:p>
+            <a:r>
+              <a:rPr lang="de-DE" dirty="0"/>
+              <a:t>Advantage: </a:t>
+            </a:r>
+            <a:r>
+              <a:rPr lang="de-DE" dirty="0" err="1"/>
+              <a:t>Pre</a:t>
+            </a:r>
+            <a:r>
+              <a:rPr lang="de-DE" dirty="0"/>
+              <a:t>-train on large </a:t>
+            </a:r>
+            <a:r>
+              <a:rPr lang="de-DE" dirty="0" err="1"/>
+              <a:t>amounts</a:t>
+            </a:r>
+            <a:r>
+              <a:rPr lang="de-DE" dirty="0"/>
+              <a:t> of </a:t>
+            </a:r>
+            <a:r>
+              <a:rPr lang="de-DE" dirty="0" err="1"/>
+              <a:t>unlabeled</a:t>
+            </a:r>
+            <a:r>
+              <a:rPr lang="de-DE" dirty="0"/>
+              <a:t> </a:t>
+            </a:r>
+            <a:r>
+              <a:rPr lang="de-DE" dirty="0" err="1"/>
+              <a:t>text</a:t>
+            </a:r>
+            <a:r>
+              <a:rPr lang="de-DE" dirty="0"/>
+              <a:t>/</a:t>
+            </a:r>
+            <a:r>
+              <a:rPr lang="de-DE" dirty="0" err="1"/>
+              <a:t>speech</a:t>
+            </a:r>
+            <a:r>
+              <a:rPr lang="de-DE" dirty="0"/>
+              <a:t> </a:t>
+            </a:r>
+            <a:r>
+              <a:rPr lang="de-DE" dirty="0" err="1"/>
+              <a:t>data</a:t>
+            </a:r>
+            <a:r>
+              <a:rPr lang="de-DE" dirty="0"/>
+              <a:t> (</a:t>
+            </a:r>
+            <a:r>
+              <a:rPr lang="de-DE" dirty="0" err="1"/>
+              <a:t>why</a:t>
+            </a:r>
+            <a:r>
+              <a:rPr lang="de-DE" dirty="0"/>
+              <a:t>)</a:t>
+            </a:r>
+          </a:p>
+        </p:txBody>
+      </p:sp>
+      <p:sp>
+        <p:nvSpPr>
+          <p:cNvPr id="4" name="Datumsplatzhalter 3">
+            <a:extLst>
+              <a:ext uri="{FF2B5EF4-FFF2-40B4-BE49-F238E27FC236}">
+                <a16:creationId xmlns:a16="http://schemas.microsoft.com/office/drawing/2014/main" id="{43045F5A-5F84-3DAA-D947-9CB10D10294A}"/>
+              </a:ext>
+            </a:extLst>
+          </p:cNvPr>
+          <p:cNvSpPr>
+            <a:spLocks noGrp="1"/>
+          </p:cNvSpPr>
+          <p:nvPr>
+            <p:ph type="dt" sz="half" idx="10"/>
+          </p:nvPr>
+        </p:nvSpPr>
+        <p:spPr/>
+        <p:txBody>
+          <a:bodyPr/>
+          <a:lstStyle/>
+          <a:p>
+            <a:r>
+              <a:rPr lang="de-DE"/>
+              <a:t>05.12.2023</a:t>
+            </a:r>
+            <a:endParaRPr lang="de-DE" dirty="0"/>
+          </a:p>
+        </p:txBody>
+      </p:sp>
+      <p:sp>
+        <p:nvSpPr>
+          <p:cNvPr id="5" name="Fußzeilenplatzhalter 4">
+            <a:extLst>
+              <a:ext uri="{FF2B5EF4-FFF2-40B4-BE49-F238E27FC236}">
+                <a16:creationId xmlns:a16="http://schemas.microsoft.com/office/drawing/2014/main" id="{EDE2E0EC-EE74-FA84-73F1-5E3DE571CEF0}"/>
+              </a:ext>
+            </a:extLst>
+          </p:cNvPr>
+          <p:cNvSpPr>
+            <a:spLocks noGrp="1"/>
+          </p:cNvSpPr>
+          <p:nvPr>
+            <p:ph type="ftr" sz="quarter" idx="11"/>
+          </p:nvPr>
+        </p:nvSpPr>
+        <p:spPr/>
+        <p:txBody>
+          <a:bodyPr/>
+          <a:lstStyle/>
+          <a:p>
+            <a:r>
+              <a:rPr lang="en-US"/>
+              <a:t>Multi-modal Speech Representation Learning</a:t>
+            </a:r>
+            <a:endParaRPr lang="de-DE" dirty="0"/>
+          </a:p>
+        </p:txBody>
+      </p:sp>
+      <p:sp>
+        <p:nvSpPr>
+          <p:cNvPr id="6" name="Foliennummernplatzhalter 5">
+            <a:extLst>
+              <a:ext uri="{FF2B5EF4-FFF2-40B4-BE49-F238E27FC236}">
+                <a16:creationId xmlns:a16="http://schemas.microsoft.com/office/drawing/2014/main" id="{D78DCF89-03A3-987E-DC00-E02C395B4493}"/>
+              </a:ext>
+            </a:extLst>
+          </p:cNvPr>
+          <p:cNvSpPr>
+            <a:spLocks noGrp="1"/>
+          </p:cNvSpPr>
+          <p:nvPr>
+            <p:ph type="sldNum" sz="quarter" idx="12"/>
+          </p:nvPr>
+        </p:nvSpPr>
+        <p:spPr/>
+        <p:txBody>
+          <a:bodyPr/>
+          <a:lstStyle/>
+          <a:p>
+            <a:fld id="{4589C08E-11F1-4614-AD94-2F79D605AB8D}" type="slidenum">
+              <a:rPr lang="de-DE" smtClean="0"/>
+              <a:t>13</a:t>
+            </a:fld>
+            <a:endParaRPr lang="de-DE" dirty="0"/>
+          </a:p>
+        </p:txBody>
+      </p:sp>
+    </p:spTree>
+    <p:extLst>
+      <p:ext uri="{BB962C8B-B14F-4D97-AF65-F5344CB8AC3E}">
+        <p14:creationId xmlns:p14="http://schemas.microsoft.com/office/powerpoint/2010/main" val="1261267913"/>
+      </p:ext>
+    </p:extLst>
+  </p:cSld>
+  <p:clrMapOvr>
+    <a:masterClrMapping/>
+  </p:clrMapOvr>
+</p:sld>
+</file>
+
+<file path=ppt/slides/slide14.xml><?xml version="1.0" encoding="utf-8"?>
+<p:sld xmlns:a="http://schemas.openxmlformats.org/drawingml/2006/main" xmlns:r="http://schemas.openxmlformats.org/officeDocument/2006/relationships" xmlns:p="http://schemas.openxmlformats.org/presentationml/2006/main">
+  <p:cSld>
+    <p:spTree>
+      <p:nvGrpSpPr>
+        <p:cNvPr id="1" name=""/>
+        <p:cNvGrpSpPr/>
+        <p:nvPr/>
+      </p:nvGrpSpPr>
+      <p:grpSpPr>
+        <a:xfrm>
+          <a:off x="0" y="0"/>
+          <a:ext cx="0" cy="0"/>
+          <a:chOff x="0" y="0"/>
+          <a:chExt cx="0" cy="0"/>
+        </a:xfrm>
+      </p:grpSpPr>
+      <p:sp>
+        <p:nvSpPr>
+          <p:cNvPr id="2" name="Titel 1">
+            <a:extLst>
+              <a:ext uri="{FF2B5EF4-FFF2-40B4-BE49-F238E27FC236}">
+                <a16:creationId xmlns:a16="http://schemas.microsoft.com/office/drawing/2014/main" id="{900237B8-8B96-DE96-EA74-C21807612AD9}"/>
+              </a:ext>
+            </a:extLst>
+          </p:cNvPr>
+          <p:cNvSpPr>
+            <a:spLocks noGrp="1"/>
+          </p:cNvSpPr>
+          <p:nvPr>
+            <p:ph type="title"/>
+          </p:nvPr>
+        </p:nvSpPr>
+        <p:spPr/>
+        <p:txBody>
+          <a:bodyPr/>
+          <a:lstStyle/>
+          <a:p>
+            <a:r>
+              <a:rPr lang="de-DE" dirty="0"/>
+              <a:t>SpeechT5 (2022/05)</a:t>
+            </a:r>
+          </a:p>
+        </p:txBody>
+      </p:sp>
+      <p:sp>
+        <p:nvSpPr>
+          <p:cNvPr id="3" name="Inhaltsplatzhalter 2">
+            <a:extLst>
+              <a:ext uri="{FF2B5EF4-FFF2-40B4-BE49-F238E27FC236}">
+                <a16:creationId xmlns:a16="http://schemas.microsoft.com/office/drawing/2014/main" id="{ADA39428-2238-5C4F-EA42-1FF1034AD083}"/>
+              </a:ext>
+            </a:extLst>
+          </p:cNvPr>
+          <p:cNvSpPr>
+            <a:spLocks noGrp="1"/>
+          </p:cNvSpPr>
+          <p:nvPr>
+            <p:ph idx="1"/>
+          </p:nvPr>
+        </p:nvSpPr>
+        <p:spPr/>
+        <p:txBody>
+          <a:bodyPr/>
+          <a:lstStyle/>
+          <a:p>
+            <a:r>
+              <a:rPr lang="de-DE" dirty="0"/>
+              <a:t>Scores, </a:t>
+            </a:r>
+            <a:r>
+              <a:rPr lang="de-DE" dirty="0" err="1"/>
+              <a:t>difference</a:t>
+            </a:r>
+            <a:r>
+              <a:rPr lang="de-DE" dirty="0"/>
+              <a:t> </a:t>
+            </a:r>
+            <a:r>
+              <a:rPr lang="de-DE" dirty="0" err="1"/>
+              <a:t>to</a:t>
+            </a:r>
+            <a:r>
+              <a:rPr lang="de-DE" dirty="0"/>
+              <a:t> AV-</a:t>
+            </a:r>
+            <a:r>
+              <a:rPr lang="de-DE" dirty="0" err="1"/>
+              <a:t>HuBERT</a:t>
+            </a:r>
+            <a:endParaRPr lang="de-DE" dirty="0"/>
+          </a:p>
+          <a:p>
+            <a:r>
+              <a:rPr lang="de-DE" dirty="0" err="1"/>
+              <a:t>Why</a:t>
+            </a:r>
+            <a:r>
+              <a:rPr lang="de-DE" dirty="0"/>
+              <a:t> </a:t>
+            </a:r>
+            <a:r>
+              <a:rPr lang="de-DE" dirty="0" err="1"/>
+              <a:t>does</a:t>
+            </a:r>
+            <a:r>
+              <a:rPr lang="de-DE" dirty="0"/>
+              <a:t> </a:t>
+            </a:r>
+            <a:r>
+              <a:rPr lang="de-DE" dirty="0" err="1"/>
+              <a:t>it</a:t>
+            </a:r>
+            <a:r>
+              <a:rPr lang="de-DE" dirty="0"/>
+              <a:t> </a:t>
+            </a:r>
+            <a:r>
+              <a:rPr lang="de-DE" dirty="0" err="1"/>
+              <a:t>work</a:t>
+            </a:r>
+            <a:r>
+              <a:rPr lang="de-DE" dirty="0"/>
+              <a:t> </a:t>
+            </a:r>
+            <a:r>
+              <a:rPr lang="de-DE" dirty="0" err="1"/>
+              <a:t>that</a:t>
+            </a:r>
+            <a:r>
+              <a:rPr lang="de-DE" dirty="0"/>
+              <a:t> </a:t>
+            </a:r>
+            <a:r>
+              <a:rPr lang="de-DE" dirty="0" err="1"/>
+              <a:t>well</a:t>
+            </a:r>
+            <a:r>
+              <a:rPr lang="de-DE" dirty="0"/>
+              <a:t>?</a:t>
+            </a:r>
+          </a:p>
+        </p:txBody>
+      </p:sp>
+      <p:sp>
+        <p:nvSpPr>
+          <p:cNvPr id="4" name="Datumsplatzhalter 3">
+            <a:extLst>
+              <a:ext uri="{FF2B5EF4-FFF2-40B4-BE49-F238E27FC236}">
+                <a16:creationId xmlns:a16="http://schemas.microsoft.com/office/drawing/2014/main" id="{43045F5A-5F84-3DAA-D947-9CB10D10294A}"/>
+              </a:ext>
+            </a:extLst>
+          </p:cNvPr>
+          <p:cNvSpPr>
+            <a:spLocks noGrp="1"/>
+          </p:cNvSpPr>
+          <p:nvPr>
+            <p:ph type="dt" sz="half" idx="10"/>
+          </p:nvPr>
+        </p:nvSpPr>
+        <p:spPr/>
+        <p:txBody>
+          <a:bodyPr/>
+          <a:lstStyle/>
+          <a:p>
+            <a:r>
+              <a:rPr lang="de-DE"/>
+              <a:t>05.12.2023</a:t>
+            </a:r>
+            <a:endParaRPr lang="de-DE" dirty="0"/>
+          </a:p>
+        </p:txBody>
+      </p:sp>
+      <p:sp>
+        <p:nvSpPr>
+          <p:cNvPr id="5" name="Fußzeilenplatzhalter 4">
+            <a:extLst>
+              <a:ext uri="{FF2B5EF4-FFF2-40B4-BE49-F238E27FC236}">
+                <a16:creationId xmlns:a16="http://schemas.microsoft.com/office/drawing/2014/main" id="{EDE2E0EC-EE74-FA84-73F1-5E3DE571CEF0}"/>
+              </a:ext>
+            </a:extLst>
+          </p:cNvPr>
+          <p:cNvSpPr>
+            <a:spLocks noGrp="1"/>
+          </p:cNvSpPr>
+          <p:nvPr>
+            <p:ph type="ftr" sz="quarter" idx="11"/>
+          </p:nvPr>
+        </p:nvSpPr>
+        <p:spPr/>
+        <p:txBody>
+          <a:bodyPr/>
+          <a:lstStyle/>
+          <a:p>
+            <a:r>
+              <a:rPr lang="en-US"/>
+              <a:t>Multi-modal Speech Representation Learning</a:t>
+            </a:r>
+            <a:endParaRPr lang="de-DE" dirty="0"/>
+          </a:p>
+        </p:txBody>
+      </p:sp>
+      <p:sp>
+        <p:nvSpPr>
+          <p:cNvPr id="6" name="Foliennummernplatzhalter 5">
+            <a:extLst>
+              <a:ext uri="{FF2B5EF4-FFF2-40B4-BE49-F238E27FC236}">
+                <a16:creationId xmlns:a16="http://schemas.microsoft.com/office/drawing/2014/main" id="{D78DCF89-03A3-987E-DC00-E02C395B4493}"/>
+              </a:ext>
+            </a:extLst>
+          </p:cNvPr>
+          <p:cNvSpPr>
+            <a:spLocks noGrp="1"/>
+          </p:cNvSpPr>
+          <p:nvPr>
+            <p:ph type="sldNum" sz="quarter" idx="12"/>
+          </p:nvPr>
+        </p:nvSpPr>
+        <p:spPr/>
+        <p:txBody>
+          <a:bodyPr/>
+          <a:lstStyle/>
+          <a:p>
+            <a:fld id="{4589C08E-11F1-4614-AD94-2F79D605AB8D}" type="slidenum">
+              <a:rPr lang="de-DE" smtClean="0"/>
+              <a:t>14</a:t>
+            </a:fld>
+            <a:endParaRPr lang="de-DE" dirty="0"/>
+          </a:p>
+        </p:txBody>
+      </p:sp>
+    </p:spTree>
+    <p:extLst>
+      <p:ext uri="{BB962C8B-B14F-4D97-AF65-F5344CB8AC3E}">
+        <p14:creationId xmlns:p14="http://schemas.microsoft.com/office/powerpoint/2010/main" val="2382043539"/>
+      </p:ext>
+    </p:extLst>
+  </p:cSld>
+  <p:clrMapOvr>
+    <a:masterClrMapping/>
+  </p:clrMapOvr>
+</p:sld>
+</file>
+
+<file path=ppt/slides/slide15.xml><?xml version="1.0" encoding="utf-8"?>
+<p:sld xmlns:a="http://schemas.openxmlformats.org/drawingml/2006/main" xmlns:r="http://schemas.openxmlformats.org/officeDocument/2006/relationships" xmlns:p="http://schemas.openxmlformats.org/presentationml/2006/main">
+  <p:cSld>
+    <p:spTree>
+      <p:nvGrpSpPr>
+        <p:cNvPr id="1" name=""/>
+        <p:cNvGrpSpPr/>
+        <p:nvPr/>
+      </p:nvGrpSpPr>
+      <p:grpSpPr>
+        <a:xfrm>
+          <a:off x="0" y="0"/>
+          <a:ext cx="0" cy="0"/>
+          <a:chOff x="0" y="0"/>
+          <a:chExt cx="0" cy="0"/>
+        </a:xfrm>
+      </p:grpSpPr>
+      <p:sp>
+        <p:nvSpPr>
+          <p:cNvPr id="2" name="Titel 1">
+            <a:extLst>
+              <a:ext uri="{FF2B5EF4-FFF2-40B4-BE49-F238E27FC236}">
+                <a16:creationId xmlns:a16="http://schemas.microsoft.com/office/drawing/2014/main" id="{358629DF-DE7D-BAA9-F837-194F89F9BC96}"/>
+              </a:ext>
+            </a:extLst>
+          </p:cNvPr>
+          <p:cNvSpPr>
+            <a:spLocks noGrp="1"/>
+          </p:cNvSpPr>
+          <p:nvPr>
+            <p:ph type="title"/>
+          </p:nvPr>
+        </p:nvSpPr>
+        <p:spPr/>
+        <p:txBody>
+          <a:bodyPr/>
+          <a:lstStyle/>
+          <a:p>
+            <a:r>
+              <a:rPr lang="de-DE" dirty="0"/>
+              <a:t>Visual-Audio-Text LM (2023/05)</a:t>
+            </a:r>
+          </a:p>
+        </p:txBody>
+      </p:sp>
+      <p:sp>
+        <p:nvSpPr>
+          <p:cNvPr id="3" name="Inhaltsplatzhalter 2">
+            <a:extLst>
+              <a:ext uri="{FF2B5EF4-FFF2-40B4-BE49-F238E27FC236}">
+                <a16:creationId xmlns:a16="http://schemas.microsoft.com/office/drawing/2014/main" id="{C122DCDD-7E10-B6E4-9A57-42E9DB86B263}"/>
+              </a:ext>
+            </a:extLst>
+          </p:cNvPr>
+          <p:cNvSpPr>
+            <a:spLocks noGrp="1"/>
+          </p:cNvSpPr>
+          <p:nvPr>
+            <p:ph idx="1"/>
+          </p:nvPr>
+        </p:nvSpPr>
+        <p:spPr/>
+        <p:txBody>
+          <a:bodyPr/>
+          <a:lstStyle/>
+          <a:p>
+            <a:r>
+              <a:rPr lang="de-DE" dirty="0"/>
+              <a:t>…</a:t>
+            </a:r>
+          </a:p>
+        </p:txBody>
+      </p:sp>
+      <p:sp>
+        <p:nvSpPr>
+          <p:cNvPr id="4" name="Datumsplatzhalter 3">
+            <a:extLst>
+              <a:ext uri="{FF2B5EF4-FFF2-40B4-BE49-F238E27FC236}">
+                <a16:creationId xmlns:a16="http://schemas.microsoft.com/office/drawing/2014/main" id="{AA2DFAA3-D144-50A0-9C58-AB2639736D8E}"/>
+              </a:ext>
+            </a:extLst>
+          </p:cNvPr>
+          <p:cNvSpPr>
+            <a:spLocks noGrp="1"/>
+          </p:cNvSpPr>
+          <p:nvPr>
+            <p:ph type="dt" sz="half" idx="10"/>
+          </p:nvPr>
+        </p:nvSpPr>
+        <p:spPr/>
+        <p:txBody>
+          <a:bodyPr/>
+          <a:lstStyle/>
+          <a:p>
+            <a:r>
+              <a:rPr lang="de-DE"/>
+              <a:t>05.12.2023</a:t>
+            </a:r>
+            <a:endParaRPr lang="de-DE" dirty="0"/>
+          </a:p>
+        </p:txBody>
+      </p:sp>
+      <p:sp>
+        <p:nvSpPr>
+          <p:cNvPr id="5" name="Fußzeilenplatzhalter 4">
+            <a:extLst>
+              <a:ext uri="{FF2B5EF4-FFF2-40B4-BE49-F238E27FC236}">
+                <a16:creationId xmlns:a16="http://schemas.microsoft.com/office/drawing/2014/main" id="{02D8580E-0F61-BDDB-77CC-E4F419C5A7D2}"/>
+              </a:ext>
+            </a:extLst>
+          </p:cNvPr>
+          <p:cNvSpPr>
+            <a:spLocks noGrp="1"/>
+          </p:cNvSpPr>
+          <p:nvPr>
+            <p:ph type="ftr" sz="quarter" idx="11"/>
+          </p:nvPr>
+        </p:nvSpPr>
+        <p:spPr/>
+        <p:txBody>
+          <a:bodyPr/>
+          <a:lstStyle/>
+          <a:p>
+            <a:r>
+              <a:rPr lang="en-US"/>
+              <a:t>Multi-modal Speech Representation Learning</a:t>
+            </a:r>
+            <a:endParaRPr lang="de-DE" dirty="0"/>
+          </a:p>
+        </p:txBody>
+      </p:sp>
+      <p:sp>
+        <p:nvSpPr>
+          <p:cNvPr id="6" name="Foliennummernplatzhalter 5">
+            <a:extLst>
+              <a:ext uri="{FF2B5EF4-FFF2-40B4-BE49-F238E27FC236}">
+                <a16:creationId xmlns:a16="http://schemas.microsoft.com/office/drawing/2014/main" id="{5F851B5D-42CC-F4ED-FF52-3115D318058A}"/>
+              </a:ext>
+            </a:extLst>
+          </p:cNvPr>
+          <p:cNvSpPr>
+            <a:spLocks noGrp="1"/>
+          </p:cNvSpPr>
+          <p:nvPr>
+            <p:ph type="sldNum" sz="quarter" idx="12"/>
+          </p:nvPr>
+        </p:nvSpPr>
+        <p:spPr/>
+        <p:txBody>
+          <a:bodyPr/>
+          <a:lstStyle/>
+          <a:p>
+            <a:fld id="{4589C08E-11F1-4614-AD94-2F79D605AB8D}" type="slidenum">
+              <a:rPr lang="de-DE" smtClean="0"/>
+              <a:t>15</a:t>
+            </a:fld>
+            <a:endParaRPr lang="de-DE" dirty="0"/>
+          </a:p>
+        </p:txBody>
+      </p:sp>
+    </p:spTree>
+    <p:extLst>
+      <p:ext uri="{BB962C8B-B14F-4D97-AF65-F5344CB8AC3E}">
+        <p14:creationId xmlns:p14="http://schemas.microsoft.com/office/powerpoint/2010/main" val="87589397"/>
+      </p:ext>
+    </p:extLst>
+  </p:cSld>
+  <p:clrMapOvr>
+    <a:masterClrMapping/>
+  </p:clrMapOvr>
+</p:sld>
+</file>
+
+<file path=ppt/slides/slide16.xml><?xml version="1.0" encoding="utf-8"?>
+<p:sld xmlns:a="http://schemas.openxmlformats.org/drawingml/2006/main" xmlns:r="http://schemas.openxmlformats.org/officeDocument/2006/relationships" xmlns:p="http://schemas.openxmlformats.org/presentationml/2006/main">
+  <p:cSld>
+    <p:spTree>
+      <p:nvGrpSpPr>
+        <p:cNvPr id="1" name=""/>
+        <p:cNvGrpSpPr/>
+        <p:nvPr/>
+      </p:nvGrpSpPr>
+      <p:grpSpPr>
+        <a:xfrm>
+          <a:off x="0" y="0"/>
+          <a:ext cx="0" cy="0"/>
+          <a:chOff x="0" y="0"/>
+          <a:chExt cx="0" cy="0"/>
+        </a:xfrm>
+      </p:grpSpPr>
+      <p:sp>
+        <p:nvSpPr>
+          <p:cNvPr id="2" name="Titel 1">
+            <a:extLst>
+              <a:ext uri="{FF2B5EF4-FFF2-40B4-BE49-F238E27FC236}">
+                <a16:creationId xmlns:a16="http://schemas.microsoft.com/office/drawing/2014/main" id="{358629DF-DE7D-BAA9-F837-194F89F9BC96}"/>
+              </a:ext>
+            </a:extLst>
+          </p:cNvPr>
+          <p:cNvSpPr>
+            <a:spLocks noGrp="1"/>
+          </p:cNvSpPr>
+          <p:nvPr>
+            <p:ph type="title"/>
+          </p:nvPr>
+        </p:nvSpPr>
+        <p:spPr/>
+        <p:txBody>
+          <a:bodyPr/>
+          <a:lstStyle/>
+          <a:p>
+            <a:r>
+              <a:rPr lang="de-DE" dirty="0"/>
+              <a:t>Visual-Audio-Text LM (2023/05)</a:t>
+            </a:r>
+          </a:p>
+        </p:txBody>
+      </p:sp>
+      <p:sp>
+        <p:nvSpPr>
+          <p:cNvPr id="3" name="Inhaltsplatzhalter 2">
+            <a:extLst>
+              <a:ext uri="{FF2B5EF4-FFF2-40B4-BE49-F238E27FC236}">
+                <a16:creationId xmlns:a16="http://schemas.microsoft.com/office/drawing/2014/main" id="{C122DCDD-7E10-B6E4-9A57-42E9DB86B263}"/>
+              </a:ext>
+            </a:extLst>
+          </p:cNvPr>
+          <p:cNvSpPr>
+            <a:spLocks noGrp="1"/>
+          </p:cNvSpPr>
+          <p:nvPr>
+            <p:ph idx="1"/>
+          </p:nvPr>
+        </p:nvSpPr>
+        <p:spPr/>
+        <p:txBody>
+          <a:bodyPr/>
+          <a:lstStyle/>
+          <a:p>
+            <a:r>
+              <a:rPr lang="de-DE" dirty="0" err="1"/>
+              <a:t>Results</a:t>
+            </a:r>
+            <a:r>
+              <a:rPr lang="de-DE" dirty="0"/>
+              <a:t> / </a:t>
+            </a:r>
+            <a:r>
+              <a:rPr lang="de-DE" dirty="0" err="1"/>
+              <a:t>compare</a:t>
+            </a:r>
+            <a:r>
+              <a:rPr lang="de-DE" dirty="0"/>
+              <a:t> </a:t>
+            </a:r>
+            <a:r>
+              <a:rPr lang="de-DE" dirty="0" err="1"/>
+              <a:t>to</a:t>
+            </a:r>
+            <a:r>
+              <a:rPr lang="de-DE" dirty="0"/>
+              <a:t> SpeechT5 and AV-</a:t>
+            </a:r>
+            <a:r>
+              <a:rPr lang="de-DE" dirty="0" err="1"/>
+              <a:t>HuBERT</a:t>
+            </a:r>
+            <a:endParaRPr lang="de-DE" dirty="0"/>
+          </a:p>
+        </p:txBody>
+      </p:sp>
+      <p:sp>
+        <p:nvSpPr>
+          <p:cNvPr id="4" name="Datumsplatzhalter 3">
+            <a:extLst>
+              <a:ext uri="{FF2B5EF4-FFF2-40B4-BE49-F238E27FC236}">
+                <a16:creationId xmlns:a16="http://schemas.microsoft.com/office/drawing/2014/main" id="{AA2DFAA3-D144-50A0-9C58-AB2639736D8E}"/>
+              </a:ext>
+            </a:extLst>
+          </p:cNvPr>
+          <p:cNvSpPr>
+            <a:spLocks noGrp="1"/>
+          </p:cNvSpPr>
+          <p:nvPr>
+            <p:ph type="dt" sz="half" idx="10"/>
+          </p:nvPr>
+        </p:nvSpPr>
+        <p:spPr/>
+        <p:txBody>
+          <a:bodyPr/>
+          <a:lstStyle/>
+          <a:p>
+            <a:r>
+              <a:rPr lang="de-DE"/>
+              <a:t>05.12.2023</a:t>
+            </a:r>
+            <a:endParaRPr lang="de-DE" dirty="0"/>
+          </a:p>
+        </p:txBody>
+      </p:sp>
+      <p:sp>
+        <p:nvSpPr>
+          <p:cNvPr id="5" name="Fußzeilenplatzhalter 4">
+            <a:extLst>
+              <a:ext uri="{FF2B5EF4-FFF2-40B4-BE49-F238E27FC236}">
+                <a16:creationId xmlns:a16="http://schemas.microsoft.com/office/drawing/2014/main" id="{02D8580E-0F61-BDDB-77CC-E4F419C5A7D2}"/>
+              </a:ext>
+            </a:extLst>
+          </p:cNvPr>
+          <p:cNvSpPr>
+            <a:spLocks noGrp="1"/>
+          </p:cNvSpPr>
+          <p:nvPr>
+            <p:ph type="ftr" sz="quarter" idx="11"/>
+          </p:nvPr>
+        </p:nvSpPr>
+        <p:spPr/>
+        <p:txBody>
+          <a:bodyPr/>
+          <a:lstStyle/>
+          <a:p>
+            <a:r>
+              <a:rPr lang="en-US"/>
+              <a:t>Multi-modal Speech Representation Learning</a:t>
+            </a:r>
+            <a:endParaRPr lang="de-DE" dirty="0"/>
+          </a:p>
+        </p:txBody>
+      </p:sp>
+      <p:sp>
+        <p:nvSpPr>
+          <p:cNvPr id="6" name="Foliennummernplatzhalter 5">
+            <a:extLst>
+              <a:ext uri="{FF2B5EF4-FFF2-40B4-BE49-F238E27FC236}">
+                <a16:creationId xmlns:a16="http://schemas.microsoft.com/office/drawing/2014/main" id="{5F851B5D-42CC-F4ED-FF52-3115D318058A}"/>
+              </a:ext>
+            </a:extLst>
+          </p:cNvPr>
+          <p:cNvSpPr>
+            <a:spLocks noGrp="1"/>
+          </p:cNvSpPr>
+          <p:nvPr>
+            <p:ph type="sldNum" sz="quarter" idx="12"/>
+          </p:nvPr>
+        </p:nvSpPr>
+        <p:spPr/>
+        <p:txBody>
+          <a:bodyPr/>
+          <a:lstStyle/>
+          <a:p>
+            <a:fld id="{4589C08E-11F1-4614-AD94-2F79D605AB8D}" type="slidenum">
+              <a:rPr lang="de-DE" smtClean="0"/>
+              <a:t>16</a:t>
+            </a:fld>
+            <a:endParaRPr lang="de-DE" dirty="0"/>
+          </a:p>
+        </p:txBody>
+      </p:sp>
+    </p:spTree>
+    <p:extLst>
+      <p:ext uri="{BB962C8B-B14F-4D97-AF65-F5344CB8AC3E}">
+        <p14:creationId xmlns:p14="http://schemas.microsoft.com/office/powerpoint/2010/main" val="1781512618"/>
+      </p:ext>
+    </p:extLst>
+  </p:cSld>
+  <p:clrMapOvr>
+    <a:masterClrMapping/>
+  </p:clrMapOvr>
+</p:sld>
+</file>
+
+<file path=ppt/slides/slide17.xml><?xml version="1.0" encoding="utf-8"?>
+<p:sld xmlns:a="http://schemas.openxmlformats.org/drawingml/2006/main" xmlns:r="http://schemas.openxmlformats.org/officeDocument/2006/relationships" xmlns:p="http://schemas.openxmlformats.org/presentationml/2006/main">
+  <p:cSld>
+    <p:spTree>
+      <p:nvGrpSpPr>
+        <p:cNvPr id="1" name=""/>
+        <p:cNvGrpSpPr/>
+        <p:nvPr/>
+      </p:nvGrpSpPr>
+      <p:grpSpPr>
+        <a:xfrm>
+          <a:off x="0" y="0"/>
+          <a:ext cx="0" cy="0"/>
+          <a:chOff x="0" y="0"/>
+          <a:chExt cx="0" cy="0"/>
+        </a:xfrm>
+      </p:grpSpPr>
+      <p:sp>
+        <p:nvSpPr>
+          <p:cNvPr id="2" name="Titel 1">
+            <a:extLst>
+              <a:ext uri="{FF2B5EF4-FFF2-40B4-BE49-F238E27FC236}">
+                <a16:creationId xmlns:a16="http://schemas.microsoft.com/office/drawing/2014/main" id="{358629DF-DE7D-BAA9-F837-194F89F9BC96}"/>
+              </a:ext>
+            </a:extLst>
+          </p:cNvPr>
+          <p:cNvSpPr>
+            <a:spLocks noGrp="1"/>
+          </p:cNvSpPr>
+          <p:nvPr>
+            <p:ph type="title"/>
+          </p:nvPr>
+        </p:nvSpPr>
+        <p:spPr/>
+        <p:txBody>
+          <a:bodyPr/>
+          <a:lstStyle/>
+          <a:p>
+            <a:r>
+              <a:rPr lang="de-DE" dirty="0"/>
+              <a:t>Adv./</a:t>
+            </a:r>
+            <a:r>
+              <a:rPr lang="de-DE" dirty="0" err="1"/>
+              <a:t>Drawbacks</a:t>
+            </a:r>
+            <a:r>
+              <a:rPr lang="de-DE" dirty="0"/>
+              <a:t> of Multimodal Learning</a:t>
+            </a:r>
+          </a:p>
+        </p:txBody>
+      </p:sp>
+      <p:sp>
+        <p:nvSpPr>
+          <p:cNvPr id="3" name="Inhaltsplatzhalter 2">
+            <a:extLst>
+              <a:ext uri="{FF2B5EF4-FFF2-40B4-BE49-F238E27FC236}">
+                <a16:creationId xmlns:a16="http://schemas.microsoft.com/office/drawing/2014/main" id="{C122DCDD-7E10-B6E4-9A57-42E9DB86B263}"/>
+              </a:ext>
+            </a:extLst>
+          </p:cNvPr>
+          <p:cNvSpPr>
+            <a:spLocks noGrp="1"/>
+          </p:cNvSpPr>
+          <p:nvPr>
+            <p:ph idx="1"/>
+          </p:nvPr>
+        </p:nvSpPr>
+        <p:spPr/>
+        <p:txBody>
+          <a:bodyPr/>
+          <a:lstStyle/>
+          <a:p>
+            <a:r>
+              <a:rPr lang="de-DE" dirty="0"/>
+              <a:t>Domain-</a:t>
+            </a:r>
+            <a:r>
+              <a:rPr lang="de-DE" dirty="0" err="1"/>
+              <a:t>specific</a:t>
+            </a:r>
+            <a:r>
+              <a:rPr lang="de-DE" dirty="0"/>
+              <a:t> </a:t>
+            </a:r>
+            <a:r>
+              <a:rPr lang="de-DE" dirty="0" err="1"/>
+              <a:t>data</a:t>
+            </a:r>
+            <a:r>
+              <a:rPr lang="de-DE" dirty="0"/>
+              <a:t> </a:t>
+            </a:r>
+            <a:r>
+              <a:rPr lang="de-DE" dirty="0">
+                <a:sym typeface="Wingdings" panose="05000000000000000000" pitchFamily="2" charset="2"/>
+              </a:rPr>
+              <a:t> </a:t>
+            </a:r>
+            <a:r>
+              <a:rPr lang="de-DE" dirty="0" err="1">
+                <a:sym typeface="Wingdings" panose="05000000000000000000" pitchFamily="2" charset="2"/>
+              </a:rPr>
+              <a:t>no</a:t>
+            </a:r>
+            <a:r>
+              <a:rPr lang="de-DE" dirty="0">
+                <a:sym typeface="Wingdings" panose="05000000000000000000" pitchFamily="2" charset="2"/>
+              </a:rPr>
+              <a:t> </a:t>
+            </a:r>
+            <a:r>
+              <a:rPr lang="de-DE" dirty="0" err="1">
+                <a:sym typeface="Wingdings" panose="05000000000000000000" pitchFamily="2" charset="2"/>
+              </a:rPr>
+              <a:t>no</a:t>
+            </a:r>
+            <a:endParaRPr lang="de-DE" dirty="0"/>
+          </a:p>
+        </p:txBody>
+      </p:sp>
+      <p:sp>
+        <p:nvSpPr>
+          <p:cNvPr id="4" name="Datumsplatzhalter 3">
+            <a:extLst>
+              <a:ext uri="{FF2B5EF4-FFF2-40B4-BE49-F238E27FC236}">
+                <a16:creationId xmlns:a16="http://schemas.microsoft.com/office/drawing/2014/main" id="{AA2DFAA3-D144-50A0-9C58-AB2639736D8E}"/>
+              </a:ext>
+            </a:extLst>
+          </p:cNvPr>
+          <p:cNvSpPr>
+            <a:spLocks noGrp="1"/>
+          </p:cNvSpPr>
+          <p:nvPr>
+            <p:ph type="dt" sz="half" idx="10"/>
+          </p:nvPr>
+        </p:nvSpPr>
+        <p:spPr/>
+        <p:txBody>
+          <a:bodyPr/>
+          <a:lstStyle/>
+          <a:p>
+            <a:r>
+              <a:rPr lang="de-DE"/>
+              <a:t>05.12.2023</a:t>
+            </a:r>
+            <a:endParaRPr lang="de-DE" dirty="0"/>
+          </a:p>
+        </p:txBody>
+      </p:sp>
+      <p:sp>
+        <p:nvSpPr>
+          <p:cNvPr id="5" name="Fußzeilenplatzhalter 4">
+            <a:extLst>
+              <a:ext uri="{FF2B5EF4-FFF2-40B4-BE49-F238E27FC236}">
+                <a16:creationId xmlns:a16="http://schemas.microsoft.com/office/drawing/2014/main" id="{02D8580E-0F61-BDDB-77CC-E4F419C5A7D2}"/>
+              </a:ext>
+            </a:extLst>
+          </p:cNvPr>
+          <p:cNvSpPr>
+            <a:spLocks noGrp="1"/>
+          </p:cNvSpPr>
+          <p:nvPr>
+            <p:ph type="ftr" sz="quarter" idx="11"/>
+          </p:nvPr>
+        </p:nvSpPr>
+        <p:spPr/>
+        <p:txBody>
+          <a:bodyPr/>
+          <a:lstStyle/>
+          <a:p>
+            <a:r>
+              <a:rPr lang="en-US"/>
+              <a:t>Multi-modal Speech Representation Learning</a:t>
+            </a:r>
+            <a:endParaRPr lang="de-DE" dirty="0"/>
+          </a:p>
+        </p:txBody>
+      </p:sp>
+      <p:sp>
+        <p:nvSpPr>
+          <p:cNvPr id="6" name="Foliennummernplatzhalter 5">
+            <a:extLst>
+              <a:ext uri="{FF2B5EF4-FFF2-40B4-BE49-F238E27FC236}">
+                <a16:creationId xmlns:a16="http://schemas.microsoft.com/office/drawing/2014/main" id="{5F851B5D-42CC-F4ED-FF52-3115D318058A}"/>
+              </a:ext>
+            </a:extLst>
+          </p:cNvPr>
+          <p:cNvSpPr>
+            <a:spLocks noGrp="1"/>
+          </p:cNvSpPr>
+          <p:nvPr>
+            <p:ph type="sldNum" sz="quarter" idx="12"/>
+          </p:nvPr>
+        </p:nvSpPr>
+        <p:spPr/>
+        <p:txBody>
+          <a:bodyPr/>
+          <a:lstStyle/>
+          <a:p>
+            <a:fld id="{4589C08E-11F1-4614-AD94-2F79D605AB8D}" type="slidenum">
+              <a:rPr lang="de-DE" smtClean="0"/>
+              <a:t>17</a:t>
+            </a:fld>
+            <a:endParaRPr lang="de-DE" dirty="0"/>
+          </a:p>
+        </p:txBody>
+      </p:sp>
+    </p:spTree>
+    <p:extLst>
+      <p:ext uri="{BB962C8B-B14F-4D97-AF65-F5344CB8AC3E}">
+        <p14:creationId xmlns:p14="http://schemas.microsoft.com/office/powerpoint/2010/main" val="92422634"/>
+      </p:ext>
+    </p:extLst>
+  </p:cSld>
+  <p:clrMapOvr>
+    <a:masterClrMapping/>
+  </p:clrMapOvr>
+</p:sld>
+</file>
+
+<file path=ppt/slides/slide18.xml><?xml version="1.0" encoding="utf-8"?>
+<p:sld xmlns:a="http://schemas.openxmlformats.org/drawingml/2006/main" xmlns:r="http://schemas.openxmlformats.org/officeDocument/2006/relationships" xmlns:p="http://schemas.openxmlformats.org/presentationml/2006/main">
+  <p:cSld>
+    <p:spTree>
+      <p:nvGrpSpPr>
+        <p:cNvPr id="1" name=""/>
+        <p:cNvGrpSpPr/>
+        <p:nvPr/>
+      </p:nvGrpSpPr>
+      <p:grpSpPr>
+        <a:xfrm>
+          <a:off x="0" y="0"/>
+          <a:ext cx="0" cy="0"/>
+          <a:chOff x="0" y="0"/>
+          <a:chExt cx="0" cy="0"/>
+        </a:xfrm>
+      </p:grpSpPr>
+      <p:sp>
+        <p:nvSpPr>
+          <p:cNvPr id="2" name="Titel 1">
+            <a:extLst>
+              <a:ext uri="{FF2B5EF4-FFF2-40B4-BE49-F238E27FC236}">
+                <a16:creationId xmlns:a16="http://schemas.microsoft.com/office/drawing/2014/main" id="{A5AA884D-9FF9-ADE1-DD18-42738AA778F6}"/>
+              </a:ext>
+            </a:extLst>
+          </p:cNvPr>
+          <p:cNvSpPr>
+            <a:spLocks noGrp="1"/>
+          </p:cNvSpPr>
+          <p:nvPr>
+            <p:ph type="title"/>
+          </p:nvPr>
+        </p:nvSpPr>
+        <p:spPr/>
+        <p:txBody>
+          <a:bodyPr/>
+          <a:lstStyle/>
+          <a:p>
+            <a:r>
+              <a:rPr lang="de-DE" dirty="0"/>
+              <a:t>Challenges / </a:t>
+            </a:r>
+            <a:r>
+              <a:rPr lang="de-DE" dirty="0" err="1"/>
+              <a:t>Prospects</a:t>
+            </a:r>
+            <a:endParaRPr lang="de-DE" dirty="0"/>
+          </a:p>
+        </p:txBody>
+      </p:sp>
+      <p:sp>
+        <p:nvSpPr>
+          <p:cNvPr id="3" name="Inhaltsplatzhalter 2">
+            <a:extLst>
+              <a:ext uri="{FF2B5EF4-FFF2-40B4-BE49-F238E27FC236}">
+                <a16:creationId xmlns:a16="http://schemas.microsoft.com/office/drawing/2014/main" id="{3B2AF2DA-0C13-2231-5223-79DCFDDF93CD}"/>
+              </a:ext>
+            </a:extLst>
+          </p:cNvPr>
+          <p:cNvSpPr>
+            <a:spLocks noGrp="1"/>
+          </p:cNvSpPr>
+          <p:nvPr>
+            <p:ph idx="1"/>
+          </p:nvPr>
+        </p:nvSpPr>
+        <p:spPr/>
+        <p:txBody>
+          <a:bodyPr/>
+          <a:lstStyle/>
+          <a:p>
+            <a:r>
+              <a:rPr lang="de-DE" dirty="0"/>
+              <a:t>(Multi-modal) Speech </a:t>
+            </a:r>
+            <a:r>
+              <a:rPr lang="de-DE" dirty="0" err="1"/>
+              <a:t>Representation</a:t>
+            </a:r>
+            <a:r>
+              <a:rPr lang="de-DE" dirty="0"/>
+              <a:t> Learning </a:t>
+            </a:r>
+            <a:r>
+              <a:rPr lang="de-DE" dirty="0" err="1"/>
+              <a:t>is</a:t>
+            </a:r>
+            <a:r>
+              <a:rPr lang="de-DE" dirty="0"/>
+              <a:t> </a:t>
+            </a:r>
+            <a:r>
+              <a:rPr lang="de-DE" dirty="0" err="1"/>
+              <a:t>heavily</a:t>
+            </a:r>
+            <a:r>
+              <a:rPr lang="de-DE" dirty="0"/>
+              <a:t> </a:t>
+            </a:r>
+            <a:r>
+              <a:rPr lang="de-DE" dirty="0" err="1"/>
+              <a:t>researched</a:t>
+            </a:r>
+            <a:r>
+              <a:rPr lang="de-DE" dirty="0"/>
+              <a:t> </a:t>
+            </a:r>
+            <a:r>
+              <a:rPr lang="de-DE" dirty="0" err="1"/>
+              <a:t>field</a:t>
+            </a:r>
+            <a:endParaRPr lang="de-DE" dirty="0"/>
+          </a:p>
+          <a:p>
+            <a:endParaRPr lang="de-DE" dirty="0"/>
+          </a:p>
+        </p:txBody>
+      </p:sp>
+      <p:sp>
+        <p:nvSpPr>
+          <p:cNvPr id="4" name="Datumsplatzhalter 3">
+            <a:extLst>
+              <a:ext uri="{FF2B5EF4-FFF2-40B4-BE49-F238E27FC236}">
+                <a16:creationId xmlns:a16="http://schemas.microsoft.com/office/drawing/2014/main" id="{D634373F-6B03-7938-9148-0CE7A4B01FEB}"/>
+              </a:ext>
+            </a:extLst>
+          </p:cNvPr>
+          <p:cNvSpPr>
+            <a:spLocks noGrp="1"/>
+          </p:cNvSpPr>
+          <p:nvPr>
+            <p:ph type="dt" sz="half" idx="10"/>
+          </p:nvPr>
+        </p:nvSpPr>
+        <p:spPr/>
+        <p:txBody>
+          <a:bodyPr/>
+          <a:lstStyle/>
+          <a:p>
+            <a:r>
+              <a:rPr lang="de-DE"/>
+              <a:t>05.12.2023</a:t>
+            </a:r>
+            <a:endParaRPr lang="de-DE" dirty="0"/>
+          </a:p>
+        </p:txBody>
+      </p:sp>
+      <p:sp>
+        <p:nvSpPr>
+          <p:cNvPr id="5" name="Fußzeilenplatzhalter 4">
+            <a:extLst>
+              <a:ext uri="{FF2B5EF4-FFF2-40B4-BE49-F238E27FC236}">
+                <a16:creationId xmlns:a16="http://schemas.microsoft.com/office/drawing/2014/main" id="{034C8994-9B21-3CAF-B2C8-F4005BBEF94E}"/>
+              </a:ext>
+            </a:extLst>
+          </p:cNvPr>
+          <p:cNvSpPr>
+            <a:spLocks noGrp="1"/>
+          </p:cNvSpPr>
+          <p:nvPr>
+            <p:ph type="ftr" sz="quarter" idx="11"/>
+          </p:nvPr>
+        </p:nvSpPr>
+        <p:spPr/>
+        <p:txBody>
+          <a:bodyPr/>
+          <a:lstStyle/>
+          <a:p>
+            <a:r>
+              <a:rPr lang="en-US"/>
+              <a:t>Multi-modal Speech Representation Learning</a:t>
+            </a:r>
+            <a:endParaRPr lang="de-DE" dirty="0"/>
+          </a:p>
+        </p:txBody>
+      </p:sp>
+      <p:sp>
+        <p:nvSpPr>
+          <p:cNvPr id="6" name="Foliennummernplatzhalter 5">
+            <a:extLst>
+              <a:ext uri="{FF2B5EF4-FFF2-40B4-BE49-F238E27FC236}">
+                <a16:creationId xmlns:a16="http://schemas.microsoft.com/office/drawing/2014/main" id="{AED1C7AE-4D69-C023-148D-6CE0CF086ED4}"/>
+              </a:ext>
+            </a:extLst>
+          </p:cNvPr>
+          <p:cNvSpPr>
+            <a:spLocks noGrp="1"/>
+          </p:cNvSpPr>
+          <p:nvPr>
+            <p:ph type="sldNum" sz="quarter" idx="12"/>
+          </p:nvPr>
+        </p:nvSpPr>
+        <p:spPr/>
+        <p:txBody>
+          <a:bodyPr/>
+          <a:lstStyle/>
+          <a:p>
+            <a:fld id="{4589C08E-11F1-4614-AD94-2F79D605AB8D}" type="slidenum">
+              <a:rPr lang="de-DE" smtClean="0"/>
+              <a:t>18</a:t>
+            </a:fld>
+            <a:endParaRPr lang="de-DE" dirty="0"/>
+          </a:p>
+        </p:txBody>
+      </p:sp>
+    </p:spTree>
+    <p:extLst>
+      <p:ext uri="{BB962C8B-B14F-4D97-AF65-F5344CB8AC3E}">
+        <p14:creationId xmlns:p14="http://schemas.microsoft.com/office/powerpoint/2010/main" val="3187350724"/>
+      </p:ext>
+    </p:extLst>
+  </p:cSld>
+  <p:clrMapOvr>
+    <a:masterClrMapping/>
+  </p:clrMapOvr>
+</p:sld>
+</file>
+
+<file path=ppt/slides/slide19.xml><?xml version="1.0" encoding="utf-8"?>
+<p:sld xmlns:a="http://schemas.openxmlformats.org/drawingml/2006/main" xmlns:r="http://schemas.openxmlformats.org/officeDocument/2006/relationships" xmlns:p="http://schemas.openxmlformats.org/presentationml/2006/main">
+  <p:cSld>
+    <p:spTree>
+      <p:nvGrpSpPr>
+        <p:cNvPr id="1" name=""/>
+        <p:cNvGrpSpPr/>
+        <p:nvPr/>
+      </p:nvGrpSpPr>
+      <p:grpSpPr>
+        <a:xfrm>
+          <a:off x="0" y="0"/>
+          <a:ext cx="0" cy="0"/>
+          <a:chOff x="0" y="0"/>
+          <a:chExt cx="0" cy="0"/>
+        </a:xfrm>
+      </p:grpSpPr>
+      <p:sp>
+        <p:nvSpPr>
+          <p:cNvPr id="3" name="Inhaltsplatzhalter 2">
+            <a:extLst>
+              <a:ext uri="{FF2B5EF4-FFF2-40B4-BE49-F238E27FC236}">
+                <a16:creationId xmlns:a16="http://schemas.microsoft.com/office/drawing/2014/main" id="{DA58E8C4-24E6-5730-F68A-FA8C6C5C5E5E}"/>
+              </a:ext>
+            </a:extLst>
+          </p:cNvPr>
+          <p:cNvSpPr>
+            <a:spLocks noGrp="1"/>
+          </p:cNvSpPr>
+          <p:nvPr>
+            <p:ph idx="1"/>
+          </p:nvPr>
+        </p:nvSpPr>
+        <p:spPr>
+          <a:xfrm>
+            <a:off x="838200" y="589547"/>
+            <a:ext cx="10515600" cy="5587416"/>
+          </a:xfrm>
+        </p:spPr>
+        <p:txBody>
+          <a:bodyPr/>
+          <a:lstStyle/>
+          <a:p>
+            <a:pPr marL="0" indent="0">
+              <a:buNone/>
+            </a:pPr>
+            <a:r>
+              <a:rPr lang="en-US" sz="2800" dirty="0">
+                <a:solidFill>
+                  <a:schemeClr val="bg2">
+                    <a:lumMod val="50000"/>
+                  </a:schemeClr>
+                </a:solidFill>
+                <a:effectLst/>
+              </a:rPr>
+              <a:t>Sources</a:t>
+            </a:r>
+          </a:p>
+          <a:p>
+            <a:pPr marL="0" indent="0">
+              <a:buNone/>
+            </a:pPr>
+            <a:r>
+              <a:rPr lang="en-US" sz="2800" dirty="0">
+                <a:solidFill>
+                  <a:schemeClr val="bg2">
+                    <a:lumMod val="50000"/>
+                  </a:schemeClr>
+                </a:solidFill>
+                <a:effectLst/>
+              </a:rPr>
+              <a:t>[1] Mohamed, Abdelrahman, et al. "Self-supervised speech representation learning: A review." IEEE Journal of Selected Topics in Signal Processing (2022).</a:t>
+            </a:r>
+          </a:p>
+          <a:p>
+            <a:pPr marL="0" indent="0">
+              <a:buNone/>
+            </a:pPr>
+            <a:r>
+              <a:rPr lang="en-US" sz="2800" dirty="0">
+                <a:solidFill>
+                  <a:schemeClr val="bg2">
+                    <a:lumMod val="50000"/>
+                  </a:schemeClr>
+                </a:solidFill>
+                <a:effectLst/>
+              </a:rPr>
+              <a:t>[2] Ao, </a:t>
+            </a:r>
+            <a:r>
+              <a:rPr lang="en-US" sz="2800" dirty="0" err="1">
+                <a:solidFill>
+                  <a:schemeClr val="bg2">
+                    <a:lumMod val="50000"/>
+                  </a:schemeClr>
+                </a:solidFill>
+                <a:effectLst/>
+              </a:rPr>
+              <a:t>Junyi</a:t>
+            </a:r>
+            <a:r>
+              <a:rPr lang="en-US" sz="2800" dirty="0">
+                <a:solidFill>
+                  <a:schemeClr val="bg2">
+                    <a:lumMod val="50000"/>
+                  </a:schemeClr>
+                </a:solidFill>
+                <a:effectLst/>
+              </a:rPr>
+              <a:t>, et al. "Speecht5: Unified-modal encoder-decoder pre-training for spoken language processing." ACL (2022).</a:t>
+            </a:r>
+          </a:p>
+          <a:p>
+            <a:pPr marL="0" indent="0">
+              <a:buNone/>
+            </a:pPr>
+            <a:r>
+              <a:rPr lang="en-US" sz="2800" dirty="0">
+                <a:solidFill>
+                  <a:schemeClr val="bg2">
+                    <a:lumMod val="50000"/>
+                  </a:schemeClr>
+                </a:solidFill>
+                <a:effectLst/>
+              </a:rPr>
+              <a:t>[3] Zhu, </a:t>
+            </a:r>
+            <a:r>
+              <a:rPr lang="en-US" sz="2800" dirty="0" err="1">
+                <a:solidFill>
+                  <a:schemeClr val="bg2">
+                    <a:lumMod val="50000"/>
+                  </a:schemeClr>
+                </a:solidFill>
+                <a:effectLst/>
+              </a:rPr>
+              <a:t>Qiushi</a:t>
+            </a:r>
+            <a:r>
+              <a:rPr lang="en-US" sz="2800" dirty="0">
+                <a:solidFill>
+                  <a:schemeClr val="bg2">
+                    <a:lumMod val="50000"/>
+                  </a:schemeClr>
+                </a:solidFill>
+                <a:effectLst/>
+              </a:rPr>
+              <a:t>, et al. "</a:t>
+            </a:r>
+            <a:r>
+              <a:rPr lang="en-US" sz="2800" dirty="0" err="1">
+                <a:solidFill>
+                  <a:schemeClr val="bg2">
+                    <a:lumMod val="50000"/>
+                  </a:schemeClr>
+                </a:solidFill>
+                <a:effectLst/>
+              </a:rPr>
+              <a:t>Vatlm</a:t>
+            </a:r>
+            <a:r>
+              <a:rPr lang="en-US" sz="2800" dirty="0">
+                <a:solidFill>
+                  <a:schemeClr val="bg2">
+                    <a:lumMod val="50000"/>
+                  </a:schemeClr>
+                </a:solidFill>
+                <a:effectLst/>
+              </a:rPr>
+              <a:t>: Visual-audio-text pre-training with unified masked prediction for speech representation learning." IEEE Transactions on Multimedia (2023).</a:t>
+            </a:r>
+          </a:p>
+          <a:p>
+            <a:pPr marL="0" indent="0">
+              <a:buNone/>
+            </a:pPr>
+            <a:r>
+              <a:rPr lang="en-US" sz="2800" dirty="0">
+                <a:solidFill>
+                  <a:schemeClr val="bg2">
+                    <a:lumMod val="50000"/>
+                  </a:schemeClr>
+                </a:solidFill>
+                <a:effectLst/>
+              </a:rPr>
+              <a:t>[4] Shi, Bowen, et al. "Learning audio-visual speech representation by masked multimodal cluster prediction." ICLR (2022).</a:t>
+            </a:r>
+          </a:p>
+          <a:p>
+            <a:endParaRPr lang="de-DE" dirty="0"/>
+          </a:p>
+        </p:txBody>
+      </p:sp>
+      <p:sp>
+        <p:nvSpPr>
+          <p:cNvPr id="4" name="Datumsplatzhalter 3">
+            <a:extLst>
+              <a:ext uri="{FF2B5EF4-FFF2-40B4-BE49-F238E27FC236}">
+                <a16:creationId xmlns:a16="http://schemas.microsoft.com/office/drawing/2014/main" id="{FDB16A7C-3447-5A3F-AA02-DBF9A1E8C433}"/>
+              </a:ext>
+            </a:extLst>
+          </p:cNvPr>
+          <p:cNvSpPr>
+            <a:spLocks noGrp="1"/>
+          </p:cNvSpPr>
+          <p:nvPr>
+            <p:ph type="dt" sz="half" idx="10"/>
+          </p:nvPr>
+        </p:nvSpPr>
+        <p:spPr/>
+        <p:txBody>
+          <a:bodyPr/>
+          <a:lstStyle/>
+          <a:p>
+            <a:r>
+              <a:rPr lang="de-DE"/>
+              <a:t>05.12.2023</a:t>
+            </a:r>
+            <a:endParaRPr lang="de-DE" dirty="0"/>
+          </a:p>
+        </p:txBody>
+      </p:sp>
+      <p:sp>
+        <p:nvSpPr>
+          <p:cNvPr id="5" name="Fußzeilenplatzhalter 4">
+            <a:extLst>
+              <a:ext uri="{FF2B5EF4-FFF2-40B4-BE49-F238E27FC236}">
+                <a16:creationId xmlns:a16="http://schemas.microsoft.com/office/drawing/2014/main" id="{1BFF79C0-74D4-F6A9-2568-FE07B3251238}"/>
+              </a:ext>
+            </a:extLst>
+          </p:cNvPr>
+          <p:cNvSpPr>
+            <a:spLocks noGrp="1"/>
+          </p:cNvSpPr>
+          <p:nvPr>
+            <p:ph type="ftr" sz="quarter" idx="11"/>
+          </p:nvPr>
+        </p:nvSpPr>
+        <p:spPr/>
+        <p:txBody>
+          <a:bodyPr/>
+          <a:lstStyle/>
+          <a:p>
+            <a:r>
+              <a:rPr lang="en-US"/>
+              <a:t>Multi-modal Speech Representation Learning</a:t>
+            </a:r>
+            <a:endParaRPr lang="de-DE" dirty="0"/>
+          </a:p>
+        </p:txBody>
+      </p:sp>
+      <p:sp>
+        <p:nvSpPr>
+          <p:cNvPr id="6" name="Foliennummernplatzhalter 5">
+            <a:extLst>
+              <a:ext uri="{FF2B5EF4-FFF2-40B4-BE49-F238E27FC236}">
+                <a16:creationId xmlns:a16="http://schemas.microsoft.com/office/drawing/2014/main" id="{3CBB0A13-9FAD-E04F-A40F-6ACB1B46602C}"/>
+              </a:ext>
+            </a:extLst>
+          </p:cNvPr>
+          <p:cNvSpPr>
+            <a:spLocks noGrp="1"/>
+          </p:cNvSpPr>
+          <p:nvPr>
+            <p:ph type="sldNum" sz="quarter" idx="12"/>
+          </p:nvPr>
+        </p:nvSpPr>
+        <p:spPr/>
+        <p:txBody>
+          <a:bodyPr/>
+          <a:lstStyle/>
+          <a:p>
+            <a:fld id="{4589C08E-11F1-4614-AD94-2F79D605AB8D}" type="slidenum">
+              <a:rPr lang="de-DE" smtClean="0"/>
+              <a:t>19</a:t>
+            </a:fld>
+            <a:endParaRPr lang="de-DE" dirty="0"/>
+          </a:p>
+        </p:txBody>
+      </p:sp>
+    </p:spTree>
+    <p:extLst>
+      <p:ext uri="{BB962C8B-B14F-4D97-AF65-F5344CB8AC3E}">
+        <p14:creationId xmlns:p14="http://schemas.microsoft.com/office/powerpoint/2010/main" val="4083435871"/>
+      </p:ext>
+    </p:extLst>
+  </p:cSld>
+  <p:clrMapOvr>
+    <a:masterClrMapping/>
+  </p:clrMapOvr>
+</p:sld>
+</file>
+
 <file path=ppt/slides/slide2.xml><?xml version="1.0" encoding="utf-8"?>
 <p:sld xmlns:a="http://schemas.openxmlformats.org/drawingml/2006/main" xmlns:r="http://schemas.openxmlformats.org/officeDocument/2006/relationships" xmlns:p="http://schemas.openxmlformats.org/presentationml/2006/main">
   <p:cSld>
@@ -3927,7 +6143,15 @@
           <a:p>
             <a:r>
               <a:rPr lang="de-DE" dirty="0"/>
-              <a:t>First Slide</a:t>
+              <a:t>Speech </a:t>
+            </a:r>
+            <a:r>
+              <a:rPr lang="de-DE" dirty="0" err="1"/>
+              <a:t>Representation</a:t>
+            </a:r>
+            <a:r>
+              <a:rPr lang="de-DE" dirty="0"/>
+              <a:t> Learning</a:t>
             </a:r>
           </a:p>
         </p:txBody>
@@ -3954,9 +6178,88 @@
           <a:lstStyle/>
           <a:p>
             <a:r>
-              <a:rPr lang="de-DE" dirty="0"/>
-              <a:t>Content</a:t>
-            </a:r>
+              <a:rPr lang="de-DE" dirty="0" err="1"/>
+              <a:t>What</a:t>
+            </a:r>
+            <a:r>
+              <a:rPr lang="de-DE" dirty="0"/>
+              <a:t> </a:t>
+            </a:r>
+            <a:r>
+              <a:rPr lang="de-DE" dirty="0" err="1"/>
+              <a:t>is</a:t>
+            </a:r>
+            <a:r>
+              <a:rPr lang="de-DE" dirty="0"/>
+              <a:t> </a:t>
+            </a:r>
+            <a:r>
+              <a:rPr lang="de-DE" dirty="0" err="1"/>
+              <a:t>it</a:t>
+            </a:r>
+            <a:endParaRPr lang="de-DE" dirty="0"/>
+          </a:p>
+          <a:p>
+            <a:r>
+              <a:rPr lang="de-DE" dirty="0" err="1"/>
+              <a:t>Why</a:t>
+            </a:r>
+            <a:r>
+              <a:rPr lang="de-DE" dirty="0"/>
+              <a:t> do </a:t>
+            </a:r>
+            <a:r>
+              <a:rPr lang="de-DE" dirty="0" err="1"/>
+              <a:t>we</a:t>
+            </a:r>
+            <a:r>
+              <a:rPr lang="de-DE" dirty="0"/>
+              <a:t> </a:t>
+            </a:r>
+            <a:r>
+              <a:rPr lang="de-DE" dirty="0" err="1"/>
+              <a:t>need</a:t>
+            </a:r>
+            <a:r>
+              <a:rPr lang="de-DE" dirty="0"/>
+              <a:t> </a:t>
+            </a:r>
+            <a:r>
+              <a:rPr lang="de-DE" dirty="0" err="1"/>
+              <a:t>it</a:t>
+            </a:r>
+            <a:endParaRPr lang="de-DE" dirty="0"/>
+          </a:p>
+          <a:p>
+            <a:r>
+              <a:rPr lang="de-DE" dirty="0" err="1"/>
+              <a:t>Process</a:t>
+            </a:r>
+            <a:r>
+              <a:rPr lang="de-DE" dirty="0"/>
+              <a:t> of </a:t>
+            </a:r>
+            <a:r>
+              <a:rPr lang="de-DE" dirty="0" err="1"/>
+              <a:t>learning</a:t>
+            </a:r>
+            <a:r>
+              <a:rPr lang="de-DE" dirty="0"/>
+              <a:t> </a:t>
+            </a:r>
+            <a:r>
+              <a:rPr lang="de-DE" dirty="0" err="1"/>
+              <a:t>speech</a:t>
+            </a:r>
+            <a:r>
+              <a:rPr lang="de-DE" dirty="0"/>
+              <a:t> </a:t>
+            </a:r>
+            <a:r>
+              <a:rPr lang="de-DE" dirty="0" err="1"/>
+              <a:t>representations</a:t>
+            </a:r>
+            <a:endParaRPr lang="de-DE" dirty="0"/>
           </a:p>
         </p:txBody>
       </p:sp>
@@ -4051,6 +6354,657 @@
     <p:extLst>
       <p:ext uri="{BB962C8B-B14F-4D97-AF65-F5344CB8AC3E}">
         <p14:creationId xmlns:p14="http://schemas.microsoft.com/office/powerpoint/2010/main" val="1757219751"/>
+      </p:ext>
+    </p:extLst>
+  </p:cSld>
+  <p:clrMapOvr>
+    <a:masterClrMapping/>
+  </p:clrMapOvr>
+</p:sld>
+</file>
+
+<file path=ppt/slides/slide20.xml><?xml version="1.0" encoding="utf-8"?>
+<p:sld xmlns:a="http://schemas.openxmlformats.org/drawingml/2006/main" xmlns:r="http://schemas.openxmlformats.org/officeDocument/2006/relationships" xmlns:p="http://schemas.openxmlformats.org/presentationml/2006/main">
+  <p:cSld>
+    <p:spTree>
+      <p:nvGrpSpPr>
+        <p:cNvPr id="1" name=""/>
+        <p:cNvGrpSpPr/>
+        <p:nvPr/>
+      </p:nvGrpSpPr>
+      <p:grpSpPr>
+        <a:xfrm>
+          <a:off x="0" y="0"/>
+          <a:ext cx="0" cy="0"/>
+          <a:chOff x="0" y="0"/>
+          <a:chExt cx="0" cy="0"/>
+        </a:xfrm>
+      </p:grpSpPr>
+      <p:sp>
+        <p:nvSpPr>
+          <p:cNvPr id="2" name="Titel 1">
+            <a:extLst>
+              <a:ext uri="{FF2B5EF4-FFF2-40B4-BE49-F238E27FC236}">
+                <a16:creationId xmlns:a16="http://schemas.microsoft.com/office/drawing/2014/main" id="{30A58369-3EB6-8A8B-ED49-DEFC19AC20F8}"/>
+              </a:ext>
+            </a:extLst>
+          </p:cNvPr>
+          <p:cNvSpPr>
+            <a:spLocks noGrp="1"/>
+          </p:cNvSpPr>
+          <p:nvPr>
+            <p:ph type="title"/>
+          </p:nvPr>
+        </p:nvSpPr>
+        <p:spPr>
+          <a:xfrm>
+            <a:off x="838200" y="358775"/>
+            <a:ext cx="10515600" cy="1325563"/>
+          </a:xfrm>
+        </p:spPr>
+        <p:txBody>
+          <a:bodyPr/>
+          <a:lstStyle/>
+          <a:p>
+            <a:r>
+              <a:rPr lang="de-DE" dirty="0" err="1"/>
+              <a:t>From</a:t>
+            </a:r>
+            <a:r>
+              <a:rPr lang="de-DE" dirty="0"/>
+              <a:t> ILIAS</a:t>
+            </a:r>
+          </a:p>
+        </p:txBody>
+      </p:sp>
+      <p:sp>
+        <p:nvSpPr>
+          <p:cNvPr id="3" name="Inhaltsplatzhalter 2">
+            <a:extLst>
+              <a:ext uri="{FF2B5EF4-FFF2-40B4-BE49-F238E27FC236}">
+                <a16:creationId xmlns:a16="http://schemas.microsoft.com/office/drawing/2014/main" id="{35A851A9-AF82-3EFF-8766-2B38DEE71237}"/>
+              </a:ext>
+            </a:extLst>
+          </p:cNvPr>
+          <p:cNvSpPr>
+            <a:spLocks noGrp="1"/>
+          </p:cNvSpPr>
+          <p:nvPr>
+            <p:ph idx="1"/>
+          </p:nvPr>
+        </p:nvSpPr>
+        <p:spPr/>
+        <p:txBody>
+          <a:bodyPr>
+            <a:normAutofit/>
+          </a:bodyPr>
+          <a:lstStyle/>
+          <a:p>
+            <a:r>
+              <a:rPr lang="en-US" sz="1800" dirty="0">
+                <a:effectLst/>
+                <a:latin typeface="Arial" panose="020B0604020202020204" pitchFamily="34" charset="0"/>
+                <a:cs typeface="Arial" panose="020B0604020202020204" pitchFamily="34" charset="0"/>
+              </a:rPr>
+              <a:t>Self-supervised speech representation learning provides universal models which can used for</a:t>
+            </a:r>
+            <a:br>
+              <a:rPr lang="en-US" sz="1800" dirty="0">
+                <a:effectLst/>
+                <a:latin typeface="Arial" panose="020B0604020202020204" pitchFamily="34" charset="0"/>
+                <a:cs typeface="Arial" panose="020B0604020202020204" pitchFamily="34" charset="0"/>
+              </a:rPr>
+            </a:br>
+            <a:r>
+              <a:rPr lang="en-US" sz="1800" dirty="0">
+                <a:effectLst/>
+                <a:latin typeface="Arial" panose="020B0604020202020204" pitchFamily="34" charset="0"/>
+                <a:cs typeface="Arial" panose="020B0604020202020204" pitchFamily="34" charset="0"/>
+              </a:rPr>
+              <a:t>downstream speech tasks.</a:t>
+            </a:r>
+            <a:endParaRPr lang="en-US" sz="1800" dirty="0">
+              <a:latin typeface="Arial" panose="020B0604020202020204" pitchFamily="34" charset="0"/>
+              <a:cs typeface="Arial" panose="020B0604020202020204" pitchFamily="34" charset="0"/>
+            </a:endParaRPr>
+          </a:p>
+          <a:p>
+            <a:r>
+              <a:rPr lang="en-US" sz="1800" dirty="0">
+                <a:effectLst/>
+                <a:latin typeface="Arial" panose="020B0604020202020204" pitchFamily="34" charset="0"/>
+                <a:cs typeface="Arial" panose="020B0604020202020204" pitchFamily="34" charset="0"/>
+              </a:rPr>
+              <a:t>Using multi-modal data for training such models enables to get better representations and</a:t>
+            </a:r>
+            <a:br>
+              <a:rPr lang="en-US" sz="1800" dirty="0">
+                <a:effectLst/>
+                <a:latin typeface="Arial" panose="020B0604020202020204" pitchFamily="34" charset="0"/>
+                <a:cs typeface="Arial" panose="020B0604020202020204" pitchFamily="34" charset="0"/>
+              </a:rPr>
+            </a:br>
+            <a:r>
+              <a:rPr lang="en-US" sz="1800" dirty="0">
+                <a:effectLst/>
+                <a:latin typeface="Arial" panose="020B0604020202020204" pitchFamily="34" charset="0"/>
+                <a:cs typeface="Arial" panose="020B0604020202020204" pitchFamily="34" charset="0"/>
+              </a:rPr>
+              <a:t>expands the use cases.</a:t>
+            </a:r>
+          </a:p>
+          <a:p>
+            <a:pPr marL="0" indent="0">
+              <a:buNone/>
+            </a:pPr>
+            <a:endParaRPr lang="en-US" sz="1800" dirty="0">
+              <a:latin typeface="Arial" panose="020B0604020202020204" pitchFamily="34" charset="0"/>
+              <a:cs typeface="Arial" panose="020B0604020202020204" pitchFamily="34" charset="0"/>
+            </a:endParaRPr>
+          </a:p>
+          <a:p>
+            <a:pPr marL="0" indent="0">
+              <a:buNone/>
+            </a:pPr>
+            <a:endParaRPr lang="en-US" sz="1800" dirty="0">
+              <a:effectLst/>
+              <a:latin typeface="Arial" panose="020B0604020202020204" pitchFamily="34" charset="0"/>
+              <a:cs typeface="Arial" panose="020B0604020202020204" pitchFamily="34" charset="0"/>
+            </a:endParaRPr>
+          </a:p>
+          <a:p>
+            <a:pPr marL="0" indent="0">
+              <a:buNone/>
+            </a:pPr>
+            <a:endParaRPr lang="en-US" sz="1800" dirty="0">
+              <a:latin typeface="Arial" panose="020B0604020202020204" pitchFamily="34" charset="0"/>
+              <a:cs typeface="Arial" panose="020B0604020202020204" pitchFamily="34" charset="0"/>
+            </a:endParaRPr>
+          </a:p>
+          <a:p>
+            <a:pPr marL="0" indent="0">
+              <a:buNone/>
+            </a:pPr>
+            <a:endParaRPr lang="en-US" sz="1800" dirty="0">
+              <a:effectLst/>
+              <a:latin typeface="Arial" panose="020B0604020202020204" pitchFamily="34" charset="0"/>
+              <a:cs typeface="Arial" panose="020B0604020202020204" pitchFamily="34" charset="0"/>
+            </a:endParaRPr>
+          </a:p>
+          <a:p>
+            <a:pPr marL="0" indent="0">
+              <a:buNone/>
+            </a:pPr>
+            <a:endParaRPr lang="en-US" sz="1800" dirty="0">
+              <a:effectLst/>
+              <a:latin typeface="Arial" panose="020B0604020202020204" pitchFamily="34" charset="0"/>
+              <a:cs typeface="Arial" panose="020B0604020202020204" pitchFamily="34" charset="0"/>
+            </a:endParaRPr>
+          </a:p>
+          <a:p>
+            <a:pPr marL="0" indent="0">
+              <a:buNone/>
+            </a:pPr>
+            <a:r>
+              <a:rPr lang="en-US" sz="800" dirty="0">
+                <a:solidFill>
+                  <a:schemeClr val="bg2">
+                    <a:lumMod val="50000"/>
+                  </a:schemeClr>
+                </a:solidFill>
+                <a:effectLst/>
+              </a:rPr>
+              <a:t>Literature</a:t>
+            </a:r>
+          </a:p>
+          <a:p>
+            <a:pPr marL="0" indent="0">
+              <a:buNone/>
+            </a:pPr>
+            <a:r>
+              <a:rPr lang="en-US" sz="800" dirty="0">
+                <a:solidFill>
+                  <a:schemeClr val="bg2">
+                    <a:lumMod val="50000"/>
+                  </a:schemeClr>
+                </a:solidFill>
+                <a:effectLst/>
+              </a:rPr>
+              <a:t>• [1] Mohamed, Abdelrahman, et al. "Self-supervised speech representation learning: A review." IEEE Journal of Selected Topics in Signal Processing (2022).</a:t>
+            </a:r>
+          </a:p>
+          <a:p>
+            <a:pPr marL="0" indent="0">
+              <a:buNone/>
+            </a:pPr>
+            <a:r>
+              <a:rPr lang="en-US" sz="800" dirty="0">
+                <a:solidFill>
+                  <a:schemeClr val="bg2">
+                    <a:lumMod val="50000"/>
+                  </a:schemeClr>
+                </a:solidFill>
+                <a:effectLst/>
+              </a:rPr>
+              <a:t>• [2] Ao, </a:t>
+            </a:r>
+            <a:r>
+              <a:rPr lang="en-US" sz="800" dirty="0" err="1">
+                <a:solidFill>
+                  <a:schemeClr val="bg2">
+                    <a:lumMod val="50000"/>
+                  </a:schemeClr>
+                </a:solidFill>
+                <a:effectLst/>
+              </a:rPr>
+              <a:t>Junyi</a:t>
+            </a:r>
+            <a:r>
+              <a:rPr lang="en-US" sz="800" dirty="0">
+                <a:solidFill>
+                  <a:schemeClr val="bg2">
+                    <a:lumMod val="50000"/>
+                  </a:schemeClr>
+                </a:solidFill>
+                <a:effectLst/>
+              </a:rPr>
+              <a:t>, et al. "Speecht5: Unified-modal encoder-decoder pre-training for spoken language processing." ACL (2022).</a:t>
+            </a:r>
+          </a:p>
+          <a:p>
+            <a:pPr marL="0" indent="0">
+              <a:buNone/>
+            </a:pPr>
+            <a:r>
+              <a:rPr lang="en-US" sz="800" dirty="0">
+                <a:solidFill>
+                  <a:schemeClr val="bg2">
+                    <a:lumMod val="50000"/>
+                  </a:schemeClr>
+                </a:solidFill>
+                <a:effectLst/>
+              </a:rPr>
+              <a:t>• [3] Zhu, </a:t>
+            </a:r>
+            <a:r>
+              <a:rPr lang="en-US" sz="800" dirty="0" err="1">
+                <a:solidFill>
+                  <a:schemeClr val="bg2">
+                    <a:lumMod val="50000"/>
+                  </a:schemeClr>
+                </a:solidFill>
+                <a:effectLst/>
+              </a:rPr>
+              <a:t>Qiushi</a:t>
+            </a:r>
+            <a:r>
+              <a:rPr lang="en-US" sz="800" dirty="0">
+                <a:solidFill>
+                  <a:schemeClr val="bg2">
+                    <a:lumMod val="50000"/>
+                  </a:schemeClr>
+                </a:solidFill>
+                <a:effectLst/>
+              </a:rPr>
+              <a:t>, et al. "</a:t>
+            </a:r>
+            <a:r>
+              <a:rPr lang="en-US" sz="800" dirty="0" err="1">
+                <a:solidFill>
+                  <a:schemeClr val="bg2">
+                    <a:lumMod val="50000"/>
+                  </a:schemeClr>
+                </a:solidFill>
+                <a:effectLst/>
+              </a:rPr>
+              <a:t>Vatlm</a:t>
+            </a:r>
+            <a:r>
+              <a:rPr lang="en-US" sz="800" dirty="0">
+                <a:solidFill>
+                  <a:schemeClr val="bg2">
+                    <a:lumMod val="50000"/>
+                  </a:schemeClr>
+                </a:solidFill>
+                <a:effectLst/>
+              </a:rPr>
+              <a:t>: Visual-audio-text pre-training with unified masked prediction for speech representation learning." IEEE Transactions on Multimedia (2023).</a:t>
+            </a:r>
+          </a:p>
+          <a:p>
+            <a:pPr marL="0" indent="0">
+              <a:buNone/>
+            </a:pPr>
+            <a:r>
+              <a:rPr lang="en-US" sz="800" dirty="0">
+                <a:solidFill>
+                  <a:schemeClr val="bg2">
+                    <a:lumMod val="50000"/>
+                  </a:schemeClr>
+                </a:solidFill>
+                <a:effectLst/>
+              </a:rPr>
+              <a:t>• [4] Shi, Bowen, et al. "Learning audio-visual speech representation by masked multimodal cluster prediction." ICLR (2022).</a:t>
+            </a:r>
+          </a:p>
+          <a:p>
+            <a:endParaRPr lang="de-DE" dirty="0"/>
+          </a:p>
+        </p:txBody>
+      </p:sp>
+      <p:sp>
+        <p:nvSpPr>
+          <p:cNvPr id="4" name="Datumsplatzhalter 3">
+            <a:extLst>
+              <a:ext uri="{FF2B5EF4-FFF2-40B4-BE49-F238E27FC236}">
+                <a16:creationId xmlns:a16="http://schemas.microsoft.com/office/drawing/2014/main" id="{EDD15EFB-FF5B-B4CA-55B9-6CC35A8EAF12}"/>
+              </a:ext>
+            </a:extLst>
+          </p:cNvPr>
+          <p:cNvSpPr>
+            <a:spLocks noGrp="1"/>
+          </p:cNvSpPr>
+          <p:nvPr>
+            <p:ph type="dt" sz="half" idx="10"/>
+          </p:nvPr>
+        </p:nvSpPr>
+        <p:spPr/>
+        <p:txBody>
+          <a:bodyPr/>
+          <a:lstStyle/>
+          <a:p>
+            <a:r>
+              <a:rPr lang="de-DE"/>
+              <a:t>05.12.2023</a:t>
+            </a:r>
+            <a:endParaRPr lang="de-DE" dirty="0"/>
+          </a:p>
+        </p:txBody>
+      </p:sp>
+      <p:sp>
+        <p:nvSpPr>
+          <p:cNvPr id="5" name="Fußzeilenplatzhalter 4">
+            <a:extLst>
+              <a:ext uri="{FF2B5EF4-FFF2-40B4-BE49-F238E27FC236}">
+                <a16:creationId xmlns:a16="http://schemas.microsoft.com/office/drawing/2014/main" id="{E7A447EA-958C-B9A2-64C2-FF1D7A366BDC}"/>
+              </a:ext>
+            </a:extLst>
+          </p:cNvPr>
+          <p:cNvSpPr>
+            <a:spLocks noGrp="1"/>
+          </p:cNvSpPr>
+          <p:nvPr>
+            <p:ph type="ftr" sz="quarter" idx="11"/>
+          </p:nvPr>
+        </p:nvSpPr>
+        <p:spPr/>
+        <p:txBody>
+          <a:bodyPr/>
+          <a:lstStyle/>
+          <a:p>
+            <a:r>
+              <a:rPr lang="en-US"/>
+              <a:t>Multi-modal Speech Representation Learning</a:t>
+            </a:r>
+            <a:endParaRPr lang="de-DE" dirty="0"/>
+          </a:p>
+        </p:txBody>
+      </p:sp>
+      <p:sp>
+        <p:nvSpPr>
+          <p:cNvPr id="6" name="Foliennummernplatzhalter 5">
+            <a:extLst>
+              <a:ext uri="{FF2B5EF4-FFF2-40B4-BE49-F238E27FC236}">
+                <a16:creationId xmlns:a16="http://schemas.microsoft.com/office/drawing/2014/main" id="{0FA6D437-CFB6-C4C0-C250-EE2D2D7DD2FA}"/>
+              </a:ext>
+            </a:extLst>
+          </p:cNvPr>
+          <p:cNvSpPr>
+            <a:spLocks noGrp="1"/>
+          </p:cNvSpPr>
+          <p:nvPr>
+            <p:ph type="sldNum" sz="quarter" idx="12"/>
+          </p:nvPr>
+        </p:nvSpPr>
+        <p:spPr/>
+        <p:txBody>
+          <a:bodyPr/>
+          <a:lstStyle/>
+          <a:p>
+            <a:fld id="{4589C08E-11F1-4614-AD94-2F79D605AB8D}" type="slidenum">
+              <a:rPr lang="de-DE" smtClean="0"/>
+              <a:t>20</a:t>
+            </a:fld>
+            <a:endParaRPr lang="de-DE" dirty="0"/>
+          </a:p>
+        </p:txBody>
+      </p:sp>
+    </p:spTree>
+    <p:extLst>
+      <p:ext uri="{BB962C8B-B14F-4D97-AF65-F5344CB8AC3E}">
+        <p14:creationId xmlns:p14="http://schemas.microsoft.com/office/powerpoint/2010/main" val="3496448324"/>
+      </p:ext>
+    </p:extLst>
+  </p:cSld>
+  <p:clrMapOvr>
+    <a:masterClrMapping/>
+  </p:clrMapOvr>
+</p:sld>
+</file>
+
+<file path=ppt/slides/slide21.xml><?xml version="1.0" encoding="utf-8"?>
+<p:sld xmlns:a="http://schemas.openxmlformats.org/drawingml/2006/main" xmlns:r="http://schemas.openxmlformats.org/officeDocument/2006/relationships" xmlns:p="http://schemas.openxmlformats.org/presentationml/2006/main">
+  <p:cSld>
+    <p:spTree>
+      <p:nvGrpSpPr>
+        <p:cNvPr id="1" name=""/>
+        <p:cNvGrpSpPr/>
+        <p:nvPr/>
+      </p:nvGrpSpPr>
+      <p:grpSpPr>
+        <a:xfrm>
+          <a:off x="0" y="0"/>
+          <a:ext cx="0" cy="0"/>
+          <a:chOff x="0" y="0"/>
+          <a:chExt cx="0" cy="0"/>
+        </a:xfrm>
+      </p:grpSpPr>
+      <p:sp>
+        <p:nvSpPr>
+          <p:cNvPr id="2" name="Titel 1">
+            <a:extLst>
+              <a:ext uri="{FF2B5EF4-FFF2-40B4-BE49-F238E27FC236}">
+                <a16:creationId xmlns:a16="http://schemas.microsoft.com/office/drawing/2014/main" id="{7ED805BA-22DB-7C3F-FA81-EBDA00F3079D}"/>
+              </a:ext>
+            </a:extLst>
+          </p:cNvPr>
+          <p:cNvSpPr>
+            <a:spLocks noGrp="1"/>
+          </p:cNvSpPr>
+          <p:nvPr>
+            <p:ph type="title"/>
+          </p:nvPr>
+        </p:nvSpPr>
+        <p:spPr/>
+        <p:txBody>
+          <a:bodyPr/>
+          <a:lstStyle/>
+          <a:p>
+            <a:r>
+              <a:rPr lang="de-DE" dirty="0" err="1"/>
+              <a:t>Presentation</a:t>
+            </a:r>
+            <a:r>
+              <a:rPr lang="de-DE" dirty="0"/>
+              <a:t> </a:t>
+            </a:r>
+            <a:r>
+              <a:rPr lang="de-DE" dirty="0" err="1"/>
+              <a:t>metadata</a:t>
+            </a:r>
+            <a:endParaRPr lang="de-DE" dirty="0"/>
+          </a:p>
+        </p:txBody>
+      </p:sp>
+      <p:sp>
+        <p:nvSpPr>
+          <p:cNvPr id="3" name="Inhaltsplatzhalter 2">
+            <a:extLst>
+              <a:ext uri="{FF2B5EF4-FFF2-40B4-BE49-F238E27FC236}">
+                <a16:creationId xmlns:a16="http://schemas.microsoft.com/office/drawing/2014/main" id="{785CE866-7610-D846-8EC9-42B4A6E74904}"/>
+              </a:ext>
+            </a:extLst>
+          </p:cNvPr>
+          <p:cNvSpPr>
+            <a:spLocks noGrp="1"/>
+          </p:cNvSpPr>
+          <p:nvPr>
+            <p:ph idx="1"/>
+          </p:nvPr>
+        </p:nvSpPr>
+        <p:spPr/>
+        <p:txBody>
+          <a:bodyPr>
+            <a:normAutofit/>
+          </a:bodyPr>
+          <a:lstStyle/>
+          <a:p>
+            <a:r>
+              <a:rPr lang="de-DE" b="1" dirty="0" err="1"/>
+              <a:t>two</a:t>
+            </a:r>
+            <a:r>
+              <a:rPr lang="de-DE" b="1" dirty="0"/>
+              <a:t> </a:t>
+            </a:r>
+            <a:r>
+              <a:rPr lang="de-DE" b="1" dirty="0" err="1"/>
+              <a:t>minutes</a:t>
+            </a:r>
+            <a:r>
+              <a:rPr lang="de-DE" b="1" dirty="0"/>
+              <a:t> per </a:t>
+            </a:r>
+            <a:r>
+              <a:rPr lang="de-DE" b="1" dirty="0" err="1"/>
+              <a:t>slide</a:t>
+            </a:r>
+            <a:r>
+              <a:rPr lang="de-DE" b="1" dirty="0"/>
+              <a:t> </a:t>
+            </a:r>
+            <a:r>
+              <a:rPr lang="de-DE" b="1" dirty="0">
+                <a:sym typeface="Wingdings" panose="05000000000000000000" pitchFamily="2" charset="2"/>
+              </a:rPr>
+              <a:t> ~</a:t>
+            </a:r>
+            <a:r>
+              <a:rPr lang="de-DE" b="1">
+                <a:sym typeface="Wingdings" panose="05000000000000000000" pitchFamily="2" charset="2"/>
+              </a:rPr>
+              <a:t>12.5 Slides</a:t>
+            </a:r>
+          </a:p>
+          <a:p>
+            <a:pPr marL="0" indent="0">
+              <a:buNone/>
+            </a:pPr>
+            <a:endParaRPr lang="de-DE" b="1" dirty="0"/>
+          </a:p>
+        </p:txBody>
+      </p:sp>
+      <p:sp>
+        <p:nvSpPr>
+          <p:cNvPr id="4" name="Datumsplatzhalter 3">
+            <a:extLst>
+              <a:ext uri="{FF2B5EF4-FFF2-40B4-BE49-F238E27FC236}">
+                <a16:creationId xmlns:a16="http://schemas.microsoft.com/office/drawing/2014/main" id="{3A3F07CD-B7D8-56ED-F1C0-AD943813A33D}"/>
+              </a:ext>
+            </a:extLst>
+          </p:cNvPr>
+          <p:cNvSpPr>
+            <a:spLocks noGrp="1"/>
+          </p:cNvSpPr>
+          <p:nvPr>
+            <p:ph type="dt" sz="half" idx="10"/>
+          </p:nvPr>
+        </p:nvSpPr>
+        <p:spPr/>
+        <p:txBody>
+          <a:bodyPr/>
+          <a:lstStyle/>
+          <a:p>
+            <a:r>
+              <a:rPr lang="de-DE"/>
+              <a:t>05.12.2023</a:t>
+            </a:r>
+            <a:endParaRPr lang="de-DE" dirty="0"/>
+          </a:p>
+        </p:txBody>
+      </p:sp>
+      <p:sp>
+        <p:nvSpPr>
+          <p:cNvPr id="5" name="Fußzeilenplatzhalter 4">
+            <a:extLst>
+              <a:ext uri="{FF2B5EF4-FFF2-40B4-BE49-F238E27FC236}">
+                <a16:creationId xmlns:a16="http://schemas.microsoft.com/office/drawing/2014/main" id="{BB74E4BF-436F-2407-CCA7-6DF73948D4BC}"/>
+              </a:ext>
+            </a:extLst>
+          </p:cNvPr>
+          <p:cNvSpPr>
+            <a:spLocks noGrp="1"/>
+          </p:cNvSpPr>
+          <p:nvPr>
+            <p:ph type="ftr" sz="quarter" idx="11"/>
+          </p:nvPr>
+        </p:nvSpPr>
+        <p:spPr/>
+        <p:txBody>
+          <a:bodyPr/>
+          <a:lstStyle/>
+          <a:p>
+            <a:r>
+              <a:rPr lang="en-US"/>
+              <a:t>Multi-modal Speech Representation Learning</a:t>
+            </a:r>
+            <a:endParaRPr lang="de-DE" dirty="0"/>
+          </a:p>
+        </p:txBody>
+      </p:sp>
+      <p:sp>
+        <p:nvSpPr>
+          <p:cNvPr id="6" name="Foliennummernplatzhalter 5">
+            <a:extLst>
+              <a:ext uri="{FF2B5EF4-FFF2-40B4-BE49-F238E27FC236}">
+                <a16:creationId xmlns:a16="http://schemas.microsoft.com/office/drawing/2014/main" id="{168096F9-3FB5-0C55-D6F4-1BCA6D935B80}"/>
+              </a:ext>
+            </a:extLst>
+          </p:cNvPr>
+          <p:cNvSpPr>
+            <a:spLocks noGrp="1"/>
+          </p:cNvSpPr>
+          <p:nvPr>
+            <p:ph type="sldNum" sz="quarter" idx="12"/>
+          </p:nvPr>
+        </p:nvSpPr>
+        <p:spPr/>
+        <p:txBody>
+          <a:bodyPr/>
+          <a:lstStyle/>
+          <a:p>
+            <a:fld id="{4589C08E-11F1-4614-AD94-2F79D605AB8D}" type="slidenum">
+              <a:rPr lang="de-DE" smtClean="0"/>
+              <a:t>21</a:t>
+            </a:fld>
+            <a:endParaRPr lang="de-DE" dirty="0"/>
+          </a:p>
+        </p:txBody>
+      </p:sp>
+    </p:spTree>
+    <p:extLst>
+      <p:ext uri="{BB962C8B-B14F-4D97-AF65-F5344CB8AC3E}">
+        <p14:creationId xmlns:p14="http://schemas.microsoft.com/office/powerpoint/2010/main" val="2915824135"/>
       </p:ext>
     </p:extLst>
   </p:cSld>
@@ -4100,7 +7054,15 @@
           <a:p>
             <a:r>
               <a:rPr lang="de-DE" dirty="0"/>
-              <a:t>Second Slide</a:t>
+              <a:t>History of Speech </a:t>
+            </a:r>
+            <a:r>
+              <a:rPr lang="de-DE" dirty="0" err="1"/>
+              <a:t>Representation</a:t>
+            </a:r>
+            <a:r>
+              <a:rPr lang="de-DE" dirty="0"/>
+              <a:t> Learning</a:t>
             </a:r>
           </a:p>
         </p:txBody>
@@ -4128,12 +7090,35 @@
           <a:p>
             <a:r>
               <a:rPr lang="de-DE" dirty="0"/>
-              <a:t>More </a:t>
-            </a:r>
-            <a:r>
-              <a:rPr lang="en-GB" dirty="0"/>
-              <a:t>content</a:t>
-            </a:r>
+              <a:t>Early </a:t>
+            </a:r>
+            <a:r>
+              <a:rPr lang="de-DE" dirty="0" err="1"/>
+              <a:t>approaches</a:t>
+            </a:r>
+            <a:endParaRPr lang="de-DE" dirty="0"/>
+          </a:p>
+          <a:p>
+            <a:r>
+              <a:rPr lang="de-DE" dirty="0"/>
+              <a:t>Single </a:t>
+            </a:r>
+            <a:r>
+              <a:rPr lang="de-DE" dirty="0" err="1"/>
+              <a:t>mode</a:t>
+            </a:r>
+            <a:r>
+              <a:rPr lang="de-DE" dirty="0"/>
+              <a:t> </a:t>
+            </a:r>
+            <a:r>
+              <a:rPr lang="de-DE" dirty="0" err="1"/>
+              <a:t>learning</a:t>
+            </a:r>
+            <a:endParaRPr lang="de-DE" dirty="0"/>
+          </a:p>
+          <a:p>
+            <a:endParaRPr lang="en-GB" dirty="0"/>
           </a:p>
         </p:txBody>
       </p:sp>
@@ -4259,7 +7244,7 @@
           <p:cNvPr id="2" name="Titel 1">
             <a:extLst>
               <a:ext uri="{FF2B5EF4-FFF2-40B4-BE49-F238E27FC236}">
-                <a16:creationId xmlns:a16="http://schemas.microsoft.com/office/drawing/2014/main" id="{30A58369-3EB6-8A8B-ED49-DEFC19AC20F8}"/>
+                <a16:creationId xmlns:a16="http://schemas.microsoft.com/office/drawing/2014/main" id="{64C72F1A-8422-2279-853A-18490E33583F}"/>
               </a:ext>
             </a:extLst>
           </p:cNvPr>
@@ -4270,24 +7255,24 @@
             <p:ph type="title"/>
           </p:nvPr>
         </p:nvSpPr>
-        <p:spPr>
-          <a:xfrm>
-            <a:off x="838200" y="358775"/>
-            <a:ext cx="10515600" cy="1325563"/>
-          </a:xfrm>
-        </p:spPr>
+        <p:spPr/>
         <p:txBody>
           <a:bodyPr/>
           <a:lstStyle/>
           <a:p>
             <a:r>
               <a:rPr lang="de-DE" dirty="0" err="1"/>
-              <a:t>From</a:t>
-            </a:r>
-            <a:r>
-              <a:rPr lang="de-DE" dirty="0"/>
-              <a:t> ILIAS</a:t>
-            </a:r>
+              <a:t>Requirements</a:t>
+            </a:r>
+            <a:r>
+              <a:rPr lang="de-DE" dirty="0"/>
+              <a:t> of Speech </a:t>
+            </a:r>
+            <a:r>
+              <a:rPr lang="de-DE" dirty="0" err="1"/>
+              <a:t>Representations</a:t>
+            </a:r>
+            <a:endParaRPr lang="de-DE" dirty="0"/>
           </a:p>
         </p:txBody>
       </p:sp>
@@ -4296,7 +7281,7 @@
           <p:cNvPr id="3" name="Inhaltsplatzhalter 2">
             <a:extLst>
               <a:ext uri="{FF2B5EF4-FFF2-40B4-BE49-F238E27FC236}">
-                <a16:creationId xmlns:a16="http://schemas.microsoft.com/office/drawing/2014/main" id="{35A851A9-AF82-3EFF-8766-2B38DEE71237}"/>
+                <a16:creationId xmlns:a16="http://schemas.microsoft.com/office/drawing/2014/main" id="{AF88B905-BEC9-9440-7270-BBFF1996D0D4}"/>
               </a:ext>
             </a:extLst>
           </p:cNvPr>
@@ -4309,260 +7294,41 @@
         </p:nvSpPr>
         <p:spPr/>
         <p:txBody>
-          <a:bodyPr>
-            <a:normAutofit/>
-          </a:bodyPr>
-          <a:lstStyle/>
-          <a:p>
-            <a:r>
-              <a:rPr lang="en-US" sz="1800" dirty="0">
-                <a:effectLst/>
-                <a:latin typeface="Arial" panose="020B0604020202020204" pitchFamily="34" charset="0"/>
-                <a:cs typeface="Arial" panose="020B0604020202020204" pitchFamily="34" charset="0"/>
-              </a:rPr>
-              <a:t>Self-supervised speech representation learning provides universal models which can used for</a:t>
-            </a:r>
-            <a:br>
-              <a:rPr lang="en-US" sz="1800" dirty="0">
-                <a:effectLst/>
-                <a:latin typeface="Arial" panose="020B0604020202020204" pitchFamily="34" charset="0"/>
-                <a:cs typeface="Arial" panose="020B0604020202020204" pitchFamily="34" charset="0"/>
-              </a:rPr>
-            </a:br>
-            <a:r>
-              <a:rPr lang="en-US" sz="1800" dirty="0">
-                <a:effectLst/>
-                <a:latin typeface="Arial" panose="020B0604020202020204" pitchFamily="34" charset="0"/>
-                <a:cs typeface="Arial" panose="020B0604020202020204" pitchFamily="34" charset="0"/>
-              </a:rPr>
-              <a:t>downstream speech tasks.</a:t>
-            </a:r>
-            <a:endParaRPr lang="en-US" sz="1800" dirty="0">
-              <a:latin typeface="Arial" panose="020B0604020202020204" pitchFamily="34" charset="0"/>
-              <a:cs typeface="Arial" panose="020B0604020202020204" pitchFamily="34" charset="0"/>
-            </a:endParaRPr>
-          </a:p>
-          <a:p>
-            <a:r>
-              <a:rPr lang="en-US" sz="1800" dirty="0">
-                <a:effectLst/>
-                <a:latin typeface="Arial" panose="020B0604020202020204" pitchFamily="34" charset="0"/>
-                <a:cs typeface="Arial" panose="020B0604020202020204" pitchFamily="34" charset="0"/>
-              </a:rPr>
-              <a:t>Using multi-modal data for training such models enables to get better representations and</a:t>
-            </a:r>
-            <a:br>
-              <a:rPr lang="en-US" sz="1800" dirty="0">
-                <a:effectLst/>
-                <a:latin typeface="Arial" panose="020B0604020202020204" pitchFamily="34" charset="0"/>
-                <a:cs typeface="Arial" panose="020B0604020202020204" pitchFamily="34" charset="0"/>
-              </a:rPr>
-            </a:br>
-            <a:r>
-              <a:rPr lang="en-US" sz="1800" dirty="0">
-                <a:effectLst/>
-                <a:latin typeface="Arial" panose="020B0604020202020204" pitchFamily="34" charset="0"/>
-                <a:cs typeface="Arial" panose="020B0604020202020204" pitchFamily="34" charset="0"/>
-              </a:rPr>
-              <a:t>expands the use cases.</a:t>
-            </a:r>
-          </a:p>
-          <a:p>
-            <a:pPr marL="0" indent="0">
-              <a:buNone/>
-            </a:pPr>
-            <a:endParaRPr lang="en-US" sz="1800" dirty="0">
-              <a:latin typeface="Arial" panose="020B0604020202020204" pitchFamily="34" charset="0"/>
-              <a:cs typeface="Arial" panose="020B0604020202020204" pitchFamily="34" charset="0"/>
-            </a:endParaRPr>
-          </a:p>
-          <a:p>
-            <a:pPr marL="0" indent="0">
-              <a:buNone/>
-            </a:pPr>
-            <a:endParaRPr lang="en-US" sz="1800" dirty="0">
-              <a:effectLst/>
-              <a:latin typeface="Arial" panose="020B0604020202020204" pitchFamily="34" charset="0"/>
-              <a:cs typeface="Arial" panose="020B0604020202020204" pitchFamily="34" charset="0"/>
-            </a:endParaRPr>
-          </a:p>
-          <a:p>
-            <a:pPr marL="0" indent="0">
-              <a:buNone/>
-            </a:pPr>
-            <a:endParaRPr lang="en-US" sz="1800" dirty="0">
-              <a:latin typeface="Arial" panose="020B0604020202020204" pitchFamily="34" charset="0"/>
-              <a:cs typeface="Arial" panose="020B0604020202020204" pitchFamily="34" charset="0"/>
-            </a:endParaRPr>
-          </a:p>
-          <a:p>
-            <a:pPr marL="0" indent="0">
-              <a:buNone/>
-            </a:pPr>
-            <a:endParaRPr lang="en-US" sz="1800" dirty="0">
-              <a:effectLst/>
-              <a:latin typeface="Arial" panose="020B0604020202020204" pitchFamily="34" charset="0"/>
-              <a:cs typeface="Arial" panose="020B0604020202020204" pitchFamily="34" charset="0"/>
-            </a:endParaRPr>
-          </a:p>
-          <a:p>
-            <a:pPr marL="0" indent="0">
-              <a:buNone/>
-            </a:pPr>
-            <a:endParaRPr lang="en-US" sz="1800" dirty="0">
-              <a:effectLst/>
-              <a:latin typeface="Arial" panose="020B0604020202020204" pitchFamily="34" charset="0"/>
-              <a:cs typeface="Arial" panose="020B0604020202020204" pitchFamily="34" charset="0"/>
-            </a:endParaRPr>
-          </a:p>
-          <a:p>
-            <a:pPr marL="0" indent="0">
-              <a:buNone/>
-            </a:pPr>
-            <a:r>
-              <a:rPr lang="en-US" sz="800" dirty="0">
-                <a:solidFill>
-                  <a:schemeClr val="bg2">
-                    <a:lumMod val="50000"/>
-                  </a:schemeClr>
-                </a:solidFill>
-                <a:effectLst/>
-              </a:rPr>
-              <a:t>Literature</a:t>
-            </a:r>
-          </a:p>
-          <a:p>
-            <a:pPr marL="0" indent="0">
-              <a:buNone/>
-            </a:pPr>
-            <a:r>
-              <a:rPr lang="en-US" sz="800" dirty="0">
-                <a:solidFill>
-                  <a:schemeClr val="bg2">
-                    <a:lumMod val="50000"/>
-                  </a:schemeClr>
-                </a:solidFill>
-                <a:effectLst/>
-              </a:rPr>
-              <a:t>• [1] Mohamed, Abdelrahman, et al. "Self-supervised speech representation learning: A review." IEEE Journal of Selected Topics in Signal Processing (2022).</a:t>
-            </a:r>
-          </a:p>
-          <a:p>
-            <a:pPr marL="0" indent="0">
-              <a:buNone/>
-            </a:pPr>
-            <a:r>
-              <a:rPr lang="en-US" sz="800" dirty="0">
-                <a:solidFill>
-                  <a:schemeClr val="bg2">
-                    <a:lumMod val="50000"/>
-                  </a:schemeClr>
-                </a:solidFill>
-                <a:effectLst/>
-              </a:rPr>
-              <a:t>• [2] Ao, </a:t>
-            </a:r>
-            <a:r>
-              <a:rPr lang="en-US" sz="800" dirty="0" err="1">
-                <a:solidFill>
-                  <a:schemeClr val="bg2">
-                    <a:lumMod val="50000"/>
-                  </a:schemeClr>
-                </a:solidFill>
-                <a:effectLst/>
-              </a:rPr>
-              <a:t>Junyi</a:t>
-            </a:r>
-            <a:r>
-              <a:rPr lang="en-US" sz="800" dirty="0">
-                <a:solidFill>
-                  <a:schemeClr val="bg2">
-                    <a:lumMod val="50000"/>
-                  </a:schemeClr>
-                </a:solidFill>
-                <a:effectLst/>
-              </a:rPr>
-              <a:t>, et al. "Speecht5: Unified-modal encoder-decoder pre-training for spoken language processing." ACL (2022).</a:t>
-            </a:r>
-          </a:p>
-          <a:p>
-            <a:pPr marL="0" indent="0">
-              <a:buNone/>
-            </a:pPr>
-            <a:r>
-              <a:rPr lang="en-US" sz="800" dirty="0">
-                <a:solidFill>
-                  <a:schemeClr val="bg2">
-                    <a:lumMod val="50000"/>
-                  </a:schemeClr>
-                </a:solidFill>
-                <a:effectLst/>
-              </a:rPr>
-              <a:t>• [3] Zhu, </a:t>
-            </a:r>
-            <a:r>
-              <a:rPr lang="en-US" sz="800" dirty="0" err="1">
-                <a:solidFill>
-                  <a:schemeClr val="bg2">
-                    <a:lumMod val="50000"/>
-                  </a:schemeClr>
-                </a:solidFill>
-                <a:effectLst/>
-              </a:rPr>
-              <a:t>Qiushi</a:t>
-            </a:r>
-            <a:r>
-              <a:rPr lang="en-US" sz="800" dirty="0">
-                <a:solidFill>
-                  <a:schemeClr val="bg2">
-                    <a:lumMod val="50000"/>
-                  </a:schemeClr>
-                </a:solidFill>
-                <a:effectLst/>
-              </a:rPr>
-              <a:t>, et al. "</a:t>
-            </a:r>
-            <a:r>
-              <a:rPr lang="en-US" sz="800" dirty="0" err="1">
-                <a:solidFill>
-                  <a:schemeClr val="bg2">
-                    <a:lumMod val="50000"/>
-                  </a:schemeClr>
-                </a:solidFill>
-                <a:effectLst/>
-              </a:rPr>
-              <a:t>Vatlm</a:t>
-            </a:r>
-            <a:r>
-              <a:rPr lang="en-US" sz="800" dirty="0">
-                <a:solidFill>
-                  <a:schemeClr val="bg2">
-                    <a:lumMod val="50000"/>
-                  </a:schemeClr>
-                </a:solidFill>
-                <a:effectLst/>
-              </a:rPr>
-              <a:t>: Visual-audio-text pre-training with unified masked prediction for speech representation learning." IEEE Transactions on Multimedia (2023).</a:t>
-            </a:r>
-          </a:p>
-          <a:p>
-            <a:pPr marL="0" indent="0">
-              <a:buNone/>
-            </a:pPr>
-            <a:r>
-              <a:rPr lang="en-US" sz="800" dirty="0">
-                <a:solidFill>
-                  <a:schemeClr val="bg2">
-                    <a:lumMod val="50000"/>
-                  </a:schemeClr>
-                </a:solidFill>
-                <a:effectLst/>
-              </a:rPr>
-              <a:t>• [4] Shi, Bowen, et al. "Learning audio-visual speech representation by masked multimodal cluster prediction." ICLR (2022).</a:t>
-            </a:r>
-          </a:p>
-          <a:p>
-            <a:endParaRPr lang="de-DE" dirty="0"/>
+          <a:bodyPr/>
+          <a:lstStyle/>
+          <a:p>
+            <a:r>
+              <a:rPr lang="de-DE" dirty="0" err="1"/>
+              <a:t>Where</a:t>
+            </a:r>
+            <a:r>
+              <a:rPr lang="de-DE" dirty="0"/>
+              <a:t> in </a:t>
+            </a:r>
+            <a:r>
+              <a:rPr lang="de-DE" dirty="0" err="1"/>
+              <a:t>paper</a:t>
+            </a:r>
+            <a:r>
+              <a:rPr lang="de-DE" dirty="0"/>
+              <a:t> was </a:t>
+            </a:r>
+            <a:r>
+              <a:rPr lang="de-DE" dirty="0" err="1"/>
+              <a:t>this</a:t>
+            </a:r>
+            <a:r>
+              <a:rPr lang="de-DE" dirty="0"/>
+              <a:t>? </a:t>
+            </a:r>
+            <a:r>
+              <a:rPr lang="de-DE" dirty="0" err="1"/>
+              <a:t>Possibly</a:t>
+            </a:r>
+            <a:r>
+              <a:rPr lang="de-DE" dirty="0"/>
+              <a:t> review</a:t>
+            </a:r>
           </a:p>
         </p:txBody>
       </p:sp>
@@ -4571,7 +7337,7 @@
           <p:cNvPr id="4" name="Datumsplatzhalter 3">
             <a:extLst>
               <a:ext uri="{FF2B5EF4-FFF2-40B4-BE49-F238E27FC236}">
-                <a16:creationId xmlns:a16="http://schemas.microsoft.com/office/drawing/2014/main" id="{EDD15EFB-FF5B-B4CA-55B9-6CC35A8EAF12}"/>
+                <a16:creationId xmlns:a16="http://schemas.microsoft.com/office/drawing/2014/main" id="{0181EC9C-43AB-D74F-1FC5-254FAFEFAF72}"/>
               </a:ext>
             </a:extLst>
           </p:cNvPr>
@@ -4600,7 +7366,7 @@
           <p:cNvPr id="5" name="Fußzeilenplatzhalter 4">
             <a:extLst>
               <a:ext uri="{FF2B5EF4-FFF2-40B4-BE49-F238E27FC236}">
-                <a16:creationId xmlns:a16="http://schemas.microsoft.com/office/drawing/2014/main" id="{E7A447EA-958C-B9A2-64C2-FF1D7A366BDC}"/>
+                <a16:creationId xmlns:a16="http://schemas.microsoft.com/office/drawing/2014/main" id="{77AB99A6-3C32-E43E-15D8-1FB9D9215B6B}"/>
               </a:ext>
             </a:extLst>
           </p:cNvPr>
@@ -4629,7 +7395,7 @@
           <p:cNvPr id="6" name="Foliennummernplatzhalter 5">
             <a:extLst>
               <a:ext uri="{FF2B5EF4-FFF2-40B4-BE49-F238E27FC236}">
-                <a16:creationId xmlns:a16="http://schemas.microsoft.com/office/drawing/2014/main" id="{0FA6D437-CFB6-C4C0-C250-EE2D2D7DD2FA}"/>
+                <a16:creationId xmlns:a16="http://schemas.microsoft.com/office/drawing/2014/main" id="{BF0FFA8E-2439-CD60-2906-CB99CE2AA93C}"/>
               </a:ext>
             </a:extLst>
           </p:cNvPr>
@@ -4656,7 +7422,7 @@
     </p:spTree>
     <p:extLst>
       <p:ext uri="{BB962C8B-B14F-4D97-AF65-F5344CB8AC3E}">
-        <p14:creationId xmlns:p14="http://schemas.microsoft.com/office/powerpoint/2010/main" val="3496448324"/>
+        <p14:creationId xmlns:p14="http://schemas.microsoft.com/office/powerpoint/2010/main" val="3802131508"/>
       </p:ext>
     </p:extLst>
   </p:cSld>
@@ -4688,7 +7454,7 @@
           <p:cNvPr id="2" name="Titel 1">
             <a:extLst>
               <a:ext uri="{FF2B5EF4-FFF2-40B4-BE49-F238E27FC236}">
-                <a16:creationId xmlns:a16="http://schemas.microsoft.com/office/drawing/2014/main" id="{7ED805BA-22DB-7C3F-FA81-EBDA00F3079D}"/>
+                <a16:creationId xmlns:a16="http://schemas.microsoft.com/office/drawing/2014/main" id="{6DB18720-ED9F-654B-2B6C-03B904FD3A76}"/>
               </a:ext>
             </a:extLst>
           </p:cNvPr>
@@ -4705,8 +7471,36 @@
           <a:lstStyle/>
           <a:p>
             <a:r>
+              <a:rPr lang="de-DE" dirty="0"/>
+              <a:t>Data</a:t>
+            </a:r>
+          </a:p>
+        </p:txBody>
+      </p:sp>
+      <p:sp>
+        <p:nvSpPr>
+          <p:cNvPr id="3" name="Inhaltsplatzhalter 2">
+            <a:extLst>
+              <a:ext uri="{FF2B5EF4-FFF2-40B4-BE49-F238E27FC236}">
+                <a16:creationId xmlns:a16="http://schemas.microsoft.com/office/drawing/2014/main" id="{45369437-7E53-DCBA-26D6-075B65E63CCC}"/>
+              </a:ext>
+            </a:extLst>
+          </p:cNvPr>
+          <p:cNvSpPr>
+            <a:spLocks noGrp="1"/>
+          </p:cNvSpPr>
+          <p:nvPr>
+            <p:ph idx="1"/>
+          </p:nvPr>
+        </p:nvSpPr>
+        <p:spPr/>
+        <p:txBody>
+          <a:bodyPr/>
+          <a:lstStyle/>
+          <a:p>
+            <a:r>
               <a:rPr lang="de-DE" dirty="0" err="1"/>
-              <a:t>Presentation</a:t>
+              <a:t>How</a:t>
             </a:r>
             <a:r>
               <a:rPr lang="de-DE" dirty="0"/>
@@ -4714,77 +7508,36 @@
             </a:r>
             <a:r>
               <a:rPr lang="de-DE" dirty="0" err="1"/>
-              <a:t>metadata</a:t>
-            </a:r>
-            <a:endParaRPr lang="de-DE" dirty="0"/>
-          </a:p>
-        </p:txBody>
-      </p:sp>
-      <p:sp>
-        <p:nvSpPr>
-          <p:cNvPr id="3" name="Inhaltsplatzhalter 2">
-            <a:extLst>
-              <a:ext uri="{FF2B5EF4-FFF2-40B4-BE49-F238E27FC236}">
-                <a16:creationId xmlns:a16="http://schemas.microsoft.com/office/drawing/2014/main" id="{785CE866-7610-D846-8EC9-42B4A6E74904}"/>
-              </a:ext>
-            </a:extLst>
-          </p:cNvPr>
-          <p:cNvSpPr>
-            <a:spLocks noGrp="1"/>
-          </p:cNvSpPr>
-          <p:nvPr>
-            <p:ph idx="1"/>
-          </p:nvPr>
-        </p:nvSpPr>
-        <p:spPr/>
-        <p:txBody>
-          <a:bodyPr>
-            <a:normAutofit/>
-          </a:bodyPr>
-          <a:lstStyle/>
-          <a:p>
-            <a:r>
-              <a:rPr lang="de-DE" b="1" dirty="0" err="1"/>
-              <a:t>two</a:t>
-            </a:r>
-            <a:r>
-              <a:rPr lang="de-DE" b="1" dirty="0"/>
+              <a:t>to</a:t>
+            </a:r>
+            <a:r>
+              <a:rPr lang="de-DE" dirty="0"/>
               <a:t> </a:t>
             </a:r>
             <a:r>
-              <a:rPr lang="de-DE" b="1" dirty="0" err="1"/>
-              <a:t>minutes</a:t>
-            </a:r>
-            <a:r>
-              <a:rPr lang="de-DE" b="1" dirty="0"/>
-              <a:t> per </a:t>
-            </a:r>
-            <a:r>
-              <a:rPr lang="de-DE" b="1" dirty="0" err="1"/>
-              <a:t>slide</a:t>
-            </a:r>
-            <a:r>
-              <a:rPr lang="de-DE" b="1" dirty="0"/>
-              <a:t> </a:t>
-            </a:r>
-            <a:r>
-              <a:rPr lang="de-DE" b="1" dirty="0">
-                <a:sym typeface="Wingdings" panose="05000000000000000000" pitchFamily="2" charset="2"/>
-              </a:rPr>
-              <a:t> ~</a:t>
-            </a:r>
-            <a:r>
-              <a:rPr lang="de-DE" b="1">
-                <a:sym typeface="Wingdings" panose="05000000000000000000" pitchFamily="2" charset="2"/>
-              </a:rPr>
-              <a:t>12.5 Slides</a:t>
-            </a:r>
-          </a:p>
-          <a:p>
-            <a:pPr marL="0" indent="0">
-              <a:buNone/>
-            </a:pPr>
-            <a:endParaRPr lang="de-DE" b="1" dirty="0"/>
+              <a:rPr lang="de-DE" dirty="0" err="1"/>
+              <a:t>gather</a:t>
+            </a:r>
+            <a:r>
+              <a:rPr lang="de-DE" dirty="0"/>
+              <a:t> multimodal </a:t>
+            </a:r>
+            <a:r>
+              <a:rPr lang="de-DE" dirty="0" err="1"/>
+              <a:t>data</a:t>
+            </a:r>
+            <a:r>
+              <a:rPr lang="de-DE" dirty="0"/>
+              <a:t>? </a:t>
+            </a:r>
+            <a:r>
+              <a:rPr lang="de-DE" dirty="0" err="1"/>
+              <a:t>Unlabeled</a:t>
+            </a:r>
+            <a:r>
+              <a:rPr lang="de-DE" dirty="0"/>
+              <a:t>?</a:t>
+            </a:r>
           </a:p>
         </p:txBody>
       </p:sp>
@@ -4793,7 +7546,7 @@
           <p:cNvPr id="4" name="Datumsplatzhalter 3">
             <a:extLst>
               <a:ext uri="{FF2B5EF4-FFF2-40B4-BE49-F238E27FC236}">
-                <a16:creationId xmlns:a16="http://schemas.microsoft.com/office/drawing/2014/main" id="{3A3F07CD-B7D8-56ED-F1C0-AD943813A33D}"/>
+                <a16:creationId xmlns:a16="http://schemas.microsoft.com/office/drawing/2014/main" id="{ABAD0E7B-132A-BF69-A510-6938332EBE39}"/>
               </a:ext>
             </a:extLst>
           </p:cNvPr>
@@ -4822,7 +7575,7 @@
           <p:cNvPr id="5" name="Fußzeilenplatzhalter 4">
             <a:extLst>
               <a:ext uri="{FF2B5EF4-FFF2-40B4-BE49-F238E27FC236}">
-                <a16:creationId xmlns:a16="http://schemas.microsoft.com/office/drawing/2014/main" id="{BB74E4BF-436F-2407-CCA7-6DF73948D4BC}"/>
+                <a16:creationId xmlns:a16="http://schemas.microsoft.com/office/drawing/2014/main" id="{E04622A9-CA87-4F5E-4E1F-089E80783164}"/>
               </a:ext>
             </a:extLst>
           </p:cNvPr>
@@ -4851,7 +7604,7 @@
           <p:cNvPr id="6" name="Foliennummernplatzhalter 5">
             <a:extLst>
               <a:ext uri="{FF2B5EF4-FFF2-40B4-BE49-F238E27FC236}">
-                <a16:creationId xmlns:a16="http://schemas.microsoft.com/office/drawing/2014/main" id="{168096F9-3FB5-0C55-D6F4-1BCA6D935B80}"/>
+                <a16:creationId xmlns:a16="http://schemas.microsoft.com/office/drawing/2014/main" id="{4932E1E5-FE2C-D226-A6BD-134E35334C0C}"/>
               </a:ext>
             </a:extLst>
           </p:cNvPr>
@@ -4878,7 +7631,880 @@
     </p:spTree>
     <p:extLst>
       <p:ext uri="{BB962C8B-B14F-4D97-AF65-F5344CB8AC3E}">
-        <p14:creationId xmlns:p14="http://schemas.microsoft.com/office/powerpoint/2010/main" val="2915824135"/>
+        <p14:creationId xmlns:p14="http://schemas.microsoft.com/office/powerpoint/2010/main" val="1348313613"/>
+      </p:ext>
+    </p:extLst>
+  </p:cSld>
+  <p:clrMapOvr>
+    <a:masterClrMapping/>
+  </p:clrMapOvr>
+</p:sld>
+</file>
+
+<file path=ppt/slides/slide6.xml><?xml version="1.0" encoding="utf-8"?>
+<p:sld xmlns:a="http://schemas.openxmlformats.org/drawingml/2006/main" xmlns:r="http://schemas.openxmlformats.org/officeDocument/2006/relationships" xmlns:p="http://schemas.openxmlformats.org/presentationml/2006/main">
+  <p:cSld>
+    <p:spTree>
+      <p:nvGrpSpPr>
+        <p:cNvPr id="1" name=""/>
+        <p:cNvGrpSpPr/>
+        <p:nvPr/>
+      </p:nvGrpSpPr>
+      <p:grpSpPr>
+        <a:xfrm>
+          <a:off x="0" y="0"/>
+          <a:ext cx="0" cy="0"/>
+          <a:chOff x="0" y="0"/>
+          <a:chExt cx="0" cy="0"/>
+        </a:xfrm>
+      </p:grpSpPr>
+      <p:sp>
+        <p:nvSpPr>
+          <p:cNvPr id="2" name="Titel 1">
+            <a:extLst>
+              <a:ext uri="{FF2B5EF4-FFF2-40B4-BE49-F238E27FC236}">
+                <a16:creationId xmlns:a16="http://schemas.microsoft.com/office/drawing/2014/main" id="{16FE91E3-A377-8F7F-1F2D-9A7FCA6AD26F}"/>
+              </a:ext>
+            </a:extLst>
+          </p:cNvPr>
+          <p:cNvSpPr>
+            <a:spLocks noGrp="1"/>
+          </p:cNvSpPr>
+          <p:nvPr>
+            <p:ph type="title"/>
+          </p:nvPr>
+        </p:nvSpPr>
+        <p:spPr/>
+        <p:txBody>
+          <a:bodyPr/>
+          <a:lstStyle/>
+          <a:p>
+            <a:r>
+              <a:rPr lang="de-DE" dirty="0" err="1"/>
+              <a:t>Pre</a:t>
+            </a:r>
+            <a:r>
+              <a:rPr lang="de-DE" dirty="0"/>
+              <a:t>-training and Fine-tuning</a:t>
+            </a:r>
+          </a:p>
+        </p:txBody>
+      </p:sp>
+      <p:sp>
+        <p:nvSpPr>
+          <p:cNvPr id="3" name="Inhaltsplatzhalter 2">
+            <a:extLst>
+              <a:ext uri="{FF2B5EF4-FFF2-40B4-BE49-F238E27FC236}">
+                <a16:creationId xmlns:a16="http://schemas.microsoft.com/office/drawing/2014/main" id="{271E43AB-1111-4B2E-312E-B49CA654A00B}"/>
+              </a:ext>
+            </a:extLst>
+          </p:cNvPr>
+          <p:cNvSpPr>
+            <a:spLocks noGrp="1"/>
+          </p:cNvSpPr>
+          <p:nvPr>
+            <p:ph idx="1"/>
+          </p:nvPr>
+        </p:nvSpPr>
+        <p:spPr/>
+        <p:txBody>
+          <a:bodyPr/>
+          <a:lstStyle/>
+          <a:p>
+            <a:r>
+              <a:rPr lang="de-DE" dirty="0" err="1"/>
+              <a:t>Pre</a:t>
+            </a:r>
+            <a:r>
+              <a:rPr lang="de-DE" dirty="0"/>
+              <a:t>-training: (</a:t>
+            </a:r>
+            <a:r>
+              <a:rPr lang="de-DE" dirty="0" err="1"/>
+              <a:t>explanation</a:t>
+            </a:r>
+            <a:r>
+              <a:rPr lang="de-DE" dirty="0"/>
+              <a:t>) </a:t>
+            </a:r>
+            <a:r>
+              <a:rPr lang="de-DE" dirty="0" err="1"/>
+              <a:t>infer</a:t>
+            </a:r>
+            <a:r>
+              <a:rPr lang="de-DE" dirty="0"/>
+              <a:t> </a:t>
+            </a:r>
+            <a:r>
+              <a:rPr lang="de-DE" dirty="0" err="1"/>
+              <a:t>speech</a:t>
+            </a:r>
+            <a:r>
+              <a:rPr lang="de-DE" dirty="0"/>
+              <a:t> </a:t>
+            </a:r>
+            <a:r>
+              <a:rPr lang="de-DE" dirty="0" err="1"/>
+              <a:t>representation</a:t>
+            </a:r>
+            <a:endParaRPr lang="de-DE" dirty="0"/>
+          </a:p>
+          <a:p>
+            <a:r>
+              <a:rPr lang="de-DE" dirty="0"/>
+              <a:t>Fine-tuning: (</a:t>
+            </a:r>
+            <a:r>
+              <a:rPr lang="de-DE" dirty="0" err="1"/>
+              <a:t>name</a:t>
+            </a:r>
+            <a:r>
+              <a:rPr lang="de-DE" dirty="0"/>
+              <a:t> / </a:t>
+            </a:r>
+            <a:r>
+              <a:rPr lang="de-DE" dirty="0" err="1"/>
+              <a:t>explain</a:t>
+            </a:r>
+            <a:r>
+              <a:rPr lang="de-DE" dirty="0"/>
+              <a:t> </a:t>
+            </a:r>
+            <a:r>
+              <a:rPr lang="de-DE" dirty="0" err="1"/>
+              <a:t>examples</a:t>
+            </a:r>
+            <a:r>
+              <a:rPr lang="de-DE" dirty="0"/>
+              <a:t>): ASR/VSR/AVSR</a:t>
+            </a:r>
+          </a:p>
+        </p:txBody>
+      </p:sp>
+      <p:sp>
+        <p:nvSpPr>
+          <p:cNvPr id="4" name="Datumsplatzhalter 3">
+            <a:extLst>
+              <a:ext uri="{FF2B5EF4-FFF2-40B4-BE49-F238E27FC236}">
+                <a16:creationId xmlns:a16="http://schemas.microsoft.com/office/drawing/2014/main" id="{25212BE2-A1F4-3DB8-093D-0DF860D93D7E}"/>
+              </a:ext>
+            </a:extLst>
+          </p:cNvPr>
+          <p:cNvSpPr>
+            <a:spLocks noGrp="1"/>
+          </p:cNvSpPr>
+          <p:nvPr>
+            <p:ph type="dt" sz="half" idx="10"/>
+          </p:nvPr>
+        </p:nvSpPr>
+        <p:spPr/>
+        <p:txBody>
+          <a:bodyPr/>
+          <a:lstStyle/>
+          <a:p>
+            <a:r>
+              <a:rPr lang="de-DE"/>
+              <a:t>05.12.2023</a:t>
+            </a:r>
+            <a:endParaRPr lang="de-DE" dirty="0"/>
+          </a:p>
+        </p:txBody>
+      </p:sp>
+      <p:sp>
+        <p:nvSpPr>
+          <p:cNvPr id="5" name="Fußzeilenplatzhalter 4">
+            <a:extLst>
+              <a:ext uri="{FF2B5EF4-FFF2-40B4-BE49-F238E27FC236}">
+                <a16:creationId xmlns:a16="http://schemas.microsoft.com/office/drawing/2014/main" id="{5A10E6A1-C128-F86D-E82F-AB31572F7A8C}"/>
+              </a:ext>
+            </a:extLst>
+          </p:cNvPr>
+          <p:cNvSpPr>
+            <a:spLocks noGrp="1"/>
+          </p:cNvSpPr>
+          <p:nvPr>
+            <p:ph type="ftr" sz="quarter" idx="11"/>
+          </p:nvPr>
+        </p:nvSpPr>
+        <p:spPr/>
+        <p:txBody>
+          <a:bodyPr/>
+          <a:lstStyle/>
+          <a:p>
+            <a:r>
+              <a:rPr lang="en-US"/>
+              <a:t>Multi-modal Speech Representation Learning</a:t>
+            </a:r>
+            <a:endParaRPr lang="de-DE" dirty="0"/>
+          </a:p>
+        </p:txBody>
+      </p:sp>
+      <p:sp>
+        <p:nvSpPr>
+          <p:cNvPr id="6" name="Foliennummernplatzhalter 5">
+            <a:extLst>
+              <a:ext uri="{FF2B5EF4-FFF2-40B4-BE49-F238E27FC236}">
+                <a16:creationId xmlns:a16="http://schemas.microsoft.com/office/drawing/2014/main" id="{9DE41329-F27B-D0C7-B0CC-67DE93BCAA5B}"/>
+              </a:ext>
+            </a:extLst>
+          </p:cNvPr>
+          <p:cNvSpPr>
+            <a:spLocks noGrp="1"/>
+          </p:cNvSpPr>
+          <p:nvPr>
+            <p:ph type="sldNum" sz="quarter" idx="12"/>
+          </p:nvPr>
+        </p:nvSpPr>
+        <p:spPr/>
+        <p:txBody>
+          <a:bodyPr/>
+          <a:lstStyle/>
+          <a:p>
+            <a:fld id="{4589C08E-11F1-4614-AD94-2F79D605AB8D}" type="slidenum">
+              <a:rPr lang="de-DE" smtClean="0"/>
+              <a:t>6</a:t>
+            </a:fld>
+            <a:endParaRPr lang="de-DE" dirty="0"/>
+          </a:p>
+        </p:txBody>
+      </p:sp>
+    </p:spTree>
+    <p:extLst>
+      <p:ext uri="{BB962C8B-B14F-4D97-AF65-F5344CB8AC3E}">
+        <p14:creationId xmlns:p14="http://schemas.microsoft.com/office/powerpoint/2010/main" val="3963046836"/>
+      </p:ext>
+    </p:extLst>
+  </p:cSld>
+  <p:clrMapOvr>
+    <a:masterClrMapping/>
+  </p:clrMapOvr>
+</p:sld>
+</file>
+
+<file path=ppt/slides/slide7.xml><?xml version="1.0" encoding="utf-8"?>
+<p:sld xmlns:a="http://schemas.openxmlformats.org/drawingml/2006/main" xmlns:r="http://schemas.openxmlformats.org/officeDocument/2006/relationships" xmlns:p="http://schemas.openxmlformats.org/presentationml/2006/main">
+  <p:cSld>
+    <p:spTree>
+      <p:nvGrpSpPr>
+        <p:cNvPr id="1" name=""/>
+        <p:cNvGrpSpPr/>
+        <p:nvPr/>
+      </p:nvGrpSpPr>
+      <p:grpSpPr>
+        <a:xfrm>
+          <a:off x="0" y="0"/>
+          <a:ext cx="0" cy="0"/>
+          <a:chOff x="0" y="0"/>
+          <a:chExt cx="0" cy="0"/>
+        </a:xfrm>
+      </p:grpSpPr>
+      <p:sp>
+        <p:nvSpPr>
+          <p:cNvPr id="2" name="Titel 1">
+            <a:extLst>
+              <a:ext uri="{FF2B5EF4-FFF2-40B4-BE49-F238E27FC236}">
+                <a16:creationId xmlns:a16="http://schemas.microsoft.com/office/drawing/2014/main" id="{6967BD36-9BE1-9E11-2419-09EE0FB8BF17}"/>
+              </a:ext>
+            </a:extLst>
+          </p:cNvPr>
+          <p:cNvSpPr>
+            <a:spLocks noGrp="1"/>
+          </p:cNvSpPr>
+          <p:nvPr>
+            <p:ph type="title"/>
+          </p:nvPr>
+        </p:nvSpPr>
+        <p:spPr/>
+        <p:txBody>
+          <a:bodyPr/>
+          <a:lstStyle/>
+          <a:p>
+            <a:r>
+              <a:rPr lang="de-DE" dirty="0"/>
+              <a:t>Learning </a:t>
+            </a:r>
+            <a:r>
+              <a:rPr lang="de-DE" dirty="0" err="1"/>
+              <a:t>Paradigms</a:t>
+            </a:r>
+            <a:r>
+              <a:rPr lang="de-DE" dirty="0"/>
+              <a:t> of SRL</a:t>
+            </a:r>
+          </a:p>
+        </p:txBody>
+      </p:sp>
+      <p:sp>
+        <p:nvSpPr>
+          <p:cNvPr id="3" name="Inhaltsplatzhalter 2">
+            <a:extLst>
+              <a:ext uri="{FF2B5EF4-FFF2-40B4-BE49-F238E27FC236}">
+                <a16:creationId xmlns:a16="http://schemas.microsoft.com/office/drawing/2014/main" id="{5F605907-84CB-5A07-5B52-58273FC86B50}"/>
+              </a:ext>
+            </a:extLst>
+          </p:cNvPr>
+          <p:cNvSpPr>
+            <a:spLocks noGrp="1"/>
+          </p:cNvSpPr>
+          <p:nvPr>
+            <p:ph idx="1"/>
+          </p:nvPr>
+        </p:nvSpPr>
+        <p:spPr/>
+        <p:txBody>
+          <a:bodyPr/>
+          <a:lstStyle/>
+          <a:p>
+            <a:r>
+              <a:rPr lang="de-DE" dirty="0"/>
+              <a:t>Generative/…</a:t>
+            </a:r>
+          </a:p>
+          <a:p>
+            <a:r>
+              <a:rPr lang="de-DE" dirty="0" err="1"/>
+              <a:t>Intrinsic</a:t>
+            </a:r>
+            <a:r>
+              <a:rPr lang="de-DE" dirty="0"/>
+              <a:t>/</a:t>
+            </a:r>
+            <a:r>
+              <a:rPr lang="de-DE" dirty="0" err="1"/>
+              <a:t>Extrinsic</a:t>
+            </a:r>
+            <a:endParaRPr lang="de-DE" dirty="0"/>
+          </a:p>
+        </p:txBody>
+      </p:sp>
+      <p:sp>
+        <p:nvSpPr>
+          <p:cNvPr id="4" name="Datumsplatzhalter 3">
+            <a:extLst>
+              <a:ext uri="{FF2B5EF4-FFF2-40B4-BE49-F238E27FC236}">
+                <a16:creationId xmlns:a16="http://schemas.microsoft.com/office/drawing/2014/main" id="{B1B29855-1D3B-F04B-EB6A-E10C8CCAEBEF}"/>
+              </a:ext>
+            </a:extLst>
+          </p:cNvPr>
+          <p:cNvSpPr>
+            <a:spLocks noGrp="1"/>
+          </p:cNvSpPr>
+          <p:nvPr>
+            <p:ph type="dt" sz="half" idx="10"/>
+          </p:nvPr>
+        </p:nvSpPr>
+        <p:spPr/>
+        <p:txBody>
+          <a:bodyPr/>
+          <a:lstStyle/>
+          <a:p>
+            <a:r>
+              <a:rPr lang="de-DE"/>
+              <a:t>05.12.2023</a:t>
+            </a:r>
+            <a:endParaRPr lang="de-DE" dirty="0"/>
+          </a:p>
+        </p:txBody>
+      </p:sp>
+      <p:sp>
+        <p:nvSpPr>
+          <p:cNvPr id="5" name="Fußzeilenplatzhalter 4">
+            <a:extLst>
+              <a:ext uri="{FF2B5EF4-FFF2-40B4-BE49-F238E27FC236}">
+                <a16:creationId xmlns:a16="http://schemas.microsoft.com/office/drawing/2014/main" id="{4CACE1B6-89F7-2115-CE62-C6E4DDF5E688}"/>
+              </a:ext>
+            </a:extLst>
+          </p:cNvPr>
+          <p:cNvSpPr>
+            <a:spLocks noGrp="1"/>
+          </p:cNvSpPr>
+          <p:nvPr>
+            <p:ph type="ftr" sz="quarter" idx="11"/>
+          </p:nvPr>
+        </p:nvSpPr>
+        <p:spPr/>
+        <p:txBody>
+          <a:bodyPr/>
+          <a:lstStyle/>
+          <a:p>
+            <a:r>
+              <a:rPr lang="en-US"/>
+              <a:t>Multi-modal Speech Representation Learning</a:t>
+            </a:r>
+            <a:endParaRPr lang="de-DE" dirty="0"/>
+          </a:p>
+        </p:txBody>
+      </p:sp>
+      <p:sp>
+        <p:nvSpPr>
+          <p:cNvPr id="6" name="Foliennummernplatzhalter 5">
+            <a:extLst>
+              <a:ext uri="{FF2B5EF4-FFF2-40B4-BE49-F238E27FC236}">
+                <a16:creationId xmlns:a16="http://schemas.microsoft.com/office/drawing/2014/main" id="{B430318A-605C-C70B-5C8A-E2CAB8FCDBDA}"/>
+              </a:ext>
+            </a:extLst>
+          </p:cNvPr>
+          <p:cNvSpPr>
+            <a:spLocks noGrp="1"/>
+          </p:cNvSpPr>
+          <p:nvPr>
+            <p:ph type="sldNum" sz="quarter" idx="12"/>
+          </p:nvPr>
+        </p:nvSpPr>
+        <p:spPr/>
+        <p:txBody>
+          <a:bodyPr/>
+          <a:lstStyle/>
+          <a:p>
+            <a:fld id="{4589C08E-11F1-4614-AD94-2F79D605AB8D}" type="slidenum">
+              <a:rPr lang="de-DE" smtClean="0"/>
+              <a:t>7</a:t>
+            </a:fld>
+            <a:endParaRPr lang="de-DE" dirty="0"/>
+          </a:p>
+        </p:txBody>
+      </p:sp>
+    </p:spTree>
+    <p:extLst>
+      <p:ext uri="{BB962C8B-B14F-4D97-AF65-F5344CB8AC3E}">
+        <p14:creationId xmlns:p14="http://schemas.microsoft.com/office/powerpoint/2010/main" val="2319361575"/>
+      </p:ext>
+    </p:extLst>
+  </p:cSld>
+  <p:clrMapOvr>
+    <a:masterClrMapping/>
+  </p:clrMapOvr>
+</p:sld>
+</file>
+
+<file path=ppt/slides/slide8.xml><?xml version="1.0" encoding="utf-8"?>
+<p:sld xmlns:a="http://schemas.openxmlformats.org/drawingml/2006/main" xmlns:r="http://schemas.openxmlformats.org/officeDocument/2006/relationships" xmlns:p="http://schemas.openxmlformats.org/presentationml/2006/main">
+  <p:cSld>
+    <p:spTree>
+      <p:nvGrpSpPr>
+        <p:cNvPr id="1" name=""/>
+        <p:cNvGrpSpPr/>
+        <p:nvPr/>
+      </p:nvGrpSpPr>
+      <p:grpSpPr>
+        <a:xfrm>
+          <a:off x="0" y="0"/>
+          <a:ext cx="0" cy="0"/>
+          <a:chOff x="0" y="0"/>
+          <a:chExt cx="0" cy="0"/>
+        </a:xfrm>
+      </p:grpSpPr>
+      <p:sp>
+        <p:nvSpPr>
+          <p:cNvPr id="2" name="Titel 1">
+            <a:extLst>
+              <a:ext uri="{FF2B5EF4-FFF2-40B4-BE49-F238E27FC236}">
+                <a16:creationId xmlns:a16="http://schemas.microsoft.com/office/drawing/2014/main" id="{8C4D5918-58C4-9A1A-72ED-08A5D498DEA7}"/>
+              </a:ext>
+            </a:extLst>
+          </p:cNvPr>
+          <p:cNvSpPr>
+            <a:spLocks noGrp="1"/>
+          </p:cNvSpPr>
+          <p:nvPr>
+            <p:ph type="title"/>
+          </p:nvPr>
+        </p:nvSpPr>
+        <p:spPr/>
+        <p:txBody>
+          <a:bodyPr/>
+          <a:lstStyle/>
+          <a:p>
+            <a:r>
+              <a:rPr lang="de-DE" dirty="0"/>
+              <a:t>Single-mode </a:t>
+            </a:r>
+            <a:r>
+              <a:rPr lang="de-DE" dirty="0" err="1"/>
+              <a:t>approaches</a:t>
+            </a:r>
+            <a:endParaRPr lang="de-DE" dirty="0"/>
+          </a:p>
+        </p:txBody>
+      </p:sp>
+      <p:sp>
+        <p:nvSpPr>
+          <p:cNvPr id="3" name="Inhaltsplatzhalter 2">
+            <a:extLst>
+              <a:ext uri="{FF2B5EF4-FFF2-40B4-BE49-F238E27FC236}">
+                <a16:creationId xmlns:a16="http://schemas.microsoft.com/office/drawing/2014/main" id="{AC7E29A0-6A42-D439-44FF-E5C1BB0BB253}"/>
+              </a:ext>
+            </a:extLst>
+          </p:cNvPr>
+          <p:cNvSpPr>
+            <a:spLocks noGrp="1"/>
+          </p:cNvSpPr>
+          <p:nvPr>
+            <p:ph idx="1"/>
+          </p:nvPr>
+        </p:nvSpPr>
+        <p:spPr/>
+        <p:txBody>
+          <a:bodyPr/>
+          <a:lstStyle/>
+          <a:p>
+            <a:r>
+              <a:rPr lang="de-DE" dirty="0"/>
+              <a:t>Show </a:t>
+            </a:r>
+            <a:r>
+              <a:rPr lang="de-DE" dirty="0" err="1"/>
+              <a:t>single</a:t>
+            </a:r>
+            <a:r>
+              <a:rPr lang="de-DE" dirty="0"/>
+              <a:t> </a:t>
+            </a:r>
+            <a:r>
+              <a:rPr lang="de-DE" dirty="0" err="1"/>
+              <a:t>mode</a:t>
+            </a:r>
+            <a:r>
+              <a:rPr lang="de-DE" dirty="0"/>
+              <a:t> </a:t>
+            </a:r>
+            <a:r>
+              <a:rPr lang="de-DE" dirty="0" err="1"/>
+              <a:t>approaches</a:t>
+            </a:r>
+            <a:r>
+              <a:rPr lang="de-DE" dirty="0"/>
+              <a:t> (review </a:t>
+            </a:r>
+            <a:r>
+              <a:rPr lang="de-DE" dirty="0" err="1"/>
+              <a:t>paper</a:t>
+            </a:r>
+            <a:r>
+              <a:rPr lang="de-DE" dirty="0"/>
+              <a:t>)</a:t>
+            </a:r>
+          </a:p>
+          <a:p>
+            <a:r>
+              <a:rPr lang="de-DE" dirty="0" err="1"/>
+              <a:t>HuBERT</a:t>
+            </a:r>
+            <a:endParaRPr lang="de-DE" dirty="0"/>
+          </a:p>
+          <a:p>
+            <a:r>
+              <a:rPr lang="de-DE" dirty="0"/>
+              <a:t>wav2vec</a:t>
+            </a:r>
+          </a:p>
+        </p:txBody>
+      </p:sp>
+      <p:sp>
+        <p:nvSpPr>
+          <p:cNvPr id="4" name="Datumsplatzhalter 3">
+            <a:extLst>
+              <a:ext uri="{FF2B5EF4-FFF2-40B4-BE49-F238E27FC236}">
+                <a16:creationId xmlns:a16="http://schemas.microsoft.com/office/drawing/2014/main" id="{3A207044-445B-8A71-6FDA-7C1B54679F7C}"/>
+              </a:ext>
+            </a:extLst>
+          </p:cNvPr>
+          <p:cNvSpPr>
+            <a:spLocks noGrp="1"/>
+          </p:cNvSpPr>
+          <p:nvPr>
+            <p:ph type="dt" sz="half" idx="10"/>
+          </p:nvPr>
+        </p:nvSpPr>
+        <p:spPr/>
+        <p:txBody>
+          <a:bodyPr/>
+          <a:lstStyle/>
+          <a:p>
+            <a:r>
+              <a:rPr lang="de-DE"/>
+              <a:t>05.12.2023</a:t>
+            </a:r>
+            <a:endParaRPr lang="de-DE" dirty="0"/>
+          </a:p>
+        </p:txBody>
+      </p:sp>
+      <p:sp>
+        <p:nvSpPr>
+          <p:cNvPr id="5" name="Fußzeilenplatzhalter 4">
+            <a:extLst>
+              <a:ext uri="{FF2B5EF4-FFF2-40B4-BE49-F238E27FC236}">
+                <a16:creationId xmlns:a16="http://schemas.microsoft.com/office/drawing/2014/main" id="{D8A631EC-F945-1CFF-CC1F-4B965475D8D9}"/>
+              </a:ext>
+            </a:extLst>
+          </p:cNvPr>
+          <p:cNvSpPr>
+            <a:spLocks noGrp="1"/>
+          </p:cNvSpPr>
+          <p:nvPr>
+            <p:ph type="ftr" sz="quarter" idx="11"/>
+          </p:nvPr>
+        </p:nvSpPr>
+        <p:spPr/>
+        <p:txBody>
+          <a:bodyPr/>
+          <a:lstStyle/>
+          <a:p>
+            <a:r>
+              <a:rPr lang="en-US"/>
+              <a:t>Multi-modal Speech Representation Learning</a:t>
+            </a:r>
+            <a:endParaRPr lang="de-DE" dirty="0"/>
+          </a:p>
+        </p:txBody>
+      </p:sp>
+      <p:sp>
+        <p:nvSpPr>
+          <p:cNvPr id="6" name="Foliennummernplatzhalter 5">
+            <a:extLst>
+              <a:ext uri="{FF2B5EF4-FFF2-40B4-BE49-F238E27FC236}">
+                <a16:creationId xmlns:a16="http://schemas.microsoft.com/office/drawing/2014/main" id="{433A7482-7144-853C-2316-41B365C312DE}"/>
+              </a:ext>
+            </a:extLst>
+          </p:cNvPr>
+          <p:cNvSpPr>
+            <a:spLocks noGrp="1"/>
+          </p:cNvSpPr>
+          <p:nvPr>
+            <p:ph type="sldNum" sz="quarter" idx="12"/>
+          </p:nvPr>
+        </p:nvSpPr>
+        <p:spPr/>
+        <p:txBody>
+          <a:bodyPr/>
+          <a:lstStyle/>
+          <a:p>
+            <a:fld id="{4589C08E-11F1-4614-AD94-2F79D605AB8D}" type="slidenum">
+              <a:rPr lang="de-DE" smtClean="0"/>
+              <a:t>8</a:t>
+            </a:fld>
+            <a:endParaRPr lang="de-DE" dirty="0"/>
+          </a:p>
+        </p:txBody>
+      </p:sp>
+    </p:spTree>
+    <p:extLst>
+      <p:ext uri="{BB962C8B-B14F-4D97-AF65-F5344CB8AC3E}">
+        <p14:creationId xmlns:p14="http://schemas.microsoft.com/office/powerpoint/2010/main" val="2222725949"/>
+      </p:ext>
+    </p:extLst>
+  </p:cSld>
+  <p:clrMapOvr>
+    <a:masterClrMapping/>
+  </p:clrMapOvr>
+</p:sld>
+</file>
+
+<file path=ppt/slides/slide9.xml><?xml version="1.0" encoding="utf-8"?>
+<p:sld xmlns:a="http://schemas.openxmlformats.org/drawingml/2006/main" xmlns:r="http://schemas.openxmlformats.org/officeDocument/2006/relationships" xmlns:p="http://schemas.openxmlformats.org/presentationml/2006/main">
+  <p:cSld>
+    <p:spTree>
+      <p:nvGrpSpPr>
+        <p:cNvPr id="1" name=""/>
+        <p:cNvGrpSpPr/>
+        <p:nvPr/>
+      </p:nvGrpSpPr>
+      <p:grpSpPr>
+        <a:xfrm>
+          <a:off x="0" y="0"/>
+          <a:ext cx="0" cy="0"/>
+          <a:chOff x="0" y="0"/>
+          <a:chExt cx="0" cy="0"/>
+        </a:xfrm>
+      </p:grpSpPr>
+      <p:sp>
+        <p:nvSpPr>
+          <p:cNvPr id="2" name="Titel 1">
+            <a:extLst>
+              <a:ext uri="{FF2B5EF4-FFF2-40B4-BE49-F238E27FC236}">
+                <a16:creationId xmlns:a16="http://schemas.microsoft.com/office/drawing/2014/main" id="{76E5DC35-592D-DF43-D5BB-5CA89E898473}"/>
+              </a:ext>
+            </a:extLst>
+          </p:cNvPr>
+          <p:cNvSpPr>
+            <a:spLocks noGrp="1"/>
+          </p:cNvSpPr>
+          <p:nvPr>
+            <p:ph type="title"/>
+          </p:nvPr>
+        </p:nvSpPr>
+        <p:spPr/>
+        <p:txBody>
+          <a:bodyPr/>
+          <a:lstStyle/>
+          <a:p>
+            <a:r>
+              <a:rPr lang="de-DE" dirty="0"/>
+              <a:t>Multi-mode </a:t>
+            </a:r>
+            <a:r>
+              <a:rPr lang="de-DE" dirty="0" err="1"/>
+              <a:t>approaches</a:t>
+            </a:r>
+            <a:endParaRPr lang="de-DE" dirty="0"/>
+          </a:p>
+        </p:txBody>
+      </p:sp>
+      <p:sp>
+        <p:nvSpPr>
+          <p:cNvPr id="3" name="Inhaltsplatzhalter 2">
+            <a:extLst>
+              <a:ext uri="{FF2B5EF4-FFF2-40B4-BE49-F238E27FC236}">
+                <a16:creationId xmlns:a16="http://schemas.microsoft.com/office/drawing/2014/main" id="{928E4F7D-931D-926F-B741-6F79889F81AB}"/>
+              </a:ext>
+            </a:extLst>
+          </p:cNvPr>
+          <p:cNvSpPr>
+            <a:spLocks noGrp="1"/>
+          </p:cNvSpPr>
+          <p:nvPr>
+            <p:ph idx="1"/>
+          </p:nvPr>
+        </p:nvSpPr>
+        <p:spPr/>
+        <p:txBody>
+          <a:bodyPr/>
+          <a:lstStyle/>
+          <a:p>
+            <a:r>
+              <a:rPr lang="de-DE" dirty="0"/>
+              <a:t>…</a:t>
+            </a:r>
+          </a:p>
+          <a:p>
+            <a:r>
+              <a:rPr lang="de-DE" dirty="0" err="1"/>
+              <a:t>Later</a:t>
+            </a:r>
+            <a:r>
+              <a:rPr lang="de-DE" dirty="0"/>
+              <a:t>:</a:t>
+            </a:r>
+          </a:p>
+          <a:p>
+            <a:pPr lvl="1"/>
+            <a:r>
+              <a:rPr lang="de-DE" dirty="0"/>
+              <a:t>SpeechT5</a:t>
+            </a:r>
+          </a:p>
+          <a:p>
+            <a:pPr lvl="1"/>
+            <a:r>
+              <a:rPr lang="de-DE" dirty="0"/>
+              <a:t>VAT LM</a:t>
+            </a:r>
+          </a:p>
+          <a:p>
+            <a:pPr lvl="1"/>
+            <a:r>
+              <a:rPr lang="de-DE" dirty="0"/>
+              <a:t>AV-</a:t>
+            </a:r>
+            <a:r>
+              <a:rPr lang="de-DE" dirty="0" err="1"/>
+              <a:t>HuBERT</a:t>
+            </a:r>
+            <a:endParaRPr lang="de-DE" dirty="0"/>
+          </a:p>
+        </p:txBody>
+      </p:sp>
+      <p:sp>
+        <p:nvSpPr>
+          <p:cNvPr id="4" name="Datumsplatzhalter 3">
+            <a:extLst>
+              <a:ext uri="{FF2B5EF4-FFF2-40B4-BE49-F238E27FC236}">
+                <a16:creationId xmlns:a16="http://schemas.microsoft.com/office/drawing/2014/main" id="{8FDF3430-D6A3-AC0A-F68D-97C6E99A3A70}"/>
+              </a:ext>
+            </a:extLst>
+          </p:cNvPr>
+          <p:cNvSpPr>
+            <a:spLocks noGrp="1"/>
+          </p:cNvSpPr>
+          <p:nvPr>
+            <p:ph type="dt" sz="half" idx="10"/>
+          </p:nvPr>
+        </p:nvSpPr>
+        <p:spPr/>
+        <p:txBody>
+          <a:bodyPr/>
+          <a:lstStyle/>
+          <a:p>
+            <a:r>
+              <a:rPr lang="de-DE"/>
+              <a:t>05.12.2023</a:t>
+            </a:r>
+            <a:endParaRPr lang="de-DE" dirty="0"/>
+          </a:p>
+        </p:txBody>
+      </p:sp>
+      <p:sp>
+        <p:nvSpPr>
+          <p:cNvPr id="5" name="Fußzeilenplatzhalter 4">
+            <a:extLst>
+              <a:ext uri="{FF2B5EF4-FFF2-40B4-BE49-F238E27FC236}">
+                <a16:creationId xmlns:a16="http://schemas.microsoft.com/office/drawing/2014/main" id="{C3CF2A04-25D3-5150-F8CE-D4433F71CB91}"/>
+              </a:ext>
+            </a:extLst>
+          </p:cNvPr>
+          <p:cNvSpPr>
+            <a:spLocks noGrp="1"/>
+          </p:cNvSpPr>
+          <p:nvPr>
+            <p:ph type="ftr" sz="quarter" idx="11"/>
+          </p:nvPr>
+        </p:nvSpPr>
+        <p:spPr/>
+        <p:txBody>
+          <a:bodyPr/>
+          <a:lstStyle/>
+          <a:p>
+            <a:r>
+              <a:rPr lang="en-US"/>
+              <a:t>Multi-modal Speech Representation Learning</a:t>
+            </a:r>
+            <a:endParaRPr lang="de-DE" dirty="0"/>
+          </a:p>
+        </p:txBody>
+      </p:sp>
+      <p:sp>
+        <p:nvSpPr>
+          <p:cNvPr id="6" name="Foliennummernplatzhalter 5">
+            <a:extLst>
+              <a:ext uri="{FF2B5EF4-FFF2-40B4-BE49-F238E27FC236}">
+                <a16:creationId xmlns:a16="http://schemas.microsoft.com/office/drawing/2014/main" id="{C3D2D74F-AAB3-4183-3522-7B2E02E5BAD9}"/>
+              </a:ext>
+            </a:extLst>
+          </p:cNvPr>
+          <p:cNvSpPr>
+            <a:spLocks noGrp="1"/>
+          </p:cNvSpPr>
+          <p:nvPr>
+            <p:ph type="sldNum" sz="quarter" idx="12"/>
+          </p:nvPr>
+        </p:nvSpPr>
+        <p:spPr/>
+        <p:txBody>
+          <a:bodyPr/>
+          <a:lstStyle/>
+          <a:p>
+            <a:fld id="{4589C08E-11F1-4614-AD94-2F79D605AB8D}" type="slidenum">
+              <a:rPr lang="de-DE" smtClean="0"/>
+              <a:t>9</a:t>
+            </a:fld>
+            <a:endParaRPr lang="de-DE" dirty="0"/>
+          </a:p>
+        </p:txBody>
+      </p:sp>
+    </p:spTree>
+    <p:extLst>
+      <p:ext uri="{BB962C8B-B14F-4D97-AF65-F5344CB8AC3E}">
+        <p14:creationId xmlns:p14="http://schemas.microsoft.com/office/powerpoint/2010/main" val="425188991"/>
       </p:ext>
     </p:extLst>
   </p:cSld>

--- a/presentation.pptx
+++ b/presentation.pptx
@@ -5,30 +5,35 @@
     <p:sldMasterId id="2147483648" r:id="rId1"/>
   </p:sldMasterIdLst>
   <p:notesMasterIdLst>
-    <p:notesMasterId r:id="rId23"/>
+    <p:notesMasterId r:id="rId28"/>
   </p:notesMasterIdLst>
   <p:sldIdLst>
     <p:sldId id="256" r:id="rId2"/>
     <p:sldId id="257" r:id="rId3"/>
-    <p:sldId id="258" r:id="rId4"/>
-    <p:sldId id="264" r:id="rId5"/>
+    <p:sldId id="264" r:id="rId4"/>
+    <p:sldId id="258" r:id="rId5"/>
     <p:sldId id="261" r:id="rId6"/>
-    <p:sldId id="263" r:id="rId7"/>
+    <p:sldId id="281" r:id="rId7"/>
     <p:sldId id="265" r:id="rId8"/>
-    <p:sldId id="262" r:id="rId9"/>
-    <p:sldId id="266" r:id="rId10"/>
-    <p:sldId id="267" r:id="rId11"/>
-    <p:sldId id="268" r:id="rId12"/>
-    <p:sldId id="271" r:id="rId13"/>
-    <p:sldId id="269" r:id="rId14"/>
-    <p:sldId id="273" r:id="rId15"/>
-    <p:sldId id="270" r:id="rId16"/>
-    <p:sldId id="274" r:id="rId17"/>
-    <p:sldId id="275" r:id="rId18"/>
-    <p:sldId id="276" r:id="rId19"/>
-    <p:sldId id="277" r:id="rId20"/>
-    <p:sldId id="259" r:id="rId21"/>
-    <p:sldId id="260" r:id="rId22"/>
+    <p:sldId id="279" r:id="rId9"/>
+    <p:sldId id="280" r:id="rId10"/>
+    <p:sldId id="262" r:id="rId11"/>
+    <p:sldId id="282" r:id="rId12"/>
+    <p:sldId id="284" r:id="rId13"/>
+    <p:sldId id="285" r:id="rId14"/>
+    <p:sldId id="278" r:id="rId15"/>
+    <p:sldId id="275" r:id="rId16"/>
+    <p:sldId id="269" r:id="rId17"/>
+    <p:sldId id="286" r:id="rId18"/>
+    <p:sldId id="287" r:id="rId19"/>
+    <p:sldId id="268" r:id="rId20"/>
+    <p:sldId id="271" r:id="rId21"/>
+    <p:sldId id="270" r:id="rId22"/>
+    <p:sldId id="274" r:id="rId23"/>
+    <p:sldId id="276" r:id="rId24"/>
+    <p:sldId id="277" r:id="rId25"/>
+    <p:sldId id="259" r:id="rId26"/>
+    <p:sldId id="260" r:id="rId27"/>
   </p:sldIdLst>
   <p:sldSz cx="12192000" cy="6858000"/>
   <p:notesSz cx="6858000" cy="9144000"/>
@@ -220,7 +225,7 @@
           <a:p>
             <a:fld id="{B72CCB43-93CC-4D9A-B1A7-BFC1DBB69676}" type="datetimeFigureOut">
               <a:rPr lang="de-DE" smtClean="0"/>
-              <a:t>30.10.2023</a:t>
+              <a:t>08.11.2023</a:t>
             </a:fld>
             <a:endParaRPr lang="de-DE" dirty="0"/>
           </a:p>
@@ -531,7 +536,7 @@
           <a:bodyPr/>
           <a:lstStyle/>
           <a:p>
-            <a:endParaRPr lang="de-DE"/>
+            <a:endParaRPr lang="de-DE" dirty="0"/>
           </a:p>
         </p:txBody>
       </p:sp>
@@ -562,6 +567,2601 @@
     <p:extLst>
       <p:ext uri="{BB962C8B-B14F-4D97-AF65-F5344CB8AC3E}">
         <p14:creationId xmlns:p14="http://schemas.microsoft.com/office/powerpoint/2010/main" val="1838862524"/>
+      </p:ext>
+    </p:extLst>
+  </p:cSld>
+  <p:clrMapOvr>
+    <a:masterClrMapping/>
+  </p:clrMapOvr>
+</p:notes>
+</file>
+
+<file path=ppt/notesSlides/notesSlide10.xml><?xml version="1.0" encoding="utf-8"?>
+<p:notes xmlns:a="http://schemas.openxmlformats.org/drawingml/2006/main" xmlns:r="http://schemas.openxmlformats.org/officeDocument/2006/relationships" xmlns:p="http://schemas.openxmlformats.org/presentationml/2006/main">
+  <p:cSld>
+    <p:spTree>
+      <p:nvGrpSpPr>
+        <p:cNvPr id="1" name=""/>
+        <p:cNvGrpSpPr/>
+        <p:nvPr/>
+      </p:nvGrpSpPr>
+      <p:grpSpPr>
+        <a:xfrm>
+          <a:off x="0" y="0"/>
+          <a:ext cx="0" cy="0"/>
+          <a:chOff x="0" y="0"/>
+          <a:chExt cx="0" cy="0"/>
+        </a:xfrm>
+      </p:grpSpPr>
+      <p:sp>
+        <p:nvSpPr>
+          <p:cNvPr id="2" name="Folienbildplatzhalter 1"/>
+          <p:cNvSpPr>
+            <a:spLocks noGrp="1" noRot="1" noChangeAspect="1"/>
+          </p:cNvSpPr>
+          <p:nvPr>
+            <p:ph type="sldImg"/>
+          </p:nvPr>
+        </p:nvSpPr>
+        <p:spPr/>
+      </p:sp>
+      <p:sp>
+        <p:nvSpPr>
+          <p:cNvPr id="3" name="Notizenplatzhalter 2"/>
+          <p:cNvSpPr>
+            <a:spLocks noGrp="1"/>
+          </p:cNvSpPr>
+          <p:nvPr>
+            <p:ph type="body" idx="1"/>
+          </p:nvPr>
+        </p:nvSpPr>
+        <p:spPr/>
+        <p:txBody>
+          <a:bodyPr/>
+          <a:lstStyle/>
+          <a:p>
+            <a:r>
+              <a:rPr lang="de-DE" dirty="0" err="1"/>
+              <a:t>Before</a:t>
+            </a:r>
+            <a:r>
+              <a:rPr lang="de-DE" dirty="0"/>
+              <a:t> </a:t>
+            </a:r>
+            <a:r>
+              <a:rPr lang="de-DE" dirty="0" err="1"/>
+              <a:t>we</a:t>
+            </a:r>
+            <a:r>
+              <a:rPr lang="de-DE" dirty="0"/>
+              <a:t> </a:t>
+            </a:r>
+            <a:r>
+              <a:rPr lang="de-DE" dirty="0" err="1"/>
+              <a:t>get</a:t>
+            </a:r>
+            <a:r>
+              <a:rPr lang="de-DE" dirty="0"/>
+              <a:t> </a:t>
+            </a:r>
+            <a:r>
+              <a:rPr lang="de-DE" dirty="0" err="1"/>
+              <a:t>into</a:t>
+            </a:r>
+            <a:r>
+              <a:rPr lang="de-DE" dirty="0"/>
+              <a:t> </a:t>
+            </a:r>
+            <a:r>
+              <a:rPr lang="de-DE" dirty="0" err="1"/>
+              <a:t>the</a:t>
+            </a:r>
+            <a:r>
+              <a:rPr lang="de-DE" dirty="0"/>
+              <a:t> multi-modal </a:t>
+            </a:r>
+            <a:r>
+              <a:rPr lang="de-DE" dirty="0" err="1"/>
+              <a:t>speech</a:t>
+            </a:r>
+            <a:r>
+              <a:rPr lang="de-DE" dirty="0"/>
+              <a:t> </a:t>
+            </a:r>
+            <a:r>
+              <a:rPr lang="de-DE" dirty="0" err="1"/>
+              <a:t>representation</a:t>
+            </a:r>
+            <a:r>
+              <a:rPr lang="de-DE" dirty="0"/>
+              <a:t> </a:t>
+            </a:r>
+            <a:r>
+              <a:rPr lang="de-DE" dirty="0" err="1"/>
+              <a:t>learning</a:t>
+            </a:r>
+            <a:r>
+              <a:rPr lang="de-DE" dirty="0"/>
+              <a:t> </a:t>
+            </a:r>
+            <a:r>
+              <a:rPr lang="de-DE" dirty="0" err="1"/>
+              <a:t>models</a:t>
+            </a:r>
+            <a:r>
+              <a:rPr lang="de-DE" dirty="0"/>
+              <a:t>, </a:t>
+            </a:r>
+            <a:r>
+              <a:rPr lang="de-DE" dirty="0" err="1"/>
+              <a:t>we</a:t>
+            </a:r>
+            <a:r>
+              <a:rPr lang="de-DE" dirty="0"/>
+              <a:t> </a:t>
+            </a:r>
+            <a:r>
+              <a:rPr lang="de-DE" dirty="0" err="1"/>
+              <a:t>need</a:t>
+            </a:r>
+            <a:r>
+              <a:rPr lang="de-DE" dirty="0"/>
+              <a:t> </a:t>
+            </a:r>
+            <a:r>
+              <a:rPr lang="de-DE" dirty="0" err="1"/>
+              <a:t>to</a:t>
+            </a:r>
+            <a:r>
+              <a:rPr lang="de-DE" dirty="0"/>
+              <a:t> </a:t>
+            </a:r>
+            <a:r>
+              <a:rPr lang="de-DE" dirty="0" err="1"/>
+              <a:t>look</a:t>
+            </a:r>
+            <a:r>
+              <a:rPr lang="de-DE" dirty="0"/>
+              <a:t> at </a:t>
+            </a:r>
+            <a:r>
+              <a:rPr lang="de-DE" dirty="0" err="1"/>
+              <a:t>the</a:t>
+            </a:r>
+            <a:r>
+              <a:rPr lang="de-DE" dirty="0"/>
+              <a:t> </a:t>
+            </a:r>
+            <a:r>
+              <a:rPr lang="de-DE" dirty="0" err="1"/>
+              <a:t>single</a:t>
+            </a:r>
+            <a:r>
+              <a:rPr lang="de-DE" dirty="0"/>
+              <a:t> </a:t>
+            </a:r>
+            <a:r>
+              <a:rPr lang="de-DE" dirty="0" err="1"/>
+              <a:t>mode</a:t>
+            </a:r>
+            <a:r>
+              <a:rPr lang="de-DE" dirty="0"/>
+              <a:t> </a:t>
+            </a:r>
+            <a:r>
+              <a:rPr lang="de-DE" dirty="0" err="1"/>
+              <a:t>approaches</a:t>
+            </a:r>
+            <a:r>
+              <a:rPr lang="de-DE" dirty="0"/>
+              <a:t> </a:t>
+            </a:r>
+            <a:r>
+              <a:rPr lang="de-DE" dirty="0" err="1"/>
+              <a:t>they</a:t>
+            </a:r>
+            <a:r>
+              <a:rPr lang="de-DE" dirty="0"/>
+              <a:t> </a:t>
+            </a:r>
+            <a:r>
+              <a:rPr lang="de-DE" dirty="0" err="1"/>
+              <a:t>are</a:t>
+            </a:r>
+            <a:r>
+              <a:rPr lang="de-DE" dirty="0"/>
+              <a:t> </a:t>
+            </a:r>
+            <a:r>
+              <a:rPr lang="de-DE" dirty="0" err="1"/>
+              <a:t>based</a:t>
+            </a:r>
+            <a:r>
+              <a:rPr lang="de-DE" dirty="0"/>
+              <a:t> on…</a:t>
+            </a:r>
+            <a:endParaRPr lang="en-GB" dirty="0"/>
+          </a:p>
+        </p:txBody>
+      </p:sp>
+      <p:sp>
+        <p:nvSpPr>
+          <p:cNvPr id="4" name="Foliennummernplatzhalter 3"/>
+          <p:cNvSpPr>
+            <a:spLocks noGrp="1"/>
+          </p:cNvSpPr>
+          <p:nvPr>
+            <p:ph type="sldNum" sz="quarter" idx="5"/>
+          </p:nvPr>
+        </p:nvSpPr>
+        <p:spPr/>
+        <p:txBody>
+          <a:bodyPr/>
+          <a:lstStyle/>
+          <a:p>
+            <a:fld id="{9AD6FCE9-5A9D-455A-BE37-0E2337950A31}" type="slidenum">
+              <a:rPr lang="de-DE" smtClean="0"/>
+              <a:t>12</a:t>
+            </a:fld>
+            <a:endParaRPr lang="de-DE" dirty="0"/>
+          </a:p>
+        </p:txBody>
+      </p:sp>
+    </p:spTree>
+    <p:extLst>
+      <p:ext uri="{BB962C8B-B14F-4D97-AF65-F5344CB8AC3E}">
+        <p14:creationId xmlns:p14="http://schemas.microsoft.com/office/powerpoint/2010/main" val="1768247045"/>
+      </p:ext>
+    </p:extLst>
+  </p:cSld>
+  <p:clrMapOvr>
+    <a:masterClrMapping/>
+  </p:clrMapOvr>
+</p:notes>
+</file>
+
+<file path=ppt/notesSlides/notesSlide11.xml><?xml version="1.0" encoding="utf-8"?>
+<p:notes xmlns:a="http://schemas.openxmlformats.org/drawingml/2006/main" xmlns:r="http://schemas.openxmlformats.org/officeDocument/2006/relationships" xmlns:p="http://schemas.openxmlformats.org/presentationml/2006/main">
+  <p:cSld>
+    <p:spTree>
+      <p:nvGrpSpPr>
+        <p:cNvPr id="1" name=""/>
+        <p:cNvGrpSpPr/>
+        <p:nvPr/>
+      </p:nvGrpSpPr>
+      <p:grpSpPr>
+        <a:xfrm>
+          <a:off x="0" y="0"/>
+          <a:ext cx="0" cy="0"/>
+          <a:chOff x="0" y="0"/>
+          <a:chExt cx="0" cy="0"/>
+        </a:xfrm>
+      </p:grpSpPr>
+      <p:sp>
+        <p:nvSpPr>
+          <p:cNvPr id="2" name="Folienbildplatzhalter 1"/>
+          <p:cNvSpPr>
+            <a:spLocks noGrp="1" noRot="1" noChangeAspect="1"/>
+          </p:cNvSpPr>
+          <p:nvPr>
+            <p:ph type="sldImg"/>
+          </p:nvPr>
+        </p:nvSpPr>
+        <p:spPr/>
+      </p:sp>
+      <p:sp>
+        <p:nvSpPr>
+          <p:cNvPr id="3" name="Notizenplatzhalter 2"/>
+          <p:cNvSpPr>
+            <a:spLocks noGrp="1"/>
+          </p:cNvSpPr>
+          <p:nvPr>
+            <p:ph type="body" idx="1"/>
+          </p:nvPr>
+        </p:nvSpPr>
+        <p:spPr/>
+        <p:txBody>
+          <a:bodyPr/>
+          <a:lstStyle/>
+          <a:p>
+            <a:r>
+              <a:rPr lang="de-DE" dirty="0" err="1"/>
+              <a:t>Before</a:t>
+            </a:r>
+            <a:r>
+              <a:rPr lang="de-DE" dirty="0"/>
+              <a:t> </a:t>
+            </a:r>
+            <a:r>
+              <a:rPr lang="de-DE" dirty="0" err="1"/>
+              <a:t>we</a:t>
+            </a:r>
+            <a:r>
+              <a:rPr lang="de-DE" dirty="0"/>
+              <a:t> </a:t>
+            </a:r>
+            <a:r>
+              <a:rPr lang="de-DE" dirty="0" err="1"/>
+              <a:t>get</a:t>
+            </a:r>
+            <a:r>
+              <a:rPr lang="de-DE" dirty="0"/>
+              <a:t> </a:t>
+            </a:r>
+            <a:r>
+              <a:rPr lang="de-DE" dirty="0" err="1"/>
+              <a:t>into</a:t>
+            </a:r>
+            <a:r>
+              <a:rPr lang="de-DE" dirty="0"/>
+              <a:t> </a:t>
+            </a:r>
+            <a:r>
+              <a:rPr lang="de-DE" dirty="0" err="1"/>
+              <a:t>the</a:t>
+            </a:r>
+            <a:r>
+              <a:rPr lang="de-DE" dirty="0"/>
+              <a:t> multi-modal </a:t>
+            </a:r>
+            <a:r>
+              <a:rPr lang="de-DE" dirty="0" err="1"/>
+              <a:t>speech</a:t>
+            </a:r>
+            <a:r>
+              <a:rPr lang="de-DE" dirty="0"/>
+              <a:t> </a:t>
+            </a:r>
+            <a:r>
+              <a:rPr lang="de-DE" dirty="0" err="1"/>
+              <a:t>representation</a:t>
+            </a:r>
+            <a:r>
+              <a:rPr lang="de-DE" dirty="0"/>
+              <a:t> </a:t>
+            </a:r>
+            <a:r>
+              <a:rPr lang="de-DE" dirty="0" err="1"/>
+              <a:t>learning</a:t>
+            </a:r>
+            <a:r>
+              <a:rPr lang="de-DE" dirty="0"/>
+              <a:t> </a:t>
+            </a:r>
+            <a:r>
+              <a:rPr lang="de-DE" dirty="0" err="1"/>
+              <a:t>models</a:t>
+            </a:r>
+            <a:r>
+              <a:rPr lang="de-DE" dirty="0"/>
+              <a:t>, </a:t>
+            </a:r>
+            <a:r>
+              <a:rPr lang="de-DE" dirty="0" err="1"/>
+              <a:t>we</a:t>
+            </a:r>
+            <a:r>
+              <a:rPr lang="de-DE" dirty="0"/>
+              <a:t> </a:t>
+            </a:r>
+            <a:r>
+              <a:rPr lang="de-DE" dirty="0" err="1"/>
+              <a:t>need</a:t>
+            </a:r>
+            <a:r>
+              <a:rPr lang="de-DE" dirty="0"/>
+              <a:t> </a:t>
+            </a:r>
+            <a:r>
+              <a:rPr lang="de-DE" dirty="0" err="1"/>
+              <a:t>to</a:t>
+            </a:r>
+            <a:r>
+              <a:rPr lang="de-DE" dirty="0"/>
+              <a:t> </a:t>
+            </a:r>
+            <a:r>
+              <a:rPr lang="de-DE" dirty="0" err="1"/>
+              <a:t>look</a:t>
+            </a:r>
+            <a:r>
+              <a:rPr lang="de-DE" dirty="0"/>
+              <a:t> at </a:t>
+            </a:r>
+            <a:r>
+              <a:rPr lang="de-DE" dirty="0" err="1"/>
+              <a:t>the</a:t>
+            </a:r>
+            <a:r>
+              <a:rPr lang="de-DE" dirty="0"/>
+              <a:t> </a:t>
+            </a:r>
+            <a:r>
+              <a:rPr lang="de-DE" dirty="0" err="1"/>
+              <a:t>single</a:t>
+            </a:r>
+            <a:r>
+              <a:rPr lang="de-DE" dirty="0"/>
+              <a:t> </a:t>
+            </a:r>
+            <a:r>
+              <a:rPr lang="de-DE" dirty="0" err="1"/>
+              <a:t>mode</a:t>
+            </a:r>
+            <a:r>
+              <a:rPr lang="de-DE" dirty="0"/>
+              <a:t> </a:t>
+            </a:r>
+            <a:r>
+              <a:rPr lang="de-DE" dirty="0" err="1"/>
+              <a:t>approaches</a:t>
+            </a:r>
+            <a:r>
+              <a:rPr lang="de-DE" dirty="0"/>
+              <a:t> </a:t>
+            </a:r>
+            <a:r>
+              <a:rPr lang="de-DE" dirty="0" err="1"/>
+              <a:t>they</a:t>
+            </a:r>
+            <a:r>
+              <a:rPr lang="de-DE" dirty="0"/>
+              <a:t> </a:t>
+            </a:r>
+            <a:r>
+              <a:rPr lang="de-DE" dirty="0" err="1"/>
+              <a:t>are</a:t>
+            </a:r>
+            <a:r>
+              <a:rPr lang="de-DE" dirty="0"/>
+              <a:t> </a:t>
+            </a:r>
+            <a:r>
+              <a:rPr lang="de-DE" dirty="0" err="1"/>
+              <a:t>based</a:t>
+            </a:r>
+            <a:r>
+              <a:rPr lang="de-DE" dirty="0"/>
+              <a:t> on…</a:t>
+            </a:r>
+            <a:endParaRPr lang="en-GB" dirty="0"/>
+          </a:p>
+        </p:txBody>
+      </p:sp>
+      <p:sp>
+        <p:nvSpPr>
+          <p:cNvPr id="4" name="Foliennummernplatzhalter 3"/>
+          <p:cNvSpPr>
+            <a:spLocks noGrp="1"/>
+          </p:cNvSpPr>
+          <p:nvPr>
+            <p:ph type="sldNum" sz="quarter" idx="5"/>
+          </p:nvPr>
+        </p:nvSpPr>
+        <p:spPr/>
+        <p:txBody>
+          <a:bodyPr/>
+          <a:lstStyle/>
+          <a:p>
+            <a:fld id="{9AD6FCE9-5A9D-455A-BE37-0E2337950A31}" type="slidenum">
+              <a:rPr lang="de-DE" smtClean="0"/>
+              <a:t>13</a:t>
+            </a:fld>
+            <a:endParaRPr lang="de-DE" dirty="0"/>
+          </a:p>
+        </p:txBody>
+      </p:sp>
+    </p:spTree>
+    <p:extLst>
+      <p:ext uri="{BB962C8B-B14F-4D97-AF65-F5344CB8AC3E}">
+        <p14:creationId xmlns:p14="http://schemas.microsoft.com/office/powerpoint/2010/main" val="3092869574"/>
+      </p:ext>
+    </p:extLst>
+  </p:cSld>
+  <p:clrMapOvr>
+    <a:masterClrMapping/>
+  </p:clrMapOvr>
+</p:notes>
+</file>
+
+<file path=ppt/notesSlides/notesSlide12.xml><?xml version="1.0" encoding="utf-8"?>
+<p:notes xmlns:a="http://schemas.openxmlformats.org/drawingml/2006/main" xmlns:r="http://schemas.openxmlformats.org/officeDocument/2006/relationships" xmlns:p="http://schemas.openxmlformats.org/presentationml/2006/main">
+  <p:cSld>
+    <p:spTree>
+      <p:nvGrpSpPr>
+        <p:cNvPr id="1" name=""/>
+        <p:cNvGrpSpPr/>
+        <p:nvPr/>
+      </p:nvGrpSpPr>
+      <p:grpSpPr>
+        <a:xfrm>
+          <a:off x="0" y="0"/>
+          <a:ext cx="0" cy="0"/>
+          <a:chOff x="0" y="0"/>
+          <a:chExt cx="0" cy="0"/>
+        </a:xfrm>
+      </p:grpSpPr>
+      <p:sp>
+        <p:nvSpPr>
+          <p:cNvPr id="2" name="Folienbildplatzhalter 1"/>
+          <p:cNvSpPr>
+            <a:spLocks noGrp="1" noRot="1" noChangeAspect="1"/>
+          </p:cNvSpPr>
+          <p:nvPr>
+            <p:ph type="sldImg"/>
+          </p:nvPr>
+        </p:nvSpPr>
+        <p:spPr/>
+      </p:sp>
+      <p:sp>
+        <p:nvSpPr>
+          <p:cNvPr id="3" name="Notizenplatzhalter 2"/>
+          <p:cNvSpPr>
+            <a:spLocks noGrp="1"/>
+          </p:cNvSpPr>
+          <p:nvPr>
+            <p:ph type="body" idx="1"/>
+          </p:nvPr>
+        </p:nvSpPr>
+        <p:spPr/>
+        <p:txBody>
+          <a:bodyPr/>
+          <a:lstStyle/>
+          <a:p>
+            <a:endParaRPr lang="en-GB" dirty="0"/>
+          </a:p>
+        </p:txBody>
+      </p:sp>
+      <p:sp>
+        <p:nvSpPr>
+          <p:cNvPr id="4" name="Foliennummernplatzhalter 3"/>
+          <p:cNvSpPr>
+            <a:spLocks noGrp="1"/>
+          </p:cNvSpPr>
+          <p:nvPr>
+            <p:ph type="sldNum" sz="quarter" idx="5"/>
+          </p:nvPr>
+        </p:nvSpPr>
+        <p:spPr/>
+        <p:txBody>
+          <a:bodyPr/>
+          <a:lstStyle/>
+          <a:p>
+            <a:fld id="{9AD6FCE9-5A9D-455A-BE37-0E2337950A31}" type="slidenum">
+              <a:rPr lang="de-DE" smtClean="0"/>
+              <a:t>16</a:t>
+            </a:fld>
+            <a:endParaRPr lang="de-DE" dirty="0"/>
+          </a:p>
+        </p:txBody>
+      </p:sp>
+    </p:spTree>
+    <p:extLst>
+      <p:ext uri="{BB962C8B-B14F-4D97-AF65-F5344CB8AC3E}">
+        <p14:creationId xmlns:p14="http://schemas.microsoft.com/office/powerpoint/2010/main" val="1397060723"/>
+      </p:ext>
+    </p:extLst>
+  </p:cSld>
+  <p:clrMapOvr>
+    <a:masterClrMapping/>
+  </p:clrMapOvr>
+</p:notes>
+</file>
+
+<file path=ppt/notesSlides/notesSlide13.xml><?xml version="1.0" encoding="utf-8"?>
+<p:notes xmlns:a="http://schemas.openxmlformats.org/drawingml/2006/main" xmlns:r="http://schemas.openxmlformats.org/officeDocument/2006/relationships" xmlns:p="http://schemas.openxmlformats.org/presentationml/2006/main">
+  <p:cSld>
+    <p:spTree>
+      <p:nvGrpSpPr>
+        <p:cNvPr id="1" name=""/>
+        <p:cNvGrpSpPr/>
+        <p:nvPr/>
+      </p:nvGrpSpPr>
+      <p:grpSpPr>
+        <a:xfrm>
+          <a:off x="0" y="0"/>
+          <a:ext cx="0" cy="0"/>
+          <a:chOff x="0" y="0"/>
+          <a:chExt cx="0" cy="0"/>
+        </a:xfrm>
+      </p:grpSpPr>
+      <p:sp>
+        <p:nvSpPr>
+          <p:cNvPr id="2" name="Folienbildplatzhalter 1"/>
+          <p:cNvSpPr>
+            <a:spLocks noGrp="1" noRot="1" noChangeAspect="1"/>
+          </p:cNvSpPr>
+          <p:nvPr>
+            <p:ph type="sldImg"/>
+          </p:nvPr>
+        </p:nvSpPr>
+        <p:spPr/>
+      </p:sp>
+      <p:sp>
+        <p:nvSpPr>
+          <p:cNvPr id="3" name="Notizenplatzhalter 2"/>
+          <p:cNvSpPr>
+            <a:spLocks noGrp="1"/>
+          </p:cNvSpPr>
+          <p:nvPr>
+            <p:ph type="body" idx="1"/>
+          </p:nvPr>
+        </p:nvSpPr>
+        <p:spPr/>
+        <p:txBody>
+          <a:bodyPr/>
+          <a:lstStyle/>
+          <a:p>
+            <a:pPr marL="228600" marR="0" lvl="0" indent="-228600" algn="l" defTabSz="914400" rtl="0" eaLnBrk="1" fontAlgn="auto" latinLnBrk="0" hangingPunct="1">
+              <a:lnSpc>
+                <a:spcPct val="100000"/>
+              </a:lnSpc>
+              <a:spcBef>
+                <a:spcPts val="0"/>
+              </a:spcBef>
+              <a:spcAft>
+                <a:spcPts val="0"/>
+              </a:spcAft>
+              <a:buClrTx/>
+              <a:buSzTx/>
+              <a:buFontTx/>
+              <a:buAutoNum type="arabicPeriod"/>
+              <a:tabLst/>
+              <a:defRPr/>
+            </a:pPr>
+            <a:r>
+              <a:rPr lang="en-US" noProof="0" dirty="0"/>
+              <a:t>Text/Speech input gets encoded in shared representation space U and mapped into shared code book C.</a:t>
+            </a:r>
+          </a:p>
+          <a:p>
+            <a:pPr marL="228600" marR="0" lvl="0" indent="-228600" algn="l" defTabSz="914400" rtl="0" eaLnBrk="1" fontAlgn="auto" latinLnBrk="0" hangingPunct="1">
+              <a:lnSpc>
+                <a:spcPct val="100000"/>
+              </a:lnSpc>
+              <a:spcBef>
+                <a:spcPts val="0"/>
+              </a:spcBef>
+              <a:spcAft>
+                <a:spcPts val="0"/>
+              </a:spcAft>
+              <a:buClrTx/>
+              <a:buSzTx/>
+              <a:buFontTx/>
+              <a:buAutoNum type="arabicPeriod"/>
+              <a:tabLst/>
+              <a:defRPr/>
+            </a:pPr>
+            <a:r>
+              <a:rPr lang="en-US" noProof="0" dirty="0"/>
+              <a:t>Then randomly replace 10% of the contextual representations </a:t>
+            </a:r>
+          </a:p>
+          <a:p>
+            <a:pPr marL="228600" marR="0" lvl="0" indent="-228600" algn="l" defTabSz="914400" rtl="0" eaLnBrk="1" fontAlgn="auto" latinLnBrk="0" hangingPunct="1">
+              <a:lnSpc>
+                <a:spcPct val="100000"/>
+              </a:lnSpc>
+              <a:spcBef>
+                <a:spcPts val="0"/>
+              </a:spcBef>
+              <a:spcAft>
+                <a:spcPts val="0"/>
+              </a:spcAft>
+              <a:buClrTx/>
+              <a:buSzTx/>
+              <a:buFontTx/>
+              <a:buAutoNum type="arabicPeriod"/>
+              <a:tabLst/>
+              <a:defRPr/>
+            </a:pPr>
+            <a:endParaRPr lang="en-US" noProof="0" dirty="0"/>
+          </a:p>
+          <a:p>
+            <a:pPr marL="228600" marR="0" lvl="0" indent="-228600" algn="l" defTabSz="914400" rtl="0" eaLnBrk="1" fontAlgn="auto" latinLnBrk="0" hangingPunct="1">
+              <a:lnSpc>
+                <a:spcPct val="100000"/>
+              </a:lnSpc>
+              <a:spcBef>
+                <a:spcPts val="0"/>
+              </a:spcBef>
+              <a:spcAft>
+                <a:spcPts val="0"/>
+              </a:spcAft>
+              <a:buClrTx/>
+              <a:buSzTx/>
+              <a:buFontTx/>
+              <a:buAutoNum type="arabicPeriod"/>
+              <a:tabLst/>
+              <a:defRPr/>
+            </a:pPr>
+            <a:endParaRPr lang="en-US" noProof="0" dirty="0"/>
+          </a:p>
+          <a:p>
+            <a:pPr marL="228600" marR="0" lvl="0" indent="-228600" algn="l" defTabSz="914400" rtl="0" eaLnBrk="1" fontAlgn="auto" latinLnBrk="0" hangingPunct="1">
+              <a:lnSpc>
+                <a:spcPct val="100000"/>
+              </a:lnSpc>
+              <a:spcBef>
+                <a:spcPts val="0"/>
+              </a:spcBef>
+              <a:spcAft>
+                <a:spcPts val="0"/>
+              </a:spcAft>
+              <a:buClrTx/>
+              <a:buSzTx/>
+              <a:buFontTx/>
+              <a:buAutoNum type="arabicPeriod"/>
+              <a:tabLst/>
+              <a:defRPr/>
+            </a:pPr>
+            <a:endParaRPr lang="de-DE" dirty="0"/>
+          </a:p>
+        </p:txBody>
+      </p:sp>
+      <p:sp>
+        <p:nvSpPr>
+          <p:cNvPr id="4" name="Foliennummernplatzhalter 3"/>
+          <p:cNvSpPr>
+            <a:spLocks noGrp="1"/>
+          </p:cNvSpPr>
+          <p:nvPr>
+            <p:ph type="sldNum" sz="quarter" idx="5"/>
+          </p:nvPr>
+        </p:nvSpPr>
+        <p:spPr/>
+        <p:txBody>
+          <a:bodyPr/>
+          <a:lstStyle/>
+          <a:p>
+            <a:fld id="{9AD6FCE9-5A9D-455A-BE37-0E2337950A31}" type="slidenum">
+              <a:rPr lang="de-DE" smtClean="0"/>
+              <a:t>17</a:t>
+            </a:fld>
+            <a:endParaRPr lang="de-DE" dirty="0"/>
+          </a:p>
+        </p:txBody>
+      </p:sp>
+    </p:spTree>
+    <p:extLst>
+      <p:ext uri="{BB962C8B-B14F-4D97-AF65-F5344CB8AC3E}">
+        <p14:creationId xmlns:p14="http://schemas.microsoft.com/office/powerpoint/2010/main" val="1814303562"/>
+      </p:ext>
+    </p:extLst>
+  </p:cSld>
+  <p:clrMapOvr>
+    <a:masterClrMapping/>
+  </p:clrMapOvr>
+</p:notes>
+</file>
+
+<file path=ppt/notesSlides/notesSlide2.xml><?xml version="1.0" encoding="utf-8"?>
+<p:notes xmlns:a="http://schemas.openxmlformats.org/drawingml/2006/main" xmlns:r="http://schemas.openxmlformats.org/officeDocument/2006/relationships" xmlns:p="http://schemas.openxmlformats.org/presentationml/2006/main">
+  <p:cSld>
+    <p:spTree>
+      <p:nvGrpSpPr>
+        <p:cNvPr id="1" name=""/>
+        <p:cNvGrpSpPr/>
+        <p:nvPr/>
+      </p:nvGrpSpPr>
+      <p:grpSpPr>
+        <a:xfrm>
+          <a:off x="0" y="0"/>
+          <a:ext cx="0" cy="0"/>
+          <a:chOff x="0" y="0"/>
+          <a:chExt cx="0" cy="0"/>
+        </a:xfrm>
+      </p:grpSpPr>
+      <p:sp>
+        <p:nvSpPr>
+          <p:cNvPr id="2" name="Folienbildplatzhalter 1"/>
+          <p:cNvSpPr>
+            <a:spLocks noGrp="1" noRot="1" noChangeAspect="1"/>
+          </p:cNvSpPr>
+          <p:nvPr>
+            <p:ph type="sldImg"/>
+          </p:nvPr>
+        </p:nvSpPr>
+        <p:spPr/>
+      </p:sp>
+      <p:sp>
+        <p:nvSpPr>
+          <p:cNvPr id="3" name="Notizenplatzhalter 2"/>
+          <p:cNvSpPr>
+            <a:spLocks noGrp="1"/>
+          </p:cNvSpPr>
+          <p:nvPr>
+            <p:ph type="body" idx="1"/>
+          </p:nvPr>
+        </p:nvSpPr>
+        <p:spPr/>
+        <p:txBody>
+          <a:bodyPr/>
+          <a:lstStyle/>
+          <a:p>
+            <a:r>
+              <a:rPr lang="de-DE" dirty="0"/>
+              <a:t>Downstream Tasks: </a:t>
+            </a:r>
+            <a:r>
+              <a:rPr lang="de-DE" dirty="0" err="1"/>
+              <a:t>Automatic</a:t>
+            </a:r>
+            <a:r>
+              <a:rPr lang="de-DE" dirty="0"/>
+              <a:t> Speech Recognition, Speaker </a:t>
+            </a:r>
+            <a:r>
+              <a:rPr lang="de-DE" dirty="0" err="1"/>
+              <a:t>Identification</a:t>
+            </a:r>
+            <a:endParaRPr lang="de-DE" dirty="0"/>
+          </a:p>
+          <a:p>
+            <a:endParaRPr lang="de-DE" dirty="0"/>
+          </a:p>
+          <a:p>
+            <a:r>
+              <a:rPr lang="de-DE" dirty="0" err="1"/>
+              <a:t>Acoustic</a:t>
+            </a:r>
+            <a:r>
+              <a:rPr lang="de-DE" dirty="0"/>
+              <a:t> Word </a:t>
+            </a:r>
+            <a:r>
+              <a:rPr lang="de-DE" dirty="0" err="1"/>
+              <a:t>Embeddings</a:t>
+            </a:r>
+            <a:r>
+              <a:rPr lang="de-DE" dirty="0"/>
+              <a:t> </a:t>
+            </a:r>
+            <a:r>
+              <a:rPr lang="de-DE" dirty="0" err="1"/>
+              <a:t>are</a:t>
+            </a:r>
+            <a:r>
+              <a:rPr lang="de-DE" dirty="0"/>
+              <a:t> in turn </a:t>
+            </a:r>
+            <a:r>
+              <a:rPr lang="de-DE" dirty="0" err="1"/>
+              <a:t>similar</a:t>
+            </a:r>
+            <a:r>
+              <a:rPr lang="de-DE" dirty="0"/>
+              <a:t> </a:t>
+            </a:r>
+            <a:r>
+              <a:rPr lang="de-DE" dirty="0" err="1"/>
+              <a:t>to</a:t>
+            </a:r>
+            <a:r>
+              <a:rPr lang="de-DE" dirty="0"/>
+              <a:t> </a:t>
+            </a:r>
+            <a:r>
+              <a:rPr lang="de-DE" dirty="0" err="1"/>
+              <a:t>Semantic</a:t>
+            </a:r>
+            <a:r>
+              <a:rPr lang="de-DE" dirty="0"/>
+              <a:t> Text Word </a:t>
+            </a:r>
+            <a:r>
+              <a:rPr lang="de-DE" dirty="0" err="1"/>
+              <a:t>Embeddings</a:t>
+            </a:r>
+            <a:r>
+              <a:rPr lang="de-DE" dirty="0"/>
+              <a:t>, but </a:t>
+            </a:r>
+            <a:r>
+              <a:rPr lang="de-DE" dirty="0" err="1"/>
+              <a:t>using</a:t>
+            </a:r>
+            <a:r>
+              <a:rPr lang="de-DE" dirty="0"/>
+              <a:t> variable-</a:t>
+            </a:r>
+            <a:r>
+              <a:rPr lang="de-DE" dirty="0" err="1"/>
+              <a:t>length</a:t>
+            </a:r>
+            <a:r>
+              <a:rPr lang="de-DE" dirty="0"/>
+              <a:t> </a:t>
+            </a:r>
+            <a:r>
+              <a:rPr lang="de-DE" dirty="0" err="1"/>
+              <a:t>audio</a:t>
+            </a:r>
+            <a:r>
+              <a:rPr lang="de-DE" dirty="0"/>
+              <a:t> </a:t>
+            </a:r>
+            <a:r>
+              <a:rPr lang="de-DE" dirty="0" err="1"/>
+              <a:t>signals</a:t>
+            </a:r>
+            <a:r>
+              <a:rPr lang="de-DE" dirty="0"/>
+              <a:t> </a:t>
+            </a:r>
+            <a:r>
+              <a:rPr lang="de-DE" dirty="0" err="1"/>
+              <a:t>instead</a:t>
+            </a:r>
+            <a:r>
+              <a:rPr lang="de-DE" dirty="0"/>
+              <a:t> of </a:t>
+            </a:r>
+            <a:r>
+              <a:rPr lang="de-DE" dirty="0" err="1"/>
+              <a:t>words</a:t>
+            </a:r>
+            <a:r>
+              <a:rPr lang="de-DE" dirty="0"/>
+              <a:t> [https://medium.com/@maobedkova/acoustic-word-embeddings-fc3f1a8f0519]</a:t>
+            </a:r>
+          </a:p>
+          <a:p>
+            <a:endParaRPr lang="de-DE" dirty="0"/>
+          </a:p>
+          <a:p>
+            <a:r>
+              <a:rPr lang="de-DE" dirty="0"/>
+              <a:t>Upstream </a:t>
+            </a:r>
+            <a:r>
+              <a:rPr lang="de-DE" dirty="0" err="1"/>
+              <a:t>model</a:t>
+            </a:r>
+            <a:r>
+              <a:rPr lang="de-DE" dirty="0"/>
+              <a:t> </a:t>
+            </a:r>
+            <a:r>
+              <a:rPr lang="de-DE" dirty="0" err="1"/>
+              <a:t>can</a:t>
+            </a:r>
+            <a:r>
+              <a:rPr lang="de-DE" dirty="0"/>
+              <a:t> </a:t>
+            </a:r>
+            <a:r>
+              <a:rPr lang="de-DE" dirty="0" err="1"/>
+              <a:t>be</a:t>
+            </a:r>
+            <a:r>
+              <a:rPr lang="de-DE" dirty="0"/>
+              <a:t> </a:t>
+            </a:r>
+            <a:r>
+              <a:rPr lang="de-DE" dirty="0" err="1"/>
+              <a:t>trained</a:t>
+            </a:r>
+            <a:r>
+              <a:rPr lang="de-DE" dirty="0"/>
+              <a:t> </a:t>
+            </a:r>
+            <a:r>
+              <a:rPr lang="de-DE" dirty="0" err="1"/>
+              <a:t>with</a:t>
+            </a:r>
+            <a:r>
+              <a:rPr lang="de-DE" dirty="0"/>
+              <a:t> </a:t>
+            </a:r>
+            <a:r>
+              <a:rPr lang="de-DE" dirty="0" err="1"/>
+              <a:t>unlabeled</a:t>
+            </a:r>
+            <a:r>
+              <a:rPr lang="de-DE" dirty="0"/>
+              <a:t> </a:t>
+            </a:r>
+            <a:r>
+              <a:rPr lang="de-DE" dirty="0" err="1"/>
+              <a:t>data</a:t>
+            </a:r>
+            <a:endParaRPr lang="de-DE" dirty="0"/>
+          </a:p>
+          <a:p>
+            <a:endParaRPr lang="de-DE" dirty="0"/>
+          </a:p>
+          <a:p>
+            <a:r>
+              <a:rPr lang="de-DE" dirty="0" err="1"/>
+              <a:t>Finetune</a:t>
+            </a:r>
+            <a:r>
+              <a:rPr lang="de-DE" dirty="0"/>
+              <a:t> </a:t>
+            </a:r>
+            <a:r>
+              <a:rPr lang="de-DE" dirty="0" err="1"/>
+              <a:t>using</a:t>
+            </a:r>
+            <a:r>
+              <a:rPr lang="de-DE" dirty="0"/>
+              <a:t> </a:t>
+            </a:r>
+            <a:r>
+              <a:rPr lang="de-DE" dirty="0" err="1"/>
+              <a:t>labeled</a:t>
+            </a:r>
+            <a:r>
+              <a:rPr lang="de-DE" dirty="0"/>
+              <a:t> </a:t>
+            </a:r>
+            <a:r>
+              <a:rPr lang="de-DE" dirty="0" err="1"/>
+              <a:t>data</a:t>
+            </a:r>
+            <a:r>
+              <a:rPr lang="de-DE" dirty="0"/>
+              <a:t> </a:t>
+            </a:r>
+            <a:r>
+              <a:rPr lang="de-DE" dirty="0" err="1"/>
+              <a:t>or</a:t>
+            </a:r>
+            <a:r>
+              <a:rPr lang="de-DE" dirty="0"/>
+              <a:t> </a:t>
+            </a:r>
+            <a:r>
+              <a:rPr lang="de-DE" dirty="0" err="1"/>
+              <a:t>use</a:t>
+            </a:r>
+            <a:r>
+              <a:rPr lang="de-DE" dirty="0"/>
+              <a:t> </a:t>
+            </a:r>
+            <a:r>
+              <a:rPr lang="de-DE" dirty="0" err="1"/>
+              <a:t>as</a:t>
+            </a:r>
+            <a:r>
+              <a:rPr lang="de-DE" dirty="0"/>
+              <a:t> feature </a:t>
+            </a:r>
+            <a:r>
+              <a:rPr lang="de-DE" dirty="0" err="1"/>
+              <a:t>extractor</a:t>
+            </a:r>
+            <a:r>
+              <a:rPr lang="de-DE" dirty="0"/>
+              <a:t> </a:t>
+            </a:r>
+            <a:r>
+              <a:rPr lang="de-DE" dirty="0" err="1"/>
+              <a:t>for</a:t>
+            </a:r>
+            <a:r>
+              <a:rPr lang="de-DE" dirty="0"/>
+              <a:t> </a:t>
+            </a:r>
+            <a:r>
+              <a:rPr lang="de-DE" dirty="0" err="1"/>
+              <a:t>another</a:t>
+            </a:r>
+            <a:r>
+              <a:rPr lang="de-DE" dirty="0"/>
+              <a:t> </a:t>
+            </a:r>
+            <a:r>
+              <a:rPr lang="de-DE" dirty="0" err="1"/>
+              <a:t>model</a:t>
+            </a:r>
+            <a:endParaRPr lang="de-DE" dirty="0"/>
+          </a:p>
+        </p:txBody>
+      </p:sp>
+      <p:sp>
+        <p:nvSpPr>
+          <p:cNvPr id="4" name="Foliennummernplatzhalter 3"/>
+          <p:cNvSpPr>
+            <a:spLocks noGrp="1"/>
+          </p:cNvSpPr>
+          <p:nvPr>
+            <p:ph type="sldNum" sz="quarter" idx="5"/>
+          </p:nvPr>
+        </p:nvSpPr>
+        <p:spPr/>
+        <p:txBody>
+          <a:bodyPr/>
+          <a:lstStyle/>
+          <a:p>
+            <a:fld id="{9AD6FCE9-5A9D-455A-BE37-0E2337950A31}" type="slidenum">
+              <a:rPr lang="de-DE" smtClean="0"/>
+              <a:t>2</a:t>
+            </a:fld>
+            <a:endParaRPr lang="de-DE" dirty="0"/>
+          </a:p>
+        </p:txBody>
+      </p:sp>
+    </p:spTree>
+    <p:extLst>
+      <p:ext uri="{BB962C8B-B14F-4D97-AF65-F5344CB8AC3E}">
+        <p14:creationId xmlns:p14="http://schemas.microsoft.com/office/powerpoint/2010/main" val="689729389"/>
+      </p:ext>
+    </p:extLst>
+  </p:cSld>
+  <p:clrMapOvr>
+    <a:masterClrMapping/>
+  </p:clrMapOvr>
+</p:notes>
+</file>
+
+<file path=ppt/notesSlides/notesSlide3.xml><?xml version="1.0" encoding="utf-8"?>
+<p:notes xmlns:a="http://schemas.openxmlformats.org/drawingml/2006/main" xmlns:r="http://schemas.openxmlformats.org/officeDocument/2006/relationships" xmlns:p="http://schemas.openxmlformats.org/presentationml/2006/main">
+  <p:cSld>
+    <p:spTree>
+      <p:nvGrpSpPr>
+        <p:cNvPr id="1" name=""/>
+        <p:cNvGrpSpPr/>
+        <p:nvPr/>
+      </p:nvGrpSpPr>
+      <p:grpSpPr>
+        <a:xfrm>
+          <a:off x="0" y="0"/>
+          <a:ext cx="0" cy="0"/>
+          <a:chOff x="0" y="0"/>
+          <a:chExt cx="0" cy="0"/>
+        </a:xfrm>
+      </p:grpSpPr>
+      <p:sp>
+        <p:nvSpPr>
+          <p:cNvPr id="2" name="Folienbildplatzhalter 1"/>
+          <p:cNvSpPr>
+            <a:spLocks noGrp="1" noRot="1" noChangeAspect="1"/>
+          </p:cNvSpPr>
+          <p:nvPr>
+            <p:ph type="sldImg"/>
+          </p:nvPr>
+        </p:nvSpPr>
+        <p:spPr/>
+      </p:sp>
+      <p:sp>
+        <p:nvSpPr>
+          <p:cNvPr id="3" name="Notizenplatzhalter 2"/>
+          <p:cNvSpPr>
+            <a:spLocks noGrp="1"/>
+          </p:cNvSpPr>
+          <p:nvPr>
+            <p:ph type="body" idx="1"/>
+          </p:nvPr>
+        </p:nvSpPr>
+        <p:spPr/>
+        <p:txBody>
+          <a:bodyPr/>
+          <a:lstStyle/>
+          <a:p>
+            <a:pPr marL="0" marR="0" lvl="0" indent="0" algn="l" defTabSz="914400" rtl="0" eaLnBrk="1" fontAlgn="auto" latinLnBrk="0" hangingPunct="1">
+              <a:lnSpc>
+                <a:spcPct val="100000"/>
+              </a:lnSpc>
+              <a:spcBef>
+                <a:spcPts val="0"/>
+              </a:spcBef>
+              <a:spcAft>
+                <a:spcPts val="0"/>
+              </a:spcAft>
+              <a:buClrTx/>
+              <a:buSzTx/>
+              <a:buFontTx/>
+              <a:buNone/>
+              <a:tabLst/>
+              <a:defRPr/>
+            </a:pPr>
+            <a:r>
+              <a:rPr lang="en-US" dirty="0"/>
+              <a:t>Invariance to noise ensures stability</a:t>
+            </a:r>
+          </a:p>
+          <a:p>
+            <a:pPr marL="0" marR="0" lvl="0" indent="0" algn="l" defTabSz="914400" rtl="0" eaLnBrk="1" fontAlgn="auto" latinLnBrk="0" hangingPunct="1">
+              <a:lnSpc>
+                <a:spcPct val="100000"/>
+              </a:lnSpc>
+              <a:spcBef>
+                <a:spcPts val="0"/>
+              </a:spcBef>
+              <a:spcAft>
+                <a:spcPts val="0"/>
+              </a:spcAft>
+              <a:buClrTx/>
+              <a:buSzTx/>
+              <a:buFontTx/>
+              <a:buNone/>
+              <a:tabLst/>
+              <a:defRPr/>
+            </a:pPr>
+            <a:endParaRPr lang="en-US" dirty="0"/>
+          </a:p>
+          <a:p>
+            <a:pPr marL="0" marR="0" lvl="0" indent="0" algn="l" defTabSz="914400" rtl="0" eaLnBrk="1" fontAlgn="auto" latinLnBrk="0" hangingPunct="1">
+              <a:lnSpc>
+                <a:spcPct val="100000"/>
+              </a:lnSpc>
+              <a:spcBef>
+                <a:spcPts val="0"/>
+              </a:spcBef>
+              <a:spcAft>
+                <a:spcPts val="0"/>
+              </a:spcAft>
+              <a:buClrTx/>
+              <a:buSzTx/>
+              <a:buFontTx/>
+              <a:buNone/>
+              <a:tabLst/>
+              <a:defRPr/>
+            </a:pPr>
+            <a:endParaRPr lang="en-US" dirty="0"/>
+          </a:p>
+          <a:p>
+            <a:pPr marL="0" marR="0" lvl="0" indent="0" algn="l" defTabSz="914400" rtl="0" eaLnBrk="1" fontAlgn="auto" latinLnBrk="0" hangingPunct="1">
+              <a:lnSpc>
+                <a:spcPct val="100000"/>
+              </a:lnSpc>
+              <a:spcBef>
+                <a:spcPts val="0"/>
+              </a:spcBef>
+              <a:spcAft>
+                <a:spcPts val="0"/>
+              </a:spcAft>
+              <a:buClrTx/>
+              <a:buSzTx/>
+              <a:buFontTx/>
+              <a:buNone/>
+              <a:tabLst/>
+              <a:defRPr/>
+            </a:pPr>
+            <a:endParaRPr lang="en-US" dirty="0"/>
+          </a:p>
+          <a:p>
+            <a:pPr marL="0" marR="0" lvl="0" indent="0" algn="l" defTabSz="914400" rtl="0" eaLnBrk="1" fontAlgn="auto" latinLnBrk="0" hangingPunct="1">
+              <a:lnSpc>
+                <a:spcPct val="100000"/>
+              </a:lnSpc>
+              <a:spcBef>
+                <a:spcPts val="0"/>
+              </a:spcBef>
+              <a:spcAft>
+                <a:spcPts val="0"/>
+              </a:spcAft>
+              <a:buClrTx/>
+              <a:buSzTx/>
+              <a:buFontTx/>
+              <a:buNone/>
+              <a:tabLst/>
+              <a:defRPr/>
+            </a:pPr>
+            <a:r>
+              <a:rPr lang="en-US" dirty="0"/>
+              <a:t>Hierarchy supports applications with different requirements</a:t>
+            </a:r>
+          </a:p>
+          <a:p>
+            <a:endParaRPr lang="en-GB" dirty="0"/>
+          </a:p>
+        </p:txBody>
+      </p:sp>
+      <p:sp>
+        <p:nvSpPr>
+          <p:cNvPr id="4" name="Foliennummernplatzhalter 3"/>
+          <p:cNvSpPr>
+            <a:spLocks noGrp="1"/>
+          </p:cNvSpPr>
+          <p:nvPr>
+            <p:ph type="sldNum" sz="quarter" idx="5"/>
+          </p:nvPr>
+        </p:nvSpPr>
+        <p:spPr/>
+        <p:txBody>
+          <a:bodyPr/>
+          <a:lstStyle/>
+          <a:p>
+            <a:fld id="{9AD6FCE9-5A9D-455A-BE37-0E2337950A31}" type="slidenum">
+              <a:rPr lang="de-DE" smtClean="0"/>
+              <a:t>3</a:t>
+            </a:fld>
+            <a:endParaRPr lang="de-DE" dirty="0"/>
+          </a:p>
+        </p:txBody>
+      </p:sp>
+    </p:spTree>
+    <p:extLst>
+      <p:ext uri="{BB962C8B-B14F-4D97-AF65-F5344CB8AC3E}">
+        <p14:creationId xmlns:p14="http://schemas.microsoft.com/office/powerpoint/2010/main" val="2152545551"/>
+      </p:ext>
+    </p:extLst>
+  </p:cSld>
+  <p:clrMapOvr>
+    <a:masterClrMapping/>
+  </p:clrMapOvr>
+</p:notes>
+</file>
+
+<file path=ppt/notesSlides/notesSlide4.xml><?xml version="1.0" encoding="utf-8"?>
+<p:notes xmlns:a="http://schemas.openxmlformats.org/drawingml/2006/main" xmlns:r="http://schemas.openxmlformats.org/officeDocument/2006/relationships" xmlns:p="http://schemas.openxmlformats.org/presentationml/2006/main">
+  <p:cSld>
+    <p:spTree>
+      <p:nvGrpSpPr>
+        <p:cNvPr id="1" name=""/>
+        <p:cNvGrpSpPr/>
+        <p:nvPr/>
+      </p:nvGrpSpPr>
+      <p:grpSpPr>
+        <a:xfrm>
+          <a:off x="0" y="0"/>
+          <a:ext cx="0" cy="0"/>
+          <a:chOff x="0" y="0"/>
+          <a:chExt cx="0" cy="0"/>
+        </a:xfrm>
+      </p:grpSpPr>
+      <p:sp>
+        <p:nvSpPr>
+          <p:cNvPr id="2" name="Folienbildplatzhalter 1"/>
+          <p:cNvSpPr>
+            <a:spLocks noGrp="1" noRot="1" noChangeAspect="1"/>
+          </p:cNvSpPr>
+          <p:nvPr>
+            <p:ph type="sldImg"/>
+          </p:nvPr>
+        </p:nvSpPr>
+        <p:spPr/>
+      </p:sp>
+      <p:sp>
+        <p:nvSpPr>
+          <p:cNvPr id="3" name="Notizenplatzhalter 2"/>
+          <p:cNvSpPr>
+            <a:spLocks noGrp="1"/>
+          </p:cNvSpPr>
+          <p:nvPr>
+            <p:ph type="body" idx="1"/>
+          </p:nvPr>
+        </p:nvSpPr>
+        <p:spPr/>
+        <p:txBody>
+          <a:bodyPr/>
+          <a:lstStyle/>
+          <a:p>
+            <a:pPr marL="0" marR="0" lvl="0" indent="0" algn="l" defTabSz="914400" rtl="0" eaLnBrk="1" fontAlgn="auto" latinLnBrk="0" hangingPunct="1">
+              <a:lnSpc>
+                <a:spcPct val="100000"/>
+              </a:lnSpc>
+              <a:spcBef>
+                <a:spcPts val="0"/>
+              </a:spcBef>
+              <a:spcAft>
+                <a:spcPts val="0"/>
+              </a:spcAft>
+              <a:buClrTx/>
+              <a:buSzTx/>
+              <a:buFontTx/>
+              <a:buNone/>
+              <a:tabLst/>
+              <a:defRPr/>
+            </a:pPr>
+            <a:r>
+              <a:rPr lang="en-GB" dirty="0"/>
+              <a:t>Clustering: Recognize words by finding cluster closest to test data.  </a:t>
+            </a:r>
+            <a:r>
+              <a:rPr lang="de-DE" dirty="0"/>
+              <a:t>Clusters </a:t>
+            </a:r>
+            <a:r>
+              <a:rPr lang="de-DE" dirty="0" err="1"/>
+              <a:t>are</a:t>
+            </a:r>
+            <a:r>
+              <a:rPr lang="de-DE" dirty="0"/>
+              <a:t> </a:t>
+            </a:r>
+            <a:r>
+              <a:rPr lang="de-DE" dirty="0" err="1"/>
+              <a:t>representations</a:t>
+            </a:r>
+            <a:r>
+              <a:rPr lang="de-DE" dirty="0"/>
+              <a:t> of </a:t>
+            </a:r>
+            <a:r>
+              <a:rPr lang="de-DE" dirty="0" err="1"/>
+              <a:t>the</a:t>
+            </a:r>
+            <a:r>
+              <a:rPr lang="de-DE" dirty="0"/>
+              <a:t> </a:t>
+            </a:r>
+            <a:r>
+              <a:rPr lang="de-DE" dirty="0" err="1"/>
+              <a:t>speech</a:t>
+            </a:r>
+            <a:r>
+              <a:rPr lang="de-DE" dirty="0"/>
+              <a:t> </a:t>
+            </a:r>
+            <a:r>
+              <a:rPr lang="de-DE" dirty="0" err="1"/>
+              <a:t>input</a:t>
+            </a:r>
+            <a:endParaRPr lang="de-DE" dirty="0"/>
+          </a:p>
+          <a:p>
+            <a:pPr marL="0" marR="0" lvl="0" indent="0" algn="l" defTabSz="914400" rtl="0" eaLnBrk="1" fontAlgn="auto" latinLnBrk="0" hangingPunct="1">
+              <a:lnSpc>
+                <a:spcPct val="100000"/>
+              </a:lnSpc>
+              <a:spcBef>
+                <a:spcPts val="0"/>
+              </a:spcBef>
+              <a:spcAft>
+                <a:spcPts val="0"/>
+              </a:spcAft>
+              <a:buClrTx/>
+              <a:buSzTx/>
+              <a:buFontTx/>
+              <a:buNone/>
+              <a:tabLst/>
+              <a:defRPr/>
+            </a:pPr>
+            <a:endParaRPr lang="de-DE" dirty="0"/>
+          </a:p>
+          <a:p>
+            <a:pPr marL="0" marR="0" lvl="0" indent="0" algn="l" defTabSz="914400" rtl="0" eaLnBrk="1" fontAlgn="auto" latinLnBrk="0" hangingPunct="1">
+              <a:lnSpc>
+                <a:spcPct val="100000"/>
+              </a:lnSpc>
+              <a:spcBef>
+                <a:spcPts val="0"/>
+              </a:spcBef>
+              <a:spcAft>
+                <a:spcPts val="0"/>
+              </a:spcAft>
+              <a:buClrTx/>
+              <a:buSzTx/>
+              <a:buFontTx/>
+              <a:buNone/>
+              <a:tabLst/>
+              <a:defRPr/>
+            </a:pPr>
+            <a:r>
+              <a:rPr lang="de-DE" dirty="0" err="1"/>
+              <a:t>Pretext</a:t>
+            </a:r>
+            <a:r>
+              <a:rPr lang="de-DE" dirty="0"/>
+              <a:t>: </a:t>
+            </a:r>
+            <a:r>
+              <a:rPr lang="de-DE" dirty="0" err="1"/>
+              <a:t>Using</a:t>
+            </a:r>
+            <a:r>
+              <a:rPr lang="de-DE" dirty="0"/>
+              <a:t> </a:t>
+            </a:r>
+            <a:r>
+              <a:rPr lang="de-DE" dirty="0" err="1"/>
+              <a:t>unlabeled</a:t>
+            </a:r>
+            <a:r>
+              <a:rPr lang="de-DE" dirty="0"/>
+              <a:t> </a:t>
+            </a:r>
+            <a:r>
+              <a:rPr lang="de-DE" dirty="0" err="1"/>
+              <a:t>data</a:t>
+            </a:r>
+            <a:r>
+              <a:rPr lang="de-DE" dirty="0"/>
+              <a:t> </a:t>
+            </a:r>
+            <a:r>
+              <a:rPr lang="de-DE" dirty="0" err="1"/>
+              <a:t>to</a:t>
+            </a:r>
+            <a:r>
+              <a:rPr lang="de-DE" dirty="0"/>
+              <a:t> </a:t>
+            </a:r>
+            <a:r>
+              <a:rPr lang="de-DE" dirty="0" err="1"/>
+              <a:t>construct</a:t>
+            </a:r>
+            <a:r>
+              <a:rPr lang="de-DE" dirty="0"/>
+              <a:t> a </a:t>
+            </a:r>
+            <a:r>
+              <a:rPr lang="de-DE" dirty="0" err="1"/>
+              <a:t>training</a:t>
+            </a:r>
+            <a:r>
+              <a:rPr lang="de-DE" dirty="0"/>
+              <a:t> </a:t>
+            </a:r>
+            <a:r>
+              <a:rPr lang="de-DE" dirty="0" err="1"/>
+              <a:t>task</a:t>
+            </a:r>
+            <a:r>
+              <a:rPr lang="de-DE" dirty="0"/>
+              <a:t> </a:t>
+            </a:r>
+            <a:r>
+              <a:rPr lang="de-DE" dirty="0" err="1"/>
+              <a:t>for</a:t>
+            </a:r>
+            <a:r>
+              <a:rPr lang="de-DE" dirty="0"/>
+              <a:t> a </a:t>
+            </a:r>
+            <a:r>
+              <a:rPr lang="de-DE" dirty="0" err="1"/>
+              <a:t>model</a:t>
+            </a:r>
+            <a:r>
+              <a:rPr lang="de-DE" dirty="0"/>
+              <a:t>. </a:t>
+            </a:r>
+            <a:r>
+              <a:rPr lang="de-DE" dirty="0" err="1"/>
+              <a:t>Example</a:t>
+            </a:r>
+            <a:r>
+              <a:rPr lang="de-DE" dirty="0"/>
+              <a:t>: </a:t>
+            </a:r>
+            <a:r>
+              <a:rPr lang="de-DE" dirty="0" err="1"/>
+              <a:t>Predict</a:t>
+            </a:r>
+            <a:r>
+              <a:rPr lang="de-DE" dirty="0"/>
+              <a:t> </a:t>
+            </a:r>
+            <a:r>
+              <a:rPr lang="de-DE" dirty="0" err="1"/>
+              <a:t>next</a:t>
+            </a:r>
+            <a:r>
+              <a:rPr lang="de-DE" dirty="0"/>
+              <a:t> </a:t>
+            </a:r>
+            <a:r>
+              <a:rPr lang="de-DE" dirty="0" err="1"/>
+              <a:t>word</a:t>
+            </a:r>
+            <a:r>
+              <a:rPr lang="de-DE" dirty="0"/>
+              <a:t> in a </a:t>
+            </a:r>
+            <a:r>
+              <a:rPr lang="de-DE" dirty="0" err="1"/>
+              <a:t>sequence</a:t>
+            </a:r>
+            <a:r>
+              <a:rPr lang="de-DE" dirty="0"/>
+              <a:t> of </a:t>
+            </a:r>
+            <a:r>
+              <a:rPr lang="de-DE" dirty="0" err="1"/>
+              <a:t>words</a:t>
+            </a:r>
+            <a:endParaRPr lang="de-DE" dirty="0"/>
+          </a:p>
+          <a:p>
+            <a:endParaRPr lang="de-DE" dirty="0"/>
+          </a:p>
+          <a:p>
+            <a:r>
+              <a:rPr lang="de-DE" dirty="0"/>
+              <a:t>BERT = </a:t>
+            </a:r>
+            <a:r>
+              <a:rPr lang="de-DE" dirty="0" err="1"/>
+              <a:t>Bidirectional</a:t>
+            </a:r>
+            <a:r>
+              <a:rPr lang="de-DE" dirty="0"/>
+              <a:t> Encoder </a:t>
+            </a:r>
+            <a:r>
+              <a:rPr lang="de-DE" dirty="0" err="1"/>
+              <a:t>Representations</a:t>
+            </a:r>
+            <a:r>
+              <a:rPr lang="de-DE" dirty="0"/>
+              <a:t> </a:t>
+            </a:r>
+            <a:r>
+              <a:rPr lang="de-DE" dirty="0" err="1"/>
+              <a:t>from</a:t>
+            </a:r>
+            <a:r>
+              <a:rPr lang="de-DE" dirty="0"/>
+              <a:t> Transformers</a:t>
+            </a:r>
+            <a:endParaRPr lang="en-GB" dirty="0"/>
+          </a:p>
+        </p:txBody>
+      </p:sp>
+      <p:sp>
+        <p:nvSpPr>
+          <p:cNvPr id="4" name="Foliennummernplatzhalter 3"/>
+          <p:cNvSpPr>
+            <a:spLocks noGrp="1"/>
+          </p:cNvSpPr>
+          <p:nvPr>
+            <p:ph type="sldNum" sz="quarter" idx="5"/>
+          </p:nvPr>
+        </p:nvSpPr>
+        <p:spPr/>
+        <p:txBody>
+          <a:bodyPr/>
+          <a:lstStyle/>
+          <a:p>
+            <a:fld id="{9AD6FCE9-5A9D-455A-BE37-0E2337950A31}" type="slidenum">
+              <a:rPr lang="de-DE" smtClean="0"/>
+              <a:t>4</a:t>
+            </a:fld>
+            <a:endParaRPr lang="de-DE" dirty="0"/>
+          </a:p>
+        </p:txBody>
+      </p:sp>
+    </p:spTree>
+    <p:extLst>
+      <p:ext uri="{BB962C8B-B14F-4D97-AF65-F5344CB8AC3E}">
+        <p14:creationId xmlns:p14="http://schemas.microsoft.com/office/powerpoint/2010/main" val="2525955288"/>
+      </p:ext>
+    </p:extLst>
+  </p:cSld>
+  <p:clrMapOvr>
+    <a:masterClrMapping/>
+  </p:clrMapOvr>
+</p:notes>
+</file>
+
+<file path=ppt/notesSlides/notesSlide5.xml><?xml version="1.0" encoding="utf-8"?>
+<p:notes xmlns:a="http://schemas.openxmlformats.org/drawingml/2006/main" xmlns:r="http://schemas.openxmlformats.org/officeDocument/2006/relationships" xmlns:p="http://schemas.openxmlformats.org/presentationml/2006/main">
+  <p:cSld>
+    <p:spTree>
+      <p:nvGrpSpPr>
+        <p:cNvPr id="1" name=""/>
+        <p:cNvGrpSpPr/>
+        <p:nvPr/>
+      </p:nvGrpSpPr>
+      <p:grpSpPr>
+        <a:xfrm>
+          <a:off x="0" y="0"/>
+          <a:ext cx="0" cy="0"/>
+          <a:chOff x="0" y="0"/>
+          <a:chExt cx="0" cy="0"/>
+        </a:xfrm>
+      </p:grpSpPr>
+      <p:sp>
+        <p:nvSpPr>
+          <p:cNvPr id="2" name="Folienbildplatzhalter 1"/>
+          <p:cNvSpPr>
+            <a:spLocks noGrp="1" noRot="1" noChangeAspect="1"/>
+          </p:cNvSpPr>
+          <p:nvPr>
+            <p:ph type="sldImg"/>
+          </p:nvPr>
+        </p:nvSpPr>
+        <p:spPr/>
+      </p:sp>
+      <p:sp>
+        <p:nvSpPr>
+          <p:cNvPr id="3" name="Notizenplatzhalter 2"/>
+          <p:cNvSpPr>
+            <a:spLocks noGrp="1"/>
+          </p:cNvSpPr>
+          <p:nvPr>
+            <p:ph type="body" idx="1"/>
+          </p:nvPr>
+        </p:nvSpPr>
+        <p:spPr/>
+        <p:txBody>
+          <a:bodyPr/>
+          <a:lstStyle/>
+          <a:p>
+            <a:r>
+              <a:rPr lang="de-DE" dirty="0"/>
+              <a:t>C</a:t>
+            </a:r>
+            <a:r>
+              <a:rPr lang="en-GB" dirty="0" err="1"/>
+              <a:t>onstrastive</a:t>
+            </a:r>
+            <a:r>
+              <a:rPr lang="en-GB" dirty="0"/>
+              <a:t>:</a:t>
+            </a:r>
+            <a:endParaRPr lang="de-DE" dirty="0"/>
+          </a:p>
+          <a:p>
+            <a:r>
+              <a:rPr lang="de-DE" dirty="0" err="1"/>
+              <a:t>Get</a:t>
+            </a:r>
+            <a:r>
+              <a:rPr lang="de-DE" dirty="0"/>
+              <a:t> </a:t>
+            </a:r>
+            <a:r>
+              <a:rPr lang="de-DE" dirty="0" err="1"/>
+              <a:t>similar</a:t>
+            </a:r>
+            <a:r>
+              <a:rPr lang="de-DE" dirty="0"/>
+              <a:t> </a:t>
+            </a:r>
+            <a:r>
+              <a:rPr lang="de-DE" dirty="0" err="1"/>
+              <a:t>samples</a:t>
+            </a:r>
+            <a:r>
+              <a:rPr lang="de-DE" dirty="0"/>
+              <a:t> </a:t>
+            </a:r>
+            <a:r>
+              <a:rPr lang="de-DE" dirty="0" err="1"/>
+              <a:t>for</a:t>
+            </a:r>
+            <a:r>
+              <a:rPr lang="de-DE" dirty="0"/>
+              <a:t> </a:t>
+            </a:r>
+            <a:r>
+              <a:rPr lang="de-DE" dirty="0" err="1"/>
+              <a:t>example</a:t>
+            </a:r>
+            <a:r>
+              <a:rPr lang="de-DE" dirty="0"/>
+              <a:t> </a:t>
+            </a:r>
+            <a:r>
+              <a:rPr lang="de-DE" dirty="0" err="1"/>
+              <a:t>by</a:t>
+            </a:r>
+            <a:r>
+              <a:rPr lang="de-DE" dirty="0"/>
+              <a:t> </a:t>
+            </a:r>
+            <a:r>
+              <a:rPr lang="de-DE" dirty="0" err="1"/>
+              <a:t>augmenting</a:t>
+            </a:r>
+            <a:endParaRPr lang="de-DE" dirty="0"/>
+          </a:p>
+          <a:p>
+            <a:r>
+              <a:rPr lang="de-DE" dirty="0"/>
+              <a:t>Can also </a:t>
+            </a:r>
+            <a:r>
+              <a:rPr lang="de-DE" dirty="0" err="1"/>
+              <a:t>treat</a:t>
+            </a:r>
+            <a:r>
+              <a:rPr lang="de-DE" dirty="0"/>
+              <a:t> all </a:t>
+            </a:r>
+            <a:r>
+              <a:rPr lang="de-DE" dirty="0" err="1"/>
+              <a:t>samples</a:t>
+            </a:r>
+            <a:r>
+              <a:rPr lang="de-DE" dirty="0"/>
+              <a:t> in a </a:t>
+            </a:r>
+            <a:r>
+              <a:rPr lang="de-DE" dirty="0" err="1"/>
+              <a:t>batch</a:t>
+            </a:r>
+            <a:r>
+              <a:rPr lang="de-DE" dirty="0"/>
+              <a:t> </a:t>
+            </a:r>
+            <a:r>
+              <a:rPr lang="de-DE" dirty="0" err="1"/>
+              <a:t>as</a:t>
+            </a:r>
+            <a:r>
+              <a:rPr lang="de-DE" dirty="0"/>
+              <a:t> negatives. </a:t>
+            </a:r>
+            <a:r>
+              <a:rPr lang="de-DE" dirty="0" err="1"/>
+              <a:t>With</a:t>
+            </a:r>
+            <a:r>
+              <a:rPr lang="de-DE" dirty="0"/>
+              <a:t> </a:t>
+            </a:r>
+            <a:r>
+              <a:rPr lang="de-DE" dirty="0" err="1"/>
+              <a:t>big</a:t>
+            </a:r>
+            <a:r>
+              <a:rPr lang="de-DE" dirty="0"/>
+              <a:t> </a:t>
+            </a:r>
+            <a:r>
+              <a:rPr lang="de-DE" dirty="0" err="1"/>
+              <a:t>enough</a:t>
+            </a:r>
+            <a:r>
+              <a:rPr lang="de-DE" dirty="0"/>
+              <a:t> </a:t>
+            </a:r>
+            <a:r>
+              <a:rPr lang="de-DE" dirty="0" err="1"/>
+              <a:t>batch</a:t>
+            </a:r>
+            <a:r>
+              <a:rPr lang="de-DE" dirty="0"/>
+              <a:t> </a:t>
+            </a:r>
+            <a:r>
+              <a:rPr lang="de-DE" dirty="0" err="1"/>
+              <a:t>this</a:t>
+            </a:r>
+            <a:r>
+              <a:rPr lang="de-DE" dirty="0"/>
+              <a:t> </a:t>
+            </a:r>
+            <a:r>
+              <a:rPr lang="de-DE" dirty="0" err="1"/>
+              <a:t>is</a:t>
+            </a:r>
+            <a:r>
+              <a:rPr lang="de-DE" dirty="0"/>
+              <a:t> valid</a:t>
+            </a:r>
+            <a:r>
+              <a:rPr lang="en-GB" dirty="0"/>
+              <a:t>.</a:t>
+            </a:r>
+          </a:p>
+          <a:p>
+            <a:endParaRPr lang="en-GB" dirty="0"/>
+          </a:p>
+          <a:p>
+            <a:endParaRPr lang="de-DE" dirty="0"/>
+          </a:p>
+        </p:txBody>
+      </p:sp>
+      <p:sp>
+        <p:nvSpPr>
+          <p:cNvPr id="4" name="Foliennummernplatzhalter 3"/>
+          <p:cNvSpPr>
+            <a:spLocks noGrp="1"/>
+          </p:cNvSpPr>
+          <p:nvPr>
+            <p:ph type="sldNum" sz="quarter" idx="5"/>
+          </p:nvPr>
+        </p:nvSpPr>
+        <p:spPr/>
+        <p:txBody>
+          <a:bodyPr/>
+          <a:lstStyle/>
+          <a:p>
+            <a:fld id="{9AD6FCE9-5A9D-455A-BE37-0E2337950A31}" type="slidenum">
+              <a:rPr lang="de-DE" smtClean="0"/>
+              <a:t>6</a:t>
+            </a:fld>
+            <a:endParaRPr lang="de-DE" dirty="0"/>
+          </a:p>
+        </p:txBody>
+      </p:sp>
+    </p:spTree>
+    <p:extLst>
+      <p:ext uri="{BB962C8B-B14F-4D97-AF65-F5344CB8AC3E}">
+        <p14:creationId xmlns:p14="http://schemas.microsoft.com/office/powerpoint/2010/main" val="2574879343"/>
+      </p:ext>
+    </p:extLst>
+  </p:cSld>
+  <p:clrMapOvr>
+    <a:masterClrMapping/>
+  </p:clrMapOvr>
+</p:notes>
+</file>
+
+<file path=ppt/notesSlides/notesSlide6.xml><?xml version="1.0" encoding="utf-8"?>
+<p:notes xmlns:a="http://schemas.openxmlformats.org/drawingml/2006/main" xmlns:r="http://schemas.openxmlformats.org/officeDocument/2006/relationships" xmlns:p="http://schemas.openxmlformats.org/presentationml/2006/main">
+  <p:cSld>
+    <p:spTree>
+      <p:nvGrpSpPr>
+        <p:cNvPr id="1" name=""/>
+        <p:cNvGrpSpPr/>
+        <p:nvPr/>
+      </p:nvGrpSpPr>
+      <p:grpSpPr>
+        <a:xfrm>
+          <a:off x="0" y="0"/>
+          <a:ext cx="0" cy="0"/>
+          <a:chOff x="0" y="0"/>
+          <a:chExt cx="0" cy="0"/>
+        </a:xfrm>
+      </p:grpSpPr>
+      <p:sp>
+        <p:nvSpPr>
+          <p:cNvPr id="2" name="Folienbildplatzhalter 1"/>
+          <p:cNvSpPr>
+            <a:spLocks noGrp="1" noRot="1" noChangeAspect="1"/>
+          </p:cNvSpPr>
+          <p:nvPr>
+            <p:ph type="sldImg"/>
+          </p:nvPr>
+        </p:nvSpPr>
+        <p:spPr/>
+      </p:sp>
+      <p:sp>
+        <p:nvSpPr>
+          <p:cNvPr id="3" name="Notizenplatzhalter 2"/>
+          <p:cNvSpPr>
+            <a:spLocks noGrp="1"/>
+          </p:cNvSpPr>
+          <p:nvPr>
+            <p:ph type="body" idx="1"/>
+          </p:nvPr>
+        </p:nvSpPr>
+        <p:spPr/>
+        <p:txBody>
+          <a:bodyPr/>
+          <a:lstStyle/>
+          <a:p>
+            <a:endParaRPr lang="de-DE" dirty="0"/>
+          </a:p>
+        </p:txBody>
+      </p:sp>
+      <p:sp>
+        <p:nvSpPr>
+          <p:cNvPr id="4" name="Foliennummernplatzhalter 3"/>
+          <p:cNvSpPr>
+            <a:spLocks noGrp="1"/>
+          </p:cNvSpPr>
+          <p:nvPr>
+            <p:ph type="sldNum" sz="quarter" idx="5"/>
+          </p:nvPr>
+        </p:nvSpPr>
+        <p:spPr/>
+        <p:txBody>
+          <a:bodyPr/>
+          <a:lstStyle/>
+          <a:p>
+            <a:fld id="{9AD6FCE9-5A9D-455A-BE37-0E2337950A31}" type="slidenum">
+              <a:rPr lang="de-DE" smtClean="0"/>
+              <a:t>7</a:t>
+            </a:fld>
+            <a:endParaRPr lang="de-DE" dirty="0"/>
+          </a:p>
+        </p:txBody>
+      </p:sp>
+    </p:spTree>
+    <p:extLst>
+      <p:ext uri="{BB962C8B-B14F-4D97-AF65-F5344CB8AC3E}">
+        <p14:creationId xmlns:p14="http://schemas.microsoft.com/office/powerpoint/2010/main" val="4081803207"/>
+      </p:ext>
+    </p:extLst>
+  </p:cSld>
+  <p:clrMapOvr>
+    <a:masterClrMapping/>
+  </p:clrMapOvr>
+</p:notes>
+</file>
+
+<file path=ppt/notesSlides/notesSlide7.xml><?xml version="1.0" encoding="utf-8"?>
+<p:notes xmlns:a="http://schemas.openxmlformats.org/drawingml/2006/main" xmlns:r="http://schemas.openxmlformats.org/officeDocument/2006/relationships" xmlns:p="http://schemas.openxmlformats.org/presentationml/2006/main">
+  <p:cSld>
+    <p:spTree>
+      <p:nvGrpSpPr>
+        <p:cNvPr id="1" name=""/>
+        <p:cNvGrpSpPr/>
+        <p:nvPr/>
+      </p:nvGrpSpPr>
+      <p:grpSpPr>
+        <a:xfrm>
+          <a:off x="0" y="0"/>
+          <a:ext cx="0" cy="0"/>
+          <a:chOff x="0" y="0"/>
+          <a:chExt cx="0" cy="0"/>
+        </a:xfrm>
+      </p:grpSpPr>
+      <p:sp>
+        <p:nvSpPr>
+          <p:cNvPr id="2" name="Folienbildplatzhalter 1"/>
+          <p:cNvSpPr>
+            <a:spLocks noGrp="1" noRot="1" noChangeAspect="1"/>
+          </p:cNvSpPr>
+          <p:nvPr>
+            <p:ph type="sldImg"/>
+          </p:nvPr>
+        </p:nvSpPr>
+        <p:spPr/>
+      </p:sp>
+      <p:sp>
+        <p:nvSpPr>
+          <p:cNvPr id="3" name="Notizenplatzhalter 2"/>
+          <p:cNvSpPr>
+            <a:spLocks noGrp="1"/>
+          </p:cNvSpPr>
+          <p:nvPr>
+            <p:ph type="body" idx="1"/>
+          </p:nvPr>
+        </p:nvSpPr>
+        <p:spPr/>
+        <p:txBody>
+          <a:bodyPr/>
+          <a:lstStyle/>
+          <a:p>
+            <a:pPr lvl="1"/>
+            <a:endParaRPr lang="de-DE" dirty="0"/>
+          </a:p>
+          <a:p>
+            <a:pPr marL="0" marR="0" lvl="0" indent="0" algn="l" defTabSz="914400" rtl="0" eaLnBrk="1" fontAlgn="auto" latinLnBrk="0" hangingPunct="1">
+              <a:lnSpc>
+                <a:spcPct val="100000"/>
+              </a:lnSpc>
+              <a:spcBef>
+                <a:spcPts val="0"/>
+              </a:spcBef>
+              <a:spcAft>
+                <a:spcPts val="0"/>
+              </a:spcAft>
+              <a:buClrTx/>
+              <a:buSzTx/>
+              <a:buFontTx/>
+              <a:buNone/>
+              <a:tabLst/>
+              <a:defRPr/>
+            </a:pPr>
+            <a:r>
+              <a:rPr lang="de-DE" dirty="0"/>
+              <a:t>C</a:t>
+            </a:r>
+            <a:r>
+              <a:rPr lang="en-GB" dirty="0" err="1"/>
+              <a:t>onstrastive</a:t>
+            </a:r>
+            <a:r>
+              <a:rPr lang="en-GB" dirty="0"/>
+              <a:t>:</a:t>
+            </a:r>
+          </a:p>
+          <a:p>
+            <a:pPr marL="0" marR="0" lvl="0" indent="0" algn="l" defTabSz="914400" rtl="0" eaLnBrk="1" fontAlgn="auto" latinLnBrk="0" hangingPunct="1">
+              <a:lnSpc>
+                <a:spcPct val="100000"/>
+              </a:lnSpc>
+              <a:spcBef>
+                <a:spcPts val="0"/>
+              </a:spcBef>
+              <a:spcAft>
+                <a:spcPts val="0"/>
+              </a:spcAft>
+              <a:buClrTx/>
+              <a:buSzTx/>
+              <a:buFontTx/>
+              <a:buNone/>
+              <a:tabLst/>
+              <a:defRPr/>
+            </a:pPr>
+            <a:r>
+              <a:rPr lang="en-US" noProof="0" dirty="0"/>
+              <a:t>Maximize distance between dissimilar samples </a:t>
+            </a:r>
+            <a:r>
+              <a:rPr lang="de-DE" dirty="0"/>
+              <a:t>(negatives)</a:t>
+            </a:r>
+          </a:p>
+          <a:p>
+            <a:pPr marL="0" marR="0" lvl="0" indent="0" algn="l" defTabSz="914400" rtl="0" eaLnBrk="1" fontAlgn="auto" latinLnBrk="0" hangingPunct="1">
+              <a:lnSpc>
+                <a:spcPct val="100000"/>
+              </a:lnSpc>
+              <a:spcBef>
+                <a:spcPts val="0"/>
+              </a:spcBef>
+              <a:spcAft>
+                <a:spcPts val="0"/>
+              </a:spcAft>
+              <a:buClrTx/>
+              <a:buSzTx/>
+              <a:buFontTx/>
+              <a:buNone/>
+              <a:tabLst/>
+              <a:defRPr/>
+            </a:pPr>
+            <a:r>
+              <a:rPr lang="en-US" noProof="0" dirty="0"/>
+              <a:t>Minimize distance between similar samples </a:t>
+            </a:r>
+            <a:r>
+              <a:rPr lang="de-DE" dirty="0"/>
+              <a:t>(positives)</a:t>
+            </a:r>
+          </a:p>
+          <a:p>
+            <a:pPr marL="0" marR="0" lvl="0" indent="0" algn="l" defTabSz="914400" rtl="0" eaLnBrk="1" fontAlgn="auto" latinLnBrk="0" hangingPunct="1">
+              <a:lnSpc>
+                <a:spcPct val="100000"/>
+              </a:lnSpc>
+              <a:spcBef>
+                <a:spcPts val="0"/>
+              </a:spcBef>
+              <a:spcAft>
+                <a:spcPts val="0"/>
+              </a:spcAft>
+              <a:buClrTx/>
+              <a:buSzTx/>
+              <a:buFontTx/>
+              <a:buNone/>
+              <a:tabLst/>
+              <a:defRPr/>
+            </a:pPr>
+            <a:endParaRPr lang="de-DE" sz="1200" kern="1200" dirty="0">
+              <a:solidFill>
+                <a:schemeClr val="tx1"/>
+              </a:solidFill>
+              <a:latin typeface="+mn-lt"/>
+              <a:ea typeface="+mn-ea"/>
+              <a:cs typeface="+mn-cs"/>
+            </a:endParaRPr>
+          </a:p>
+          <a:p>
+            <a:pPr marL="0" marR="0" lvl="0" indent="0" algn="l" defTabSz="914400" rtl="0" eaLnBrk="1" fontAlgn="auto" latinLnBrk="0" hangingPunct="1">
+              <a:lnSpc>
+                <a:spcPct val="100000"/>
+              </a:lnSpc>
+              <a:spcBef>
+                <a:spcPts val="0"/>
+              </a:spcBef>
+              <a:spcAft>
+                <a:spcPts val="0"/>
+              </a:spcAft>
+              <a:buClrTx/>
+              <a:buSzTx/>
+              <a:buFontTx/>
+              <a:buNone/>
+              <a:tabLst/>
+              <a:defRPr/>
+            </a:pPr>
+            <a:r>
+              <a:rPr lang="en-GB" sz="1200" kern="1200" dirty="0">
+                <a:solidFill>
+                  <a:schemeClr val="tx1"/>
+                </a:solidFill>
+                <a:latin typeface="+mn-lt"/>
+                <a:ea typeface="+mn-ea"/>
+                <a:cs typeface="+mn-cs"/>
+              </a:rPr>
+              <a:t>The loss function measures the similarity between the anchor/target representation and the positive normalized by the total similarity to the positive and negatives.</a:t>
+            </a:r>
+            <a:endParaRPr lang="de-DE" sz="1200" kern="1200" dirty="0">
+              <a:solidFill>
+                <a:schemeClr val="tx1"/>
+              </a:solidFill>
+              <a:latin typeface="+mn-lt"/>
+              <a:ea typeface="+mn-ea"/>
+              <a:cs typeface="+mn-cs"/>
+            </a:endParaRPr>
+          </a:p>
+          <a:p>
+            <a:endParaRPr lang="de-DE" sz="1200" kern="1200" dirty="0">
+              <a:solidFill>
+                <a:schemeClr val="tx1"/>
+              </a:solidFill>
+              <a:latin typeface="+mn-lt"/>
+              <a:ea typeface="+mn-ea"/>
+              <a:cs typeface="+mn-cs"/>
+            </a:endParaRPr>
+          </a:p>
+          <a:p>
+            <a:r>
+              <a:rPr lang="de-DE" dirty="0"/>
+              <a:t>In </a:t>
+            </a:r>
+            <a:r>
+              <a:rPr lang="en-US" noProof="0" dirty="0"/>
+              <a:t>general</a:t>
+            </a:r>
+            <a:r>
+              <a:rPr lang="de-DE" dirty="0"/>
+              <a:t>: </a:t>
+            </a:r>
+            <a:r>
+              <a:rPr lang="en-US" noProof="0" dirty="0"/>
+              <a:t>Get similar samples for example by augmenting</a:t>
+            </a:r>
+          </a:p>
+          <a:p>
+            <a:r>
+              <a:rPr lang="en-US" noProof="0" dirty="0"/>
+              <a:t>Or: Treat all samples in a batch as negatives. With big enough batch this is </a:t>
+            </a:r>
+            <a:r>
+              <a:rPr lang="de-DE" dirty="0"/>
+              <a:t>valid</a:t>
+            </a:r>
+            <a:r>
+              <a:rPr lang="en-GB" dirty="0"/>
+              <a:t>.</a:t>
+            </a:r>
+          </a:p>
+          <a:p>
+            <a:endParaRPr lang="en-GB" dirty="0"/>
+          </a:p>
+          <a:p>
+            <a:endParaRPr lang="de-DE" dirty="0"/>
+          </a:p>
+        </p:txBody>
+      </p:sp>
+      <p:sp>
+        <p:nvSpPr>
+          <p:cNvPr id="4" name="Foliennummernplatzhalter 3"/>
+          <p:cNvSpPr>
+            <a:spLocks noGrp="1"/>
+          </p:cNvSpPr>
+          <p:nvPr>
+            <p:ph type="sldNum" sz="quarter" idx="5"/>
+          </p:nvPr>
+        </p:nvSpPr>
+        <p:spPr/>
+        <p:txBody>
+          <a:bodyPr/>
+          <a:lstStyle/>
+          <a:p>
+            <a:fld id="{9AD6FCE9-5A9D-455A-BE37-0E2337950A31}" type="slidenum">
+              <a:rPr lang="de-DE" smtClean="0"/>
+              <a:t>8</a:t>
+            </a:fld>
+            <a:endParaRPr lang="de-DE" dirty="0"/>
+          </a:p>
+        </p:txBody>
+      </p:sp>
+    </p:spTree>
+    <p:extLst>
+      <p:ext uri="{BB962C8B-B14F-4D97-AF65-F5344CB8AC3E}">
+        <p14:creationId xmlns:p14="http://schemas.microsoft.com/office/powerpoint/2010/main" val="1079200343"/>
+      </p:ext>
+    </p:extLst>
+  </p:cSld>
+  <p:clrMapOvr>
+    <a:masterClrMapping/>
+  </p:clrMapOvr>
+</p:notes>
+</file>
+
+<file path=ppt/notesSlides/notesSlide8.xml><?xml version="1.0" encoding="utf-8"?>
+<p:notes xmlns:a="http://schemas.openxmlformats.org/drawingml/2006/main" xmlns:r="http://schemas.openxmlformats.org/officeDocument/2006/relationships" xmlns:p="http://schemas.openxmlformats.org/presentationml/2006/main">
+  <p:cSld>
+    <p:spTree>
+      <p:nvGrpSpPr>
+        <p:cNvPr id="1" name=""/>
+        <p:cNvGrpSpPr/>
+        <p:nvPr/>
+      </p:nvGrpSpPr>
+      <p:grpSpPr>
+        <a:xfrm>
+          <a:off x="0" y="0"/>
+          <a:ext cx="0" cy="0"/>
+          <a:chOff x="0" y="0"/>
+          <a:chExt cx="0" cy="0"/>
+        </a:xfrm>
+      </p:grpSpPr>
+      <p:sp>
+        <p:nvSpPr>
+          <p:cNvPr id="2" name="Folienbildplatzhalter 1"/>
+          <p:cNvSpPr>
+            <a:spLocks noGrp="1" noRot="1" noChangeAspect="1"/>
+          </p:cNvSpPr>
+          <p:nvPr>
+            <p:ph type="sldImg"/>
+          </p:nvPr>
+        </p:nvSpPr>
+        <p:spPr/>
+      </p:sp>
+      <p:sp>
+        <p:nvSpPr>
+          <p:cNvPr id="3" name="Notizenplatzhalter 2"/>
+          <p:cNvSpPr>
+            <a:spLocks noGrp="1"/>
+          </p:cNvSpPr>
+          <p:nvPr>
+            <p:ph type="body" idx="1"/>
+          </p:nvPr>
+        </p:nvSpPr>
+        <p:spPr/>
+        <p:txBody>
+          <a:bodyPr/>
+          <a:lstStyle/>
+          <a:p>
+            <a:endParaRPr lang="de-DE" dirty="0"/>
+          </a:p>
+        </p:txBody>
+      </p:sp>
+      <p:sp>
+        <p:nvSpPr>
+          <p:cNvPr id="4" name="Foliennummernplatzhalter 3"/>
+          <p:cNvSpPr>
+            <a:spLocks noGrp="1"/>
+          </p:cNvSpPr>
+          <p:nvPr>
+            <p:ph type="sldNum" sz="quarter" idx="5"/>
+          </p:nvPr>
+        </p:nvSpPr>
+        <p:spPr/>
+        <p:txBody>
+          <a:bodyPr/>
+          <a:lstStyle/>
+          <a:p>
+            <a:fld id="{9AD6FCE9-5A9D-455A-BE37-0E2337950A31}" type="slidenum">
+              <a:rPr lang="de-DE" smtClean="0"/>
+              <a:t>9</a:t>
+            </a:fld>
+            <a:endParaRPr lang="de-DE" dirty="0"/>
+          </a:p>
+        </p:txBody>
+      </p:sp>
+    </p:spTree>
+    <p:extLst>
+      <p:ext uri="{BB962C8B-B14F-4D97-AF65-F5344CB8AC3E}">
+        <p14:creationId xmlns:p14="http://schemas.microsoft.com/office/powerpoint/2010/main" val="27347145"/>
+      </p:ext>
+    </p:extLst>
+  </p:cSld>
+  <p:clrMapOvr>
+    <a:masterClrMapping/>
+  </p:clrMapOvr>
+</p:notes>
+</file>
+
+<file path=ppt/notesSlides/notesSlide9.xml><?xml version="1.0" encoding="utf-8"?>
+<p:notes xmlns:a="http://schemas.openxmlformats.org/drawingml/2006/main" xmlns:r="http://schemas.openxmlformats.org/officeDocument/2006/relationships" xmlns:p="http://schemas.openxmlformats.org/presentationml/2006/main">
+  <p:cSld>
+    <p:spTree>
+      <p:nvGrpSpPr>
+        <p:cNvPr id="1" name=""/>
+        <p:cNvGrpSpPr/>
+        <p:nvPr/>
+      </p:nvGrpSpPr>
+      <p:grpSpPr>
+        <a:xfrm>
+          <a:off x="0" y="0"/>
+          <a:ext cx="0" cy="0"/>
+          <a:chOff x="0" y="0"/>
+          <a:chExt cx="0" cy="0"/>
+        </a:xfrm>
+      </p:grpSpPr>
+      <p:sp>
+        <p:nvSpPr>
+          <p:cNvPr id="2" name="Folienbildplatzhalter 1"/>
+          <p:cNvSpPr>
+            <a:spLocks noGrp="1" noRot="1" noChangeAspect="1"/>
+          </p:cNvSpPr>
+          <p:nvPr>
+            <p:ph type="sldImg"/>
+          </p:nvPr>
+        </p:nvSpPr>
+        <p:spPr/>
+      </p:sp>
+      <p:sp>
+        <p:nvSpPr>
+          <p:cNvPr id="3" name="Notizenplatzhalter 2"/>
+          <p:cNvSpPr>
+            <a:spLocks noGrp="1"/>
+          </p:cNvSpPr>
+          <p:nvPr>
+            <p:ph type="body" idx="1"/>
+          </p:nvPr>
+        </p:nvSpPr>
+        <p:spPr/>
+        <p:txBody>
+          <a:bodyPr/>
+          <a:lstStyle/>
+          <a:p>
+            <a:r>
+              <a:rPr lang="de-DE" dirty="0" err="1"/>
+              <a:t>Before</a:t>
+            </a:r>
+            <a:r>
+              <a:rPr lang="de-DE" dirty="0"/>
+              <a:t> </a:t>
+            </a:r>
+            <a:r>
+              <a:rPr lang="de-DE" dirty="0" err="1"/>
+              <a:t>we</a:t>
+            </a:r>
+            <a:r>
+              <a:rPr lang="de-DE" dirty="0"/>
+              <a:t> </a:t>
+            </a:r>
+            <a:r>
+              <a:rPr lang="de-DE" dirty="0" err="1"/>
+              <a:t>get</a:t>
+            </a:r>
+            <a:r>
+              <a:rPr lang="de-DE" dirty="0"/>
+              <a:t> </a:t>
+            </a:r>
+            <a:r>
+              <a:rPr lang="de-DE" dirty="0" err="1"/>
+              <a:t>into</a:t>
+            </a:r>
+            <a:r>
+              <a:rPr lang="de-DE" dirty="0"/>
+              <a:t> </a:t>
+            </a:r>
+            <a:r>
+              <a:rPr lang="de-DE" dirty="0" err="1"/>
+              <a:t>the</a:t>
+            </a:r>
+            <a:r>
+              <a:rPr lang="de-DE" dirty="0"/>
+              <a:t> multi-modal </a:t>
+            </a:r>
+            <a:r>
+              <a:rPr lang="de-DE" dirty="0" err="1"/>
+              <a:t>speech</a:t>
+            </a:r>
+            <a:r>
+              <a:rPr lang="de-DE" dirty="0"/>
+              <a:t> </a:t>
+            </a:r>
+            <a:r>
+              <a:rPr lang="de-DE" dirty="0" err="1"/>
+              <a:t>representation</a:t>
+            </a:r>
+            <a:r>
+              <a:rPr lang="de-DE" dirty="0"/>
+              <a:t> </a:t>
+            </a:r>
+            <a:r>
+              <a:rPr lang="de-DE" dirty="0" err="1"/>
+              <a:t>learning</a:t>
+            </a:r>
+            <a:r>
+              <a:rPr lang="de-DE" dirty="0"/>
+              <a:t> </a:t>
+            </a:r>
+            <a:r>
+              <a:rPr lang="de-DE" dirty="0" err="1"/>
+              <a:t>models</a:t>
+            </a:r>
+            <a:r>
+              <a:rPr lang="de-DE" dirty="0"/>
+              <a:t>, </a:t>
+            </a:r>
+            <a:r>
+              <a:rPr lang="de-DE" dirty="0" err="1"/>
+              <a:t>we</a:t>
+            </a:r>
+            <a:r>
+              <a:rPr lang="de-DE" dirty="0"/>
+              <a:t> </a:t>
+            </a:r>
+            <a:r>
+              <a:rPr lang="de-DE" dirty="0" err="1"/>
+              <a:t>need</a:t>
+            </a:r>
+            <a:r>
+              <a:rPr lang="de-DE" dirty="0"/>
+              <a:t> </a:t>
+            </a:r>
+            <a:r>
+              <a:rPr lang="de-DE" dirty="0" err="1"/>
+              <a:t>to</a:t>
+            </a:r>
+            <a:r>
+              <a:rPr lang="de-DE" dirty="0"/>
+              <a:t> </a:t>
+            </a:r>
+            <a:r>
+              <a:rPr lang="de-DE" dirty="0" err="1"/>
+              <a:t>look</a:t>
+            </a:r>
+            <a:r>
+              <a:rPr lang="de-DE" dirty="0"/>
+              <a:t> at </a:t>
+            </a:r>
+            <a:r>
+              <a:rPr lang="de-DE" dirty="0" err="1"/>
+              <a:t>the</a:t>
+            </a:r>
+            <a:r>
+              <a:rPr lang="de-DE" dirty="0"/>
+              <a:t> </a:t>
+            </a:r>
+            <a:r>
+              <a:rPr lang="de-DE" dirty="0" err="1"/>
+              <a:t>single</a:t>
+            </a:r>
+            <a:r>
+              <a:rPr lang="de-DE" dirty="0"/>
+              <a:t> </a:t>
+            </a:r>
+            <a:r>
+              <a:rPr lang="de-DE" dirty="0" err="1"/>
+              <a:t>mode</a:t>
+            </a:r>
+            <a:r>
+              <a:rPr lang="de-DE" dirty="0"/>
+              <a:t> </a:t>
+            </a:r>
+            <a:r>
+              <a:rPr lang="de-DE" dirty="0" err="1"/>
+              <a:t>approaches</a:t>
+            </a:r>
+            <a:r>
+              <a:rPr lang="de-DE" dirty="0"/>
+              <a:t> </a:t>
+            </a:r>
+            <a:r>
+              <a:rPr lang="de-DE" dirty="0" err="1"/>
+              <a:t>they</a:t>
+            </a:r>
+            <a:r>
+              <a:rPr lang="de-DE" dirty="0"/>
+              <a:t> </a:t>
+            </a:r>
+            <a:r>
+              <a:rPr lang="de-DE" dirty="0" err="1"/>
+              <a:t>are</a:t>
+            </a:r>
+            <a:r>
+              <a:rPr lang="de-DE" dirty="0"/>
+              <a:t> </a:t>
+            </a:r>
+            <a:r>
+              <a:rPr lang="de-DE" dirty="0" err="1"/>
+              <a:t>based</a:t>
+            </a:r>
+            <a:r>
+              <a:rPr lang="de-DE" dirty="0"/>
+              <a:t> on…</a:t>
+            </a:r>
+            <a:endParaRPr lang="en-GB" dirty="0"/>
+          </a:p>
+        </p:txBody>
+      </p:sp>
+      <p:sp>
+        <p:nvSpPr>
+          <p:cNvPr id="4" name="Foliennummernplatzhalter 3"/>
+          <p:cNvSpPr>
+            <a:spLocks noGrp="1"/>
+          </p:cNvSpPr>
+          <p:nvPr>
+            <p:ph type="sldNum" sz="quarter" idx="5"/>
+          </p:nvPr>
+        </p:nvSpPr>
+        <p:spPr/>
+        <p:txBody>
+          <a:bodyPr/>
+          <a:lstStyle/>
+          <a:p>
+            <a:fld id="{9AD6FCE9-5A9D-455A-BE37-0E2337950A31}" type="slidenum">
+              <a:rPr lang="de-DE" smtClean="0"/>
+              <a:t>10</a:t>
+            </a:fld>
+            <a:endParaRPr lang="de-DE" dirty="0"/>
+          </a:p>
+        </p:txBody>
+      </p:sp>
+    </p:spTree>
+    <p:extLst>
+      <p:ext uri="{BB962C8B-B14F-4D97-AF65-F5344CB8AC3E}">
+        <p14:creationId xmlns:p14="http://schemas.microsoft.com/office/powerpoint/2010/main" val="582019069"/>
       </p:ext>
     </p:extLst>
   </p:cSld>
@@ -3834,6 +6434,47 @@
           <a:chExt cx="0" cy="0"/>
         </a:xfrm>
       </p:grpSpPr>
+      <p:pic>
+        <p:nvPicPr>
+          <p:cNvPr id="5" name="Grafik 4" descr="Ein Bild, das Text, Screenshot enthält.&#10;&#10;Automatisch generierte Beschreibung">
+            <a:extLst>
+              <a:ext uri="{FF2B5EF4-FFF2-40B4-BE49-F238E27FC236}">
+                <a16:creationId xmlns:a16="http://schemas.microsoft.com/office/drawing/2014/main" id="{88DB98B1-3FD0-338A-2559-D09C22056E2B}"/>
+              </a:ext>
+            </a:extLst>
+          </p:cNvPr>
+          <p:cNvPicPr>
+            <a:picLocks noChangeAspect="1"/>
+          </p:cNvPicPr>
+          <p:nvPr/>
+        </p:nvPicPr>
+        <p:blipFill rotWithShape="1">
+          <a:blip r:embed="rId3">
+            <a:extLst>
+              <a:ext uri="{28A0092B-C50C-407E-A947-70E740481C1C}">
+                <a14:useLocalDpi xmlns:a14="http://schemas.microsoft.com/office/drawing/2010/main" val="0"/>
+              </a:ext>
+            </a:extLst>
+          </a:blip>
+          <a:srcRect t="32137" b="7536"/>
+          <a:stretch/>
+        </p:blipFill>
+        <p:spPr>
+          <a:xfrm>
+            <a:off x="9027416" y="5038686"/>
+            <a:ext cx="3015727" cy="1819312"/>
+          </a:xfrm>
+          <a:prstGeom prst="rect">
+            <a:avLst/>
+          </a:prstGeom>
+          <a:ln>
+            <a:noFill/>
+          </a:ln>
+          <a:effectLst>
+            <a:softEdge rad="112500"/>
+          </a:effectLst>
+        </p:spPr>
+      </p:pic>
       <p:sp>
         <p:nvSpPr>
           <p:cNvPr id="2" name="Titel 1">
@@ -3886,15 +6527,206 @@
             <p:ph type="subTitle" idx="1"/>
           </p:nvPr>
         </p:nvSpPr>
-        <p:spPr/>
-        <p:txBody>
-          <a:bodyPr/>
+        <p:spPr>
+          <a:xfrm>
+            <a:off x="1524000" y="3602037"/>
+            <a:ext cx="9144000" cy="1013967"/>
+          </a:xfrm>
+        </p:spPr>
+        <p:txBody>
+          <a:bodyPr>
+            <a:normAutofit/>
+          </a:bodyPr>
           <a:lstStyle/>
           <a:p>
             <a:r>
               <a:rPr lang="de-DE" dirty="0"/>
               <a:t>Carlos Schmidt</a:t>
             </a:r>
+          </a:p>
+        </p:txBody>
+      </p:sp>
+      <p:pic>
+        <p:nvPicPr>
+          <p:cNvPr id="7" name="Grafik 6" descr="Ein Bild, das Dunkelheit, Screenshot, Kunst enthält.&#10;&#10;Automatisch generierte Beschreibung">
+            <a:extLst>
+              <a:ext uri="{FF2B5EF4-FFF2-40B4-BE49-F238E27FC236}">
+                <a16:creationId xmlns:a16="http://schemas.microsoft.com/office/drawing/2014/main" id="{3FCEBEE6-092E-B688-8049-7595346C3A59}"/>
+              </a:ext>
+            </a:extLst>
+          </p:cNvPr>
+          <p:cNvPicPr>
+            <a:picLocks noChangeAspect="1"/>
+          </p:cNvPicPr>
+          <p:nvPr/>
+        </p:nvPicPr>
+        <p:blipFill>
+          <a:blip r:embed="rId4">
+            <a:extLst>
+              <a:ext uri="{28A0092B-C50C-407E-A947-70E740481C1C}">
+                <a14:useLocalDpi xmlns:a14="http://schemas.microsoft.com/office/drawing/2010/main" val="0"/>
+              </a:ext>
+            </a:extLst>
+          </a:blip>
+          <a:stretch>
+            <a:fillRect/>
+          </a:stretch>
+        </p:blipFill>
+        <p:spPr>
+          <a:xfrm>
+            <a:off x="38266" y="5387161"/>
+            <a:ext cx="3614716" cy="1122363"/>
+          </a:xfrm>
+          <a:prstGeom prst="rect">
+            <a:avLst/>
+          </a:prstGeom>
+        </p:spPr>
+      </p:pic>
+      <p:sp>
+        <p:nvSpPr>
+          <p:cNvPr id="8" name="Textfeld 7">
+            <a:extLst>
+              <a:ext uri="{FF2B5EF4-FFF2-40B4-BE49-F238E27FC236}">
+                <a16:creationId xmlns:a16="http://schemas.microsoft.com/office/drawing/2014/main" id="{06F7216E-DF9A-4852-0D2C-1C1C9B172EF2}"/>
+              </a:ext>
+            </a:extLst>
+          </p:cNvPr>
+          <p:cNvSpPr txBox="1"/>
+          <p:nvPr/>
+        </p:nvSpPr>
+        <p:spPr>
+          <a:xfrm>
+            <a:off x="4289173" y="5809844"/>
+            <a:ext cx="4961527" cy="276999"/>
+          </a:xfrm>
+          <a:prstGeom prst="rect">
+            <a:avLst/>
+          </a:prstGeom>
+          <a:noFill/>
+        </p:spPr>
+        <p:txBody>
+          <a:bodyPr wrap="square" rtlCol="0">
+            <a:spAutoFit/>
+          </a:bodyPr>
+          <a:lstStyle/>
+          <a:p>
+            <a:r>
+              <a:rPr lang="en-GB" sz="1200" b="1" u="sng" dirty="0">
+                <a:solidFill>
+                  <a:schemeClr val="bg2">
+                    <a:lumMod val="50000"/>
+                  </a:schemeClr>
+                </a:solidFill>
+              </a:rPr>
+              <a:t>Lorem ipsum </a:t>
+            </a:r>
+            <a:r>
+              <a:rPr lang="en-GB" sz="1200" b="1" u="sng" dirty="0" err="1">
+                <a:solidFill>
+                  <a:schemeClr val="bg2">
+                    <a:lumMod val="50000"/>
+                  </a:schemeClr>
+                </a:solidFill>
+              </a:rPr>
+              <a:t>dolor</a:t>
+            </a:r>
+            <a:r>
+              <a:rPr lang="en-GB" sz="1200" b="1" u="sng" dirty="0">
+                <a:solidFill>
+                  <a:schemeClr val="bg2">
+                    <a:lumMod val="50000"/>
+                  </a:schemeClr>
+                </a:solidFill>
+              </a:rPr>
+              <a:t> sit </a:t>
+            </a:r>
+            <a:r>
+              <a:rPr lang="en-GB" sz="1200" b="1" u="sng" dirty="0" err="1">
+                <a:solidFill>
+                  <a:schemeClr val="bg2">
+                    <a:lumMod val="50000"/>
+                  </a:schemeClr>
+                </a:solidFill>
+              </a:rPr>
+              <a:t>amet</a:t>
+            </a:r>
+            <a:r>
+              <a:rPr lang="en-GB" sz="1200" b="1" u="sng" dirty="0">
+                <a:solidFill>
+                  <a:schemeClr val="bg2">
+                    <a:lumMod val="50000"/>
+                  </a:schemeClr>
+                </a:solidFill>
+              </a:rPr>
+              <a:t>, </a:t>
+            </a:r>
+            <a:r>
+              <a:rPr lang="en-GB" sz="1200" b="1" u="sng" dirty="0" err="1">
+                <a:solidFill>
+                  <a:schemeClr val="bg2">
+                    <a:lumMod val="50000"/>
+                  </a:schemeClr>
+                </a:solidFill>
+              </a:rPr>
+              <a:t>consectetur</a:t>
+            </a:r>
+            <a:r>
+              <a:rPr lang="en-GB" sz="1200" b="1" u="sng" dirty="0">
+                <a:solidFill>
+                  <a:schemeClr val="bg2">
+                    <a:lumMod val="50000"/>
+                  </a:schemeClr>
+                </a:solidFill>
+              </a:rPr>
+              <a:t> </a:t>
+            </a:r>
+            <a:r>
+              <a:rPr lang="en-GB" sz="1200" b="1" u="sng" dirty="0" err="1">
+                <a:solidFill>
+                  <a:schemeClr val="bg2">
+                    <a:lumMod val="50000"/>
+                  </a:schemeClr>
+                </a:solidFill>
+              </a:rPr>
+              <a:t>adipisici</a:t>
+            </a:r>
+            <a:r>
+              <a:rPr lang="en-GB" sz="1200" b="1" u="sng" dirty="0">
+                <a:solidFill>
+                  <a:schemeClr val="bg2">
+                    <a:lumMod val="50000"/>
+                  </a:schemeClr>
+                </a:solidFill>
+              </a:rPr>
+              <a:t> </a:t>
+            </a:r>
+            <a:r>
+              <a:rPr lang="en-GB" sz="1200" b="1" u="sng" dirty="0" err="1">
+                <a:solidFill>
+                  <a:schemeClr val="bg2">
+                    <a:lumMod val="50000"/>
+                  </a:schemeClr>
+                </a:solidFill>
+              </a:rPr>
+              <a:t>elit</a:t>
+            </a:r>
+            <a:r>
+              <a:rPr lang="en-GB" sz="1200" b="1" u="sng" dirty="0">
+                <a:solidFill>
+                  <a:schemeClr val="bg2">
+                    <a:lumMod val="50000"/>
+                  </a:schemeClr>
+                </a:solidFill>
+              </a:rPr>
+              <a:t>, …</a:t>
+            </a:r>
+            <a:endParaRPr lang="en-GB" sz="1200" u="sng" dirty="0">
+              <a:solidFill>
+                <a:schemeClr val="bg2">
+                  <a:lumMod val="50000"/>
+                </a:schemeClr>
+              </a:solidFill>
+            </a:endParaRPr>
           </a:p>
         </p:txBody>
       </p:sp>
@@ -3933,7 +6765,7 @@
           <p:cNvPr id="2" name="Titel 1">
             <a:extLst>
               <a:ext uri="{FF2B5EF4-FFF2-40B4-BE49-F238E27FC236}">
-                <a16:creationId xmlns:a16="http://schemas.microsoft.com/office/drawing/2014/main" id="{6452F334-F080-DBB0-A268-9394B43DEBA8}"/>
+                <a16:creationId xmlns:a16="http://schemas.microsoft.com/office/drawing/2014/main" id="{8C4D5918-58C4-9A1A-72ED-08A5D498DEA7}"/>
               </a:ext>
             </a:extLst>
           </p:cNvPr>
@@ -3950,8 +6782,8 @@
           <a:lstStyle/>
           <a:p>
             <a:r>
-              <a:rPr lang="de-DE" dirty="0"/>
-              <a:t>Evaluation Methods</a:t>
+              <a:rPr lang="en-US" dirty="0"/>
+              <a:t>Single-mode approaches</a:t>
             </a:r>
           </a:p>
         </p:txBody>
@@ -3961,7 +6793,7 @@
           <p:cNvPr id="3" name="Inhaltsplatzhalter 2">
             <a:extLst>
               <a:ext uri="{FF2B5EF4-FFF2-40B4-BE49-F238E27FC236}">
-                <a16:creationId xmlns:a16="http://schemas.microsoft.com/office/drawing/2014/main" id="{0BC14114-1E13-5B1E-5A43-0BB83E17C6F1}"/>
+                <a16:creationId xmlns:a16="http://schemas.microsoft.com/office/drawing/2014/main" id="{AC7E29A0-6A42-D439-44FF-E5C1BB0BB253}"/>
               </a:ext>
             </a:extLst>
           </p:cNvPr>
@@ -3977,7 +6809,31 @@
           <a:bodyPr/>
           <a:lstStyle/>
           <a:p>
-            <a:endParaRPr lang="de-DE" dirty="0"/>
+            <a:r>
+              <a:rPr lang="en-US" dirty="0"/>
+              <a:t>wav2vec (Audio input)</a:t>
+            </a:r>
+          </a:p>
+          <a:p>
+            <a:pPr lvl="1"/>
+            <a:r>
+              <a:rPr lang="en-US" dirty="0"/>
+              <a:t>Combines contrastive and generative learning</a:t>
+            </a:r>
+          </a:p>
+          <a:p>
+            <a:pPr lvl="2"/>
+            <a:r>
+              <a:rPr lang="en-GB" dirty="0"/>
+              <a:t>Maximizes the similarity between a contextualized representation and a quantized localized representation of an input in a sequence (contrastive)</a:t>
+            </a:r>
+          </a:p>
+          <a:p>
+            <a:pPr lvl="2"/>
+            <a:r>
+              <a:rPr lang="en-US" dirty="0"/>
+              <a:t>Anchors/Targets are taken only at masked timesteps (generative)</a:t>
+            </a:r>
           </a:p>
         </p:txBody>
       </p:sp>
@@ -3986,7 +6842,7 @@
           <p:cNvPr id="4" name="Datumsplatzhalter 3">
             <a:extLst>
               <a:ext uri="{FF2B5EF4-FFF2-40B4-BE49-F238E27FC236}">
-                <a16:creationId xmlns:a16="http://schemas.microsoft.com/office/drawing/2014/main" id="{F497F52B-AAC9-8C16-F110-59A289D079D0}"/>
+                <a16:creationId xmlns:a16="http://schemas.microsoft.com/office/drawing/2014/main" id="{3A207044-445B-8A71-6FDA-7C1B54679F7C}"/>
               </a:ext>
             </a:extLst>
           </p:cNvPr>
@@ -4015,7 +6871,7 @@
           <p:cNvPr id="5" name="Fußzeilenplatzhalter 4">
             <a:extLst>
               <a:ext uri="{FF2B5EF4-FFF2-40B4-BE49-F238E27FC236}">
-                <a16:creationId xmlns:a16="http://schemas.microsoft.com/office/drawing/2014/main" id="{E2506B73-B077-24FB-9352-AF165E90D6F8}"/>
+                <a16:creationId xmlns:a16="http://schemas.microsoft.com/office/drawing/2014/main" id="{D8A631EC-F945-1CFF-CC1F-4B965475D8D9}"/>
               </a:ext>
             </a:extLst>
           </p:cNvPr>
@@ -4044,7 +6900,7 @@
           <p:cNvPr id="6" name="Foliennummernplatzhalter 5">
             <a:extLst>
               <a:ext uri="{FF2B5EF4-FFF2-40B4-BE49-F238E27FC236}">
-                <a16:creationId xmlns:a16="http://schemas.microsoft.com/office/drawing/2014/main" id="{7B25BD66-92E0-A4B6-E1D3-EF8C9DE64E7E}"/>
+                <a16:creationId xmlns:a16="http://schemas.microsoft.com/office/drawing/2014/main" id="{433A7482-7144-853C-2316-41B365C312DE}"/>
               </a:ext>
             </a:extLst>
           </p:cNvPr>
@@ -4068,10 +6924,500 @@
           </a:p>
         </p:txBody>
       </p:sp>
+      <mc:AlternateContent xmlns:mc="http://schemas.openxmlformats.org/markup-compatibility/2006">
+        <mc:Choice xmlns:a14="http://schemas.microsoft.com/office/drawing/2010/main" Requires="a14">
+          <p:sp>
+            <p:nvSpPr>
+              <p:cNvPr id="7" name="Textfeld 6">
+                <a:extLst>
+                  <a:ext uri="{FF2B5EF4-FFF2-40B4-BE49-F238E27FC236}">
+                    <a16:creationId xmlns:a16="http://schemas.microsoft.com/office/drawing/2014/main" id="{2B0B2BEE-6E8C-1B76-B26A-1A71DAA783B2}"/>
+                  </a:ext>
+                </a:extLst>
+              </p:cNvPr>
+              <p:cNvSpPr txBox="1"/>
+              <p:nvPr/>
+            </p:nvSpPr>
+            <p:spPr>
+              <a:xfrm>
+                <a:off x="4826282" y="3872202"/>
+                <a:ext cx="2539436" cy="517193"/>
+              </a:xfrm>
+              <a:prstGeom prst="rect">
+                <a:avLst/>
+              </a:prstGeom>
+              <a:noFill/>
+            </p:spPr>
+            <p:txBody>
+              <a:bodyPr wrap="square" lIns="0" tIns="0" rIns="0" bIns="0" rtlCol="0">
+                <a:spAutoFit/>
+              </a:bodyPr>
+              <a:lstStyle/>
+              <a:p>
+                <a14:m>
+                  <m:oMathPara xmlns:m="http://schemas.openxmlformats.org/officeDocument/2006/math">
+                    <m:oMathParaPr>
+                      <m:jc m:val="centerGroup"/>
+                    </m:oMathParaPr>
+                    <m:oMath xmlns:m="http://schemas.openxmlformats.org/officeDocument/2006/math">
+                      <m:sSub>
+                        <m:sSubPr>
+                          <m:ctrlPr>
+                            <a:rPr lang="de-DE" sz="1400" b="0" i="1" smtClean="0">
+                              <a:latin typeface="Cambria Math" panose="02040503050406030204" pitchFamily="18" charset="0"/>
+                              <a:ea typeface="Cambria Math" panose="02040503050406030204" pitchFamily="18" charset="0"/>
+                            </a:rPr>
+                          </m:ctrlPr>
+                        </m:sSubPr>
+                        <m:e>
+                          <m:r>
+                            <a:rPr lang="en-GB" sz="1400" i="1" smtClean="0">
+                              <a:latin typeface="Cambria Math" panose="02040503050406030204" pitchFamily="18" charset="0"/>
+                              <a:ea typeface="Cambria Math" panose="02040503050406030204" pitchFamily="18" charset="0"/>
+                            </a:rPr>
+                            <m:t>ℒ</m:t>
+                          </m:r>
+                        </m:e>
+                        <m:sub>
+                          <m:r>
+                            <a:rPr lang="de-DE" sz="1400" b="0" i="1" smtClean="0">
+                              <a:latin typeface="Cambria Math" panose="02040503050406030204" pitchFamily="18" charset="0"/>
+                              <a:ea typeface="Cambria Math" panose="02040503050406030204" pitchFamily="18" charset="0"/>
+                            </a:rPr>
+                            <m:t>𝑇</m:t>
+                          </m:r>
+                        </m:sub>
+                      </m:sSub>
+                      <m:r>
+                        <a:rPr lang="de-DE" sz="1400" b="0" i="1" smtClean="0">
+                          <a:latin typeface="Cambria Math" panose="02040503050406030204" pitchFamily="18" charset="0"/>
+                          <a:ea typeface="Cambria Math" panose="02040503050406030204" pitchFamily="18" charset="0"/>
+                        </a:rPr>
+                        <m:t>=−</m:t>
+                      </m:r>
+                      <m:func>
+                        <m:funcPr>
+                          <m:ctrlPr>
+                            <a:rPr lang="de-DE" sz="1400" b="0" i="1" smtClean="0">
+                              <a:latin typeface="Cambria Math" panose="02040503050406030204" pitchFamily="18" charset="0"/>
+                              <a:ea typeface="Cambria Math" panose="02040503050406030204" pitchFamily="18" charset="0"/>
+                            </a:rPr>
+                          </m:ctrlPr>
+                        </m:funcPr>
+                        <m:fName>
+                          <m:r>
+                            <m:rPr>
+                              <m:sty m:val="p"/>
+                            </m:rPr>
+                            <a:rPr lang="de-DE" sz="1400" b="0" i="0" smtClean="0">
+                              <a:latin typeface="Cambria Math" panose="02040503050406030204" pitchFamily="18" charset="0"/>
+                              <a:ea typeface="Cambria Math" panose="02040503050406030204" pitchFamily="18" charset="0"/>
+                            </a:rPr>
+                            <m:t>log</m:t>
+                          </m:r>
+                        </m:fName>
+                        <m:e>
+                          <m:d>
+                            <m:dPr>
+                              <m:ctrlPr>
+                                <a:rPr lang="de-DE" sz="1400" b="0" i="1" smtClean="0">
+                                  <a:latin typeface="Cambria Math" panose="02040503050406030204" pitchFamily="18" charset="0"/>
+                                  <a:ea typeface="Cambria Math" panose="02040503050406030204" pitchFamily="18" charset="0"/>
+                                </a:rPr>
+                              </m:ctrlPr>
+                            </m:dPr>
+                            <m:e>
+                              <m:f>
+                                <m:fPr>
+                                  <m:ctrlPr>
+                                    <a:rPr lang="de-DE" sz="1400" b="0" i="1" smtClean="0">
+                                      <a:latin typeface="Cambria Math" panose="02040503050406030204" pitchFamily="18" charset="0"/>
+                                      <a:ea typeface="Cambria Math" panose="02040503050406030204" pitchFamily="18" charset="0"/>
+                                    </a:rPr>
+                                  </m:ctrlPr>
+                                </m:fPr>
+                                <m:num>
+                                  <m:func>
+                                    <m:funcPr>
+                                      <m:ctrlPr>
+                                        <a:rPr lang="de-DE" sz="1400" b="0" i="1" smtClean="0">
+                                          <a:latin typeface="Cambria Math" panose="02040503050406030204" pitchFamily="18" charset="0"/>
+                                          <a:ea typeface="Cambria Math" panose="02040503050406030204" pitchFamily="18" charset="0"/>
+                                        </a:rPr>
+                                      </m:ctrlPr>
+                                    </m:funcPr>
+                                    <m:fName>
+                                      <m:r>
+                                        <m:rPr>
+                                          <m:sty m:val="p"/>
+                                        </m:rPr>
+                                        <a:rPr lang="de-DE" sz="1400" b="0" i="0" smtClean="0">
+                                          <a:latin typeface="Cambria Math" panose="02040503050406030204" pitchFamily="18" charset="0"/>
+                                          <a:ea typeface="Cambria Math" panose="02040503050406030204" pitchFamily="18" charset="0"/>
+                                        </a:rPr>
+                                        <m:t>exp</m:t>
+                                      </m:r>
+                                    </m:fName>
+                                    <m:e>
+                                      <m:d>
+                                        <m:dPr>
+                                          <m:ctrlPr>
+                                            <a:rPr lang="de-DE" sz="1400" b="0" i="1" smtClean="0">
+                                              <a:latin typeface="Cambria Math" panose="02040503050406030204" pitchFamily="18" charset="0"/>
+                                              <a:ea typeface="Cambria Math" panose="02040503050406030204" pitchFamily="18" charset="0"/>
+                                            </a:rPr>
+                                          </m:ctrlPr>
+                                        </m:dPr>
+                                        <m:e>
+                                          <m:sSub>
+                                            <m:sSubPr>
+                                              <m:ctrlPr>
+                                                <a:rPr lang="de-DE" sz="1400" b="0" i="1" smtClean="0">
+                                                  <a:latin typeface="Cambria Math" panose="02040503050406030204" pitchFamily="18" charset="0"/>
+                                                  <a:ea typeface="Cambria Math" panose="02040503050406030204" pitchFamily="18" charset="0"/>
+                                                </a:rPr>
+                                              </m:ctrlPr>
+                                            </m:sSubPr>
+                                            <m:e>
+                                              <m:r>
+                                                <a:rPr lang="de-DE" sz="1400" b="0" i="1" smtClean="0">
+                                                  <a:latin typeface="Cambria Math" panose="02040503050406030204" pitchFamily="18" charset="0"/>
+                                                  <a:ea typeface="Cambria Math" panose="02040503050406030204" pitchFamily="18" charset="0"/>
+                                                </a:rPr>
+                                                <m:t>𝑆</m:t>
+                                              </m:r>
+                                            </m:e>
+                                            <m:sub>
+                                              <m:r>
+                                                <a:rPr lang="de-DE" sz="1400" b="0" i="1" smtClean="0">
+                                                  <a:latin typeface="Cambria Math" panose="02040503050406030204" pitchFamily="18" charset="0"/>
+                                                  <a:ea typeface="Cambria Math" panose="02040503050406030204" pitchFamily="18" charset="0"/>
+                                                </a:rPr>
+                                                <m:t>𝑐</m:t>
+                                              </m:r>
+                                            </m:sub>
+                                          </m:sSub>
+                                          <m:d>
+                                            <m:dPr>
+                                              <m:ctrlPr>
+                                                <a:rPr lang="de-DE" sz="1400" b="0" i="1" smtClean="0">
+                                                  <a:latin typeface="Cambria Math" panose="02040503050406030204" pitchFamily="18" charset="0"/>
+                                                  <a:ea typeface="Cambria Math" panose="02040503050406030204" pitchFamily="18" charset="0"/>
+                                                </a:rPr>
+                                              </m:ctrlPr>
+                                            </m:dPr>
+                                            <m:e>
+                                              <m:sSub>
+                                                <m:sSubPr>
+                                                  <m:ctrlPr>
+                                                    <a:rPr lang="de-DE" sz="1400" b="0" i="1" smtClean="0">
+                                                      <a:latin typeface="Cambria Math" panose="02040503050406030204" pitchFamily="18" charset="0"/>
+                                                      <a:ea typeface="Cambria Math" panose="02040503050406030204" pitchFamily="18" charset="0"/>
+                                                    </a:rPr>
+                                                  </m:ctrlPr>
+                                                </m:sSubPr>
+                                                <m:e>
+                                                  <m:r>
+                                                    <a:rPr lang="de-DE" sz="1400" b="0" i="1" smtClean="0">
+                                                      <a:latin typeface="Cambria Math" panose="02040503050406030204" pitchFamily="18" charset="0"/>
+                                                      <a:ea typeface="Cambria Math" panose="02040503050406030204" pitchFamily="18" charset="0"/>
+                                                    </a:rPr>
+                                                    <m:t>h</m:t>
+                                                  </m:r>
+                                                </m:e>
+                                                <m:sub>
+                                                  <m:r>
+                                                    <a:rPr lang="de-DE" sz="1400" b="0" i="1" smtClean="0">
+                                                      <a:latin typeface="Cambria Math" panose="02040503050406030204" pitchFamily="18" charset="0"/>
+                                                      <a:ea typeface="Cambria Math" panose="02040503050406030204" pitchFamily="18" charset="0"/>
+                                                    </a:rPr>
+                                                    <m:t>𝑡</m:t>
+                                                  </m:r>
+                                                </m:sub>
+                                              </m:sSub>
+                                              <m:r>
+                                                <a:rPr lang="de-DE" sz="1400" b="0" i="1" smtClean="0">
+                                                  <a:latin typeface="Cambria Math" panose="02040503050406030204" pitchFamily="18" charset="0"/>
+                                                  <a:ea typeface="Cambria Math" panose="02040503050406030204" pitchFamily="18" charset="0"/>
+                                                </a:rPr>
+                                                <m:t>, </m:t>
+                                              </m:r>
+                                              <m:sSub>
+                                                <m:sSubPr>
+                                                  <m:ctrlPr>
+                                                    <a:rPr lang="de-DE" sz="1400" b="0" i="1" smtClean="0">
+                                                      <a:latin typeface="Cambria Math" panose="02040503050406030204" pitchFamily="18" charset="0"/>
+                                                      <a:ea typeface="Cambria Math" panose="02040503050406030204" pitchFamily="18" charset="0"/>
+                                                    </a:rPr>
+                                                  </m:ctrlPr>
+                                                </m:sSubPr>
+                                                <m:e>
+                                                  <m:r>
+                                                    <a:rPr lang="de-DE" sz="1400" b="0" i="1" smtClean="0">
+                                                      <a:latin typeface="Cambria Math" panose="02040503050406030204" pitchFamily="18" charset="0"/>
+                                                      <a:ea typeface="Cambria Math" panose="02040503050406030204" pitchFamily="18" charset="0"/>
+                                                    </a:rPr>
+                                                    <m:t>𝑞</m:t>
+                                                  </m:r>
+                                                </m:e>
+                                                <m:sub>
+                                                  <m:r>
+                                                    <a:rPr lang="de-DE" sz="1400" b="0" i="1" smtClean="0">
+                                                      <a:latin typeface="Cambria Math" panose="02040503050406030204" pitchFamily="18" charset="0"/>
+                                                      <a:ea typeface="Cambria Math" panose="02040503050406030204" pitchFamily="18" charset="0"/>
+                                                    </a:rPr>
+                                                    <m:t>𝑡</m:t>
+                                                  </m:r>
+                                                </m:sub>
+                                              </m:sSub>
+                                            </m:e>
+                                          </m:d>
+                                        </m:e>
+                                      </m:d>
+                                    </m:e>
+                                  </m:func>
+                                </m:num>
+                                <m:den>
+                                  <m:nary>
+                                    <m:naryPr>
+                                      <m:chr m:val="∑"/>
+                                      <m:supHide m:val="on"/>
+                                      <m:ctrlPr>
+                                        <a:rPr lang="de-DE" sz="1400" b="0" i="1" smtClean="0">
+                                          <a:latin typeface="Cambria Math" panose="02040503050406030204" pitchFamily="18" charset="0"/>
+                                          <a:ea typeface="Cambria Math" panose="02040503050406030204" pitchFamily="18" charset="0"/>
+                                        </a:rPr>
+                                      </m:ctrlPr>
+                                    </m:naryPr>
+                                    <m:sub>
+                                      <m:r>
+                                        <a:rPr lang="de-DE" sz="1400" b="0" i="1" smtClean="0">
+                                          <a:latin typeface="Cambria Math" panose="02040503050406030204" pitchFamily="18" charset="0"/>
+                                          <a:ea typeface="Cambria Math" panose="02040503050406030204" pitchFamily="18" charset="0"/>
+                                        </a:rPr>
+                                        <m:t>𝑖</m:t>
+                                      </m:r>
+                                      <m:r>
+                                        <a:rPr lang="de-DE" sz="1400" b="0" i="1" smtClean="0">
+                                          <a:latin typeface="Cambria Math" panose="02040503050406030204" pitchFamily="18" charset="0"/>
+                                          <a:ea typeface="Cambria Math" panose="02040503050406030204" pitchFamily="18" charset="0"/>
+                                        </a:rPr>
+                                        <m:t>∈</m:t>
+                                      </m:r>
+                                      <m:r>
+                                        <a:rPr lang="de-DE" sz="1400" b="0" i="1" smtClean="0">
+                                          <a:latin typeface="Cambria Math" panose="02040503050406030204" pitchFamily="18" charset="0"/>
+                                          <a:ea typeface="Cambria Math" panose="02040503050406030204" pitchFamily="18" charset="0"/>
+                                        </a:rPr>
+                                        <m:t>𝐼</m:t>
+                                      </m:r>
+                                    </m:sub>
+                                    <m:sup/>
+                                    <m:e>
+                                      <m:func>
+                                        <m:funcPr>
+                                          <m:ctrlPr>
+                                            <a:rPr lang="de-DE" sz="1400" b="0" i="1" smtClean="0">
+                                              <a:latin typeface="Cambria Math" panose="02040503050406030204" pitchFamily="18" charset="0"/>
+                                              <a:ea typeface="Cambria Math" panose="02040503050406030204" pitchFamily="18" charset="0"/>
+                                            </a:rPr>
+                                          </m:ctrlPr>
+                                        </m:funcPr>
+                                        <m:fName>
+                                          <m:r>
+                                            <m:rPr>
+                                              <m:sty m:val="p"/>
+                                            </m:rPr>
+                                            <a:rPr lang="de-DE" sz="1400" b="0" i="0" smtClean="0">
+                                              <a:latin typeface="Cambria Math" panose="02040503050406030204" pitchFamily="18" charset="0"/>
+                                              <a:ea typeface="Cambria Math" panose="02040503050406030204" pitchFamily="18" charset="0"/>
+                                            </a:rPr>
+                                            <m:t>exp</m:t>
+                                          </m:r>
+                                        </m:fName>
+                                        <m:e>
+                                          <m:d>
+                                            <m:dPr>
+                                              <m:ctrlPr>
+                                                <a:rPr lang="de-DE" sz="1400" b="0" i="1" smtClean="0">
+                                                  <a:latin typeface="Cambria Math" panose="02040503050406030204" pitchFamily="18" charset="0"/>
+                                                  <a:ea typeface="Cambria Math" panose="02040503050406030204" pitchFamily="18" charset="0"/>
+                                                </a:rPr>
+                                              </m:ctrlPr>
+                                            </m:dPr>
+                                            <m:e>
+                                              <m:sSub>
+                                                <m:sSubPr>
+                                                  <m:ctrlPr>
+                                                    <a:rPr lang="de-DE" sz="1400" b="0" i="1" smtClean="0">
+                                                      <a:latin typeface="Cambria Math" panose="02040503050406030204" pitchFamily="18" charset="0"/>
+                                                      <a:ea typeface="Cambria Math" panose="02040503050406030204" pitchFamily="18" charset="0"/>
+                                                    </a:rPr>
+                                                  </m:ctrlPr>
+                                                </m:sSubPr>
+                                                <m:e>
+                                                  <m:r>
+                                                    <a:rPr lang="de-DE" sz="1400" b="0" i="1" smtClean="0">
+                                                      <a:latin typeface="Cambria Math" panose="02040503050406030204" pitchFamily="18" charset="0"/>
+                                                      <a:ea typeface="Cambria Math" panose="02040503050406030204" pitchFamily="18" charset="0"/>
+                                                    </a:rPr>
+                                                    <m:t>𝑆</m:t>
+                                                  </m:r>
+                                                </m:e>
+                                                <m:sub>
+                                                  <m:r>
+                                                    <a:rPr lang="de-DE" sz="1400" b="0" i="1" smtClean="0">
+                                                      <a:latin typeface="Cambria Math" panose="02040503050406030204" pitchFamily="18" charset="0"/>
+                                                      <a:ea typeface="Cambria Math" panose="02040503050406030204" pitchFamily="18" charset="0"/>
+                                                    </a:rPr>
+                                                    <m:t>𝑐</m:t>
+                                                  </m:r>
+                                                </m:sub>
+                                              </m:sSub>
+                                              <m:d>
+                                                <m:dPr>
+                                                  <m:ctrlPr>
+                                                    <a:rPr lang="de-DE" sz="1400" b="0" i="1" smtClean="0">
+                                                      <a:latin typeface="Cambria Math" panose="02040503050406030204" pitchFamily="18" charset="0"/>
+                                                      <a:ea typeface="Cambria Math" panose="02040503050406030204" pitchFamily="18" charset="0"/>
+                                                    </a:rPr>
+                                                  </m:ctrlPr>
+                                                </m:dPr>
+                                                <m:e>
+                                                  <m:sSub>
+                                                    <m:sSubPr>
+                                                      <m:ctrlPr>
+                                                        <a:rPr lang="de-DE" sz="1400" b="0" i="1" smtClean="0">
+                                                          <a:latin typeface="Cambria Math" panose="02040503050406030204" pitchFamily="18" charset="0"/>
+                                                          <a:ea typeface="Cambria Math" panose="02040503050406030204" pitchFamily="18" charset="0"/>
+                                                        </a:rPr>
+                                                      </m:ctrlPr>
+                                                    </m:sSubPr>
+                                                    <m:e>
+                                                      <m:r>
+                                                        <a:rPr lang="de-DE" sz="1400" b="0" i="1" smtClean="0">
+                                                          <a:latin typeface="Cambria Math" panose="02040503050406030204" pitchFamily="18" charset="0"/>
+                                                          <a:ea typeface="Cambria Math" panose="02040503050406030204" pitchFamily="18" charset="0"/>
+                                                        </a:rPr>
+                                                        <m:t>h</m:t>
+                                                      </m:r>
+                                                    </m:e>
+                                                    <m:sub>
+                                                      <m:r>
+                                                        <a:rPr lang="de-DE" sz="1400" b="0" i="1" smtClean="0">
+                                                          <a:latin typeface="Cambria Math" panose="02040503050406030204" pitchFamily="18" charset="0"/>
+                                                          <a:ea typeface="Cambria Math" panose="02040503050406030204" pitchFamily="18" charset="0"/>
+                                                        </a:rPr>
+                                                        <m:t>𝑡</m:t>
+                                                      </m:r>
+                                                    </m:sub>
+                                                  </m:sSub>
+                                                  <m:r>
+                                                    <a:rPr lang="de-DE" sz="1400" b="0" i="1" smtClean="0">
+                                                      <a:latin typeface="Cambria Math" panose="02040503050406030204" pitchFamily="18" charset="0"/>
+                                                      <a:ea typeface="Cambria Math" panose="02040503050406030204" pitchFamily="18" charset="0"/>
+                                                    </a:rPr>
+                                                    <m:t>, </m:t>
+                                                  </m:r>
+                                                  <m:sSub>
+                                                    <m:sSubPr>
+                                                      <m:ctrlPr>
+                                                        <a:rPr lang="de-DE" sz="1400" b="0" i="1" smtClean="0">
+                                                          <a:latin typeface="Cambria Math" panose="02040503050406030204" pitchFamily="18" charset="0"/>
+                                                          <a:ea typeface="Cambria Math" panose="02040503050406030204" pitchFamily="18" charset="0"/>
+                                                        </a:rPr>
+                                                      </m:ctrlPr>
+                                                    </m:sSubPr>
+                                                    <m:e>
+                                                      <m:r>
+                                                        <a:rPr lang="de-DE" sz="1400" b="0" i="1" smtClean="0">
+                                                          <a:latin typeface="Cambria Math" panose="02040503050406030204" pitchFamily="18" charset="0"/>
+                                                          <a:ea typeface="Cambria Math" panose="02040503050406030204" pitchFamily="18" charset="0"/>
+                                                        </a:rPr>
+                                                        <m:t>𝑞</m:t>
+                                                      </m:r>
+                                                    </m:e>
+                                                    <m:sub>
+                                                      <m:r>
+                                                        <a:rPr lang="de-DE" sz="1400" b="0" i="1" smtClean="0">
+                                                          <a:latin typeface="Cambria Math" panose="02040503050406030204" pitchFamily="18" charset="0"/>
+                                                          <a:ea typeface="Cambria Math" panose="02040503050406030204" pitchFamily="18" charset="0"/>
+                                                        </a:rPr>
+                                                        <m:t>𝑖</m:t>
+                                                      </m:r>
+                                                    </m:sub>
+                                                  </m:sSub>
+                                                </m:e>
+                                              </m:d>
+                                            </m:e>
+                                          </m:d>
+                                        </m:e>
+                                      </m:func>
+                                    </m:e>
+                                  </m:nary>
+                                </m:den>
+                              </m:f>
+                            </m:e>
+                          </m:d>
+                        </m:e>
+                      </m:func>
+                    </m:oMath>
+                  </m:oMathPara>
+                </a14:m>
+                <a:endParaRPr lang="en-GB" sz="1400" dirty="0"/>
+              </a:p>
+            </p:txBody>
+          </p:sp>
+        </mc:Choice>
+        <mc:Fallback>
+          <p:sp>
+            <p:nvSpPr>
+              <p:cNvPr id="7" name="Textfeld 6">
+                <a:extLst>
+                  <a:ext uri="{FF2B5EF4-FFF2-40B4-BE49-F238E27FC236}">
+                    <a16:creationId xmlns:a16="http://schemas.microsoft.com/office/drawing/2014/main" id="{2B0B2BEE-6E8C-1B76-B26A-1A71DAA783B2}"/>
+                  </a:ext>
+                </a:extLst>
+              </p:cNvPr>
+              <p:cNvSpPr txBox="1">
+                <a:spLocks noRot="1" noChangeAspect="1" noMove="1" noResize="1" noEditPoints="1" noAdjustHandles="1" noChangeArrowheads="1" noChangeShapeType="1" noTextEdit="1"/>
+              </p:cNvSpPr>
+              <p:nvPr/>
+            </p:nvSpPr>
+            <p:spPr>
+              <a:xfrm>
+                <a:off x="4826282" y="3872202"/>
+                <a:ext cx="2539436" cy="517193"/>
+              </a:xfrm>
+              <a:prstGeom prst="rect">
+                <a:avLst/>
+              </a:prstGeom>
+              <a:blipFill>
+                <a:blip r:embed="rId3"/>
+                <a:stretch>
+                  <a:fillRect b="-1176"/>
+                </a:stretch>
+              </a:blipFill>
+            </p:spPr>
+            <p:txBody>
+              <a:bodyPr/>
+              <a:lstStyle/>
+              <a:p>
+                <a:r>
+                  <a:rPr lang="en-GB">
+                    <a:noFill/>
+                  </a:rPr>
+                  <a:t> </a:t>
+                </a:r>
+              </a:p>
+            </p:txBody>
+          </p:sp>
+        </mc:Fallback>
+      </mc:AlternateContent>
     </p:spTree>
     <p:extLst>
       <p:ext uri="{BB962C8B-B14F-4D97-AF65-F5344CB8AC3E}">
-        <p14:creationId xmlns:p14="http://schemas.microsoft.com/office/powerpoint/2010/main" val="1967141980"/>
+        <p14:creationId xmlns:p14="http://schemas.microsoft.com/office/powerpoint/2010/main" val="2222725949"/>
       </p:ext>
     </p:extLst>
   </p:cSld>
@@ -4082,7 +7428,7 @@
 </file>
 
 <file path=ppt/slides/slide11.xml><?xml version="1.0" encoding="utf-8"?>
-<p:sld xmlns:a="http://schemas.openxmlformats.org/drawingml/2006/main" xmlns:r="http://schemas.openxmlformats.org/officeDocument/2006/relationships" xmlns:p="http://schemas.openxmlformats.org/presentationml/2006/main">
+<p:sld xmlns:a="http://schemas.openxmlformats.org/drawingml/2006/main" xmlns:r="http://schemas.openxmlformats.org/officeDocument/2006/relationships" xmlns:p="http://schemas.openxmlformats.org/presentationml/2006/main" show="0">
   <p:cSld>
     <p:spTree>
       <p:nvGrpSpPr>
@@ -4103,7 +7449,7 @@
           <p:cNvPr id="2" name="Titel 1">
             <a:extLst>
               <a:ext uri="{FF2B5EF4-FFF2-40B4-BE49-F238E27FC236}">
-                <a16:creationId xmlns:a16="http://schemas.microsoft.com/office/drawing/2014/main" id="{50D04423-9DD4-F6BA-2DC9-5D0829C9B98C}"/>
+                <a16:creationId xmlns:a16="http://schemas.microsoft.com/office/drawing/2014/main" id="{B94CE98E-313B-AE2F-548F-3F00794EB392}"/>
               </a:ext>
             </a:extLst>
           </p:cNvPr>
@@ -4121,15 +7467,11 @@
           <a:p>
             <a:r>
               <a:rPr lang="de-DE" dirty="0"/>
-              <a:t>AV-</a:t>
-            </a:r>
-            <a:r>
-              <a:rPr lang="de-DE" dirty="0" err="1"/>
-              <a:t>HuBERT</a:t>
-            </a:r>
-            <a:r>
-              <a:rPr lang="de-DE" dirty="0"/>
-              <a:t> (2022/03)</a:t>
+              <a:t>wav2vec 2.0 </a:t>
+            </a:r>
+            <a:r>
+              <a:rPr lang="en-US" dirty="0"/>
+              <a:t>Loss</a:t>
             </a:r>
           </a:p>
         </p:txBody>
@@ -4139,7 +7481,7 @@
           <p:cNvPr id="3" name="Inhaltsplatzhalter 2">
             <a:extLst>
               <a:ext uri="{FF2B5EF4-FFF2-40B4-BE49-F238E27FC236}">
-                <a16:creationId xmlns:a16="http://schemas.microsoft.com/office/drawing/2014/main" id="{FDD85934-B3B6-E0EF-C5FA-FDB5E52BA311}"/>
+                <a16:creationId xmlns:a16="http://schemas.microsoft.com/office/drawing/2014/main" id="{9B13AAE7-37C5-8343-C730-43D1C15C752D}"/>
               </a:ext>
             </a:extLst>
           </p:cNvPr>
@@ -4156,35 +7498,13 @@
           <a:lstStyle/>
           <a:p>
             <a:r>
-              <a:rPr lang="de-DE" dirty="0" err="1"/>
-              <a:t>Based</a:t>
-            </a:r>
-            <a:r>
-              <a:rPr lang="de-DE" dirty="0"/>
-              <a:t> on </a:t>
-            </a:r>
-            <a:r>
-              <a:rPr lang="de-DE" dirty="0" err="1"/>
-              <a:t>HuBERT</a:t>
-            </a:r>
-            <a:r>
-              <a:rPr lang="de-DE" dirty="0"/>
-              <a:t> (2106.07447)</a:t>
-            </a:r>
-          </a:p>
-          <a:p>
-            <a:r>
-              <a:rPr lang="de-DE" dirty="0"/>
-              <a:t>Audio and Visual </a:t>
-            </a:r>
-            <a:r>
-              <a:rPr lang="de-DE" dirty="0" err="1"/>
-              <a:t>channels</a:t>
-            </a:r>
-            <a:endParaRPr lang="de-DE" dirty="0"/>
-          </a:p>
-          <a:p>
-            <a:endParaRPr lang="de-DE" dirty="0"/>
+              <a:rPr lang="de-DE" dirty="0"/>
+              <a:t>wav2vec 2.0 </a:t>
+            </a:r>
+            <a:r>
+              <a:rPr lang="en-US" dirty="0"/>
+              <a:t>loss</a:t>
+            </a:r>
           </a:p>
         </p:txBody>
       </p:sp>
@@ -4193,7 +7513,7 @@
           <p:cNvPr id="4" name="Datumsplatzhalter 3">
             <a:extLst>
               <a:ext uri="{FF2B5EF4-FFF2-40B4-BE49-F238E27FC236}">
-                <a16:creationId xmlns:a16="http://schemas.microsoft.com/office/drawing/2014/main" id="{0EFF3519-5645-AC9C-2AC3-70C6A68E499D}"/>
+                <a16:creationId xmlns:a16="http://schemas.microsoft.com/office/drawing/2014/main" id="{D13C5828-BCC2-665F-3373-F302F410D925}"/>
               </a:ext>
             </a:extLst>
           </p:cNvPr>
@@ -4222,7 +7542,7 @@
           <p:cNvPr id="5" name="Fußzeilenplatzhalter 4">
             <a:extLst>
               <a:ext uri="{FF2B5EF4-FFF2-40B4-BE49-F238E27FC236}">
-                <a16:creationId xmlns:a16="http://schemas.microsoft.com/office/drawing/2014/main" id="{BF312A83-83AC-9C68-95FC-E7A6D59D3BB4}"/>
+                <a16:creationId xmlns:a16="http://schemas.microsoft.com/office/drawing/2014/main" id="{2DB64BAA-F1F6-9560-9277-9F80F3A95126}"/>
               </a:ext>
             </a:extLst>
           </p:cNvPr>
@@ -4239,7 +7559,7 @@
           <a:lstStyle/>
           <a:p>
             <a:r>
-              <a:rPr lang="en-US"/>
+              <a:rPr lang="en-US" dirty="0"/>
               <a:t>Multi-modal Speech Representation Learning</a:t>
             </a:r>
             <a:endParaRPr lang="de-DE" dirty="0"/>
@@ -4251,7 +7571,7 @@
           <p:cNvPr id="6" name="Foliennummernplatzhalter 5">
             <a:extLst>
               <a:ext uri="{FF2B5EF4-FFF2-40B4-BE49-F238E27FC236}">
-                <a16:creationId xmlns:a16="http://schemas.microsoft.com/office/drawing/2014/main" id="{E525FE09-F039-617D-9C2B-891727A4B0B4}"/>
+                <a16:creationId xmlns:a16="http://schemas.microsoft.com/office/drawing/2014/main" id="{41EF3733-906B-FD52-BAF2-8CD2DE22EBEC}"/>
               </a:ext>
             </a:extLst>
           </p:cNvPr>
@@ -4275,10 +7595,842 @@
           </a:p>
         </p:txBody>
       </p:sp>
+      <mc:AlternateContent xmlns:mc="http://schemas.openxmlformats.org/markup-compatibility/2006">
+        <mc:Choice xmlns:a14="http://schemas.microsoft.com/office/drawing/2010/main" Requires="a14">
+          <p:sp>
+            <p:nvSpPr>
+              <p:cNvPr id="7" name="Textfeld 6">
+                <a:extLst>
+                  <a:ext uri="{FF2B5EF4-FFF2-40B4-BE49-F238E27FC236}">
+                    <a16:creationId xmlns:a16="http://schemas.microsoft.com/office/drawing/2014/main" id="{1A4C5133-F088-E11F-72FD-B546FD38AA1F}"/>
+                  </a:ext>
+                </a:extLst>
+              </p:cNvPr>
+              <p:cNvSpPr txBox="1"/>
+              <p:nvPr/>
+            </p:nvSpPr>
+            <p:spPr>
+              <a:xfrm>
+                <a:off x="3122672" y="2227006"/>
+                <a:ext cx="5946656" cy="1034642"/>
+              </a:xfrm>
+              <a:prstGeom prst="rect">
+                <a:avLst/>
+              </a:prstGeom>
+              <a:noFill/>
+            </p:spPr>
+            <p:txBody>
+              <a:bodyPr wrap="square" lIns="0" tIns="0" rIns="0" bIns="0" rtlCol="0">
+                <a:spAutoFit/>
+              </a:bodyPr>
+              <a:lstStyle/>
+              <a:p>
+                <a14:m>
+                  <m:oMathPara xmlns:m="http://schemas.openxmlformats.org/officeDocument/2006/math">
+                    <m:oMathParaPr>
+                      <m:jc m:val="centerGroup"/>
+                    </m:oMathParaPr>
+                    <m:oMath xmlns:m="http://schemas.openxmlformats.org/officeDocument/2006/math">
+                      <m:sSub>
+                        <m:sSubPr>
+                          <m:ctrlPr>
+                            <a:rPr lang="de-DE" sz="2800" b="0" i="1" smtClean="0">
+                              <a:latin typeface="Cambria Math" panose="02040503050406030204" pitchFamily="18" charset="0"/>
+                              <a:ea typeface="Cambria Math" panose="02040503050406030204" pitchFamily="18" charset="0"/>
+                            </a:rPr>
+                          </m:ctrlPr>
+                        </m:sSubPr>
+                        <m:e>
+                          <m:r>
+                            <a:rPr lang="en-GB" sz="2800" i="1" smtClean="0">
+                              <a:latin typeface="Cambria Math" panose="02040503050406030204" pitchFamily="18" charset="0"/>
+                              <a:ea typeface="Cambria Math" panose="02040503050406030204" pitchFamily="18" charset="0"/>
+                            </a:rPr>
+                            <m:t>ℒ</m:t>
+                          </m:r>
+                        </m:e>
+                        <m:sub>
+                          <m:r>
+                            <a:rPr lang="de-DE" sz="2800" b="0" i="1" smtClean="0">
+                              <a:latin typeface="Cambria Math" panose="02040503050406030204" pitchFamily="18" charset="0"/>
+                              <a:ea typeface="Cambria Math" panose="02040503050406030204" pitchFamily="18" charset="0"/>
+                            </a:rPr>
+                            <m:t>𝑇</m:t>
+                          </m:r>
+                        </m:sub>
+                      </m:sSub>
+                      <m:r>
+                        <a:rPr lang="de-DE" sz="2800" b="0" i="1" smtClean="0">
+                          <a:latin typeface="Cambria Math" panose="02040503050406030204" pitchFamily="18" charset="0"/>
+                          <a:ea typeface="Cambria Math" panose="02040503050406030204" pitchFamily="18" charset="0"/>
+                        </a:rPr>
+                        <m:t>=−</m:t>
+                      </m:r>
+                      <m:func>
+                        <m:funcPr>
+                          <m:ctrlPr>
+                            <a:rPr lang="de-DE" sz="2800" b="0" i="1" smtClean="0">
+                              <a:latin typeface="Cambria Math" panose="02040503050406030204" pitchFamily="18" charset="0"/>
+                              <a:ea typeface="Cambria Math" panose="02040503050406030204" pitchFamily="18" charset="0"/>
+                            </a:rPr>
+                          </m:ctrlPr>
+                        </m:funcPr>
+                        <m:fName>
+                          <m:r>
+                            <m:rPr>
+                              <m:sty m:val="p"/>
+                            </m:rPr>
+                            <a:rPr lang="de-DE" sz="2800" b="0" i="0" smtClean="0">
+                              <a:latin typeface="Cambria Math" panose="02040503050406030204" pitchFamily="18" charset="0"/>
+                              <a:ea typeface="Cambria Math" panose="02040503050406030204" pitchFamily="18" charset="0"/>
+                            </a:rPr>
+                            <m:t>log</m:t>
+                          </m:r>
+                        </m:fName>
+                        <m:e>
+                          <m:d>
+                            <m:dPr>
+                              <m:ctrlPr>
+                                <a:rPr lang="de-DE" sz="2800" b="0" i="1" smtClean="0">
+                                  <a:latin typeface="Cambria Math" panose="02040503050406030204" pitchFamily="18" charset="0"/>
+                                  <a:ea typeface="Cambria Math" panose="02040503050406030204" pitchFamily="18" charset="0"/>
+                                </a:rPr>
+                              </m:ctrlPr>
+                            </m:dPr>
+                            <m:e>
+                              <m:f>
+                                <m:fPr>
+                                  <m:ctrlPr>
+                                    <a:rPr lang="de-DE" sz="2800" b="0" i="1" smtClean="0">
+                                      <a:latin typeface="Cambria Math" panose="02040503050406030204" pitchFamily="18" charset="0"/>
+                                      <a:ea typeface="Cambria Math" panose="02040503050406030204" pitchFamily="18" charset="0"/>
+                                    </a:rPr>
+                                  </m:ctrlPr>
+                                </m:fPr>
+                                <m:num>
+                                  <m:func>
+                                    <m:funcPr>
+                                      <m:ctrlPr>
+                                        <a:rPr lang="de-DE" sz="2800" b="0" i="1" smtClean="0">
+                                          <a:latin typeface="Cambria Math" panose="02040503050406030204" pitchFamily="18" charset="0"/>
+                                          <a:ea typeface="Cambria Math" panose="02040503050406030204" pitchFamily="18" charset="0"/>
+                                        </a:rPr>
+                                      </m:ctrlPr>
+                                    </m:funcPr>
+                                    <m:fName>
+                                      <m:r>
+                                        <m:rPr>
+                                          <m:sty m:val="p"/>
+                                        </m:rPr>
+                                        <a:rPr lang="de-DE" sz="2800" b="0" i="0" smtClean="0">
+                                          <a:latin typeface="Cambria Math" panose="02040503050406030204" pitchFamily="18" charset="0"/>
+                                          <a:ea typeface="Cambria Math" panose="02040503050406030204" pitchFamily="18" charset="0"/>
+                                        </a:rPr>
+                                        <m:t>exp</m:t>
+                                      </m:r>
+                                    </m:fName>
+                                    <m:e>
+                                      <m:d>
+                                        <m:dPr>
+                                          <m:ctrlPr>
+                                            <a:rPr lang="de-DE" sz="2800" b="0" i="1" smtClean="0">
+                                              <a:latin typeface="Cambria Math" panose="02040503050406030204" pitchFamily="18" charset="0"/>
+                                              <a:ea typeface="Cambria Math" panose="02040503050406030204" pitchFamily="18" charset="0"/>
+                                            </a:rPr>
+                                          </m:ctrlPr>
+                                        </m:dPr>
+                                        <m:e>
+                                          <m:sSub>
+                                            <m:sSubPr>
+                                              <m:ctrlPr>
+                                                <a:rPr lang="de-DE" sz="2800" b="0" i="1" smtClean="0">
+                                                  <a:latin typeface="Cambria Math" panose="02040503050406030204" pitchFamily="18" charset="0"/>
+                                                  <a:ea typeface="Cambria Math" panose="02040503050406030204" pitchFamily="18" charset="0"/>
+                                                </a:rPr>
+                                              </m:ctrlPr>
+                                            </m:sSubPr>
+                                            <m:e>
+                                              <m:r>
+                                                <a:rPr lang="de-DE" sz="2800" b="0" i="1" smtClean="0">
+                                                  <a:latin typeface="Cambria Math" panose="02040503050406030204" pitchFamily="18" charset="0"/>
+                                                  <a:ea typeface="Cambria Math" panose="02040503050406030204" pitchFamily="18" charset="0"/>
+                                                </a:rPr>
+                                                <m:t>𝑆</m:t>
+                                              </m:r>
+                                            </m:e>
+                                            <m:sub>
+                                              <m:r>
+                                                <a:rPr lang="de-DE" sz="2800" b="0" i="1" smtClean="0">
+                                                  <a:latin typeface="Cambria Math" panose="02040503050406030204" pitchFamily="18" charset="0"/>
+                                                  <a:ea typeface="Cambria Math" panose="02040503050406030204" pitchFamily="18" charset="0"/>
+                                                </a:rPr>
+                                                <m:t>𝑐</m:t>
+                                              </m:r>
+                                            </m:sub>
+                                          </m:sSub>
+                                          <m:d>
+                                            <m:dPr>
+                                              <m:ctrlPr>
+                                                <a:rPr lang="de-DE" sz="2800" b="0" i="1" smtClean="0">
+                                                  <a:latin typeface="Cambria Math" panose="02040503050406030204" pitchFamily="18" charset="0"/>
+                                                  <a:ea typeface="Cambria Math" panose="02040503050406030204" pitchFamily="18" charset="0"/>
+                                                </a:rPr>
+                                              </m:ctrlPr>
+                                            </m:dPr>
+                                            <m:e>
+                                              <m:sSub>
+                                                <m:sSubPr>
+                                                  <m:ctrlPr>
+                                                    <a:rPr lang="de-DE" sz="2800" b="0" i="1" smtClean="0">
+                                                      <a:latin typeface="Cambria Math" panose="02040503050406030204" pitchFamily="18" charset="0"/>
+                                                      <a:ea typeface="Cambria Math" panose="02040503050406030204" pitchFamily="18" charset="0"/>
+                                                    </a:rPr>
+                                                  </m:ctrlPr>
+                                                </m:sSubPr>
+                                                <m:e>
+                                                  <m:r>
+                                                    <a:rPr lang="de-DE" sz="2800" b="0" i="1" smtClean="0">
+                                                      <a:latin typeface="Cambria Math" panose="02040503050406030204" pitchFamily="18" charset="0"/>
+                                                      <a:ea typeface="Cambria Math" panose="02040503050406030204" pitchFamily="18" charset="0"/>
+                                                    </a:rPr>
+                                                    <m:t>h</m:t>
+                                                  </m:r>
+                                                </m:e>
+                                                <m:sub>
+                                                  <m:r>
+                                                    <a:rPr lang="de-DE" sz="2800" b="0" i="1" smtClean="0">
+                                                      <a:latin typeface="Cambria Math" panose="02040503050406030204" pitchFamily="18" charset="0"/>
+                                                      <a:ea typeface="Cambria Math" panose="02040503050406030204" pitchFamily="18" charset="0"/>
+                                                    </a:rPr>
+                                                    <m:t>𝑡</m:t>
+                                                  </m:r>
+                                                </m:sub>
+                                              </m:sSub>
+                                              <m:r>
+                                                <a:rPr lang="de-DE" sz="2800" b="0" i="1" smtClean="0">
+                                                  <a:latin typeface="Cambria Math" panose="02040503050406030204" pitchFamily="18" charset="0"/>
+                                                  <a:ea typeface="Cambria Math" panose="02040503050406030204" pitchFamily="18" charset="0"/>
+                                                </a:rPr>
+                                                <m:t>, </m:t>
+                                              </m:r>
+                                              <m:sSub>
+                                                <m:sSubPr>
+                                                  <m:ctrlPr>
+                                                    <a:rPr lang="de-DE" sz="2800" b="0" i="1" smtClean="0">
+                                                      <a:latin typeface="Cambria Math" panose="02040503050406030204" pitchFamily="18" charset="0"/>
+                                                      <a:ea typeface="Cambria Math" panose="02040503050406030204" pitchFamily="18" charset="0"/>
+                                                    </a:rPr>
+                                                  </m:ctrlPr>
+                                                </m:sSubPr>
+                                                <m:e>
+                                                  <m:r>
+                                                    <a:rPr lang="de-DE" sz="2800" b="0" i="1" smtClean="0">
+                                                      <a:latin typeface="Cambria Math" panose="02040503050406030204" pitchFamily="18" charset="0"/>
+                                                      <a:ea typeface="Cambria Math" panose="02040503050406030204" pitchFamily="18" charset="0"/>
+                                                    </a:rPr>
+                                                    <m:t>𝑞</m:t>
+                                                  </m:r>
+                                                </m:e>
+                                                <m:sub>
+                                                  <m:r>
+                                                    <a:rPr lang="de-DE" sz="2800" b="0" i="1" smtClean="0">
+                                                      <a:latin typeface="Cambria Math" panose="02040503050406030204" pitchFamily="18" charset="0"/>
+                                                      <a:ea typeface="Cambria Math" panose="02040503050406030204" pitchFamily="18" charset="0"/>
+                                                    </a:rPr>
+                                                    <m:t>𝑡</m:t>
+                                                  </m:r>
+                                                </m:sub>
+                                              </m:sSub>
+                                            </m:e>
+                                          </m:d>
+                                        </m:e>
+                                      </m:d>
+                                    </m:e>
+                                  </m:func>
+                                </m:num>
+                                <m:den>
+                                  <m:nary>
+                                    <m:naryPr>
+                                      <m:chr m:val="∑"/>
+                                      <m:supHide m:val="on"/>
+                                      <m:ctrlPr>
+                                        <a:rPr lang="de-DE" sz="2800" b="0" i="1" smtClean="0">
+                                          <a:latin typeface="Cambria Math" panose="02040503050406030204" pitchFamily="18" charset="0"/>
+                                          <a:ea typeface="Cambria Math" panose="02040503050406030204" pitchFamily="18" charset="0"/>
+                                        </a:rPr>
+                                      </m:ctrlPr>
+                                    </m:naryPr>
+                                    <m:sub>
+                                      <m:r>
+                                        <a:rPr lang="de-DE" sz="2800" b="0" i="1" smtClean="0">
+                                          <a:latin typeface="Cambria Math" panose="02040503050406030204" pitchFamily="18" charset="0"/>
+                                          <a:ea typeface="Cambria Math" panose="02040503050406030204" pitchFamily="18" charset="0"/>
+                                        </a:rPr>
+                                        <m:t>𝑖</m:t>
+                                      </m:r>
+                                      <m:r>
+                                        <a:rPr lang="de-DE" sz="2800" b="0" i="1" smtClean="0">
+                                          <a:latin typeface="Cambria Math" panose="02040503050406030204" pitchFamily="18" charset="0"/>
+                                          <a:ea typeface="Cambria Math" panose="02040503050406030204" pitchFamily="18" charset="0"/>
+                                        </a:rPr>
+                                        <m:t>∈</m:t>
+                                      </m:r>
+                                      <m:r>
+                                        <a:rPr lang="de-DE" sz="2800" b="0" i="1" smtClean="0">
+                                          <a:latin typeface="Cambria Math" panose="02040503050406030204" pitchFamily="18" charset="0"/>
+                                          <a:ea typeface="Cambria Math" panose="02040503050406030204" pitchFamily="18" charset="0"/>
+                                        </a:rPr>
+                                        <m:t>𝐼</m:t>
+                                      </m:r>
+                                    </m:sub>
+                                    <m:sup/>
+                                    <m:e>
+                                      <m:func>
+                                        <m:funcPr>
+                                          <m:ctrlPr>
+                                            <a:rPr lang="de-DE" sz="2800" b="0" i="1" smtClean="0">
+                                              <a:latin typeface="Cambria Math" panose="02040503050406030204" pitchFamily="18" charset="0"/>
+                                              <a:ea typeface="Cambria Math" panose="02040503050406030204" pitchFamily="18" charset="0"/>
+                                            </a:rPr>
+                                          </m:ctrlPr>
+                                        </m:funcPr>
+                                        <m:fName>
+                                          <m:r>
+                                            <m:rPr>
+                                              <m:sty m:val="p"/>
+                                            </m:rPr>
+                                            <a:rPr lang="de-DE" sz="2800" b="0" i="0" smtClean="0">
+                                              <a:latin typeface="Cambria Math" panose="02040503050406030204" pitchFamily="18" charset="0"/>
+                                              <a:ea typeface="Cambria Math" panose="02040503050406030204" pitchFamily="18" charset="0"/>
+                                            </a:rPr>
+                                            <m:t>exp</m:t>
+                                          </m:r>
+                                        </m:fName>
+                                        <m:e>
+                                          <m:d>
+                                            <m:dPr>
+                                              <m:ctrlPr>
+                                                <a:rPr lang="de-DE" sz="2800" b="0" i="1" smtClean="0">
+                                                  <a:latin typeface="Cambria Math" panose="02040503050406030204" pitchFamily="18" charset="0"/>
+                                                  <a:ea typeface="Cambria Math" panose="02040503050406030204" pitchFamily="18" charset="0"/>
+                                                </a:rPr>
+                                              </m:ctrlPr>
+                                            </m:dPr>
+                                            <m:e>
+                                              <m:sSub>
+                                                <m:sSubPr>
+                                                  <m:ctrlPr>
+                                                    <a:rPr lang="de-DE" sz="2800" b="0" i="1" smtClean="0">
+                                                      <a:latin typeface="Cambria Math" panose="02040503050406030204" pitchFamily="18" charset="0"/>
+                                                      <a:ea typeface="Cambria Math" panose="02040503050406030204" pitchFamily="18" charset="0"/>
+                                                    </a:rPr>
+                                                  </m:ctrlPr>
+                                                </m:sSubPr>
+                                                <m:e>
+                                                  <m:r>
+                                                    <a:rPr lang="de-DE" sz="2800" b="0" i="1" smtClean="0">
+                                                      <a:latin typeface="Cambria Math" panose="02040503050406030204" pitchFamily="18" charset="0"/>
+                                                      <a:ea typeface="Cambria Math" panose="02040503050406030204" pitchFamily="18" charset="0"/>
+                                                    </a:rPr>
+                                                    <m:t>𝑆</m:t>
+                                                  </m:r>
+                                                </m:e>
+                                                <m:sub>
+                                                  <m:r>
+                                                    <a:rPr lang="de-DE" sz="2800" b="0" i="1" smtClean="0">
+                                                      <a:latin typeface="Cambria Math" panose="02040503050406030204" pitchFamily="18" charset="0"/>
+                                                      <a:ea typeface="Cambria Math" panose="02040503050406030204" pitchFamily="18" charset="0"/>
+                                                    </a:rPr>
+                                                    <m:t>𝑐</m:t>
+                                                  </m:r>
+                                                </m:sub>
+                                              </m:sSub>
+                                              <m:d>
+                                                <m:dPr>
+                                                  <m:ctrlPr>
+                                                    <a:rPr lang="de-DE" sz="2800" b="0" i="1" smtClean="0">
+                                                      <a:latin typeface="Cambria Math" panose="02040503050406030204" pitchFamily="18" charset="0"/>
+                                                      <a:ea typeface="Cambria Math" panose="02040503050406030204" pitchFamily="18" charset="0"/>
+                                                    </a:rPr>
+                                                  </m:ctrlPr>
+                                                </m:dPr>
+                                                <m:e>
+                                                  <m:sSub>
+                                                    <m:sSubPr>
+                                                      <m:ctrlPr>
+                                                        <a:rPr lang="de-DE" sz="2800" b="0" i="1" smtClean="0">
+                                                          <a:latin typeface="Cambria Math" panose="02040503050406030204" pitchFamily="18" charset="0"/>
+                                                          <a:ea typeface="Cambria Math" panose="02040503050406030204" pitchFamily="18" charset="0"/>
+                                                        </a:rPr>
+                                                      </m:ctrlPr>
+                                                    </m:sSubPr>
+                                                    <m:e>
+                                                      <m:r>
+                                                        <a:rPr lang="de-DE" sz="2800" b="0" i="1" smtClean="0">
+                                                          <a:latin typeface="Cambria Math" panose="02040503050406030204" pitchFamily="18" charset="0"/>
+                                                          <a:ea typeface="Cambria Math" panose="02040503050406030204" pitchFamily="18" charset="0"/>
+                                                        </a:rPr>
+                                                        <m:t>h</m:t>
+                                                      </m:r>
+                                                    </m:e>
+                                                    <m:sub>
+                                                      <m:r>
+                                                        <a:rPr lang="de-DE" sz="2800" b="0" i="1" smtClean="0">
+                                                          <a:latin typeface="Cambria Math" panose="02040503050406030204" pitchFamily="18" charset="0"/>
+                                                          <a:ea typeface="Cambria Math" panose="02040503050406030204" pitchFamily="18" charset="0"/>
+                                                        </a:rPr>
+                                                        <m:t>𝑡</m:t>
+                                                      </m:r>
+                                                    </m:sub>
+                                                  </m:sSub>
+                                                  <m:r>
+                                                    <a:rPr lang="de-DE" sz="2800" b="0" i="1" smtClean="0">
+                                                      <a:latin typeface="Cambria Math" panose="02040503050406030204" pitchFamily="18" charset="0"/>
+                                                      <a:ea typeface="Cambria Math" panose="02040503050406030204" pitchFamily="18" charset="0"/>
+                                                    </a:rPr>
+                                                    <m:t>, </m:t>
+                                                  </m:r>
+                                                  <m:sSub>
+                                                    <m:sSubPr>
+                                                      <m:ctrlPr>
+                                                        <a:rPr lang="de-DE" sz="2800" b="0" i="1" smtClean="0">
+                                                          <a:latin typeface="Cambria Math" panose="02040503050406030204" pitchFamily="18" charset="0"/>
+                                                          <a:ea typeface="Cambria Math" panose="02040503050406030204" pitchFamily="18" charset="0"/>
+                                                        </a:rPr>
+                                                      </m:ctrlPr>
+                                                    </m:sSubPr>
+                                                    <m:e>
+                                                      <m:r>
+                                                        <a:rPr lang="de-DE" sz="2800" b="0" i="1" smtClean="0">
+                                                          <a:latin typeface="Cambria Math" panose="02040503050406030204" pitchFamily="18" charset="0"/>
+                                                          <a:ea typeface="Cambria Math" panose="02040503050406030204" pitchFamily="18" charset="0"/>
+                                                        </a:rPr>
+                                                        <m:t>𝑞</m:t>
+                                                      </m:r>
+                                                    </m:e>
+                                                    <m:sub>
+                                                      <m:r>
+                                                        <a:rPr lang="de-DE" sz="2800" b="0" i="1" smtClean="0">
+                                                          <a:latin typeface="Cambria Math" panose="02040503050406030204" pitchFamily="18" charset="0"/>
+                                                          <a:ea typeface="Cambria Math" panose="02040503050406030204" pitchFamily="18" charset="0"/>
+                                                        </a:rPr>
+                                                        <m:t>𝑖</m:t>
+                                                      </m:r>
+                                                    </m:sub>
+                                                  </m:sSub>
+                                                </m:e>
+                                              </m:d>
+                                            </m:e>
+                                          </m:d>
+                                        </m:e>
+                                      </m:func>
+                                    </m:e>
+                                  </m:nary>
+                                </m:den>
+                              </m:f>
+                            </m:e>
+                          </m:d>
+                        </m:e>
+                      </m:func>
+                    </m:oMath>
+                  </m:oMathPara>
+                </a14:m>
+                <a:endParaRPr lang="en-GB" sz="2800" dirty="0"/>
+              </a:p>
+            </p:txBody>
+          </p:sp>
+        </mc:Choice>
+        <mc:Fallback>
+          <p:sp>
+            <p:nvSpPr>
+              <p:cNvPr id="7" name="Textfeld 6">
+                <a:extLst>
+                  <a:ext uri="{FF2B5EF4-FFF2-40B4-BE49-F238E27FC236}">
+                    <a16:creationId xmlns:a16="http://schemas.microsoft.com/office/drawing/2014/main" id="{1A4C5133-F088-E11F-72FD-B546FD38AA1F}"/>
+                  </a:ext>
+                </a:extLst>
+              </p:cNvPr>
+              <p:cNvSpPr txBox="1">
+                <a:spLocks noRot="1" noChangeAspect="1" noMove="1" noResize="1" noEditPoints="1" noAdjustHandles="1" noChangeArrowheads="1" noChangeShapeType="1" noTextEdit="1"/>
+              </p:cNvSpPr>
+              <p:nvPr/>
+            </p:nvSpPr>
+            <p:spPr>
+              <a:xfrm>
+                <a:off x="3122672" y="2227006"/>
+                <a:ext cx="5946656" cy="1034642"/>
+              </a:xfrm>
+              <a:prstGeom prst="rect">
+                <a:avLst/>
+              </a:prstGeom>
+              <a:blipFill>
+                <a:blip r:embed="rId2"/>
+                <a:stretch>
+                  <a:fillRect/>
+                </a:stretch>
+              </a:blipFill>
+            </p:spPr>
+            <p:txBody>
+              <a:bodyPr/>
+              <a:lstStyle/>
+              <a:p>
+                <a:r>
+                  <a:rPr lang="en-GB">
+                    <a:noFill/>
+                  </a:rPr>
+                  <a:t> </a:t>
+                </a:r>
+              </a:p>
+            </p:txBody>
+          </p:sp>
+        </mc:Fallback>
+      </mc:AlternateContent>
+      <mc:AlternateContent xmlns:mc="http://schemas.openxmlformats.org/markup-compatibility/2006">
+        <mc:Choice xmlns:a14="http://schemas.microsoft.com/office/drawing/2010/main" Requires="a14">
+          <p:sp>
+            <p:nvSpPr>
+              <p:cNvPr id="8" name="Textfeld 7">
+                <a:extLst>
+                  <a:ext uri="{FF2B5EF4-FFF2-40B4-BE49-F238E27FC236}">
+                    <a16:creationId xmlns:a16="http://schemas.microsoft.com/office/drawing/2014/main" id="{6E3CBF0B-D32F-B8E5-15B6-B1BEF40B9E7F}"/>
+                  </a:ext>
+                </a:extLst>
+              </p:cNvPr>
+              <p:cNvSpPr txBox="1"/>
+              <p:nvPr/>
+            </p:nvSpPr>
+            <p:spPr>
+              <a:xfrm>
+                <a:off x="2973261" y="3629631"/>
+                <a:ext cx="6245477" cy="1965987"/>
+              </a:xfrm>
+              <a:prstGeom prst="rect">
+                <a:avLst/>
+              </a:prstGeom>
+              <a:noFill/>
+            </p:spPr>
+            <p:txBody>
+              <a:bodyPr wrap="square" lIns="0" tIns="0" rIns="0" bIns="0" rtlCol="0">
+                <a:spAutoFit/>
+              </a:bodyPr>
+              <a:lstStyle/>
+              <a:p>
+                <a14:m>
+                  <m:oMath xmlns:m="http://schemas.openxmlformats.org/officeDocument/2006/math">
+                    <m:sSub>
+                      <m:sSubPr>
+                        <m:ctrlPr>
+                          <a:rPr lang="de-DE" sz="2800" i="1" smtClean="0">
+                            <a:latin typeface="Cambria Math" panose="02040503050406030204" pitchFamily="18" charset="0"/>
+                            <a:ea typeface="Cambria Math" panose="02040503050406030204" pitchFamily="18" charset="0"/>
+                          </a:rPr>
+                        </m:ctrlPr>
+                      </m:sSubPr>
+                      <m:e>
+                        <m:r>
+                          <a:rPr lang="de-DE" sz="2800" i="1">
+                            <a:latin typeface="Cambria Math" panose="02040503050406030204" pitchFamily="18" charset="0"/>
+                            <a:ea typeface="Cambria Math" panose="02040503050406030204" pitchFamily="18" charset="0"/>
+                          </a:rPr>
+                          <m:t>h</m:t>
+                        </m:r>
+                      </m:e>
+                      <m:sub>
+                        <m:r>
+                          <a:rPr lang="de-DE" sz="2800" i="1">
+                            <a:latin typeface="Cambria Math" panose="02040503050406030204" pitchFamily="18" charset="0"/>
+                            <a:ea typeface="Cambria Math" panose="02040503050406030204" pitchFamily="18" charset="0"/>
+                          </a:rPr>
+                          <m:t>𝑡</m:t>
+                        </m:r>
+                      </m:sub>
+                    </m:sSub>
+                  </m:oMath>
+                </a14:m>
+                <a:r>
+                  <a:rPr lang="en-GB" sz="2800" dirty="0"/>
+                  <a:t>= anchor/target sample (masked)</a:t>
+                </a:r>
+              </a:p>
+              <a:p>
+                <a14:m>
+                  <m:oMath xmlns:m="http://schemas.openxmlformats.org/officeDocument/2006/math">
+                    <m:sSub>
+                      <m:sSubPr>
+                        <m:ctrlPr>
+                          <a:rPr lang="de-DE" sz="2800" i="1" smtClean="0">
+                            <a:latin typeface="Cambria Math" panose="02040503050406030204" pitchFamily="18" charset="0"/>
+                            <a:ea typeface="Cambria Math" panose="02040503050406030204" pitchFamily="18" charset="0"/>
+                          </a:rPr>
+                        </m:ctrlPr>
+                      </m:sSubPr>
+                      <m:e>
+                        <m:r>
+                          <a:rPr lang="de-DE" sz="2800" b="0" i="1" smtClean="0">
+                            <a:latin typeface="Cambria Math" panose="02040503050406030204" pitchFamily="18" charset="0"/>
+                            <a:ea typeface="Cambria Math" panose="02040503050406030204" pitchFamily="18" charset="0"/>
+                          </a:rPr>
+                          <m:t>𝑞</m:t>
+                        </m:r>
+                      </m:e>
+                      <m:sub>
+                        <m:r>
+                          <a:rPr lang="de-DE" sz="2800" i="1">
+                            <a:latin typeface="Cambria Math" panose="02040503050406030204" pitchFamily="18" charset="0"/>
+                            <a:ea typeface="Cambria Math" panose="02040503050406030204" pitchFamily="18" charset="0"/>
+                          </a:rPr>
+                          <m:t>𝑡</m:t>
+                        </m:r>
+                      </m:sub>
+                    </m:sSub>
+                  </m:oMath>
+                </a14:m>
+                <a:r>
+                  <a:rPr lang="en-GB" sz="2800" dirty="0"/>
+                  <a:t>=unmasked (quantized) anchor sample</a:t>
+                </a:r>
+              </a:p>
+              <a:p>
+                <a14:m>
+                  <m:oMath xmlns:m="http://schemas.openxmlformats.org/officeDocument/2006/math">
+                    <m:r>
+                      <a:rPr lang="de-DE" sz="2800" b="0" i="1" smtClean="0">
+                        <a:latin typeface="Cambria Math" panose="02040503050406030204" pitchFamily="18" charset="0"/>
+                        <a:ea typeface="Cambria Math" panose="02040503050406030204" pitchFamily="18" charset="0"/>
+                      </a:rPr>
+                      <m:t>𝐼</m:t>
+                    </m:r>
+                  </m:oMath>
+                </a14:m>
+                <a:r>
+                  <a:rPr lang="en-GB" sz="2800" dirty="0"/>
+                  <a:t>= Set of positive and negatives</a:t>
+                </a:r>
+              </a:p>
+              <a:p>
+                <a14:m>
+                  <m:oMath xmlns:m="http://schemas.openxmlformats.org/officeDocument/2006/math">
+                    <m:sSub>
+                      <m:sSubPr>
+                        <m:ctrlPr>
+                          <a:rPr lang="de-DE" sz="2800" b="0" i="1" smtClean="0">
+                            <a:latin typeface="Cambria Math" panose="02040503050406030204" pitchFamily="18" charset="0"/>
+                          </a:rPr>
+                        </m:ctrlPr>
+                      </m:sSubPr>
+                      <m:e>
+                        <m:r>
+                          <a:rPr lang="de-DE" sz="2800" b="0" i="1" smtClean="0">
+                            <a:latin typeface="Cambria Math" panose="02040503050406030204" pitchFamily="18" charset="0"/>
+                          </a:rPr>
+                          <m:t>𝑆</m:t>
+                        </m:r>
+                      </m:e>
+                      <m:sub>
+                        <m:r>
+                          <a:rPr lang="de-DE" sz="2800" b="0" i="1" smtClean="0">
+                            <a:latin typeface="Cambria Math" panose="02040503050406030204" pitchFamily="18" charset="0"/>
+                          </a:rPr>
+                          <m:t>𝑐</m:t>
+                        </m:r>
+                      </m:sub>
+                    </m:sSub>
+                    <m:d>
+                      <m:dPr>
+                        <m:ctrlPr>
+                          <a:rPr lang="de-DE" sz="2800" b="0" i="1" smtClean="0">
+                            <a:latin typeface="Cambria Math" panose="02040503050406030204" pitchFamily="18" charset="0"/>
+                          </a:rPr>
+                        </m:ctrlPr>
+                      </m:dPr>
+                      <m:e>
+                        <m:r>
+                          <a:rPr lang="de-DE" sz="2800" b="0" i="1" smtClean="0">
+                            <a:latin typeface="Cambria Math" panose="02040503050406030204" pitchFamily="18" charset="0"/>
+                          </a:rPr>
+                          <m:t>𝑎</m:t>
+                        </m:r>
+                        <m:r>
+                          <a:rPr lang="de-DE" sz="2800" b="0" i="1" smtClean="0">
+                            <a:latin typeface="Cambria Math" panose="02040503050406030204" pitchFamily="18" charset="0"/>
+                          </a:rPr>
+                          <m:t>,</m:t>
+                        </m:r>
+                        <m:r>
+                          <a:rPr lang="de-DE" sz="2800" b="0" i="1" smtClean="0">
+                            <a:latin typeface="Cambria Math" panose="02040503050406030204" pitchFamily="18" charset="0"/>
+                          </a:rPr>
+                          <m:t>𝑏</m:t>
+                        </m:r>
+                      </m:e>
+                    </m:d>
+                    <m:r>
+                      <a:rPr lang="de-DE" sz="2800" b="0" i="1" smtClean="0">
+                        <a:latin typeface="Cambria Math" panose="02040503050406030204" pitchFamily="18" charset="0"/>
+                      </a:rPr>
+                      <m:t>=</m:t>
+                    </m:r>
+                    <m:func>
+                      <m:funcPr>
+                        <m:ctrlPr>
+                          <a:rPr lang="de-DE" sz="2800" b="0" i="1" smtClean="0">
+                            <a:latin typeface="Cambria Math" panose="02040503050406030204" pitchFamily="18" charset="0"/>
+                          </a:rPr>
+                        </m:ctrlPr>
+                      </m:funcPr>
+                      <m:fName>
+                        <m:r>
+                          <m:rPr>
+                            <m:sty m:val="p"/>
+                          </m:rPr>
+                          <a:rPr lang="de-DE" sz="2800" b="0" i="0" smtClean="0">
+                            <a:latin typeface="Cambria Math" panose="02040503050406030204" pitchFamily="18" charset="0"/>
+                          </a:rPr>
+                          <m:t>cos</m:t>
+                        </m:r>
+                      </m:fName>
+                      <m:e>
+                        <m:r>
+                          <a:rPr lang="de-DE" sz="2800" i="1">
+                            <a:latin typeface="Cambria Math" panose="02040503050406030204" pitchFamily="18" charset="0"/>
+                          </a:rPr>
+                          <m:t>𝜃</m:t>
+                        </m:r>
+                      </m:e>
+                    </m:func>
+                    <m:r>
+                      <a:rPr lang="de-DE" sz="2800" b="0" i="1" smtClean="0">
+                        <a:latin typeface="Cambria Math" panose="02040503050406030204" pitchFamily="18" charset="0"/>
+                      </a:rPr>
+                      <m:t>=</m:t>
+                    </m:r>
+                    <m:f>
+                      <m:fPr>
+                        <m:ctrlPr>
+                          <a:rPr lang="de-DE" sz="2800" i="1">
+                            <a:latin typeface="Cambria Math" panose="02040503050406030204" pitchFamily="18" charset="0"/>
+                          </a:rPr>
+                        </m:ctrlPr>
+                      </m:fPr>
+                      <m:num>
+                        <m:r>
+                          <a:rPr lang="de-DE" sz="2800" i="1">
+                            <a:latin typeface="Cambria Math" panose="02040503050406030204" pitchFamily="18" charset="0"/>
+                          </a:rPr>
+                          <m:t>𝑎</m:t>
+                        </m:r>
+                        <m:r>
+                          <a:rPr lang="de-DE" sz="2800" i="1">
+                            <a:latin typeface="Cambria Math" panose="02040503050406030204" pitchFamily="18" charset="0"/>
+                          </a:rPr>
+                          <m:t>⋅</m:t>
+                        </m:r>
+                        <m:r>
+                          <a:rPr lang="de-DE" sz="2800" i="1">
+                            <a:latin typeface="Cambria Math" panose="02040503050406030204" pitchFamily="18" charset="0"/>
+                          </a:rPr>
+                          <m:t>𝑏</m:t>
+                        </m:r>
+                      </m:num>
+                      <m:den>
+                        <m:d>
+                          <m:dPr>
+                            <m:begChr m:val="‖"/>
+                            <m:endChr m:val="‖"/>
+                            <m:ctrlPr>
+                              <a:rPr lang="de-DE" sz="2800" i="1">
+                                <a:latin typeface="Cambria Math" panose="02040503050406030204" pitchFamily="18" charset="0"/>
+                              </a:rPr>
+                            </m:ctrlPr>
+                          </m:dPr>
+                          <m:e>
+                            <m:r>
+                              <a:rPr lang="de-DE" sz="2800" i="1">
+                                <a:latin typeface="Cambria Math" panose="02040503050406030204" pitchFamily="18" charset="0"/>
+                              </a:rPr>
+                              <m:t>𝑎</m:t>
+                            </m:r>
+                          </m:e>
+                        </m:d>
+                        <m:r>
+                          <a:rPr lang="de-DE" sz="2800" i="1">
+                            <a:latin typeface="Cambria Math" panose="02040503050406030204" pitchFamily="18" charset="0"/>
+                          </a:rPr>
+                          <m:t>⋅‖</m:t>
+                        </m:r>
+                        <m:r>
+                          <a:rPr lang="de-DE" sz="2800" i="1">
+                            <a:latin typeface="Cambria Math" panose="02040503050406030204" pitchFamily="18" charset="0"/>
+                          </a:rPr>
+                          <m:t>𝑏</m:t>
+                        </m:r>
+                        <m:r>
+                          <a:rPr lang="de-DE" sz="2800" i="1">
+                            <a:latin typeface="Cambria Math" panose="02040503050406030204" pitchFamily="18" charset="0"/>
+                          </a:rPr>
+                          <m:t>‖</m:t>
+                        </m:r>
+                      </m:den>
+                    </m:f>
+                  </m:oMath>
+                </a14:m>
+                <a:r>
+                  <a:rPr lang="en-GB" sz="2800" dirty="0"/>
+                  <a:t> cosine similarity</a:t>
+                </a:r>
+              </a:p>
+            </p:txBody>
+          </p:sp>
+        </mc:Choice>
+        <mc:Fallback>
+          <p:sp>
+            <p:nvSpPr>
+              <p:cNvPr id="8" name="Textfeld 7">
+                <a:extLst>
+                  <a:ext uri="{FF2B5EF4-FFF2-40B4-BE49-F238E27FC236}">
+                    <a16:creationId xmlns:a16="http://schemas.microsoft.com/office/drawing/2014/main" id="{6E3CBF0B-D32F-B8E5-15B6-B1BEF40B9E7F}"/>
+                  </a:ext>
+                </a:extLst>
+              </p:cNvPr>
+              <p:cNvSpPr txBox="1">
+                <a:spLocks noRot="1" noChangeAspect="1" noMove="1" noResize="1" noEditPoints="1" noAdjustHandles="1" noChangeArrowheads="1" noChangeShapeType="1" noTextEdit="1"/>
+              </p:cNvSpPr>
+              <p:nvPr/>
+            </p:nvSpPr>
+            <p:spPr>
+              <a:xfrm>
+                <a:off x="2973261" y="3629631"/>
+                <a:ext cx="6245477" cy="1965987"/>
+              </a:xfrm>
+              <a:prstGeom prst="rect">
+                <a:avLst/>
+              </a:prstGeom>
+              <a:blipFill>
+                <a:blip r:embed="rId3"/>
+                <a:stretch>
+                  <a:fillRect l="-1172" t="-5263" r="-2637" b="-3096"/>
+                </a:stretch>
+              </a:blipFill>
+            </p:spPr>
+            <p:txBody>
+              <a:bodyPr/>
+              <a:lstStyle/>
+              <a:p>
+                <a:r>
+                  <a:rPr lang="en-GB">
+                    <a:noFill/>
+                  </a:rPr>
+                  <a:t> </a:t>
+                </a:r>
+              </a:p>
+            </p:txBody>
+          </p:sp>
+        </mc:Fallback>
+      </mc:AlternateContent>
     </p:spTree>
     <p:extLst>
       <p:ext uri="{BB962C8B-B14F-4D97-AF65-F5344CB8AC3E}">
-        <p14:creationId xmlns:p14="http://schemas.microsoft.com/office/powerpoint/2010/main" val="2506345323"/>
+        <p14:creationId xmlns:p14="http://schemas.microsoft.com/office/powerpoint/2010/main" val="3060962070"/>
       </p:ext>
     </p:extLst>
   </p:cSld>
@@ -4310,7 +8462,7 @@
           <p:cNvPr id="2" name="Titel 1">
             <a:extLst>
               <a:ext uri="{FF2B5EF4-FFF2-40B4-BE49-F238E27FC236}">
-                <a16:creationId xmlns:a16="http://schemas.microsoft.com/office/drawing/2014/main" id="{50D04423-9DD4-F6BA-2DC9-5D0829C9B98C}"/>
+                <a16:creationId xmlns:a16="http://schemas.microsoft.com/office/drawing/2014/main" id="{8C4D5918-58C4-9A1A-72ED-08A5D498DEA7}"/>
               </a:ext>
             </a:extLst>
           </p:cNvPr>
@@ -4327,16 +8479,8 @@
           <a:lstStyle/>
           <a:p>
             <a:r>
-              <a:rPr lang="de-DE" dirty="0"/>
-              <a:t>AV-</a:t>
-            </a:r>
-            <a:r>
-              <a:rPr lang="de-DE" dirty="0" err="1"/>
-              <a:t>HuBERT</a:t>
-            </a:r>
-            <a:r>
-              <a:rPr lang="de-DE" dirty="0"/>
-              <a:t> (2022/03)</a:t>
+              <a:rPr lang="en-US" dirty="0"/>
+              <a:t>Single-mode approaches</a:t>
             </a:r>
           </a:p>
         </p:txBody>
@@ -4346,7 +8490,7 @@
           <p:cNvPr id="3" name="Inhaltsplatzhalter 2">
             <a:extLst>
               <a:ext uri="{FF2B5EF4-FFF2-40B4-BE49-F238E27FC236}">
-                <a16:creationId xmlns:a16="http://schemas.microsoft.com/office/drawing/2014/main" id="{FDD85934-B3B6-E0EF-C5FA-FDB5E52BA311}"/>
+                <a16:creationId xmlns:a16="http://schemas.microsoft.com/office/drawing/2014/main" id="{AC7E29A0-6A42-D439-44FF-E5C1BB0BB253}"/>
               </a:ext>
             </a:extLst>
           </p:cNvPr>
@@ -4363,12 +8507,54 @@
           <a:lstStyle/>
           <a:p>
             <a:r>
-              <a:rPr lang="de-DE" dirty="0"/>
-              <a:t>Scores in ASR/…</a:t>
-            </a:r>
-          </a:p>
-          <a:p>
-            <a:endParaRPr lang="de-DE" dirty="0"/>
+              <a:rPr lang="en-US" dirty="0"/>
+              <a:t>wav2vec</a:t>
+            </a:r>
+          </a:p>
+          <a:p>
+            <a:pPr lvl="1"/>
+            <a:r>
+              <a:rPr lang="en-US" dirty="0"/>
+              <a:t>Combines contrastive and generative learning</a:t>
+            </a:r>
+          </a:p>
+          <a:p>
+            <a:r>
+              <a:rPr lang="en-US" dirty="0"/>
+              <a:t>HuBERT (Hidden Unit BERT) (Audio input)</a:t>
+            </a:r>
+          </a:p>
+          <a:p>
+            <a:pPr lvl="1"/>
+            <a:r>
+              <a:rPr lang="en-US" dirty="0"/>
+              <a:t>Predictive learning</a:t>
+            </a:r>
+          </a:p>
+          <a:p>
+            <a:pPr lvl="2"/>
+            <a:r>
+              <a:rPr lang="en-US" dirty="0"/>
+              <a:t>1. Cluster inputs with k-means (or even wav2vec 2.0) -&gt; targets</a:t>
+            </a:r>
+          </a:p>
+          <a:p>
+            <a:pPr lvl="2"/>
+            <a:r>
+              <a:rPr lang="en-US" dirty="0"/>
+              <a:t>2. Predict targets given inputs</a:t>
+            </a:r>
+          </a:p>
+          <a:p>
+            <a:pPr lvl="2"/>
+            <a:r>
+              <a:rPr lang="en-US" dirty="0"/>
+              <a:t>Repeat step 1 by clustering intermediate representations of 2. step</a:t>
+            </a:r>
+          </a:p>
+          <a:p>
+            <a:pPr lvl="1"/>
+            <a:endParaRPr lang="en-US" dirty="0"/>
           </a:p>
         </p:txBody>
       </p:sp>
@@ -4377,7 +8563,7 @@
           <p:cNvPr id="4" name="Datumsplatzhalter 3">
             <a:extLst>
               <a:ext uri="{FF2B5EF4-FFF2-40B4-BE49-F238E27FC236}">
-                <a16:creationId xmlns:a16="http://schemas.microsoft.com/office/drawing/2014/main" id="{0EFF3519-5645-AC9C-2AC3-70C6A68E499D}"/>
+                <a16:creationId xmlns:a16="http://schemas.microsoft.com/office/drawing/2014/main" id="{3A207044-445B-8A71-6FDA-7C1B54679F7C}"/>
               </a:ext>
             </a:extLst>
           </p:cNvPr>
@@ -4406,7 +8592,7 @@
           <p:cNvPr id="5" name="Fußzeilenplatzhalter 4">
             <a:extLst>
               <a:ext uri="{FF2B5EF4-FFF2-40B4-BE49-F238E27FC236}">
-                <a16:creationId xmlns:a16="http://schemas.microsoft.com/office/drawing/2014/main" id="{BF312A83-83AC-9C68-95FC-E7A6D59D3BB4}"/>
+                <a16:creationId xmlns:a16="http://schemas.microsoft.com/office/drawing/2014/main" id="{D8A631EC-F945-1CFF-CC1F-4B965475D8D9}"/>
               </a:ext>
             </a:extLst>
           </p:cNvPr>
@@ -4435,7 +8621,7 @@
           <p:cNvPr id="6" name="Foliennummernplatzhalter 5">
             <a:extLst>
               <a:ext uri="{FF2B5EF4-FFF2-40B4-BE49-F238E27FC236}">
-                <a16:creationId xmlns:a16="http://schemas.microsoft.com/office/drawing/2014/main" id="{E525FE09-F039-617D-9C2B-891727A4B0B4}"/>
+                <a16:creationId xmlns:a16="http://schemas.microsoft.com/office/drawing/2014/main" id="{433A7482-7144-853C-2316-41B365C312DE}"/>
               </a:ext>
             </a:extLst>
           </p:cNvPr>
@@ -4462,7 +8648,7 @@
     </p:spTree>
     <p:extLst>
       <p:ext uri="{BB962C8B-B14F-4D97-AF65-F5344CB8AC3E}">
-        <p14:creationId xmlns:p14="http://schemas.microsoft.com/office/powerpoint/2010/main" val="1880602538"/>
+        <p14:creationId xmlns:p14="http://schemas.microsoft.com/office/powerpoint/2010/main" val="2219423280"/>
       </p:ext>
     </p:extLst>
   </p:cSld>
@@ -4494,7 +8680,7 @@
           <p:cNvPr id="2" name="Titel 1">
             <a:extLst>
               <a:ext uri="{FF2B5EF4-FFF2-40B4-BE49-F238E27FC236}">
-                <a16:creationId xmlns:a16="http://schemas.microsoft.com/office/drawing/2014/main" id="{900237B8-8B96-DE96-EA74-C21807612AD9}"/>
+                <a16:creationId xmlns:a16="http://schemas.microsoft.com/office/drawing/2014/main" id="{8C4D5918-58C4-9A1A-72ED-08A5D498DEA7}"/>
               </a:ext>
             </a:extLst>
           </p:cNvPr>
@@ -4511,8 +8697,8 @@
           <a:lstStyle/>
           <a:p>
             <a:r>
-              <a:rPr lang="de-DE" dirty="0"/>
-              <a:t>SpeechT5 (2022/05)</a:t>
+              <a:rPr lang="en-US" dirty="0"/>
+              <a:t>Single-mode approaches</a:t>
             </a:r>
           </a:p>
         </p:txBody>
@@ -4522,7 +8708,7 @@
           <p:cNvPr id="3" name="Inhaltsplatzhalter 2">
             <a:extLst>
               <a:ext uri="{FF2B5EF4-FFF2-40B4-BE49-F238E27FC236}">
-                <a16:creationId xmlns:a16="http://schemas.microsoft.com/office/drawing/2014/main" id="{ADA39428-2238-5C4F-EA42-1FF1034AD083}"/>
+                <a16:creationId xmlns:a16="http://schemas.microsoft.com/office/drawing/2014/main" id="{AC7E29A0-6A42-D439-44FF-E5C1BB0BB253}"/>
               </a:ext>
             </a:extLst>
           </p:cNvPr>
@@ -4539,118 +8725,34 @@
           <a:lstStyle/>
           <a:p>
             <a:r>
-              <a:rPr lang="de-DE" dirty="0"/>
-              <a:t>Speech/Text </a:t>
-            </a:r>
-            <a:r>
-              <a:rPr lang="de-DE" dirty="0" err="1"/>
-              <a:t>to</a:t>
-            </a:r>
-            <a:r>
-              <a:rPr lang="de-DE" dirty="0"/>
-              <a:t> Speech/Text </a:t>
-            </a:r>
-            <a:r>
-              <a:rPr lang="de-DE" dirty="0" err="1"/>
-              <a:t>learning</a:t>
-            </a:r>
-            <a:endParaRPr lang="de-DE" dirty="0"/>
-          </a:p>
-          <a:p>
-            <a:r>
-              <a:rPr lang="de-DE" dirty="0"/>
-              <a:t>Text/Speech </a:t>
-            </a:r>
-            <a:r>
-              <a:rPr lang="de-DE" dirty="0" err="1"/>
-              <a:t>input</a:t>
-            </a:r>
-            <a:r>
-              <a:rPr lang="de-DE" dirty="0"/>
-              <a:t> </a:t>
-            </a:r>
-            <a:r>
-              <a:rPr lang="de-DE" dirty="0" err="1"/>
-              <a:t>into</a:t>
-            </a:r>
-            <a:r>
-              <a:rPr lang="de-DE" dirty="0"/>
-              <a:t> same </a:t>
-            </a:r>
-            <a:r>
-              <a:rPr lang="de-DE" dirty="0" err="1"/>
-              <a:t>vector</a:t>
-            </a:r>
-            <a:r>
-              <a:rPr lang="de-DE" dirty="0"/>
-              <a:t> </a:t>
-            </a:r>
-            <a:r>
-              <a:rPr lang="de-DE" dirty="0" err="1"/>
-              <a:t>space</a:t>
-            </a:r>
-            <a:endParaRPr lang="de-DE" dirty="0"/>
-          </a:p>
-          <a:p>
-            <a:r>
-              <a:rPr lang="de-DE" dirty="0"/>
-              <a:t>Advantage: </a:t>
-            </a:r>
-            <a:r>
-              <a:rPr lang="de-DE" dirty="0" err="1"/>
-              <a:t>Pre</a:t>
-            </a:r>
-            <a:r>
-              <a:rPr lang="de-DE" dirty="0"/>
-              <a:t>-train on large </a:t>
-            </a:r>
-            <a:r>
-              <a:rPr lang="de-DE" dirty="0" err="1"/>
-              <a:t>amounts</a:t>
-            </a:r>
-            <a:r>
-              <a:rPr lang="de-DE" dirty="0"/>
-              <a:t> of </a:t>
-            </a:r>
-            <a:r>
-              <a:rPr lang="de-DE" dirty="0" err="1"/>
-              <a:t>unlabeled</a:t>
-            </a:r>
-            <a:r>
-              <a:rPr lang="de-DE" dirty="0"/>
-              <a:t> </a:t>
-            </a:r>
-            <a:r>
-              <a:rPr lang="de-DE" dirty="0" err="1"/>
-              <a:t>text</a:t>
-            </a:r>
-            <a:r>
-              <a:rPr lang="de-DE" dirty="0"/>
-              <a:t>/</a:t>
-            </a:r>
-            <a:r>
-              <a:rPr lang="de-DE" dirty="0" err="1"/>
-              <a:t>speech</a:t>
-            </a:r>
-            <a:r>
-              <a:rPr lang="de-DE" dirty="0"/>
-              <a:t> </a:t>
-            </a:r>
-            <a:r>
-              <a:rPr lang="de-DE" dirty="0" err="1"/>
-              <a:t>data</a:t>
-            </a:r>
-            <a:r>
-              <a:rPr lang="de-DE" dirty="0"/>
-              <a:t> (</a:t>
-            </a:r>
-            <a:r>
-              <a:rPr lang="de-DE" dirty="0" err="1"/>
-              <a:t>why</a:t>
-            </a:r>
-            <a:r>
-              <a:rPr lang="de-DE" dirty="0"/>
-              <a:t>)</a:t>
+              <a:rPr lang="en-US" dirty="0"/>
+              <a:t>wav2vec</a:t>
+            </a:r>
+          </a:p>
+          <a:p>
+            <a:pPr lvl="1"/>
+            <a:r>
+              <a:rPr lang="en-US" dirty="0"/>
+              <a:t>Combines contrastive and generative learning</a:t>
+            </a:r>
+          </a:p>
+          <a:p>
+            <a:r>
+              <a:rPr lang="en-US" dirty="0"/>
+              <a:t>HuBERT (Hidden Unit BERT)</a:t>
+            </a:r>
+          </a:p>
+          <a:p>
+            <a:pPr lvl="1"/>
+            <a:r>
+              <a:rPr lang="en-US" dirty="0"/>
+              <a:t>Predictive learning</a:t>
+            </a:r>
+          </a:p>
+          <a:p>
+            <a:r>
+              <a:rPr lang="en-US" dirty="0"/>
+              <a:t>Many more [1]</a:t>
             </a:r>
           </a:p>
         </p:txBody>
@@ -4660,7 +8762,7 @@
           <p:cNvPr id="4" name="Datumsplatzhalter 3">
             <a:extLst>
               <a:ext uri="{FF2B5EF4-FFF2-40B4-BE49-F238E27FC236}">
-                <a16:creationId xmlns:a16="http://schemas.microsoft.com/office/drawing/2014/main" id="{43045F5A-5F84-3DAA-D947-9CB10D10294A}"/>
+                <a16:creationId xmlns:a16="http://schemas.microsoft.com/office/drawing/2014/main" id="{3A207044-445B-8A71-6FDA-7C1B54679F7C}"/>
               </a:ext>
             </a:extLst>
           </p:cNvPr>
@@ -4689,7 +8791,7 @@
           <p:cNvPr id="5" name="Fußzeilenplatzhalter 4">
             <a:extLst>
               <a:ext uri="{FF2B5EF4-FFF2-40B4-BE49-F238E27FC236}">
-                <a16:creationId xmlns:a16="http://schemas.microsoft.com/office/drawing/2014/main" id="{EDE2E0EC-EE74-FA84-73F1-5E3DE571CEF0}"/>
+                <a16:creationId xmlns:a16="http://schemas.microsoft.com/office/drawing/2014/main" id="{D8A631EC-F945-1CFF-CC1F-4B965475D8D9}"/>
               </a:ext>
             </a:extLst>
           </p:cNvPr>
@@ -4718,7 +8820,7 @@
           <p:cNvPr id="6" name="Foliennummernplatzhalter 5">
             <a:extLst>
               <a:ext uri="{FF2B5EF4-FFF2-40B4-BE49-F238E27FC236}">
-                <a16:creationId xmlns:a16="http://schemas.microsoft.com/office/drawing/2014/main" id="{D78DCF89-03A3-987E-DC00-E02C395B4493}"/>
+                <a16:creationId xmlns:a16="http://schemas.microsoft.com/office/drawing/2014/main" id="{433A7482-7144-853C-2316-41B365C312DE}"/>
               </a:ext>
             </a:extLst>
           </p:cNvPr>
@@ -4745,7 +8847,7 @@
     </p:spTree>
     <p:extLst>
       <p:ext uri="{BB962C8B-B14F-4D97-AF65-F5344CB8AC3E}">
-        <p14:creationId xmlns:p14="http://schemas.microsoft.com/office/powerpoint/2010/main" val="1261267913"/>
+        <p14:creationId xmlns:p14="http://schemas.microsoft.com/office/powerpoint/2010/main" val="514338746"/>
       </p:ext>
     </p:extLst>
   </p:cSld>
@@ -4774,10 +8876,10 @@
       </p:grpSpPr>
       <p:sp>
         <p:nvSpPr>
-          <p:cNvPr id="2" name="Titel 1">
-            <a:extLst>
-              <a:ext uri="{FF2B5EF4-FFF2-40B4-BE49-F238E27FC236}">
-                <a16:creationId xmlns:a16="http://schemas.microsoft.com/office/drawing/2014/main" id="{900237B8-8B96-DE96-EA74-C21807612AD9}"/>
+          <p:cNvPr id="7" name="Titel 6">
+            <a:extLst>
+              <a:ext uri="{FF2B5EF4-FFF2-40B4-BE49-F238E27FC236}">
+                <a16:creationId xmlns:a16="http://schemas.microsoft.com/office/drawing/2014/main" id="{80E7048F-149B-2D9E-4C96-A71DE938A19C}"/>
               </a:ext>
             </a:extLst>
           </p:cNvPr>
@@ -4794,108 +8896,34 @@
           <a:lstStyle/>
           <a:p>
             <a:r>
-              <a:rPr lang="de-DE" dirty="0"/>
-              <a:t>SpeechT5 (2022/05)</a:t>
-            </a:r>
-          </a:p>
-        </p:txBody>
-      </p:sp>
-      <p:sp>
-        <p:nvSpPr>
-          <p:cNvPr id="3" name="Inhaltsplatzhalter 2">
-            <a:extLst>
-              <a:ext uri="{FF2B5EF4-FFF2-40B4-BE49-F238E27FC236}">
-                <a16:creationId xmlns:a16="http://schemas.microsoft.com/office/drawing/2014/main" id="{ADA39428-2238-5C4F-EA42-1FF1034AD083}"/>
-              </a:ext>
-            </a:extLst>
-          </p:cNvPr>
-          <p:cNvSpPr>
-            <a:spLocks noGrp="1"/>
-          </p:cNvSpPr>
-          <p:nvPr>
-            <p:ph idx="1"/>
-          </p:nvPr>
-        </p:nvSpPr>
-        <p:spPr/>
-        <p:txBody>
-          <a:bodyPr/>
-          <a:lstStyle/>
-          <a:p>
-            <a:r>
-              <a:rPr lang="de-DE" dirty="0"/>
-              <a:t>Scores, </a:t>
-            </a:r>
-            <a:r>
-              <a:rPr lang="de-DE" dirty="0" err="1"/>
-              <a:t>difference</a:t>
-            </a:r>
-            <a:r>
-              <a:rPr lang="de-DE" dirty="0"/>
-              <a:t> </a:t>
-            </a:r>
-            <a:r>
-              <a:rPr lang="de-DE" dirty="0" err="1"/>
-              <a:t>to</a:t>
-            </a:r>
-            <a:r>
-              <a:rPr lang="de-DE" dirty="0"/>
-              <a:t> AV-</a:t>
-            </a:r>
-            <a:r>
-              <a:rPr lang="de-DE" dirty="0" err="1"/>
-              <a:t>HuBERT</a:t>
-            </a:r>
-            <a:endParaRPr lang="de-DE" dirty="0"/>
-          </a:p>
-          <a:p>
-            <a:r>
-              <a:rPr lang="de-DE" dirty="0" err="1"/>
-              <a:t>Why</a:t>
-            </a:r>
-            <a:r>
-              <a:rPr lang="de-DE" dirty="0"/>
-              <a:t> </a:t>
-            </a:r>
-            <a:r>
-              <a:rPr lang="de-DE" dirty="0" err="1"/>
-              <a:t>does</a:t>
-            </a:r>
-            <a:r>
-              <a:rPr lang="de-DE" dirty="0"/>
-              <a:t> </a:t>
-            </a:r>
-            <a:r>
-              <a:rPr lang="de-DE" dirty="0" err="1"/>
-              <a:t>it</a:t>
-            </a:r>
-            <a:r>
-              <a:rPr lang="de-DE" dirty="0"/>
-              <a:t> </a:t>
-            </a:r>
-            <a:r>
-              <a:rPr lang="de-DE" dirty="0" err="1"/>
-              <a:t>work</a:t>
-            </a:r>
-            <a:r>
-              <a:rPr lang="de-DE" dirty="0"/>
-              <a:t> </a:t>
-            </a:r>
-            <a:r>
-              <a:rPr lang="de-DE" dirty="0" err="1"/>
-              <a:t>that</a:t>
-            </a:r>
-            <a:r>
-              <a:rPr lang="de-DE" dirty="0"/>
-              <a:t> </a:t>
-            </a:r>
-            <a:r>
-              <a:rPr lang="de-DE" dirty="0" err="1"/>
-              <a:t>well</a:t>
-            </a:r>
-            <a:r>
-              <a:rPr lang="de-DE" dirty="0"/>
-              <a:t>?</a:t>
-            </a:r>
+              <a:rPr lang="en-US" dirty="0"/>
+              <a:t>Multi-modal approaches</a:t>
+            </a:r>
+          </a:p>
+        </p:txBody>
+      </p:sp>
+      <p:sp>
+        <p:nvSpPr>
+          <p:cNvPr id="8" name="Textplatzhalter 7">
+            <a:extLst>
+              <a:ext uri="{FF2B5EF4-FFF2-40B4-BE49-F238E27FC236}">
+                <a16:creationId xmlns:a16="http://schemas.microsoft.com/office/drawing/2014/main" id="{329EE654-5FFC-50C3-B6FC-2282E8BF2A22}"/>
+              </a:ext>
+            </a:extLst>
+          </p:cNvPr>
+          <p:cNvSpPr>
+            <a:spLocks noGrp="1"/>
+          </p:cNvSpPr>
+          <p:nvPr>
+            <p:ph type="body" idx="1"/>
+          </p:nvPr>
+        </p:nvSpPr>
+        <p:spPr/>
+        <p:txBody>
+          <a:bodyPr/>
+          <a:lstStyle/>
+          <a:p>
+            <a:endParaRPr lang="en-GB"/>
           </a:p>
         </p:txBody>
       </p:sp>
@@ -4904,7 +8932,7 @@
           <p:cNvPr id="4" name="Datumsplatzhalter 3">
             <a:extLst>
               <a:ext uri="{FF2B5EF4-FFF2-40B4-BE49-F238E27FC236}">
-                <a16:creationId xmlns:a16="http://schemas.microsoft.com/office/drawing/2014/main" id="{43045F5A-5F84-3DAA-D947-9CB10D10294A}"/>
+                <a16:creationId xmlns:a16="http://schemas.microsoft.com/office/drawing/2014/main" id="{252811C0-5CC5-8520-B61E-8DFA2EE30073}"/>
               </a:ext>
             </a:extLst>
           </p:cNvPr>
@@ -4933,7 +8961,7 @@
           <p:cNvPr id="5" name="Fußzeilenplatzhalter 4">
             <a:extLst>
               <a:ext uri="{FF2B5EF4-FFF2-40B4-BE49-F238E27FC236}">
-                <a16:creationId xmlns:a16="http://schemas.microsoft.com/office/drawing/2014/main" id="{EDE2E0EC-EE74-FA84-73F1-5E3DE571CEF0}"/>
+                <a16:creationId xmlns:a16="http://schemas.microsoft.com/office/drawing/2014/main" id="{C899923D-9E96-1E29-F469-E87801EEBE00}"/>
               </a:ext>
             </a:extLst>
           </p:cNvPr>
@@ -4962,7 +8990,7 @@
           <p:cNvPr id="6" name="Foliennummernplatzhalter 5">
             <a:extLst>
               <a:ext uri="{FF2B5EF4-FFF2-40B4-BE49-F238E27FC236}">
-                <a16:creationId xmlns:a16="http://schemas.microsoft.com/office/drawing/2014/main" id="{D78DCF89-03A3-987E-DC00-E02C395B4493}"/>
+                <a16:creationId xmlns:a16="http://schemas.microsoft.com/office/drawing/2014/main" id="{890BEF23-701B-288F-6283-5B14E9192323}"/>
               </a:ext>
             </a:extLst>
           </p:cNvPr>
@@ -4989,7 +9017,7 @@
     </p:spTree>
     <p:extLst>
       <p:ext uri="{BB962C8B-B14F-4D97-AF65-F5344CB8AC3E}">
-        <p14:creationId xmlns:p14="http://schemas.microsoft.com/office/powerpoint/2010/main" val="2382043539"/>
+        <p14:creationId xmlns:p14="http://schemas.microsoft.com/office/powerpoint/2010/main" val="921162102"/>
       </p:ext>
     </p:extLst>
   </p:cSld>
@@ -5039,7 +9067,7 @@
           <a:p>
             <a:r>
               <a:rPr lang="de-DE" dirty="0"/>
-              <a:t>Visual-Audio-Text LM (2023/05)</a:t>
+              <a:t>Multimodal Learning</a:t>
             </a:r>
           </a:p>
         </p:txBody>
@@ -5067,8 +9095,49 @@
           <a:p>
             <a:r>
               <a:rPr lang="de-DE" dirty="0"/>
-              <a:t>…</a:t>
-            </a:r>
+              <a:t>Advantages:</a:t>
+            </a:r>
+          </a:p>
+          <a:p>
+            <a:pPr lvl="1"/>
+            <a:r>
+              <a:rPr lang="en-US" dirty="0">
+                <a:sym typeface="Wingdings" panose="05000000000000000000" pitchFamily="2" charset="2"/>
+              </a:rPr>
+              <a:t>Outperform single mode approaches at ASR/VSR/… [2-4]</a:t>
+            </a:r>
+          </a:p>
+          <a:p>
+            <a:endParaRPr lang="de-DE" dirty="0">
+              <a:sym typeface="Wingdings" panose="05000000000000000000" pitchFamily="2" charset="2"/>
+            </a:endParaRPr>
+          </a:p>
+          <a:p>
+            <a:r>
+              <a:rPr lang="de-DE" dirty="0">
+                <a:sym typeface="Wingdings" panose="05000000000000000000" pitchFamily="2" charset="2"/>
+              </a:rPr>
+              <a:t>Challenges:</a:t>
+            </a:r>
+          </a:p>
+          <a:p>
+            <a:pPr lvl="1"/>
+            <a:r>
+              <a:rPr lang="en-US" dirty="0">
+                <a:sym typeface="Wingdings" panose="05000000000000000000" pitchFamily="2" charset="2"/>
+              </a:rPr>
+              <a:t>Multi-modal data availability</a:t>
+            </a:r>
+          </a:p>
+          <a:p>
+            <a:pPr lvl="1"/>
+            <a:r>
+              <a:rPr lang="en-US" dirty="0"/>
+              <a:t>Typically, domain-specific data</a:t>
+            </a:r>
+            <a:endParaRPr lang="en-US" dirty="0">
+              <a:sym typeface="Wingdings" panose="05000000000000000000" pitchFamily="2" charset="2"/>
+            </a:endParaRPr>
           </a:p>
         </p:txBody>
       </p:sp>
@@ -5162,7 +9231,7 @@
     </p:spTree>
     <p:extLst>
       <p:ext uri="{BB962C8B-B14F-4D97-AF65-F5344CB8AC3E}">
-        <p14:creationId xmlns:p14="http://schemas.microsoft.com/office/powerpoint/2010/main" val="87589397"/>
+        <p14:creationId xmlns:p14="http://schemas.microsoft.com/office/powerpoint/2010/main" val="92422634"/>
       </p:ext>
     </p:extLst>
   </p:cSld>
@@ -5194,7 +9263,7 @@
           <p:cNvPr id="2" name="Titel 1">
             <a:extLst>
               <a:ext uri="{FF2B5EF4-FFF2-40B4-BE49-F238E27FC236}">
-                <a16:creationId xmlns:a16="http://schemas.microsoft.com/office/drawing/2014/main" id="{358629DF-DE7D-BAA9-F837-194F89F9BC96}"/>
+                <a16:creationId xmlns:a16="http://schemas.microsoft.com/office/drawing/2014/main" id="{900237B8-8B96-DE96-EA74-C21807612AD9}"/>
               </a:ext>
             </a:extLst>
           </p:cNvPr>
@@ -5212,8 +9281,13 @@
           <a:p>
             <a:r>
               <a:rPr lang="de-DE" dirty="0"/>
-              <a:t>Visual-Audio-Text LM (2023/05)</a:t>
-            </a:r>
+              <a:t>SpeechT5 </a:t>
+            </a:r>
+            <a:r>
+              <a:rPr lang="de-DE" sz="1600" dirty="0"/>
+              <a:t>(10/21)</a:t>
+            </a:r>
+            <a:endParaRPr lang="de-DE" dirty="0"/>
           </a:p>
         </p:txBody>
       </p:sp>
@@ -5222,7 +9296,7 @@
           <p:cNvPr id="3" name="Inhaltsplatzhalter 2">
             <a:extLst>
               <a:ext uri="{FF2B5EF4-FFF2-40B4-BE49-F238E27FC236}">
-                <a16:creationId xmlns:a16="http://schemas.microsoft.com/office/drawing/2014/main" id="{C122DCDD-7E10-B6E4-9A57-42E9DB86B263}"/>
+                <a16:creationId xmlns:a16="http://schemas.microsoft.com/office/drawing/2014/main" id="{ADA39428-2238-5C4F-EA42-1FF1034AD083}"/>
               </a:ext>
             </a:extLst>
           </p:cNvPr>
@@ -5239,34 +9313,38 @@
           <a:lstStyle/>
           <a:p>
             <a:r>
-              <a:rPr lang="de-DE" dirty="0" err="1"/>
-              <a:t>Results</a:t>
-            </a:r>
-            <a:r>
-              <a:rPr lang="de-DE" dirty="0"/>
-              <a:t> / </a:t>
-            </a:r>
-            <a:r>
-              <a:rPr lang="de-DE" dirty="0" err="1"/>
-              <a:t>compare</a:t>
-            </a:r>
-            <a:r>
-              <a:rPr lang="de-DE" dirty="0"/>
-              <a:t> </a:t>
-            </a:r>
-            <a:r>
-              <a:rPr lang="de-DE" dirty="0" err="1"/>
-              <a:t>to</a:t>
-            </a:r>
-            <a:r>
-              <a:rPr lang="de-DE" dirty="0"/>
-              <a:t> SpeechT5 and AV-</a:t>
-            </a:r>
-            <a:r>
-              <a:rPr lang="de-DE" dirty="0" err="1"/>
-              <a:t>HuBERT</a:t>
-            </a:r>
-            <a:endParaRPr lang="de-DE" dirty="0"/>
+              <a:rPr lang="en-US" dirty="0"/>
+              <a:t>Speech/Text to Speech/Text learning</a:t>
+            </a:r>
+          </a:p>
+          <a:p>
+            <a:r>
+              <a:rPr lang="en-US" dirty="0"/>
+              <a:t>Speech and text input </a:t>
+            </a:r>
+            <a:r>
+              <a:rPr lang="en-US" dirty="0">
+                <a:solidFill>
+                  <a:srgbClr val="FF0000"/>
+                </a:solidFill>
+              </a:rPr>
+              <a:t>into same representation space</a:t>
+            </a:r>
+          </a:p>
+          <a:p>
+            <a:r>
+              <a:rPr lang="en-US" dirty="0"/>
+              <a:t>Trained with uncorrelated, unlabeled speech and text data</a:t>
+            </a:r>
+          </a:p>
+          <a:p>
+            <a:r>
+              <a:rPr lang="en-US" dirty="0"/>
+              <a:t>Generative approach, seq2seq generation with masked inputs</a:t>
+            </a:r>
+          </a:p>
+          <a:p>
+            <a:endParaRPr lang="en-US" dirty="0"/>
           </a:p>
         </p:txBody>
       </p:sp>
@@ -5275,7 +9353,7 @@
           <p:cNvPr id="4" name="Datumsplatzhalter 3">
             <a:extLst>
               <a:ext uri="{FF2B5EF4-FFF2-40B4-BE49-F238E27FC236}">
-                <a16:creationId xmlns:a16="http://schemas.microsoft.com/office/drawing/2014/main" id="{AA2DFAA3-D144-50A0-9C58-AB2639736D8E}"/>
+                <a16:creationId xmlns:a16="http://schemas.microsoft.com/office/drawing/2014/main" id="{43045F5A-5F84-3DAA-D947-9CB10D10294A}"/>
               </a:ext>
             </a:extLst>
           </p:cNvPr>
@@ -5304,7 +9382,7 @@
           <p:cNvPr id="5" name="Fußzeilenplatzhalter 4">
             <a:extLst>
               <a:ext uri="{FF2B5EF4-FFF2-40B4-BE49-F238E27FC236}">
-                <a16:creationId xmlns:a16="http://schemas.microsoft.com/office/drawing/2014/main" id="{02D8580E-0F61-BDDB-77CC-E4F419C5A7D2}"/>
+                <a16:creationId xmlns:a16="http://schemas.microsoft.com/office/drawing/2014/main" id="{EDE2E0EC-EE74-FA84-73F1-5E3DE571CEF0}"/>
               </a:ext>
             </a:extLst>
           </p:cNvPr>
@@ -5333,7 +9411,7 @@
           <p:cNvPr id="6" name="Foliennummernplatzhalter 5">
             <a:extLst>
               <a:ext uri="{FF2B5EF4-FFF2-40B4-BE49-F238E27FC236}">
-                <a16:creationId xmlns:a16="http://schemas.microsoft.com/office/drawing/2014/main" id="{5F851B5D-42CC-F4ED-FF52-3115D318058A}"/>
+                <a16:creationId xmlns:a16="http://schemas.microsoft.com/office/drawing/2014/main" id="{D78DCF89-03A3-987E-DC00-E02C395B4493}"/>
               </a:ext>
             </a:extLst>
           </p:cNvPr>
@@ -5360,7 +9438,7 @@
     </p:spTree>
     <p:extLst>
       <p:ext uri="{BB962C8B-B14F-4D97-AF65-F5344CB8AC3E}">
-        <p14:creationId xmlns:p14="http://schemas.microsoft.com/office/powerpoint/2010/main" val="1781512618"/>
+        <p14:creationId xmlns:p14="http://schemas.microsoft.com/office/powerpoint/2010/main" val="1261267913"/>
       </p:ext>
     </p:extLst>
   </p:cSld>
@@ -5392,7 +9470,7 @@
           <p:cNvPr id="2" name="Titel 1">
             <a:extLst>
               <a:ext uri="{FF2B5EF4-FFF2-40B4-BE49-F238E27FC236}">
-                <a16:creationId xmlns:a16="http://schemas.microsoft.com/office/drawing/2014/main" id="{358629DF-DE7D-BAA9-F837-194F89F9BC96}"/>
+                <a16:creationId xmlns:a16="http://schemas.microsoft.com/office/drawing/2014/main" id="{900237B8-8B96-DE96-EA74-C21807612AD9}"/>
               </a:ext>
             </a:extLst>
           </p:cNvPr>
@@ -5409,84 +9487,8 @@
           <a:lstStyle/>
           <a:p>
             <a:r>
-              <a:rPr lang="de-DE" dirty="0"/>
-              <a:t>Adv./</a:t>
-            </a:r>
-            <a:r>
-              <a:rPr lang="de-DE" dirty="0" err="1"/>
-              <a:t>Drawbacks</a:t>
-            </a:r>
-            <a:r>
-              <a:rPr lang="de-DE" dirty="0"/>
-              <a:t> of Multimodal Learning</a:t>
-            </a:r>
-          </a:p>
-        </p:txBody>
-      </p:sp>
-      <p:sp>
-        <p:nvSpPr>
-          <p:cNvPr id="3" name="Inhaltsplatzhalter 2">
-            <a:extLst>
-              <a:ext uri="{FF2B5EF4-FFF2-40B4-BE49-F238E27FC236}">
-                <a16:creationId xmlns:a16="http://schemas.microsoft.com/office/drawing/2014/main" id="{C122DCDD-7E10-B6E4-9A57-42E9DB86B263}"/>
-              </a:ext>
-            </a:extLst>
-          </p:cNvPr>
-          <p:cNvSpPr>
-            <a:spLocks noGrp="1"/>
-          </p:cNvSpPr>
-          <p:nvPr>
-            <p:ph idx="1"/>
-          </p:nvPr>
-        </p:nvSpPr>
-        <p:spPr/>
-        <p:txBody>
-          <a:bodyPr/>
-          <a:lstStyle/>
-          <a:p>
-            <a:r>
-              <a:rPr lang="de-DE" dirty="0"/>
-              <a:t>Domain-</a:t>
-            </a:r>
-            <a:r>
-              <a:rPr lang="de-DE" dirty="0" err="1"/>
-              <a:t>specific</a:t>
-            </a:r>
-            <a:r>
-              <a:rPr lang="de-DE" dirty="0"/>
-              <a:t> </a:t>
-            </a:r>
-            <a:r>
-              <a:rPr lang="de-DE" dirty="0" err="1"/>
-              <a:t>data</a:t>
-            </a:r>
-            <a:r>
-              <a:rPr lang="de-DE" dirty="0"/>
-              <a:t> </a:t>
-            </a:r>
-            <a:r>
-              <a:rPr lang="de-DE" dirty="0">
-                <a:sym typeface="Wingdings" panose="05000000000000000000" pitchFamily="2" charset="2"/>
-              </a:rPr>
-              <a:t> </a:t>
-            </a:r>
-            <a:r>
-              <a:rPr lang="de-DE" dirty="0" err="1">
-                <a:sym typeface="Wingdings" panose="05000000000000000000" pitchFamily="2" charset="2"/>
-              </a:rPr>
-              <a:t>no</a:t>
-            </a:r>
-            <a:r>
-              <a:rPr lang="de-DE" dirty="0">
-                <a:sym typeface="Wingdings" panose="05000000000000000000" pitchFamily="2" charset="2"/>
-              </a:rPr>
-              <a:t> </a:t>
-            </a:r>
-            <a:r>
-              <a:rPr lang="de-DE" dirty="0" err="1">
-                <a:sym typeface="Wingdings" panose="05000000000000000000" pitchFamily="2" charset="2"/>
-              </a:rPr>
-              <a:t>no</a:t>
+              <a:rPr lang="de-DE"/>
+              <a:t>SpeechT5 TODO</a:t>
             </a:r>
             <a:endParaRPr lang="de-DE" dirty="0"/>
           </a:p>
@@ -5497,7 +9499,7 @@
           <p:cNvPr id="4" name="Datumsplatzhalter 3">
             <a:extLst>
               <a:ext uri="{FF2B5EF4-FFF2-40B4-BE49-F238E27FC236}">
-                <a16:creationId xmlns:a16="http://schemas.microsoft.com/office/drawing/2014/main" id="{AA2DFAA3-D144-50A0-9C58-AB2639736D8E}"/>
+                <a16:creationId xmlns:a16="http://schemas.microsoft.com/office/drawing/2014/main" id="{43045F5A-5F84-3DAA-D947-9CB10D10294A}"/>
               </a:ext>
             </a:extLst>
           </p:cNvPr>
@@ -5514,10 +9516,9 @@
           <a:lstStyle/>
           <a:p>
             <a:r>
-              <a:rPr lang="de-DE"/>
+              <a:rPr lang="de-DE" dirty="0"/>
               <a:t>05.12.2023</a:t>
             </a:r>
-            <a:endParaRPr lang="de-DE" dirty="0"/>
           </a:p>
         </p:txBody>
       </p:sp>
@@ -5526,7 +9527,7 @@
           <p:cNvPr id="5" name="Fußzeilenplatzhalter 4">
             <a:extLst>
               <a:ext uri="{FF2B5EF4-FFF2-40B4-BE49-F238E27FC236}">
-                <a16:creationId xmlns:a16="http://schemas.microsoft.com/office/drawing/2014/main" id="{02D8580E-0F61-BDDB-77CC-E4F419C5A7D2}"/>
+                <a16:creationId xmlns:a16="http://schemas.microsoft.com/office/drawing/2014/main" id="{EDE2E0EC-EE74-FA84-73F1-5E3DE571CEF0}"/>
               </a:ext>
             </a:extLst>
           </p:cNvPr>
@@ -5543,7 +9544,7 @@
           <a:lstStyle/>
           <a:p>
             <a:r>
-              <a:rPr lang="en-US"/>
+              <a:rPr lang="en-US" dirty="0"/>
               <a:t>Multi-modal Speech Representation Learning</a:t>
             </a:r>
             <a:endParaRPr lang="de-DE" dirty="0"/>
@@ -5555,7 +9556,7 @@
           <p:cNvPr id="6" name="Foliennummernplatzhalter 5">
             <a:extLst>
               <a:ext uri="{FF2B5EF4-FFF2-40B4-BE49-F238E27FC236}">
-                <a16:creationId xmlns:a16="http://schemas.microsoft.com/office/drawing/2014/main" id="{5F851B5D-42CC-F4ED-FF52-3115D318058A}"/>
+                <a16:creationId xmlns:a16="http://schemas.microsoft.com/office/drawing/2014/main" id="{D78DCF89-03A3-987E-DC00-E02C395B4493}"/>
               </a:ext>
             </a:extLst>
           </p:cNvPr>
@@ -5579,10 +9580,82 @@
           </a:p>
         </p:txBody>
       </p:sp>
+      <p:pic>
+        <p:nvPicPr>
+          <p:cNvPr id="8" name="Grafik 7" descr="Ein Bild, das Text, Screenshot enthält.&#10;&#10;Automatisch generierte Beschreibung">
+            <a:extLst>
+              <a:ext uri="{FF2B5EF4-FFF2-40B4-BE49-F238E27FC236}">
+                <a16:creationId xmlns:a16="http://schemas.microsoft.com/office/drawing/2014/main" id="{992C9F6B-F3E4-475B-979F-3B630AC8F6DA}"/>
+              </a:ext>
+            </a:extLst>
+          </p:cNvPr>
+          <p:cNvPicPr>
+            <a:picLocks noChangeAspect="1"/>
+          </p:cNvPicPr>
+          <p:nvPr/>
+        </p:nvPicPr>
+        <p:blipFill>
+          <a:blip r:embed="rId3">
+            <a:extLst>
+              <a:ext uri="{28A0092B-C50C-407E-A947-70E740481C1C}">
+                <a14:useLocalDpi xmlns:a14="http://schemas.microsoft.com/office/drawing/2010/main" val="0"/>
+              </a:ext>
+            </a:extLst>
+          </a:blip>
+          <a:stretch>
+            <a:fillRect/>
+          </a:stretch>
+        </p:blipFill>
+        <p:spPr>
+          <a:xfrm>
+            <a:off x="625736" y="2002661"/>
+            <a:ext cx="10940527" cy="3477369"/>
+          </a:xfrm>
+          <a:prstGeom prst="rect">
+            <a:avLst/>
+          </a:prstGeom>
+        </p:spPr>
+      </p:pic>
+      <p:sp>
+        <p:nvSpPr>
+          <p:cNvPr id="12" name="Textfeld 11">
+            <a:extLst>
+              <a:ext uri="{FF2B5EF4-FFF2-40B4-BE49-F238E27FC236}">
+                <a16:creationId xmlns:a16="http://schemas.microsoft.com/office/drawing/2014/main" id="{E599EF05-FE7B-E5C3-C50E-8B8FC65EA582}"/>
+              </a:ext>
+            </a:extLst>
+          </p:cNvPr>
+          <p:cNvSpPr txBox="1"/>
+          <p:nvPr/>
+        </p:nvSpPr>
+        <p:spPr>
+          <a:xfrm>
+            <a:off x="10815515" y="5607337"/>
+            <a:ext cx="442750" cy="369332"/>
+          </a:xfrm>
+          <a:prstGeom prst="rect">
+            <a:avLst/>
+          </a:prstGeom>
+          <a:noFill/>
+        </p:spPr>
+        <p:txBody>
+          <a:bodyPr wrap="none" rtlCol="0">
+            <a:spAutoFit/>
+          </a:bodyPr>
+          <a:lstStyle/>
+          <a:p>
+            <a:r>
+              <a:rPr lang="de-DE" dirty="0"/>
+              <a:t>[2]</a:t>
+            </a:r>
+            <a:endParaRPr lang="en-GB" dirty="0"/>
+          </a:p>
+        </p:txBody>
+      </p:sp>
     </p:spTree>
     <p:extLst>
       <p:ext uri="{BB962C8B-B14F-4D97-AF65-F5344CB8AC3E}">
-        <p14:creationId xmlns:p14="http://schemas.microsoft.com/office/powerpoint/2010/main" val="92422634"/>
+        <p14:creationId xmlns:p14="http://schemas.microsoft.com/office/powerpoint/2010/main" val="3277319022"/>
       </p:ext>
     </p:extLst>
   </p:cSld>
@@ -5614,7 +9687,7 @@
           <p:cNvPr id="2" name="Titel 1">
             <a:extLst>
               <a:ext uri="{FF2B5EF4-FFF2-40B4-BE49-F238E27FC236}">
-                <a16:creationId xmlns:a16="http://schemas.microsoft.com/office/drawing/2014/main" id="{A5AA884D-9FF9-ADE1-DD18-42738AA778F6}"/>
+                <a16:creationId xmlns:a16="http://schemas.microsoft.com/office/drawing/2014/main" id="{900237B8-8B96-DE96-EA74-C21807612AD9}"/>
               </a:ext>
             </a:extLst>
           </p:cNvPr>
@@ -5632,11 +9705,11 @@
           <a:p>
             <a:r>
               <a:rPr lang="de-DE" dirty="0"/>
-              <a:t>Challenges / </a:t>
-            </a:r>
-            <a:r>
-              <a:rPr lang="de-DE" dirty="0" err="1"/>
-              <a:t>Prospects</a:t>
+              <a:t>SpeechT5 </a:t>
+            </a:r>
+            <a:r>
+              <a:rPr lang="de-DE" sz="1600" dirty="0"/>
+              <a:t>(10/21)</a:t>
             </a:r>
             <a:endParaRPr lang="de-DE" dirty="0"/>
           </a:p>
@@ -5647,7 +9720,7 @@
           <p:cNvPr id="3" name="Inhaltsplatzhalter 2">
             <a:extLst>
               <a:ext uri="{FF2B5EF4-FFF2-40B4-BE49-F238E27FC236}">
-                <a16:creationId xmlns:a16="http://schemas.microsoft.com/office/drawing/2014/main" id="{3B2AF2DA-0C13-2231-5223-79DCFDDF93CD}"/>
+                <a16:creationId xmlns:a16="http://schemas.microsoft.com/office/drawing/2014/main" id="{ADA39428-2238-5C4F-EA42-1FF1034AD083}"/>
               </a:ext>
             </a:extLst>
           </p:cNvPr>
@@ -5664,49 +9737,41 @@
           <a:lstStyle/>
           <a:p>
             <a:r>
-              <a:rPr lang="de-DE" dirty="0"/>
-              <a:t>(Multi-modal) Speech </a:t>
-            </a:r>
-            <a:r>
-              <a:rPr lang="de-DE" dirty="0" err="1"/>
-              <a:t>Representation</a:t>
-            </a:r>
-            <a:r>
-              <a:rPr lang="de-DE" dirty="0"/>
-              <a:t> Learning </a:t>
-            </a:r>
-            <a:r>
-              <a:rPr lang="de-DE" dirty="0" err="1"/>
-              <a:t>is</a:t>
-            </a:r>
-            <a:r>
-              <a:rPr lang="de-DE" dirty="0"/>
-              <a:t> </a:t>
-            </a:r>
-            <a:r>
-              <a:rPr lang="de-DE" dirty="0" err="1"/>
-              <a:t>heavily</a:t>
-            </a:r>
-            <a:r>
-              <a:rPr lang="de-DE" dirty="0"/>
-              <a:t> </a:t>
-            </a:r>
-            <a:r>
-              <a:rPr lang="de-DE" dirty="0" err="1"/>
-              <a:t>researched</a:t>
-            </a:r>
-            <a:r>
-              <a:rPr lang="de-DE" dirty="0"/>
-              <a:t> </a:t>
-            </a:r>
-            <a:r>
-              <a:rPr lang="de-DE" dirty="0" err="1"/>
-              <a:t>field</a:t>
-            </a:r>
-            <a:endParaRPr lang="de-DE" dirty="0"/>
-          </a:p>
-          <a:p>
-            <a:endParaRPr lang="de-DE" dirty="0"/>
+              <a:rPr lang="en-US" dirty="0"/>
+              <a:t>Speech/Text to Speech/Text learning</a:t>
+            </a:r>
+          </a:p>
+          <a:p>
+            <a:r>
+              <a:rPr lang="en-US" dirty="0"/>
+              <a:t>Speech and text input </a:t>
+            </a:r>
+            <a:r>
+              <a:rPr lang="en-US" dirty="0">
+                <a:solidFill>
+                  <a:srgbClr val="FF0000"/>
+                </a:solidFill>
+              </a:rPr>
+              <a:t>into same representation space</a:t>
+            </a:r>
+          </a:p>
+          <a:p>
+            <a:r>
+              <a:rPr lang="en-US" dirty="0"/>
+              <a:t>Trained with uncorrelated, unlabeled speech and text data</a:t>
+            </a:r>
+          </a:p>
+          <a:p>
+            <a:r>
+              <a:rPr lang="en-US" dirty="0"/>
+              <a:t>Generative approach, seq2seq generation with masked inputs</a:t>
+            </a:r>
+          </a:p>
+          <a:p>
+            <a:r>
+              <a:rPr lang="en-US" dirty="0"/>
+              <a:t>Outperforms single-mode models in ASR</a:t>
+            </a:r>
           </a:p>
         </p:txBody>
       </p:sp>
@@ -5715,7 +9780,7 @@
           <p:cNvPr id="4" name="Datumsplatzhalter 3">
             <a:extLst>
               <a:ext uri="{FF2B5EF4-FFF2-40B4-BE49-F238E27FC236}">
-                <a16:creationId xmlns:a16="http://schemas.microsoft.com/office/drawing/2014/main" id="{D634373F-6B03-7938-9148-0CE7A4B01FEB}"/>
+                <a16:creationId xmlns:a16="http://schemas.microsoft.com/office/drawing/2014/main" id="{43045F5A-5F84-3DAA-D947-9CB10D10294A}"/>
               </a:ext>
             </a:extLst>
           </p:cNvPr>
@@ -5744,7 +9809,7 @@
           <p:cNvPr id="5" name="Fußzeilenplatzhalter 4">
             <a:extLst>
               <a:ext uri="{FF2B5EF4-FFF2-40B4-BE49-F238E27FC236}">
-                <a16:creationId xmlns:a16="http://schemas.microsoft.com/office/drawing/2014/main" id="{034C8994-9B21-3CAF-B2C8-F4005BBEF94E}"/>
+                <a16:creationId xmlns:a16="http://schemas.microsoft.com/office/drawing/2014/main" id="{EDE2E0EC-EE74-FA84-73F1-5E3DE571CEF0}"/>
               </a:ext>
             </a:extLst>
           </p:cNvPr>
@@ -5773,7 +9838,7 @@
           <p:cNvPr id="6" name="Foliennummernplatzhalter 5">
             <a:extLst>
               <a:ext uri="{FF2B5EF4-FFF2-40B4-BE49-F238E27FC236}">
-                <a16:creationId xmlns:a16="http://schemas.microsoft.com/office/drawing/2014/main" id="{AED1C7AE-4D69-C023-148D-6CE0CF086ED4}"/>
+                <a16:creationId xmlns:a16="http://schemas.microsoft.com/office/drawing/2014/main" id="{D78DCF89-03A3-987E-DC00-E02C395B4493}"/>
               </a:ext>
             </a:extLst>
           </p:cNvPr>
@@ -5800,7 +9865,7 @@
     </p:spTree>
     <p:extLst>
       <p:ext uri="{BB962C8B-B14F-4D97-AF65-F5344CB8AC3E}">
-        <p14:creationId xmlns:p14="http://schemas.microsoft.com/office/powerpoint/2010/main" val="3187350724"/>
+        <p14:creationId xmlns:p14="http://schemas.microsoft.com/office/powerpoint/2010/main" val="3395191039"/>
       </p:ext>
     </p:extLst>
   </p:cSld>
@@ -5829,10 +9894,43 @@
       </p:grpSpPr>
       <p:sp>
         <p:nvSpPr>
+          <p:cNvPr id="2" name="Titel 1">
+            <a:extLst>
+              <a:ext uri="{FF2B5EF4-FFF2-40B4-BE49-F238E27FC236}">
+                <a16:creationId xmlns:a16="http://schemas.microsoft.com/office/drawing/2014/main" id="{50D04423-9DD4-F6BA-2DC9-5D0829C9B98C}"/>
+              </a:ext>
+            </a:extLst>
+          </p:cNvPr>
+          <p:cNvSpPr>
+            <a:spLocks noGrp="1"/>
+          </p:cNvSpPr>
+          <p:nvPr>
+            <p:ph type="title"/>
+          </p:nvPr>
+        </p:nvSpPr>
+        <p:spPr/>
+        <p:txBody>
+          <a:bodyPr/>
+          <a:lstStyle/>
+          <a:p>
+            <a:r>
+              <a:rPr lang="en-US" dirty="0"/>
+              <a:t>AV-HuBERT </a:t>
+            </a:r>
+            <a:r>
+              <a:rPr lang="en-US" sz="1600" dirty="0"/>
+              <a:t>(03/22)</a:t>
+            </a:r>
+            <a:endParaRPr lang="en-US" dirty="0"/>
+          </a:p>
+        </p:txBody>
+      </p:sp>
+      <p:sp>
+        <p:nvSpPr>
           <p:cNvPr id="3" name="Inhaltsplatzhalter 2">
             <a:extLst>
               <a:ext uri="{FF2B5EF4-FFF2-40B4-BE49-F238E27FC236}">
-                <a16:creationId xmlns:a16="http://schemas.microsoft.com/office/drawing/2014/main" id="{DA58E8C4-24E6-5730-F68A-FA8C6C5C5E5E}"/>
+                <a16:creationId xmlns:a16="http://schemas.microsoft.com/office/drawing/2014/main" id="{FDD85934-B3B6-E0EF-C5FA-FDB5E52BA311}"/>
               </a:ext>
             </a:extLst>
           </p:cNvPr>
@@ -5843,163 +9941,33 @@
             <p:ph idx="1"/>
           </p:nvPr>
         </p:nvSpPr>
-        <p:spPr>
-          <a:xfrm>
-            <a:off x="838200" y="589547"/>
-            <a:ext cx="10515600" cy="5587416"/>
-          </a:xfrm>
-        </p:spPr>
-        <p:txBody>
-          <a:bodyPr/>
-          <a:lstStyle/>
-          <a:p>
-            <a:pPr marL="0" indent="0">
-              <a:buNone/>
-            </a:pPr>
-            <a:r>
-              <a:rPr lang="en-US" sz="2800" dirty="0">
-                <a:solidFill>
-                  <a:schemeClr val="bg2">
-                    <a:lumMod val="50000"/>
-                  </a:schemeClr>
-                </a:solidFill>
-                <a:effectLst/>
-              </a:rPr>
-              <a:t>Sources</a:t>
-            </a:r>
-          </a:p>
-          <a:p>
-            <a:pPr marL="0" indent="0">
-              <a:buNone/>
-            </a:pPr>
-            <a:r>
-              <a:rPr lang="en-US" sz="2800" dirty="0">
-                <a:solidFill>
-                  <a:schemeClr val="bg2">
-                    <a:lumMod val="50000"/>
-                  </a:schemeClr>
-                </a:solidFill>
-                <a:effectLst/>
-              </a:rPr>
-              <a:t>[1] Mohamed, Abdelrahman, et al. "Self-supervised speech representation learning: A review." IEEE Journal of Selected Topics in Signal Processing (2022).</a:t>
-            </a:r>
-          </a:p>
-          <a:p>
-            <a:pPr marL="0" indent="0">
-              <a:buNone/>
-            </a:pPr>
-            <a:r>
-              <a:rPr lang="en-US" sz="2800" dirty="0">
-                <a:solidFill>
-                  <a:schemeClr val="bg2">
-                    <a:lumMod val="50000"/>
-                  </a:schemeClr>
-                </a:solidFill>
-                <a:effectLst/>
-              </a:rPr>
-              <a:t>[2] Ao, </a:t>
-            </a:r>
-            <a:r>
-              <a:rPr lang="en-US" sz="2800" dirty="0" err="1">
-                <a:solidFill>
-                  <a:schemeClr val="bg2">
-                    <a:lumMod val="50000"/>
-                  </a:schemeClr>
-                </a:solidFill>
-                <a:effectLst/>
-              </a:rPr>
-              <a:t>Junyi</a:t>
-            </a:r>
-            <a:r>
-              <a:rPr lang="en-US" sz="2800" dirty="0">
-                <a:solidFill>
-                  <a:schemeClr val="bg2">
-                    <a:lumMod val="50000"/>
-                  </a:schemeClr>
-                </a:solidFill>
-                <a:effectLst/>
-              </a:rPr>
-              <a:t>, et al. "Speecht5: Unified-modal encoder-decoder pre-training for spoken language processing." ACL (2022).</a:t>
-            </a:r>
-          </a:p>
-          <a:p>
-            <a:pPr marL="0" indent="0">
-              <a:buNone/>
-            </a:pPr>
-            <a:r>
-              <a:rPr lang="en-US" sz="2800" dirty="0">
-                <a:solidFill>
-                  <a:schemeClr val="bg2">
-                    <a:lumMod val="50000"/>
-                  </a:schemeClr>
-                </a:solidFill>
-                <a:effectLst/>
-              </a:rPr>
-              <a:t>[3] Zhu, </a:t>
-            </a:r>
-            <a:r>
-              <a:rPr lang="en-US" sz="2800" dirty="0" err="1">
-                <a:solidFill>
-                  <a:schemeClr val="bg2">
-                    <a:lumMod val="50000"/>
-                  </a:schemeClr>
-                </a:solidFill>
-                <a:effectLst/>
-              </a:rPr>
-              <a:t>Qiushi</a:t>
-            </a:r>
-            <a:r>
-              <a:rPr lang="en-US" sz="2800" dirty="0">
-                <a:solidFill>
-                  <a:schemeClr val="bg2">
-                    <a:lumMod val="50000"/>
-                  </a:schemeClr>
-                </a:solidFill>
-                <a:effectLst/>
-              </a:rPr>
-              <a:t>, et al. "</a:t>
-            </a:r>
-            <a:r>
-              <a:rPr lang="en-US" sz="2800" dirty="0" err="1">
-                <a:solidFill>
-                  <a:schemeClr val="bg2">
-                    <a:lumMod val="50000"/>
-                  </a:schemeClr>
-                </a:solidFill>
-                <a:effectLst/>
-              </a:rPr>
-              <a:t>Vatlm</a:t>
-            </a:r>
-            <a:r>
-              <a:rPr lang="en-US" sz="2800" dirty="0">
-                <a:solidFill>
-                  <a:schemeClr val="bg2">
-                    <a:lumMod val="50000"/>
-                  </a:schemeClr>
-                </a:solidFill>
-                <a:effectLst/>
-              </a:rPr>
-              <a:t>: Visual-audio-text pre-training with unified masked prediction for speech representation learning." IEEE Transactions on Multimedia (2023).</a:t>
-            </a:r>
-          </a:p>
-          <a:p>
-            <a:pPr marL="0" indent="0">
-              <a:buNone/>
-            </a:pPr>
-            <a:r>
-              <a:rPr lang="en-US" sz="2800" dirty="0">
-                <a:solidFill>
-                  <a:schemeClr val="bg2">
-                    <a:lumMod val="50000"/>
-                  </a:schemeClr>
-                </a:solidFill>
-                <a:effectLst/>
-              </a:rPr>
-              <a:t>[4] Shi, Bowen, et al. "Learning audio-visual speech representation by masked multimodal cluster prediction." ICLR (2022).</a:t>
-            </a:r>
-          </a:p>
-          <a:p>
-            <a:endParaRPr lang="de-DE" dirty="0"/>
+        <p:spPr/>
+        <p:txBody>
+          <a:bodyPr/>
+          <a:lstStyle/>
+          <a:p>
+            <a:r>
+              <a:rPr lang="en-US" dirty="0"/>
+              <a:t>Based on HuBERT (2106.07447)</a:t>
+            </a:r>
+          </a:p>
+          <a:p>
+            <a:r>
+              <a:rPr lang="en-US" dirty="0"/>
+              <a:t>Audio and Visual channels</a:t>
+            </a:r>
+          </a:p>
+          <a:p>
+            <a:r>
+              <a:rPr lang="en-US" dirty="0"/>
+              <a:t>Learning paradigm</a:t>
+            </a:r>
+          </a:p>
+          <a:p>
+            <a:endParaRPr lang="en-US" dirty="0"/>
+          </a:p>
+          <a:p>
+            <a:endParaRPr lang="en-US" dirty="0"/>
           </a:p>
         </p:txBody>
       </p:sp>
@@ -6008,7 +9976,7 @@
           <p:cNvPr id="4" name="Datumsplatzhalter 3">
             <a:extLst>
               <a:ext uri="{FF2B5EF4-FFF2-40B4-BE49-F238E27FC236}">
-                <a16:creationId xmlns:a16="http://schemas.microsoft.com/office/drawing/2014/main" id="{FDB16A7C-3447-5A3F-AA02-DBF9A1E8C433}"/>
+                <a16:creationId xmlns:a16="http://schemas.microsoft.com/office/drawing/2014/main" id="{0EFF3519-5645-AC9C-2AC3-70C6A68E499D}"/>
               </a:ext>
             </a:extLst>
           </p:cNvPr>
@@ -6037,7 +10005,7 @@
           <p:cNvPr id="5" name="Fußzeilenplatzhalter 4">
             <a:extLst>
               <a:ext uri="{FF2B5EF4-FFF2-40B4-BE49-F238E27FC236}">
-                <a16:creationId xmlns:a16="http://schemas.microsoft.com/office/drawing/2014/main" id="{1BFF79C0-74D4-F6A9-2568-FE07B3251238}"/>
+                <a16:creationId xmlns:a16="http://schemas.microsoft.com/office/drawing/2014/main" id="{BF312A83-83AC-9C68-95FC-E7A6D59D3BB4}"/>
               </a:ext>
             </a:extLst>
           </p:cNvPr>
@@ -6066,7 +10034,7 @@
           <p:cNvPr id="6" name="Foliennummernplatzhalter 5">
             <a:extLst>
               <a:ext uri="{FF2B5EF4-FFF2-40B4-BE49-F238E27FC236}">
-                <a16:creationId xmlns:a16="http://schemas.microsoft.com/office/drawing/2014/main" id="{3CBB0A13-9FAD-E04F-A40F-6ACB1B46602C}"/>
+                <a16:creationId xmlns:a16="http://schemas.microsoft.com/office/drawing/2014/main" id="{E525FE09-F039-617D-9C2B-891727A4B0B4}"/>
               </a:ext>
             </a:extLst>
           </p:cNvPr>
@@ -6093,7 +10061,7 @@
     </p:spTree>
     <p:extLst>
       <p:ext uri="{BB962C8B-B14F-4D97-AF65-F5344CB8AC3E}">
-        <p14:creationId xmlns:p14="http://schemas.microsoft.com/office/powerpoint/2010/main" val="4083435871"/>
+        <p14:creationId xmlns:p14="http://schemas.microsoft.com/office/powerpoint/2010/main" val="2506345323"/>
       </p:ext>
     </p:extLst>
   </p:cSld>
@@ -6146,40 +10114,57 @@
               <a:t>Speech </a:t>
             </a:r>
             <a:r>
+              <a:rPr lang="en-US" dirty="0"/>
+              <a:t>Representation</a:t>
+            </a:r>
+            <a:r>
+              <a:rPr lang="de-DE" dirty="0"/>
+              <a:t> Learning</a:t>
+            </a:r>
+          </a:p>
+        </p:txBody>
+      </p:sp>
+      <p:sp>
+        <p:nvSpPr>
+          <p:cNvPr id="3" name="Inhaltsplatzhalter 2">
+            <a:extLst>
+              <a:ext uri="{FF2B5EF4-FFF2-40B4-BE49-F238E27FC236}">
+                <a16:creationId xmlns:a16="http://schemas.microsoft.com/office/drawing/2014/main" id="{7B8DD975-D06A-5BA7-8A63-42D9CA0E9D20}"/>
+              </a:ext>
+            </a:extLst>
+          </p:cNvPr>
+          <p:cNvSpPr>
+            <a:spLocks noGrp="1"/>
+          </p:cNvSpPr>
+          <p:nvPr>
+            <p:ph idx="1"/>
+          </p:nvPr>
+        </p:nvSpPr>
+        <p:spPr>
+          <a:xfrm>
+            <a:off x="838200" y="1825625"/>
+            <a:ext cx="6974072" cy="4351338"/>
+          </a:xfrm>
+        </p:spPr>
+        <p:txBody>
+          <a:bodyPr/>
+          <a:lstStyle/>
+          <a:p>
+            <a:r>
+              <a:rPr lang="de-DE" dirty="0"/>
+              <a:t>Building a </a:t>
+            </a:r>
+            <a:r>
               <a:rPr lang="de-DE" dirty="0" err="1"/>
-              <a:t>Representation</a:t>
-            </a:r>
-            <a:r>
-              <a:rPr lang="de-DE" dirty="0"/>
-              <a:t> Learning</a:t>
-            </a:r>
-          </a:p>
-        </p:txBody>
-      </p:sp>
-      <p:sp>
-        <p:nvSpPr>
-          <p:cNvPr id="3" name="Inhaltsplatzhalter 2">
-            <a:extLst>
-              <a:ext uri="{FF2B5EF4-FFF2-40B4-BE49-F238E27FC236}">
-                <a16:creationId xmlns:a16="http://schemas.microsoft.com/office/drawing/2014/main" id="{7B8DD975-D06A-5BA7-8A63-42D9CA0E9D20}"/>
-              </a:ext>
-            </a:extLst>
-          </p:cNvPr>
-          <p:cNvSpPr>
-            <a:spLocks noGrp="1"/>
-          </p:cNvSpPr>
-          <p:nvPr>
-            <p:ph idx="1"/>
-          </p:nvPr>
-        </p:nvSpPr>
-        <p:spPr/>
-        <p:txBody>
-          <a:bodyPr/>
-          <a:lstStyle/>
-          <a:p>
+              <a:t>single</a:t>
+            </a:r>
+            <a:r>
+              <a:rPr lang="de-DE" dirty="0"/>
+              <a:t> </a:t>
+            </a:r>
             <a:r>
               <a:rPr lang="de-DE" dirty="0" err="1"/>
-              <a:t>What</a:t>
+              <a:t>model</a:t>
             </a:r>
             <a:r>
               <a:rPr lang="de-DE" dirty="0"/>
@@ -6187,7 +10172,7 @@
             </a:r>
             <a:r>
               <a:rPr lang="de-DE" dirty="0" err="1"/>
-              <a:t>is</a:t>
+              <a:t>for</a:t>
             </a:r>
             <a:r>
               <a:rPr lang="de-DE" dirty="0"/>
@@ -6195,22 +10180,30 @@
             </a:r>
             <a:r>
               <a:rPr lang="de-DE" dirty="0" err="1"/>
-              <a:t>it</a:t>
-            </a:r>
-            <a:endParaRPr lang="de-DE" dirty="0"/>
-          </a:p>
-          <a:p>
+              <a:t>various</a:t>
+            </a:r>
+            <a:r>
+              <a:rPr lang="de-DE" dirty="0"/>
+              <a:t> </a:t>
+            </a:r>
             <a:r>
               <a:rPr lang="de-DE" dirty="0" err="1"/>
-              <a:t>Why</a:t>
-            </a:r>
-            <a:r>
-              <a:rPr lang="de-DE" dirty="0"/>
-              <a:t> do </a:t>
+              <a:t>downstream</a:t>
+            </a:r>
+            <a:r>
+              <a:rPr lang="de-DE" dirty="0"/>
+              <a:t> </a:t>
             </a:r>
             <a:r>
               <a:rPr lang="de-DE" dirty="0" err="1"/>
-              <a:t>we</a:t>
+              <a:t>tasks</a:t>
+            </a:r>
+            <a:endParaRPr lang="de-DE" dirty="0"/>
+          </a:p>
+          <a:p>
+            <a:r>
+              <a:rPr lang="de-DE" dirty="0" err="1"/>
+              <a:t>Related</a:t>
             </a:r>
             <a:r>
               <a:rPr lang="de-DE" dirty="0"/>
@@ -6218,7 +10211,7 @@
             </a:r>
             <a:r>
               <a:rPr lang="de-DE" dirty="0" err="1"/>
-              <a:t>need</a:t>
+              <a:t>to</a:t>
             </a:r>
             <a:r>
               <a:rPr lang="de-DE" dirty="0"/>
@@ -6226,13 +10219,21 @@
             </a:r>
             <a:r>
               <a:rPr lang="de-DE" dirty="0" err="1"/>
-              <a:t>it</a:t>
-            </a:r>
-            <a:endParaRPr lang="de-DE" dirty="0"/>
-          </a:p>
-          <a:p>
+              <a:t>Acoustic</a:t>
+            </a:r>
+            <a:r>
+              <a:rPr lang="de-DE" dirty="0"/>
+              <a:t> Word </a:t>
+            </a:r>
             <a:r>
               <a:rPr lang="de-DE" dirty="0" err="1"/>
+              <a:t>Embeddings</a:t>
+            </a:r>
+            <a:endParaRPr lang="de-DE" dirty="0"/>
+          </a:p>
+          <a:p>
+            <a:r>
+              <a:rPr lang="en-GB" dirty="0"/>
               <a:t>Process</a:t>
             </a:r>
             <a:r>
@@ -6240,7 +10241,7 @@
               <a:t> of </a:t>
             </a:r>
             <a:r>
-              <a:rPr lang="de-DE" dirty="0" err="1"/>
+              <a:rPr lang="en-GB" dirty="0"/>
               <a:t>learning</a:t>
             </a:r>
             <a:r>
@@ -6248,7 +10249,7 @@
               <a:t> </a:t>
             </a:r>
             <a:r>
-              <a:rPr lang="de-DE" dirty="0" err="1"/>
+              <a:rPr lang="en-GB" dirty="0"/>
               <a:t>speech</a:t>
             </a:r>
             <a:r>
@@ -6256,10 +10257,23 @@
               <a:t> </a:t>
             </a:r>
             <a:r>
-              <a:rPr lang="de-DE" dirty="0" err="1"/>
+              <a:rPr lang="en-GB" dirty="0"/>
               <a:t>representations</a:t>
             </a:r>
-            <a:endParaRPr lang="de-DE" dirty="0"/>
+          </a:p>
+          <a:p>
+            <a:pPr lvl="1"/>
+            <a:r>
+              <a:rPr lang="en-GB" dirty="0"/>
+              <a:t>Learn upstream model</a:t>
+            </a:r>
+          </a:p>
+          <a:p>
+            <a:pPr lvl="1"/>
+            <a:r>
+              <a:rPr lang="en-GB" dirty="0"/>
+              <a:t>Finetune to downstream task</a:t>
+            </a:r>
           </a:p>
         </p:txBody>
       </p:sp>
@@ -6285,10 +10299,9 @@
           <a:lstStyle/>
           <a:p>
             <a:r>
-              <a:rPr lang="de-DE"/>
+              <a:rPr lang="de-DE" dirty="0"/>
               <a:t>05.12.2023</a:t>
             </a:r>
-            <a:endParaRPr lang="de-DE" dirty="0"/>
           </a:p>
         </p:txBody>
       </p:sp>
@@ -6314,7 +10327,7 @@
           <a:lstStyle/>
           <a:p>
             <a:r>
-              <a:rPr lang="en-US"/>
+              <a:rPr lang="en-US" dirty="0"/>
               <a:t>Multi-modal Speech Representation Learning</a:t>
             </a:r>
             <a:endParaRPr lang="de-DE" dirty="0"/>
@@ -6350,6 +10363,97 @@
           </a:p>
         </p:txBody>
       </p:sp>
+      <p:grpSp>
+        <p:nvGrpSpPr>
+          <p:cNvPr id="14" name="Gruppieren 13">
+            <a:extLst>
+              <a:ext uri="{FF2B5EF4-FFF2-40B4-BE49-F238E27FC236}">
+                <a16:creationId xmlns:a16="http://schemas.microsoft.com/office/drawing/2014/main" id="{8AAD1C72-F8F0-0856-C4D4-6B37313C8296}"/>
+              </a:ext>
+            </a:extLst>
+          </p:cNvPr>
+          <p:cNvGrpSpPr/>
+          <p:nvPr/>
+        </p:nvGrpSpPr>
+        <p:grpSpPr>
+          <a:xfrm>
+            <a:off x="7812272" y="2909916"/>
+            <a:ext cx="3740655" cy="2182755"/>
+            <a:chOff x="7859450" y="2337622"/>
+            <a:chExt cx="3740655" cy="2182755"/>
+          </a:xfrm>
+        </p:grpSpPr>
+        <p:pic>
+          <p:nvPicPr>
+            <p:cNvPr id="12" name="Grafik 11" descr="Ein Bild, das Text, Screenshot, Diagramm, Schrift enthält.&#10;&#10;Automatisch generierte Beschreibung">
+              <a:extLst>
+                <a:ext uri="{FF2B5EF4-FFF2-40B4-BE49-F238E27FC236}">
+                  <a16:creationId xmlns:a16="http://schemas.microsoft.com/office/drawing/2014/main" id="{B4DF9B17-49B9-6C1A-F0F8-47CEBA97862D}"/>
+                </a:ext>
+              </a:extLst>
+            </p:cNvPr>
+            <p:cNvPicPr>
+              <a:picLocks noChangeAspect="1"/>
+            </p:cNvPicPr>
+            <p:nvPr/>
+          </p:nvPicPr>
+          <p:blipFill rotWithShape="1">
+            <a:blip r:embed="rId3">
+              <a:extLst>
+                <a:ext uri="{28A0092B-C50C-407E-A947-70E740481C1C}">
+                  <a14:useLocalDpi xmlns:a14="http://schemas.microsoft.com/office/drawing/2010/main" val="0"/>
+                </a:ext>
+              </a:extLst>
+            </a:blip>
+            <a:srcRect t="9551"/>
+            <a:stretch/>
+          </p:blipFill>
+          <p:spPr>
+            <a:xfrm>
+              <a:off x="7859450" y="2337622"/>
+              <a:ext cx="3740655" cy="2182755"/>
+            </a:xfrm>
+            <a:prstGeom prst="rect">
+              <a:avLst/>
+            </a:prstGeom>
+          </p:spPr>
+        </p:pic>
+        <p:sp>
+          <p:nvSpPr>
+            <p:cNvPr id="8" name="Textfeld 7">
+              <a:extLst>
+                <a:ext uri="{FF2B5EF4-FFF2-40B4-BE49-F238E27FC236}">
+                  <a16:creationId xmlns:a16="http://schemas.microsoft.com/office/drawing/2014/main" id="{46250D27-1317-FD7B-3C52-B3095D7BFF90}"/>
+                </a:ext>
+              </a:extLst>
+            </p:cNvPr>
+            <p:cNvSpPr txBox="1"/>
+            <p:nvPr/>
+          </p:nvSpPr>
+          <p:spPr>
+            <a:xfrm>
+              <a:off x="11107494" y="4151045"/>
+              <a:ext cx="492611" cy="369332"/>
+            </a:xfrm>
+            <a:prstGeom prst="rect">
+              <a:avLst/>
+            </a:prstGeom>
+            <a:noFill/>
+          </p:spPr>
+          <p:txBody>
+            <a:bodyPr wrap="square">
+              <a:spAutoFit/>
+            </a:bodyPr>
+            <a:lstStyle/>
+            <a:p>
+              <a:r>
+                <a:rPr lang="en-GB" dirty="0"/>
+                <a:t>[1]</a:t>
+              </a:r>
+            </a:p>
+          </p:txBody>
+        </p:sp>
+      </p:grpSp>
     </p:spTree>
     <p:extLst>
       <p:ext uri="{BB962C8B-B14F-4D97-AF65-F5344CB8AC3E}">
@@ -6385,7 +10489,7 @@
           <p:cNvPr id="2" name="Titel 1">
             <a:extLst>
               <a:ext uri="{FF2B5EF4-FFF2-40B4-BE49-F238E27FC236}">
-                <a16:creationId xmlns:a16="http://schemas.microsoft.com/office/drawing/2014/main" id="{30A58369-3EB6-8A8B-ED49-DEFC19AC20F8}"/>
+                <a16:creationId xmlns:a16="http://schemas.microsoft.com/office/drawing/2014/main" id="{50D04423-9DD4-F6BA-2DC9-5D0829C9B98C}"/>
               </a:ext>
             </a:extLst>
           </p:cNvPr>
@@ -6396,23 +10500,14 @@
             <p:ph type="title"/>
           </p:nvPr>
         </p:nvSpPr>
-        <p:spPr>
-          <a:xfrm>
-            <a:off x="838200" y="358775"/>
-            <a:ext cx="10515600" cy="1325563"/>
-          </a:xfrm>
-        </p:spPr>
-        <p:txBody>
-          <a:bodyPr/>
-          <a:lstStyle/>
-          <a:p>
-            <a:r>
-              <a:rPr lang="de-DE" dirty="0" err="1"/>
-              <a:t>From</a:t>
-            </a:r>
-            <a:r>
-              <a:rPr lang="de-DE" dirty="0"/>
-              <a:t> ILIAS</a:t>
+        <p:spPr/>
+        <p:txBody>
+          <a:bodyPr/>
+          <a:lstStyle/>
+          <a:p>
+            <a:r>
+              <a:rPr lang="en-US" dirty="0"/>
+              <a:t>AV-HuBERT</a:t>
             </a:r>
           </a:p>
         </p:txBody>
@@ -6422,7 +10517,7 @@
           <p:cNvPr id="3" name="Inhaltsplatzhalter 2">
             <a:extLst>
               <a:ext uri="{FF2B5EF4-FFF2-40B4-BE49-F238E27FC236}">
-                <a16:creationId xmlns:a16="http://schemas.microsoft.com/office/drawing/2014/main" id="{35A851A9-AF82-3EFF-8766-2B38DEE71237}"/>
+                <a16:creationId xmlns:a16="http://schemas.microsoft.com/office/drawing/2014/main" id="{FDD85934-B3B6-E0EF-C5FA-FDB5E52BA311}"/>
               </a:ext>
             </a:extLst>
           </p:cNvPr>
@@ -6435,260 +10530,22 @@
         </p:nvSpPr>
         <p:spPr/>
         <p:txBody>
-          <a:bodyPr>
-            <a:normAutofit/>
-          </a:bodyPr>
-          <a:lstStyle/>
-          <a:p>
-            <a:r>
-              <a:rPr lang="en-US" sz="1800" dirty="0">
-                <a:effectLst/>
-                <a:latin typeface="Arial" panose="020B0604020202020204" pitchFamily="34" charset="0"/>
-                <a:cs typeface="Arial" panose="020B0604020202020204" pitchFamily="34" charset="0"/>
-              </a:rPr>
-              <a:t>Self-supervised speech representation learning provides universal models which can used for</a:t>
-            </a:r>
-            <a:br>
-              <a:rPr lang="en-US" sz="1800" dirty="0">
-                <a:effectLst/>
-                <a:latin typeface="Arial" panose="020B0604020202020204" pitchFamily="34" charset="0"/>
-                <a:cs typeface="Arial" panose="020B0604020202020204" pitchFamily="34" charset="0"/>
-              </a:rPr>
-            </a:br>
-            <a:r>
-              <a:rPr lang="en-US" sz="1800" dirty="0">
-                <a:effectLst/>
-                <a:latin typeface="Arial" panose="020B0604020202020204" pitchFamily="34" charset="0"/>
-                <a:cs typeface="Arial" panose="020B0604020202020204" pitchFamily="34" charset="0"/>
-              </a:rPr>
-              <a:t>downstream speech tasks.</a:t>
-            </a:r>
-            <a:endParaRPr lang="en-US" sz="1800" dirty="0">
-              <a:latin typeface="Arial" panose="020B0604020202020204" pitchFamily="34" charset="0"/>
-              <a:cs typeface="Arial" panose="020B0604020202020204" pitchFamily="34" charset="0"/>
-            </a:endParaRPr>
-          </a:p>
-          <a:p>
-            <a:r>
-              <a:rPr lang="en-US" sz="1800" dirty="0">
-                <a:effectLst/>
-                <a:latin typeface="Arial" panose="020B0604020202020204" pitchFamily="34" charset="0"/>
-                <a:cs typeface="Arial" panose="020B0604020202020204" pitchFamily="34" charset="0"/>
-              </a:rPr>
-              <a:t>Using multi-modal data for training such models enables to get better representations and</a:t>
-            </a:r>
-            <a:br>
-              <a:rPr lang="en-US" sz="1800" dirty="0">
-                <a:effectLst/>
-                <a:latin typeface="Arial" panose="020B0604020202020204" pitchFamily="34" charset="0"/>
-                <a:cs typeface="Arial" panose="020B0604020202020204" pitchFamily="34" charset="0"/>
-              </a:rPr>
-            </a:br>
-            <a:r>
-              <a:rPr lang="en-US" sz="1800" dirty="0">
-                <a:effectLst/>
-                <a:latin typeface="Arial" panose="020B0604020202020204" pitchFamily="34" charset="0"/>
-                <a:cs typeface="Arial" panose="020B0604020202020204" pitchFamily="34" charset="0"/>
-              </a:rPr>
-              <a:t>expands the use cases.</a:t>
-            </a:r>
-          </a:p>
-          <a:p>
-            <a:pPr marL="0" indent="0">
-              <a:buNone/>
-            </a:pPr>
-            <a:endParaRPr lang="en-US" sz="1800" dirty="0">
-              <a:latin typeface="Arial" panose="020B0604020202020204" pitchFamily="34" charset="0"/>
-              <a:cs typeface="Arial" panose="020B0604020202020204" pitchFamily="34" charset="0"/>
-            </a:endParaRPr>
-          </a:p>
-          <a:p>
-            <a:pPr marL="0" indent="0">
-              <a:buNone/>
-            </a:pPr>
-            <a:endParaRPr lang="en-US" sz="1800" dirty="0">
-              <a:effectLst/>
-              <a:latin typeface="Arial" panose="020B0604020202020204" pitchFamily="34" charset="0"/>
-              <a:cs typeface="Arial" panose="020B0604020202020204" pitchFamily="34" charset="0"/>
-            </a:endParaRPr>
-          </a:p>
-          <a:p>
-            <a:pPr marL="0" indent="0">
-              <a:buNone/>
-            </a:pPr>
-            <a:endParaRPr lang="en-US" sz="1800" dirty="0">
-              <a:latin typeface="Arial" panose="020B0604020202020204" pitchFamily="34" charset="0"/>
-              <a:cs typeface="Arial" panose="020B0604020202020204" pitchFamily="34" charset="0"/>
-            </a:endParaRPr>
-          </a:p>
-          <a:p>
-            <a:pPr marL="0" indent="0">
-              <a:buNone/>
-            </a:pPr>
-            <a:endParaRPr lang="en-US" sz="1800" dirty="0">
-              <a:effectLst/>
-              <a:latin typeface="Arial" panose="020B0604020202020204" pitchFamily="34" charset="0"/>
-              <a:cs typeface="Arial" panose="020B0604020202020204" pitchFamily="34" charset="0"/>
-            </a:endParaRPr>
-          </a:p>
-          <a:p>
-            <a:pPr marL="0" indent="0">
-              <a:buNone/>
-            </a:pPr>
-            <a:endParaRPr lang="en-US" sz="1800" dirty="0">
-              <a:effectLst/>
-              <a:latin typeface="Arial" panose="020B0604020202020204" pitchFamily="34" charset="0"/>
-              <a:cs typeface="Arial" panose="020B0604020202020204" pitchFamily="34" charset="0"/>
-            </a:endParaRPr>
-          </a:p>
-          <a:p>
-            <a:pPr marL="0" indent="0">
-              <a:buNone/>
-            </a:pPr>
-            <a:r>
-              <a:rPr lang="en-US" sz="800" dirty="0">
-                <a:solidFill>
-                  <a:schemeClr val="bg2">
-                    <a:lumMod val="50000"/>
-                  </a:schemeClr>
-                </a:solidFill>
-                <a:effectLst/>
-              </a:rPr>
-              <a:t>Literature</a:t>
-            </a:r>
-          </a:p>
-          <a:p>
-            <a:pPr marL="0" indent="0">
-              <a:buNone/>
-            </a:pPr>
-            <a:r>
-              <a:rPr lang="en-US" sz="800" dirty="0">
-                <a:solidFill>
-                  <a:schemeClr val="bg2">
-                    <a:lumMod val="50000"/>
-                  </a:schemeClr>
-                </a:solidFill>
-                <a:effectLst/>
-              </a:rPr>
-              <a:t>• [1] Mohamed, Abdelrahman, et al. "Self-supervised speech representation learning: A review." IEEE Journal of Selected Topics in Signal Processing (2022).</a:t>
-            </a:r>
-          </a:p>
-          <a:p>
-            <a:pPr marL="0" indent="0">
-              <a:buNone/>
-            </a:pPr>
-            <a:r>
-              <a:rPr lang="en-US" sz="800" dirty="0">
-                <a:solidFill>
-                  <a:schemeClr val="bg2">
-                    <a:lumMod val="50000"/>
-                  </a:schemeClr>
-                </a:solidFill>
-                <a:effectLst/>
-              </a:rPr>
-              <a:t>• [2] Ao, </a:t>
-            </a:r>
-            <a:r>
-              <a:rPr lang="en-US" sz="800" dirty="0" err="1">
-                <a:solidFill>
-                  <a:schemeClr val="bg2">
-                    <a:lumMod val="50000"/>
-                  </a:schemeClr>
-                </a:solidFill>
-                <a:effectLst/>
-              </a:rPr>
-              <a:t>Junyi</a:t>
-            </a:r>
-            <a:r>
-              <a:rPr lang="en-US" sz="800" dirty="0">
-                <a:solidFill>
-                  <a:schemeClr val="bg2">
-                    <a:lumMod val="50000"/>
-                  </a:schemeClr>
-                </a:solidFill>
-                <a:effectLst/>
-              </a:rPr>
-              <a:t>, et al. "Speecht5: Unified-modal encoder-decoder pre-training for spoken language processing." ACL (2022).</a:t>
-            </a:r>
-          </a:p>
-          <a:p>
-            <a:pPr marL="0" indent="0">
-              <a:buNone/>
-            </a:pPr>
-            <a:r>
-              <a:rPr lang="en-US" sz="800" dirty="0">
-                <a:solidFill>
-                  <a:schemeClr val="bg2">
-                    <a:lumMod val="50000"/>
-                  </a:schemeClr>
-                </a:solidFill>
-                <a:effectLst/>
-              </a:rPr>
-              <a:t>• [3] Zhu, </a:t>
-            </a:r>
-            <a:r>
-              <a:rPr lang="en-US" sz="800" dirty="0" err="1">
-                <a:solidFill>
-                  <a:schemeClr val="bg2">
-                    <a:lumMod val="50000"/>
-                  </a:schemeClr>
-                </a:solidFill>
-                <a:effectLst/>
-              </a:rPr>
-              <a:t>Qiushi</a:t>
-            </a:r>
-            <a:r>
-              <a:rPr lang="en-US" sz="800" dirty="0">
-                <a:solidFill>
-                  <a:schemeClr val="bg2">
-                    <a:lumMod val="50000"/>
-                  </a:schemeClr>
-                </a:solidFill>
-                <a:effectLst/>
-              </a:rPr>
-              <a:t>, et al. "</a:t>
-            </a:r>
-            <a:r>
-              <a:rPr lang="en-US" sz="800" dirty="0" err="1">
-                <a:solidFill>
-                  <a:schemeClr val="bg2">
-                    <a:lumMod val="50000"/>
-                  </a:schemeClr>
-                </a:solidFill>
-                <a:effectLst/>
-              </a:rPr>
-              <a:t>Vatlm</a:t>
-            </a:r>
-            <a:r>
-              <a:rPr lang="en-US" sz="800" dirty="0">
-                <a:solidFill>
-                  <a:schemeClr val="bg2">
-                    <a:lumMod val="50000"/>
-                  </a:schemeClr>
-                </a:solidFill>
-                <a:effectLst/>
-              </a:rPr>
-              <a:t>: Visual-audio-text pre-training with unified masked prediction for speech representation learning." IEEE Transactions on Multimedia (2023).</a:t>
-            </a:r>
-          </a:p>
-          <a:p>
-            <a:pPr marL="0" indent="0">
-              <a:buNone/>
-            </a:pPr>
-            <a:r>
-              <a:rPr lang="en-US" sz="800" dirty="0">
-                <a:solidFill>
-                  <a:schemeClr val="bg2">
-                    <a:lumMod val="50000"/>
-                  </a:schemeClr>
-                </a:solidFill>
-                <a:effectLst/>
-              </a:rPr>
-              <a:t>• [4] Shi, Bowen, et al. "Learning audio-visual speech representation by masked multimodal cluster prediction." ICLR (2022).</a:t>
-            </a:r>
-          </a:p>
-          <a:p>
-            <a:endParaRPr lang="de-DE" dirty="0"/>
+          <a:bodyPr/>
+          <a:lstStyle/>
+          <a:p>
+            <a:r>
+              <a:rPr lang="en-US" dirty="0"/>
+              <a:t>Scores in ASR/…</a:t>
+            </a:r>
+          </a:p>
+          <a:p>
+            <a:r>
+              <a:rPr lang="en-US" dirty="0"/>
+              <a:t>difference to SpeechT5</a:t>
+            </a:r>
+          </a:p>
+          <a:p>
+            <a:endParaRPr lang="en-US" dirty="0"/>
           </a:p>
         </p:txBody>
       </p:sp>
@@ -6697,7 +10554,7 @@
           <p:cNvPr id="4" name="Datumsplatzhalter 3">
             <a:extLst>
               <a:ext uri="{FF2B5EF4-FFF2-40B4-BE49-F238E27FC236}">
-                <a16:creationId xmlns:a16="http://schemas.microsoft.com/office/drawing/2014/main" id="{EDD15EFB-FF5B-B4CA-55B9-6CC35A8EAF12}"/>
+                <a16:creationId xmlns:a16="http://schemas.microsoft.com/office/drawing/2014/main" id="{0EFF3519-5645-AC9C-2AC3-70C6A68E499D}"/>
               </a:ext>
             </a:extLst>
           </p:cNvPr>
@@ -6726,7 +10583,7 @@
           <p:cNvPr id="5" name="Fußzeilenplatzhalter 4">
             <a:extLst>
               <a:ext uri="{FF2B5EF4-FFF2-40B4-BE49-F238E27FC236}">
-                <a16:creationId xmlns:a16="http://schemas.microsoft.com/office/drawing/2014/main" id="{E7A447EA-958C-B9A2-64C2-FF1D7A366BDC}"/>
+                <a16:creationId xmlns:a16="http://schemas.microsoft.com/office/drawing/2014/main" id="{BF312A83-83AC-9C68-95FC-E7A6D59D3BB4}"/>
               </a:ext>
             </a:extLst>
           </p:cNvPr>
@@ -6755,7 +10612,7 @@
           <p:cNvPr id="6" name="Foliennummernplatzhalter 5">
             <a:extLst>
               <a:ext uri="{FF2B5EF4-FFF2-40B4-BE49-F238E27FC236}">
-                <a16:creationId xmlns:a16="http://schemas.microsoft.com/office/drawing/2014/main" id="{0FA6D437-CFB6-C4C0-C250-EE2D2D7DD2FA}"/>
+                <a16:creationId xmlns:a16="http://schemas.microsoft.com/office/drawing/2014/main" id="{E525FE09-F039-617D-9C2B-891727A4B0B4}"/>
               </a:ext>
             </a:extLst>
           </p:cNvPr>
@@ -6782,7 +10639,7 @@
     </p:spTree>
     <p:extLst>
       <p:ext uri="{BB962C8B-B14F-4D97-AF65-F5344CB8AC3E}">
-        <p14:creationId xmlns:p14="http://schemas.microsoft.com/office/powerpoint/2010/main" val="3496448324"/>
+        <p14:creationId xmlns:p14="http://schemas.microsoft.com/office/powerpoint/2010/main" val="1880602538"/>
       </p:ext>
     </p:extLst>
   </p:cSld>
@@ -6814,6 +10671,1268 @@
           <p:cNvPr id="2" name="Titel 1">
             <a:extLst>
               <a:ext uri="{FF2B5EF4-FFF2-40B4-BE49-F238E27FC236}">
+                <a16:creationId xmlns:a16="http://schemas.microsoft.com/office/drawing/2014/main" id="{358629DF-DE7D-BAA9-F837-194F89F9BC96}"/>
+              </a:ext>
+            </a:extLst>
+          </p:cNvPr>
+          <p:cNvSpPr>
+            <a:spLocks noGrp="1"/>
+          </p:cNvSpPr>
+          <p:nvPr>
+            <p:ph type="title"/>
+          </p:nvPr>
+        </p:nvSpPr>
+        <p:spPr/>
+        <p:txBody>
+          <a:bodyPr/>
+          <a:lstStyle/>
+          <a:p>
+            <a:r>
+              <a:rPr lang="de-DE" dirty="0"/>
+              <a:t>Visual-Audio-Text LM </a:t>
+            </a:r>
+            <a:r>
+              <a:rPr lang="de-DE" sz="1600" dirty="0"/>
+              <a:t>(11/</a:t>
+            </a:r>
+            <a:r>
+              <a:rPr lang="en-GB" sz="1600" dirty="0"/>
+              <a:t>22</a:t>
+            </a:r>
+            <a:r>
+              <a:rPr lang="de-DE" sz="1600" dirty="0"/>
+              <a:t>)</a:t>
+            </a:r>
+            <a:endParaRPr lang="de-DE" dirty="0"/>
+          </a:p>
+        </p:txBody>
+      </p:sp>
+      <p:sp>
+        <p:nvSpPr>
+          <p:cNvPr id="3" name="Inhaltsplatzhalter 2">
+            <a:extLst>
+              <a:ext uri="{FF2B5EF4-FFF2-40B4-BE49-F238E27FC236}">
+                <a16:creationId xmlns:a16="http://schemas.microsoft.com/office/drawing/2014/main" id="{C122DCDD-7E10-B6E4-9A57-42E9DB86B263}"/>
+              </a:ext>
+            </a:extLst>
+          </p:cNvPr>
+          <p:cNvSpPr>
+            <a:spLocks noGrp="1"/>
+          </p:cNvSpPr>
+          <p:nvPr>
+            <p:ph idx="1"/>
+          </p:nvPr>
+        </p:nvSpPr>
+        <p:spPr/>
+        <p:txBody>
+          <a:bodyPr/>
+          <a:lstStyle/>
+          <a:p>
+            <a:r>
+              <a:rPr lang="en-US"/>
+              <a:t>Learning paradigm</a:t>
+            </a:r>
+          </a:p>
+        </p:txBody>
+      </p:sp>
+      <p:sp>
+        <p:nvSpPr>
+          <p:cNvPr id="4" name="Datumsplatzhalter 3">
+            <a:extLst>
+              <a:ext uri="{FF2B5EF4-FFF2-40B4-BE49-F238E27FC236}">
+                <a16:creationId xmlns:a16="http://schemas.microsoft.com/office/drawing/2014/main" id="{AA2DFAA3-D144-50A0-9C58-AB2639736D8E}"/>
+              </a:ext>
+            </a:extLst>
+          </p:cNvPr>
+          <p:cNvSpPr>
+            <a:spLocks noGrp="1"/>
+          </p:cNvSpPr>
+          <p:nvPr>
+            <p:ph type="dt" sz="half" idx="10"/>
+          </p:nvPr>
+        </p:nvSpPr>
+        <p:spPr/>
+        <p:txBody>
+          <a:bodyPr/>
+          <a:lstStyle/>
+          <a:p>
+            <a:r>
+              <a:rPr lang="de-DE"/>
+              <a:t>05.12.2023</a:t>
+            </a:r>
+            <a:endParaRPr lang="de-DE" dirty="0"/>
+          </a:p>
+        </p:txBody>
+      </p:sp>
+      <p:sp>
+        <p:nvSpPr>
+          <p:cNvPr id="5" name="Fußzeilenplatzhalter 4">
+            <a:extLst>
+              <a:ext uri="{FF2B5EF4-FFF2-40B4-BE49-F238E27FC236}">
+                <a16:creationId xmlns:a16="http://schemas.microsoft.com/office/drawing/2014/main" id="{02D8580E-0F61-BDDB-77CC-E4F419C5A7D2}"/>
+              </a:ext>
+            </a:extLst>
+          </p:cNvPr>
+          <p:cNvSpPr>
+            <a:spLocks noGrp="1"/>
+          </p:cNvSpPr>
+          <p:nvPr>
+            <p:ph type="ftr" sz="quarter" idx="11"/>
+          </p:nvPr>
+        </p:nvSpPr>
+        <p:spPr/>
+        <p:txBody>
+          <a:bodyPr/>
+          <a:lstStyle/>
+          <a:p>
+            <a:r>
+              <a:rPr lang="en-US"/>
+              <a:t>Multi-modal Speech Representation Learning</a:t>
+            </a:r>
+            <a:endParaRPr lang="de-DE" dirty="0"/>
+          </a:p>
+        </p:txBody>
+      </p:sp>
+      <p:sp>
+        <p:nvSpPr>
+          <p:cNvPr id="6" name="Foliennummernplatzhalter 5">
+            <a:extLst>
+              <a:ext uri="{FF2B5EF4-FFF2-40B4-BE49-F238E27FC236}">
+                <a16:creationId xmlns:a16="http://schemas.microsoft.com/office/drawing/2014/main" id="{5F851B5D-42CC-F4ED-FF52-3115D318058A}"/>
+              </a:ext>
+            </a:extLst>
+          </p:cNvPr>
+          <p:cNvSpPr>
+            <a:spLocks noGrp="1"/>
+          </p:cNvSpPr>
+          <p:nvPr>
+            <p:ph type="sldNum" sz="quarter" idx="12"/>
+          </p:nvPr>
+        </p:nvSpPr>
+        <p:spPr/>
+        <p:txBody>
+          <a:bodyPr/>
+          <a:lstStyle/>
+          <a:p>
+            <a:fld id="{4589C08E-11F1-4614-AD94-2F79D605AB8D}" type="slidenum">
+              <a:rPr lang="de-DE" smtClean="0"/>
+              <a:t>21</a:t>
+            </a:fld>
+            <a:endParaRPr lang="de-DE" dirty="0"/>
+          </a:p>
+        </p:txBody>
+      </p:sp>
+    </p:spTree>
+    <p:extLst>
+      <p:ext uri="{BB962C8B-B14F-4D97-AF65-F5344CB8AC3E}">
+        <p14:creationId xmlns:p14="http://schemas.microsoft.com/office/powerpoint/2010/main" val="87589397"/>
+      </p:ext>
+    </p:extLst>
+  </p:cSld>
+  <p:clrMapOvr>
+    <a:masterClrMapping/>
+  </p:clrMapOvr>
+</p:sld>
+</file>
+
+<file path=ppt/slides/slide22.xml><?xml version="1.0" encoding="utf-8"?>
+<p:sld xmlns:a="http://schemas.openxmlformats.org/drawingml/2006/main" xmlns:r="http://schemas.openxmlformats.org/officeDocument/2006/relationships" xmlns:p="http://schemas.openxmlformats.org/presentationml/2006/main">
+  <p:cSld>
+    <p:spTree>
+      <p:nvGrpSpPr>
+        <p:cNvPr id="1" name=""/>
+        <p:cNvGrpSpPr/>
+        <p:nvPr/>
+      </p:nvGrpSpPr>
+      <p:grpSpPr>
+        <a:xfrm>
+          <a:off x="0" y="0"/>
+          <a:ext cx="0" cy="0"/>
+          <a:chOff x="0" y="0"/>
+          <a:chExt cx="0" cy="0"/>
+        </a:xfrm>
+      </p:grpSpPr>
+      <p:sp>
+        <p:nvSpPr>
+          <p:cNvPr id="2" name="Titel 1">
+            <a:extLst>
+              <a:ext uri="{FF2B5EF4-FFF2-40B4-BE49-F238E27FC236}">
+                <a16:creationId xmlns:a16="http://schemas.microsoft.com/office/drawing/2014/main" id="{358629DF-DE7D-BAA9-F837-194F89F9BC96}"/>
+              </a:ext>
+            </a:extLst>
+          </p:cNvPr>
+          <p:cNvSpPr>
+            <a:spLocks noGrp="1"/>
+          </p:cNvSpPr>
+          <p:nvPr>
+            <p:ph type="title"/>
+          </p:nvPr>
+        </p:nvSpPr>
+        <p:spPr/>
+        <p:txBody>
+          <a:bodyPr/>
+          <a:lstStyle/>
+          <a:p>
+            <a:r>
+              <a:rPr lang="de-DE" dirty="0"/>
+              <a:t>Visual-Audio-Text LM</a:t>
+            </a:r>
+          </a:p>
+        </p:txBody>
+      </p:sp>
+      <p:sp>
+        <p:nvSpPr>
+          <p:cNvPr id="3" name="Inhaltsplatzhalter 2">
+            <a:extLst>
+              <a:ext uri="{FF2B5EF4-FFF2-40B4-BE49-F238E27FC236}">
+                <a16:creationId xmlns:a16="http://schemas.microsoft.com/office/drawing/2014/main" id="{C122DCDD-7E10-B6E4-9A57-42E9DB86B263}"/>
+              </a:ext>
+            </a:extLst>
+          </p:cNvPr>
+          <p:cNvSpPr>
+            <a:spLocks noGrp="1"/>
+          </p:cNvSpPr>
+          <p:nvPr>
+            <p:ph idx="1"/>
+          </p:nvPr>
+        </p:nvSpPr>
+        <p:spPr/>
+        <p:txBody>
+          <a:bodyPr/>
+          <a:lstStyle/>
+          <a:p>
+            <a:r>
+              <a:rPr lang="en-US"/>
+              <a:t>Results / compare to SpeechT5 and AV-HuBERT</a:t>
+            </a:r>
+          </a:p>
+        </p:txBody>
+      </p:sp>
+      <p:sp>
+        <p:nvSpPr>
+          <p:cNvPr id="4" name="Datumsplatzhalter 3">
+            <a:extLst>
+              <a:ext uri="{FF2B5EF4-FFF2-40B4-BE49-F238E27FC236}">
+                <a16:creationId xmlns:a16="http://schemas.microsoft.com/office/drawing/2014/main" id="{AA2DFAA3-D144-50A0-9C58-AB2639736D8E}"/>
+              </a:ext>
+            </a:extLst>
+          </p:cNvPr>
+          <p:cNvSpPr>
+            <a:spLocks noGrp="1"/>
+          </p:cNvSpPr>
+          <p:nvPr>
+            <p:ph type="dt" sz="half" idx="10"/>
+          </p:nvPr>
+        </p:nvSpPr>
+        <p:spPr/>
+        <p:txBody>
+          <a:bodyPr/>
+          <a:lstStyle/>
+          <a:p>
+            <a:r>
+              <a:rPr lang="de-DE"/>
+              <a:t>05.12.2023</a:t>
+            </a:r>
+            <a:endParaRPr lang="de-DE" dirty="0"/>
+          </a:p>
+        </p:txBody>
+      </p:sp>
+      <p:sp>
+        <p:nvSpPr>
+          <p:cNvPr id="5" name="Fußzeilenplatzhalter 4">
+            <a:extLst>
+              <a:ext uri="{FF2B5EF4-FFF2-40B4-BE49-F238E27FC236}">
+                <a16:creationId xmlns:a16="http://schemas.microsoft.com/office/drawing/2014/main" id="{02D8580E-0F61-BDDB-77CC-E4F419C5A7D2}"/>
+              </a:ext>
+            </a:extLst>
+          </p:cNvPr>
+          <p:cNvSpPr>
+            <a:spLocks noGrp="1"/>
+          </p:cNvSpPr>
+          <p:nvPr>
+            <p:ph type="ftr" sz="quarter" idx="11"/>
+          </p:nvPr>
+        </p:nvSpPr>
+        <p:spPr/>
+        <p:txBody>
+          <a:bodyPr/>
+          <a:lstStyle/>
+          <a:p>
+            <a:r>
+              <a:rPr lang="en-US"/>
+              <a:t>Multi-modal Speech Representation Learning</a:t>
+            </a:r>
+            <a:endParaRPr lang="de-DE" dirty="0"/>
+          </a:p>
+        </p:txBody>
+      </p:sp>
+      <p:sp>
+        <p:nvSpPr>
+          <p:cNvPr id="6" name="Foliennummernplatzhalter 5">
+            <a:extLst>
+              <a:ext uri="{FF2B5EF4-FFF2-40B4-BE49-F238E27FC236}">
+                <a16:creationId xmlns:a16="http://schemas.microsoft.com/office/drawing/2014/main" id="{5F851B5D-42CC-F4ED-FF52-3115D318058A}"/>
+              </a:ext>
+            </a:extLst>
+          </p:cNvPr>
+          <p:cNvSpPr>
+            <a:spLocks noGrp="1"/>
+          </p:cNvSpPr>
+          <p:nvPr>
+            <p:ph type="sldNum" sz="quarter" idx="12"/>
+          </p:nvPr>
+        </p:nvSpPr>
+        <p:spPr/>
+        <p:txBody>
+          <a:bodyPr/>
+          <a:lstStyle/>
+          <a:p>
+            <a:fld id="{4589C08E-11F1-4614-AD94-2F79D605AB8D}" type="slidenum">
+              <a:rPr lang="de-DE" smtClean="0"/>
+              <a:t>22</a:t>
+            </a:fld>
+            <a:endParaRPr lang="de-DE" dirty="0"/>
+          </a:p>
+        </p:txBody>
+      </p:sp>
+    </p:spTree>
+    <p:extLst>
+      <p:ext uri="{BB962C8B-B14F-4D97-AF65-F5344CB8AC3E}">
+        <p14:creationId xmlns:p14="http://schemas.microsoft.com/office/powerpoint/2010/main" val="1781512618"/>
+      </p:ext>
+    </p:extLst>
+  </p:cSld>
+  <p:clrMapOvr>
+    <a:masterClrMapping/>
+  </p:clrMapOvr>
+</p:sld>
+</file>
+
+<file path=ppt/slides/slide23.xml><?xml version="1.0" encoding="utf-8"?>
+<p:sld xmlns:a="http://schemas.openxmlformats.org/drawingml/2006/main" xmlns:r="http://schemas.openxmlformats.org/officeDocument/2006/relationships" xmlns:p="http://schemas.openxmlformats.org/presentationml/2006/main">
+  <p:cSld>
+    <p:spTree>
+      <p:nvGrpSpPr>
+        <p:cNvPr id="1" name=""/>
+        <p:cNvGrpSpPr/>
+        <p:nvPr/>
+      </p:nvGrpSpPr>
+      <p:grpSpPr>
+        <a:xfrm>
+          <a:off x="0" y="0"/>
+          <a:ext cx="0" cy="0"/>
+          <a:chOff x="0" y="0"/>
+          <a:chExt cx="0" cy="0"/>
+        </a:xfrm>
+      </p:grpSpPr>
+      <p:sp>
+        <p:nvSpPr>
+          <p:cNvPr id="2" name="Titel 1">
+            <a:extLst>
+              <a:ext uri="{FF2B5EF4-FFF2-40B4-BE49-F238E27FC236}">
+                <a16:creationId xmlns:a16="http://schemas.microsoft.com/office/drawing/2014/main" id="{A5AA884D-9FF9-ADE1-DD18-42738AA778F6}"/>
+              </a:ext>
+            </a:extLst>
+          </p:cNvPr>
+          <p:cNvSpPr>
+            <a:spLocks noGrp="1"/>
+          </p:cNvSpPr>
+          <p:nvPr>
+            <p:ph type="title"/>
+          </p:nvPr>
+        </p:nvSpPr>
+        <p:spPr/>
+        <p:txBody>
+          <a:bodyPr/>
+          <a:lstStyle/>
+          <a:p>
+            <a:r>
+              <a:rPr lang="de-DE" dirty="0"/>
+              <a:t>Challenges / </a:t>
+            </a:r>
+            <a:r>
+              <a:rPr lang="de-DE" dirty="0" err="1"/>
+              <a:t>Prospects</a:t>
+            </a:r>
+            <a:endParaRPr lang="de-DE" dirty="0"/>
+          </a:p>
+        </p:txBody>
+      </p:sp>
+      <p:sp>
+        <p:nvSpPr>
+          <p:cNvPr id="3" name="Inhaltsplatzhalter 2">
+            <a:extLst>
+              <a:ext uri="{FF2B5EF4-FFF2-40B4-BE49-F238E27FC236}">
+                <a16:creationId xmlns:a16="http://schemas.microsoft.com/office/drawing/2014/main" id="{3B2AF2DA-0C13-2231-5223-79DCFDDF93CD}"/>
+              </a:ext>
+            </a:extLst>
+          </p:cNvPr>
+          <p:cNvSpPr>
+            <a:spLocks noGrp="1"/>
+          </p:cNvSpPr>
+          <p:nvPr>
+            <p:ph idx="1"/>
+          </p:nvPr>
+        </p:nvSpPr>
+        <p:spPr/>
+        <p:txBody>
+          <a:bodyPr/>
+          <a:lstStyle/>
+          <a:p>
+            <a:r>
+              <a:rPr lang="en-US"/>
+              <a:t>(Multi-modal) Speech Representation Learning is heavily researched field</a:t>
+            </a:r>
+          </a:p>
+          <a:p>
+            <a:endParaRPr lang="en-US" dirty="0"/>
+          </a:p>
+        </p:txBody>
+      </p:sp>
+      <p:sp>
+        <p:nvSpPr>
+          <p:cNvPr id="4" name="Datumsplatzhalter 3">
+            <a:extLst>
+              <a:ext uri="{FF2B5EF4-FFF2-40B4-BE49-F238E27FC236}">
+                <a16:creationId xmlns:a16="http://schemas.microsoft.com/office/drawing/2014/main" id="{D634373F-6B03-7938-9148-0CE7A4B01FEB}"/>
+              </a:ext>
+            </a:extLst>
+          </p:cNvPr>
+          <p:cNvSpPr>
+            <a:spLocks noGrp="1"/>
+          </p:cNvSpPr>
+          <p:nvPr>
+            <p:ph type="dt" sz="half" idx="10"/>
+          </p:nvPr>
+        </p:nvSpPr>
+        <p:spPr/>
+        <p:txBody>
+          <a:bodyPr/>
+          <a:lstStyle/>
+          <a:p>
+            <a:r>
+              <a:rPr lang="de-DE"/>
+              <a:t>05.12.2023</a:t>
+            </a:r>
+            <a:endParaRPr lang="de-DE" dirty="0"/>
+          </a:p>
+        </p:txBody>
+      </p:sp>
+      <p:sp>
+        <p:nvSpPr>
+          <p:cNvPr id="5" name="Fußzeilenplatzhalter 4">
+            <a:extLst>
+              <a:ext uri="{FF2B5EF4-FFF2-40B4-BE49-F238E27FC236}">
+                <a16:creationId xmlns:a16="http://schemas.microsoft.com/office/drawing/2014/main" id="{034C8994-9B21-3CAF-B2C8-F4005BBEF94E}"/>
+              </a:ext>
+            </a:extLst>
+          </p:cNvPr>
+          <p:cNvSpPr>
+            <a:spLocks noGrp="1"/>
+          </p:cNvSpPr>
+          <p:nvPr>
+            <p:ph type="ftr" sz="quarter" idx="11"/>
+          </p:nvPr>
+        </p:nvSpPr>
+        <p:spPr/>
+        <p:txBody>
+          <a:bodyPr/>
+          <a:lstStyle/>
+          <a:p>
+            <a:r>
+              <a:rPr lang="en-US"/>
+              <a:t>Multi-modal Speech Representation Learning</a:t>
+            </a:r>
+            <a:endParaRPr lang="de-DE" dirty="0"/>
+          </a:p>
+        </p:txBody>
+      </p:sp>
+      <p:sp>
+        <p:nvSpPr>
+          <p:cNvPr id="6" name="Foliennummernplatzhalter 5">
+            <a:extLst>
+              <a:ext uri="{FF2B5EF4-FFF2-40B4-BE49-F238E27FC236}">
+                <a16:creationId xmlns:a16="http://schemas.microsoft.com/office/drawing/2014/main" id="{AED1C7AE-4D69-C023-148D-6CE0CF086ED4}"/>
+              </a:ext>
+            </a:extLst>
+          </p:cNvPr>
+          <p:cNvSpPr>
+            <a:spLocks noGrp="1"/>
+          </p:cNvSpPr>
+          <p:nvPr>
+            <p:ph type="sldNum" sz="quarter" idx="12"/>
+          </p:nvPr>
+        </p:nvSpPr>
+        <p:spPr/>
+        <p:txBody>
+          <a:bodyPr/>
+          <a:lstStyle/>
+          <a:p>
+            <a:fld id="{4589C08E-11F1-4614-AD94-2F79D605AB8D}" type="slidenum">
+              <a:rPr lang="de-DE" smtClean="0"/>
+              <a:t>23</a:t>
+            </a:fld>
+            <a:endParaRPr lang="de-DE" dirty="0"/>
+          </a:p>
+        </p:txBody>
+      </p:sp>
+    </p:spTree>
+    <p:extLst>
+      <p:ext uri="{BB962C8B-B14F-4D97-AF65-F5344CB8AC3E}">
+        <p14:creationId xmlns:p14="http://schemas.microsoft.com/office/powerpoint/2010/main" val="3187350724"/>
+      </p:ext>
+    </p:extLst>
+  </p:cSld>
+  <p:clrMapOvr>
+    <a:masterClrMapping/>
+  </p:clrMapOvr>
+</p:sld>
+</file>
+
+<file path=ppt/slides/slide24.xml><?xml version="1.0" encoding="utf-8"?>
+<p:sld xmlns:a="http://schemas.openxmlformats.org/drawingml/2006/main" xmlns:r="http://schemas.openxmlformats.org/officeDocument/2006/relationships" xmlns:p="http://schemas.openxmlformats.org/presentationml/2006/main">
+  <p:cSld>
+    <p:spTree>
+      <p:nvGrpSpPr>
+        <p:cNvPr id="1" name=""/>
+        <p:cNvGrpSpPr/>
+        <p:nvPr/>
+      </p:nvGrpSpPr>
+      <p:grpSpPr>
+        <a:xfrm>
+          <a:off x="0" y="0"/>
+          <a:ext cx="0" cy="0"/>
+          <a:chOff x="0" y="0"/>
+          <a:chExt cx="0" cy="0"/>
+        </a:xfrm>
+      </p:grpSpPr>
+      <p:sp>
+        <p:nvSpPr>
+          <p:cNvPr id="3" name="Inhaltsplatzhalter 2">
+            <a:extLst>
+              <a:ext uri="{FF2B5EF4-FFF2-40B4-BE49-F238E27FC236}">
+                <a16:creationId xmlns:a16="http://schemas.microsoft.com/office/drawing/2014/main" id="{DA58E8C4-24E6-5730-F68A-FA8C6C5C5E5E}"/>
+              </a:ext>
+            </a:extLst>
+          </p:cNvPr>
+          <p:cNvSpPr>
+            <a:spLocks noGrp="1"/>
+          </p:cNvSpPr>
+          <p:nvPr>
+            <p:ph idx="1"/>
+          </p:nvPr>
+        </p:nvSpPr>
+        <p:spPr>
+          <a:xfrm>
+            <a:off x="838200" y="589547"/>
+            <a:ext cx="10515600" cy="5587416"/>
+          </a:xfrm>
+        </p:spPr>
+        <p:txBody>
+          <a:bodyPr/>
+          <a:lstStyle/>
+          <a:p>
+            <a:pPr marL="0" indent="0">
+              <a:buNone/>
+            </a:pPr>
+            <a:r>
+              <a:rPr lang="en-US" sz="2800" dirty="0">
+                <a:solidFill>
+                  <a:schemeClr val="bg2">
+                    <a:lumMod val="50000"/>
+                  </a:schemeClr>
+                </a:solidFill>
+                <a:effectLst/>
+              </a:rPr>
+              <a:t>Sources</a:t>
+            </a:r>
+          </a:p>
+          <a:p>
+            <a:pPr marL="0" indent="0">
+              <a:buNone/>
+            </a:pPr>
+            <a:r>
+              <a:rPr lang="en-US" sz="2800" dirty="0">
+                <a:solidFill>
+                  <a:schemeClr val="bg2">
+                    <a:lumMod val="50000"/>
+                  </a:schemeClr>
+                </a:solidFill>
+                <a:effectLst/>
+              </a:rPr>
+              <a:t>[1] Mohamed, Abdelrahman, et al. "Self-supervised speech representation learning: A review." IEEE Journal of Selected Topics in Signal Processing (2022).</a:t>
+            </a:r>
+          </a:p>
+          <a:p>
+            <a:pPr marL="0" indent="0">
+              <a:buNone/>
+            </a:pPr>
+            <a:r>
+              <a:rPr lang="en-US" sz="2800" dirty="0">
+                <a:solidFill>
+                  <a:schemeClr val="bg2">
+                    <a:lumMod val="50000"/>
+                  </a:schemeClr>
+                </a:solidFill>
+                <a:effectLst/>
+              </a:rPr>
+              <a:t>[2] Ao, </a:t>
+            </a:r>
+            <a:r>
+              <a:rPr lang="en-US" sz="2800" dirty="0" err="1">
+                <a:solidFill>
+                  <a:schemeClr val="bg2">
+                    <a:lumMod val="50000"/>
+                  </a:schemeClr>
+                </a:solidFill>
+                <a:effectLst/>
+              </a:rPr>
+              <a:t>Junyi</a:t>
+            </a:r>
+            <a:r>
+              <a:rPr lang="en-US" sz="2800" dirty="0">
+                <a:solidFill>
+                  <a:schemeClr val="bg2">
+                    <a:lumMod val="50000"/>
+                  </a:schemeClr>
+                </a:solidFill>
+                <a:effectLst/>
+              </a:rPr>
+              <a:t>, et al. "SpeechT5: Unified-modal encoder-decoder pre-training for spoken language processing." ACL (2022).</a:t>
+            </a:r>
+          </a:p>
+          <a:p>
+            <a:pPr marL="0" indent="0">
+              <a:buNone/>
+            </a:pPr>
+            <a:r>
+              <a:rPr lang="en-US" sz="2800" dirty="0">
+                <a:solidFill>
+                  <a:schemeClr val="bg2">
+                    <a:lumMod val="50000"/>
+                  </a:schemeClr>
+                </a:solidFill>
+                <a:effectLst/>
+              </a:rPr>
+              <a:t>[3] Zhu, </a:t>
+            </a:r>
+            <a:r>
+              <a:rPr lang="en-US" sz="2800" dirty="0" err="1">
+                <a:solidFill>
+                  <a:schemeClr val="bg2">
+                    <a:lumMod val="50000"/>
+                  </a:schemeClr>
+                </a:solidFill>
+                <a:effectLst/>
+              </a:rPr>
+              <a:t>Qiushi</a:t>
+            </a:r>
+            <a:r>
+              <a:rPr lang="en-US" sz="2800" dirty="0">
+                <a:solidFill>
+                  <a:schemeClr val="bg2">
+                    <a:lumMod val="50000"/>
+                  </a:schemeClr>
+                </a:solidFill>
+                <a:effectLst/>
+              </a:rPr>
+              <a:t>, et al. "</a:t>
+            </a:r>
+            <a:r>
+              <a:rPr lang="en-US" sz="2800" dirty="0" err="1">
+                <a:solidFill>
+                  <a:schemeClr val="bg2">
+                    <a:lumMod val="50000"/>
+                  </a:schemeClr>
+                </a:solidFill>
+                <a:effectLst/>
+              </a:rPr>
+              <a:t>Vatlm</a:t>
+            </a:r>
+            <a:r>
+              <a:rPr lang="en-US" sz="2800" dirty="0">
+                <a:solidFill>
+                  <a:schemeClr val="bg2">
+                    <a:lumMod val="50000"/>
+                  </a:schemeClr>
+                </a:solidFill>
+                <a:effectLst/>
+              </a:rPr>
+              <a:t>: Visual-audio-text pre-training with unified masked prediction for speech representation learning." IEEE Transactions on Multimedia (2023).</a:t>
+            </a:r>
+          </a:p>
+          <a:p>
+            <a:pPr marL="0" indent="0">
+              <a:buNone/>
+            </a:pPr>
+            <a:r>
+              <a:rPr lang="en-US" sz="2800" dirty="0">
+                <a:solidFill>
+                  <a:schemeClr val="bg2">
+                    <a:lumMod val="50000"/>
+                  </a:schemeClr>
+                </a:solidFill>
+                <a:effectLst/>
+              </a:rPr>
+              <a:t>[4] Shi, Bowen, et al. "Learning audio-visual speech representation by masked multimodal cluster prediction." ICLR (2022).</a:t>
+            </a:r>
+          </a:p>
+          <a:p>
+            <a:endParaRPr lang="en-US" dirty="0"/>
+          </a:p>
+        </p:txBody>
+      </p:sp>
+      <p:sp>
+        <p:nvSpPr>
+          <p:cNvPr id="4" name="Datumsplatzhalter 3">
+            <a:extLst>
+              <a:ext uri="{FF2B5EF4-FFF2-40B4-BE49-F238E27FC236}">
+                <a16:creationId xmlns:a16="http://schemas.microsoft.com/office/drawing/2014/main" id="{FDB16A7C-3447-5A3F-AA02-DBF9A1E8C433}"/>
+              </a:ext>
+            </a:extLst>
+          </p:cNvPr>
+          <p:cNvSpPr>
+            <a:spLocks noGrp="1"/>
+          </p:cNvSpPr>
+          <p:nvPr>
+            <p:ph type="dt" sz="half" idx="10"/>
+          </p:nvPr>
+        </p:nvSpPr>
+        <p:spPr/>
+        <p:txBody>
+          <a:bodyPr/>
+          <a:lstStyle/>
+          <a:p>
+            <a:r>
+              <a:rPr lang="de-DE"/>
+              <a:t>05.12.2023</a:t>
+            </a:r>
+            <a:endParaRPr lang="de-DE" dirty="0"/>
+          </a:p>
+        </p:txBody>
+      </p:sp>
+      <p:sp>
+        <p:nvSpPr>
+          <p:cNvPr id="5" name="Fußzeilenplatzhalter 4">
+            <a:extLst>
+              <a:ext uri="{FF2B5EF4-FFF2-40B4-BE49-F238E27FC236}">
+                <a16:creationId xmlns:a16="http://schemas.microsoft.com/office/drawing/2014/main" id="{1BFF79C0-74D4-F6A9-2568-FE07B3251238}"/>
+              </a:ext>
+            </a:extLst>
+          </p:cNvPr>
+          <p:cNvSpPr>
+            <a:spLocks noGrp="1"/>
+          </p:cNvSpPr>
+          <p:nvPr>
+            <p:ph type="ftr" sz="quarter" idx="11"/>
+          </p:nvPr>
+        </p:nvSpPr>
+        <p:spPr/>
+        <p:txBody>
+          <a:bodyPr/>
+          <a:lstStyle/>
+          <a:p>
+            <a:r>
+              <a:rPr lang="en-US" dirty="0"/>
+              <a:t>Multi-modal Speech Representation Learning</a:t>
+            </a:r>
+            <a:endParaRPr lang="de-DE" dirty="0"/>
+          </a:p>
+        </p:txBody>
+      </p:sp>
+      <p:sp>
+        <p:nvSpPr>
+          <p:cNvPr id="6" name="Foliennummernplatzhalter 5">
+            <a:extLst>
+              <a:ext uri="{FF2B5EF4-FFF2-40B4-BE49-F238E27FC236}">
+                <a16:creationId xmlns:a16="http://schemas.microsoft.com/office/drawing/2014/main" id="{3CBB0A13-9FAD-E04F-A40F-6ACB1B46602C}"/>
+              </a:ext>
+            </a:extLst>
+          </p:cNvPr>
+          <p:cNvSpPr>
+            <a:spLocks noGrp="1"/>
+          </p:cNvSpPr>
+          <p:nvPr>
+            <p:ph type="sldNum" sz="quarter" idx="12"/>
+          </p:nvPr>
+        </p:nvSpPr>
+        <p:spPr/>
+        <p:txBody>
+          <a:bodyPr/>
+          <a:lstStyle/>
+          <a:p>
+            <a:fld id="{4589C08E-11F1-4614-AD94-2F79D605AB8D}" type="slidenum">
+              <a:rPr lang="de-DE" smtClean="0"/>
+              <a:t>24</a:t>
+            </a:fld>
+            <a:endParaRPr lang="de-DE" dirty="0"/>
+          </a:p>
+        </p:txBody>
+      </p:sp>
+    </p:spTree>
+    <p:extLst>
+      <p:ext uri="{BB962C8B-B14F-4D97-AF65-F5344CB8AC3E}">
+        <p14:creationId xmlns:p14="http://schemas.microsoft.com/office/powerpoint/2010/main" val="4083435871"/>
+      </p:ext>
+    </p:extLst>
+  </p:cSld>
+  <p:clrMapOvr>
+    <a:masterClrMapping/>
+  </p:clrMapOvr>
+</p:sld>
+</file>
+
+<file path=ppt/slides/slide25.xml><?xml version="1.0" encoding="utf-8"?>
+<p:sld xmlns:a="http://schemas.openxmlformats.org/drawingml/2006/main" xmlns:r="http://schemas.openxmlformats.org/officeDocument/2006/relationships" xmlns:p="http://schemas.openxmlformats.org/presentationml/2006/main" show="0">
+  <p:cSld>
+    <p:spTree>
+      <p:nvGrpSpPr>
+        <p:cNvPr id="1" name=""/>
+        <p:cNvGrpSpPr/>
+        <p:nvPr/>
+      </p:nvGrpSpPr>
+      <p:grpSpPr>
+        <a:xfrm>
+          <a:off x="0" y="0"/>
+          <a:ext cx="0" cy="0"/>
+          <a:chOff x="0" y="0"/>
+          <a:chExt cx="0" cy="0"/>
+        </a:xfrm>
+      </p:grpSpPr>
+      <p:sp>
+        <p:nvSpPr>
+          <p:cNvPr id="2" name="Titel 1">
+            <a:extLst>
+              <a:ext uri="{FF2B5EF4-FFF2-40B4-BE49-F238E27FC236}">
+                <a16:creationId xmlns:a16="http://schemas.microsoft.com/office/drawing/2014/main" id="{30A58369-3EB6-8A8B-ED49-DEFC19AC20F8}"/>
+              </a:ext>
+            </a:extLst>
+          </p:cNvPr>
+          <p:cNvSpPr>
+            <a:spLocks noGrp="1"/>
+          </p:cNvSpPr>
+          <p:nvPr>
+            <p:ph type="title"/>
+          </p:nvPr>
+        </p:nvSpPr>
+        <p:spPr>
+          <a:xfrm>
+            <a:off x="838200" y="358775"/>
+            <a:ext cx="10515600" cy="1325563"/>
+          </a:xfrm>
+        </p:spPr>
+        <p:txBody>
+          <a:bodyPr/>
+          <a:lstStyle/>
+          <a:p>
+            <a:r>
+              <a:rPr lang="de-DE" dirty="0" err="1"/>
+              <a:t>From</a:t>
+            </a:r>
+            <a:r>
+              <a:rPr lang="de-DE" dirty="0"/>
+              <a:t> ILIAS</a:t>
+            </a:r>
+          </a:p>
+        </p:txBody>
+      </p:sp>
+      <p:sp>
+        <p:nvSpPr>
+          <p:cNvPr id="3" name="Inhaltsplatzhalter 2">
+            <a:extLst>
+              <a:ext uri="{FF2B5EF4-FFF2-40B4-BE49-F238E27FC236}">
+                <a16:creationId xmlns:a16="http://schemas.microsoft.com/office/drawing/2014/main" id="{35A851A9-AF82-3EFF-8766-2B38DEE71237}"/>
+              </a:ext>
+            </a:extLst>
+          </p:cNvPr>
+          <p:cNvSpPr>
+            <a:spLocks noGrp="1"/>
+          </p:cNvSpPr>
+          <p:nvPr>
+            <p:ph idx="1"/>
+          </p:nvPr>
+        </p:nvSpPr>
+        <p:spPr/>
+        <p:txBody>
+          <a:bodyPr>
+            <a:normAutofit/>
+          </a:bodyPr>
+          <a:lstStyle/>
+          <a:p>
+            <a:r>
+              <a:rPr lang="en-US" sz="1800" dirty="0">
+                <a:effectLst/>
+                <a:latin typeface="Arial" panose="020B0604020202020204" pitchFamily="34" charset="0"/>
+                <a:cs typeface="Arial" panose="020B0604020202020204" pitchFamily="34" charset="0"/>
+              </a:rPr>
+              <a:t>Self-supervised speech representation learning provides universal models which can used for</a:t>
+            </a:r>
+            <a:br>
+              <a:rPr lang="en-US" sz="1800" dirty="0">
+                <a:effectLst/>
+                <a:latin typeface="Arial" panose="020B0604020202020204" pitchFamily="34" charset="0"/>
+                <a:cs typeface="Arial" panose="020B0604020202020204" pitchFamily="34" charset="0"/>
+              </a:rPr>
+            </a:br>
+            <a:r>
+              <a:rPr lang="en-US" sz="1800" dirty="0">
+                <a:effectLst/>
+                <a:latin typeface="Arial" panose="020B0604020202020204" pitchFamily="34" charset="0"/>
+                <a:cs typeface="Arial" panose="020B0604020202020204" pitchFamily="34" charset="0"/>
+              </a:rPr>
+              <a:t>downstream speech tasks.</a:t>
+            </a:r>
+            <a:endParaRPr lang="en-US" sz="1800" dirty="0">
+              <a:latin typeface="Arial" panose="020B0604020202020204" pitchFamily="34" charset="0"/>
+              <a:cs typeface="Arial" panose="020B0604020202020204" pitchFamily="34" charset="0"/>
+            </a:endParaRPr>
+          </a:p>
+          <a:p>
+            <a:r>
+              <a:rPr lang="en-US" sz="1800" dirty="0">
+                <a:effectLst/>
+                <a:latin typeface="Arial" panose="020B0604020202020204" pitchFamily="34" charset="0"/>
+                <a:cs typeface="Arial" panose="020B0604020202020204" pitchFamily="34" charset="0"/>
+              </a:rPr>
+              <a:t>Using multi-modal data for training such models enables to get better representations and</a:t>
+            </a:r>
+            <a:br>
+              <a:rPr lang="en-US" sz="1800" dirty="0">
+                <a:effectLst/>
+                <a:latin typeface="Arial" panose="020B0604020202020204" pitchFamily="34" charset="0"/>
+                <a:cs typeface="Arial" panose="020B0604020202020204" pitchFamily="34" charset="0"/>
+              </a:rPr>
+            </a:br>
+            <a:r>
+              <a:rPr lang="en-US" sz="1800" dirty="0">
+                <a:effectLst/>
+                <a:latin typeface="Arial" panose="020B0604020202020204" pitchFamily="34" charset="0"/>
+                <a:cs typeface="Arial" panose="020B0604020202020204" pitchFamily="34" charset="0"/>
+              </a:rPr>
+              <a:t>expands the use cases.</a:t>
+            </a:r>
+          </a:p>
+          <a:p>
+            <a:pPr marL="0" indent="0">
+              <a:buNone/>
+            </a:pPr>
+            <a:endParaRPr lang="en-US" sz="1800" dirty="0">
+              <a:latin typeface="Arial" panose="020B0604020202020204" pitchFamily="34" charset="0"/>
+              <a:cs typeface="Arial" panose="020B0604020202020204" pitchFamily="34" charset="0"/>
+            </a:endParaRPr>
+          </a:p>
+          <a:p>
+            <a:pPr marL="0" indent="0">
+              <a:buNone/>
+            </a:pPr>
+            <a:endParaRPr lang="en-US" sz="1800" dirty="0">
+              <a:effectLst/>
+              <a:latin typeface="Arial" panose="020B0604020202020204" pitchFamily="34" charset="0"/>
+              <a:cs typeface="Arial" panose="020B0604020202020204" pitchFamily="34" charset="0"/>
+            </a:endParaRPr>
+          </a:p>
+          <a:p>
+            <a:pPr marL="0" indent="0">
+              <a:buNone/>
+            </a:pPr>
+            <a:endParaRPr lang="en-US" sz="1800" dirty="0">
+              <a:latin typeface="Arial" panose="020B0604020202020204" pitchFamily="34" charset="0"/>
+              <a:cs typeface="Arial" panose="020B0604020202020204" pitchFamily="34" charset="0"/>
+            </a:endParaRPr>
+          </a:p>
+          <a:p>
+            <a:pPr marL="0" indent="0">
+              <a:buNone/>
+            </a:pPr>
+            <a:endParaRPr lang="en-US" sz="1800" dirty="0">
+              <a:effectLst/>
+              <a:latin typeface="Arial" panose="020B0604020202020204" pitchFamily="34" charset="0"/>
+              <a:cs typeface="Arial" panose="020B0604020202020204" pitchFamily="34" charset="0"/>
+            </a:endParaRPr>
+          </a:p>
+          <a:p>
+            <a:pPr marL="0" indent="0">
+              <a:buNone/>
+            </a:pPr>
+            <a:endParaRPr lang="en-US" sz="1800" dirty="0">
+              <a:effectLst/>
+              <a:latin typeface="Arial" panose="020B0604020202020204" pitchFamily="34" charset="0"/>
+              <a:cs typeface="Arial" panose="020B0604020202020204" pitchFamily="34" charset="0"/>
+            </a:endParaRPr>
+          </a:p>
+          <a:p>
+            <a:pPr marL="0" indent="0">
+              <a:buNone/>
+            </a:pPr>
+            <a:r>
+              <a:rPr lang="en-US" sz="800" dirty="0">
+                <a:solidFill>
+                  <a:schemeClr val="bg2">
+                    <a:lumMod val="50000"/>
+                  </a:schemeClr>
+                </a:solidFill>
+                <a:effectLst/>
+              </a:rPr>
+              <a:t>Literature</a:t>
+            </a:r>
+          </a:p>
+          <a:p>
+            <a:pPr marL="0" indent="0">
+              <a:buNone/>
+            </a:pPr>
+            <a:r>
+              <a:rPr lang="en-US" sz="800" dirty="0">
+                <a:solidFill>
+                  <a:schemeClr val="bg2">
+                    <a:lumMod val="50000"/>
+                  </a:schemeClr>
+                </a:solidFill>
+                <a:effectLst/>
+              </a:rPr>
+              <a:t>• [1] Mohamed, Abdelrahman, et al. "Self-supervised speech representation learning: A review." IEEE Journal of Selected Topics in Signal Processing (2022).</a:t>
+            </a:r>
+          </a:p>
+          <a:p>
+            <a:pPr marL="0" indent="0">
+              <a:buNone/>
+            </a:pPr>
+            <a:r>
+              <a:rPr lang="en-US" sz="800" dirty="0">
+                <a:solidFill>
+                  <a:schemeClr val="bg2">
+                    <a:lumMod val="50000"/>
+                  </a:schemeClr>
+                </a:solidFill>
+                <a:effectLst/>
+              </a:rPr>
+              <a:t>• [2] Ao, </a:t>
+            </a:r>
+            <a:r>
+              <a:rPr lang="en-US" sz="800" dirty="0" err="1">
+                <a:solidFill>
+                  <a:schemeClr val="bg2">
+                    <a:lumMod val="50000"/>
+                  </a:schemeClr>
+                </a:solidFill>
+                <a:effectLst/>
+              </a:rPr>
+              <a:t>Junyi</a:t>
+            </a:r>
+            <a:r>
+              <a:rPr lang="en-US" sz="800" dirty="0">
+                <a:solidFill>
+                  <a:schemeClr val="bg2">
+                    <a:lumMod val="50000"/>
+                  </a:schemeClr>
+                </a:solidFill>
+                <a:effectLst/>
+              </a:rPr>
+              <a:t>, et al. "Speecht5: Unified-modal encoder-decoder pre-training for spoken language processing." ACL (2022).</a:t>
+            </a:r>
+          </a:p>
+          <a:p>
+            <a:pPr marL="0" indent="0">
+              <a:buNone/>
+            </a:pPr>
+            <a:r>
+              <a:rPr lang="en-US" sz="800" dirty="0">
+                <a:solidFill>
+                  <a:schemeClr val="bg2">
+                    <a:lumMod val="50000"/>
+                  </a:schemeClr>
+                </a:solidFill>
+                <a:effectLst/>
+              </a:rPr>
+              <a:t>• [3] Zhu, </a:t>
+            </a:r>
+            <a:r>
+              <a:rPr lang="en-US" sz="800" dirty="0" err="1">
+                <a:solidFill>
+                  <a:schemeClr val="bg2">
+                    <a:lumMod val="50000"/>
+                  </a:schemeClr>
+                </a:solidFill>
+                <a:effectLst/>
+              </a:rPr>
+              <a:t>Qiushi</a:t>
+            </a:r>
+            <a:r>
+              <a:rPr lang="en-US" sz="800" dirty="0">
+                <a:solidFill>
+                  <a:schemeClr val="bg2">
+                    <a:lumMod val="50000"/>
+                  </a:schemeClr>
+                </a:solidFill>
+                <a:effectLst/>
+              </a:rPr>
+              <a:t>, et al. "</a:t>
+            </a:r>
+            <a:r>
+              <a:rPr lang="en-US" sz="800" dirty="0" err="1">
+                <a:solidFill>
+                  <a:schemeClr val="bg2">
+                    <a:lumMod val="50000"/>
+                  </a:schemeClr>
+                </a:solidFill>
+                <a:effectLst/>
+              </a:rPr>
+              <a:t>Vatlm</a:t>
+            </a:r>
+            <a:r>
+              <a:rPr lang="en-US" sz="800" dirty="0">
+                <a:solidFill>
+                  <a:schemeClr val="bg2">
+                    <a:lumMod val="50000"/>
+                  </a:schemeClr>
+                </a:solidFill>
+                <a:effectLst/>
+              </a:rPr>
+              <a:t>: Visual-audio-text pre-training with unified masked prediction for speech representation learning." IEEE Transactions on Multimedia (2023).</a:t>
+            </a:r>
+          </a:p>
+          <a:p>
+            <a:pPr marL="0" indent="0">
+              <a:buNone/>
+            </a:pPr>
+            <a:r>
+              <a:rPr lang="en-US" sz="800" dirty="0">
+                <a:solidFill>
+                  <a:schemeClr val="bg2">
+                    <a:lumMod val="50000"/>
+                  </a:schemeClr>
+                </a:solidFill>
+                <a:effectLst/>
+              </a:rPr>
+              <a:t>• [4] Shi, Bowen, et al. "Learning audio-visual speech representation by masked multimodal cluster prediction." ICLR (2022).</a:t>
+            </a:r>
+          </a:p>
+          <a:p>
+            <a:endParaRPr lang="de-DE" dirty="0"/>
+          </a:p>
+        </p:txBody>
+      </p:sp>
+      <p:sp>
+        <p:nvSpPr>
+          <p:cNvPr id="4" name="Datumsplatzhalter 3">
+            <a:extLst>
+              <a:ext uri="{FF2B5EF4-FFF2-40B4-BE49-F238E27FC236}">
+                <a16:creationId xmlns:a16="http://schemas.microsoft.com/office/drawing/2014/main" id="{EDD15EFB-FF5B-B4CA-55B9-6CC35A8EAF12}"/>
+              </a:ext>
+            </a:extLst>
+          </p:cNvPr>
+          <p:cNvSpPr>
+            <a:spLocks noGrp="1"/>
+          </p:cNvSpPr>
+          <p:nvPr>
+            <p:ph type="dt" sz="half" idx="10"/>
+          </p:nvPr>
+        </p:nvSpPr>
+        <p:spPr/>
+        <p:txBody>
+          <a:bodyPr/>
+          <a:lstStyle/>
+          <a:p>
+            <a:r>
+              <a:rPr lang="de-DE"/>
+              <a:t>05.12.2023</a:t>
+            </a:r>
+            <a:endParaRPr lang="de-DE" dirty="0"/>
+          </a:p>
+        </p:txBody>
+      </p:sp>
+      <p:sp>
+        <p:nvSpPr>
+          <p:cNvPr id="5" name="Fußzeilenplatzhalter 4">
+            <a:extLst>
+              <a:ext uri="{FF2B5EF4-FFF2-40B4-BE49-F238E27FC236}">
+                <a16:creationId xmlns:a16="http://schemas.microsoft.com/office/drawing/2014/main" id="{E7A447EA-958C-B9A2-64C2-FF1D7A366BDC}"/>
+              </a:ext>
+            </a:extLst>
+          </p:cNvPr>
+          <p:cNvSpPr>
+            <a:spLocks noGrp="1"/>
+          </p:cNvSpPr>
+          <p:nvPr>
+            <p:ph type="ftr" sz="quarter" idx="11"/>
+          </p:nvPr>
+        </p:nvSpPr>
+        <p:spPr/>
+        <p:txBody>
+          <a:bodyPr/>
+          <a:lstStyle/>
+          <a:p>
+            <a:r>
+              <a:rPr lang="en-US"/>
+              <a:t>Multi-modal Speech Representation Learning</a:t>
+            </a:r>
+            <a:endParaRPr lang="de-DE" dirty="0"/>
+          </a:p>
+        </p:txBody>
+      </p:sp>
+      <p:sp>
+        <p:nvSpPr>
+          <p:cNvPr id="6" name="Foliennummernplatzhalter 5">
+            <a:extLst>
+              <a:ext uri="{FF2B5EF4-FFF2-40B4-BE49-F238E27FC236}">
+                <a16:creationId xmlns:a16="http://schemas.microsoft.com/office/drawing/2014/main" id="{0FA6D437-CFB6-C4C0-C250-EE2D2D7DD2FA}"/>
+              </a:ext>
+            </a:extLst>
+          </p:cNvPr>
+          <p:cNvSpPr>
+            <a:spLocks noGrp="1"/>
+          </p:cNvSpPr>
+          <p:nvPr>
+            <p:ph type="sldNum" sz="quarter" idx="12"/>
+          </p:nvPr>
+        </p:nvSpPr>
+        <p:spPr/>
+        <p:txBody>
+          <a:bodyPr/>
+          <a:lstStyle/>
+          <a:p>
+            <a:fld id="{4589C08E-11F1-4614-AD94-2F79D605AB8D}" type="slidenum">
+              <a:rPr lang="de-DE" smtClean="0"/>
+              <a:t>25</a:t>
+            </a:fld>
+            <a:endParaRPr lang="de-DE" dirty="0"/>
+          </a:p>
+        </p:txBody>
+      </p:sp>
+    </p:spTree>
+    <p:extLst>
+      <p:ext uri="{BB962C8B-B14F-4D97-AF65-F5344CB8AC3E}">
+        <p14:creationId xmlns:p14="http://schemas.microsoft.com/office/powerpoint/2010/main" val="3496448324"/>
+      </p:ext>
+    </p:extLst>
+  </p:cSld>
+  <p:clrMapOvr>
+    <a:masterClrMapping/>
+  </p:clrMapOvr>
+</p:sld>
+</file>
+
+<file path=ppt/slides/slide26.xml><?xml version="1.0" encoding="utf-8"?>
+<p:sld xmlns:a="http://schemas.openxmlformats.org/drawingml/2006/main" xmlns:r="http://schemas.openxmlformats.org/officeDocument/2006/relationships" xmlns:p="http://schemas.openxmlformats.org/presentationml/2006/main" show="0">
+  <p:cSld>
+    <p:spTree>
+      <p:nvGrpSpPr>
+        <p:cNvPr id="1" name=""/>
+        <p:cNvGrpSpPr/>
+        <p:nvPr/>
+      </p:nvGrpSpPr>
+      <p:grpSpPr>
+        <a:xfrm>
+          <a:off x="0" y="0"/>
+          <a:ext cx="0" cy="0"/>
+          <a:chOff x="0" y="0"/>
+          <a:chExt cx="0" cy="0"/>
+        </a:xfrm>
+      </p:grpSpPr>
+      <p:sp>
+        <p:nvSpPr>
+          <p:cNvPr id="2" name="Titel 1">
+            <a:extLst>
+              <a:ext uri="{FF2B5EF4-FFF2-40B4-BE49-F238E27FC236}">
                 <a16:creationId xmlns:a16="http://schemas.microsoft.com/office/drawing/2014/main" id="{7ED805BA-22DB-7C3F-FA81-EBDA00F3079D}"/>
               </a:ext>
             </a:extLst>
@@ -6995,7 +12114,7 @@
           <a:p>
             <a:fld id="{4589C08E-11F1-4614-AD94-2F79D605AB8D}" type="slidenum">
               <a:rPr lang="de-DE" smtClean="0"/>
-              <a:t>21</a:t>
+              <a:t>26</a:t>
             </a:fld>
             <a:endParaRPr lang="de-DE" dirty="0"/>
           </a:p>
@@ -7036,7 +12155,7 @@
           <p:cNvPr id="2" name="Titel 1">
             <a:extLst>
               <a:ext uri="{FF2B5EF4-FFF2-40B4-BE49-F238E27FC236}">
-                <a16:creationId xmlns:a16="http://schemas.microsoft.com/office/drawing/2014/main" id="{E031C070-00D4-00A8-C4D4-6B6B2D7B92BE}"/>
+                <a16:creationId xmlns:a16="http://schemas.microsoft.com/office/drawing/2014/main" id="{64C72F1A-8422-2279-853A-18490E33583F}"/>
               </a:ext>
             </a:extLst>
           </p:cNvPr>
@@ -7053,16 +12172,16 @@
           <a:lstStyle/>
           <a:p>
             <a:r>
-              <a:rPr lang="de-DE" dirty="0"/>
-              <a:t>History of Speech </a:t>
-            </a:r>
-            <a:r>
-              <a:rPr lang="de-DE" dirty="0" err="1"/>
-              <a:t>Representation</a:t>
-            </a:r>
-            <a:r>
-              <a:rPr lang="de-DE" dirty="0"/>
-              <a:t> Learning</a:t>
+              <a:rPr lang="en-GB" dirty="0"/>
+              <a:t>Qualities</a:t>
+            </a:r>
+            <a:r>
+              <a:rPr lang="de-DE" dirty="0"/>
+              <a:t> of Speech </a:t>
+            </a:r>
+            <a:r>
+              <a:rPr lang="en-GB" dirty="0"/>
+              <a:t>Representations [1]</a:t>
             </a:r>
           </a:p>
         </p:txBody>
@@ -7072,7 +12191,7 @@
           <p:cNvPr id="3" name="Inhaltsplatzhalter 2">
             <a:extLst>
               <a:ext uri="{FF2B5EF4-FFF2-40B4-BE49-F238E27FC236}">
-                <a16:creationId xmlns:a16="http://schemas.microsoft.com/office/drawing/2014/main" id="{7B8DD975-D06A-5BA7-8A63-42D9CA0E9D20}"/>
+                <a16:creationId xmlns:a16="http://schemas.microsoft.com/office/drawing/2014/main" id="{AF88B905-BEC9-9440-7270-BBFF1996D0D4}"/>
               </a:ext>
             </a:extLst>
           </p:cNvPr>
@@ -7089,36 +12208,29 @@
           <a:lstStyle/>
           <a:p>
             <a:r>
-              <a:rPr lang="de-DE" dirty="0"/>
-              <a:t>Early </a:t>
-            </a:r>
-            <a:r>
-              <a:rPr lang="de-DE" dirty="0" err="1"/>
-              <a:t>approaches</a:t>
-            </a:r>
-            <a:endParaRPr lang="de-DE" dirty="0"/>
-          </a:p>
-          <a:p>
-            <a:r>
-              <a:rPr lang="de-DE" dirty="0"/>
-              <a:t>Single </a:t>
-            </a:r>
-            <a:r>
-              <a:rPr lang="de-DE" dirty="0" err="1"/>
-              <a:t>mode</a:t>
-            </a:r>
-            <a:r>
-              <a:rPr lang="de-DE" dirty="0"/>
-              <a:t> </a:t>
-            </a:r>
-            <a:r>
-              <a:rPr lang="de-DE" dirty="0" err="1"/>
-              <a:t>learning</a:t>
-            </a:r>
-            <a:endParaRPr lang="de-DE" dirty="0"/>
-          </a:p>
-          <a:p>
-            <a:endParaRPr lang="en-GB" dirty="0"/>
+              <a:rPr lang="en-US" dirty="0"/>
+              <a:t>Disentangled speaker identity, style, emotion, noise</a:t>
+            </a:r>
+          </a:p>
+          <a:p>
+            <a:r>
+              <a:rPr lang="en-US" dirty="0"/>
+              <a:t>Invariant to noise</a:t>
+            </a:r>
+          </a:p>
+          <a:p>
+            <a:r>
+              <a:rPr lang="en-US" dirty="0"/>
+              <a:t>Hierarchical </a:t>
+            </a:r>
+            <a:r>
+              <a:rPr lang="en-US" dirty="0" err="1"/>
+              <a:t>w.r.t.</a:t>
+            </a:r>
+            <a:r>
+              <a:rPr lang="en-US" dirty="0"/>
+              <a:t> acoustic, lexical and semantic features</a:t>
+            </a:r>
           </a:p>
         </p:txBody>
       </p:sp>
@@ -7127,7 +12239,7 @@
           <p:cNvPr id="4" name="Datumsplatzhalter 3">
             <a:extLst>
               <a:ext uri="{FF2B5EF4-FFF2-40B4-BE49-F238E27FC236}">
-                <a16:creationId xmlns:a16="http://schemas.microsoft.com/office/drawing/2014/main" id="{44908126-EB98-81EF-5624-912F91FAF879}"/>
+                <a16:creationId xmlns:a16="http://schemas.microsoft.com/office/drawing/2014/main" id="{0181EC9C-43AB-D74F-1FC5-254FAFEFAF72}"/>
               </a:ext>
             </a:extLst>
           </p:cNvPr>
@@ -7144,10 +12256,9 @@
           <a:lstStyle/>
           <a:p>
             <a:r>
-              <a:rPr lang="de-DE"/>
+              <a:rPr lang="de-DE" dirty="0"/>
               <a:t>05.12.2023</a:t>
             </a:r>
-            <a:endParaRPr lang="de-DE" dirty="0"/>
           </a:p>
         </p:txBody>
       </p:sp>
@@ -7156,7 +12267,7 @@
           <p:cNvPr id="5" name="Fußzeilenplatzhalter 4">
             <a:extLst>
               <a:ext uri="{FF2B5EF4-FFF2-40B4-BE49-F238E27FC236}">
-                <a16:creationId xmlns:a16="http://schemas.microsoft.com/office/drawing/2014/main" id="{1798625E-499B-5D12-2436-3312EE442CC8}"/>
+                <a16:creationId xmlns:a16="http://schemas.microsoft.com/office/drawing/2014/main" id="{77AB99A6-3C32-E43E-15D8-1FB9D9215B6B}"/>
               </a:ext>
             </a:extLst>
           </p:cNvPr>
@@ -7173,7 +12284,7 @@
           <a:lstStyle/>
           <a:p>
             <a:r>
-              <a:rPr lang="en-US"/>
+              <a:rPr lang="en-US" dirty="0"/>
               <a:t>Multi-modal Speech Representation Learning</a:t>
             </a:r>
             <a:endParaRPr lang="de-DE" dirty="0"/>
@@ -7185,7 +12296,7 @@
           <p:cNvPr id="6" name="Foliennummernplatzhalter 5">
             <a:extLst>
               <a:ext uri="{FF2B5EF4-FFF2-40B4-BE49-F238E27FC236}">
-                <a16:creationId xmlns:a16="http://schemas.microsoft.com/office/drawing/2014/main" id="{E59F705F-E83D-D669-F93B-E698307376CA}"/>
+                <a16:creationId xmlns:a16="http://schemas.microsoft.com/office/drawing/2014/main" id="{BF0FFA8E-2439-CD60-2906-CB99CE2AA93C}"/>
               </a:ext>
             </a:extLst>
           </p:cNvPr>
@@ -7212,7 +12323,7 @@
     </p:spTree>
     <p:extLst>
       <p:ext uri="{BB962C8B-B14F-4D97-AF65-F5344CB8AC3E}">
-        <p14:creationId xmlns:p14="http://schemas.microsoft.com/office/powerpoint/2010/main" val="2733030060"/>
+        <p14:creationId xmlns:p14="http://schemas.microsoft.com/office/powerpoint/2010/main" val="3802131508"/>
       </p:ext>
     </p:extLst>
   </p:cSld>
@@ -7244,7 +12355,7 @@
           <p:cNvPr id="2" name="Titel 1">
             <a:extLst>
               <a:ext uri="{FF2B5EF4-FFF2-40B4-BE49-F238E27FC236}">
-                <a16:creationId xmlns:a16="http://schemas.microsoft.com/office/drawing/2014/main" id="{64C72F1A-8422-2279-853A-18490E33583F}"/>
+                <a16:creationId xmlns:a16="http://schemas.microsoft.com/office/drawing/2014/main" id="{E031C070-00D4-00A8-C4D4-6B6B2D7B92BE}"/>
               </a:ext>
             </a:extLst>
           </p:cNvPr>
@@ -7261,18 +12372,17 @@
           <a:lstStyle/>
           <a:p>
             <a:r>
-              <a:rPr lang="de-DE" dirty="0" err="1"/>
-              <a:t>Requirements</a:t>
-            </a:r>
-            <a:r>
-              <a:rPr lang="de-DE" dirty="0"/>
-              <a:t> of Speech </a:t>
-            </a:r>
-            <a:r>
-              <a:rPr lang="de-DE" dirty="0" err="1"/>
-              <a:t>Representations</a:t>
-            </a:r>
-            <a:endParaRPr lang="de-DE" dirty="0"/>
+              <a:rPr lang="de-DE" dirty="0"/>
+              <a:t>History of Speech </a:t>
+            </a:r>
+            <a:r>
+              <a:rPr lang="en-GB" dirty="0"/>
+              <a:t>Representation</a:t>
+            </a:r>
+            <a:r>
+              <a:rPr lang="de-DE" dirty="0"/>
+              <a:t> Learning</a:t>
+            </a:r>
           </a:p>
         </p:txBody>
       </p:sp>
@@ -7281,7 +12391,7 @@
           <p:cNvPr id="3" name="Inhaltsplatzhalter 2">
             <a:extLst>
               <a:ext uri="{FF2B5EF4-FFF2-40B4-BE49-F238E27FC236}">
-                <a16:creationId xmlns:a16="http://schemas.microsoft.com/office/drawing/2014/main" id="{AF88B905-BEC9-9440-7270-BBFF1996D0D4}"/>
+                <a16:creationId xmlns:a16="http://schemas.microsoft.com/office/drawing/2014/main" id="{7B8DD975-D06A-5BA7-8A63-42D9CA0E9D20}"/>
               </a:ext>
             </a:extLst>
           </p:cNvPr>
@@ -7298,37 +12408,50 @@
           <a:lstStyle/>
           <a:p>
             <a:r>
-              <a:rPr lang="de-DE" dirty="0" err="1"/>
-              <a:t>Where</a:t>
-            </a:r>
-            <a:r>
-              <a:rPr lang="de-DE" dirty="0"/>
-              <a:t> in </a:t>
-            </a:r>
-            <a:r>
-              <a:rPr lang="de-DE" dirty="0" err="1"/>
-              <a:t>paper</a:t>
-            </a:r>
-            <a:r>
-              <a:rPr lang="de-DE" dirty="0"/>
-              <a:t> was </a:t>
-            </a:r>
-            <a:r>
-              <a:rPr lang="de-DE" dirty="0" err="1"/>
-              <a:t>this</a:t>
-            </a:r>
-            <a:r>
-              <a:rPr lang="de-DE" dirty="0"/>
-              <a:t>? </a:t>
-            </a:r>
-            <a:r>
-              <a:rPr lang="de-DE" dirty="0" err="1"/>
-              <a:t>Possibly</a:t>
-            </a:r>
-            <a:r>
-              <a:rPr lang="de-DE" dirty="0"/>
-              <a:t> review</a:t>
-            </a:r>
+              <a:rPr lang="de-DE" dirty="0"/>
+              <a:t>Early </a:t>
+            </a:r>
+            <a:r>
+              <a:rPr lang="en-GB" dirty="0"/>
+              <a:t>approaches [1]: </a:t>
+            </a:r>
+          </a:p>
+          <a:p>
+            <a:pPr lvl="1"/>
+            <a:r>
+              <a:rPr lang="en-GB" dirty="0"/>
+              <a:t>Clustering approaches </a:t>
+            </a:r>
+          </a:p>
+          <a:p>
+            <a:pPr lvl="2"/>
+            <a:r>
+              <a:rPr lang="en-GB" dirty="0"/>
+              <a:t>k-means, GMMs</a:t>
+            </a:r>
+          </a:p>
+          <a:p>
+            <a:pPr lvl="1"/>
+            <a:r>
+              <a:rPr lang="en-GB" dirty="0"/>
+              <a:t>Hidden Markov Models: Allow processing of continuous speech</a:t>
+            </a:r>
+          </a:p>
+          <a:p>
+            <a:r>
+              <a:rPr lang="en-GB" dirty="0"/>
+              <a:t>Currently: Pretext task optimization</a:t>
+            </a:r>
+          </a:p>
+          <a:p>
+            <a:pPr lvl="1"/>
+            <a:r>
+              <a:rPr lang="en-GB" dirty="0"/>
+              <a:t>Learn Representation by solving “pretext” task such as predicting masked tokens (e.g., BERT)</a:t>
+            </a:r>
+          </a:p>
+          <a:p>
+            <a:endParaRPr lang="en-GB" dirty="0"/>
           </a:p>
         </p:txBody>
       </p:sp>
@@ -7337,7 +12460,7 @@
           <p:cNvPr id="4" name="Datumsplatzhalter 3">
             <a:extLst>
               <a:ext uri="{FF2B5EF4-FFF2-40B4-BE49-F238E27FC236}">
-                <a16:creationId xmlns:a16="http://schemas.microsoft.com/office/drawing/2014/main" id="{0181EC9C-43AB-D74F-1FC5-254FAFEFAF72}"/>
+                <a16:creationId xmlns:a16="http://schemas.microsoft.com/office/drawing/2014/main" id="{44908126-EB98-81EF-5624-912F91FAF879}"/>
               </a:ext>
             </a:extLst>
           </p:cNvPr>
@@ -7354,10 +12477,9 @@
           <a:lstStyle/>
           <a:p>
             <a:r>
-              <a:rPr lang="de-DE"/>
+              <a:rPr lang="de-DE" dirty="0"/>
               <a:t>05.12.2023</a:t>
             </a:r>
-            <a:endParaRPr lang="de-DE" dirty="0"/>
           </a:p>
         </p:txBody>
       </p:sp>
@@ -7366,7 +12488,7 @@
           <p:cNvPr id="5" name="Fußzeilenplatzhalter 4">
             <a:extLst>
               <a:ext uri="{FF2B5EF4-FFF2-40B4-BE49-F238E27FC236}">
-                <a16:creationId xmlns:a16="http://schemas.microsoft.com/office/drawing/2014/main" id="{77AB99A6-3C32-E43E-15D8-1FB9D9215B6B}"/>
+                <a16:creationId xmlns:a16="http://schemas.microsoft.com/office/drawing/2014/main" id="{1798625E-499B-5D12-2436-3312EE442CC8}"/>
               </a:ext>
             </a:extLst>
           </p:cNvPr>
@@ -7383,7 +12505,7 @@
           <a:lstStyle/>
           <a:p>
             <a:r>
-              <a:rPr lang="en-US"/>
+              <a:rPr lang="en-US" dirty="0"/>
               <a:t>Multi-modal Speech Representation Learning</a:t>
             </a:r>
             <a:endParaRPr lang="de-DE" dirty="0"/>
@@ -7395,7 +12517,7 @@
           <p:cNvPr id="6" name="Foliennummernplatzhalter 5">
             <a:extLst>
               <a:ext uri="{FF2B5EF4-FFF2-40B4-BE49-F238E27FC236}">
-                <a16:creationId xmlns:a16="http://schemas.microsoft.com/office/drawing/2014/main" id="{BF0FFA8E-2439-CD60-2906-CB99CE2AA93C}"/>
+                <a16:creationId xmlns:a16="http://schemas.microsoft.com/office/drawing/2014/main" id="{E59F705F-E83D-D669-F93B-E698307376CA}"/>
               </a:ext>
             </a:extLst>
           </p:cNvPr>
@@ -7422,7 +12544,7 @@
     </p:spTree>
     <p:extLst>
       <p:ext uri="{BB962C8B-B14F-4D97-AF65-F5344CB8AC3E}">
-        <p14:creationId xmlns:p14="http://schemas.microsoft.com/office/powerpoint/2010/main" val="3802131508"/>
+        <p14:creationId xmlns:p14="http://schemas.microsoft.com/office/powerpoint/2010/main" val="2733030060"/>
       </p:ext>
     </p:extLst>
   </p:cSld>
@@ -7433,7 +12555,7 @@
 </file>
 
 <file path=ppt/slides/slide5.xml><?xml version="1.0" encoding="utf-8"?>
-<p:sld xmlns:a="http://schemas.openxmlformats.org/drawingml/2006/main" xmlns:r="http://schemas.openxmlformats.org/officeDocument/2006/relationships" xmlns:p="http://schemas.openxmlformats.org/presentationml/2006/main">
+<p:sld xmlns:a="http://schemas.openxmlformats.org/drawingml/2006/main" xmlns:r="http://schemas.openxmlformats.org/officeDocument/2006/relationships" xmlns:p="http://schemas.openxmlformats.org/presentationml/2006/main" show="0">
   <p:cSld>
     <p:spTree>
       <p:nvGrpSpPr>
@@ -7499,7 +12621,7 @@
           <a:lstStyle/>
           <a:p>
             <a:r>
-              <a:rPr lang="de-DE" dirty="0" err="1"/>
+              <a:rPr lang="en-GB" dirty="0"/>
               <a:t>How</a:t>
             </a:r>
             <a:r>
@@ -7507,7 +12629,7 @@
               <a:t> </a:t>
             </a:r>
             <a:r>
-              <a:rPr lang="de-DE" dirty="0" err="1"/>
+              <a:rPr lang="en-GB" dirty="0"/>
               <a:t>to</a:t>
             </a:r>
             <a:r>
@@ -7515,7 +12637,7 @@
               <a:t> </a:t>
             </a:r>
             <a:r>
-              <a:rPr lang="de-DE" dirty="0" err="1"/>
+              <a:rPr lang="en-GB" dirty="0"/>
               <a:t>gather</a:t>
             </a:r>
             <a:r>
@@ -7523,7 +12645,7 @@
               <a:t> multimodal </a:t>
             </a:r>
             <a:r>
-              <a:rPr lang="de-DE" dirty="0" err="1"/>
+              <a:rPr lang="en-GB" dirty="0"/>
               <a:t>data</a:t>
             </a:r>
             <a:r>
@@ -7531,8 +12653,12 @@
               <a:t>? </a:t>
             </a:r>
             <a:r>
-              <a:rPr lang="de-DE" dirty="0" err="1"/>
-              <a:t>Unlabeled</a:t>
+              <a:rPr lang="en-GB" dirty="0"/>
+              <a:t>Un-</a:t>
+            </a:r>
+            <a:r>
+              <a:rPr lang="en-GB" dirty="0" err="1"/>
+              <a:t>labeled</a:t>
             </a:r>
             <a:r>
               <a:rPr lang="de-DE" dirty="0"/>
@@ -7563,10 +12689,9 @@
           <a:lstStyle/>
           <a:p>
             <a:r>
-              <a:rPr lang="de-DE"/>
+              <a:rPr lang="de-DE" dirty="0"/>
               <a:t>05.12.2023</a:t>
             </a:r>
-            <a:endParaRPr lang="de-DE" dirty="0"/>
           </a:p>
         </p:txBody>
       </p:sp>
@@ -7592,7 +12717,7 @@
           <a:lstStyle/>
           <a:p>
             <a:r>
-              <a:rPr lang="en-US"/>
+              <a:rPr lang="en-US" dirty="0"/>
               <a:t>Multi-modal Speech Representation Learning</a:t>
             </a:r>
             <a:endParaRPr lang="de-DE" dirty="0"/>
@@ -7663,7 +12788,7 @@
           <p:cNvPr id="2" name="Titel 1">
             <a:extLst>
               <a:ext uri="{FF2B5EF4-FFF2-40B4-BE49-F238E27FC236}">
-                <a16:creationId xmlns:a16="http://schemas.microsoft.com/office/drawing/2014/main" id="{16FE91E3-A377-8F7F-1F2D-9A7FCA6AD26F}"/>
+                <a16:creationId xmlns:a16="http://schemas.microsoft.com/office/drawing/2014/main" id="{6967BD36-9BE1-9E11-2419-09EE0FB8BF17}"/>
               </a:ext>
             </a:extLst>
           </p:cNvPr>
@@ -7680,103 +12805,8 @@
           <a:lstStyle/>
           <a:p>
             <a:r>
-              <a:rPr lang="de-DE" dirty="0" err="1"/>
-              <a:t>Pre</a:t>
-            </a:r>
-            <a:r>
-              <a:rPr lang="de-DE" dirty="0"/>
-              <a:t>-training and Fine-tuning</a:t>
-            </a:r>
-          </a:p>
-        </p:txBody>
-      </p:sp>
-      <p:sp>
-        <p:nvSpPr>
-          <p:cNvPr id="3" name="Inhaltsplatzhalter 2">
-            <a:extLst>
-              <a:ext uri="{FF2B5EF4-FFF2-40B4-BE49-F238E27FC236}">
-                <a16:creationId xmlns:a16="http://schemas.microsoft.com/office/drawing/2014/main" id="{271E43AB-1111-4B2E-312E-B49CA654A00B}"/>
-              </a:ext>
-            </a:extLst>
-          </p:cNvPr>
-          <p:cNvSpPr>
-            <a:spLocks noGrp="1"/>
-          </p:cNvSpPr>
-          <p:nvPr>
-            <p:ph idx="1"/>
-          </p:nvPr>
-        </p:nvSpPr>
-        <p:spPr/>
-        <p:txBody>
-          <a:bodyPr/>
-          <a:lstStyle/>
-          <a:p>
-            <a:r>
-              <a:rPr lang="de-DE" dirty="0" err="1"/>
-              <a:t>Pre</a:t>
-            </a:r>
-            <a:r>
-              <a:rPr lang="de-DE" dirty="0"/>
-              <a:t>-training: (</a:t>
-            </a:r>
-            <a:r>
-              <a:rPr lang="de-DE" dirty="0" err="1"/>
-              <a:t>explanation</a:t>
-            </a:r>
-            <a:r>
-              <a:rPr lang="de-DE" dirty="0"/>
-              <a:t>) </a:t>
-            </a:r>
-            <a:r>
-              <a:rPr lang="de-DE" dirty="0" err="1"/>
-              <a:t>infer</a:t>
-            </a:r>
-            <a:r>
-              <a:rPr lang="de-DE" dirty="0"/>
-              <a:t> </a:t>
-            </a:r>
-            <a:r>
-              <a:rPr lang="de-DE" dirty="0" err="1"/>
-              <a:t>speech</a:t>
-            </a:r>
-            <a:r>
-              <a:rPr lang="de-DE" dirty="0"/>
-              <a:t> </a:t>
-            </a:r>
-            <a:r>
-              <a:rPr lang="de-DE" dirty="0" err="1"/>
-              <a:t>representation</a:t>
-            </a:r>
-            <a:endParaRPr lang="de-DE" dirty="0"/>
-          </a:p>
-          <a:p>
-            <a:r>
-              <a:rPr lang="de-DE" dirty="0"/>
-              <a:t>Fine-tuning: (</a:t>
-            </a:r>
-            <a:r>
-              <a:rPr lang="de-DE" dirty="0" err="1"/>
-              <a:t>name</a:t>
-            </a:r>
-            <a:r>
-              <a:rPr lang="de-DE" dirty="0"/>
-              <a:t> / </a:t>
-            </a:r>
-            <a:r>
-              <a:rPr lang="de-DE" dirty="0" err="1"/>
-              <a:t>explain</a:t>
-            </a:r>
-            <a:r>
-              <a:rPr lang="de-DE" dirty="0"/>
-              <a:t> </a:t>
-            </a:r>
-            <a:r>
-              <a:rPr lang="de-DE" dirty="0" err="1"/>
-              <a:t>examples</a:t>
-            </a:r>
-            <a:r>
-              <a:rPr lang="de-DE" dirty="0"/>
-              <a:t>): ASR/VSR/AVSR</a:t>
+              <a:rPr lang="en-US" dirty="0"/>
+              <a:t>Speech Representation Learning Paradigms</a:t>
             </a:r>
           </a:p>
         </p:txBody>
@@ -7786,7 +12816,7 @@
           <p:cNvPr id="4" name="Datumsplatzhalter 3">
             <a:extLst>
               <a:ext uri="{FF2B5EF4-FFF2-40B4-BE49-F238E27FC236}">
-                <a16:creationId xmlns:a16="http://schemas.microsoft.com/office/drawing/2014/main" id="{25212BE2-A1F4-3DB8-093D-0DF860D93D7E}"/>
+                <a16:creationId xmlns:a16="http://schemas.microsoft.com/office/drawing/2014/main" id="{B1B29855-1D3B-F04B-EB6A-E10C8CCAEBEF}"/>
               </a:ext>
             </a:extLst>
           </p:cNvPr>
@@ -7815,7 +12845,7 @@
           <p:cNvPr id="5" name="Fußzeilenplatzhalter 4">
             <a:extLst>
               <a:ext uri="{FF2B5EF4-FFF2-40B4-BE49-F238E27FC236}">
-                <a16:creationId xmlns:a16="http://schemas.microsoft.com/office/drawing/2014/main" id="{5A10E6A1-C128-F86D-E82F-AB31572F7A8C}"/>
+                <a16:creationId xmlns:a16="http://schemas.microsoft.com/office/drawing/2014/main" id="{4CACE1B6-89F7-2115-CE62-C6E4DDF5E688}"/>
               </a:ext>
             </a:extLst>
           </p:cNvPr>
@@ -7844,7 +12874,7 @@
           <p:cNvPr id="6" name="Foliennummernplatzhalter 5">
             <a:extLst>
               <a:ext uri="{FF2B5EF4-FFF2-40B4-BE49-F238E27FC236}">
-                <a16:creationId xmlns:a16="http://schemas.microsoft.com/office/drawing/2014/main" id="{9DE41329-F27B-D0C7-B0CC-67DE93BCAA5B}"/>
+                <a16:creationId xmlns:a16="http://schemas.microsoft.com/office/drawing/2014/main" id="{B430318A-605C-C70B-5C8A-E2CAB8FCDBDA}"/>
               </a:ext>
             </a:extLst>
           </p:cNvPr>
@@ -7871,7 +12901,7 @@
     </p:spTree>
     <p:extLst>
       <p:ext uri="{BB962C8B-B14F-4D97-AF65-F5344CB8AC3E}">
-        <p14:creationId xmlns:p14="http://schemas.microsoft.com/office/powerpoint/2010/main" val="3963046836"/>
+        <p14:creationId xmlns:p14="http://schemas.microsoft.com/office/powerpoint/2010/main" val="863770776"/>
       </p:ext>
     </p:extLst>
   </p:cSld>
@@ -7920,16 +12950,8 @@
           <a:lstStyle/>
           <a:p>
             <a:r>
-              <a:rPr lang="de-DE" dirty="0"/>
-              <a:t>Learning </a:t>
-            </a:r>
-            <a:r>
-              <a:rPr lang="de-DE" dirty="0" err="1"/>
-              <a:t>Paradigms</a:t>
-            </a:r>
-            <a:r>
-              <a:rPr lang="de-DE" dirty="0"/>
-              <a:t> of SRL</a:t>
+              <a:rPr lang="en-US" dirty="0"/>
+              <a:t>Speech Representation Learning Paradigms</a:t>
             </a:r>
           </a:p>
         </p:txBody>
@@ -7952,28 +12974,50 @@
         </p:nvSpPr>
         <p:spPr/>
         <p:txBody>
-          <a:bodyPr/>
-          <a:lstStyle/>
-          <a:p>
-            <a:r>
-              <a:rPr lang="de-DE" dirty="0"/>
-              <a:t>Generative/…</a:t>
-            </a:r>
-          </a:p>
-          <a:p>
-            <a:r>
-              <a:rPr lang="de-DE" dirty="0" err="1"/>
-              <a:t>Intrinsic</a:t>
-            </a:r>
-            <a:r>
-              <a:rPr lang="de-DE" dirty="0"/>
-              <a:t>/</a:t>
-            </a:r>
-            <a:r>
-              <a:rPr lang="de-DE" dirty="0" err="1"/>
-              <a:t>Extrinsic</a:t>
-            </a:r>
-            <a:endParaRPr lang="de-DE" dirty="0"/>
+          <a:bodyPr>
+            <a:normAutofit/>
+          </a:bodyPr>
+          <a:lstStyle/>
+          <a:p>
+            <a:r>
+              <a:rPr lang="en-US" sz="2400" dirty="0"/>
+              <a:t>Generative</a:t>
+            </a:r>
+          </a:p>
+          <a:p>
+            <a:pPr lvl="1"/>
+            <a:r>
+              <a:rPr lang="en-US" sz="2000" dirty="0"/>
+              <a:t>Reconstruct input based on limited view</a:t>
+            </a:r>
+          </a:p>
+          <a:p>
+            <a:pPr lvl="1"/>
+            <a:r>
+              <a:rPr lang="en-US" sz="2000" dirty="0"/>
+              <a:t>Predict:</a:t>
+            </a:r>
+          </a:p>
+          <a:p>
+            <a:pPr lvl="2"/>
+            <a:r>
+              <a:rPr lang="en-US" sz="1600" dirty="0"/>
+              <a:t>Future inputs</a:t>
+            </a:r>
+          </a:p>
+          <a:p>
+            <a:pPr lvl="2"/>
+            <a:r>
+              <a:rPr lang="en-US" sz="1600" dirty="0"/>
+              <a:t>Masked inputs</a:t>
+            </a:r>
+          </a:p>
+          <a:p>
+            <a:pPr lvl="2"/>
+            <a:r>
+              <a:rPr lang="en-US" sz="1600" dirty="0"/>
+              <a:t>Original from corrupted/noisy input</a:t>
+            </a:r>
           </a:p>
         </p:txBody>
       </p:sp>
@@ -8064,6 +13108,42 @@
           </a:p>
         </p:txBody>
       </p:sp>
+      <p:pic>
+        <p:nvPicPr>
+          <p:cNvPr id="8" name="Grafik 7" descr="Ein Bild, das Text, Reihe, Diagramm, Schrift enthält.&#10;&#10;Automatisch generierte Beschreibung">
+            <a:extLst>
+              <a:ext uri="{FF2B5EF4-FFF2-40B4-BE49-F238E27FC236}">
+                <a16:creationId xmlns:a16="http://schemas.microsoft.com/office/drawing/2014/main" id="{D2FBEDBE-68E5-E73E-544F-B10270586B33}"/>
+              </a:ext>
+            </a:extLst>
+          </p:cNvPr>
+          <p:cNvPicPr>
+            <a:picLocks noChangeAspect="1"/>
+          </p:cNvPicPr>
+          <p:nvPr/>
+        </p:nvPicPr>
+        <p:blipFill>
+          <a:blip r:embed="rId3">
+            <a:extLst>
+              <a:ext uri="{28A0092B-C50C-407E-A947-70E740481C1C}">
+                <a14:useLocalDpi xmlns:a14="http://schemas.microsoft.com/office/drawing/2010/main" val="0"/>
+              </a:ext>
+            </a:extLst>
+          </a:blip>
+          <a:stretch>
+            <a:fillRect/>
+          </a:stretch>
+        </p:blipFill>
+        <p:spPr>
+          <a:xfrm>
+            <a:off x="7386672" y="2160482"/>
+            <a:ext cx="3967128" cy="2983280"/>
+          </a:xfrm>
+          <a:prstGeom prst="rect">
+            <a:avLst/>
+          </a:prstGeom>
+        </p:spPr>
+      </p:pic>
     </p:spTree>
     <p:extLst>
       <p:ext uri="{BB962C8B-B14F-4D97-AF65-F5344CB8AC3E}">
@@ -8099,7 +13179,7 @@
           <p:cNvPr id="2" name="Titel 1">
             <a:extLst>
               <a:ext uri="{FF2B5EF4-FFF2-40B4-BE49-F238E27FC236}">
-                <a16:creationId xmlns:a16="http://schemas.microsoft.com/office/drawing/2014/main" id="{8C4D5918-58C4-9A1A-72ED-08A5D498DEA7}"/>
+                <a16:creationId xmlns:a16="http://schemas.microsoft.com/office/drawing/2014/main" id="{6967BD36-9BE1-9E11-2419-09EE0FB8BF17}"/>
               </a:ext>
             </a:extLst>
           </p:cNvPr>
@@ -8116,14 +13196,9 @@
           <a:lstStyle/>
           <a:p>
             <a:r>
-              <a:rPr lang="de-DE" dirty="0"/>
-              <a:t>Single-mode </a:t>
-            </a:r>
-            <a:r>
-              <a:rPr lang="de-DE" dirty="0" err="1"/>
-              <a:t>approaches</a:t>
-            </a:r>
-            <a:endParaRPr lang="de-DE" dirty="0"/>
+              <a:rPr lang="en-US" dirty="0"/>
+              <a:t>Speech Representation Learning Paradigms</a:t>
+            </a:r>
           </a:p>
         </p:txBody>
       </p:sp>
@@ -8132,7 +13207,7 @@
           <p:cNvPr id="3" name="Inhaltsplatzhalter 2">
             <a:extLst>
               <a:ext uri="{FF2B5EF4-FFF2-40B4-BE49-F238E27FC236}">
-                <a16:creationId xmlns:a16="http://schemas.microsoft.com/office/drawing/2014/main" id="{AC7E29A0-6A42-D439-44FF-E5C1BB0BB253}"/>
+                <a16:creationId xmlns:a16="http://schemas.microsoft.com/office/drawing/2014/main" id="{5F605907-84CB-5A07-5B52-58273FC86B50}"/>
               </a:ext>
             </a:extLst>
           </p:cNvPr>
@@ -8145,57 +13220,45 @@
         </p:nvSpPr>
         <p:spPr/>
         <p:txBody>
-          <a:bodyPr/>
-          <a:lstStyle/>
-          <a:p>
-            <a:r>
-              <a:rPr lang="de-DE" dirty="0"/>
-              <a:t>Show </a:t>
-            </a:r>
-            <a:r>
-              <a:rPr lang="de-DE" dirty="0" err="1"/>
-              <a:t>single</a:t>
-            </a:r>
-            <a:r>
-              <a:rPr lang="de-DE" dirty="0"/>
-              <a:t> </a:t>
-            </a:r>
-            <a:r>
-              <a:rPr lang="de-DE" dirty="0" err="1"/>
-              <a:t>mode</a:t>
-            </a:r>
-            <a:r>
-              <a:rPr lang="de-DE" dirty="0"/>
-              <a:t> </a:t>
-            </a:r>
-            <a:r>
-              <a:rPr lang="de-DE" dirty="0" err="1"/>
-              <a:t>approaches</a:t>
-            </a:r>
-            <a:r>
-              <a:rPr lang="de-DE" dirty="0"/>
-              <a:t> (review </a:t>
-            </a:r>
-            <a:r>
-              <a:rPr lang="de-DE" dirty="0" err="1"/>
-              <a:t>paper</a:t>
-            </a:r>
-            <a:r>
-              <a:rPr lang="de-DE" dirty="0"/>
-              <a:t>)</a:t>
-            </a:r>
-          </a:p>
-          <a:p>
-            <a:r>
-              <a:rPr lang="de-DE" dirty="0" err="1"/>
-              <a:t>HuBERT</a:t>
-            </a:r>
-            <a:endParaRPr lang="de-DE" dirty="0"/>
-          </a:p>
-          <a:p>
-            <a:r>
-              <a:rPr lang="de-DE" dirty="0"/>
-              <a:t>wav2vec</a:t>
+          <a:bodyPr>
+            <a:normAutofit/>
+          </a:bodyPr>
+          <a:lstStyle/>
+          <a:p>
+            <a:r>
+              <a:rPr lang="en-US" sz="2400" dirty="0"/>
+              <a:t>Generative</a:t>
+            </a:r>
+          </a:p>
+          <a:p>
+            <a:pPr lvl="1"/>
+            <a:r>
+              <a:rPr lang="en-US" sz="2000" dirty="0"/>
+              <a:t>Reconstruct input</a:t>
+            </a:r>
+          </a:p>
+          <a:p>
+            <a:r>
+              <a:rPr lang="en-US" sz="2400" dirty="0"/>
+              <a:t>Contrastive</a:t>
+            </a:r>
+          </a:p>
+          <a:p>
+            <a:pPr lvl="1"/>
+            <a:r>
+              <a:rPr lang="en-US" sz="2000" dirty="0"/>
+              <a:t>Similar samples should have similar representations</a:t>
+            </a:r>
+          </a:p>
+          <a:p>
+            <a:pPr lvl="1"/>
+            <a:endParaRPr lang="en-US" sz="2000" dirty="0"/>
+          </a:p>
+          <a:p>
+            <a:pPr lvl="1"/>
+            <a:r>
+              <a:rPr lang="en-US" sz="2000" dirty="0"/>
+              <a:t>Example loss:</a:t>
             </a:r>
           </a:p>
         </p:txBody>
@@ -8205,7 +13268,7 @@
           <p:cNvPr id="4" name="Datumsplatzhalter 3">
             <a:extLst>
               <a:ext uri="{FF2B5EF4-FFF2-40B4-BE49-F238E27FC236}">
-                <a16:creationId xmlns:a16="http://schemas.microsoft.com/office/drawing/2014/main" id="{3A207044-445B-8A71-6FDA-7C1B54679F7C}"/>
+                <a16:creationId xmlns:a16="http://schemas.microsoft.com/office/drawing/2014/main" id="{B1B29855-1D3B-F04B-EB6A-E10C8CCAEBEF}"/>
               </a:ext>
             </a:extLst>
           </p:cNvPr>
@@ -8234,7 +13297,7 @@
           <p:cNvPr id="5" name="Fußzeilenplatzhalter 4">
             <a:extLst>
               <a:ext uri="{FF2B5EF4-FFF2-40B4-BE49-F238E27FC236}">
-                <a16:creationId xmlns:a16="http://schemas.microsoft.com/office/drawing/2014/main" id="{D8A631EC-F945-1CFF-CC1F-4B965475D8D9}"/>
+                <a16:creationId xmlns:a16="http://schemas.microsoft.com/office/drawing/2014/main" id="{4CACE1B6-89F7-2115-CE62-C6E4DDF5E688}"/>
               </a:ext>
             </a:extLst>
           </p:cNvPr>
@@ -8263,7 +13326,7 @@
           <p:cNvPr id="6" name="Foliennummernplatzhalter 5">
             <a:extLst>
               <a:ext uri="{FF2B5EF4-FFF2-40B4-BE49-F238E27FC236}">
-                <a16:creationId xmlns:a16="http://schemas.microsoft.com/office/drawing/2014/main" id="{433A7482-7144-853C-2316-41B365C312DE}"/>
+                <a16:creationId xmlns:a16="http://schemas.microsoft.com/office/drawing/2014/main" id="{B430318A-605C-C70B-5C8A-E2CAB8FCDBDA}"/>
               </a:ext>
             </a:extLst>
           </p:cNvPr>
@@ -8287,10 +13350,612 @@
           </a:p>
         </p:txBody>
       </p:sp>
+      <p:pic>
+        <p:nvPicPr>
+          <p:cNvPr id="8" name="Grafik 7" descr="Ein Bild, das Text, Diagramm, Reihe, Kreis enthält.&#10;&#10;Automatisch generierte Beschreibung">
+            <a:extLst>
+              <a:ext uri="{FF2B5EF4-FFF2-40B4-BE49-F238E27FC236}">
+                <a16:creationId xmlns:a16="http://schemas.microsoft.com/office/drawing/2014/main" id="{51A47539-7D94-4BB9-4D4E-78B6F1FDB8AB}"/>
+              </a:ext>
+            </a:extLst>
+          </p:cNvPr>
+          <p:cNvPicPr>
+            <a:picLocks noChangeAspect="1"/>
+          </p:cNvPicPr>
+          <p:nvPr/>
+        </p:nvPicPr>
+        <p:blipFill>
+          <a:blip r:embed="rId3">
+            <a:extLst>
+              <a:ext uri="{28A0092B-C50C-407E-A947-70E740481C1C}">
+                <a14:useLocalDpi xmlns:a14="http://schemas.microsoft.com/office/drawing/2010/main" val="0"/>
+              </a:ext>
+            </a:extLst>
+          </a:blip>
+          <a:stretch>
+            <a:fillRect/>
+          </a:stretch>
+        </p:blipFill>
+        <p:spPr>
+          <a:xfrm>
+            <a:off x="7088553" y="4260111"/>
+            <a:ext cx="4265247" cy="1916852"/>
+          </a:xfrm>
+          <a:prstGeom prst="rect">
+            <a:avLst/>
+          </a:prstGeom>
+        </p:spPr>
+      </p:pic>
+      <mc:AlternateContent xmlns:mc="http://schemas.openxmlformats.org/markup-compatibility/2006">
+        <mc:Choice xmlns:a14="http://schemas.microsoft.com/office/drawing/2010/main" Requires="a14">
+          <p:sp>
+            <p:nvSpPr>
+              <p:cNvPr id="10" name="Textfeld 9">
+                <a:extLst>
+                  <a:ext uri="{FF2B5EF4-FFF2-40B4-BE49-F238E27FC236}">
+                    <a16:creationId xmlns:a16="http://schemas.microsoft.com/office/drawing/2014/main" id="{16D52E56-414C-3129-9856-005C7799ED9D}"/>
+                  </a:ext>
+                </a:extLst>
+              </p:cNvPr>
+              <p:cNvSpPr txBox="1"/>
+              <p:nvPr/>
+            </p:nvSpPr>
+            <p:spPr>
+              <a:xfrm>
+                <a:off x="3138204" y="3512545"/>
+                <a:ext cx="3950349" cy="1315745"/>
+              </a:xfrm>
+              <a:prstGeom prst="rect">
+                <a:avLst/>
+              </a:prstGeom>
+              <a:noFill/>
+            </p:spPr>
+            <p:txBody>
+              <a:bodyPr wrap="square" lIns="0" tIns="0" rIns="0" bIns="0" rtlCol="0">
+                <a:spAutoFit/>
+              </a:bodyPr>
+              <a:lstStyle/>
+              <a:p>
+                <a14:m>
+                  <m:oMathPara xmlns:m="http://schemas.openxmlformats.org/officeDocument/2006/math">
+                    <m:oMathParaPr>
+                      <m:jc m:val="centerGroup"/>
+                    </m:oMathParaPr>
+                    <m:oMath xmlns:m="http://schemas.openxmlformats.org/officeDocument/2006/math">
+                      <m:sSub>
+                        <m:sSubPr>
+                          <m:ctrlPr>
+                            <a:rPr lang="de-DE" b="0" i="1" smtClean="0">
+                              <a:latin typeface="Cambria Math" panose="02040503050406030204" pitchFamily="18" charset="0"/>
+                              <a:ea typeface="Cambria Math" panose="02040503050406030204" pitchFamily="18" charset="0"/>
+                            </a:rPr>
+                          </m:ctrlPr>
+                        </m:sSubPr>
+                        <m:e>
+                          <m:r>
+                            <a:rPr lang="en-GB" i="1" smtClean="0">
+                              <a:latin typeface="Cambria Math" panose="02040503050406030204" pitchFamily="18" charset="0"/>
+                              <a:ea typeface="Cambria Math" panose="02040503050406030204" pitchFamily="18" charset="0"/>
+                            </a:rPr>
+                            <m:t>ℒ</m:t>
+                          </m:r>
+                        </m:e>
+                        <m:sub>
+                          <m:r>
+                            <a:rPr lang="de-DE" b="0" i="1" smtClean="0">
+                              <a:latin typeface="Cambria Math" panose="02040503050406030204" pitchFamily="18" charset="0"/>
+                              <a:ea typeface="Cambria Math" panose="02040503050406030204" pitchFamily="18" charset="0"/>
+                            </a:rPr>
+                            <m:t>𝑡</m:t>
+                          </m:r>
+                          <m:r>
+                            <a:rPr lang="de-DE" b="0" i="1" smtClean="0">
+                              <a:latin typeface="Cambria Math" panose="02040503050406030204" pitchFamily="18" charset="0"/>
+                              <a:ea typeface="Cambria Math" panose="02040503050406030204" pitchFamily="18" charset="0"/>
+                            </a:rPr>
+                            <m:t>,</m:t>
+                          </m:r>
+                          <m:r>
+                            <a:rPr lang="de-DE" b="0" i="1" smtClean="0">
+                              <a:latin typeface="Cambria Math" panose="02040503050406030204" pitchFamily="18" charset="0"/>
+                              <a:ea typeface="Cambria Math" panose="02040503050406030204" pitchFamily="18" charset="0"/>
+                            </a:rPr>
+                            <m:t>𝑘</m:t>
+                          </m:r>
+                        </m:sub>
+                      </m:sSub>
+                      <m:r>
+                        <a:rPr lang="de-DE" b="0" i="1" smtClean="0">
+                          <a:latin typeface="Cambria Math" panose="02040503050406030204" pitchFamily="18" charset="0"/>
+                          <a:ea typeface="Cambria Math" panose="02040503050406030204" pitchFamily="18" charset="0"/>
+                        </a:rPr>
+                        <m:t>=−</m:t>
+                      </m:r>
+                      <m:func>
+                        <m:funcPr>
+                          <m:ctrlPr>
+                            <a:rPr lang="de-DE" b="0" i="1" smtClean="0">
+                              <a:latin typeface="Cambria Math" panose="02040503050406030204" pitchFamily="18" charset="0"/>
+                              <a:ea typeface="Cambria Math" panose="02040503050406030204" pitchFamily="18" charset="0"/>
+                            </a:rPr>
+                          </m:ctrlPr>
+                        </m:funcPr>
+                        <m:fName>
+                          <m:r>
+                            <m:rPr>
+                              <m:sty m:val="p"/>
+                            </m:rPr>
+                            <a:rPr lang="de-DE" b="0" i="0" smtClean="0">
+                              <a:latin typeface="Cambria Math" panose="02040503050406030204" pitchFamily="18" charset="0"/>
+                              <a:ea typeface="Cambria Math" panose="02040503050406030204" pitchFamily="18" charset="0"/>
+                            </a:rPr>
+                            <m:t>log</m:t>
+                          </m:r>
+                        </m:fName>
+                        <m:e>
+                          <m:d>
+                            <m:dPr>
+                              <m:ctrlPr>
+                                <a:rPr lang="de-DE" b="0" i="1" smtClean="0">
+                                  <a:latin typeface="Cambria Math" panose="02040503050406030204" pitchFamily="18" charset="0"/>
+                                  <a:ea typeface="Cambria Math" panose="02040503050406030204" pitchFamily="18" charset="0"/>
+                                </a:rPr>
+                              </m:ctrlPr>
+                            </m:dPr>
+                            <m:e>
+                              <m:f>
+                                <m:fPr>
+                                  <m:ctrlPr>
+                                    <a:rPr lang="de-DE" b="0" i="1" smtClean="0">
+                                      <a:latin typeface="Cambria Math" panose="02040503050406030204" pitchFamily="18" charset="0"/>
+                                      <a:ea typeface="Cambria Math" panose="02040503050406030204" pitchFamily="18" charset="0"/>
+                                    </a:rPr>
+                                  </m:ctrlPr>
+                                </m:fPr>
+                                <m:num>
+                                  <m:func>
+                                    <m:funcPr>
+                                      <m:ctrlPr>
+                                        <a:rPr lang="de-DE" b="0" i="1" smtClean="0">
+                                          <a:latin typeface="Cambria Math" panose="02040503050406030204" pitchFamily="18" charset="0"/>
+                                          <a:ea typeface="Cambria Math" panose="02040503050406030204" pitchFamily="18" charset="0"/>
+                                        </a:rPr>
+                                      </m:ctrlPr>
+                                    </m:funcPr>
+                                    <m:fName>
+                                      <m:r>
+                                        <m:rPr>
+                                          <m:sty m:val="p"/>
+                                        </m:rPr>
+                                        <a:rPr lang="de-DE" b="0" i="0" smtClean="0">
+                                          <a:latin typeface="Cambria Math" panose="02040503050406030204" pitchFamily="18" charset="0"/>
+                                          <a:ea typeface="Cambria Math" panose="02040503050406030204" pitchFamily="18" charset="0"/>
+                                        </a:rPr>
+                                        <m:t>exp</m:t>
+                                      </m:r>
+                                    </m:fName>
+                                    <m:e>
+                                      <m:d>
+                                        <m:dPr>
+                                          <m:ctrlPr>
+                                            <a:rPr lang="de-DE" b="0" i="1" smtClean="0">
+                                              <a:latin typeface="Cambria Math" panose="02040503050406030204" pitchFamily="18" charset="0"/>
+                                              <a:ea typeface="Cambria Math" panose="02040503050406030204" pitchFamily="18" charset="0"/>
+                                            </a:rPr>
+                                          </m:ctrlPr>
+                                        </m:dPr>
+                                        <m:e>
+                                          <m:sSubSup>
+                                            <m:sSubSupPr>
+                                              <m:ctrlPr>
+                                                <a:rPr lang="de-DE" b="0" i="1" smtClean="0">
+                                                  <a:latin typeface="Cambria Math" panose="02040503050406030204" pitchFamily="18" charset="0"/>
+                                                  <a:ea typeface="Cambria Math" panose="02040503050406030204" pitchFamily="18" charset="0"/>
+                                                </a:rPr>
+                                              </m:ctrlPr>
+                                            </m:sSubSupPr>
+                                            <m:e>
+                                              <m:r>
+                                                <a:rPr lang="de-DE" b="0" i="1" smtClean="0">
+                                                  <a:latin typeface="Cambria Math" panose="02040503050406030204" pitchFamily="18" charset="0"/>
+                                                  <a:ea typeface="Cambria Math" panose="02040503050406030204" pitchFamily="18" charset="0"/>
+                                                </a:rPr>
+                                                <m:t>𝑠</m:t>
+                                              </m:r>
+                                            </m:e>
+                                            <m:sub>
+                                              <m:r>
+                                                <a:rPr lang="de-DE" b="0" i="1" smtClean="0">
+                                                  <a:latin typeface="Cambria Math" panose="02040503050406030204" pitchFamily="18" charset="0"/>
+                                                  <a:ea typeface="Cambria Math" panose="02040503050406030204" pitchFamily="18" charset="0"/>
+                                                </a:rPr>
+                                                <m:t>𝑎</m:t>
+                                              </m:r>
+                                            </m:sub>
+                                            <m:sup>
+                                              <m:r>
+                                                <a:rPr lang="de-DE" b="0" i="1" smtClean="0">
+                                                  <a:latin typeface="Cambria Math" panose="02040503050406030204" pitchFamily="18" charset="0"/>
+                                                  <a:ea typeface="Cambria Math" panose="02040503050406030204" pitchFamily="18" charset="0"/>
+                                                </a:rPr>
+                                                <m:t>𝑇</m:t>
+                                              </m:r>
+                                            </m:sup>
+                                          </m:sSubSup>
+                                          <m:sSub>
+                                            <m:sSubPr>
+                                              <m:ctrlPr>
+                                                <a:rPr lang="de-DE" b="0" i="1" smtClean="0">
+                                                  <a:latin typeface="Cambria Math" panose="02040503050406030204" pitchFamily="18" charset="0"/>
+                                                  <a:ea typeface="Cambria Math" panose="02040503050406030204" pitchFamily="18" charset="0"/>
+                                                </a:rPr>
+                                              </m:ctrlPr>
+                                            </m:sSubPr>
+                                            <m:e>
+                                              <m:r>
+                                                <a:rPr lang="de-DE" b="0" i="1" smtClean="0">
+                                                  <a:latin typeface="Cambria Math" panose="02040503050406030204" pitchFamily="18" charset="0"/>
+                                                  <a:ea typeface="Cambria Math" panose="02040503050406030204" pitchFamily="18" charset="0"/>
+                                                </a:rPr>
+                                                <m:t>𝑠</m:t>
+                                              </m:r>
+                                            </m:e>
+                                            <m:sub>
+                                              <m:r>
+                                                <a:rPr lang="de-DE" b="0" i="1" smtClean="0">
+                                                  <a:latin typeface="Cambria Math" panose="02040503050406030204" pitchFamily="18" charset="0"/>
+                                                  <a:ea typeface="Cambria Math" panose="02040503050406030204" pitchFamily="18" charset="0"/>
+                                                </a:rPr>
+                                                <m:t>𝑝</m:t>
+                                              </m:r>
+                                            </m:sub>
+                                          </m:sSub>
+                                        </m:e>
+                                      </m:d>
+                                    </m:e>
+                                  </m:func>
+                                </m:num>
+                                <m:den>
+                                  <m:nary>
+                                    <m:naryPr>
+                                      <m:chr m:val="∑"/>
+                                      <m:supHide m:val="on"/>
+                                      <m:ctrlPr>
+                                        <a:rPr lang="de-DE" b="0" i="1" smtClean="0">
+                                          <a:latin typeface="Cambria Math" panose="02040503050406030204" pitchFamily="18" charset="0"/>
+                                          <a:ea typeface="Cambria Math" panose="02040503050406030204" pitchFamily="18" charset="0"/>
+                                        </a:rPr>
+                                      </m:ctrlPr>
+                                    </m:naryPr>
+                                    <m:sub>
+                                      <m:r>
+                                        <a:rPr lang="de-DE" b="0" i="1" smtClean="0">
+                                          <a:latin typeface="Cambria Math" panose="02040503050406030204" pitchFamily="18" charset="0"/>
+                                          <a:ea typeface="Cambria Math" panose="02040503050406030204" pitchFamily="18" charset="0"/>
+                                        </a:rPr>
+                                        <m:t>𝑖</m:t>
+                                      </m:r>
+                                      <m:r>
+                                        <a:rPr lang="de-DE" b="0" i="1" smtClean="0">
+                                          <a:latin typeface="Cambria Math" panose="02040503050406030204" pitchFamily="18" charset="0"/>
+                                          <a:ea typeface="Cambria Math" panose="02040503050406030204" pitchFamily="18" charset="0"/>
+                                        </a:rPr>
+                                        <m:t>∈</m:t>
+                                      </m:r>
+                                      <m:r>
+                                        <a:rPr lang="de-DE" b="0" i="1" smtClean="0">
+                                          <a:latin typeface="Cambria Math" panose="02040503050406030204" pitchFamily="18" charset="0"/>
+                                          <a:ea typeface="Cambria Math" panose="02040503050406030204" pitchFamily="18" charset="0"/>
+                                        </a:rPr>
+                                        <m:t>𝐼</m:t>
+                                      </m:r>
+                                    </m:sub>
+                                    <m:sup/>
+                                    <m:e>
+                                      <m:func>
+                                        <m:funcPr>
+                                          <m:ctrlPr>
+                                            <a:rPr lang="de-DE" b="0" i="1" smtClean="0">
+                                              <a:latin typeface="Cambria Math" panose="02040503050406030204" pitchFamily="18" charset="0"/>
+                                              <a:ea typeface="Cambria Math" panose="02040503050406030204" pitchFamily="18" charset="0"/>
+                                            </a:rPr>
+                                          </m:ctrlPr>
+                                        </m:funcPr>
+                                        <m:fName>
+                                          <m:r>
+                                            <m:rPr>
+                                              <m:sty m:val="p"/>
+                                            </m:rPr>
+                                            <a:rPr lang="de-DE" b="0" i="0" smtClean="0">
+                                              <a:latin typeface="Cambria Math" panose="02040503050406030204" pitchFamily="18" charset="0"/>
+                                              <a:ea typeface="Cambria Math" panose="02040503050406030204" pitchFamily="18" charset="0"/>
+                                            </a:rPr>
+                                            <m:t>exp</m:t>
+                                          </m:r>
+                                        </m:fName>
+                                        <m:e>
+                                          <m:d>
+                                            <m:dPr>
+                                              <m:ctrlPr>
+                                                <a:rPr lang="de-DE" b="0" i="1" smtClean="0">
+                                                  <a:latin typeface="Cambria Math" panose="02040503050406030204" pitchFamily="18" charset="0"/>
+                                                  <a:ea typeface="Cambria Math" panose="02040503050406030204" pitchFamily="18" charset="0"/>
+                                                </a:rPr>
+                                              </m:ctrlPr>
+                                            </m:dPr>
+                                            <m:e>
+                                              <m:sSubSup>
+                                                <m:sSubSupPr>
+                                                  <m:ctrlPr>
+                                                    <a:rPr lang="de-DE" b="0" i="1" smtClean="0">
+                                                      <a:latin typeface="Cambria Math" panose="02040503050406030204" pitchFamily="18" charset="0"/>
+                                                      <a:ea typeface="Cambria Math" panose="02040503050406030204" pitchFamily="18" charset="0"/>
+                                                    </a:rPr>
+                                                  </m:ctrlPr>
+                                                </m:sSubSupPr>
+                                                <m:e>
+                                                  <m:r>
+                                                    <a:rPr lang="de-DE" b="0" i="1" smtClean="0">
+                                                      <a:latin typeface="Cambria Math" panose="02040503050406030204" pitchFamily="18" charset="0"/>
+                                                      <a:ea typeface="Cambria Math" panose="02040503050406030204" pitchFamily="18" charset="0"/>
+                                                    </a:rPr>
+                                                    <m:t>𝑠</m:t>
+                                                  </m:r>
+                                                </m:e>
+                                                <m:sub>
+                                                  <m:r>
+                                                    <a:rPr lang="de-DE" b="0" i="1" smtClean="0">
+                                                      <a:latin typeface="Cambria Math" panose="02040503050406030204" pitchFamily="18" charset="0"/>
+                                                      <a:ea typeface="Cambria Math" panose="02040503050406030204" pitchFamily="18" charset="0"/>
+                                                    </a:rPr>
+                                                    <m:t>𝑎</m:t>
+                                                  </m:r>
+                                                </m:sub>
+                                                <m:sup>
+                                                  <m:r>
+                                                    <a:rPr lang="de-DE" b="0" i="1" smtClean="0">
+                                                      <a:latin typeface="Cambria Math" panose="02040503050406030204" pitchFamily="18" charset="0"/>
+                                                      <a:ea typeface="Cambria Math" panose="02040503050406030204" pitchFamily="18" charset="0"/>
+                                                    </a:rPr>
+                                                    <m:t>𝑇</m:t>
+                                                  </m:r>
+                                                </m:sup>
+                                              </m:sSubSup>
+                                              <m:sSub>
+                                                <m:sSubPr>
+                                                  <m:ctrlPr>
+                                                    <a:rPr lang="de-DE" b="0" i="1" smtClean="0">
+                                                      <a:latin typeface="Cambria Math" panose="02040503050406030204" pitchFamily="18" charset="0"/>
+                                                      <a:ea typeface="Cambria Math" panose="02040503050406030204" pitchFamily="18" charset="0"/>
+                                                    </a:rPr>
+                                                  </m:ctrlPr>
+                                                </m:sSubPr>
+                                                <m:e>
+                                                  <m:r>
+                                                    <a:rPr lang="de-DE" b="0" i="1" smtClean="0">
+                                                      <a:latin typeface="Cambria Math" panose="02040503050406030204" pitchFamily="18" charset="0"/>
+                                                      <a:ea typeface="Cambria Math" panose="02040503050406030204" pitchFamily="18" charset="0"/>
+                                                    </a:rPr>
+                                                    <m:t>𝑠</m:t>
+                                                  </m:r>
+                                                </m:e>
+                                                <m:sub>
+                                                  <m:r>
+                                                    <a:rPr lang="de-DE" b="0" i="1" smtClean="0">
+                                                      <a:latin typeface="Cambria Math" panose="02040503050406030204" pitchFamily="18" charset="0"/>
+                                                      <a:ea typeface="Cambria Math" panose="02040503050406030204" pitchFamily="18" charset="0"/>
+                                                    </a:rPr>
+                                                    <m:t>𝑖</m:t>
+                                                  </m:r>
+                                                </m:sub>
+                                              </m:sSub>
+                                            </m:e>
+                                          </m:d>
+                                        </m:e>
+                                      </m:func>
+                                    </m:e>
+                                  </m:nary>
+                                </m:den>
+                              </m:f>
+                            </m:e>
+                          </m:d>
+                        </m:e>
+                      </m:func>
+                    </m:oMath>
+                  </m:oMathPara>
+                </a14:m>
+                <a:endParaRPr lang="en-GB" dirty="0"/>
+              </a:p>
+              <a:p>
+                <a14:m>
+                  <m:oMath xmlns:m="http://schemas.openxmlformats.org/officeDocument/2006/math">
+                    <m:sSub>
+                      <m:sSubPr>
+                        <m:ctrlPr>
+                          <a:rPr lang="de-DE" sz="1400" i="1">
+                            <a:latin typeface="Cambria Math" panose="02040503050406030204" pitchFamily="18" charset="0"/>
+                            <a:ea typeface="Cambria Math" panose="02040503050406030204" pitchFamily="18" charset="0"/>
+                          </a:rPr>
+                        </m:ctrlPr>
+                      </m:sSubPr>
+                      <m:e>
+                        <m:r>
+                          <m:rPr>
+                            <m:sty m:val="p"/>
+                          </m:rPr>
+                          <a:rPr lang="de-DE" sz="1400">
+                            <a:latin typeface="Cambria Math" panose="02040503050406030204" pitchFamily="18" charset="0"/>
+                            <a:ea typeface="Cambria Math" panose="02040503050406030204" pitchFamily="18" charset="0"/>
+                          </a:rPr>
+                          <m:t>s</m:t>
+                        </m:r>
+                      </m:e>
+                      <m:sub>
+                        <m:r>
+                          <m:rPr>
+                            <m:sty m:val="p"/>
+                          </m:rPr>
+                          <a:rPr lang="de-DE" sz="1400">
+                            <a:latin typeface="Cambria Math" panose="02040503050406030204" pitchFamily="18" charset="0"/>
+                            <a:ea typeface="Cambria Math" panose="02040503050406030204" pitchFamily="18" charset="0"/>
+                          </a:rPr>
+                          <m:t>a</m:t>
+                        </m:r>
+                      </m:sub>
+                    </m:sSub>
+                  </m:oMath>
+                </a14:m>
+                <a:r>
+                  <a:rPr lang="en-GB" sz="1400" dirty="0"/>
+                  <a:t> = anchor/target sample,</a:t>
+                </a:r>
+                <a:br>
+                  <a:rPr lang="en-GB" sz="1400" dirty="0"/>
+                </a:br>
+                <a:r>
+                  <a:rPr lang="en-GB" sz="1400" dirty="0"/>
+                  <a:t> </a:t>
+                </a:r>
+                <a14:m>
+                  <m:oMath xmlns:m="http://schemas.openxmlformats.org/officeDocument/2006/math">
+                    <m:sSub>
+                      <m:sSubPr>
+                        <m:ctrlPr>
+                          <a:rPr lang="de-DE" sz="1400" i="1">
+                            <a:latin typeface="Cambria Math" panose="02040503050406030204" pitchFamily="18" charset="0"/>
+                            <a:ea typeface="Cambria Math" panose="02040503050406030204" pitchFamily="18" charset="0"/>
+                          </a:rPr>
+                        </m:ctrlPr>
+                      </m:sSubPr>
+                      <m:e>
+                        <m:r>
+                          <m:rPr>
+                            <m:sty m:val="p"/>
+                          </m:rPr>
+                          <a:rPr lang="de-DE" sz="1400">
+                            <a:latin typeface="Cambria Math" panose="02040503050406030204" pitchFamily="18" charset="0"/>
+                            <a:ea typeface="Cambria Math" panose="02040503050406030204" pitchFamily="18" charset="0"/>
+                          </a:rPr>
+                          <m:t>s</m:t>
+                        </m:r>
+                      </m:e>
+                      <m:sub>
+                        <m:r>
+                          <m:rPr>
+                            <m:sty m:val="p"/>
+                          </m:rPr>
+                          <a:rPr lang="de-DE" sz="1400" b="0" i="0" smtClean="0">
+                            <a:latin typeface="Cambria Math" panose="02040503050406030204" pitchFamily="18" charset="0"/>
+                            <a:ea typeface="Cambria Math" panose="02040503050406030204" pitchFamily="18" charset="0"/>
+                          </a:rPr>
+                          <m:t>p</m:t>
+                        </m:r>
+                      </m:sub>
+                    </m:sSub>
+                  </m:oMath>
+                </a14:m>
+                <a:r>
+                  <a:rPr lang="en-GB" sz="1400" dirty="0"/>
+                  <a:t>=positive,</a:t>
+                </a:r>
+              </a:p>
+              <a:p>
+                <a:r>
+                  <a:rPr lang="en-GB" sz="1400" dirty="0"/>
+                  <a:t> </a:t>
+                </a:r>
+                <a14:m>
+                  <m:oMath xmlns:m="http://schemas.openxmlformats.org/officeDocument/2006/math">
+                    <m:sSub>
+                      <m:sSubPr>
+                        <m:ctrlPr>
+                          <a:rPr lang="de-DE" sz="1400" i="1">
+                            <a:latin typeface="Cambria Math" panose="02040503050406030204" pitchFamily="18" charset="0"/>
+                            <a:ea typeface="Cambria Math" panose="02040503050406030204" pitchFamily="18" charset="0"/>
+                          </a:rPr>
+                        </m:ctrlPr>
+                      </m:sSubPr>
+                      <m:e>
+                        <m:r>
+                          <m:rPr>
+                            <m:sty m:val="p"/>
+                          </m:rPr>
+                          <a:rPr lang="de-DE" sz="1400">
+                            <a:latin typeface="Cambria Math" panose="02040503050406030204" pitchFamily="18" charset="0"/>
+                            <a:ea typeface="Cambria Math" panose="02040503050406030204" pitchFamily="18" charset="0"/>
+                          </a:rPr>
+                          <m:t>s</m:t>
+                        </m:r>
+                      </m:e>
+                      <m:sub>
+                        <m:r>
+                          <a:rPr lang="de-DE" sz="1400" b="0" i="1" smtClean="0">
+                            <a:latin typeface="Cambria Math" panose="02040503050406030204" pitchFamily="18" charset="0"/>
+                            <a:ea typeface="Cambria Math" panose="02040503050406030204" pitchFamily="18" charset="0"/>
+                          </a:rPr>
+                          <m:t>𝑖</m:t>
+                        </m:r>
+                      </m:sub>
+                    </m:sSub>
+                  </m:oMath>
+                </a14:m>
+                <a:r>
+                  <a:rPr lang="en-GB" sz="1400" dirty="0"/>
+                  <a:t>=negatives and positive</a:t>
+                </a:r>
+              </a:p>
+            </p:txBody>
+          </p:sp>
+        </mc:Choice>
+        <mc:Fallback>
+          <p:sp>
+            <p:nvSpPr>
+              <p:cNvPr id="10" name="Textfeld 9">
+                <a:extLst>
+                  <a:ext uri="{FF2B5EF4-FFF2-40B4-BE49-F238E27FC236}">
+                    <a16:creationId xmlns:a16="http://schemas.microsoft.com/office/drawing/2014/main" id="{16D52E56-414C-3129-9856-005C7799ED9D}"/>
+                  </a:ext>
+                </a:extLst>
+              </p:cNvPr>
+              <p:cNvSpPr txBox="1">
+                <a:spLocks noRot="1" noChangeAspect="1" noMove="1" noResize="1" noEditPoints="1" noAdjustHandles="1" noChangeArrowheads="1" noChangeShapeType="1" noTextEdit="1"/>
+              </p:cNvSpPr>
+              <p:nvPr/>
+            </p:nvSpPr>
+            <p:spPr>
+              <a:xfrm>
+                <a:off x="3138204" y="3512545"/>
+                <a:ext cx="3950349" cy="1315745"/>
+              </a:xfrm>
+              <a:prstGeom prst="rect">
+                <a:avLst/>
+              </a:prstGeom>
+              <a:blipFill>
+                <a:blip r:embed="rId4"/>
+                <a:stretch>
+                  <a:fillRect l="-1235" b="-7407"/>
+                </a:stretch>
+              </a:blipFill>
+            </p:spPr>
+            <p:txBody>
+              <a:bodyPr/>
+              <a:lstStyle/>
+              <a:p>
+                <a:r>
+                  <a:rPr lang="en-GB">
+                    <a:noFill/>
+                  </a:rPr>
+                  <a:t> </a:t>
+                </a:r>
+              </a:p>
+            </p:txBody>
+          </p:sp>
+        </mc:Fallback>
+      </mc:AlternateContent>
     </p:spTree>
     <p:extLst>
       <p:ext uri="{BB962C8B-B14F-4D97-AF65-F5344CB8AC3E}">
-        <p14:creationId xmlns:p14="http://schemas.microsoft.com/office/powerpoint/2010/main" val="2222725949"/>
+        <p14:creationId xmlns:p14="http://schemas.microsoft.com/office/powerpoint/2010/main" val="1058892549"/>
       </p:ext>
     </p:extLst>
   </p:cSld>
@@ -8322,7 +13987,7 @@
           <p:cNvPr id="2" name="Titel 1">
             <a:extLst>
               <a:ext uri="{FF2B5EF4-FFF2-40B4-BE49-F238E27FC236}">
-                <a16:creationId xmlns:a16="http://schemas.microsoft.com/office/drawing/2014/main" id="{76E5DC35-592D-DF43-D5BB-5CA89E898473}"/>
+                <a16:creationId xmlns:a16="http://schemas.microsoft.com/office/drawing/2014/main" id="{6967BD36-9BE1-9E11-2419-09EE0FB8BF17}"/>
               </a:ext>
             </a:extLst>
           </p:cNvPr>
@@ -8339,14 +14004,9 @@
           <a:lstStyle/>
           <a:p>
             <a:r>
-              <a:rPr lang="de-DE" dirty="0"/>
-              <a:t>Multi-mode </a:t>
-            </a:r>
-            <a:r>
-              <a:rPr lang="de-DE" dirty="0" err="1"/>
-              <a:t>approaches</a:t>
-            </a:r>
-            <a:endParaRPr lang="de-DE" dirty="0"/>
+              <a:rPr lang="en-US" dirty="0"/>
+              <a:t>Speech Representation Learning Paradigms</a:t>
+            </a:r>
           </a:p>
         </p:txBody>
       </p:sp>
@@ -8355,7 +14015,7 @@
           <p:cNvPr id="3" name="Inhaltsplatzhalter 2">
             <a:extLst>
               <a:ext uri="{FF2B5EF4-FFF2-40B4-BE49-F238E27FC236}">
-                <a16:creationId xmlns:a16="http://schemas.microsoft.com/office/drawing/2014/main" id="{928E4F7D-931D-926F-B741-6F79889F81AB}"/>
+                <a16:creationId xmlns:a16="http://schemas.microsoft.com/office/drawing/2014/main" id="{5F605907-84CB-5A07-5B52-58273FC86B50}"/>
               </a:ext>
             </a:extLst>
           </p:cNvPr>
@@ -8368,49 +14028,55 @@
         </p:nvSpPr>
         <p:spPr/>
         <p:txBody>
-          <a:bodyPr/>
-          <a:lstStyle/>
-          <a:p>
-            <a:r>
-              <a:rPr lang="de-DE" dirty="0"/>
-              <a:t>…</a:t>
-            </a:r>
-          </a:p>
-          <a:p>
-            <a:r>
-              <a:rPr lang="de-DE" dirty="0" err="1"/>
-              <a:t>Later</a:t>
-            </a:r>
-            <a:r>
-              <a:rPr lang="de-DE" dirty="0"/>
-              <a:t>:</a:t>
+          <a:bodyPr>
+            <a:normAutofit/>
+          </a:bodyPr>
+          <a:lstStyle/>
+          <a:p>
+            <a:r>
+              <a:rPr lang="en-US" sz="2400" dirty="0"/>
+              <a:t>Generative</a:t>
             </a:r>
           </a:p>
           <a:p>
             <a:pPr lvl="1"/>
             <a:r>
-              <a:rPr lang="de-DE" dirty="0"/>
-              <a:t>SpeechT5</a:t>
+              <a:rPr lang="en-US" sz="2000" dirty="0"/>
+              <a:t>Reconstruct input</a:t>
+            </a:r>
+          </a:p>
+          <a:p>
+            <a:r>
+              <a:rPr lang="en-US" sz="2400" dirty="0"/>
+              <a:t>Contrastive</a:t>
             </a:r>
           </a:p>
           <a:p>
             <a:pPr lvl="1"/>
             <a:r>
-              <a:rPr lang="de-DE" dirty="0"/>
-              <a:t>VAT LM</a:t>
+              <a:rPr lang="en-US" sz="2000" dirty="0"/>
+              <a:t>Similar samples, similar representations</a:t>
+            </a:r>
+          </a:p>
+          <a:p>
+            <a:r>
+              <a:rPr lang="en-US" sz="2400" dirty="0"/>
+              <a:t>Predictive</a:t>
             </a:r>
           </a:p>
           <a:p>
             <a:pPr lvl="1"/>
             <a:r>
-              <a:rPr lang="de-DE" dirty="0"/>
-              <a:t>AV-</a:t>
-            </a:r>
-            <a:r>
-              <a:rPr lang="de-DE" dirty="0" err="1"/>
-              <a:t>HuBERT</a:t>
-            </a:r>
-            <a:endParaRPr lang="de-DE" dirty="0"/>
+              <a:rPr lang="en-US" sz="2000" dirty="0"/>
+              <a:t>Compute targets typically with another model</a:t>
+            </a:r>
+          </a:p>
+          <a:p>
+            <a:pPr lvl="2"/>
+            <a:r>
+              <a:rPr lang="en-US" sz="1600" dirty="0"/>
+              <a:t>e.g., learn discrete targets with k-means (HuBERT, see later)</a:t>
+            </a:r>
           </a:p>
         </p:txBody>
       </p:sp>
@@ -8419,7 +14085,7 @@
           <p:cNvPr id="4" name="Datumsplatzhalter 3">
             <a:extLst>
               <a:ext uri="{FF2B5EF4-FFF2-40B4-BE49-F238E27FC236}">
-                <a16:creationId xmlns:a16="http://schemas.microsoft.com/office/drawing/2014/main" id="{8FDF3430-D6A3-AC0A-F68D-97C6E99A3A70}"/>
+                <a16:creationId xmlns:a16="http://schemas.microsoft.com/office/drawing/2014/main" id="{B1B29855-1D3B-F04B-EB6A-E10C8CCAEBEF}"/>
               </a:ext>
             </a:extLst>
           </p:cNvPr>
@@ -8448,7 +14114,7 @@
           <p:cNvPr id="5" name="Fußzeilenplatzhalter 4">
             <a:extLst>
               <a:ext uri="{FF2B5EF4-FFF2-40B4-BE49-F238E27FC236}">
-                <a16:creationId xmlns:a16="http://schemas.microsoft.com/office/drawing/2014/main" id="{C3CF2A04-25D3-5150-F8CE-D4433F71CB91}"/>
+                <a16:creationId xmlns:a16="http://schemas.microsoft.com/office/drawing/2014/main" id="{4CACE1B6-89F7-2115-CE62-C6E4DDF5E688}"/>
               </a:ext>
             </a:extLst>
           </p:cNvPr>
@@ -8465,7 +14131,7 @@
           <a:lstStyle/>
           <a:p>
             <a:r>
-              <a:rPr lang="en-US"/>
+              <a:rPr lang="en-US" dirty="0"/>
               <a:t>Multi-modal Speech Representation Learning</a:t>
             </a:r>
             <a:endParaRPr lang="de-DE" dirty="0"/>
@@ -8477,7 +14143,7 @@
           <p:cNvPr id="6" name="Foliennummernplatzhalter 5">
             <a:extLst>
               <a:ext uri="{FF2B5EF4-FFF2-40B4-BE49-F238E27FC236}">
-                <a16:creationId xmlns:a16="http://schemas.microsoft.com/office/drawing/2014/main" id="{C3D2D74F-AAB3-4183-3522-7B2E02E5BAD9}"/>
+                <a16:creationId xmlns:a16="http://schemas.microsoft.com/office/drawing/2014/main" id="{B430318A-605C-C70B-5C8A-E2CAB8FCDBDA}"/>
               </a:ext>
             </a:extLst>
           </p:cNvPr>
@@ -8504,7 +14170,7 @@
     </p:spTree>
     <p:extLst>
       <p:ext uri="{BB962C8B-B14F-4D97-AF65-F5344CB8AC3E}">
-        <p14:creationId xmlns:p14="http://schemas.microsoft.com/office/powerpoint/2010/main" val="425188991"/>
+        <p14:creationId xmlns:p14="http://schemas.microsoft.com/office/powerpoint/2010/main" val="51064667"/>
       </p:ext>
     </p:extLst>
   </p:cSld>

--- a/presentation.pptx
+++ b/presentation.pptx
@@ -5,7 +5,7 @@
     <p:sldMasterId id="2147483648" r:id="rId1"/>
   </p:sldMasterIdLst>
   <p:notesMasterIdLst>
-    <p:notesMasterId r:id="rId28"/>
+    <p:notesMasterId r:id="rId32"/>
   </p:notesMasterIdLst>
   <p:sldIdLst>
     <p:sldId id="256" r:id="rId2"/>
@@ -25,15 +25,19 @@
     <p:sldId id="275" r:id="rId16"/>
     <p:sldId id="269" r:id="rId17"/>
     <p:sldId id="286" r:id="rId18"/>
-    <p:sldId id="287" r:id="rId19"/>
-    <p:sldId id="268" r:id="rId20"/>
-    <p:sldId id="271" r:id="rId21"/>
-    <p:sldId id="270" r:id="rId22"/>
-    <p:sldId id="274" r:id="rId23"/>
-    <p:sldId id="276" r:id="rId24"/>
-    <p:sldId id="277" r:id="rId25"/>
-    <p:sldId id="259" r:id="rId26"/>
-    <p:sldId id="260" r:id="rId27"/>
+    <p:sldId id="295" r:id="rId19"/>
+    <p:sldId id="292" r:id="rId20"/>
+    <p:sldId id="268" r:id="rId21"/>
+    <p:sldId id="289" r:id="rId22"/>
+    <p:sldId id="290" r:id="rId23"/>
+    <p:sldId id="271" r:id="rId24"/>
+    <p:sldId id="296" r:id="rId25"/>
+    <p:sldId id="270" r:id="rId26"/>
+    <p:sldId id="274" r:id="rId27"/>
+    <p:sldId id="276" r:id="rId28"/>
+    <p:sldId id="277" r:id="rId29"/>
+    <p:sldId id="259" r:id="rId30"/>
+    <p:sldId id="260" r:id="rId31"/>
   </p:sldIdLst>
   <p:sldSz cx="12192000" cy="6858000"/>
   <p:notesSz cx="6858000" cy="9144000"/>
@@ -225,7 +229,7 @@
           <a:p>
             <a:fld id="{B72CCB43-93CC-4D9A-B1A7-BFC1DBB69676}" type="datetimeFigureOut">
               <a:rPr lang="de-DE" smtClean="0"/>
-              <a:t>08.11.2023</a:t>
+              <a:t>14.11.2023</a:t>
             </a:fld>
             <a:endParaRPr lang="de-DE" dirty="0"/>
           </a:p>
@@ -1258,6 +1262,29 @@
             <a:endParaRPr lang="en-US" noProof="0" dirty="0"/>
           </a:p>
           <a:p>
+            <a:pPr marL="0" marR="0" lvl="0" indent="0" algn="l" defTabSz="914400" rtl="0" eaLnBrk="1" fontAlgn="auto" latinLnBrk="0" hangingPunct="1">
+              <a:lnSpc>
+                <a:spcPct val="100000"/>
+              </a:lnSpc>
+              <a:spcBef>
+                <a:spcPts val="0"/>
+              </a:spcBef>
+              <a:spcAft>
+                <a:spcPts val="0"/>
+              </a:spcAft>
+              <a:buClrTx/>
+              <a:buSzTx/>
+              <a:buFontTx/>
+              <a:buNone/>
+              <a:tabLst/>
+              <a:defRPr/>
+            </a:pPr>
+            <a:r>
+              <a:rPr lang="en-US" noProof="0" dirty="0"/>
+              <a:t>You can use this model as Text-to-Speech, Speech-to-Speech, Speech-to-Text, Text-to-Text by putting the other input as zero</a:t>
+            </a:r>
+          </a:p>
+          <a:p>
             <a:pPr marL="228600" marR="0" lvl="0" indent="-228600" algn="l" defTabSz="914400" rtl="0" eaLnBrk="1" fontAlgn="auto" latinLnBrk="0" hangingPunct="1">
               <a:lnSpc>
                 <a:spcPct val="100000"/>
@@ -1326,6 +1353,550 @@
     <p:extLst>
       <p:ext uri="{BB962C8B-B14F-4D97-AF65-F5344CB8AC3E}">
         <p14:creationId xmlns:p14="http://schemas.microsoft.com/office/powerpoint/2010/main" val="1814303562"/>
+      </p:ext>
+    </p:extLst>
+  </p:cSld>
+  <p:clrMapOvr>
+    <a:masterClrMapping/>
+  </p:clrMapOvr>
+</p:notes>
+</file>
+
+<file path=ppt/notesSlides/notesSlide14.xml><?xml version="1.0" encoding="utf-8"?>
+<p:notes xmlns:a="http://schemas.openxmlformats.org/drawingml/2006/main" xmlns:r="http://schemas.openxmlformats.org/officeDocument/2006/relationships" xmlns:p="http://schemas.openxmlformats.org/presentationml/2006/main">
+  <p:cSld>
+    <p:spTree>
+      <p:nvGrpSpPr>
+        <p:cNvPr id="1" name=""/>
+        <p:cNvGrpSpPr/>
+        <p:nvPr/>
+      </p:nvGrpSpPr>
+      <p:grpSpPr>
+        <a:xfrm>
+          <a:off x="0" y="0"/>
+          <a:ext cx="0" cy="0"/>
+          <a:chOff x="0" y="0"/>
+          <a:chExt cx="0" cy="0"/>
+        </a:xfrm>
+      </p:grpSpPr>
+      <p:sp>
+        <p:nvSpPr>
+          <p:cNvPr id="2" name="Folienbildplatzhalter 1"/>
+          <p:cNvSpPr>
+            <a:spLocks noGrp="1" noRot="1" noChangeAspect="1"/>
+          </p:cNvSpPr>
+          <p:nvPr>
+            <p:ph type="sldImg"/>
+          </p:nvPr>
+        </p:nvSpPr>
+        <p:spPr/>
+      </p:sp>
+      <p:sp>
+        <p:nvSpPr>
+          <p:cNvPr id="3" name="Notizenplatzhalter 2"/>
+          <p:cNvSpPr>
+            <a:spLocks noGrp="1"/>
+          </p:cNvSpPr>
+          <p:nvPr>
+            <p:ph type="body" idx="1"/>
+          </p:nvPr>
+        </p:nvSpPr>
+        <p:spPr/>
+        <p:txBody>
+          <a:bodyPr/>
+          <a:lstStyle/>
+          <a:p>
+            <a:endParaRPr lang="en-GB" dirty="0"/>
+          </a:p>
+        </p:txBody>
+      </p:sp>
+      <p:sp>
+        <p:nvSpPr>
+          <p:cNvPr id="4" name="Foliennummernplatzhalter 3"/>
+          <p:cNvSpPr>
+            <a:spLocks noGrp="1"/>
+          </p:cNvSpPr>
+          <p:nvPr>
+            <p:ph type="sldNum" sz="quarter" idx="5"/>
+          </p:nvPr>
+        </p:nvSpPr>
+        <p:spPr/>
+        <p:txBody>
+          <a:bodyPr/>
+          <a:lstStyle/>
+          <a:p>
+            <a:fld id="{9AD6FCE9-5A9D-455A-BE37-0E2337950A31}" type="slidenum">
+              <a:rPr lang="de-DE" smtClean="0"/>
+              <a:t>18</a:t>
+            </a:fld>
+            <a:endParaRPr lang="de-DE" dirty="0"/>
+          </a:p>
+        </p:txBody>
+      </p:sp>
+    </p:spTree>
+    <p:extLst>
+      <p:ext uri="{BB962C8B-B14F-4D97-AF65-F5344CB8AC3E}">
+        <p14:creationId xmlns:p14="http://schemas.microsoft.com/office/powerpoint/2010/main" val="719077294"/>
+      </p:ext>
+    </p:extLst>
+  </p:cSld>
+  <p:clrMapOvr>
+    <a:masterClrMapping/>
+  </p:clrMapOvr>
+</p:notes>
+</file>
+
+<file path=ppt/notesSlides/notesSlide15.xml><?xml version="1.0" encoding="utf-8"?>
+<p:notes xmlns:a="http://schemas.openxmlformats.org/drawingml/2006/main" xmlns:r="http://schemas.openxmlformats.org/officeDocument/2006/relationships" xmlns:p="http://schemas.openxmlformats.org/presentationml/2006/main">
+  <p:cSld>
+    <p:spTree>
+      <p:nvGrpSpPr>
+        <p:cNvPr id="1" name=""/>
+        <p:cNvGrpSpPr/>
+        <p:nvPr/>
+      </p:nvGrpSpPr>
+      <p:grpSpPr>
+        <a:xfrm>
+          <a:off x="0" y="0"/>
+          <a:ext cx="0" cy="0"/>
+          <a:chOff x="0" y="0"/>
+          <a:chExt cx="0" cy="0"/>
+        </a:xfrm>
+      </p:grpSpPr>
+      <p:sp>
+        <p:nvSpPr>
+          <p:cNvPr id="2" name="Folienbildplatzhalter 1"/>
+          <p:cNvSpPr>
+            <a:spLocks noGrp="1" noRot="1" noChangeAspect="1"/>
+          </p:cNvSpPr>
+          <p:nvPr>
+            <p:ph type="sldImg"/>
+          </p:nvPr>
+        </p:nvSpPr>
+        <p:spPr/>
+      </p:sp>
+      <p:sp>
+        <p:nvSpPr>
+          <p:cNvPr id="3" name="Notizenplatzhalter 2"/>
+          <p:cNvSpPr>
+            <a:spLocks noGrp="1"/>
+          </p:cNvSpPr>
+          <p:nvPr>
+            <p:ph type="body" idx="1"/>
+          </p:nvPr>
+        </p:nvSpPr>
+        <p:spPr/>
+        <p:txBody>
+          <a:bodyPr/>
+          <a:lstStyle/>
+          <a:p>
+            <a:endParaRPr lang="en-GB" dirty="0"/>
+          </a:p>
+        </p:txBody>
+      </p:sp>
+      <p:sp>
+        <p:nvSpPr>
+          <p:cNvPr id="4" name="Foliennummernplatzhalter 3"/>
+          <p:cNvSpPr>
+            <a:spLocks noGrp="1"/>
+          </p:cNvSpPr>
+          <p:nvPr>
+            <p:ph type="sldNum" sz="quarter" idx="5"/>
+          </p:nvPr>
+        </p:nvSpPr>
+        <p:spPr/>
+        <p:txBody>
+          <a:bodyPr/>
+          <a:lstStyle/>
+          <a:p>
+            <a:fld id="{9AD6FCE9-5A9D-455A-BE37-0E2337950A31}" type="slidenum">
+              <a:rPr lang="de-DE" smtClean="0"/>
+              <a:t>19</a:t>
+            </a:fld>
+            <a:endParaRPr lang="de-DE" dirty="0"/>
+          </a:p>
+        </p:txBody>
+      </p:sp>
+    </p:spTree>
+    <p:extLst>
+      <p:ext uri="{BB962C8B-B14F-4D97-AF65-F5344CB8AC3E}">
+        <p14:creationId xmlns:p14="http://schemas.microsoft.com/office/powerpoint/2010/main" val="554393631"/>
+      </p:ext>
+    </p:extLst>
+  </p:cSld>
+  <p:clrMapOvr>
+    <a:masterClrMapping/>
+  </p:clrMapOvr>
+</p:notes>
+</file>
+
+<file path=ppt/notesSlides/notesSlide16.xml><?xml version="1.0" encoding="utf-8"?>
+<p:notes xmlns:a="http://schemas.openxmlformats.org/drawingml/2006/main" xmlns:r="http://schemas.openxmlformats.org/officeDocument/2006/relationships" xmlns:p="http://schemas.openxmlformats.org/presentationml/2006/main">
+  <p:cSld>
+    <p:spTree>
+      <p:nvGrpSpPr>
+        <p:cNvPr id="1" name=""/>
+        <p:cNvGrpSpPr/>
+        <p:nvPr/>
+      </p:nvGrpSpPr>
+      <p:grpSpPr>
+        <a:xfrm>
+          <a:off x="0" y="0"/>
+          <a:ext cx="0" cy="0"/>
+          <a:chOff x="0" y="0"/>
+          <a:chExt cx="0" cy="0"/>
+        </a:xfrm>
+      </p:grpSpPr>
+      <p:sp>
+        <p:nvSpPr>
+          <p:cNvPr id="2" name="Folienbildplatzhalter 1"/>
+          <p:cNvSpPr>
+            <a:spLocks noGrp="1" noRot="1" noChangeAspect="1"/>
+          </p:cNvSpPr>
+          <p:nvPr>
+            <p:ph type="sldImg"/>
+          </p:nvPr>
+        </p:nvSpPr>
+        <p:spPr/>
+      </p:sp>
+      <p:sp>
+        <p:nvSpPr>
+          <p:cNvPr id="3" name="Notizenplatzhalter 2"/>
+          <p:cNvSpPr>
+            <a:spLocks noGrp="1"/>
+          </p:cNvSpPr>
+          <p:nvPr>
+            <p:ph type="body" idx="1"/>
+          </p:nvPr>
+        </p:nvSpPr>
+        <p:spPr/>
+        <p:txBody>
+          <a:bodyPr/>
+          <a:lstStyle/>
+          <a:p>
+            <a:r>
+              <a:rPr lang="de-DE" dirty="0" err="1"/>
+              <a:t>Masking</a:t>
+            </a:r>
+            <a:r>
+              <a:rPr lang="de-DE" dirty="0"/>
+              <a:t> </a:t>
+            </a:r>
+            <a:r>
+              <a:rPr lang="de-DE" dirty="0" err="1"/>
+              <a:t>by</a:t>
+            </a:r>
+            <a:r>
+              <a:rPr lang="de-DE" dirty="0"/>
+              <a:t> </a:t>
+            </a:r>
+            <a:r>
+              <a:rPr lang="de-DE" dirty="0" err="1"/>
+              <a:t>substitution</a:t>
+            </a:r>
+            <a:r>
+              <a:rPr lang="de-DE" dirty="0"/>
+              <a:t>: </a:t>
+            </a:r>
+            <a:r>
+              <a:rPr lang="de-DE" dirty="0" err="1"/>
+              <a:t>Instead</a:t>
+            </a:r>
+            <a:r>
+              <a:rPr lang="de-DE" dirty="0"/>
+              <a:t> of simple </a:t>
+            </a:r>
+            <a:r>
+              <a:rPr lang="de-DE" dirty="0" err="1"/>
+              <a:t>masking</a:t>
+            </a:r>
+            <a:r>
+              <a:rPr lang="de-DE" dirty="0"/>
+              <a:t>, </a:t>
+            </a:r>
+            <a:r>
+              <a:rPr lang="de-DE" dirty="0" err="1"/>
+              <a:t>use</a:t>
+            </a:r>
+            <a:r>
+              <a:rPr lang="de-DE" dirty="0"/>
+              <a:t> </a:t>
+            </a:r>
+            <a:r>
+              <a:rPr lang="de-DE" dirty="0" err="1"/>
+              <a:t>random</a:t>
+            </a:r>
+            <a:r>
+              <a:rPr lang="de-DE" dirty="0"/>
+              <a:t> </a:t>
+            </a:r>
+            <a:r>
+              <a:rPr lang="de-DE" dirty="0" err="1"/>
+              <a:t>segments</a:t>
+            </a:r>
+            <a:r>
+              <a:rPr lang="de-DE" dirty="0"/>
+              <a:t> </a:t>
+            </a:r>
+            <a:r>
+              <a:rPr lang="de-DE" dirty="0" err="1"/>
+              <a:t>from</a:t>
+            </a:r>
+            <a:r>
+              <a:rPr lang="de-DE" dirty="0"/>
+              <a:t> same </a:t>
+            </a:r>
+            <a:r>
+              <a:rPr lang="de-DE" dirty="0" err="1"/>
+              <a:t>video</a:t>
+            </a:r>
+            <a:r>
+              <a:rPr lang="de-DE" dirty="0"/>
+              <a:t>. Tasks </a:t>
+            </a:r>
+            <a:r>
+              <a:rPr lang="de-DE" dirty="0" err="1"/>
+              <a:t>are</a:t>
+            </a:r>
+            <a:r>
+              <a:rPr lang="de-DE" dirty="0"/>
+              <a:t> </a:t>
+            </a:r>
+            <a:r>
+              <a:rPr lang="de-DE" dirty="0" err="1"/>
+              <a:t>identifying</a:t>
+            </a:r>
+            <a:r>
+              <a:rPr lang="de-DE" dirty="0"/>
+              <a:t> fake </a:t>
+            </a:r>
+            <a:r>
+              <a:rPr lang="de-DE" dirty="0" err="1"/>
+              <a:t>frames</a:t>
+            </a:r>
+            <a:r>
+              <a:rPr lang="de-DE" dirty="0"/>
+              <a:t>, </a:t>
+            </a:r>
+            <a:r>
+              <a:rPr lang="de-DE" dirty="0" err="1"/>
+              <a:t>then</a:t>
+            </a:r>
+            <a:r>
+              <a:rPr lang="de-DE" dirty="0"/>
+              <a:t> </a:t>
+            </a:r>
+            <a:r>
+              <a:rPr lang="de-DE" dirty="0" err="1"/>
+              <a:t>predict</a:t>
+            </a:r>
+            <a:r>
+              <a:rPr lang="de-DE" dirty="0"/>
+              <a:t> original frame </a:t>
+            </a:r>
+            <a:r>
+              <a:rPr lang="de-DE" dirty="0" err="1"/>
+              <a:t>label</a:t>
+            </a:r>
+            <a:endParaRPr lang="en-GB" dirty="0"/>
+          </a:p>
+        </p:txBody>
+      </p:sp>
+      <p:sp>
+        <p:nvSpPr>
+          <p:cNvPr id="4" name="Foliennummernplatzhalter 3"/>
+          <p:cNvSpPr>
+            <a:spLocks noGrp="1"/>
+          </p:cNvSpPr>
+          <p:nvPr>
+            <p:ph type="sldNum" sz="quarter" idx="5"/>
+          </p:nvPr>
+        </p:nvSpPr>
+        <p:spPr/>
+        <p:txBody>
+          <a:bodyPr/>
+          <a:lstStyle/>
+          <a:p>
+            <a:fld id="{9AD6FCE9-5A9D-455A-BE37-0E2337950A31}" type="slidenum">
+              <a:rPr lang="de-DE" smtClean="0"/>
+              <a:t>22</a:t>
+            </a:fld>
+            <a:endParaRPr lang="de-DE" dirty="0"/>
+          </a:p>
+        </p:txBody>
+      </p:sp>
+    </p:spTree>
+    <p:extLst>
+      <p:ext uri="{BB962C8B-B14F-4D97-AF65-F5344CB8AC3E}">
+        <p14:creationId xmlns:p14="http://schemas.microsoft.com/office/powerpoint/2010/main" val="3483592530"/>
+      </p:ext>
+    </p:extLst>
+  </p:cSld>
+  <p:clrMapOvr>
+    <a:masterClrMapping/>
+  </p:clrMapOvr>
+</p:notes>
+</file>
+
+<file path=ppt/notesSlides/notesSlide17.xml><?xml version="1.0" encoding="utf-8"?>
+<p:notes xmlns:a="http://schemas.openxmlformats.org/drawingml/2006/main" xmlns:r="http://schemas.openxmlformats.org/officeDocument/2006/relationships" xmlns:p="http://schemas.openxmlformats.org/presentationml/2006/main">
+  <p:cSld>
+    <p:spTree>
+      <p:nvGrpSpPr>
+        <p:cNvPr id="1" name=""/>
+        <p:cNvGrpSpPr/>
+        <p:nvPr/>
+      </p:nvGrpSpPr>
+      <p:grpSpPr>
+        <a:xfrm>
+          <a:off x="0" y="0"/>
+          <a:ext cx="0" cy="0"/>
+          <a:chOff x="0" y="0"/>
+          <a:chExt cx="0" cy="0"/>
+        </a:xfrm>
+      </p:grpSpPr>
+      <p:sp>
+        <p:nvSpPr>
+          <p:cNvPr id="2" name="Folienbildplatzhalter 1"/>
+          <p:cNvSpPr>
+            <a:spLocks noGrp="1" noRot="1" noChangeAspect="1"/>
+          </p:cNvSpPr>
+          <p:nvPr>
+            <p:ph type="sldImg"/>
+          </p:nvPr>
+        </p:nvSpPr>
+        <p:spPr/>
+      </p:sp>
+      <p:sp>
+        <p:nvSpPr>
+          <p:cNvPr id="3" name="Notizenplatzhalter 2"/>
+          <p:cNvSpPr>
+            <a:spLocks noGrp="1"/>
+          </p:cNvSpPr>
+          <p:nvPr>
+            <p:ph type="body" idx="1"/>
+          </p:nvPr>
+        </p:nvSpPr>
+        <p:spPr/>
+        <p:txBody>
+          <a:bodyPr/>
+          <a:lstStyle/>
+          <a:p>
+            <a:endParaRPr lang="en-GB" dirty="0"/>
+          </a:p>
+        </p:txBody>
+      </p:sp>
+      <p:sp>
+        <p:nvSpPr>
+          <p:cNvPr id="4" name="Foliennummernplatzhalter 3"/>
+          <p:cNvSpPr>
+            <a:spLocks noGrp="1"/>
+          </p:cNvSpPr>
+          <p:nvPr>
+            <p:ph type="sldNum" sz="quarter" idx="5"/>
+          </p:nvPr>
+        </p:nvSpPr>
+        <p:spPr/>
+        <p:txBody>
+          <a:bodyPr/>
+          <a:lstStyle/>
+          <a:p>
+            <a:fld id="{9AD6FCE9-5A9D-455A-BE37-0E2337950A31}" type="slidenum">
+              <a:rPr lang="de-DE" smtClean="0"/>
+              <a:t>23</a:t>
+            </a:fld>
+            <a:endParaRPr lang="de-DE" dirty="0"/>
+          </a:p>
+        </p:txBody>
+      </p:sp>
+    </p:spTree>
+    <p:extLst>
+      <p:ext uri="{BB962C8B-B14F-4D97-AF65-F5344CB8AC3E}">
+        <p14:creationId xmlns:p14="http://schemas.microsoft.com/office/powerpoint/2010/main" val="3865802692"/>
+      </p:ext>
+    </p:extLst>
+  </p:cSld>
+  <p:clrMapOvr>
+    <a:masterClrMapping/>
+  </p:clrMapOvr>
+</p:notes>
+</file>
+
+<file path=ppt/notesSlides/notesSlide18.xml><?xml version="1.0" encoding="utf-8"?>
+<p:notes xmlns:a="http://schemas.openxmlformats.org/drawingml/2006/main" xmlns:r="http://schemas.openxmlformats.org/officeDocument/2006/relationships" xmlns:p="http://schemas.openxmlformats.org/presentationml/2006/main">
+  <p:cSld>
+    <p:spTree>
+      <p:nvGrpSpPr>
+        <p:cNvPr id="1" name=""/>
+        <p:cNvGrpSpPr/>
+        <p:nvPr/>
+      </p:nvGrpSpPr>
+      <p:grpSpPr>
+        <a:xfrm>
+          <a:off x="0" y="0"/>
+          <a:ext cx="0" cy="0"/>
+          <a:chOff x="0" y="0"/>
+          <a:chExt cx="0" cy="0"/>
+        </a:xfrm>
+      </p:grpSpPr>
+      <p:sp>
+        <p:nvSpPr>
+          <p:cNvPr id="2" name="Folienbildplatzhalter 1"/>
+          <p:cNvSpPr>
+            <a:spLocks noGrp="1" noRot="1" noChangeAspect="1"/>
+          </p:cNvSpPr>
+          <p:nvPr>
+            <p:ph type="sldImg"/>
+          </p:nvPr>
+        </p:nvSpPr>
+        <p:spPr/>
+      </p:sp>
+      <p:sp>
+        <p:nvSpPr>
+          <p:cNvPr id="3" name="Notizenplatzhalter 2"/>
+          <p:cNvSpPr>
+            <a:spLocks noGrp="1"/>
+          </p:cNvSpPr>
+          <p:nvPr>
+            <p:ph type="body" idx="1"/>
+          </p:nvPr>
+        </p:nvSpPr>
+        <p:spPr/>
+        <p:txBody>
+          <a:bodyPr/>
+          <a:lstStyle/>
+          <a:p>
+            <a:endParaRPr lang="en-GB" dirty="0"/>
+          </a:p>
+        </p:txBody>
+      </p:sp>
+      <p:sp>
+        <p:nvSpPr>
+          <p:cNvPr id="4" name="Foliennummernplatzhalter 3"/>
+          <p:cNvSpPr>
+            <a:spLocks noGrp="1"/>
+          </p:cNvSpPr>
+          <p:nvPr>
+            <p:ph type="sldNum" sz="quarter" idx="5"/>
+          </p:nvPr>
+        </p:nvSpPr>
+        <p:spPr/>
+        <p:txBody>
+          <a:bodyPr/>
+          <a:lstStyle/>
+          <a:p>
+            <a:fld id="{9AD6FCE9-5A9D-455A-BE37-0E2337950A31}" type="slidenum">
+              <a:rPr lang="de-DE" smtClean="0"/>
+              <a:t>24</a:t>
+            </a:fld>
+            <a:endParaRPr lang="de-DE" dirty="0"/>
+          </a:p>
+        </p:txBody>
+      </p:sp>
+    </p:spTree>
+    <p:extLst>
+      <p:ext uri="{BB962C8B-B14F-4D97-AF65-F5344CB8AC3E}">
+        <p14:creationId xmlns:p14="http://schemas.microsoft.com/office/powerpoint/2010/main" val="3548385982"/>
       </p:ext>
     </p:extLst>
   </p:cSld>
@@ -6924,8 +7495,8 @@
           </a:p>
         </p:txBody>
       </p:sp>
-      <mc:AlternateContent xmlns:mc="http://schemas.openxmlformats.org/markup-compatibility/2006">
-        <mc:Choice xmlns:a14="http://schemas.microsoft.com/office/drawing/2010/main" Requires="a14">
+      <mc:AlternateContent xmlns:mc="http://schemas.openxmlformats.org/markup-compatibility/2006" xmlns:a14="http://schemas.microsoft.com/office/drawing/2010/main">
+        <mc:Choice Requires="a14">
           <p:sp>
             <p:nvSpPr>
               <p:cNvPr id="7" name="Textfeld 6">
@@ -6954,6 +7525,7 @@
               </a:bodyPr>
               <a:lstStyle/>
               <a:p>
+                <a:pPr/>
                 <a14:m>
                   <m:oMathPara xmlns:m="http://schemas.openxmlformats.org/officeDocument/2006/math">
                     <m:oMathParaPr>
@@ -7369,7 +7941,7 @@
             </p:txBody>
           </p:sp>
         </mc:Choice>
-        <mc:Fallback>
+        <mc:Fallback xmlns="">
           <p:sp>
             <p:nvSpPr>
               <p:cNvPr id="7" name="Textfeld 6">
@@ -7595,8 +8167,8 @@
           </a:p>
         </p:txBody>
       </p:sp>
-      <mc:AlternateContent xmlns:mc="http://schemas.openxmlformats.org/markup-compatibility/2006">
-        <mc:Choice xmlns:a14="http://schemas.microsoft.com/office/drawing/2010/main" Requires="a14">
+      <mc:AlternateContent xmlns:mc="http://schemas.openxmlformats.org/markup-compatibility/2006" xmlns:a14="http://schemas.microsoft.com/office/drawing/2010/main">
+        <mc:Choice Requires="a14">
           <p:sp>
             <p:nvSpPr>
               <p:cNvPr id="7" name="Textfeld 6">
@@ -7625,6 +8197,7 @@
               </a:bodyPr>
               <a:lstStyle/>
               <a:p>
+                <a:pPr/>
                 <a14:m>
                   <m:oMathPara xmlns:m="http://schemas.openxmlformats.org/officeDocument/2006/math">
                     <m:oMathParaPr>
@@ -8040,7 +8613,7 @@
             </p:txBody>
           </p:sp>
         </mc:Choice>
-        <mc:Fallback>
+        <mc:Fallback xmlns="">
           <p:sp>
             <p:nvSpPr>
               <p:cNvPr id="7" name="Textfeld 6">
@@ -8085,8 +8658,8 @@
           </p:sp>
         </mc:Fallback>
       </mc:AlternateContent>
-      <mc:AlternateContent xmlns:mc="http://schemas.openxmlformats.org/markup-compatibility/2006">
-        <mc:Choice xmlns:a14="http://schemas.microsoft.com/office/drawing/2010/main" Requires="a14">
+      <mc:AlternateContent xmlns:mc="http://schemas.openxmlformats.org/markup-compatibility/2006" xmlns:a14="http://schemas.microsoft.com/office/drawing/2010/main">
+        <mc:Choice Requires="a14">
           <p:sp>
             <p:nvSpPr>
               <p:cNvPr id="8" name="Textfeld 7">
@@ -8382,7 +8955,7 @@
             </p:txBody>
           </p:sp>
         </mc:Choice>
-        <mc:Fallback>
+        <mc:Fallback xmlns="">
           <p:sp>
             <p:nvSpPr>
               <p:cNvPr id="8" name="Textfeld 7">
@@ -8549,7 +9122,7 @@
             <a:pPr lvl="2"/>
             <a:r>
               <a:rPr lang="en-US" dirty="0"/>
-              <a:t>Repeat step 1 by clustering intermediate representations of 2. step</a:t>
+              <a:t>Repeat with cluster centers: intermediate representations of second step</a:t>
             </a:r>
           </a:p>
           <a:p>
@@ -9280,8 +9853,12 @@
           <a:lstStyle/>
           <a:p>
             <a:r>
-              <a:rPr lang="de-DE" dirty="0"/>
-              <a:t>SpeechT5 </a:t>
+              <a:rPr lang="de-DE" sz="5200" dirty="0"/>
+              <a:t>SpeechT5</a:t>
+            </a:r>
+            <a:r>
+              <a:rPr lang="de-DE" dirty="0"/>
+              <a:t> </a:t>
             </a:r>
             <a:r>
               <a:rPr lang="de-DE" sz="1600" dirty="0"/>
@@ -9314,33 +9891,7 @@
           <a:p>
             <a:r>
               <a:rPr lang="en-US" dirty="0"/>
-              <a:t>Speech/Text to Speech/Text learning</a:t>
-            </a:r>
-          </a:p>
-          <a:p>
-            <a:r>
-              <a:rPr lang="en-US" dirty="0"/>
-              <a:t>Speech and text input </a:t>
-            </a:r>
-            <a:r>
-              <a:rPr lang="en-US" dirty="0">
-                <a:solidFill>
-                  <a:srgbClr val="FF0000"/>
-                </a:solidFill>
-              </a:rPr>
-              <a:t>into same representation space</a:t>
-            </a:r>
-          </a:p>
-          <a:p>
-            <a:r>
-              <a:rPr lang="en-US" dirty="0"/>
-              <a:t>Trained with uncorrelated, unlabeled speech and text data</a:t>
-            </a:r>
-          </a:p>
-          <a:p>
-            <a:r>
-              <a:rPr lang="en-US" dirty="0"/>
-              <a:t>Generative approach, seq2seq generation with masked inputs</a:t>
+              <a:t>Speech/Text representation learning</a:t>
             </a:r>
           </a:p>
           <a:p>
@@ -9483,14 +10034,15 @@
         </p:nvSpPr>
         <p:spPr/>
         <p:txBody>
-          <a:bodyPr/>
-          <a:lstStyle/>
-          <a:p>
-            <a:r>
-              <a:rPr lang="de-DE"/>
-              <a:t>SpeechT5 TODO</a:t>
-            </a:r>
-            <a:endParaRPr lang="de-DE" dirty="0"/>
+          <a:bodyPr>
+            <a:normAutofit/>
+          </a:bodyPr>
+          <a:lstStyle/>
+          <a:p>
+            <a:r>
+              <a:rPr lang="de-DE" sz="5200" dirty="0"/>
+              <a:t>SpeechT5 - Architecture</a:t>
+            </a:r>
           </a:p>
         </p:txBody>
       </p:sp>
@@ -9704,14 +10256,17 @@
           <a:lstStyle/>
           <a:p>
             <a:r>
-              <a:rPr lang="de-DE" dirty="0"/>
-              <a:t>SpeechT5 </a:t>
-            </a:r>
-            <a:r>
-              <a:rPr lang="de-DE" sz="1600" dirty="0"/>
-              <a:t>(10/21)</a:t>
-            </a:r>
-            <a:endParaRPr lang="de-DE" dirty="0"/>
+              <a:rPr lang="de-DE" sz="5200" dirty="0"/>
+              <a:t>SpeechT5</a:t>
+            </a:r>
+            <a:r>
+              <a:rPr lang="de-DE" dirty="0"/>
+              <a:t> </a:t>
+            </a:r>
+            <a:r>
+              <a:rPr lang="de-DE" sz="5200" dirty="0"/>
+              <a:t>- Training</a:t>
+            </a:r>
           </a:p>
         </p:txBody>
       </p:sp>
@@ -9735,12 +10290,6 @@
         <p:txBody>
           <a:bodyPr/>
           <a:lstStyle/>
-          <a:p>
-            <a:r>
-              <a:rPr lang="en-US" dirty="0"/>
-              <a:t>Speech/Text to Speech/Text learning</a:t>
-            </a:r>
-          </a:p>
           <a:p>
             <a:r>
               <a:rPr lang="en-US" dirty="0"/>
@@ -9764,14 +10313,11 @@
           <a:p>
             <a:r>
               <a:rPr lang="en-US" dirty="0"/>
-              <a:t>Generative approach, seq2seq generation with masked inputs</a:t>
-            </a:r>
-          </a:p>
-          <a:p>
-            <a:r>
-              <a:rPr lang="en-US" dirty="0"/>
-              <a:t>Outperforms single-mode models in ASR</a:t>
-            </a:r>
+              <a:t>Generative learning approach by seq2seq generation with masked inputs</a:t>
+            </a:r>
+          </a:p>
+          <a:p>
+            <a:endParaRPr lang="en-US" dirty="0"/>
           </a:p>
         </p:txBody>
       </p:sp>
@@ -9865,7 +10411,7 @@
     </p:spTree>
     <p:extLst>
       <p:ext uri="{BB962C8B-B14F-4D97-AF65-F5344CB8AC3E}">
-        <p14:creationId xmlns:p14="http://schemas.microsoft.com/office/powerpoint/2010/main" val="3395191039"/>
+        <p14:creationId xmlns:p14="http://schemas.microsoft.com/office/powerpoint/2010/main" val="2609085208"/>
       </p:ext>
     </p:extLst>
   </p:cSld>
@@ -9878,6 +10424,14 @@
 <file path=ppt/slides/slide19.xml><?xml version="1.0" encoding="utf-8"?>
 <p:sld xmlns:a="http://schemas.openxmlformats.org/drawingml/2006/main" xmlns:r="http://schemas.openxmlformats.org/officeDocument/2006/relationships" xmlns:p="http://schemas.openxmlformats.org/presentationml/2006/main">
   <p:cSld>
+    <p:bg>
+      <p:bgPr>
+        <a:solidFill>
+          <a:schemeClr val="bg1"/>
+        </a:solidFill>
+        <a:effectLst/>
+      </p:bgPr>
+    </p:bg>
     <p:spTree>
       <p:nvGrpSpPr>
         <p:cNvPr id="1" name=""/>
@@ -9892,6 +10446,66 @@
           <a:chExt cx="0" cy="0"/>
         </a:xfrm>
       </p:grpSpPr>
+      <p:sp useBgFill="1">
+        <p:nvSpPr>
+          <p:cNvPr id="26" name="Rectangle 21">
+            <a:extLst>
+              <a:ext uri="{FF2B5EF4-FFF2-40B4-BE49-F238E27FC236}">
+                <a16:creationId xmlns:a16="http://schemas.microsoft.com/office/drawing/2014/main" id="{665DBBEF-238B-476B-96AB-8AAC3224ECEA}"/>
+              </a:ext>
+              <a:ext uri="{C183D7F6-B498-43B3-948B-1728B52AA6E4}">
+                <adec:decorative xmlns:adec="http://schemas.microsoft.com/office/drawing/2017/decorative" val="1"/>
+              </a:ext>
+            </a:extLst>
+          </p:cNvPr>
+          <p:cNvSpPr>
+            <a:spLocks noGrp="1" noRot="1" noChangeAspect="1" noMove="1" noResize="1" noEditPoints="1" noAdjustHandles="1" noChangeArrowheads="1" noChangeShapeType="1" noTextEdit="1"/>
+          </p:cNvSpPr>
+          <p:nvPr>
+            <p:extLst>
+              <p:ext uri="{386F3935-93C4-4BCD-93E2-E3B085C9AB24}">
+                <p16:designElem xmlns:p16="http://schemas.microsoft.com/office/powerpoint/2015/main" val="1"/>
+              </p:ext>
+            </p:extLst>
+          </p:nvPr>
+        </p:nvSpPr>
+        <p:spPr>
+          <a:xfrm>
+            <a:off x="0" y="0"/>
+            <a:ext cx="12192000" cy="6858000"/>
+          </a:xfrm>
+          <a:prstGeom prst="rect">
+            <a:avLst/>
+          </a:prstGeom>
+          <a:ln>
+            <a:noFill/>
+          </a:ln>
+        </p:spPr>
+        <p:style>
+          <a:lnRef idx="2">
+            <a:schemeClr val="accent1">
+              <a:shade val="50000"/>
+            </a:schemeClr>
+          </a:lnRef>
+          <a:fillRef idx="1">
+            <a:schemeClr val="accent1"/>
+          </a:fillRef>
+          <a:effectRef idx="0">
+            <a:schemeClr val="accent1"/>
+          </a:effectRef>
+          <a:fontRef idx="minor">
+            <a:schemeClr val="lt1"/>
+          </a:fontRef>
+        </p:style>
+        <p:txBody>
+          <a:bodyPr rtlCol="0" anchor="ctr"/>
+          <a:lstStyle/>
+          <a:p>
+            <a:pPr algn="ctr"/>
+            <a:endParaRPr lang="en-US"/>
+          </a:p>
+        </p:txBody>
+      </p:sp>
       <p:sp>
         <p:nvSpPr>
           <p:cNvPr id="2" name="Titel 1">
@@ -9908,66 +10522,331 @@
             <p:ph type="title"/>
           </p:nvPr>
         </p:nvSpPr>
-        <p:spPr/>
-        <p:txBody>
-          <a:bodyPr/>
-          <a:lstStyle/>
-          <a:p>
-            <a:r>
-              <a:rPr lang="en-US" dirty="0"/>
-              <a:t>AV-HuBERT </a:t>
-            </a:r>
-            <a:r>
-              <a:rPr lang="en-US" sz="1600" dirty="0"/>
-              <a:t>(03/22)</a:t>
-            </a:r>
-            <a:endParaRPr lang="en-US" dirty="0"/>
-          </a:p>
-        </p:txBody>
-      </p:sp>
-      <p:sp>
-        <p:nvSpPr>
-          <p:cNvPr id="3" name="Inhaltsplatzhalter 2">
-            <a:extLst>
-              <a:ext uri="{FF2B5EF4-FFF2-40B4-BE49-F238E27FC236}">
-                <a16:creationId xmlns:a16="http://schemas.microsoft.com/office/drawing/2014/main" id="{FDD85934-B3B6-E0EF-C5FA-FDB5E52BA311}"/>
-              </a:ext>
-            </a:extLst>
-          </p:cNvPr>
-          <p:cNvSpPr>
-            <a:spLocks noGrp="1"/>
-          </p:cNvSpPr>
-          <p:nvPr>
-            <p:ph idx="1"/>
-          </p:nvPr>
-        </p:nvSpPr>
-        <p:spPr/>
-        <p:txBody>
-          <a:bodyPr/>
-          <a:lstStyle/>
-          <a:p>
-            <a:r>
-              <a:rPr lang="en-US" dirty="0"/>
-              <a:t>Based on HuBERT (2106.07447)</a:t>
-            </a:r>
-          </a:p>
-          <a:p>
-            <a:r>
-              <a:rPr lang="en-US" dirty="0"/>
-              <a:t>Audio and Visual channels</a:t>
-            </a:r>
-          </a:p>
-          <a:p>
-            <a:r>
-              <a:rPr lang="en-US" dirty="0"/>
-              <a:t>Learning paradigm</a:t>
-            </a:r>
-          </a:p>
-          <a:p>
-            <a:endParaRPr lang="en-US" dirty="0"/>
-          </a:p>
-          <a:p>
-            <a:endParaRPr lang="en-US" dirty="0"/>
+        <p:spPr>
+          <a:xfrm>
+            <a:off x="638882" y="639193"/>
+            <a:ext cx="3571810" cy="3573516"/>
+          </a:xfrm>
+        </p:spPr>
+        <p:txBody>
+          <a:bodyPr vert="horz" lIns="91440" tIns="45720" rIns="91440" bIns="45720" rtlCol="0" anchor="b">
+            <a:normAutofit/>
+          </a:bodyPr>
+          <a:lstStyle/>
+          <a:p>
+            <a:r>
+              <a:rPr lang="en-US" sz="5200" kern="1200" dirty="0">
+                <a:solidFill>
+                  <a:schemeClr val="tx1"/>
+                </a:solidFill>
+                <a:latin typeface="+mj-lt"/>
+                <a:ea typeface="+mj-ea"/>
+                <a:cs typeface="+mj-cs"/>
+              </a:rPr>
+              <a:t>SpeechT5</a:t>
+            </a:r>
+            <a:br>
+              <a:rPr lang="en-US" kern="1200" dirty="0">
+                <a:solidFill>
+                  <a:schemeClr val="tx1"/>
+                </a:solidFill>
+                <a:latin typeface="+mj-lt"/>
+                <a:ea typeface="+mj-ea"/>
+                <a:cs typeface="+mj-cs"/>
+              </a:rPr>
+            </a:br>
+            <a:r>
+              <a:rPr lang="en-US" sz="3600" kern="1200" dirty="0">
+                <a:solidFill>
+                  <a:schemeClr val="tx1"/>
+                </a:solidFill>
+                <a:latin typeface="+mj-lt"/>
+                <a:ea typeface="+mj-ea"/>
+                <a:cs typeface="+mj-cs"/>
+              </a:rPr>
+              <a:t>ASR Performance</a:t>
+            </a:r>
+            <a:endParaRPr lang="en-US" kern="1200" dirty="0">
+              <a:solidFill>
+                <a:schemeClr val="tx1"/>
+              </a:solidFill>
+              <a:latin typeface="+mj-lt"/>
+              <a:ea typeface="+mj-ea"/>
+              <a:cs typeface="+mj-cs"/>
+            </a:endParaRPr>
+          </a:p>
+        </p:txBody>
+      </p:sp>
+      <p:sp>
+        <p:nvSpPr>
+          <p:cNvPr id="27" name="sketch line">
+            <a:extLst>
+              <a:ext uri="{FF2B5EF4-FFF2-40B4-BE49-F238E27FC236}">
+                <a16:creationId xmlns:a16="http://schemas.microsoft.com/office/drawing/2014/main" id="{3FCFB1DE-0B7E-48CC-BA90-B2AB0889F9D6}"/>
+              </a:ext>
+              <a:ext uri="{C183D7F6-B498-43B3-948B-1728B52AA6E4}">
+                <adec:decorative xmlns:adec="http://schemas.microsoft.com/office/drawing/2017/decorative" val="1"/>
+              </a:ext>
+            </a:extLst>
+          </p:cNvPr>
+          <p:cNvSpPr>
+            <a:spLocks noGrp="1" noRot="1" noChangeAspect="1" noMove="1" noResize="1" noEditPoints="1" noAdjustHandles="1" noChangeArrowheads="1" noChangeShapeType="1" noTextEdit="1"/>
+          </p:cNvSpPr>
+          <p:nvPr>
+            <p:extLst>
+              <p:ext uri="{386F3935-93C4-4BCD-93E2-E3B085C9AB24}">
+                <p16:designElem xmlns:p16="http://schemas.microsoft.com/office/powerpoint/2015/main" val="1"/>
+              </p:ext>
+            </p:extLst>
+          </p:nvPr>
+        </p:nvSpPr>
+        <p:spPr>
+          <a:xfrm>
+            <a:off x="643278" y="4409267"/>
+            <a:ext cx="3255095" cy="18288"/>
+          </a:xfrm>
+          <a:custGeom>
+            <a:avLst/>
+            <a:gdLst>
+              <a:gd name="connsiteX0" fmla="*/ 0 w 3255095"/>
+              <a:gd name="connsiteY0" fmla="*/ 0 h 18288"/>
+              <a:gd name="connsiteX1" fmla="*/ 618468 w 3255095"/>
+              <a:gd name="connsiteY1" fmla="*/ 0 h 18288"/>
+              <a:gd name="connsiteX2" fmla="*/ 1269487 w 3255095"/>
+              <a:gd name="connsiteY2" fmla="*/ 0 h 18288"/>
+              <a:gd name="connsiteX3" fmla="*/ 1953057 w 3255095"/>
+              <a:gd name="connsiteY3" fmla="*/ 0 h 18288"/>
+              <a:gd name="connsiteX4" fmla="*/ 2636627 w 3255095"/>
+              <a:gd name="connsiteY4" fmla="*/ 0 h 18288"/>
+              <a:gd name="connsiteX5" fmla="*/ 3255095 w 3255095"/>
+              <a:gd name="connsiteY5" fmla="*/ 0 h 18288"/>
+              <a:gd name="connsiteX6" fmla="*/ 3255095 w 3255095"/>
+              <a:gd name="connsiteY6" fmla="*/ 18288 h 18288"/>
+              <a:gd name="connsiteX7" fmla="*/ 2538974 w 3255095"/>
+              <a:gd name="connsiteY7" fmla="*/ 18288 h 18288"/>
+              <a:gd name="connsiteX8" fmla="*/ 1822853 w 3255095"/>
+              <a:gd name="connsiteY8" fmla="*/ 18288 h 18288"/>
+              <a:gd name="connsiteX9" fmla="*/ 1171834 w 3255095"/>
+              <a:gd name="connsiteY9" fmla="*/ 18288 h 18288"/>
+              <a:gd name="connsiteX10" fmla="*/ 0 w 3255095"/>
+              <a:gd name="connsiteY10" fmla="*/ 18288 h 18288"/>
+              <a:gd name="connsiteX11" fmla="*/ 0 w 3255095"/>
+              <a:gd name="connsiteY11" fmla="*/ 0 h 18288"/>
+            </a:gdLst>
+            <a:ahLst/>
+            <a:cxnLst>
+              <a:cxn ang="0">
+                <a:pos x="connsiteX0" y="connsiteY0"/>
+              </a:cxn>
+              <a:cxn ang="0">
+                <a:pos x="connsiteX1" y="connsiteY1"/>
+              </a:cxn>
+              <a:cxn ang="0">
+                <a:pos x="connsiteX2" y="connsiteY2"/>
+              </a:cxn>
+              <a:cxn ang="0">
+                <a:pos x="connsiteX3" y="connsiteY3"/>
+              </a:cxn>
+              <a:cxn ang="0">
+                <a:pos x="connsiteX4" y="connsiteY4"/>
+              </a:cxn>
+              <a:cxn ang="0">
+                <a:pos x="connsiteX5" y="connsiteY5"/>
+              </a:cxn>
+              <a:cxn ang="0">
+                <a:pos x="connsiteX6" y="connsiteY6"/>
+              </a:cxn>
+              <a:cxn ang="0">
+                <a:pos x="connsiteX7" y="connsiteY7"/>
+              </a:cxn>
+              <a:cxn ang="0">
+                <a:pos x="connsiteX8" y="connsiteY8"/>
+              </a:cxn>
+              <a:cxn ang="0">
+                <a:pos x="connsiteX9" y="connsiteY9"/>
+              </a:cxn>
+              <a:cxn ang="0">
+                <a:pos x="connsiteX10" y="connsiteY10"/>
+              </a:cxn>
+              <a:cxn ang="0">
+                <a:pos x="connsiteX11" y="connsiteY11"/>
+              </a:cxn>
+            </a:cxnLst>
+            <a:rect l="l" t="t" r="r" b="b"/>
+            <a:pathLst>
+              <a:path w="3255095" h="18288" fill="none" extrusionOk="0">
+                <a:moveTo>
+                  <a:pt x="0" y="0"/>
+                </a:moveTo>
+                <a:cubicBezTo>
+                  <a:pt x="240201" y="-22123"/>
+                  <a:pt x="462021" y="-19623"/>
+                  <a:pt x="618468" y="0"/>
+                </a:cubicBezTo>
+                <a:cubicBezTo>
+                  <a:pt x="774915" y="19623"/>
+                  <a:pt x="974734" y="2035"/>
+                  <a:pt x="1269487" y="0"/>
+                </a:cubicBezTo>
+                <a:cubicBezTo>
+                  <a:pt x="1564240" y="-2035"/>
+                  <a:pt x="1733579" y="10639"/>
+                  <a:pt x="1953057" y="0"/>
+                </a:cubicBezTo>
+                <a:cubicBezTo>
+                  <a:pt x="2172535" y="-10639"/>
+                  <a:pt x="2453962" y="14018"/>
+                  <a:pt x="2636627" y="0"/>
+                </a:cubicBezTo>
+                <a:cubicBezTo>
+                  <a:pt x="2819292" y="-14018"/>
+                  <a:pt x="3121375" y="5399"/>
+                  <a:pt x="3255095" y="0"/>
+                </a:cubicBezTo>
+                <a:cubicBezTo>
+                  <a:pt x="3254386" y="8157"/>
+                  <a:pt x="3254682" y="12125"/>
+                  <a:pt x="3255095" y="18288"/>
+                </a:cubicBezTo>
+                <a:cubicBezTo>
+                  <a:pt x="3088545" y="23203"/>
+                  <a:pt x="2687475" y="7419"/>
+                  <a:pt x="2538974" y="18288"/>
+                </a:cubicBezTo>
+                <a:cubicBezTo>
+                  <a:pt x="2390473" y="29157"/>
+                  <a:pt x="2137381" y="-8959"/>
+                  <a:pt x="1822853" y="18288"/>
+                </a:cubicBezTo>
+                <a:cubicBezTo>
+                  <a:pt x="1508325" y="45535"/>
+                  <a:pt x="1466437" y="20385"/>
+                  <a:pt x="1171834" y="18288"/>
+                </a:cubicBezTo>
+                <a:cubicBezTo>
+                  <a:pt x="877231" y="16191"/>
+                  <a:pt x="561097" y="37643"/>
+                  <a:pt x="0" y="18288"/>
+                </a:cubicBezTo>
+                <a:cubicBezTo>
+                  <a:pt x="-46" y="12483"/>
+                  <a:pt x="-203" y="6491"/>
+                  <a:pt x="0" y="0"/>
+                </a:cubicBezTo>
+                <a:close/>
+              </a:path>
+              <a:path w="3255095" h="18288" stroke="0" extrusionOk="0">
+                <a:moveTo>
+                  <a:pt x="0" y="0"/>
+                </a:moveTo>
+                <a:cubicBezTo>
+                  <a:pt x="291965" y="19429"/>
+                  <a:pt x="363155" y="8568"/>
+                  <a:pt x="618468" y="0"/>
+                </a:cubicBezTo>
+                <a:cubicBezTo>
+                  <a:pt x="873781" y="-8568"/>
+                  <a:pt x="904459" y="-19505"/>
+                  <a:pt x="1171834" y="0"/>
+                </a:cubicBezTo>
+                <a:cubicBezTo>
+                  <a:pt x="1439209" y="19505"/>
+                  <a:pt x="1744369" y="9790"/>
+                  <a:pt x="1887955" y="0"/>
+                </a:cubicBezTo>
+                <a:cubicBezTo>
+                  <a:pt x="2031541" y="-9790"/>
+                  <a:pt x="2346378" y="21240"/>
+                  <a:pt x="2506423" y="0"/>
+                </a:cubicBezTo>
+                <a:cubicBezTo>
+                  <a:pt x="2666468" y="-21240"/>
+                  <a:pt x="2990257" y="30414"/>
+                  <a:pt x="3255095" y="0"/>
+                </a:cubicBezTo>
+                <a:cubicBezTo>
+                  <a:pt x="3254831" y="4493"/>
+                  <a:pt x="3255479" y="9472"/>
+                  <a:pt x="3255095" y="18288"/>
+                </a:cubicBezTo>
+                <a:cubicBezTo>
+                  <a:pt x="3120743" y="16690"/>
+                  <a:pt x="2759628" y="42462"/>
+                  <a:pt x="2604076" y="18288"/>
+                </a:cubicBezTo>
+                <a:cubicBezTo>
+                  <a:pt x="2448524" y="-5886"/>
+                  <a:pt x="2184336" y="19599"/>
+                  <a:pt x="1887955" y="18288"/>
+                </a:cubicBezTo>
+                <a:cubicBezTo>
+                  <a:pt x="1591574" y="16977"/>
+                  <a:pt x="1548845" y="6870"/>
+                  <a:pt x="1334589" y="18288"/>
+                </a:cubicBezTo>
+                <a:cubicBezTo>
+                  <a:pt x="1120333" y="29706"/>
+                  <a:pt x="996014" y="9662"/>
+                  <a:pt x="683570" y="18288"/>
+                </a:cubicBezTo>
+                <a:cubicBezTo>
+                  <a:pt x="371126" y="26914"/>
+                  <a:pt x="198687" y="16167"/>
+                  <a:pt x="0" y="18288"/>
+                </a:cubicBezTo>
+                <a:cubicBezTo>
+                  <a:pt x="843" y="9577"/>
+                  <a:pt x="371" y="6900"/>
+                  <a:pt x="0" y="0"/>
+                </a:cubicBezTo>
+                <a:close/>
+              </a:path>
+            </a:pathLst>
+          </a:custGeom>
+          <a:solidFill>
+            <a:schemeClr val="accent2"/>
+          </a:solidFill>
+          <a:ln w="38100" cap="rnd">
+            <a:solidFill>
+              <a:schemeClr val="accent2"/>
+            </a:solidFill>
+            <a:round/>
+            <a:extLst>
+              <a:ext uri="{C807C97D-BFC1-408E-A445-0C87EB9F89A2}">
+                <ask:lineSketchStyleProps xmlns:ask="http://schemas.microsoft.com/office/drawing/2018/sketchyshapes" sd="1219033472">
+                  <a:prstGeom prst="rect">
+                    <a:avLst/>
+                  </a:prstGeom>
+                  <ask:type>
+                    <ask:lineSketchFreehand/>
+                  </ask:type>
+                </ask:lineSketchStyleProps>
+              </a:ext>
+            </a:extLst>
+          </a:ln>
+        </p:spPr>
+        <p:style>
+          <a:lnRef idx="2">
+            <a:schemeClr val="accent1">
+              <a:shade val="50000"/>
+            </a:schemeClr>
+          </a:lnRef>
+          <a:fillRef idx="1">
+            <a:schemeClr val="accent1"/>
+          </a:fillRef>
+          <a:effectRef idx="0">
+            <a:schemeClr val="accent1"/>
+          </a:effectRef>
+          <a:fontRef idx="minor">
+            <a:schemeClr val="lt1"/>
+          </a:fontRef>
+        </p:style>
+        <p:txBody>
+          <a:bodyPr rtlCol="0" anchor="ctr"/>
+          <a:lstStyle/>
+          <a:p>
+            <a:pPr algn="ctr"/>
+            <a:endParaRPr lang="en-US"/>
           </a:p>
         </p:txBody>
       </p:sp>
@@ -9987,16 +10866,27 @@
             <p:ph type="dt" sz="half" idx="10"/>
           </p:nvPr>
         </p:nvSpPr>
-        <p:spPr/>
-        <p:txBody>
-          <a:bodyPr/>
-          <a:lstStyle/>
-          <a:p>
-            <a:r>
-              <a:rPr lang="de-DE"/>
+        <p:spPr>
+          <a:xfrm>
+            <a:off x="838200" y="6356350"/>
+            <a:ext cx="2743200" cy="365125"/>
+          </a:xfrm>
+        </p:spPr>
+        <p:txBody>
+          <a:bodyPr vert="horz" lIns="91440" tIns="45720" rIns="91440" bIns="45720" rtlCol="0" anchor="ctr">
+            <a:normAutofit/>
+          </a:bodyPr>
+          <a:lstStyle/>
+          <a:p>
+            <a:pPr>
+              <a:spcAft>
+                <a:spcPts val="600"/>
+              </a:spcAft>
+            </a:pPr>
+            <a:r>
+              <a:rPr lang="en-US"/>
               <a:t>05.12.2023</a:t>
             </a:r>
-            <a:endParaRPr lang="de-DE" dirty="0"/>
           </a:p>
         </p:txBody>
       </p:sp>
@@ -10016,16 +10906,36 @@
             <p:ph type="ftr" sz="quarter" idx="11"/>
           </p:nvPr>
         </p:nvSpPr>
-        <p:spPr/>
-        <p:txBody>
-          <a:bodyPr/>
-          <a:lstStyle/>
-          <a:p>
-            <a:r>
-              <a:rPr lang="en-US"/>
+        <p:spPr>
+          <a:xfrm>
+            <a:off x="4038600" y="6356350"/>
+            <a:ext cx="4114800" cy="365125"/>
+          </a:xfrm>
+        </p:spPr>
+        <p:txBody>
+          <a:bodyPr vert="horz" lIns="91440" tIns="45720" rIns="91440" bIns="45720" rtlCol="0" anchor="ctr">
+            <a:normAutofit/>
+          </a:bodyPr>
+          <a:lstStyle/>
+          <a:p>
+            <a:pPr>
+              <a:spcAft>
+                <a:spcPts val="600"/>
+              </a:spcAft>
+            </a:pPr>
+            <a:r>
+              <a:rPr lang="en-US" kern="1200" dirty="0">
+                <a:solidFill>
+                  <a:schemeClr val="tx1">
+                    <a:tint val="75000"/>
+                  </a:schemeClr>
+                </a:solidFill>
+                <a:latin typeface="+mn-lt"/>
+                <a:ea typeface="+mn-ea"/>
+                <a:cs typeface="+mn-cs"/>
+              </a:rPr>
               <a:t>Multi-modal Speech Representation Learning</a:t>
             </a:r>
-            <a:endParaRPr lang="de-DE" dirty="0"/>
           </a:p>
         </p:txBody>
       </p:sp>
@@ -10045,23 +10955,128 @@
             <p:ph type="sldNum" sz="quarter" idx="12"/>
           </p:nvPr>
         </p:nvSpPr>
-        <p:spPr/>
-        <p:txBody>
-          <a:bodyPr/>
-          <a:lstStyle/>
-          <a:p>
+        <p:spPr>
+          <a:xfrm>
+            <a:off x="8610600" y="6356350"/>
+            <a:ext cx="2743200" cy="365125"/>
+          </a:xfrm>
+        </p:spPr>
+        <p:txBody>
+          <a:bodyPr vert="horz" lIns="91440" tIns="45720" rIns="91440" bIns="45720" rtlCol="0" anchor="ctr">
+            <a:normAutofit/>
+          </a:bodyPr>
+          <a:lstStyle/>
+          <a:p>
+            <a:pPr>
+              <a:spcAft>
+                <a:spcPts val="600"/>
+              </a:spcAft>
+            </a:pPr>
             <a:fld id="{4589C08E-11F1-4614-AD94-2F79D605AB8D}" type="slidenum">
-              <a:rPr lang="de-DE" smtClean="0"/>
+              <a:rPr lang="en-US" smtClean="0"/>
+              <a:pPr>
+                <a:spcAft>
+                  <a:spcPts val="600"/>
+                </a:spcAft>
+              </a:pPr>
               <a:t>19</a:t>
             </a:fld>
-            <a:endParaRPr lang="de-DE" dirty="0"/>
+            <a:endParaRPr lang="en-US"/>
+          </a:p>
+        </p:txBody>
+      </p:sp>
+      <p:pic>
+        <p:nvPicPr>
+          <p:cNvPr id="3" name="Grafik 2">
+            <a:extLst>
+              <a:ext uri="{FF2B5EF4-FFF2-40B4-BE49-F238E27FC236}">
+                <a16:creationId xmlns:a16="http://schemas.microsoft.com/office/drawing/2014/main" id="{CC8C9D8D-A4DC-059E-1039-E67AE71D6F52}"/>
+              </a:ext>
+            </a:extLst>
+          </p:cNvPr>
+          <p:cNvPicPr>
+            <a:picLocks noChangeAspect="1"/>
+          </p:cNvPicPr>
+          <p:nvPr/>
+        </p:nvPicPr>
+        <p:blipFill>
+          <a:blip r:embed="rId3"/>
+          <a:stretch>
+            <a:fillRect/>
+          </a:stretch>
+        </p:blipFill>
+        <p:spPr>
+          <a:xfrm>
+            <a:off x="4645002" y="2108664"/>
+            <a:ext cx="6903720" cy="2640672"/>
+          </a:xfrm>
+          <a:prstGeom prst="rect">
+            <a:avLst/>
+          </a:prstGeom>
+        </p:spPr>
+      </p:pic>
+      <p:sp>
+        <p:nvSpPr>
+          <p:cNvPr id="7" name="Textfeld 6">
+            <a:extLst>
+              <a:ext uri="{FF2B5EF4-FFF2-40B4-BE49-F238E27FC236}">
+                <a16:creationId xmlns:a16="http://schemas.microsoft.com/office/drawing/2014/main" id="{E3DC2F4B-D31C-B8DF-DD20-DFBEAEA15B67}"/>
+              </a:ext>
+            </a:extLst>
+          </p:cNvPr>
+          <p:cNvSpPr txBox="1"/>
+          <p:nvPr/>
+        </p:nvSpPr>
+        <p:spPr>
+          <a:xfrm>
+            <a:off x="4645002" y="4749336"/>
+            <a:ext cx="4249881" cy="430887"/>
+          </a:xfrm>
+          <a:prstGeom prst="rect">
+            <a:avLst/>
+          </a:prstGeom>
+          <a:noFill/>
+        </p:spPr>
+        <p:txBody>
+          <a:bodyPr wrap="none" rtlCol="0">
+            <a:spAutoFit/>
+          </a:bodyPr>
+          <a:lstStyle/>
+          <a:p>
+            <a:r>
+              <a:rPr lang="en-US" sz="1100" dirty="0"/>
+              <a:t>Baseline: SpeechT5 architecture, but initialized w/ </a:t>
+            </a:r>
+            <a:r>
+              <a:rPr lang="en-US" sz="1100" dirty="0" err="1"/>
+              <a:t>HuBERT</a:t>
+            </a:r>
+            <a:r>
+              <a:rPr lang="en-US" sz="1100" dirty="0"/>
+              <a:t> BASE model</a:t>
+            </a:r>
+            <a:br>
+              <a:rPr lang="en-US" sz="1100" dirty="0"/>
+            </a:br>
+            <a:r>
+              <a:rPr lang="en-US" sz="1100" dirty="0"/>
+              <a:t>Dataset: </a:t>
+            </a:r>
+            <a:r>
+              <a:rPr lang="en-US" sz="1100" dirty="0" err="1"/>
+              <a:t>LibriSpeech</a:t>
+            </a:r>
+            <a:r>
+              <a:rPr lang="en-US" sz="1100" dirty="0"/>
+              <a:t> [5]</a:t>
+            </a:r>
           </a:p>
         </p:txBody>
       </p:sp>
     </p:spTree>
     <p:extLst>
       <p:ext uri="{BB962C8B-B14F-4D97-AF65-F5344CB8AC3E}">
-        <p14:creationId xmlns:p14="http://schemas.microsoft.com/office/powerpoint/2010/main" val="2506345323"/>
+        <p14:creationId xmlns:p14="http://schemas.microsoft.com/office/powerpoint/2010/main" val="1032072792"/>
       </p:ext>
     </p:extLst>
   </p:cSld>
@@ -10506,9 +11521,18 @@
           <a:lstStyle/>
           <a:p>
             <a:r>
+              <a:rPr lang="en-US" sz="5200" dirty="0"/>
+              <a:t>AV-HuBERT</a:t>
+            </a:r>
+            <a:r>
               <a:rPr lang="en-US" dirty="0"/>
-              <a:t>AV-HuBERT</a:t>
-            </a:r>
+              <a:t> </a:t>
+            </a:r>
+            <a:r>
+              <a:rPr lang="en-US" sz="1600" dirty="0"/>
+              <a:t>(03/22)</a:t>
+            </a:r>
+            <a:endParaRPr lang="en-US" dirty="0"/>
           </a:p>
         </p:txBody>
       </p:sp>
@@ -10535,17 +11559,41 @@
           <a:p>
             <a:r>
               <a:rPr lang="en-US" dirty="0"/>
-              <a:t>Scores in ASR/…</a:t>
+              <a:t>Based on HuBERT (2106.07447)</a:t>
             </a:r>
           </a:p>
           <a:p>
             <a:r>
               <a:rPr lang="en-US" dirty="0"/>
-              <a:t>difference to SpeechT5</a:t>
-            </a:r>
-          </a:p>
-          <a:p>
-            <a:endParaRPr lang="en-US" dirty="0"/>
+              <a:t>Audio and visual channels as input</a:t>
+            </a:r>
+          </a:p>
+          <a:p>
+            <a:r>
+              <a:rPr lang="en-US" dirty="0"/>
+              <a:t>Predict target clusters which are constantly updated (cf. </a:t>
+            </a:r>
+            <a:r>
+              <a:rPr lang="en-US" dirty="0" err="1"/>
+              <a:t>HuBERT</a:t>
+            </a:r>
+            <a:r>
+              <a:rPr lang="en-US" dirty="0"/>
+              <a:t>)</a:t>
+            </a:r>
+          </a:p>
+          <a:p>
+            <a:r>
+              <a:rPr lang="en-US" dirty="0"/>
+              <a:t>Only consists of encoder</a:t>
+            </a:r>
+          </a:p>
+          <a:p>
+            <a:pPr lvl="1"/>
+            <a:r>
+              <a:rPr lang="en-US" dirty="0"/>
+              <a:t>Decoder specific to downstream task</a:t>
+            </a:r>
           </a:p>
         </p:txBody>
       </p:sp>
@@ -10639,7 +11687,7 @@
     </p:spTree>
     <p:extLst>
       <p:ext uri="{BB962C8B-B14F-4D97-AF65-F5344CB8AC3E}">
-        <p14:creationId xmlns:p14="http://schemas.microsoft.com/office/powerpoint/2010/main" val="1880602538"/>
+        <p14:creationId xmlns:p14="http://schemas.microsoft.com/office/powerpoint/2010/main" val="2506345323"/>
       </p:ext>
     </p:extLst>
   </p:cSld>
@@ -10652,6 +11700,14 @@
 <file path=ppt/slides/slide21.xml><?xml version="1.0" encoding="utf-8"?>
 <p:sld xmlns:a="http://schemas.openxmlformats.org/drawingml/2006/main" xmlns:r="http://schemas.openxmlformats.org/officeDocument/2006/relationships" xmlns:p="http://schemas.openxmlformats.org/presentationml/2006/main">
   <p:cSld>
+    <p:bg>
+      <p:bgPr>
+        <a:solidFill>
+          <a:schemeClr val="bg1"/>
+        </a:solidFill>
+        <a:effectLst/>
+      </p:bgPr>
+    </p:bg>
     <p:spTree>
       <p:nvGrpSpPr>
         <p:cNvPr id="1" name=""/>
@@ -10666,12 +11722,72 @@
           <a:chExt cx="0" cy="0"/>
         </a:xfrm>
       </p:grpSpPr>
+      <p:sp useBgFill="1">
+        <p:nvSpPr>
+          <p:cNvPr id="13" name="Rectangle 12">
+            <a:extLst>
+              <a:ext uri="{FF2B5EF4-FFF2-40B4-BE49-F238E27FC236}">
+                <a16:creationId xmlns:a16="http://schemas.microsoft.com/office/drawing/2014/main" id="{53F29798-D584-4792-9B62-3F5F5C36D619}"/>
+              </a:ext>
+              <a:ext uri="{C183D7F6-B498-43B3-948B-1728B52AA6E4}">
+                <adec:decorative xmlns:adec="http://schemas.microsoft.com/office/drawing/2017/decorative" val="1"/>
+              </a:ext>
+            </a:extLst>
+          </p:cNvPr>
+          <p:cNvSpPr>
+            <a:spLocks noGrp="1" noRot="1" noChangeAspect="1" noMove="1" noResize="1" noEditPoints="1" noAdjustHandles="1" noChangeArrowheads="1" noChangeShapeType="1" noTextEdit="1"/>
+          </p:cNvSpPr>
+          <p:nvPr>
+            <p:extLst>
+              <p:ext uri="{386F3935-93C4-4BCD-93E2-E3B085C9AB24}">
+                <p16:designElem xmlns:p16="http://schemas.microsoft.com/office/powerpoint/2015/main" val="1"/>
+              </p:ext>
+            </p:extLst>
+          </p:nvPr>
+        </p:nvSpPr>
+        <p:spPr>
+          <a:xfrm>
+            <a:off x="0" y="0"/>
+            <a:ext cx="12188952" cy="6858000"/>
+          </a:xfrm>
+          <a:prstGeom prst="rect">
+            <a:avLst/>
+          </a:prstGeom>
+          <a:ln>
+            <a:noFill/>
+          </a:ln>
+        </p:spPr>
+        <p:style>
+          <a:lnRef idx="2">
+            <a:schemeClr val="accent1">
+              <a:shade val="50000"/>
+            </a:schemeClr>
+          </a:lnRef>
+          <a:fillRef idx="1">
+            <a:schemeClr val="accent1"/>
+          </a:fillRef>
+          <a:effectRef idx="0">
+            <a:schemeClr val="accent1"/>
+          </a:effectRef>
+          <a:fontRef idx="minor">
+            <a:schemeClr val="lt1"/>
+          </a:fontRef>
+        </p:style>
+        <p:txBody>
+          <a:bodyPr rtlCol="0" anchor="ctr"/>
+          <a:lstStyle/>
+          <a:p>
+            <a:pPr algn="ctr"/>
+            <a:endParaRPr lang="en-US"/>
+          </a:p>
+        </p:txBody>
+      </p:sp>
       <p:sp>
         <p:nvSpPr>
           <p:cNvPr id="2" name="Titel 1">
             <a:extLst>
               <a:ext uri="{FF2B5EF4-FFF2-40B4-BE49-F238E27FC236}">
-                <a16:creationId xmlns:a16="http://schemas.microsoft.com/office/drawing/2014/main" id="{358629DF-DE7D-BAA9-F837-194F89F9BC96}"/>
+                <a16:creationId xmlns:a16="http://schemas.microsoft.com/office/drawing/2014/main" id="{28355057-BC25-5B92-6550-D8EB86DAEFBA}"/>
               </a:ext>
             </a:extLst>
           </p:cNvPr>
@@ -10682,85 +11798,121 @@
             <p:ph type="title"/>
           </p:nvPr>
         </p:nvSpPr>
-        <p:spPr/>
-        <p:txBody>
-          <a:bodyPr/>
-          <a:lstStyle/>
-          <a:p>
-            <a:r>
-              <a:rPr lang="de-DE" dirty="0"/>
-              <a:t>Visual-Audio-Text LM </a:t>
-            </a:r>
-            <a:r>
-              <a:rPr lang="de-DE" sz="1600" dirty="0"/>
-              <a:t>(11/</a:t>
-            </a:r>
-            <a:r>
-              <a:rPr lang="en-GB" sz="1600" dirty="0"/>
-              <a:t>22</a:t>
-            </a:r>
-            <a:r>
-              <a:rPr lang="de-DE" sz="1600" dirty="0"/>
-              <a:t>)</a:t>
-            </a:r>
-            <a:endParaRPr lang="de-DE" dirty="0"/>
-          </a:p>
-        </p:txBody>
-      </p:sp>
-      <p:sp>
-        <p:nvSpPr>
-          <p:cNvPr id="3" name="Inhaltsplatzhalter 2">
-            <a:extLst>
-              <a:ext uri="{FF2B5EF4-FFF2-40B4-BE49-F238E27FC236}">
-                <a16:creationId xmlns:a16="http://schemas.microsoft.com/office/drawing/2014/main" id="{C122DCDD-7E10-B6E4-9A57-42E9DB86B263}"/>
-              </a:ext>
-            </a:extLst>
-          </p:cNvPr>
-          <p:cNvSpPr>
-            <a:spLocks noGrp="1"/>
-          </p:cNvSpPr>
-          <p:nvPr>
-            <p:ph idx="1"/>
-          </p:nvPr>
-        </p:nvSpPr>
-        <p:spPr/>
-        <p:txBody>
-          <a:bodyPr/>
-          <a:lstStyle/>
-          <a:p>
+        <p:spPr>
+          <a:xfrm>
+            <a:off x="838200" y="184805"/>
+            <a:ext cx="10515600" cy="1505883"/>
+          </a:xfrm>
+        </p:spPr>
+        <p:txBody>
+          <a:bodyPr vert="horz" lIns="91440" tIns="45720" rIns="91440" bIns="45720" rtlCol="0" anchor="ctr">
+            <a:normAutofit/>
+          </a:bodyPr>
+          <a:lstStyle/>
+          <a:p>
+            <a:r>
+              <a:rPr lang="en-US" sz="5200" kern="1200" dirty="0">
+                <a:solidFill>
+                  <a:schemeClr val="tx1"/>
+                </a:solidFill>
+                <a:latin typeface="+mj-lt"/>
+                <a:ea typeface="+mj-ea"/>
+                <a:cs typeface="+mj-cs"/>
+              </a:rPr>
+              <a:t>AV-</a:t>
+            </a:r>
+            <a:r>
+              <a:rPr lang="en-US" sz="5200" kern="1200" dirty="0" err="1">
+                <a:solidFill>
+                  <a:schemeClr val="tx1"/>
+                </a:solidFill>
+                <a:latin typeface="+mj-lt"/>
+                <a:ea typeface="+mj-ea"/>
+                <a:cs typeface="+mj-cs"/>
+              </a:rPr>
+              <a:t>HuBERT</a:t>
+            </a:r>
+            <a:r>
+              <a:rPr lang="en-US" sz="5200" kern="1200" dirty="0">
+                <a:solidFill>
+                  <a:schemeClr val="tx1"/>
+                </a:solidFill>
+                <a:latin typeface="+mj-lt"/>
+                <a:ea typeface="+mj-ea"/>
+                <a:cs typeface="+mj-cs"/>
+              </a:rPr>
+              <a:t> - Architecture</a:t>
+            </a:r>
+          </a:p>
+        </p:txBody>
+      </p:sp>
+      <p:pic>
+        <p:nvPicPr>
+          <p:cNvPr id="8" name="Grafik 7" descr="Ein Bild, das Text, Screenshot, Diagramm, Schrift enthält.&#10;&#10;Automatisch generierte Beschreibung">
+            <a:extLst>
+              <a:ext uri="{FF2B5EF4-FFF2-40B4-BE49-F238E27FC236}">
+                <a16:creationId xmlns:a16="http://schemas.microsoft.com/office/drawing/2014/main" id="{04784642-71AC-3C5D-B8D0-175F33C89DC6}"/>
+              </a:ext>
+            </a:extLst>
+          </p:cNvPr>
+          <p:cNvPicPr>
+            <a:picLocks noChangeAspect="1"/>
+          </p:cNvPicPr>
+          <p:nvPr/>
+        </p:nvPicPr>
+        <p:blipFill>
+          <a:blip r:embed="rId2"/>
+          <a:stretch>
+            <a:fillRect/>
+          </a:stretch>
+        </p:blipFill>
+        <p:spPr>
+          <a:xfrm>
+            <a:off x="1061358" y="1436914"/>
+            <a:ext cx="10069284" cy="4782911"/>
+          </a:xfrm>
+          <a:prstGeom prst="rect">
+            <a:avLst/>
+          </a:prstGeom>
+        </p:spPr>
+      </p:pic>
+      <p:sp>
+        <p:nvSpPr>
+          <p:cNvPr id="4" name="Datumsplatzhalter 3">
+            <a:extLst>
+              <a:ext uri="{FF2B5EF4-FFF2-40B4-BE49-F238E27FC236}">
+                <a16:creationId xmlns:a16="http://schemas.microsoft.com/office/drawing/2014/main" id="{5A35FDA0-7453-591A-0D59-B546CE203DCF}"/>
+              </a:ext>
+            </a:extLst>
+          </p:cNvPr>
+          <p:cNvSpPr>
+            <a:spLocks noGrp="1"/>
+          </p:cNvSpPr>
+          <p:nvPr>
+            <p:ph type="dt" sz="half" idx="10"/>
+          </p:nvPr>
+        </p:nvSpPr>
+        <p:spPr>
+          <a:xfrm>
+            <a:off x="838200" y="6356350"/>
+            <a:ext cx="2743200" cy="365125"/>
+          </a:xfrm>
+        </p:spPr>
+        <p:txBody>
+          <a:bodyPr vert="horz" lIns="91440" tIns="45720" rIns="91440" bIns="45720" rtlCol="0" anchor="ctr">
+            <a:normAutofit/>
+          </a:bodyPr>
+          <a:lstStyle/>
+          <a:p>
+            <a:pPr>
+              <a:spcAft>
+                <a:spcPts val="600"/>
+              </a:spcAft>
+            </a:pPr>
             <a:r>
               <a:rPr lang="en-US"/>
-              <a:t>Learning paradigm</a:t>
-            </a:r>
-          </a:p>
-        </p:txBody>
-      </p:sp>
-      <p:sp>
-        <p:nvSpPr>
-          <p:cNvPr id="4" name="Datumsplatzhalter 3">
-            <a:extLst>
-              <a:ext uri="{FF2B5EF4-FFF2-40B4-BE49-F238E27FC236}">
-                <a16:creationId xmlns:a16="http://schemas.microsoft.com/office/drawing/2014/main" id="{AA2DFAA3-D144-50A0-9C58-AB2639736D8E}"/>
-              </a:ext>
-            </a:extLst>
-          </p:cNvPr>
-          <p:cNvSpPr>
-            <a:spLocks noGrp="1"/>
-          </p:cNvSpPr>
-          <p:nvPr>
-            <p:ph type="dt" sz="half" idx="10"/>
-          </p:nvPr>
-        </p:nvSpPr>
-        <p:spPr/>
-        <p:txBody>
-          <a:bodyPr/>
-          <a:lstStyle/>
-          <a:p>
-            <a:r>
-              <a:rPr lang="de-DE"/>
               <a:t>05.12.2023</a:t>
             </a:r>
-            <a:endParaRPr lang="de-DE" dirty="0"/>
           </a:p>
         </p:txBody>
       </p:sp>
@@ -10769,7 +11921,7 @@
           <p:cNvPr id="5" name="Fußzeilenplatzhalter 4">
             <a:extLst>
               <a:ext uri="{FF2B5EF4-FFF2-40B4-BE49-F238E27FC236}">
-                <a16:creationId xmlns:a16="http://schemas.microsoft.com/office/drawing/2014/main" id="{02D8580E-0F61-BDDB-77CC-E4F419C5A7D2}"/>
+                <a16:creationId xmlns:a16="http://schemas.microsoft.com/office/drawing/2014/main" id="{17188B6D-522E-2AD4-F9E1-57E472A4D006}"/>
               </a:ext>
             </a:extLst>
           </p:cNvPr>
@@ -10780,16 +11932,36 @@
             <p:ph type="ftr" sz="quarter" idx="11"/>
           </p:nvPr>
         </p:nvSpPr>
-        <p:spPr/>
-        <p:txBody>
-          <a:bodyPr/>
-          <a:lstStyle/>
-          <a:p>
-            <a:r>
-              <a:rPr lang="en-US"/>
+        <p:spPr>
+          <a:xfrm>
+            <a:off x="4038600" y="6356350"/>
+            <a:ext cx="4114800" cy="365125"/>
+          </a:xfrm>
+        </p:spPr>
+        <p:txBody>
+          <a:bodyPr vert="horz" lIns="91440" tIns="45720" rIns="91440" bIns="45720" rtlCol="0" anchor="ctr">
+            <a:normAutofit/>
+          </a:bodyPr>
+          <a:lstStyle/>
+          <a:p>
+            <a:pPr>
+              <a:spcAft>
+                <a:spcPts val="600"/>
+              </a:spcAft>
+            </a:pPr>
+            <a:r>
+              <a:rPr lang="en-US" kern="1200">
+                <a:solidFill>
+                  <a:schemeClr val="tx1">
+                    <a:tint val="75000"/>
+                  </a:schemeClr>
+                </a:solidFill>
+                <a:latin typeface="+mn-lt"/>
+                <a:ea typeface="+mn-ea"/>
+                <a:cs typeface="+mn-cs"/>
+              </a:rPr>
               <a:t>Multi-modal Speech Representation Learning</a:t>
             </a:r>
-            <a:endParaRPr lang="de-DE" dirty="0"/>
           </a:p>
         </p:txBody>
       </p:sp>
@@ -10798,7 +11970,7 @@
           <p:cNvPr id="6" name="Foliennummernplatzhalter 5">
             <a:extLst>
               <a:ext uri="{FF2B5EF4-FFF2-40B4-BE49-F238E27FC236}">
-                <a16:creationId xmlns:a16="http://schemas.microsoft.com/office/drawing/2014/main" id="{5F851B5D-42CC-F4ED-FF52-3115D318058A}"/>
+                <a16:creationId xmlns:a16="http://schemas.microsoft.com/office/drawing/2014/main" id="{E87A9C9D-9626-2A72-7724-3EB896F2A8D4}"/>
               </a:ext>
             </a:extLst>
           </p:cNvPr>
@@ -10809,23 +11981,76 @@
             <p:ph type="sldNum" sz="quarter" idx="12"/>
           </p:nvPr>
         </p:nvSpPr>
-        <p:spPr/>
-        <p:txBody>
-          <a:bodyPr/>
-          <a:lstStyle/>
-          <a:p>
+        <p:spPr>
+          <a:xfrm>
+            <a:off x="8610600" y="6356350"/>
+            <a:ext cx="2743200" cy="365125"/>
+          </a:xfrm>
+        </p:spPr>
+        <p:txBody>
+          <a:bodyPr vert="horz" lIns="91440" tIns="45720" rIns="91440" bIns="45720" rtlCol="0" anchor="ctr">
+            <a:normAutofit/>
+          </a:bodyPr>
+          <a:lstStyle/>
+          <a:p>
+            <a:pPr>
+              <a:spcAft>
+                <a:spcPts val="600"/>
+              </a:spcAft>
+            </a:pPr>
             <a:fld id="{4589C08E-11F1-4614-AD94-2F79D605AB8D}" type="slidenum">
-              <a:rPr lang="de-DE" smtClean="0"/>
+              <a:rPr lang="en-US" smtClean="0"/>
+              <a:pPr>
+                <a:spcAft>
+                  <a:spcPts val="600"/>
+                </a:spcAft>
+              </a:pPr>
               <a:t>21</a:t>
             </a:fld>
-            <a:endParaRPr lang="de-DE" dirty="0"/>
+            <a:endParaRPr lang="en-US"/>
+          </a:p>
+        </p:txBody>
+      </p:sp>
+      <p:sp>
+        <p:nvSpPr>
+          <p:cNvPr id="9" name="Textfeld 8">
+            <a:extLst>
+              <a:ext uri="{FF2B5EF4-FFF2-40B4-BE49-F238E27FC236}">
+                <a16:creationId xmlns:a16="http://schemas.microsoft.com/office/drawing/2014/main" id="{F577E326-2F37-BC27-28CD-12955EC7AD2E}"/>
+              </a:ext>
+            </a:extLst>
+          </p:cNvPr>
+          <p:cNvSpPr txBox="1"/>
+          <p:nvPr/>
+        </p:nvSpPr>
+        <p:spPr>
+          <a:xfrm>
+            <a:off x="10916492" y="5984914"/>
+            <a:ext cx="442750" cy="369332"/>
+          </a:xfrm>
+          <a:prstGeom prst="rect">
+            <a:avLst/>
+          </a:prstGeom>
+          <a:noFill/>
+        </p:spPr>
+        <p:txBody>
+          <a:bodyPr wrap="none" rtlCol="0">
+            <a:spAutoFit/>
+          </a:bodyPr>
+          <a:lstStyle/>
+          <a:p>
+            <a:r>
+              <a:rPr lang="de-DE" dirty="0"/>
+              <a:t>[4]</a:t>
+            </a:r>
+            <a:endParaRPr lang="en-GB" dirty="0"/>
           </a:p>
         </p:txBody>
       </p:sp>
     </p:spTree>
     <p:extLst>
       <p:ext uri="{BB962C8B-B14F-4D97-AF65-F5344CB8AC3E}">
-        <p14:creationId xmlns:p14="http://schemas.microsoft.com/office/powerpoint/2010/main" val="87589397"/>
+        <p14:creationId xmlns:p14="http://schemas.microsoft.com/office/powerpoint/2010/main" val="2467873757"/>
       </p:ext>
     </p:extLst>
   </p:cSld>
@@ -10857,7 +12082,7 @@
           <p:cNvPr id="2" name="Titel 1">
             <a:extLst>
               <a:ext uri="{FF2B5EF4-FFF2-40B4-BE49-F238E27FC236}">
-                <a16:creationId xmlns:a16="http://schemas.microsoft.com/office/drawing/2014/main" id="{358629DF-DE7D-BAA9-F837-194F89F9BC96}"/>
+                <a16:creationId xmlns:a16="http://schemas.microsoft.com/office/drawing/2014/main" id="{28355057-BC25-5B92-6550-D8EB86DAEFBA}"/>
               </a:ext>
             </a:extLst>
           </p:cNvPr>
@@ -10870,13 +12095,24 @@
         </p:nvSpPr>
         <p:spPr/>
         <p:txBody>
-          <a:bodyPr/>
-          <a:lstStyle/>
-          <a:p>
-            <a:r>
-              <a:rPr lang="de-DE" dirty="0"/>
-              <a:t>Visual-Audio-Text LM</a:t>
-            </a:r>
+          <a:bodyPr>
+            <a:normAutofit/>
+          </a:bodyPr>
+          <a:lstStyle/>
+          <a:p>
+            <a:r>
+              <a:rPr lang="de-DE" sz="5200" dirty="0"/>
+              <a:t>AV-</a:t>
+            </a:r>
+            <a:r>
+              <a:rPr lang="de-DE" sz="5200" dirty="0" err="1"/>
+              <a:t>HuBERT</a:t>
+            </a:r>
+            <a:r>
+              <a:rPr lang="de-DE" sz="5200" dirty="0"/>
+              <a:t> - Training</a:t>
+            </a:r>
+            <a:endParaRPr lang="en-GB" sz="5200" dirty="0"/>
           </a:p>
         </p:txBody>
       </p:sp>
@@ -10885,7 +12121,7 @@
           <p:cNvPr id="3" name="Inhaltsplatzhalter 2">
             <a:extLst>
               <a:ext uri="{FF2B5EF4-FFF2-40B4-BE49-F238E27FC236}">
-                <a16:creationId xmlns:a16="http://schemas.microsoft.com/office/drawing/2014/main" id="{C122DCDD-7E10-B6E4-9A57-42E9DB86B263}"/>
+                <a16:creationId xmlns:a16="http://schemas.microsoft.com/office/drawing/2014/main" id="{456D1278-C109-328D-C61D-36AFE6529020}"/>
               </a:ext>
             </a:extLst>
           </p:cNvPr>
@@ -10902,9 +12138,50 @@
           <a:lstStyle/>
           <a:p>
             <a:r>
-              <a:rPr lang="en-US"/>
-              <a:t>Results / compare to SpeechT5 and AV-HuBERT</a:t>
-            </a:r>
+              <a:rPr lang="en-US" dirty="0"/>
+              <a:t>Audio and visual channels as input</a:t>
+            </a:r>
+          </a:p>
+          <a:p>
+            <a:pPr lvl="1"/>
+            <a:r>
+              <a:rPr lang="en-US" dirty="0"/>
+              <a:t>Image Encoder: ResNet-18</a:t>
+            </a:r>
+          </a:p>
+          <a:p>
+            <a:pPr lvl="1"/>
+            <a:r>
+              <a:rPr lang="en-US" dirty="0"/>
+              <a:t>Audio Encoder: Linear Layer</a:t>
+            </a:r>
+          </a:p>
+          <a:p>
+            <a:r>
+              <a:rPr lang="en-US" dirty="0"/>
+              <a:t>Modality dropout</a:t>
+            </a:r>
+          </a:p>
+          <a:p>
+            <a:endParaRPr lang="en-US" dirty="0"/>
+          </a:p>
+          <a:p>
+            <a:r>
+              <a:rPr lang="en-US" dirty="0"/>
+              <a:t>Masking by substitution</a:t>
+            </a:r>
+          </a:p>
+          <a:p>
+            <a:endParaRPr lang="en-US" dirty="0"/>
+          </a:p>
+          <a:p>
+            <a:r>
+              <a:rPr lang="en-US" dirty="0"/>
+              <a:t>Fine-tuning for lip reading: Drop audio input</a:t>
+            </a:r>
+          </a:p>
+          <a:p>
+            <a:endParaRPr lang="en-GB" dirty="0"/>
           </a:p>
         </p:txBody>
       </p:sp>
@@ -10913,7 +12190,7 @@
           <p:cNvPr id="4" name="Datumsplatzhalter 3">
             <a:extLst>
               <a:ext uri="{FF2B5EF4-FFF2-40B4-BE49-F238E27FC236}">
-                <a16:creationId xmlns:a16="http://schemas.microsoft.com/office/drawing/2014/main" id="{AA2DFAA3-D144-50A0-9C58-AB2639736D8E}"/>
+                <a16:creationId xmlns:a16="http://schemas.microsoft.com/office/drawing/2014/main" id="{5A35FDA0-7453-591A-0D59-B546CE203DCF}"/>
               </a:ext>
             </a:extLst>
           </p:cNvPr>
@@ -10942,7 +12219,7 @@
           <p:cNvPr id="5" name="Fußzeilenplatzhalter 4">
             <a:extLst>
               <a:ext uri="{FF2B5EF4-FFF2-40B4-BE49-F238E27FC236}">
-                <a16:creationId xmlns:a16="http://schemas.microsoft.com/office/drawing/2014/main" id="{02D8580E-0F61-BDDB-77CC-E4F419C5A7D2}"/>
+                <a16:creationId xmlns:a16="http://schemas.microsoft.com/office/drawing/2014/main" id="{17188B6D-522E-2AD4-F9E1-57E472A4D006}"/>
               </a:ext>
             </a:extLst>
           </p:cNvPr>
@@ -10971,7 +12248,7 @@
           <p:cNvPr id="6" name="Foliennummernplatzhalter 5">
             <a:extLst>
               <a:ext uri="{FF2B5EF4-FFF2-40B4-BE49-F238E27FC236}">
-                <a16:creationId xmlns:a16="http://schemas.microsoft.com/office/drawing/2014/main" id="{5F851B5D-42CC-F4ED-FF52-3115D318058A}"/>
+                <a16:creationId xmlns:a16="http://schemas.microsoft.com/office/drawing/2014/main" id="{E87A9C9D-9626-2A72-7724-3EB896F2A8D4}"/>
               </a:ext>
             </a:extLst>
           </p:cNvPr>
@@ -10995,10 +12272,100 @@
           </a:p>
         </p:txBody>
       </p:sp>
+      <p:pic>
+        <p:nvPicPr>
+          <p:cNvPr id="8" name="Grafik 7">
+            <a:extLst>
+              <a:ext uri="{FF2B5EF4-FFF2-40B4-BE49-F238E27FC236}">
+                <a16:creationId xmlns:a16="http://schemas.microsoft.com/office/drawing/2014/main" id="{65A33D68-1ECB-98E2-E3D4-2566C85F5DD6}"/>
+              </a:ext>
+            </a:extLst>
+          </p:cNvPr>
+          <p:cNvPicPr>
+            <a:picLocks noChangeAspect="1"/>
+          </p:cNvPicPr>
+          <p:nvPr/>
+        </p:nvPicPr>
+        <p:blipFill>
+          <a:blip r:embed="rId3"/>
+          <a:stretch>
+            <a:fillRect/>
+          </a:stretch>
+        </p:blipFill>
+        <p:spPr>
+          <a:xfrm>
+            <a:off x="6021216" y="2553658"/>
+            <a:ext cx="4767962" cy="875342"/>
+          </a:xfrm>
+          <a:prstGeom prst="rect">
+            <a:avLst/>
+          </a:prstGeom>
+        </p:spPr>
+      </p:pic>
+      <p:pic>
+        <p:nvPicPr>
+          <p:cNvPr id="10" name="Grafik 9">
+            <a:extLst>
+              <a:ext uri="{FF2B5EF4-FFF2-40B4-BE49-F238E27FC236}">
+                <a16:creationId xmlns:a16="http://schemas.microsoft.com/office/drawing/2014/main" id="{5D616B74-5ADE-DB82-7897-94D168F1C846}"/>
+              </a:ext>
+            </a:extLst>
+          </p:cNvPr>
+          <p:cNvPicPr>
+            <a:picLocks noChangeAspect="1"/>
+          </p:cNvPicPr>
+          <p:nvPr/>
+        </p:nvPicPr>
+        <p:blipFill>
+          <a:blip r:embed="rId4"/>
+          <a:stretch>
+            <a:fillRect/>
+          </a:stretch>
+        </p:blipFill>
+        <p:spPr>
+          <a:xfrm>
+            <a:off x="5586794" y="4157033"/>
+            <a:ext cx="2732612" cy="378174"/>
+          </a:xfrm>
+          <a:prstGeom prst="rect">
+            <a:avLst/>
+          </a:prstGeom>
+        </p:spPr>
+      </p:pic>
+      <p:pic>
+        <p:nvPicPr>
+          <p:cNvPr id="12" name="Grafik 11">
+            <a:extLst>
+              <a:ext uri="{FF2B5EF4-FFF2-40B4-BE49-F238E27FC236}">
+                <a16:creationId xmlns:a16="http://schemas.microsoft.com/office/drawing/2014/main" id="{67429E6B-70D2-D22D-1B7D-35FABA2A3673}"/>
+              </a:ext>
+            </a:extLst>
+          </p:cNvPr>
+          <p:cNvPicPr>
+            <a:picLocks noChangeAspect="1"/>
+          </p:cNvPicPr>
+          <p:nvPr/>
+        </p:nvPicPr>
+        <p:blipFill>
+          <a:blip r:embed="rId5"/>
+          <a:stretch>
+            <a:fillRect/>
+          </a:stretch>
+        </p:blipFill>
+        <p:spPr>
+          <a:xfrm>
+            <a:off x="8487256" y="4157033"/>
+            <a:ext cx="2023930" cy="378174"/>
+          </a:xfrm>
+          <a:prstGeom prst="rect">
+            <a:avLst/>
+          </a:prstGeom>
+        </p:spPr>
+      </p:pic>
     </p:spTree>
     <p:extLst>
       <p:ext uri="{BB962C8B-B14F-4D97-AF65-F5344CB8AC3E}">
-        <p14:creationId xmlns:p14="http://schemas.microsoft.com/office/powerpoint/2010/main" val="1781512618"/>
+        <p14:creationId xmlns:p14="http://schemas.microsoft.com/office/powerpoint/2010/main" val="3118719376"/>
       </p:ext>
     </p:extLst>
   </p:cSld>
@@ -11011,6 +12378,14 @@
 <file path=ppt/slides/slide23.xml><?xml version="1.0" encoding="utf-8"?>
 <p:sld xmlns:a="http://schemas.openxmlformats.org/drawingml/2006/main" xmlns:r="http://schemas.openxmlformats.org/officeDocument/2006/relationships" xmlns:p="http://schemas.openxmlformats.org/presentationml/2006/main">
   <p:cSld>
+    <p:bg>
+      <p:bgPr>
+        <a:solidFill>
+          <a:schemeClr val="bg1"/>
+        </a:solidFill>
+        <a:effectLst/>
+      </p:bgPr>
+    </p:bg>
     <p:spTree>
       <p:nvGrpSpPr>
         <p:cNvPr id="1" name=""/>
@@ -11025,12 +12400,72 @@
           <a:chExt cx="0" cy="0"/>
         </a:xfrm>
       </p:grpSpPr>
+      <p:sp useBgFill="1">
+        <p:nvSpPr>
+          <p:cNvPr id="26" name="Rectangle 21">
+            <a:extLst>
+              <a:ext uri="{FF2B5EF4-FFF2-40B4-BE49-F238E27FC236}">
+                <a16:creationId xmlns:a16="http://schemas.microsoft.com/office/drawing/2014/main" id="{665DBBEF-238B-476B-96AB-8AAC3224ECEA}"/>
+              </a:ext>
+              <a:ext uri="{C183D7F6-B498-43B3-948B-1728B52AA6E4}">
+                <adec:decorative xmlns:adec="http://schemas.microsoft.com/office/drawing/2017/decorative" val="1"/>
+              </a:ext>
+            </a:extLst>
+          </p:cNvPr>
+          <p:cNvSpPr>
+            <a:spLocks noGrp="1" noRot="1" noChangeAspect="1" noMove="1" noResize="1" noEditPoints="1" noAdjustHandles="1" noChangeArrowheads="1" noChangeShapeType="1" noTextEdit="1"/>
+          </p:cNvSpPr>
+          <p:nvPr>
+            <p:extLst>
+              <p:ext uri="{386F3935-93C4-4BCD-93E2-E3B085C9AB24}">
+                <p16:designElem xmlns:p16="http://schemas.microsoft.com/office/powerpoint/2015/main" val="1"/>
+              </p:ext>
+            </p:extLst>
+          </p:nvPr>
+        </p:nvSpPr>
+        <p:spPr>
+          <a:xfrm>
+            <a:off x="0" y="0"/>
+            <a:ext cx="12192000" cy="6858000"/>
+          </a:xfrm>
+          <a:prstGeom prst="rect">
+            <a:avLst/>
+          </a:prstGeom>
+          <a:ln>
+            <a:noFill/>
+          </a:ln>
+        </p:spPr>
+        <p:style>
+          <a:lnRef idx="2">
+            <a:schemeClr val="accent1">
+              <a:shade val="50000"/>
+            </a:schemeClr>
+          </a:lnRef>
+          <a:fillRef idx="1">
+            <a:schemeClr val="accent1"/>
+          </a:fillRef>
+          <a:effectRef idx="0">
+            <a:schemeClr val="accent1"/>
+          </a:effectRef>
+          <a:fontRef idx="minor">
+            <a:schemeClr val="lt1"/>
+          </a:fontRef>
+        </p:style>
+        <p:txBody>
+          <a:bodyPr rtlCol="0" anchor="ctr"/>
+          <a:lstStyle/>
+          <a:p>
+            <a:pPr algn="ctr"/>
+            <a:endParaRPr lang="en-US"/>
+          </a:p>
+        </p:txBody>
+      </p:sp>
       <p:sp>
         <p:nvSpPr>
           <p:cNvPr id="2" name="Titel 1">
             <a:extLst>
               <a:ext uri="{FF2B5EF4-FFF2-40B4-BE49-F238E27FC236}">
-                <a16:creationId xmlns:a16="http://schemas.microsoft.com/office/drawing/2014/main" id="{A5AA884D-9FF9-ADE1-DD18-42738AA778F6}"/>
+                <a16:creationId xmlns:a16="http://schemas.microsoft.com/office/drawing/2014/main" id="{50D04423-9DD4-F6BA-2DC9-5D0829C9B98C}"/>
               </a:ext>
             </a:extLst>
           </p:cNvPr>
@@ -11041,80 +12476,383 @@
             <p:ph type="title"/>
           </p:nvPr>
         </p:nvSpPr>
-        <p:spPr/>
-        <p:txBody>
-          <a:bodyPr/>
-          <a:lstStyle/>
-          <a:p>
-            <a:r>
-              <a:rPr lang="de-DE" dirty="0"/>
-              <a:t>Challenges / </a:t>
-            </a:r>
-            <a:r>
-              <a:rPr lang="de-DE" dirty="0" err="1"/>
-              <a:t>Prospects</a:t>
-            </a:r>
-            <a:endParaRPr lang="de-DE" dirty="0"/>
-          </a:p>
-        </p:txBody>
-      </p:sp>
-      <p:sp>
-        <p:nvSpPr>
-          <p:cNvPr id="3" name="Inhaltsplatzhalter 2">
-            <a:extLst>
-              <a:ext uri="{FF2B5EF4-FFF2-40B4-BE49-F238E27FC236}">
-                <a16:creationId xmlns:a16="http://schemas.microsoft.com/office/drawing/2014/main" id="{3B2AF2DA-0C13-2231-5223-79DCFDDF93CD}"/>
-              </a:ext>
-            </a:extLst>
-          </p:cNvPr>
-          <p:cNvSpPr>
-            <a:spLocks noGrp="1"/>
-          </p:cNvSpPr>
-          <p:nvPr>
-            <p:ph idx="1"/>
-          </p:nvPr>
-        </p:nvSpPr>
-        <p:spPr/>
-        <p:txBody>
-          <a:bodyPr/>
-          <a:lstStyle/>
-          <a:p>
+        <p:spPr>
+          <a:xfrm>
+            <a:off x="638882" y="639193"/>
+            <a:ext cx="3571810" cy="3573516"/>
+          </a:xfrm>
+        </p:spPr>
+        <p:txBody>
+          <a:bodyPr vert="horz" lIns="91440" tIns="45720" rIns="91440" bIns="45720" rtlCol="0" anchor="b">
+            <a:normAutofit/>
+          </a:bodyPr>
+          <a:lstStyle/>
+          <a:p>
+            <a:r>
+              <a:rPr lang="en-US" sz="5200" kern="1200" dirty="0">
+                <a:solidFill>
+                  <a:schemeClr val="tx1"/>
+                </a:solidFill>
+                <a:latin typeface="+mj-lt"/>
+                <a:ea typeface="+mj-ea"/>
+                <a:cs typeface="+mj-cs"/>
+              </a:rPr>
+              <a:t>AV-</a:t>
+            </a:r>
+            <a:r>
+              <a:rPr lang="en-US" sz="5200" kern="1200" dirty="0" err="1">
+                <a:solidFill>
+                  <a:schemeClr val="tx1"/>
+                </a:solidFill>
+                <a:latin typeface="+mj-lt"/>
+                <a:ea typeface="+mj-ea"/>
+                <a:cs typeface="+mj-cs"/>
+              </a:rPr>
+              <a:t>HuBERT</a:t>
+            </a:r>
+            <a:r>
+              <a:rPr lang="en-US" sz="5100" kern="1200" dirty="0">
+                <a:solidFill>
+                  <a:schemeClr val="tx1"/>
+                </a:solidFill>
+                <a:latin typeface="+mj-lt"/>
+                <a:ea typeface="+mj-ea"/>
+                <a:cs typeface="+mj-cs"/>
+              </a:rPr>
+              <a:t> </a:t>
+            </a:r>
+            <a:r>
+              <a:rPr lang="en-US" sz="3600" kern="1200" dirty="0">
+                <a:solidFill>
+                  <a:schemeClr val="tx1"/>
+                </a:solidFill>
+                <a:latin typeface="+mj-lt"/>
+                <a:ea typeface="+mj-ea"/>
+                <a:cs typeface="+mj-cs"/>
+              </a:rPr>
+              <a:t>Lip-Reading (VSR) Performance</a:t>
+            </a:r>
+            <a:endParaRPr lang="en-US" sz="4900" kern="1200" dirty="0">
+              <a:solidFill>
+                <a:schemeClr val="tx1"/>
+              </a:solidFill>
+              <a:latin typeface="+mj-lt"/>
+              <a:ea typeface="+mj-ea"/>
+              <a:cs typeface="+mj-cs"/>
+            </a:endParaRPr>
+          </a:p>
+        </p:txBody>
+      </p:sp>
+      <p:sp>
+        <p:nvSpPr>
+          <p:cNvPr id="27" name="sketch line">
+            <a:extLst>
+              <a:ext uri="{FF2B5EF4-FFF2-40B4-BE49-F238E27FC236}">
+                <a16:creationId xmlns:a16="http://schemas.microsoft.com/office/drawing/2014/main" id="{3FCFB1DE-0B7E-48CC-BA90-B2AB0889F9D6}"/>
+              </a:ext>
+              <a:ext uri="{C183D7F6-B498-43B3-948B-1728B52AA6E4}">
+                <adec:decorative xmlns:adec="http://schemas.microsoft.com/office/drawing/2017/decorative" val="1"/>
+              </a:ext>
+            </a:extLst>
+          </p:cNvPr>
+          <p:cNvSpPr>
+            <a:spLocks noGrp="1" noRot="1" noChangeAspect="1" noMove="1" noResize="1" noEditPoints="1" noAdjustHandles="1" noChangeArrowheads="1" noChangeShapeType="1" noTextEdit="1"/>
+          </p:cNvSpPr>
+          <p:nvPr>
+            <p:extLst>
+              <p:ext uri="{386F3935-93C4-4BCD-93E2-E3B085C9AB24}">
+                <p16:designElem xmlns:p16="http://schemas.microsoft.com/office/powerpoint/2015/main" val="1"/>
+              </p:ext>
+            </p:extLst>
+          </p:nvPr>
+        </p:nvSpPr>
+        <p:spPr>
+          <a:xfrm>
+            <a:off x="643278" y="4409267"/>
+            <a:ext cx="3255095" cy="18288"/>
+          </a:xfrm>
+          <a:custGeom>
+            <a:avLst/>
+            <a:gdLst>
+              <a:gd name="connsiteX0" fmla="*/ 0 w 3255095"/>
+              <a:gd name="connsiteY0" fmla="*/ 0 h 18288"/>
+              <a:gd name="connsiteX1" fmla="*/ 618468 w 3255095"/>
+              <a:gd name="connsiteY1" fmla="*/ 0 h 18288"/>
+              <a:gd name="connsiteX2" fmla="*/ 1269487 w 3255095"/>
+              <a:gd name="connsiteY2" fmla="*/ 0 h 18288"/>
+              <a:gd name="connsiteX3" fmla="*/ 1953057 w 3255095"/>
+              <a:gd name="connsiteY3" fmla="*/ 0 h 18288"/>
+              <a:gd name="connsiteX4" fmla="*/ 2636627 w 3255095"/>
+              <a:gd name="connsiteY4" fmla="*/ 0 h 18288"/>
+              <a:gd name="connsiteX5" fmla="*/ 3255095 w 3255095"/>
+              <a:gd name="connsiteY5" fmla="*/ 0 h 18288"/>
+              <a:gd name="connsiteX6" fmla="*/ 3255095 w 3255095"/>
+              <a:gd name="connsiteY6" fmla="*/ 18288 h 18288"/>
+              <a:gd name="connsiteX7" fmla="*/ 2538974 w 3255095"/>
+              <a:gd name="connsiteY7" fmla="*/ 18288 h 18288"/>
+              <a:gd name="connsiteX8" fmla="*/ 1822853 w 3255095"/>
+              <a:gd name="connsiteY8" fmla="*/ 18288 h 18288"/>
+              <a:gd name="connsiteX9" fmla="*/ 1171834 w 3255095"/>
+              <a:gd name="connsiteY9" fmla="*/ 18288 h 18288"/>
+              <a:gd name="connsiteX10" fmla="*/ 0 w 3255095"/>
+              <a:gd name="connsiteY10" fmla="*/ 18288 h 18288"/>
+              <a:gd name="connsiteX11" fmla="*/ 0 w 3255095"/>
+              <a:gd name="connsiteY11" fmla="*/ 0 h 18288"/>
+            </a:gdLst>
+            <a:ahLst/>
+            <a:cxnLst>
+              <a:cxn ang="0">
+                <a:pos x="connsiteX0" y="connsiteY0"/>
+              </a:cxn>
+              <a:cxn ang="0">
+                <a:pos x="connsiteX1" y="connsiteY1"/>
+              </a:cxn>
+              <a:cxn ang="0">
+                <a:pos x="connsiteX2" y="connsiteY2"/>
+              </a:cxn>
+              <a:cxn ang="0">
+                <a:pos x="connsiteX3" y="connsiteY3"/>
+              </a:cxn>
+              <a:cxn ang="0">
+                <a:pos x="connsiteX4" y="connsiteY4"/>
+              </a:cxn>
+              <a:cxn ang="0">
+                <a:pos x="connsiteX5" y="connsiteY5"/>
+              </a:cxn>
+              <a:cxn ang="0">
+                <a:pos x="connsiteX6" y="connsiteY6"/>
+              </a:cxn>
+              <a:cxn ang="0">
+                <a:pos x="connsiteX7" y="connsiteY7"/>
+              </a:cxn>
+              <a:cxn ang="0">
+                <a:pos x="connsiteX8" y="connsiteY8"/>
+              </a:cxn>
+              <a:cxn ang="0">
+                <a:pos x="connsiteX9" y="connsiteY9"/>
+              </a:cxn>
+              <a:cxn ang="0">
+                <a:pos x="connsiteX10" y="connsiteY10"/>
+              </a:cxn>
+              <a:cxn ang="0">
+                <a:pos x="connsiteX11" y="connsiteY11"/>
+              </a:cxn>
+            </a:cxnLst>
+            <a:rect l="l" t="t" r="r" b="b"/>
+            <a:pathLst>
+              <a:path w="3255095" h="18288" fill="none" extrusionOk="0">
+                <a:moveTo>
+                  <a:pt x="0" y="0"/>
+                </a:moveTo>
+                <a:cubicBezTo>
+                  <a:pt x="240201" y="-22123"/>
+                  <a:pt x="462021" y="-19623"/>
+                  <a:pt x="618468" y="0"/>
+                </a:cubicBezTo>
+                <a:cubicBezTo>
+                  <a:pt x="774915" y="19623"/>
+                  <a:pt x="974734" y="2035"/>
+                  <a:pt x="1269487" y="0"/>
+                </a:cubicBezTo>
+                <a:cubicBezTo>
+                  <a:pt x="1564240" y="-2035"/>
+                  <a:pt x="1733579" y="10639"/>
+                  <a:pt x="1953057" y="0"/>
+                </a:cubicBezTo>
+                <a:cubicBezTo>
+                  <a:pt x="2172535" y="-10639"/>
+                  <a:pt x="2453962" y="14018"/>
+                  <a:pt x="2636627" y="0"/>
+                </a:cubicBezTo>
+                <a:cubicBezTo>
+                  <a:pt x="2819292" y="-14018"/>
+                  <a:pt x="3121375" y="5399"/>
+                  <a:pt x="3255095" y="0"/>
+                </a:cubicBezTo>
+                <a:cubicBezTo>
+                  <a:pt x="3254386" y="8157"/>
+                  <a:pt x="3254682" y="12125"/>
+                  <a:pt x="3255095" y="18288"/>
+                </a:cubicBezTo>
+                <a:cubicBezTo>
+                  <a:pt x="3088545" y="23203"/>
+                  <a:pt x="2687475" y="7419"/>
+                  <a:pt x="2538974" y="18288"/>
+                </a:cubicBezTo>
+                <a:cubicBezTo>
+                  <a:pt x="2390473" y="29157"/>
+                  <a:pt x="2137381" y="-8959"/>
+                  <a:pt x="1822853" y="18288"/>
+                </a:cubicBezTo>
+                <a:cubicBezTo>
+                  <a:pt x="1508325" y="45535"/>
+                  <a:pt x="1466437" y="20385"/>
+                  <a:pt x="1171834" y="18288"/>
+                </a:cubicBezTo>
+                <a:cubicBezTo>
+                  <a:pt x="877231" y="16191"/>
+                  <a:pt x="561097" y="37643"/>
+                  <a:pt x="0" y="18288"/>
+                </a:cubicBezTo>
+                <a:cubicBezTo>
+                  <a:pt x="-46" y="12483"/>
+                  <a:pt x="-203" y="6491"/>
+                  <a:pt x="0" y="0"/>
+                </a:cubicBezTo>
+                <a:close/>
+              </a:path>
+              <a:path w="3255095" h="18288" stroke="0" extrusionOk="0">
+                <a:moveTo>
+                  <a:pt x="0" y="0"/>
+                </a:moveTo>
+                <a:cubicBezTo>
+                  <a:pt x="291965" y="19429"/>
+                  <a:pt x="363155" y="8568"/>
+                  <a:pt x="618468" y="0"/>
+                </a:cubicBezTo>
+                <a:cubicBezTo>
+                  <a:pt x="873781" y="-8568"/>
+                  <a:pt x="904459" y="-19505"/>
+                  <a:pt x="1171834" y="0"/>
+                </a:cubicBezTo>
+                <a:cubicBezTo>
+                  <a:pt x="1439209" y="19505"/>
+                  <a:pt x="1744369" y="9790"/>
+                  <a:pt x="1887955" y="0"/>
+                </a:cubicBezTo>
+                <a:cubicBezTo>
+                  <a:pt x="2031541" y="-9790"/>
+                  <a:pt x="2346378" y="21240"/>
+                  <a:pt x="2506423" y="0"/>
+                </a:cubicBezTo>
+                <a:cubicBezTo>
+                  <a:pt x="2666468" y="-21240"/>
+                  <a:pt x="2990257" y="30414"/>
+                  <a:pt x="3255095" y="0"/>
+                </a:cubicBezTo>
+                <a:cubicBezTo>
+                  <a:pt x="3254831" y="4493"/>
+                  <a:pt x="3255479" y="9472"/>
+                  <a:pt x="3255095" y="18288"/>
+                </a:cubicBezTo>
+                <a:cubicBezTo>
+                  <a:pt x="3120743" y="16690"/>
+                  <a:pt x="2759628" y="42462"/>
+                  <a:pt x="2604076" y="18288"/>
+                </a:cubicBezTo>
+                <a:cubicBezTo>
+                  <a:pt x="2448524" y="-5886"/>
+                  <a:pt x="2184336" y="19599"/>
+                  <a:pt x="1887955" y="18288"/>
+                </a:cubicBezTo>
+                <a:cubicBezTo>
+                  <a:pt x="1591574" y="16977"/>
+                  <a:pt x="1548845" y="6870"/>
+                  <a:pt x="1334589" y="18288"/>
+                </a:cubicBezTo>
+                <a:cubicBezTo>
+                  <a:pt x="1120333" y="29706"/>
+                  <a:pt x="996014" y="9662"/>
+                  <a:pt x="683570" y="18288"/>
+                </a:cubicBezTo>
+                <a:cubicBezTo>
+                  <a:pt x="371126" y="26914"/>
+                  <a:pt x="198687" y="16167"/>
+                  <a:pt x="0" y="18288"/>
+                </a:cubicBezTo>
+                <a:cubicBezTo>
+                  <a:pt x="843" y="9577"/>
+                  <a:pt x="371" y="6900"/>
+                  <a:pt x="0" y="0"/>
+                </a:cubicBezTo>
+                <a:close/>
+              </a:path>
+            </a:pathLst>
+          </a:custGeom>
+          <a:solidFill>
+            <a:schemeClr val="accent2"/>
+          </a:solidFill>
+          <a:ln w="38100" cap="rnd">
+            <a:solidFill>
+              <a:schemeClr val="accent2"/>
+            </a:solidFill>
+            <a:round/>
+            <a:extLst>
+              <a:ext uri="{C807C97D-BFC1-408E-A445-0C87EB9F89A2}">
+                <ask:lineSketchStyleProps xmlns:ask="http://schemas.microsoft.com/office/drawing/2018/sketchyshapes" sd="1219033472">
+                  <a:prstGeom prst="rect">
+                    <a:avLst/>
+                  </a:prstGeom>
+                  <ask:type>
+                    <ask:lineSketchFreehand/>
+                  </ask:type>
+                </ask:lineSketchStyleProps>
+              </a:ext>
+            </a:extLst>
+          </a:ln>
+        </p:spPr>
+        <p:style>
+          <a:lnRef idx="2">
+            <a:schemeClr val="accent1">
+              <a:shade val="50000"/>
+            </a:schemeClr>
+          </a:lnRef>
+          <a:fillRef idx="1">
+            <a:schemeClr val="accent1"/>
+          </a:fillRef>
+          <a:effectRef idx="0">
+            <a:schemeClr val="accent1"/>
+          </a:effectRef>
+          <a:fontRef idx="minor">
+            <a:schemeClr val="lt1"/>
+          </a:fontRef>
+        </p:style>
+        <p:txBody>
+          <a:bodyPr rtlCol="0" anchor="ctr"/>
+          <a:lstStyle/>
+          <a:p>
+            <a:pPr algn="ctr"/>
+            <a:endParaRPr lang="en-US"/>
+          </a:p>
+        </p:txBody>
+      </p:sp>
+      <p:sp>
+        <p:nvSpPr>
+          <p:cNvPr id="4" name="Datumsplatzhalter 3">
+            <a:extLst>
+              <a:ext uri="{FF2B5EF4-FFF2-40B4-BE49-F238E27FC236}">
+                <a16:creationId xmlns:a16="http://schemas.microsoft.com/office/drawing/2014/main" id="{0EFF3519-5645-AC9C-2AC3-70C6A68E499D}"/>
+              </a:ext>
+            </a:extLst>
+          </p:cNvPr>
+          <p:cNvSpPr>
+            <a:spLocks noGrp="1"/>
+          </p:cNvSpPr>
+          <p:nvPr>
+            <p:ph type="dt" sz="half" idx="10"/>
+          </p:nvPr>
+        </p:nvSpPr>
+        <p:spPr>
+          <a:xfrm>
+            <a:off x="838200" y="6356350"/>
+            <a:ext cx="2743200" cy="365125"/>
+          </a:xfrm>
+        </p:spPr>
+        <p:txBody>
+          <a:bodyPr vert="horz" lIns="91440" tIns="45720" rIns="91440" bIns="45720" rtlCol="0" anchor="ctr">
+            <a:normAutofit/>
+          </a:bodyPr>
+          <a:lstStyle/>
+          <a:p>
+            <a:pPr>
+              <a:spcAft>
+                <a:spcPts val="600"/>
+              </a:spcAft>
+            </a:pPr>
             <a:r>
               <a:rPr lang="en-US"/>
-              <a:t>(Multi-modal) Speech Representation Learning is heavily researched field</a:t>
-            </a:r>
-          </a:p>
-          <a:p>
-            <a:endParaRPr lang="en-US" dirty="0"/>
-          </a:p>
-        </p:txBody>
-      </p:sp>
-      <p:sp>
-        <p:nvSpPr>
-          <p:cNvPr id="4" name="Datumsplatzhalter 3">
-            <a:extLst>
-              <a:ext uri="{FF2B5EF4-FFF2-40B4-BE49-F238E27FC236}">
-                <a16:creationId xmlns:a16="http://schemas.microsoft.com/office/drawing/2014/main" id="{D634373F-6B03-7938-9148-0CE7A4B01FEB}"/>
-              </a:ext>
-            </a:extLst>
-          </p:cNvPr>
-          <p:cNvSpPr>
-            <a:spLocks noGrp="1"/>
-          </p:cNvSpPr>
-          <p:nvPr>
-            <p:ph type="dt" sz="half" idx="10"/>
-          </p:nvPr>
-        </p:nvSpPr>
-        <p:spPr/>
-        <p:txBody>
-          <a:bodyPr/>
-          <a:lstStyle/>
-          <a:p>
-            <a:r>
-              <a:rPr lang="de-DE"/>
               <a:t>05.12.2023</a:t>
             </a:r>
-            <a:endParaRPr lang="de-DE" dirty="0"/>
           </a:p>
         </p:txBody>
       </p:sp>
@@ -11123,7 +12861,7 @@
           <p:cNvPr id="5" name="Fußzeilenplatzhalter 4">
             <a:extLst>
               <a:ext uri="{FF2B5EF4-FFF2-40B4-BE49-F238E27FC236}">
-                <a16:creationId xmlns:a16="http://schemas.microsoft.com/office/drawing/2014/main" id="{034C8994-9B21-3CAF-B2C8-F4005BBEF94E}"/>
+                <a16:creationId xmlns:a16="http://schemas.microsoft.com/office/drawing/2014/main" id="{BF312A83-83AC-9C68-95FC-E7A6D59D3BB4}"/>
               </a:ext>
             </a:extLst>
           </p:cNvPr>
@@ -11134,16 +12872,36 @@
             <p:ph type="ftr" sz="quarter" idx="11"/>
           </p:nvPr>
         </p:nvSpPr>
-        <p:spPr/>
-        <p:txBody>
-          <a:bodyPr/>
-          <a:lstStyle/>
-          <a:p>
-            <a:r>
-              <a:rPr lang="en-US"/>
+        <p:spPr>
+          <a:xfrm>
+            <a:off x="4038600" y="6356350"/>
+            <a:ext cx="4114800" cy="365125"/>
+          </a:xfrm>
+        </p:spPr>
+        <p:txBody>
+          <a:bodyPr vert="horz" lIns="91440" tIns="45720" rIns="91440" bIns="45720" rtlCol="0" anchor="ctr">
+            <a:normAutofit/>
+          </a:bodyPr>
+          <a:lstStyle/>
+          <a:p>
+            <a:pPr>
+              <a:spcAft>
+                <a:spcPts val="600"/>
+              </a:spcAft>
+            </a:pPr>
+            <a:r>
+              <a:rPr lang="en-US" kern="1200" dirty="0">
+                <a:solidFill>
+                  <a:schemeClr val="tx1">
+                    <a:tint val="75000"/>
+                  </a:schemeClr>
+                </a:solidFill>
+                <a:latin typeface="+mn-lt"/>
+                <a:ea typeface="+mn-ea"/>
+                <a:cs typeface="+mn-cs"/>
+              </a:rPr>
               <a:t>Multi-modal Speech Representation Learning</a:t>
             </a:r>
-            <a:endParaRPr lang="de-DE" dirty="0"/>
           </a:p>
         </p:txBody>
       </p:sp>
@@ -11152,7 +12910,7 @@
           <p:cNvPr id="6" name="Foliennummernplatzhalter 5">
             <a:extLst>
               <a:ext uri="{FF2B5EF4-FFF2-40B4-BE49-F238E27FC236}">
-                <a16:creationId xmlns:a16="http://schemas.microsoft.com/office/drawing/2014/main" id="{AED1C7AE-4D69-C023-148D-6CE0CF086ED4}"/>
+                <a16:creationId xmlns:a16="http://schemas.microsoft.com/office/drawing/2014/main" id="{E525FE09-F039-617D-9C2B-891727A4B0B4}"/>
               </a:ext>
             </a:extLst>
           </p:cNvPr>
@@ -11163,23 +12921,299 @@
             <p:ph type="sldNum" sz="quarter" idx="12"/>
           </p:nvPr>
         </p:nvSpPr>
-        <p:spPr/>
-        <p:txBody>
-          <a:bodyPr/>
-          <a:lstStyle/>
-          <a:p>
+        <p:spPr>
+          <a:xfrm>
+            <a:off x="8610600" y="6356350"/>
+            <a:ext cx="2743200" cy="365125"/>
+          </a:xfrm>
+        </p:spPr>
+        <p:txBody>
+          <a:bodyPr vert="horz" lIns="91440" tIns="45720" rIns="91440" bIns="45720" rtlCol="0" anchor="ctr">
+            <a:normAutofit/>
+          </a:bodyPr>
+          <a:lstStyle/>
+          <a:p>
+            <a:pPr>
+              <a:spcAft>
+                <a:spcPts val="600"/>
+              </a:spcAft>
+            </a:pPr>
             <a:fld id="{4589C08E-11F1-4614-AD94-2F79D605AB8D}" type="slidenum">
-              <a:rPr lang="de-DE" smtClean="0"/>
+              <a:rPr lang="en-US" smtClean="0"/>
+              <a:pPr>
+                <a:spcAft>
+                  <a:spcPts val="600"/>
+                </a:spcAft>
+              </a:pPr>
               <a:t>23</a:t>
             </a:fld>
-            <a:endParaRPr lang="de-DE" dirty="0"/>
+            <a:endParaRPr lang="en-US"/>
+          </a:p>
+        </p:txBody>
+      </p:sp>
+      <p:grpSp>
+        <p:nvGrpSpPr>
+          <p:cNvPr id="14" name="Gruppieren 13">
+            <a:extLst>
+              <a:ext uri="{FF2B5EF4-FFF2-40B4-BE49-F238E27FC236}">
+                <a16:creationId xmlns:a16="http://schemas.microsoft.com/office/drawing/2014/main" id="{4EC0065F-65B7-5908-818E-B7247E94D899}"/>
+              </a:ext>
+            </a:extLst>
+          </p:cNvPr>
+          <p:cNvGrpSpPr/>
+          <p:nvPr/>
+        </p:nvGrpSpPr>
+        <p:grpSpPr>
+          <a:xfrm>
+            <a:off x="4666054" y="453776"/>
+            <a:ext cx="7070584" cy="5550408"/>
+            <a:chOff x="4726312" y="640080"/>
+            <a:chExt cx="7070584" cy="5550408"/>
+          </a:xfrm>
+        </p:grpSpPr>
+        <p:pic>
+          <p:nvPicPr>
+            <p:cNvPr id="10" name="Grafik 9">
+              <a:extLst>
+                <a:ext uri="{FF2B5EF4-FFF2-40B4-BE49-F238E27FC236}">
+                  <a16:creationId xmlns:a16="http://schemas.microsoft.com/office/drawing/2014/main" id="{89C099FD-5581-499F-562F-0786418CFC38}"/>
+                </a:ext>
+              </a:extLst>
+            </p:cNvPr>
+            <p:cNvPicPr>
+              <a:picLocks noChangeAspect="1"/>
+            </p:cNvPicPr>
+            <p:nvPr/>
+          </p:nvPicPr>
+          <p:blipFill>
+            <a:blip r:embed="rId3"/>
+            <a:stretch>
+              <a:fillRect/>
+            </a:stretch>
+          </p:blipFill>
+          <p:spPr>
+            <a:xfrm>
+              <a:off x="4726312" y="640080"/>
+              <a:ext cx="7070584" cy="5550408"/>
+            </a:xfrm>
+            <a:prstGeom prst="rect">
+              <a:avLst/>
+            </a:prstGeom>
+          </p:spPr>
+        </p:pic>
+        <p:sp>
+          <p:nvSpPr>
+            <p:cNvPr id="11" name="Rechteck 10">
+              <a:extLst>
+                <a:ext uri="{FF2B5EF4-FFF2-40B4-BE49-F238E27FC236}">
+                  <a16:creationId xmlns:a16="http://schemas.microsoft.com/office/drawing/2014/main" id="{6D7CB157-1FAC-0B7D-34BC-9A569C85B900}"/>
+                </a:ext>
+              </a:extLst>
+            </p:cNvPr>
+            <p:cNvSpPr/>
+            <p:nvPr/>
+          </p:nvSpPr>
+          <p:spPr>
+            <a:xfrm>
+              <a:off x="9593036" y="2367643"/>
+              <a:ext cx="2041071" cy="212271"/>
+            </a:xfrm>
+            <a:prstGeom prst="rect">
+              <a:avLst/>
+            </a:prstGeom>
+            <a:noFill/>
+            <a:ln w="28575" cap="flat" cmpd="sng" algn="ctr">
+              <a:solidFill>
+                <a:srgbClr val="FF0000"/>
+              </a:solidFill>
+              <a:prstDash val="solid"/>
+              <a:round/>
+              <a:headEnd type="none" w="med" len="med"/>
+              <a:tailEnd type="none" w="med" len="med"/>
+            </a:ln>
+          </p:spPr>
+          <p:style>
+            <a:lnRef idx="0">
+              <a:scrgbClr r="0" g="0" b="0"/>
+            </a:lnRef>
+            <a:fillRef idx="0">
+              <a:scrgbClr r="0" g="0" b="0"/>
+            </a:fillRef>
+            <a:effectRef idx="0">
+              <a:scrgbClr r="0" g="0" b="0"/>
+            </a:effectRef>
+            <a:fontRef idx="minor">
+              <a:schemeClr val="accent2"/>
+            </a:fontRef>
+          </p:style>
+          <p:txBody>
+            <a:bodyPr rtlCol="0" anchor="ctr"/>
+            <a:lstStyle/>
+            <a:p>
+              <a:pPr algn="ctr"/>
+              <a:endParaRPr lang="en-GB"/>
+            </a:p>
+          </p:txBody>
+        </p:sp>
+        <p:sp>
+          <p:nvSpPr>
+            <p:cNvPr id="12" name="Rechteck 11">
+              <a:extLst>
+                <a:ext uri="{FF2B5EF4-FFF2-40B4-BE49-F238E27FC236}">
+                  <a16:creationId xmlns:a16="http://schemas.microsoft.com/office/drawing/2014/main" id="{D3DE22BF-995B-487C-8179-9BA1C2AE3665}"/>
+                </a:ext>
+              </a:extLst>
+            </p:cNvPr>
+            <p:cNvSpPr/>
+            <p:nvPr/>
+          </p:nvSpPr>
+          <p:spPr>
+            <a:xfrm>
+              <a:off x="9593036" y="5532664"/>
+              <a:ext cx="2041071" cy="212271"/>
+            </a:xfrm>
+            <a:prstGeom prst="rect">
+              <a:avLst/>
+            </a:prstGeom>
+            <a:noFill/>
+            <a:ln w="28575" cap="flat" cmpd="sng" algn="ctr">
+              <a:solidFill>
+                <a:srgbClr val="FF0000"/>
+              </a:solidFill>
+              <a:prstDash val="solid"/>
+              <a:round/>
+              <a:headEnd type="none" w="med" len="med"/>
+              <a:tailEnd type="none" w="med" len="med"/>
+            </a:ln>
+          </p:spPr>
+          <p:style>
+            <a:lnRef idx="0">
+              <a:scrgbClr r="0" g="0" b="0"/>
+            </a:lnRef>
+            <a:fillRef idx="0">
+              <a:scrgbClr r="0" g="0" b="0"/>
+            </a:fillRef>
+            <a:effectRef idx="0">
+              <a:scrgbClr r="0" g="0" b="0"/>
+            </a:effectRef>
+            <a:fontRef idx="minor">
+              <a:schemeClr val="accent2"/>
+            </a:fontRef>
+          </p:style>
+          <p:txBody>
+            <a:bodyPr rtlCol="0" anchor="ctr"/>
+            <a:lstStyle/>
+            <a:p>
+              <a:pPr algn="ctr"/>
+              <a:endParaRPr lang="en-GB"/>
+            </a:p>
+          </p:txBody>
+        </p:sp>
+        <p:sp>
+          <p:nvSpPr>
+            <p:cNvPr id="13" name="Rechteck 12">
+              <a:extLst>
+                <a:ext uri="{FF2B5EF4-FFF2-40B4-BE49-F238E27FC236}">
+                  <a16:creationId xmlns:a16="http://schemas.microsoft.com/office/drawing/2014/main" id="{33412A43-F89B-0E6C-E533-4A0E48974155}"/>
+                </a:ext>
+              </a:extLst>
+            </p:cNvPr>
+            <p:cNvSpPr/>
+            <p:nvPr/>
+          </p:nvSpPr>
+          <p:spPr>
+            <a:xfrm>
+              <a:off x="9593035" y="5940344"/>
+              <a:ext cx="2041071" cy="212271"/>
+            </a:xfrm>
+            <a:prstGeom prst="rect">
+              <a:avLst/>
+            </a:prstGeom>
+            <a:noFill/>
+            <a:ln w="28575" cap="flat" cmpd="sng" algn="ctr">
+              <a:solidFill>
+                <a:srgbClr val="FF0000"/>
+              </a:solidFill>
+              <a:prstDash val="solid"/>
+              <a:round/>
+              <a:headEnd type="none" w="med" len="med"/>
+              <a:tailEnd type="none" w="med" len="med"/>
+            </a:ln>
+          </p:spPr>
+          <p:style>
+            <a:lnRef idx="0">
+              <a:scrgbClr r="0" g="0" b="0"/>
+            </a:lnRef>
+            <a:fillRef idx="0">
+              <a:scrgbClr r="0" g="0" b="0"/>
+            </a:fillRef>
+            <a:effectRef idx="0">
+              <a:scrgbClr r="0" g="0" b="0"/>
+            </a:effectRef>
+            <a:fontRef idx="minor">
+              <a:schemeClr val="accent2"/>
+            </a:fontRef>
+          </p:style>
+          <p:txBody>
+            <a:bodyPr rtlCol="0" anchor="ctr"/>
+            <a:lstStyle/>
+            <a:p>
+              <a:pPr algn="ctr"/>
+              <a:endParaRPr lang="en-GB"/>
+            </a:p>
+          </p:txBody>
+        </p:sp>
+      </p:grpSp>
+      <p:sp>
+        <p:nvSpPr>
+          <p:cNvPr id="16" name="Textfeld 15">
+            <a:extLst>
+              <a:ext uri="{FF2B5EF4-FFF2-40B4-BE49-F238E27FC236}">
+                <a16:creationId xmlns:a16="http://schemas.microsoft.com/office/drawing/2014/main" id="{CAFC7F3F-8526-6425-27CD-C5B86ACEEC2A}"/>
+              </a:ext>
+            </a:extLst>
+          </p:cNvPr>
+          <p:cNvSpPr txBox="1"/>
+          <p:nvPr/>
+        </p:nvSpPr>
+        <p:spPr>
+          <a:xfrm>
+            <a:off x="4666054" y="6004184"/>
+            <a:ext cx="4196983" cy="430887"/>
+          </a:xfrm>
+          <a:prstGeom prst="rect">
+            <a:avLst/>
+          </a:prstGeom>
+          <a:noFill/>
+        </p:spPr>
+        <p:txBody>
+          <a:bodyPr wrap="none" rtlCol="0">
+            <a:spAutoFit/>
+          </a:bodyPr>
+          <a:lstStyle/>
+          <a:p>
+            <a:r>
+              <a:rPr lang="en-US" sz="1100" dirty="0"/>
+              <a:t>Self-Training: Created labels for AV-Data using fine-tuned ASR </a:t>
+            </a:r>
+            <a:r>
+              <a:rPr lang="en-US" sz="1100" dirty="0" err="1"/>
+              <a:t>HuBERT</a:t>
+            </a:r>
+            <a:endParaRPr lang="en-US" sz="1100" dirty="0"/>
+          </a:p>
+          <a:p>
+            <a:r>
+              <a:rPr lang="en-US" sz="1100" dirty="0"/>
+              <a:t>Dataset: LRS3 [6] </a:t>
+            </a:r>
           </a:p>
         </p:txBody>
       </p:sp>
     </p:spTree>
     <p:extLst>
       <p:ext uri="{BB962C8B-B14F-4D97-AF65-F5344CB8AC3E}">
-        <p14:creationId xmlns:p14="http://schemas.microsoft.com/office/powerpoint/2010/main" val="3187350724"/>
+        <p14:creationId xmlns:p14="http://schemas.microsoft.com/office/powerpoint/2010/main" val="1880602538"/>
       </p:ext>
     </p:extLst>
   </p:cSld>
@@ -11208,6 +13242,1070 @@
       </p:grpSpPr>
       <p:sp>
         <p:nvSpPr>
+          <p:cNvPr id="2" name="Titel 1">
+            <a:extLst>
+              <a:ext uri="{FF2B5EF4-FFF2-40B4-BE49-F238E27FC236}">
+                <a16:creationId xmlns:a16="http://schemas.microsoft.com/office/drawing/2014/main" id="{50D04423-9DD4-F6BA-2DC9-5D0829C9B98C}"/>
+              </a:ext>
+            </a:extLst>
+          </p:cNvPr>
+          <p:cNvSpPr>
+            <a:spLocks noGrp="1"/>
+          </p:cNvSpPr>
+          <p:nvPr>
+            <p:ph type="title"/>
+          </p:nvPr>
+        </p:nvSpPr>
+        <p:spPr>
+          <a:xfrm>
+            <a:off x="638882" y="639193"/>
+            <a:ext cx="3571810" cy="3573516"/>
+          </a:xfrm>
+        </p:spPr>
+        <p:txBody>
+          <a:bodyPr vert="horz" lIns="91440" tIns="45720" rIns="91440" bIns="45720" rtlCol="0" anchor="b">
+            <a:normAutofit/>
+          </a:bodyPr>
+          <a:lstStyle/>
+          <a:p>
+            <a:r>
+              <a:rPr lang="en-US" sz="5200" kern="1200" dirty="0">
+                <a:solidFill>
+                  <a:schemeClr val="tx1"/>
+                </a:solidFill>
+                <a:latin typeface="+mj-lt"/>
+                <a:ea typeface="+mj-ea"/>
+                <a:cs typeface="+mj-cs"/>
+              </a:rPr>
+              <a:t>AV-</a:t>
+            </a:r>
+            <a:r>
+              <a:rPr lang="en-US" sz="5200" kern="1200" dirty="0" err="1">
+                <a:solidFill>
+                  <a:schemeClr val="tx1"/>
+                </a:solidFill>
+                <a:latin typeface="+mj-lt"/>
+                <a:ea typeface="+mj-ea"/>
+                <a:cs typeface="+mj-cs"/>
+              </a:rPr>
+              <a:t>HuBERT</a:t>
+            </a:r>
+            <a:r>
+              <a:rPr lang="en-US" sz="5100" kern="1200" dirty="0">
+                <a:solidFill>
+                  <a:schemeClr val="tx1"/>
+                </a:solidFill>
+                <a:latin typeface="+mj-lt"/>
+                <a:ea typeface="+mj-ea"/>
+                <a:cs typeface="+mj-cs"/>
+              </a:rPr>
+              <a:t> </a:t>
+            </a:r>
+            <a:r>
+              <a:rPr lang="en-US" sz="3600" kern="1200" dirty="0">
+                <a:solidFill>
+                  <a:schemeClr val="tx1"/>
+                </a:solidFill>
+                <a:latin typeface="+mj-lt"/>
+                <a:ea typeface="+mj-ea"/>
+                <a:cs typeface="+mj-cs"/>
+              </a:rPr>
+              <a:t>ASR Performance</a:t>
+            </a:r>
+            <a:endParaRPr lang="en-US" sz="4900" kern="1200" dirty="0">
+              <a:solidFill>
+                <a:schemeClr val="tx1"/>
+              </a:solidFill>
+              <a:latin typeface="+mj-lt"/>
+              <a:ea typeface="+mj-ea"/>
+              <a:cs typeface="+mj-cs"/>
+            </a:endParaRPr>
+          </a:p>
+        </p:txBody>
+      </p:sp>
+      <p:sp>
+        <p:nvSpPr>
+          <p:cNvPr id="4" name="Datumsplatzhalter 3">
+            <a:extLst>
+              <a:ext uri="{FF2B5EF4-FFF2-40B4-BE49-F238E27FC236}">
+                <a16:creationId xmlns:a16="http://schemas.microsoft.com/office/drawing/2014/main" id="{0EFF3519-5645-AC9C-2AC3-70C6A68E499D}"/>
+              </a:ext>
+            </a:extLst>
+          </p:cNvPr>
+          <p:cNvSpPr>
+            <a:spLocks noGrp="1"/>
+          </p:cNvSpPr>
+          <p:nvPr>
+            <p:ph type="dt" sz="half" idx="10"/>
+          </p:nvPr>
+        </p:nvSpPr>
+        <p:spPr>
+          <a:xfrm>
+            <a:off x="838200" y="6356350"/>
+            <a:ext cx="2743200" cy="365125"/>
+          </a:xfrm>
+        </p:spPr>
+        <p:txBody>
+          <a:bodyPr vert="horz" lIns="91440" tIns="45720" rIns="91440" bIns="45720" rtlCol="0" anchor="ctr">
+            <a:normAutofit/>
+          </a:bodyPr>
+          <a:lstStyle/>
+          <a:p>
+            <a:pPr>
+              <a:spcAft>
+                <a:spcPts val="600"/>
+              </a:spcAft>
+            </a:pPr>
+            <a:r>
+              <a:rPr lang="en-US"/>
+              <a:t>05.12.2023</a:t>
+            </a:r>
+          </a:p>
+        </p:txBody>
+      </p:sp>
+      <p:sp>
+        <p:nvSpPr>
+          <p:cNvPr id="5" name="Fußzeilenplatzhalter 4">
+            <a:extLst>
+              <a:ext uri="{FF2B5EF4-FFF2-40B4-BE49-F238E27FC236}">
+                <a16:creationId xmlns:a16="http://schemas.microsoft.com/office/drawing/2014/main" id="{BF312A83-83AC-9C68-95FC-E7A6D59D3BB4}"/>
+              </a:ext>
+            </a:extLst>
+          </p:cNvPr>
+          <p:cNvSpPr>
+            <a:spLocks noGrp="1"/>
+          </p:cNvSpPr>
+          <p:nvPr>
+            <p:ph type="ftr" sz="quarter" idx="11"/>
+          </p:nvPr>
+        </p:nvSpPr>
+        <p:spPr>
+          <a:xfrm>
+            <a:off x="4038600" y="6356350"/>
+            <a:ext cx="4114800" cy="365125"/>
+          </a:xfrm>
+        </p:spPr>
+        <p:txBody>
+          <a:bodyPr vert="horz" lIns="91440" tIns="45720" rIns="91440" bIns="45720" rtlCol="0" anchor="ctr">
+            <a:normAutofit/>
+          </a:bodyPr>
+          <a:lstStyle/>
+          <a:p>
+            <a:pPr>
+              <a:spcAft>
+                <a:spcPts val="600"/>
+              </a:spcAft>
+            </a:pPr>
+            <a:r>
+              <a:rPr lang="en-US" kern="1200" dirty="0">
+                <a:solidFill>
+                  <a:schemeClr val="tx1">
+                    <a:tint val="75000"/>
+                  </a:schemeClr>
+                </a:solidFill>
+                <a:latin typeface="+mn-lt"/>
+                <a:ea typeface="+mn-ea"/>
+                <a:cs typeface="+mn-cs"/>
+              </a:rPr>
+              <a:t>Multi-modal Speech Representation Learning</a:t>
+            </a:r>
+          </a:p>
+        </p:txBody>
+      </p:sp>
+      <p:sp>
+        <p:nvSpPr>
+          <p:cNvPr id="6" name="Foliennummernplatzhalter 5">
+            <a:extLst>
+              <a:ext uri="{FF2B5EF4-FFF2-40B4-BE49-F238E27FC236}">
+                <a16:creationId xmlns:a16="http://schemas.microsoft.com/office/drawing/2014/main" id="{E525FE09-F039-617D-9C2B-891727A4B0B4}"/>
+              </a:ext>
+            </a:extLst>
+          </p:cNvPr>
+          <p:cNvSpPr>
+            <a:spLocks noGrp="1"/>
+          </p:cNvSpPr>
+          <p:nvPr>
+            <p:ph type="sldNum" sz="quarter" idx="12"/>
+          </p:nvPr>
+        </p:nvSpPr>
+        <p:spPr>
+          <a:xfrm>
+            <a:off x="8610600" y="6356350"/>
+            <a:ext cx="2743200" cy="365125"/>
+          </a:xfrm>
+        </p:spPr>
+        <p:txBody>
+          <a:bodyPr vert="horz" lIns="91440" tIns="45720" rIns="91440" bIns="45720" rtlCol="0" anchor="ctr">
+            <a:normAutofit/>
+          </a:bodyPr>
+          <a:lstStyle/>
+          <a:p>
+            <a:pPr>
+              <a:spcAft>
+                <a:spcPts val="600"/>
+              </a:spcAft>
+            </a:pPr>
+            <a:fld id="{4589C08E-11F1-4614-AD94-2F79D605AB8D}" type="slidenum">
+              <a:rPr lang="en-US" smtClean="0"/>
+              <a:pPr>
+                <a:spcAft>
+                  <a:spcPts val="600"/>
+                </a:spcAft>
+              </a:pPr>
+              <a:t>24</a:t>
+            </a:fld>
+            <a:endParaRPr lang="en-US"/>
+          </a:p>
+        </p:txBody>
+      </p:sp>
+      <p:sp>
+        <p:nvSpPr>
+          <p:cNvPr id="16" name="Textfeld 15">
+            <a:extLst>
+              <a:ext uri="{FF2B5EF4-FFF2-40B4-BE49-F238E27FC236}">
+                <a16:creationId xmlns:a16="http://schemas.microsoft.com/office/drawing/2014/main" id="{CAFC7F3F-8526-6425-27CD-C5B86ACEEC2A}"/>
+              </a:ext>
+            </a:extLst>
+          </p:cNvPr>
+          <p:cNvSpPr txBox="1"/>
+          <p:nvPr/>
+        </p:nvSpPr>
+        <p:spPr>
+          <a:xfrm>
+            <a:off x="4421126" y="4967878"/>
+            <a:ext cx="5939353" cy="600164"/>
+          </a:xfrm>
+          <a:prstGeom prst="rect">
+            <a:avLst/>
+          </a:prstGeom>
+          <a:noFill/>
+        </p:spPr>
+        <p:txBody>
+          <a:bodyPr wrap="square" rtlCol="0">
+            <a:spAutoFit/>
+          </a:bodyPr>
+          <a:lstStyle/>
+          <a:p>
+            <a:r>
+              <a:rPr lang="en-US" sz="1100" dirty="0"/>
+              <a:t>Self-Training: Created labels for AV-Data using fine-tuned ASR </a:t>
+            </a:r>
+            <a:r>
+              <a:rPr lang="en-US" sz="1100" dirty="0" err="1"/>
+              <a:t>HuBERT</a:t>
+            </a:r>
+            <a:endParaRPr lang="en-US" sz="1100" dirty="0"/>
+          </a:p>
+          <a:p>
+            <a:r>
+              <a:rPr lang="en-US" sz="1100" dirty="0"/>
+              <a:t>Dataset: LRS3 [6]</a:t>
+            </a:r>
+          </a:p>
+          <a:p>
+            <a:r>
+              <a:rPr lang="en-US" sz="1100" dirty="0"/>
+              <a:t>A/MFCC</a:t>
+            </a:r>
+            <a:r>
+              <a:rPr lang="en-US" sz="1050" dirty="0">
+                <a:sym typeface="Wingdings" panose="05000000000000000000" pitchFamily="2" charset="2"/>
+              </a:rPr>
+              <a:t></a:t>
+            </a:r>
+            <a:r>
+              <a:rPr lang="en-US" sz="1100" dirty="0">
+                <a:sym typeface="Wingdings" panose="05000000000000000000" pitchFamily="2" charset="2"/>
+              </a:rPr>
+              <a:t>AV: </a:t>
+            </a:r>
+            <a:r>
+              <a:rPr lang="en-US" sz="1100" dirty="0" err="1">
+                <a:sym typeface="Wingdings" panose="05000000000000000000" pitchFamily="2" charset="2"/>
+              </a:rPr>
+              <a:t>HuBERT</a:t>
+            </a:r>
+            <a:r>
+              <a:rPr lang="en-US" sz="1100" dirty="0">
+                <a:sym typeface="Wingdings" panose="05000000000000000000" pitchFamily="2" charset="2"/>
+              </a:rPr>
+              <a:t> trained with audio-visual target clusters from AV-</a:t>
+            </a:r>
+            <a:r>
+              <a:rPr lang="en-US" sz="1100" dirty="0" err="1">
+                <a:sym typeface="Wingdings" panose="05000000000000000000" pitchFamily="2" charset="2"/>
+              </a:rPr>
+              <a:t>HuBERT</a:t>
+            </a:r>
+            <a:r>
+              <a:rPr lang="en-US" sz="1100" dirty="0">
+                <a:sym typeface="Wingdings" panose="05000000000000000000" pitchFamily="2" charset="2"/>
+              </a:rPr>
+              <a:t> features</a:t>
+            </a:r>
+            <a:endParaRPr lang="en-US" sz="1100" dirty="0"/>
+          </a:p>
+        </p:txBody>
+      </p:sp>
+      <p:pic>
+        <p:nvPicPr>
+          <p:cNvPr id="7" name="Grafik 6">
+            <a:extLst>
+              <a:ext uri="{FF2B5EF4-FFF2-40B4-BE49-F238E27FC236}">
+                <a16:creationId xmlns:a16="http://schemas.microsoft.com/office/drawing/2014/main" id="{07710721-3AD6-16D0-EAAF-8A2C06AC22DE}"/>
+              </a:ext>
+            </a:extLst>
+          </p:cNvPr>
+          <p:cNvPicPr>
+            <a:picLocks noChangeAspect="1"/>
+          </p:cNvPicPr>
+          <p:nvPr/>
+        </p:nvPicPr>
+        <p:blipFill>
+          <a:blip r:embed="rId3"/>
+          <a:stretch>
+            <a:fillRect/>
+          </a:stretch>
+        </p:blipFill>
+        <p:spPr>
+          <a:xfrm>
+            <a:off x="4504939" y="639193"/>
+            <a:ext cx="6952741" cy="4328685"/>
+          </a:xfrm>
+          <a:prstGeom prst="rect">
+            <a:avLst/>
+          </a:prstGeom>
+        </p:spPr>
+      </p:pic>
+      <p:sp>
+        <p:nvSpPr>
+          <p:cNvPr id="8" name="Textfeld 7">
+            <a:extLst>
+              <a:ext uri="{FF2B5EF4-FFF2-40B4-BE49-F238E27FC236}">
+                <a16:creationId xmlns:a16="http://schemas.microsoft.com/office/drawing/2014/main" id="{54935943-D48F-2B24-E547-497C41511878}"/>
+              </a:ext>
+            </a:extLst>
+          </p:cNvPr>
+          <p:cNvSpPr txBox="1"/>
+          <p:nvPr/>
+        </p:nvSpPr>
+        <p:spPr>
+          <a:xfrm>
+            <a:off x="4865914" y="2295705"/>
+            <a:ext cx="968150" cy="338554"/>
+          </a:xfrm>
+          <a:prstGeom prst="rect">
+            <a:avLst/>
+          </a:prstGeom>
+          <a:noFill/>
+        </p:spPr>
+        <p:txBody>
+          <a:bodyPr wrap="none" rtlCol="0">
+            <a:spAutoFit/>
+          </a:bodyPr>
+          <a:lstStyle/>
+          <a:p>
+            <a:r>
+              <a:rPr lang="de-DE" sz="1600" dirty="0"/>
+              <a:t>(</a:t>
+            </a:r>
+            <a:r>
+              <a:rPr lang="de-DE" sz="1600" dirty="0" err="1"/>
+              <a:t>HuBERT</a:t>
+            </a:r>
+            <a:r>
+              <a:rPr lang="de-DE" sz="1600" dirty="0"/>
+              <a:t>)</a:t>
+            </a:r>
+            <a:endParaRPr lang="en-GB" sz="1600" dirty="0"/>
+          </a:p>
+        </p:txBody>
+      </p:sp>
+      <p:sp>
+        <p:nvSpPr>
+          <p:cNvPr id="9" name="Rechteck 8">
+            <a:extLst>
+              <a:ext uri="{FF2B5EF4-FFF2-40B4-BE49-F238E27FC236}">
+                <a16:creationId xmlns:a16="http://schemas.microsoft.com/office/drawing/2014/main" id="{8C559114-AC13-E55C-F626-C89B1D732C27}"/>
+              </a:ext>
+            </a:extLst>
+          </p:cNvPr>
+          <p:cNvSpPr/>
+          <p:nvPr/>
+        </p:nvSpPr>
+        <p:spPr>
+          <a:xfrm>
+            <a:off x="9151674" y="3282630"/>
+            <a:ext cx="2038214" cy="184233"/>
+          </a:xfrm>
+          <a:prstGeom prst="rect">
+            <a:avLst/>
+          </a:prstGeom>
+          <a:noFill/>
+          <a:ln w="28575" cap="flat" cmpd="sng" algn="ctr">
+            <a:solidFill>
+              <a:srgbClr val="FF0000"/>
+            </a:solidFill>
+            <a:prstDash val="solid"/>
+            <a:round/>
+            <a:headEnd type="none" w="med" len="med"/>
+            <a:tailEnd type="none" w="med" len="med"/>
+          </a:ln>
+        </p:spPr>
+        <p:style>
+          <a:lnRef idx="0">
+            <a:scrgbClr r="0" g="0" b="0"/>
+          </a:lnRef>
+          <a:fillRef idx="0">
+            <a:scrgbClr r="0" g="0" b="0"/>
+          </a:fillRef>
+          <a:effectRef idx="0">
+            <a:scrgbClr r="0" g="0" b="0"/>
+          </a:effectRef>
+          <a:fontRef idx="minor">
+            <a:schemeClr val="accent2"/>
+          </a:fontRef>
+        </p:style>
+        <p:txBody>
+          <a:bodyPr rtlCol="0" anchor="ctr"/>
+          <a:lstStyle/>
+          <a:p>
+            <a:pPr algn="ctr"/>
+            <a:endParaRPr lang="en-GB"/>
+          </a:p>
+        </p:txBody>
+      </p:sp>
+      <p:sp>
+        <p:nvSpPr>
+          <p:cNvPr id="17" name="Rechteck 16">
+            <a:extLst>
+              <a:ext uri="{FF2B5EF4-FFF2-40B4-BE49-F238E27FC236}">
+                <a16:creationId xmlns:a16="http://schemas.microsoft.com/office/drawing/2014/main" id="{D0043322-F601-48FA-BD6C-2B4C68AF42BA}"/>
+              </a:ext>
+            </a:extLst>
+          </p:cNvPr>
+          <p:cNvSpPr/>
+          <p:nvPr/>
+        </p:nvSpPr>
+        <p:spPr>
+          <a:xfrm>
+            <a:off x="9165928" y="4704665"/>
+            <a:ext cx="2038214" cy="184233"/>
+          </a:xfrm>
+          <a:prstGeom prst="rect">
+            <a:avLst/>
+          </a:prstGeom>
+          <a:noFill/>
+          <a:ln w="28575" cap="flat" cmpd="sng" algn="ctr">
+            <a:solidFill>
+              <a:srgbClr val="FF0000"/>
+            </a:solidFill>
+            <a:prstDash val="solid"/>
+            <a:round/>
+            <a:headEnd type="none" w="med" len="med"/>
+            <a:tailEnd type="none" w="med" len="med"/>
+          </a:ln>
+        </p:spPr>
+        <p:style>
+          <a:lnRef idx="0">
+            <a:scrgbClr r="0" g="0" b="0"/>
+          </a:lnRef>
+          <a:fillRef idx="0">
+            <a:scrgbClr r="0" g="0" b="0"/>
+          </a:fillRef>
+          <a:effectRef idx="0">
+            <a:scrgbClr r="0" g="0" b="0"/>
+          </a:effectRef>
+          <a:fontRef idx="minor">
+            <a:schemeClr val="accent2"/>
+          </a:fontRef>
+        </p:style>
+        <p:txBody>
+          <a:bodyPr rtlCol="0" anchor="ctr"/>
+          <a:lstStyle/>
+          <a:p>
+            <a:pPr algn="ctr"/>
+            <a:endParaRPr lang="en-GB"/>
+          </a:p>
+        </p:txBody>
+      </p:sp>
+    </p:spTree>
+    <p:extLst>
+      <p:ext uri="{BB962C8B-B14F-4D97-AF65-F5344CB8AC3E}">
+        <p14:creationId xmlns:p14="http://schemas.microsoft.com/office/powerpoint/2010/main" val="4049491725"/>
+      </p:ext>
+    </p:extLst>
+  </p:cSld>
+  <p:clrMapOvr>
+    <a:masterClrMapping/>
+  </p:clrMapOvr>
+</p:sld>
+</file>
+
+<file path=ppt/slides/slide25.xml><?xml version="1.0" encoding="utf-8"?>
+<p:sld xmlns:a="http://schemas.openxmlformats.org/drawingml/2006/main" xmlns:r="http://schemas.openxmlformats.org/officeDocument/2006/relationships" xmlns:p="http://schemas.openxmlformats.org/presentationml/2006/main">
+  <p:cSld>
+    <p:spTree>
+      <p:nvGrpSpPr>
+        <p:cNvPr id="1" name=""/>
+        <p:cNvGrpSpPr/>
+        <p:nvPr/>
+      </p:nvGrpSpPr>
+      <p:grpSpPr>
+        <a:xfrm>
+          <a:off x="0" y="0"/>
+          <a:ext cx="0" cy="0"/>
+          <a:chOff x="0" y="0"/>
+          <a:chExt cx="0" cy="0"/>
+        </a:xfrm>
+      </p:grpSpPr>
+      <p:sp>
+        <p:nvSpPr>
+          <p:cNvPr id="2" name="Titel 1">
+            <a:extLst>
+              <a:ext uri="{FF2B5EF4-FFF2-40B4-BE49-F238E27FC236}">
+                <a16:creationId xmlns:a16="http://schemas.microsoft.com/office/drawing/2014/main" id="{358629DF-DE7D-BAA9-F837-194F89F9BC96}"/>
+              </a:ext>
+            </a:extLst>
+          </p:cNvPr>
+          <p:cNvSpPr>
+            <a:spLocks noGrp="1"/>
+          </p:cNvSpPr>
+          <p:nvPr>
+            <p:ph type="title"/>
+          </p:nvPr>
+        </p:nvSpPr>
+        <p:spPr/>
+        <p:txBody>
+          <a:bodyPr/>
+          <a:lstStyle/>
+          <a:p>
+            <a:r>
+              <a:rPr lang="de-DE" dirty="0"/>
+              <a:t>VAT-LM </a:t>
+            </a:r>
+            <a:r>
+              <a:rPr lang="de-DE" sz="1600" dirty="0"/>
+              <a:t>(11/</a:t>
+            </a:r>
+            <a:r>
+              <a:rPr lang="en-GB" sz="1600" dirty="0"/>
+              <a:t>22</a:t>
+            </a:r>
+            <a:r>
+              <a:rPr lang="de-DE" sz="1600" dirty="0"/>
+              <a:t>)</a:t>
+            </a:r>
+            <a:endParaRPr lang="de-DE" dirty="0"/>
+          </a:p>
+        </p:txBody>
+      </p:sp>
+      <p:sp>
+        <p:nvSpPr>
+          <p:cNvPr id="3" name="Inhaltsplatzhalter 2">
+            <a:extLst>
+              <a:ext uri="{FF2B5EF4-FFF2-40B4-BE49-F238E27FC236}">
+                <a16:creationId xmlns:a16="http://schemas.microsoft.com/office/drawing/2014/main" id="{C122DCDD-7E10-B6E4-9A57-42E9DB86B263}"/>
+              </a:ext>
+            </a:extLst>
+          </p:cNvPr>
+          <p:cNvSpPr>
+            <a:spLocks noGrp="1"/>
+          </p:cNvSpPr>
+          <p:nvPr>
+            <p:ph idx="1"/>
+          </p:nvPr>
+        </p:nvSpPr>
+        <p:spPr/>
+        <p:txBody>
+          <a:bodyPr/>
+          <a:lstStyle/>
+          <a:p>
+            <a:r>
+              <a:rPr lang="en-US" dirty="0"/>
+              <a:t>Learning paradigm</a:t>
+            </a:r>
+          </a:p>
+        </p:txBody>
+      </p:sp>
+      <p:sp>
+        <p:nvSpPr>
+          <p:cNvPr id="4" name="Datumsplatzhalter 3">
+            <a:extLst>
+              <a:ext uri="{FF2B5EF4-FFF2-40B4-BE49-F238E27FC236}">
+                <a16:creationId xmlns:a16="http://schemas.microsoft.com/office/drawing/2014/main" id="{AA2DFAA3-D144-50A0-9C58-AB2639736D8E}"/>
+              </a:ext>
+            </a:extLst>
+          </p:cNvPr>
+          <p:cNvSpPr>
+            <a:spLocks noGrp="1"/>
+          </p:cNvSpPr>
+          <p:nvPr>
+            <p:ph type="dt" sz="half" idx="10"/>
+          </p:nvPr>
+        </p:nvSpPr>
+        <p:spPr/>
+        <p:txBody>
+          <a:bodyPr/>
+          <a:lstStyle/>
+          <a:p>
+            <a:r>
+              <a:rPr lang="de-DE"/>
+              <a:t>05.12.2023</a:t>
+            </a:r>
+            <a:endParaRPr lang="de-DE" dirty="0"/>
+          </a:p>
+        </p:txBody>
+      </p:sp>
+      <p:sp>
+        <p:nvSpPr>
+          <p:cNvPr id="5" name="Fußzeilenplatzhalter 4">
+            <a:extLst>
+              <a:ext uri="{FF2B5EF4-FFF2-40B4-BE49-F238E27FC236}">
+                <a16:creationId xmlns:a16="http://schemas.microsoft.com/office/drawing/2014/main" id="{02D8580E-0F61-BDDB-77CC-E4F419C5A7D2}"/>
+              </a:ext>
+            </a:extLst>
+          </p:cNvPr>
+          <p:cNvSpPr>
+            <a:spLocks noGrp="1"/>
+          </p:cNvSpPr>
+          <p:nvPr>
+            <p:ph type="ftr" sz="quarter" idx="11"/>
+          </p:nvPr>
+        </p:nvSpPr>
+        <p:spPr/>
+        <p:txBody>
+          <a:bodyPr/>
+          <a:lstStyle/>
+          <a:p>
+            <a:r>
+              <a:rPr lang="en-US"/>
+              <a:t>Multi-modal Speech Representation Learning</a:t>
+            </a:r>
+            <a:endParaRPr lang="de-DE" dirty="0"/>
+          </a:p>
+        </p:txBody>
+      </p:sp>
+      <p:sp>
+        <p:nvSpPr>
+          <p:cNvPr id="6" name="Foliennummernplatzhalter 5">
+            <a:extLst>
+              <a:ext uri="{FF2B5EF4-FFF2-40B4-BE49-F238E27FC236}">
+                <a16:creationId xmlns:a16="http://schemas.microsoft.com/office/drawing/2014/main" id="{5F851B5D-42CC-F4ED-FF52-3115D318058A}"/>
+              </a:ext>
+            </a:extLst>
+          </p:cNvPr>
+          <p:cNvSpPr>
+            <a:spLocks noGrp="1"/>
+          </p:cNvSpPr>
+          <p:nvPr>
+            <p:ph type="sldNum" sz="quarter" idx="12"/>
+          </p:nvPr>
+        </p:nvSpPr>
+        <p:spPr/>
+        <p:txBody>
+          <a:bodyPr/>
+          <a:lstStyle/>
+          <a:p>
+            <a:fld id="{4589C08E-11F1-4614-AD94-2F79D605AB8D}" type="slidenum">
+              <a:rPr lang="de-DE" smtClean="0"/>
+              <a:t>25</a:t>
+            </a:fld>
+            <a:endParaRPr lang="de-DE" dirty="0"/>
+          </a:p>
+        </p:txBody>
+      </p:sp>
+    </p:spTree>
+    <p:extLst>
+      <p:ext uri="{BB962C8B-B14F-4D97-AF65-F5344CB8AC3E}">
+        <p14:creationId xmlns:p14="http://schemas.microsoft.com/office/powerpoint/2010/main" val="87589397"/>
+      </p:ext>
+    </p:extLst>
+  </p:cSld>
+  <p:clrMapOvr>
+    <a:masterClrMapping/>
+  </p:clrMapOvr>
+</p:sld>
+</file>
+
+<file path=ppt/slides/slide26.xml><?xml version="1.0" encoding="utf-8"?>
+<p:sld xmlns:a="http://schemas.openxmlformats.org/drawingml/2006/main" xmlns:r="http://schemas.openxmlformats.org/officeDocument/2006/relationships" xmlns:p="http://schemas.openxmlformats.org/presentationml/2006/main">
+  <p:cSld>
+    <p:spTree>
+      <p:nvGrpSpPr>
+        <p:cNvPr id="1" name=""/>
+        <p:cNvGrpSpPr/>
+        <p:nvPr/>
+      </p:nvGrpSpPr>
+      <p:grpSpPr>
+        <a:xfrm>
+          <a:off x="0" y="0"/>
+          <a:ext cx="0" cy="0"/>
+          <a:chOff x="0" y="0"/>
+          <a:chExt cx="0" cy="0"/>
+        </a:xfrm>
+      </p:grpSpPr>
+      <p:sp>
+        <p:nvSpPr>
+          <p:cNvPr id="2" name="Titel 1">
+            <a:extLst>
+              <a:ext uri="{FF2B5EF4-FFF2-40B4-BE49-F238E27FC236}">
+                <a16:creationId xmlns:a16="http://schemas.microsoft.com/office/drawing/2014/main" id="{358629DF-DE7D-BAA9-F837-194F89F9BC96}"/>
+              </a:ext>
+            </a:extLst>
+          </p:cNvPr>
+          <p:cNvSpPr>
+            <a:spLocks noGrp="1"/>
+          </p:cNvSpPr>
+          <p:nvPr>
+            <p:ph type="title"/>
+          </p:nvPr>
+        </p:nvSpPr>
+        <p:spPr/>
+        <p:txBody>
+          <a:bodyPr/>
+          <a:lstStyle/>
+          <a:p>
+            <a:r>
+              <a:rPr lang="de-DE" dirty="0"/>
+              <a:t>Visual-Audio-Text LM</a:t>
+            </a:r>
+          </a:p>
+        </p:txBody>
+      </p:sp>
+      <p:sp>
+        <p:nvSpPr>
+          <p:cNvPr id="3" name="Inhaltsplatzhalter 2">
+            <a:extLst>
+              <a:ext uri="{FF2B5EF4-FFF2-40B4-BE49-F238E27FC236}">
+                <a16:creationId xmlns:a16="http://schemas.microsoft.com/office/drawing/2014/main" id="{C122DCDD-7E10-B6E4-9A57-42E9DB86B263}"/>
+              </a:ext>
+            </a:extLst>
+          </p:cNvPr>
+          <p:cNvSpPr>
+            <a:spLocks noGrp="1"/>
+          </p:cNvSpPr>
+          <p:nvPr>
+            <p:ph idx="1"/>
+          </p:nvPr>
+        </p:nvSpPr>
+        <p:spPr/>
+        <p:txBody>
+          <a:bodyPr/>
+          <a:lstStyle/>
+          <a:p>
+            <a:r>
+              <a:rPr lang="en-US" dirty="0"/>
+              <a:t>Results / compare to AV-</a:t>
+            </a:r>
+            <a:r>
+              <a:rPr lang="en-US" dirty="0" err="1"/>
+              <a:t>HuBERT</a:t>
+            </a:r>
+            <a:endParaRPr lang="en-US" dirty="0"/>
+          </a:p>
+        </p:txBody>
+      </p:sp>
+      <p:sp>
+        <p:nvSpPr>
+          <p:cNvPr id="4" name="Datumsplatzhalter 3">
+            <a:extLst>
+              <a:ext uri="{FF2B5EF4-FFF2-40B4-BE49-F238E27FC236}">
+                <a16:creationId xmlns:a16="http://schemas.microsoft.com/office/drawing/2014/main" id="{AA2DFAA3-D144-50A0-9C58-AB2639736D8E}"/>
+              </a:ext>
+            </a:extLst>
+          </p:cNvPr>
+          <p:cNvSpPr>
+            <a:spLocks noGrp="1"/>
+          </p:cNvSpPr>
+          <p:nvPr>
+            <p:ph type="dt" sz="half" idx="10"/>
+          </p:nvPr>
+        </p:nvSpPr>
+        <p:spPr/>
+        <p:txBody>
+          <a:bodyPr/>
+          <a:lstStyle/>
+          <a:p>
+            <a:r>
+              <a:rPr lang="de-DE"/>
+              <a:t>05.12.2023</a:t>
+            </a:r>
+            <a:endParaRPr lang="de-DE" dirty="0"/>
+          </a:p>
+        </p:txBody>
+      </p:sp>
+      <p:sp>
+        <p:nvSpPr>
+          <p:cNvPr id="5" name="Fußzeilenplatzhalter 4">
+            <a:extLst>
+              <a:ext uri="{FF2B5EF4-FFF2-40B4-BE49-F238E27FC236}">
+                <a16:creationId xmlns:a16="http://schemas.microsoft.com/office/drawing/2014/main" id="{02D8580E-0F61-BDDB-77CC-E4F419C5A7D2}"/>
+              </a:ext>
+            </a:extLst>
+          </p:cNvPr>
+          <p:cNvSpPr>
+            <a:spLocks noGrp="1"/>
+          </p:cNvSpPr>
+          <p:nvPr>
+            <p:ph type="ftr" sz="quarter" idx="11"/>
+          </p:nvPr>
+        </p:nvSpPr>
+        <p:spPr/>
+        <p:txBody>
+          <a:bodyPr/>
+          <a:lstStyle/>
+          <a:p>
+            <a:r>
+              <a:rPr lang="en-US"/>
+              <a:t>Multi-modal Speech Representation Learning</a:t>
+            </a:r>
+            <a:endParaRPr lang="de-DE" dirty="0"/>
+          </a:p>
+        </p:txBody>
+      </p:sp>
+      <p:sp>
+        <p:nvSpPr>
+          <p:cNvPr id="6" name="Foliennummernplatzhalter 5">
+            <a:extLst>
+              <a:ext uri="{FF2B5EF4-FFF2-40B4-BE49-F238E27FC236}">
+                <a16:creationId xmlns:a16="http://schemas.microsoft.com/office/drawing/2014/main" id="{5F851B5D-42CC-F4ED-FF52-3115D318058A}"/>
+              </a:ext>
+            </a:extLst>
+          </p:cNvPr>
+          <p:cNvSpPr>
+            <a:spLocks noGrp="1"/>
+          </p:cNvSpPr>
+          <p:nvPr>
+            <p:ph type="sldNum" sz="quarter" idx="12"/>
+          </p:nvPr>
+        </p:nvSpPr>
+        <p:spPr/>
+        <p:txBody>
+          <a:bodyPr/>
+          <a:lstStyle/>
+          <a:p>
+            <a:fld id="{4589C08E-11F1-4614-AD94-2F79D605AB8D}" type="slidenum">
+              <a:rPr lang="de-DE" smtClean="0"/>
+              <a:t>26</a:t>
+            </a:fld>
+            <a:endParaRPr lang="de-DE" dirty="0"/>
+          </a:p>
+        </p:txBody>
+      </p:sp>
+    </p:spTree>
+    <p:extLst>
+      <p:ext uri="{BB962C8B-B14F-4D97-AF65-F5344CB8AC3E}">
+        <p14:creationId xmlns:p14="http://schemas.microsoft.com/office/powerpoint/2010/main" val="1781512618"/>
+      </p:ext>
+    </p:extLst>
+  </p:cSld>
+  <p:clrMapOvr>
+    <a:masterClrMapping/>
+  </p:clrMapOvr>
+</p:sld>
+</file>
+
+<file path=ppt/slides/slide27.xml><?xml version="1.0" encoding="utf-8"?>
+<p:sld xmlns:a="http://schemas.openxmlformats.org/drawingml/2006/main" xmlns:r="http://schemas.openxmlformats.org/officeDocument/2006/relationships" xmlns:p="http://schemas.openxmlformats.org/presentationml/2006/main">
+  <p:cSld>
+    <p:spTree>
+      <p:nvGrpSpPr>
+        <p:cNvPr id="1" name=""/>
+        <p:cNvGrpSpPr/>
+        <p:nvPr/>
+      </p:nvGrpSpPr>
+      <p:grpSpPr>
+        <a:xfrm>
+          <a:off x="0" y="0"/>
+          <a:ext cx="0" cy="0"/>
+          <a:chOff x="0" y="0"/>
+          <a:chExt cx="0" cy="0"/>
+        </a:xfrm>
+      </p:grpSpPr>
+      <p:sp>
+        <p:nvSpPr>
+          <p:cNvPr id="2" name="Titel 1">
+            <a:extLst>
+              <a:ext uri="{FF2B5EF4-FFF2-40B4-BE49-F238E27FC236}">
+                <a16:creationId xmlns:a16="http://schemas.microsoft.com/office/drawing/2014/main" id="{A5AA884D-9FF9-ADE1-DD18-42738AA778F6}"/>
+              </a:ext>
+            </a:extLst>
+          </p:cNvPr>
+          <p:cNvSpPr>
+            <a:spLocks noGrp="1"/>
+          </p:cNvSpPr>
+          <p:nvPr>
+            <p:ph type="title"/>
+          </p:nvPr>
+        </p:nvSpPr>
+        <p:spPr/>
+        <p:txBody>
+          <a:bodyPr/>
+          <a:lstStyle/>
+          <a:p>
+            <a:r>
+              <a:rPr lang="de-DE" dirty="0"/>
+              <a:t>Challenges / </a:t>
+            </a:r>
+            <a:r>
+              <a:rPr lang="de-DE" dirty="0" err="1"/>
+              <a:t>Prospects</a:t>
+            </a:r>
+            <a:endParaRPr lang="de-DE" dirty="0"/>
+          </a:p>
+        </p:txBody>
+      </p:sp>
+      <p:sp>
+        <p:nvSpPr>
+          <p:cNvPr id="3" name="Inhaltsplatzhalter 2">
+            <a:extLst>
+              <a:ext uri="{FF2B5EF4-FFF2-40B4-BE49-F238E27FC236}">
+                <a16:creationId xmlns:a16="http://schemas.microsoft.com/office/drawing/2014/main" id="{3B2AF2DA-0C13-2231-5223-79DCFDDF93CD}"/>
+              </a:ext>
+            </a:extLst>
+          </p:cNvPr>
+          <p:cNvSpPr>
+            <a:spLocks noGrp="1"/>
+          </p:cNvSpPr>
+          <p:nvPr>
+            <p:ph idx="1"/>
+          </p:nvPr>
+        </p:nvSpPr>
+        <p:spPr/>
+        <p:txBody>
+          <a:bodyPr/>
+          <a:lstStyle/>
+          <a:p>
+            <a:r>
+              <a:rPr lang="en-US"/>
+              <a:t>(Multi-modal) Speech Representation Learning is heavily researched field</a:t>
+            </a:r>
+          </a:p>
+          <a:p>
+            <a:endParaRPr lang="en-US" dirty="0"/>
+          </a:p>
+        </p:txBody>
+      </p:sp>
+      <p:sp>
+        <p:nvSpPr>
+          <p:cNvPr id="4" name="Datumsplatzhalter 3">
+            <a:extLst>
+              <a:ext uri="{FF2B5EF4-FFF2-40B4-BE49-F238E27FC236}">
+                <a16:creationId xmlns:a16="http://schemas.microsoft.com/office/drawing/2014/main" id="{D634373F-6B03-7938-9148-0CE7A4B01FEB}"/>
+              </a:ext>
+            </a:extLst>
+          </p:cNvPr>
+          <p:cNvSpPr>
+            <a:spLocks noGrp="1"/>
+          </p:cNvSpPr>
+          <p:nvPr>
+            <p:ph type="dt" sz="half" idx="10"/>
+          </p:nvPr>
+        </p:nvSpPr>
+        <p:spPr/>
+        <p:txBody>
+          <a:bodyPr/>
+          <a:lstStyle/>
+          <a:p>
+            <a:r>
+              <a:rPr lang="de-DE"/>
+              <a:t>05.12.2023</a:t>
+            </a:r>
+            <a:endParaRPr lang="de-DE" dirty="0"/>
+          </a:p>
+        </p:txBody>
+      </p:sp>
+      <p:sp>
+        <p:nvSpPr>
+          <p:cNvPr id="5" name="Fußzeilenplatzhalter 4">
+            <a:extLst>
+              <a:ext uri="{FF2B5EF4-FFF2-40B4-BE49-F238E27FC236}">
+                <a16:creationId xmlns:a16="http://schemas.microsoft.com/office/drawing/2014/main" id="{034C8994-9B21-3CAF-B2C8-F4005BBEF94E}"/>
+              </a:ext>
+            </a:extLst>
+          </p:cNvPr>
+          <p:cNvSpPr>
+            <a:spLocks noGrp="1"/>
+          </p:cNvSpPr>
+          <p:nvPr>
+            <p:ph type="ftr" sz="quarter" idx="11"/>
+          </p:nvPr>
+        </p:nvSpPr>
+        <p:spPr/>
+        <p:txBody>
+          <a:bodyPr/>
+          <a:lstStyle/>
+          <a:p>
+            <a:r>
+              <a:rPr lang="en-US"/>
+              <a:t>Multi-modal Speech Representation Learning</a:t>
+            </a:r>
+            <a:endParaRPr lang="de-DE" dirty="0"/>
+          </a:p>
+        </p:txBody>
+      </p:sp>
+      <p:sp>
+        <p:nvSpPr>
+          <p:cNvPr id="6" name="Foliennummernplatzhalter 5">
+            <a:extLst>
+              <a:ext uri="{FF2B5EF4-FFF2-40B4-BE49-F238E27FC236}">
+                <a16:creationId xmlns:a16="http://schemas.microsoft.com/office/drawing/2014/main" id="{AED1C7AE-4D69-C023-148D-6CE0CF086ED4}"/>
+              </a:ext>
+            </a:extLst>
+          </p:cNvPr>
+          <p:cNvSpPr>
+            <a:spLocks noGrp="1"/>
+          </p:cNvSpPr>
+          <p:nvPr>
+            <p:ph type="sldNum" sz="quarter" idx="12"/>
+          </p:nvPr>
+        </p:nvSpPr>
+        <p:spPr/>
+        <p:txBody>
+          <a:bodyPr/>
+          <a:lstStyle/>
+          <a:p>
+            <a:fld id="{4589C08E-11F1-4614-AD94-2F79D605AB8D}" type="slidenum">
+              <a:rPr lang="de-DE" smtClean="0"/>
+              <a:t>27</a:t>
+            </a:fld>
+            <a:endParaRPr lang="de-DE" dirty="0"/>
+          </a:p>
+        </p:txBody>
+      </p:sp>
+    </p:spTree>
+    <p:extLst>
+      <p:ext uri="{BB962C8B-B14F-4D97-AF65-F5344CB8AC3E}">
+        <p14:creationId xmlns:p14="http://schemas.microsoft.com/office/powerpoint/2010/main" val="3187350724"/>
+      </p:ext>
+    </p:extLst>
+  </p:cSld>
+  <p:clrMapOvr>
+    <a:masterClrMapping/>
+  </p:clrMapOvr>
+</p:sld>
+</file>
+
+<file path=ppt/slides/slide28.xml><?xml version="1.0" encoding="utf-8"?>
+<p:sld xmlns:a="http://schemas.openxmlformats.org/drawingml/2006/main" xmlns:r="http://schemas.openxmlformats.org/officeDocument/2006/relationships" xmlns:p="http://schemas.openxmlformats.org/presentationml/2006/main">
+  <p:cSld>
+    <p:spTree>
+      <p:nvGrpSpPr>
+        <p:cNvPr id="1" name=""/>
+        <p:cNvGrpSpPr/>
+        <p:nvPr/>
+      </p:nvGrpSpPr>
+      <p:grpSpPr>
+        <a:xfrm>
+          <a:off x="0" y="0"/>
+          <a:ext cx="0" cy="0"/>
+          <a:chOff x="0" y="0"/>
+          <a:chExt cx="0" cy="0"/>
+        </a:xfrm>
+      </p:grpSpPr>
+      <p:sp>
+        <p:nvSpPr>
           <p:cNvPr id="3" name="Inhaltsplatzhalter 2">
             <a:extLst>
               <a:ext uri="{FF2B5EF4-FFF2-40B4-BE49-F238E27FC236}">
@@ -11229,7 +14327,9 @@
           </a:xfrm>
         </p:spPr>
         <p:txBody>
-          <a:bodyPr/>
+          <a:bodyPr>
+            <a:normAutofit fontScale="92500" lnSpcReduction="20000"/>
+          </a:bodyPr>
           <a:lstStyle/>
           <a:p>
             <a:pPr marL="0" indent="0">
@@ -11378,6 +14478,181 @@
             </a:r>
           </a:p>
           <a:p>
+            <a:pPr marL="0" indent="0">
+              <a:buNone/>
+            </a:pPr>
+            <a:r>
+              <a:rPr lang="en-US" dirty="0">
+                <a:solidFill>
+                  <a:schemeClr val="bg2">
+                    <a:lumMod val="50000"/>
+                  </a:schemeClr>
+                </a:solidFill>
+              </a:rPr>
+              <a:t>[5] Vassil </a:t>
+            </a:r>
+            <a:r>
+              <a:rPr lang="en-US" dirty="0" err="1">
+                <a:solidFill>
+                  <a:schemeClr val="bg2">
+                    <a:lumMod val="50000"/>
+                  </a:schemeClr>
+                </a:solidFill>
+              </a:rPr>
+              <a:t>Panayotov</a:t>
+            </a:r>
+            <a:r>
+              <a:rPr lang="en-US" dirty="0">
+                <a:solidFill>
+                  <a:schemeClr val="bg2">
+                    <a:lumMod val="50000"/>
+                  </a:schemeClr>
+                </a:solidFill>
+              </a:rPr>
+              <a:t>, </a:t>
+            </a:r>
+            <a:r>
+              <a:rPr lang="en-US" dirty="0" err="1">
+                <a:solidFill>
+                  <a:schemeClr val="bg2">
+                    <a:lumMod val="50000"/>
+                  </a:schemeClr>
+                </a:solidFill>
+              </a:rPr>
+              <a:t>Guoguo</a:t>
+            </a:r>
+            <a:r>
+              <a:rPr lang="en-US" dirty="0">
+                <a:solidFill>
+                  <a:schemeClr val="bg2">
+                    <a:lumMod val="50000"/>
+                  </a:schemeClr>
+                </a:solidFill>
+              </a:rPr>
+              <a:t> Chen, Daniel Povey, and Sanjeev </a:t>
+            </a:r>
+            <a:r>
+              <a:rPr lang="en-US" dirty="0" err="1">
+                <a:solidFill>
+                  <a:schemeClr val="bg2">
+                    <a:lumMod val="50000"/>
+                  </a:schemeClr>
+                </a:solidFill>
+              </a:rPr>
+              <a:t>Khudanpur</a:t>
+            </a:r>
+            <a:r>
+              <a:rPr lang="en-US" dirty="0">
+                <a:solidFill>
+                  <a:schemeClr val="bg2">
+                    <a:lumMod val="50000"/>
+                  </a:schemeClr>
+                </a:solidFill>
+              </a:rPr>
+              <a:t>. 2015. </a:t>
+            </a:r>
+            <a:r>
+              <a:rPr lang="en-US" dirty="0" err="1">
+                <a:solidFill>
+                  <a:schemeClr val="bg2">
+                    <a:lumMod val="50000"/>
+                  </a:schemeClr>
+                </a:solidFill>
+              </a:rPr>
+              <a:t>Librispeech</a:t>
+            </a:r>
+            <a:r>
+              <a:rPr lang="en-US" dirty="0">
+                <a:solidFill>
+                  <a:schemeClr val="bg2">
+                    <a:lumMod val="50000"/>
+                  </a:schemeClr>
+                </a:solidFill>
+              </a:rPr>
+              <a:t>: an </a:t>
+            </a:r>
+            <a:r>
+              <a:rPr lang="en-US" dirty="0" err="1">
+                <a:solidFill>
+                  <a:schemeClr val="bg2">
+                    <a:lumMod val="50000"/>
+                  </a:schemeClr>
+                </a:solidFill>
+              </a:rPr>
+              <a:t>asr</a:t>
+            </a:r>
+            <a:r>
+              <a:rPr lang="en-US" dirty="0">
+                <a:solidFill>
+                  <a:schemeClr val="bg2">
+                    <a:lumMod val="50000"/>
+                  </a:schemeClr>
+                </a:solidFill>
+              </a:rPr>
+              <a:t> corpus based on public domain audio books. In Proceedings of the 2015 IEEE International Conference on Acoustics, Speech and Signal Processing, pages 5206–5210. IEEE.</a:t>
+            </a:r>
+          </a:p>
+          <a:p>
+            <a:pPr marL="0" indent="0">
+              <a:buNone/>
+            </a:pPr>
+            <a:r>
+              <a:rPr lang="en-US" sz="2800" dirty="0">
+                <a:solidFill>
+                  <a:schemeClr val="bg2">
+                    <a:lumMod val="50000"/>
+                  </a:schemeClr>
+                </a:solidFill>
+                <a:effectLst/>
+              </a:rPr>
+              <a:t>[6] </a:t>
+            </a:r>
+            <a:r>
+              <a:rPr lang="en-US" sz="2800" dirty="0" err="1">
+                <a:solidFill>
+                  <a:schemeClr val="bg2">
+                    <a:lumMod val="50000"/>
+                  </a:schemeClr>
+                </a:solidFill>
+                <a:effectLst/>
+              </a:rPr>
+              <a:t>Triantafyllos</a:t>
+            </a:r>
+            <a:r>
+              <a:rPr lang="en-US" sz="2800" dirty="0">
+                <a:solidFill>
+                  <a:schemeClr val="bg2">
+                    <a:lumMod val="50000"/>
+                  </a:schemeClr>
+                </a:solidFill>
+                <a:effectLst/>
+              </a:rPr>
+              <a:t> </a:t>
+            </a:r>
+            <a:r>
+              <a:rPr lang="en-US" sz="2800" dirty="0" err="1">
+                <a:solidFill>
+                  <a:schemeClr val="bg2">
+                    <a:lumMod val="50000"/>
+                  </a:schemeClr>
+                </a:solidFill>
+                <a:effectLst/>
+              </a:rPr>
+              <a:t>Afouras</a:t>
+            </a:r>
+            <a:r>
+              <a:rPr lang="en-US" sz="2800" dirty="0">
+                <a:solidFill>
+                  <a:schemeClr val="bg2">
+                    <a:lumMod val="50000"/>
+                  </a:schemeClr>
+                </a:solidFill>
+                <a:effectLst/>
+              </a:rPr>
+              <a:t>, Joon Son Chung, and Andrew Zisserman. LRS3-TED: a large-scale dataset for visual speech recognition, 2018b. arXiv:1809.00496.</a:t>
+            </a:r>
+          </a:p>
+          <a:p>
             <a:endParaRPr lang="en-US" dirty="0"/>
           </a:p>
         </p:txBody>
@@ -11463,7 +14738,7 @@
           <a:p>
             <a:fld id="{4589C08E-11F1-4614-AD94-2F79D605AB8D}" type="slidenum">
               <a:rPr lang="de-DE" smtClean="0"/>
-              <a:t>24</a:t>
+              <a:t>28</a:t>
             </a:fld>
             <a:endParaRPr lang="de-DE" dirty="0"/>
           </a:p>
@@ -11482,7 +14757,7 @@
 </p:sld>
 </file>
 
-<file path=ppt/slides/slide25.xml><?xml version="1.0" encoding="utf-8"?>
+<file path=ppt/slides/slide29.xml><?xml version="1.0" encoding="utf-8"?>
 <p:sld xmlns:a="http://schemas.openxmlformats.org/drawingml/2006/main" xmlns:r="http://schemas.openxmlformats.org/officeDocument/2006/relationships" xmlns:p="http://schemas.openxmlformats.org/presentationml/2006/main" show="0">
   <p:cSld>
     <p:spTree>
@@ -11892,7 +15167,7 @@
           <a:p>
             <a:fld id="{4589C08E-11F1-4614-AD94-2F79D605AB8D}" type="slidenum">
               <a:rPr lang="de-DE" smtClean="0"/>
-              <a:t>25</a:t>
+              <a:t>29</a:t>
             </a:fld>
             <a:endParaRPr lang="de-DE" dirty="0"/>
           </a:p>
@@ -11902,228 +15177,6 @@
     <p:extLst>
       <p:ext uri="{BB962C8B-B14F-4D97-AF65-F5344CB8AC3E}">
         <p14:creationId xmlns:p14="http://schemas.microsoft.com/office/powerpoint/2010/main" val="3496448324"/>
-      </p:ext>
-    </p:extLst>
-  </p:cSld>
-  <p:clrMapOvr>
-    <a:masterClrMapping/>
-  </p:clrMapOvr>
-</p:sld>
-</file>
-
-<file path=ppt/slides/slide26.xml><?xml version="1.0" encoding="utf-8"?>
-<p:sld xmlns:a="http://schemas.openxmlformats.org/drawingml/2006/main" xmlns:r="http://schemas.openxmlformats.org/officeDocument/2006/relationships" xmlns:p="http://schemas.openxmlformats.org/presentationml/2006/main" show="0">
-  <p:cSld>
-    <p:spTree>
-      <p:nvGrpSpPr>
-        <p:cNvPr id="1" name=""/>
-        <p:cNvGrpSpPr/>
-        <p:nvPr/>
-      </p:nvGrpSpPr>
-      <p:grpSpPr>
-        <a:xfrm>
-          <a:off x="0" y="0"/>
-          <a:ext cx="0" cy="0"/>
-          <a:chOff x="0" y="0"/>
-          <a:chExt cx="0" cy="0"/>
-        </a:xfrm>
-      </p:grpSpPr>
-      <p:sp>
-        <p:nvSpPr>
-          <p:cNvPr id="2" name="Titel 1">
-            <a:extLst>
-              <a:ext uri="{FF2B5EF4-FFF2-40B4-BE49-F238E27FC236}">
-                <a16:creationId xmlns:a16="http://schemas.microsoft.com/office/drawing/2014/main" id="{7ED805BA-22DB-7C3F-FA81-EBDA00F3079D}"/>
-              </a:ext>
-            </a:extLst>
-          </p:cNvPr>
-          <p:cNvSpPr>
-            <a:spLocks noGrp="1"/>
-          </p:cNvSpPr>
-          <p:nvPr>
-            <p:ph type="title"/>
-          </p:nvPr>
-        </p:nvSpPr>
-        <p:spPr/>
-        <p:txBody>
-          <a:bodyPr/>
-          <a:lstStyle/>
-          <a:p>
-            <a:r>
-              <a:rPr lang="de-DE" dirty="0" err="1"/>
-              <a:t>Presentation</a:t>
-            </a:r>
-            <a:r>
-              <a:rPr lang="de-DE" dirty="0"/>
-              <a:t> </a:t>
-            </a:r>
-            <a:r>
-              <a:rPr lang="de-DE" dirty="0" err="1"/>
-              <a:t>metadata</a:t>
-            </a:r>
-            <a:endParaRPr lang="de-DE" dirty="0"/>
-          </a:p>
-        </p:txBody>
-      </p:sp>
-      <p:sp>
-        <p:nvSpPr>
-          <p:cNvPr id="3" name="Inhaltsplatzhalter 2">
-            <a:extLst>
-              <a:ext uri="{FF2B5EF4-FFF2-40B4-BE49-F238E27FC236}">
-                <a16:creationId xmlns:a16="http://schemas.microsoft.com/office/drawing/2014/main" id="{785CE866-7610-D846-8EC9-42B4A6E74904}"/>
-              </a:ext>
-            </a:extLst>
-          </p:cNvPr>
-          <p:cNvSpPr>
-            <a:spLocks noGrp="1"/>
-          </p:cNvSpPr>
-          <p:nvPr>
-            <p:ph idx="1"/>
-          </p:nvPr>
-        </p:nvSpPr>
-        <p:spPr/>
-        <p:txBody>
-          <a:bodyPr>
-            <a:normAutofit/>
-          </a:bodyPr>
-          <a:lstStyle/>
-          <a:p>
-            <a:r>
-              <a:rPr lang="de-DE" b="1" dirty="0" err="1"/>
-              <a:t>two</a:t>
-            </a:r>
-            <a:r>
-              <a:rPr lang="de-DE" b="1" dirty="0"/>
-              <a:t> </a:t>
-            </a:r>
-            <a:r>
-              <a:rPr lang="de-DE" b="1" dirty="0" err="1"/>
-              <a:t>minutes</a:t>
-            </a:r>
-            <a:r>
-              <a:rPr lang="de-DE" b="1" dirty="0"/>
-              <a:t> per </a:t>
-            </a:r>
-            <a:r>
-              <a:rPr lang="de-DE" b="1" dirty="0" err="1"/>
-              <a:t>slide</a:t>
-            </a:r>
-            <a:r>
-              <a:rPr lang="de-DE" b="1" dirty="0"/>
-              <a:t> </a:t>
-            </a:r>
-            <a:r>
-              <a:rPr lang="de-DE" b="1" dirty="0">
-                <a:sym typeface="Wingdings" panose="05000000000000000000" pitchFamily="2" charset="2"/>
-              </a:rPr>
-              <a:t> ~</a:t>
-            </a:r>
-            <a:r>
-              <a:rPr lang="de-DE" b="1">
-                <a:sym typeface="Wingdings" panose="05000000000000000000" pitchFamily="2" charset="2"/>
-              </a:rPr>
-              <a:t>12.5 Slides</a:t>
-            </a:r>
-          </a:p>
-          <a:p>
-            <a:pPr marL="0" indent="0">
-              <a:buNone/>
-            </a:pPr>
-            <a:endParaRPr lang="de-DE" b="1" dirty="0"/>
-          </a:p>
-        </p:txBody>
-      </p:sp>
-      <p:sp>
-        <p:nvSpPr>
-          <p:cNvPr id="4" name="Datumsplatzhalter 3">
-            <a:extLst>
-              <a:ext uri="{FF2B5EF4-FFF2-40B4-BE49-F238E27FC236}">
-                <a16:creationId xmlns:a16="http://schemas.microsoft.com/office/drawing/2014/main" id="{3A3F07CD-B7D8-56ED-F1C0-AD943813A33D}"/>
-              </a:ext>
-            </a:extLst>
-          </p:cNvPr>
-          <p:cNvSpPr>
-            <a:spLocks noGrp="1"/>
-          </p:cNvSpPr>
-          <p:nvPr>
-            <p:ph type="dt" sz="half" idx="10"/>
-          </p:nvPr>
-        </p:nvSpPr>
-        <p:spPr/>
-        <p:txBody>
-          <a:bodyPr/>
-          <a:lstStyle/>
-          <a:p>
-            <a:r>
-              <a:rPr lang="de-DE"/>
-              <a:t>05.12.2023</a:t>
-            </a:r>
-            <a:endParaRPr lang="de-DE" dirty="0"/>
-          </a:p>
-        </p:txBody>
-      </p:sp>
-      <p:sp>
-        <p:nvSpPr>
-          <p:cNvPr id="5" name="Fußzeilenplatzhalter 4">
-            <a:extLst>
-              <a:ext uri="{FF2B5EF4-FFF2-40B4-BE49-F238E27FC236}">
-                <a16:creationId xmlns:a16="http://schemas.microsoft.com/office/drawing/2014/main" id="{BB74E4BF-436F-2407-CCA7-6DF73948D4BC}"/>
-              </a:ext>
-            </a:extLst>
-          </p:cNvPr>
-          <p:cNvSpPr>
-            <a:spLocks noGrp="1"/>
-          </p:cNvSpPr>
-          <p:nvPr>
-            <p:ph type="ftr" sz="quarter" idx="11"/>
-          </p:nvPr>
-        </p:nvSpPr>
-        <p:spPr/>
-        <p:txBody>
-          <a:bodyPr/>
-          <a:lstStyle/>
-          <a:p>
-            <a:r>
-              <a:rPr lang="en-US"/>
-              <a:t>Multi-modal Speech Representation Learning</a:t>
-            </a:r>
-            <a:endParaRPr lang="de-DE" dirty="0"/>
-          </a:p>
-        </p:txBody>
-      </p:sp>
-      <p:sp>
-        <p:nvSpPr>
-          <p:cNvPr id="6" name="Foliennummernplatzhalter 5">
-            <a:extLst>
-              <a:ext uri="{FF2B5EF4-FFF2-40B4-BE49-F238E27FC236}">
-                <a16:creationId xmlns:a16="http://schemas.microsoft.com/office/drawing/2014/main" id="{168096F9-3FB5-0C55-D6F4-1BCA6D935B80}"/>
-              </a:ext>
-            </a:extLst>
-          </p:cNvPr>
-          <p:cNvSpPr>
-            <a:spLocks noGrp="1"/>
-          </p:cNvSpPr>
-          <p:nvPr>
-            <p:ph type="sldNum" sz="quarter" idx="12"/>
-          </p:nvPr>
-        </p:nvSpPr>
-        <p:spPr/>
-        <p:txBody>
-          <a:bodyPr/>
-          <a:lstStyle/>
-          <a:p>
-            <a:fld id="{4589C08E-11F1-4614-AD94-2F79D605AB8D}" type="slidenum">
-              <a:rPr lang="de-DE" smtClean="0"/>
-              <a:t>26</a:t>
-            </a:fld>
-            <a:endParaRPr lang="de-DE" dirty="0"/>
-          </a:p>
-        </p:txBody>
-      </p:sp>
-    </p:spTree>
-    <p:extLst>
-      <p:ext uri="{BB962C8B-B14F-4D97-AF65-F5344CB8AC3E}">
-        <p14:creationId xmlns:p14="http://schemas.microsoft.com/office/powerpoint/2010/main" val="2915824135"/>
       </p:ext>
     </p:extLst>
   </p:cSld>
@@ -12324,6 +15377,228 @@
     <p:extLst>
       <p:ext uri="{BB962C8B-B14F-4D97-AF65-F5344CB8AC3E}">
         <p14:creationId xmlns:p14="http://schemas.microsoft.com/office/powerpoint/2010/main" val="3802131508"/>
+      </p:ext>
+    </p:extLst>
+  </p:cSld>
+  <p:clrMapOvr>
+    <a:masterClrMapping/>
+  </p:clrMapOvr>
+</p:sld>
+</file>
+
+<file path=ppt/slides/slide30.xml><?xml version="1.0" encoding="utf-8"?>
+<p:sld xmlns:a="http://schemas.openxmlformats.org/drawingml/2006/main" xmlns:r="http://schemas.openxmlformats.org/officeDocument/2006/relationships" xmlns:p="http://schemas.openxmlformats.org/presentationml/2006/main" show="0">
+  <p:cSld>
+    <p:spTree>
+      <p:nvGrpSpPr>
+        <p:cNvPr id="1" name=""/>
+        <p:cNvGrpSpPr/>
+        <p:nvPr/>
+      </p:nvGrpSpPr>
+      <p:grpSpPr>
+        <a:xfrm>
+          <a:off x="0" y="0"/>
+          <a:ext cx="0" cy="0"/>
+          <a:chOff x="0" y="0"/>
+          <a:chExt cx="0" cy="0"/>
+        </a:xfrm>
+      </p:grpSpPr>
+      <p:sp>
+        <p:nvSpPr>
+          <p:cNvPr id="2" name="Titel 1">
+            <a:extLst>
+              <a:ext uri="{FF2B5EF4-FFF2-40B4-BE49-F238E27FC236}">
+                <a16:creationId xmlns:a16="http://schemas.microsoft.com/office/drawing/2014/main" id="{7ED805BA-22DB-7C3F-FA81-EBDA00F3079D}"/>
+              </a:ext>
+            </a:extLst>
+          </p:cNvPr>
+          <p:cNvSpPr>
+            <a:spLocks noGrp="1"/>
+          </p:cNvSpPr>
+          <p:nvPr>
+            <p:ph type="title"/>
+          </p:nvPr>
+        </p:nvSpPr>
+        <p:spPr/>
+        <p:txBody>
+          <a:bodyPr/>
+          <a:lstStyle/>
+          <a:p>
+            <a:r>
+              <a:rPr lang="de-DE" dirty="0" err="1"/>
+              <a:t>Presentation</a:t>
+            </a:r>
+            <a:r>
+              <a:rPr lang="de-DE" dirty="0"/>
+              <a:t> </a:t>
+            </a:r>
+            <a:r>
+              <a:rPr lang="de-DE" dirty="0" err="1"/>
+              <a:t>metadata</a:t>
+            </a:r>
+            <a:endParaRPr lang="de-DE" dirty="0"/>
+          </a:p>
+        </p:txBody>
+      </p:sp>
+      <p:sp>
+        <p:nvSpPr>
+          <p:cNvPr id="3" name="Inhaltsplatzhalter 2">
+            <a:extLst>
+              <a:ext uri="{FF2B5EF4-FFF2-40B4-BE49-F238E27FC236}">
+                <a16:creationId xmlns:a16="http://schemas.microsoft.com/office/drawing/2014/main" id="{785CE866-7610-D846-8EC9-42B4A6E74904}"/>
+              </a:ext>
+            </a:extLst>
+          </p:cNvPr>
+          <p:cNvSpPr>
+            <a:spLocks noGrp="1"/>
+          </p:cNvSpPr>
+          <p:nvPr>
+            <p:ph idx="1"/>
+          </p:nvPr>
+        </p:nvSpPr>
+        <p:spPr/>
+        <p:txBody>
+          <a:bodyPr>
+            <a:normAutofit/>
+          </a:bodyPr>
+          <a:lstStyle/>
+          <a:p>
+            <a:r>
+              <a:rPr lang="de-DE" b="1" dirty="0" err="1"/>
+              <a:t>two</a:t>
+            </a:r>
+            <a:r>
+              <a:rPr lang="de-DE" b="1" dirty="0"/>
+              <a:t> </a:t>
+            </a:r>
+            <a:r>
+              <a:rPr lang="de-DE" b="1" dirty="0" err="1"/>
+              <a:t>minutes</a:t>
+            </a:r>
+            <a:r>
+              <a:rPr lang="de-DE" b="1" dirty="0"/>
+              <a:t> per </a:t>
+            </a:r>
+            <a:r>
+              <a:rPr lang="de-DE" b="1" dirty="0" err="1"/>
+              <a:t>slide</a:t>
+            </a:r>
+            <a:r>
+              <a:rPr lang="de-DE" b="1" dirty="0"/>
+              <a:t> </a:t>
+            </a:r>
+            <a:r>
+              <a:rPr lang="de-DE" b="1" dirty="0">
+                <a:sym typeface="Wingdings" panose="05000000000000000000" pitchFamily="2" charset="2"/>
+              </a:rPr>
+              <a:t> ~</a:t>
+            </a:r>
+            <a:r>
+              <a:rPr lang="de-DE" b="1">
+                <a:sym typeface="Wingdings" panose="05000000000000000000" pitchFamily="2" charset="2"/>
+              </a:rPr>
+              <a:t>12.5 Slides</a:t>
+            </a:r>
+          </a:p>
+          <a:p>
+            <a:pPr marL="0" indent="0">
+              <a:buNone/>
+            </a:pPr>
+            <a:endParaRPr lang="de-DE" b="1" dirty="0"/>
+          </a:p>
+        </p:txBody>
+      </p:sp>
+      <p:sp>
+        <p:nvSpPr>
+          <p:cNvPr id="4" name="Datumsplatzhalter 3">
+            <a:extLst>
+              <a:ext uri="{FF2B5EF4-FFF2-40B4-BE49-F238E27FC236}">
+                <a16:creationId xmlns:a16="http://schemas.microsoft.com/office/drawing/2014/main" id="{3A3F07CD-B7D8-56ED-F1C0-AD943813A33D}"/>
+              </a:ext>
+            </a:extLst>
+          </p:cNvPr>
+          <p:cNvSpPr>
+            <a:spLocks noGrp="1"/>
+          </p:cNvSpPr>
+          <p:nvPr>
+            <p:ph type="dt" sz="half" idx="10"/>
+          </p:nvPr>
+        </p:nvSpPr>
+        <p:spPr/>
+        <p:txBody>
+          <a:bodyPr/>
+          <a:lstStyle/>
+          <a:p>
+            <a:r>
+              <a:rPr lang="de-DE"/>
+              <a:t>05.12.2023</a:t>
+            </a:r>
+            <a:endParaRPr lang="de-DE" dirty="0"/>
+          </a:p>
+        </p:txBody>
+      </p:sp>
+      <p:sp>
+        <p:nvSpPr>
+          <p:cNvPr id="5" name="Fußzeilenplatzhalter 4">
+            <a:extLst>
+              <a:ext uri="{FF2B5EF4-FFF2-40B4-BE49-F238E27FC236}">
+                <a16:creationId xmlns:a16="http://schemas.microsoft.com/office/drawing/2014/main" id="{BB74E4BF-436F-2407-CCA7-6DF73948D4BC}"/>
+              </a:ext>
+            </a:extLst>
+          </p:cNvPr>
+          <p:cNvSpPr>
+            <a:spLocks noGrp="1"/>
+          </p:cNvSpPr>
+          <p:nvPr>
+            <p:ph type="ftr" sz="quarter" idx="11"/>
+          </p:nvPr>
+        </p:nvSpPr>
+        <p:spPr/>
+        <p:txBody>
+          <a:bodyPr/>
+          <a:lstStyle/>
+          <a:p>
+            <a:r>
+              <a:rPr lang="en-US"/>
+              <a:t>Multi-modal Speech Representation Learning</a:t>
+            </a:r>
+            <a:endParaRPr lang="de-DE" dirty="0"/>
+          </a:p>
+        </p:txBody>
+      </p:sp>
+      <p:sp>
+        <p:nvSpPr>
+          <p:cNvPr id="6" name="Foliennummernplatzhalter 5">
+            <a:extLst>
+              <a:ext uri="{FF2B5EF4-FFF2-40B4-BE49-F238E27FC236}">
+                <a16:creationId xmlns:a16="http://schemas.microsoft.com/office/drawing/2014/main" id="{168096F9-3FB5-0C55-D6F4-1BCA6D935B80}"/>
+              </a:ext>
+            </a:extLst>
+          </p:cNvPr>
+          <p:cNvSpPr>
+            <a:spLocks noGrp="1"/>
+          </p:cNvSpPr>
+          <p:nvPr>
+            <p:ph type="sldNum" sz="quarter" idx="12"/>
+          </p:nvPr>
+        </p:nvSpPr>
+        <p:spPr/>
+        <p:txBody>
+          <a:bodyPr/>
+          <a:lstStyle/>
+          <a:p>
+            <a:fld id="{4589C08E-11F1-4614-AD94-2F79D605AB8D}" type="slidenum">
+              <a:rPr lang="de-DE" smtClean="0"/>
+              <a:t>30</a:t>
+            </a:fld>
+            <a:endParaRPr lang="de-DE" dirty="0"/>
+          </a:p>
+        </p:txBody>
+      </p:sp>
+    </p:spTree>
+    <p:extLst>
+      <p:ext uri="{BB962C8B-B14F-4D97-AF65-F5344CB8AC3E}">
+        <p14:creationId xmlns:p14="http://schemas.microsoft.com/office/powerpoint/2010/main" val="2915824135"/>
       </p:ext>
     </p:extLst>
   </p:cSld>
@@ -13386,8 +16661,8 @@
           </a:prstGeom>
         </p:spPr>
       </p:pic>
-      <mc:AlternateContent xmlns:mc="http://schemas.openxmlformats.org/markup-compatibility/2006">
-        <mc:Choice xmlns:a14="http://schemas.microsoft.com/office/drawing/2010/main" Requires="a14">
+      <mc:AlternateContent xmlns:mc="http://schemas.openxmlformats.org/markup-compatibility/2006" xmlns:a14="http://schemas.microsoft.com/office/drawing/2010/main">
+        <mc:Choice Requires="a14">
           <p:sp>
             <p:nvSpPr>
               <p:cNvPr id="10" name="Textfeld 9">
@@ -13416,6 +16691,7 @@
               </a:bodyPr>
               <a:lstStyle/>
               <a:p>
+                <a:pPr/>
                 <a14:m>
                   <m:oMathPara xmlns:m="http://schemas.openxmlformats.org/officeDocument/2006/math">
                     <m:oMathParaPr>
@@ -13907,7 +17183,7 @@
             </p:txBody>
           </p:sp>
         </mc:Choice>
-        <mc:Fallback>
+        <mc:Fallback xmlns="">
           <p:sp>
             <p:nvSpPr>
               <p:cNvPr id="10" name="Textfeld 9">

--- a/presentation.pptx
+++ b/presentation.pptx
@@ -5,7 +5,7 @@
     <p:sldMasterId id="2147483648" r:id="rId1"/>
   </p:sldMasterIdLst>
   <p:notesMasterIdLst>
-    <p:notesMasterId r:id="rId32"/>
+    <p:notesMasterId r:id="rId33"/>
   </p:notesMasterIdLst>
   <p:sldIdLst>
     <p:sldId id="256" r:id="rId2"/>
@@ -33,11 +33,12 @@
     <p:sldId id="271" r:id="rId24"/>
     <p:sldId id="296" r:id="rId25"/>
     <p:sldId id="270" r:id="rId26"/>
-    <p:sldId id="274" r:id="rId27"/>
-    <p:sldId id="276" r:id="rId28"/>
-    <p:sldId id="277" r:id="rId29"/>
-    <p:sldId id="259" r:id="rId30"/>
-    <p:sldId id="260" r:id="rId31"/>
+    <p:sldId id="300" r:id="rId27"/>
+    <p:sldId id="301" r:id="rId28"/>
+    <p:sldId id="303" r:id="rId29"/>
+    <p:sldId id="276" r:id="rId30"/>
+    <p:sldId id="277" r:id="rId31"/>
+    <p:sldId id="259" r:id="rId32"/>
   </p:sldIdLst>
   <p:sldSz cx="12192000" cy="6858000"/>
   <p:notesSz cx="6858000" cy="9144000"/>
@@ -229,7 +230,7 @@
           <a:p>
             <a:fld id="{B72CCB43-93CC-4D9A-B1A7-BFC1DBB69676}" type="datetimeFigureOut">
               <a:rPr lang="de-DE" smtClean="0"/>
-              <a:t>14.11.2023</a:t>
+              <a:t>16.11.2023</a:t>
             </a:fld>
             <a:endParaRPr lang="de-DE" dirty="0"/>
           </a:p>
@@ -784,7 +785,15 @@
               <a:rPr lang="de-DE" dirty="0"/>
               <a:t> on…</a:t>
             </a:r>
-            <a:endParaRPr lang="en-GB" dirty="0"/>
+          </a:p>
+          <a:p>
+            <a:endParaRPr lang="de-DE" dirty="0"/>
+          </a:p>
+          <a:p>
+            <a:r>
+              <a:rPr lang="en-GB" dirty="0"/>
+              <a:t>BERT = Bidirectional Encoder Representations from Transformers</a:t>
+            </a:r>
           </a:p>
         </p:txBody>
       </p:sp>
@@ -1906,6 +1915,128 @@
 </p:notes>
 </file>
 
+<file path=ppt/notesSlides/notesSlide19.xml><?xml version="1.0" encoding="utf-8"?>
+<p:notes xmlns:a="http://schemas.openxmlformats.org/drawingml/2006/main" xmlns:r="http://schemas.openxmlformats.org/officeDocument/2006/relationships" xmlns:p="http://schemas.openxmlformats.org/presentationml/2006/main">
+  <p:cSld>
+    <p:spTree>
+      <p:nvGrpSpPr>
+        <p:cNvPr id="1" name=""/>
+        <p:cNvGrpSpPr/>
+        <p:nvPr/>
+      </p:nvGrpSpPr>
+      <p:grpSpPr>
+        <a:xfrm>
+          <a:off x="0" y="0"/>
+          <a:ext cx="0" cy="0"/>
+          <a:chOff x="0" y="0"/>
+          <a:chExt cx="0" cy="0"/>
+        </a:xfrm>
+      </p:grpSpPr>
+      <p:sp>
+        <p:nvSpPr>
+          <p:cNvPr id="2" name="Folienbildplatzhalter 1"/>
+          <p:cNvSpPr>
+            <a:spLocks noGrp="1" noRot="1" noChangeAspect="1"/>
+          </p:cNvSpPr>
+          <p:nvPr>
+            <p:ph type="sldImg"/>
+          </p:nvPr>
+        </p:nvSpPr>
+        <p:spPr/>
+      </p:sp>
+      <p:sp>
+        <p:nvSpPr>
+          <p:cNvPr id="3" name="Notizenplatzhalter 2"/>
+          <p:cNvSpPr>
+            <a:spLocks noGrp="1"/>
+          </p:cNvSpPr>
+          <p:nvPr>
+            <p:ph type="body" idx="1"/>
+          </p:nvPr>
+        </p:nvSpPr>
+        <p:spPr/>
+        <p:txBody>
+          <a:bodyPr/>
+          <a:lstStyle/>
+          <a:p>
+            <a:r>
+              <a:rPr lang="en-US" noProof="0" dirty="0"/>
+              <a:t>Model consists of independent encoders for each channel, a fusion module and a transformer encoder</a:t>
+            </a:r>
+          </a:p>
+          <a:p>
+            <a:r>
+              <a:rPr lang="en-US" noProof="0" dirty="0"/>
+              <a:t>Audio and visual features are extracted and then discretized with a pre-trained AV-</a:t>
+            </a:r>
+            <a:r>
+              <a:rPr lang="en-US" noProof="0" dirty="0" err="1"/>
+              <a:t>HuBERT</a:t>
+            </a:r>
+            <a:r>
+              <a:rPr lang="en-US" noProof="0" dirty="0"/>
+              <a:t> model’s clusters.</a:t>
+            </a:r>
+          </a:p>
+          <a:p>
+            <a:r>
+              <a:rPr lang="en-GB" dirty="0"/>
+              <a:t>The text input is translated into phonemes, then into phoneme features</a:t>
+            </a:r>
+          </a:p>
+          <a:p>
+            <a:r>
+              <a:rPr lang="en-GB" dirty="0"/>
+              <a:t>The features get concatenated as input for the transformer encoder</a:t>
+            </a:r>
+          </a:p>
+          <a:p>
+            <a:endParaRPr lang="en-GB" dirty="0"/>
+          </a:p>
+          <a:p>
+            <a:r>
+              <a:rPr lang="en-GB" dirty="0"/>
+              <a:t>For fine-tuning, the representations of the encoder are used as input for a transformer decoder.</a:t>
+            </a:r>
+          </a:p>
+        </p:txBody>
+      </p:sp>
+      <p:sp>
+        <p:nvSpPr>
+          <p:cNvPr id="4" name="Foliennummernplatzhalter 3"/>
+          <p:cNvSpPr>
+            <a:spLocks noGrp="1"/>
+          </p:cNvSpPr>
+          <p:nvPr>
+            <p:ph type="sldNum" sz="quarter" idx="5"/>
+          </p:nvPr>
+        </p:nvSpPr>
+        <p:spPr/>
+        <p:txBody>
+          <a:bodyPr/>
+          <a:lstStyle/>
+          <a:p>
+            <a:fld id="{9AD6FCE9-5A9D-455A-BE37-0E2337950A31}" type="slidenum">
+              <a:rPr lang="de-DE" smtClean="0"/>
+              <a:t>26</a:t>
+            </a:fld>
+            <a:endParaRPr lang="de-DE" dirty="0"/>
+          </a:p>
+        </p:txBody>
+      </p:sp>
+    </p:spTree>
+    <p:extLst>
+      <p:ext uri="{BB962C8B-B14F-4D97-AF65-F5344CB8AC3E}">
+        <p14:creationId xmlns:p14="http://schemas.microsoft.com/office/powerpoint/2010/main" val="1082328344"/>
+      </p:ext>
+    </p:extLst>
+  </p:cSld>
+  <p:clrMapOvr>
+    <a:masterClrMapping/>
+  </p:clrMapOvr>
+</p:notes>
+</file>
+
 <file path=ppt/notesSlides/notesSlide2.xml><?xml version="1.0" encoding="utf-8"?>
 <p:notes xmlns:a="http://schemas.openxmlformats.org/drawingml/2006/main" xmlns:r="http://schemas.openxmlformats.org/officeDocument/2006/relationships" xmlns:p="http://schemas.openxmlformats.org/presentationml/2006/main">
   <p:cSld>
@@ -2258,6 +2389,90 @@
     <p:extLst>
       <p:ext uri="{BB962C8B-B14F-4D97-AF65-F5344CB8AC3E}">
         <p14:creationId xmlns:p14="http://schemas.microsoft.com/office/powerpoint/2010/main" val="689729389"/>
+      </p:ext>
+    </p:extLst>
+  </p:cSld>
+  <p:clrMapOvr>
+    <a:masterClrMapping/>
+  </p:clrMapOvr>
+</p:notes>
+</file>
+
+<file path=ppt/notesSlides/notesSlide20.xml><?xml version="1.0" encoding="utf-8"?>
+<p:notes xmlns:a="http://schemas.openxmlformats.org/drawingml/2006/main" xmlns:r="http://schemas.openxmlformats.org/officeDocument/2006/relationships" xmlns:p="http://schemas.openxmlformats.org/presentationml/2006/main">
+  <p:cSld>
+    <p:spTree>
+      <p:nvGrpSpPr>
+        <p:cNvPr id="1" name=""/>
+        <p:cNvGrpSpPr/>
+        <p:nvPr/>
+      </p:nvGrpSpPr>
+      <p:grpSpPr>
+        <a:xfrm>
+          <a:off x="0" y="0"/>
+          <a:ext cx="0" cy="0"/>
+          <a:chOff x="0" y="0"/>
+          <a:chExt cx="0" cy="0"/>
+        </a:xfrm>
+      </p:grpSpPr>
+      <p:sp>
+        <p:nvSpPr>
+          <p:cNvPr id="2" name="Folienbildplatzhalter 1"/>
+          <p:cNvSpPr>
+            <a:spLocks noGrp="1" noRot="1" noChangeAspect="1"/>
+          </p:cNvSpPr>
+          <p:nvPr>
+            <p:ph type="sldImg"/>
+          </p:nvPr>
+        </p:nvSpPr>
+        <p:spPr/>
+      </p:sp>
+      <p:sp>
+        <p:nvSpPr>
+          <p:cNvPr id="3" name="Notizenplatzhalter 2"/>
+          <p:cNvSpPr>
+            <a:spLocks noGrp="1"/>
+          </p:cNvSpPr>
+          <p:nvPr>
+            <p:ph type="body" idx="1"/>
+          </p:nvPr>
+        </p:nvSpPr>
+        <p:spPr/>
+        <p:txBody>
+          <a:bodyPr/>
+          <a:lstStyle/>
+          <a:p>
+            <a:endParaRPr lang="en-GB" dirty="0"/>
+          </a:p>
+        </p:txBody>
+      </p:sp>
+      <p:sp>
+        <p:nvSpPr>
+          <p:cNvPr id="4" name="Foliennummernplatzhalter 3"/>
+          <p:cNvSpPr>
+            <a:spLocks noGrp="1"/>
+          </p:cNvSpPr>
+          <p:nvPr>
+            <p:ph type="sldNum" sz="quarter" idx="5"/>
+          </p:nvPr>
+        </p:nvSpPr>
+        <p:spPr/>
+        <p:txBody>
+          <a:bodyPr/>
+          <a:lstStyle/>
+          <a:p>
+            <a:fld id="{9AD6FCE9-5A9D-455A-BE37-0E2337950A31}" type="slidenum">
+              <a:rPr lang="de-DE" smtClean="0"/>
+              <a:t>28</a:t>
+            </a:fld>
+            <a:endParaRPr lang="de-DE" dirty="0"/>
+          </a:p>
+        </p:txBody>
+      </p:sp>
+    </p:spTree>
+    <p:extLst>
+      <p:ext uri="{BB962C8B-B14F-4D97-AF65-F5344CB8AC3E}">
+        <p14:creationId xmlns:p14="http://schemas.microsoft.com/office/powerpoint/2010/main" val="2776923097"/>
       </p:ext>
     </p:extLst>
   </p:cSld>
@@ -11073,6 +11288,42 @@
           </a:p>
         </p:txBody>
       </p:sp>
+      <p:sp>
+        <p:nvSpPr>
+          <p:cNvPr id="8" name="Textfeld 7">
+            <a:extLst>
+              <a:ext uri="{FF2B5EF4-FFF2-40B4-BE49-F238E27FC236}">
+                <a16:creationId xmlns:a16="http://schemas.microsoft.com/office/drawing/2014/main" id="{5F00BACF-9142-E0B5-F89C-55B34056B712}"/>
+              </a:ext>
+            </a:extLst>
+          </p:cNvPr>
+          <p:cNvSpPr txBox="1"/>
+          <p:nvPr/>
+        </p:nvSpPr>
+        <p:spPr>
+          <a:xfrm>
+            <a:off x="11105972" y="4945205"/>
+            <a:ext cx="442750" cy="369332"/>
+          </a:xfrm>
+          <a:prstGeom prst="rect">
+            <a:avLst/>
+          </a:prstGeom>
+          <a:noFill/>
+        </p:spPr>
+        <p:txBody>
+          <a:bodyPr wrap="none" rtlCol="0">
+            <a:spAutoFit/>
+          </a:bodyPr>
+          <a:lstStyle/>
+          <a:p>
+            <a:r>
+              <a:rPr lang="de-DE" dirty="0"/>
+              <a:t>[2]</a:t>
+            </a:r>
+            <a:endParaRPr lang="en-GB" dirty="0"/>
+          </a:p>
+        </p:txBody>
+      </p:sp>
     </p:spTree>
     <p:extLst>
       <p:ext uri="{BB962C8B-B14F-4D97-AF65-F5344CB8AC3E}">
@@ -13015,8 +13266,8 @@
           </p:nvSpPr>
           <p:spPr>
             <a:xfrm>
-              <a:off x="9593036" y="2367643"/>
-              <a:ext cx="2041071" cy="212271"/>
+              <a:off x="9593036" y="2217579"/>
+              <a:ext cx="2041071" cy="362336"/>
             </a:xfrm>
             <a:prstGeom prst="rect">
               <a:avLst/>
@@ -13123,8 +13374,8 @@
           </p:nvSpPr>
           <p:spPr>
             <a:xfrm>
-              <a:off x="9593035" y="5940344"/>
-              <a:ext cx="2041071" cy="212271"/>
+              <a:off x="9593035" y="5960087"/>
+              <a:ext cx="2041071" cy="192528"/>
             </a:xfrm>
             <a:prstGeom prst="rect">
               <a:avLst/>
@@ -13210,6 +13461,42 @@
           </a:p>
         </p:txBody>
       </p:sp>
+      <p:sp>
+        <p:nvSpPr>
+          <p:cNvPr id="7" name="Textfeld 6">
+            <a:extLst>
+              <a:ext uri="{FF2B5EF4-FFF2-40B4-BE49-F238E27FC236}">
+                <a16:creationId xmlns:a16="http://schemas.microsoft.com/office/drawing/2014/main" id="{768CB859-F0DB-9C36-564E-1209D4B6B381}"/>
+              </a:ext>
+            </a:extLst>
+          </p:cNvPr>
+          <p:cNvSpPr txBox="1"/>
+          <p:nvPr/>
+        </p:nvSpPr>
+        <p:spPr>
+          <a:xfrm>
+            <a:off x="11293888" y="5966311"/>
+            <a:ext cx="442750" cy="369332"/>
+          </a:xfrm>
+          <a:prstGeom prst="rect">
+            <a:avLst/>
+          </a:prstGeom>
+          <a:noFill/>
+        </p:spPr>
+        <p:txBody>
+          <a:bodyPr wrap="none" rtlCol="0">
+            <a:spAutoFit/>
+          </a:bodyPr>
+          <a:lstStyle/>
+          <a:p>
+            <a:r>
+              <a:rPr lang="de-DE" dirty="0"/>
+              <a:t>[4]</a:t>
+            </a:r>
+            <a:endParaRPr lang="en-GB" dirty="0"/>
+          </a:p>
+        </p:txBody>
+      </p:sp>
     </p:spTree>
     <p:extLst>
       <p:ext uri="{BB962C8B-B14F-4D97-AF65-F5344CB8AC3E}">
@@ -13729,6 +14016,42 @@
           </a:p>
         </p:txBody>
       </p:sp>
+      <p:sp>
+        <p:nvSpPr>
+          <p:cNvPr id="3" name="Textfeld 2">
+            <a:extLst>
+              <a:ext uri="{FF2B5EF4-FFF2-40B4-BE49-F238E27FC236}">
+                <a16:creationId xmlns:a16="http://schemas.microsoft.com/office/drawing/2014/main" id="{D595E8B3-FE37-11AE-B6F1-36C14F0076AD}"/>
+              </a:ext>
+            </a:extLst>
+          </p:cNvPr>
+          <p:cNvSpPr txBox="1"/>
+          <p:nvPr/>
+        </p:nvSpPr>
+        <p:spPr>
+          <a:xfrm>
+            <a:off x="10968513" y="5198710"/>
+            <a:ext cx="442750" cy="369332"/>
+          </a:xfrm>
+          <a:prstGeom prst="rect">
+            <a:avLst/>
+          </a:prstGeom>
+          <a:noFill/>
+        </p:spPr>
+        <p:txBody>
+          <a:bodyPr wrap="none" rtlCol="0">
+            <a:spAutoFit/>
+          </a:bodyPr>
+          <a:lstStyle/>
+          <a:p>
+            <a:r>
+              <a:rPr lang="de-DE" dirty="0"/>
+              <a:t>[4]</a:t>
+            </a:r>
+            <a:endParaRPr lang="en-GB" dirty="0"/>
+          </a:p>
+        </p:txBody>
+      </p:sp>
     </p:spTree>
     <p:extLst>
       <p:ext uri="{BB962C8B-B14F-4D97-AF65-F5344CB8AC3E}">
@@ -13781,8 +14104,12 @@
           <a:lstStyle/>
           <a:p>
             <a:r>
-              <a:rPr lang="de-DE" dirty="0"/>
-              <a:t>VAT-LM </a:t>
+              <a:rPr lang="de-DE" sz="5200" dirty="0"/>
+              <a:t>VAT-LM</a:t>
+            </a:r>
+            <a:r>
+              <a:rPr lang="de-DE" dirty="0"/>
+              <a:t> </a:t>
             </a:r>
             <a:r>
               <a:rPr lang="de-DE" sz="1600" dirty="0"/>
@@ -13822,8 +14149,56 @@
           <a:lstStyle/>
           <a:p>
             <a:r>
+              <a:rPr lang="en-US" b="1" dirty="0"/>
+              <a:t>V</a:t>
+            </a:r>
+            <a:r>
               <a:rPr lang="en-US" dirty="0"/>
-              <a:t>Learning paradigm</a:t>
+              <a:t>isual </a:t>
+            </a:r>
+            <a:r>
+              <a:rPr lang="en-US" b="1" dirty="0"/>
+              <a:t>A</a:t>
+            </a:r>
+            <a:r>
+              <a:rPr lang="en-US" dirty="0"/>
+              <a:t>udio </a:t>
+            </a:r>
+            <a:r>
+              <a:rPr lang="en-US" b="1" dirty="0"/>
+              <a:t>T</a:t>
+            </a:r>
+            <a:r>
+              <a:rPr lang="en-US" dirty="0"/>
+              <a:t>ext – </a:t>
+            </a:r>
+            <a:r>
+              <a:rPr lang="en-US" b="1" dirty="0"/>
+              <a:t>L</a:t>
+            </a:r>
+            <a:r>
+              <a:rPr lang="en-US" dirty="0"/>
+              <a:t>anguage </a:t>
+            </a:r>
+            <a:r>
+              <a:rPr lang="en-US" b="1" dirty="0"/>
+              <a:t>M</a:t>
+            </a:r>
+            <a:r>
+              <a:rPr lang="en-US" dirty="0"/>
+              <a:t>odel</a:t>
+            </a:r>
+          </a:p>
+          <a:p>
+            <a:r>
+              <a:rPr lang="en-US" dirty="0"/>
+              <a:t>Learn representation from all three channels</a:t>
+            </a:r>
+          </a:p>
+          <a:p>
+            <a:r>
+              <a:rPr lang="en-US" dirty="0"/>
+              <a:t>Generative approach: Masked prediction task</a:t>
             </a:r>
           </a:p>
         </p:txBody>
@@ -13931,6 +14306,14 @@
 <file path=ppt/slides/slide26.xml><?xml version="1.0" encoding="utf-8"?>
 <p:sld xmlns:a="http://schemas.openxmlformats.org/drawingml/2006/main" xmlns:r="http://schemas.openxmlformats.org/officeDocument/2006/relationships" xmlns:p="http://schemas.openxmlformats.org/presentationml/2006/main">
   <p:cSld>
+    <p:bg>
+      <p:bgPr>
+        <a:solidFill>
+          <a:schemeClr val="bg1"/>
+        </a:solidFill>
+        <a:effectLst/>
+      </p:bgPr>
+    </p:bg>
     <p:spTree>
       <p:nvGrpSpPr>
         <p:cNvPr id="1" name=""/>
@@ -13945,6 +14328,66 @@
           <a:chExt cx="0" cy="0"/>
         </a:xfrm>
       </p:grpSpPr>
+      <p:sp useBgFill="1">
+        <p:nvSpPr>
+          <p:cNvPr id="15" name="Rectangle 14">
+            <a:extLst>
+              <a:ext uri="{FF2B5EF4-FFF2-40B4-BE49-F238E27FC236}">
+                <a16:creationId xmlns:a16="http://schemas.microsoft.com/office/drawing/2014/main" id="{53F29798-D584-4792-9B62-3F5F5C36D619}"/>
+              </a:ext>
+              <a:ext uri="{C183D7F6-B498-43B3-948B-1728B52AA6E4}">
+                <adec:decorative xmlns:adec="http://schemas.microsoft.com/office/drawing/2017/decorative" val="1"/>
+              </a:ext>
+            </a:extLst>
+          </p:cNvPr>
+          <p:cNvSpPr>
+            <a:spLocks noGrp="1" noRot="1" noChangeAspect="1" noMove="1" noResize="1" noEditPoints="1" noAdjustHandles="1" noChangeArrowheads="1" noChangeShapeType="1" noTextEdit="1"/>
+          </p:cNvSpPr>
+          <p:nvPr>
+            <p:extLst>
+              <p:ext uri="{386F3935-93C4-4BCD-93E2-E3B085C9AB24}">
+                <p16:designElem xmlns:p16="http://schemas.microsoft.com/office/powerpoint/2015/main" val="1"/>
+              </p:ext>
+            </p:extLst>
+          </p:nvPr>
+        </p:nvSpPr>
+        <p:spPr>
+          <a:xfrm>
+            <a:off x="0" y="0"/>
+            <a:ext cx="12188952" cy="6858000"/>
+          </a:xfrm>
+          <a:prstGeom prst="rect">
+            <a:avLst/>
+          </a:prstGeom>
+          <a:ln>
+            <a:noFill/>
+          </a:ln>
+        </p:spPr>
+        <p:style>
+          <a:lnRef idx="2">
+            <a:schemeClr val="accent1">
+              <a:shade val="50000"/>
+            </a:schemeClr>
+          </a:lnRef>
+          <a:fillRef idx="1">
+            <a:schemeClr val="accent1"/>
+          </a:fillRef>
+          <a:effectRef idx="0">
+            <a:schemeClr val="accent1"/>
+          </a:effectRef>
+          <a:fontRef idx="minor">
+            <a:schemeClr val="lt1"/>
+          </a:fontRef>
+        </p:style>
+        <p:txBody>
+          <a:bodyPr rtlCol="0" anchor="ctr"/>
+          <a:lstStyle/>
+          <a:p>
+            <a:pPr algn="ctr"/>
+            <a:endParaRPr lang="en-US"/>
+          </a:p>
+        </p:txBody>
+      </p:sp>
       <p:sp>
         <p:nvSpPr>
           <p:cNvPr id="2" name="Titel 1">
@@ -13961,51 +14404,62 @@
             <p:ph type="title"/>
           </p:nvPr>
         </p:nvSpPr>
-        <p:spPr/>
-        <p:txBody>
-          <a:bodyPr/>
-          <a:lstStyle/>
-          <a:p>
-            <a:r>
-              <a:rPr lang="de-DE" dirty="0"/>
-              <a:t>Visual-Audio-Text LM</a:t>
-            </a:r>
-          </a:p>
-        </p:txBody>
-      </p:sp>
-      <p:sp>
-        <p:nvSpPr>
-          <p:cNvPr id="3" name="Inhaltsplatzhalter 2">
-            <a:extLst>
-              <a:ext uri="{FF2B5EF4-FFF2-40B4-BE49-F238E27FC236}">
-                <a16:creationId xmlns:a16="http://schemas.microsoft.com/office/drawing/2014/main" id="{C122DCDD-7E10-B6E4-9A57-42E9DB86B263}"/>
-              </a:ext>
-            </a:extLst>
-          </p:cNvPr>
-          <p:cNvSpPr>
-            <a:spLocks noGrp="1"/>
-          </p:cNvSpPr>
-          <p:nvPr>
-            <p:ph idx="1"/>
-          </p:nvPr>
-        </p:nvSpPr>
-        <p:spPr/>
-        <p:txBody>
-          <a:bodyPr/>
-          <a:lstStyle/>
-          <a:p>
-            <a:r>
-              <a:rPr lang="en-US" dirty="0"/>
-              <a:t>Results / compare to AV-</a:t>
-            </a:r>
-            <a:r>
-              <a:rPr lang="en-US" dirty="0" err="1"/>
-              <a:t>HuBERT</a:t>
-            </a:r>
-            <a:endParaRPr lang="en-US" dirty="0"/>
-          </a:p>
-        </p:txBody>
-      </p:sp>
+        <p:spPr>
+          <a:xfrm>
+            <a:off x="838200" y="184805"/>
+            <a:ext cx="10515600" cy="1505883"/>
+          </a:xfrm>
+        </p:spPr>
+        <p:txBody>
+          <a:bodyPr vert="horz" lIns="91440" tIns="45720" rIns="91440" bIns="45720" rtlCol="0" anchor="ctr">
+            <a:normAutofit/>
+          </a:bodyPr>
+          <a:lstStyle/>
+          <a:p>
+            <a:r>
+              <a:rPr lang="en-US" sz="5200" kern="1200" dirty="0">
+                <a:solidFill>
+                  <a:schemeClr val="tx1"/>
+                </a:solidFill>
+                <a:latin typeface="+mj-lt"/>
+                <a:ea typeface="+mj-ea"/>
+                <a:cs typeface="+mj-cs"/>
+              </a:rPr>
+              <a:t>VAT-LM - Architecture</a:t>
+            </a:r>
+          </a:p>
+        </p:txBody>
+      </p:sp>
+      <p:pic>
+        <p:nvPicPr>
+          <p:cNvPr id="10" name="Grafik 9">
+            <a:extLst>
+              <a:ext uri="{FF2B5EF4-FFF2-40B4-BE49-F238E27FC236}">
+                <a16:creationId xmlns:a16="http://schemas.microsoft.com/office/drawing/2014/main" id="{A056FD01-D452-B059-541E-F72F63F36567}"/>
+              </a:ext>
+            </a:extLst>
+          </p:cNvPr>
+          <p:cNvPicPr>
+            <a:picLocks noChangeAspect="1"/>
+          </p:cNvPicPr>
+          <p:nvPr/>
+        </p:nvPicPr>
+        <p:blipFill>
+          <a:blip r:embed="rId3"/>
+          <a:stretch>
+            <a:fillRect/>
+          </a:stretch>
+        </p:blipFill>
+        <p:spPr>
+          <a:xfrm>
+            <a:off x="838200" y="1690688"/>
+            <a:ext cx="10512547" cy="4257580"/>
+          </a:xfrm>
+          <a:prstGeom prst="rect">
+            <a:avLst/>
+          </a:prstGeom>
+        </p:spPr>
+      </p:pic>
       <p:sp>
         <p:nvSpPr>
           <p:cNvPr id="4" name="Datumsplatzhalter 3">
@@ -14022,16 +14476,27 @@
             <p:ph type="dt" sz="half" idx="10"/>
           </p:nvPr>
         </p:nvSpPr>
-        <p:spPr/>
-        <p:txBody>
-          <a:bodyPr/>
-          <a:lstStyle/>
-          <a:p>
-            <a:r>
-              <a:rPr lang="de-DE"/>
+        <p:spPr>
+          <a:xfrm>
+            <a:off x="838200" y="6356350"/>
+            <a:ext cx="2743200" cy="365125"/>
+          </a:xfrm>
+        </p:spPr>
+        <p:txBody>
+          <a:bodyPr vert="horz" lIns="91440" tIns="45720" rIns="91440" bIns="45720" rtlCol="0" anchor="ctr">
+            <a:normAutofit/>
+          </a:bodyPr>
+          <a:lstStyle/>
+          <a:p>
+            <a:pPr>
+              <a:spcAft>
+                <a:spcPts val="600"/>
+              </a:spcAft>
+            </a:pPr>
+            <a:r>
+              <a:rPr lang="en-US"/>
               <a:t>05.12.2023</a:t>
             </a:r>
-            <a:endParaRPr lang="de-DE" dirty="0"/>
           </a:p>
         </p:txBody>
       </p:sp>
@@ -14051,16 +14516,36 @@
             <p:ph type="ftr" sz="quarter" idx="11"/>
           </p:nvPr>
         </p:nvSpPr>
-        <p:spPr/>
-        <p:txBody>
-          <a:bodyPr/>
-          <a:lstStyle/>
-          <a:p>
-            <a:r>
-              <a:rPr lang="en-US"/>
+        <p:spPr>
+          <a:xfrm>
+            <a:off x="4038600" y="6356350"/>
+            <a:ext cx="4114800" cy="365125"/>
+          </a:xfrm>
+        </p:spPr>
+        <p:txBody>
+          <a:bodyPr vert="horz" lIns="91440" tIns="45720" rIns="91440" bIns="45720" rtlCol="0" anchor="ctr">
+            <a:normAutofit/>
+          </a:bodyPr>
+          <a:lstStyle/>
+          <a:p>
+            <a:pPr>
+              <a:spcAft>
+                <a:spcPts val="600"/>
+              </a:spcAft>
+            </a:pPr>
+            <a:r>
+              <a:rPr lang="en-US" kern="1200">
+                <a:solidFill>
+                  <a:schemeClr val="tx1">
+                    <a:tint val="75000"/>
+                  </a:schemeClr>
+                </a:solidFill>
+                <a:latin typeface="+mn-lt"/>
+                <a:ea typeface="+mn-ea"/>
+                <a:cs typeface="+mn-cs"/>
+              </a:rPr>
               <a:t>Multi-modal Speech Representation Learning</a:t>
             </a:r>
-            <a:endParaRPr lang="de-DE" dirty="0"/>
           </a:p>
         </p:txBody>
       </p:sp>
@@ -14080,23 +14565,76 @@
             <p:ph type="sldNum" sz="quarter" idx="12"/>
           </p:nvPr>
         </p:nvSpPr>
-        <p:spPr/>
-        <p:txBody>
-          <a:bodyPr/>
-          <a:lstStyle/>
-          <a:p>
+        <p:spPr>
+          <a:xfrm>
+            <a:off x="8610600" y="6356350"/>
+            <a:ext cx="2743200" cy="365125"/>
+          </a:xfrm>
+        </p:spPr>
+        <p:txBody>
+          <a:bodyPr vert="horz" lIns="91440" tIns="45720" rIns="91440" bIns="45720" rtlCol="0" anchor="ctr">
+            <a:normAutofit/>
+          </a:bodyPr>
+          <a:lstStyle/>
+          <a:p>
+            <a:pPr>
+              <a:spcAft>
+                <a:spcPts val="600"/>
+              </a:spcAft>
+            </a:pPr>
             <a:fld id="{4589C08E-11F1-4614-AD94-2F79D605AB8D}" type="slidenum">
-              <a:rPr lang="de-DE" smtClean="0"/>
+              <a:rPr lang="en-US" smtClean="0"/>
+              <a:pPr>
+                <a:spcAft>
+                  <a:spcPts val="600"/>
+                </a:spcAft>
+              </a:pPr>
               <a:t>26</a:t>
             </a:fld>
-            <a:endParaRPr lang="de-DE" dirty="0"/>
+            <a:endParaRPr lang="en-US"/>
+          </a:p>
+        </p:txBody>
+      </p:sp>
+      <p:sp>
+        <p:nvSpPr>
+          <p:cNvPr id="13" name="Textfeld 12">
+            <a:extLst>
+              <a:ext uri="{FF2B5EF4-FFF2-40B4-BE49-F238E27FC236}">
+                <a16:creationId xmlns:a16="http://schemas.microsoft.com/office/drawing/2014/main" id="{281F8A23-467D-9A51-4B57-074A7BA14108}"/>
+              </a:ext>
+            </a:extLst>
+          </p:cNvPr>
+          <p:cNvSpPr txBox="1"/>
+          <p:nvPr/>
+        </p:nvSpPr>
+        <p:spPr>
+          <a:xfrm>
+            <a:off x="10909524" y="5647199"/>
+            <a:ext cx="442750" cy="369332"/>
+          </a:xfrm>
+          <a:prstGeom prst="rect">
+            <a:avLst/>
+          </a:prstGeom>
+          <a:noFill/>
+        </p:spPr>
+        <p:txBody>
+          <a:bodyPr wrap="none" rtlCol="0">
+            <a:spAutoFit/>
+          </a:bodyPr>
+          <a:lstStyle/>
+          <a:p>
+            <a:r>
+              <a:rPr lang="de-DE" dirty="0"/>
+              <a:t>[3]</a:t>
+            </a:r>
+            <a:endParaRPr lang="en-GB" dirty="0"/>
           </a:p>
         </p:txBody>
       </p:sp>
     </p:spTree>
     <p:extLst>
       <p:ext uri="{BB962C8B-B14F-4D97-AF65-F5344CB8AC3E}">
-        <p14:creationId xmlns:p14="http://schemas.microsoft.com/office/powerpoint/2010/main" val="1781512618"/>
+        <p14:creationId xmlns:p14="http://schemas.microsoft.com/office/powerpoint/2010/main" val="3708628645"/>
       </p:ext>
     </p:extLst>
   </p:cSld>
@@ -14128,7 +14666,7 @@
           <p:cNvPr id="2" name="Titel 1">
             <a:extLst>
               <a:ext uri="{FF2B5EF4-FFF2-40B4-BE49-F238E27FC236}">
-                <a16:creationId xmlns:a16="http://schemas.microsoft.com/office/drawing/2014/main" id="{A5AA884D-9FF9-ADE1-DD18-42738AA778F6}"/>
+                <a16:creationId xmlns:a16="http://schemas.microsoft.com/office/drawing/2014/main" id="{358629DF-DE7D-BAA9-F837-194F89F9BC96}"/>
               </a:ext>
             </a:extLst>
           </p:cNvPr>
@@ -14146,44 +14684,8 @@
           <a:p>
             <a:r>
               <a:rPr lang="de-DE" dirty="0"/>
-              <a:t>Challenges / </a:t>
-            </a:r>
-            <a:r>
-              <a:rPr lang="de-DE" dirty="0" err="1"/>
-              <a:t>Prospects</a:t>
-            </a:r>
-            <a:endParaRPr lang="de-DE" dirty="0"/>
-          </a:p>
-        </p:txBody>
-      </p:sp>
-      <p:sp>
-        <p:nvSpPr>
-          <p:cNvPr id="3" name="Inhaltsplatzhalter 2">
-            <a:extLst>
-              <a:ext uri="{FF2B5EF4-FFF2-40B4-BE49-F238E27FC236}">
-                <a16:creationId xmlns:a16="http://schemas.microsoft.com/office/drawing/2014/main" id="{3B2AF2DA-0C13-2231-5223-79DCFDDF93CD}"/>
-              </a:ext>
-            </a:extLst>
-          </p:cNvPr>
-          <p:cNvSpPr>
-            <a:spLocks noGrp="1"/>
-          </p:cNvSpPr>
-          <p:nvPr>
-            <p:ph idx="1"/>
-          </p:nvPr>
-        </p:nvSpPr>
-        <p:spPr/>
-        <p:txBody>
-          <a:bodyPr/>
-          <a:lstStyle/>
-          <a:p>
-            <a:r>
-              <a:rPr lang="en-US"/>
-              <a:t>(Multi-modal) Speech Representation Learning is heavily researched field</a:t>
-            </a:r>
-          </a:p>
-          <a:p>
-            <a:endParaRPr lang="en-US" dirty="0"/>
+              <a:t>VAT-LM - Training</a:t>
+            </a:r>
           </a:p>
         </p:txBody>
       </p:sp>
@@ -14192,7 +14694,7 @@
           <p:cNvPr id="4" name="Datumsplatzhalter 3">
             <a:extLst>
               <a:ext uri="{FF2B5EF4-FFF2-40B4-BE49-F238E27FC236}">
-                <a16:creationId xmlns:a16="http://schemas.microsoft.com/office/drawing/2014/main" id="{D634373F-6B03-7938-9148-0CE7A4B01FEB}"/>
+                <a16:creationId xmlns:a16="http://schemas.microsoft.com/office/drawing/2014/main" id="{AA2DFAA3-D144-50A0-9C58-AB2639736D8E}"/>
               </a:ext>
             </a:extLst>
           </p:cNvPr>
@@ -14221,7 +14723,7 @@
           <p:cNvPr id="5" name="Fußzeilenplatzhalter 4">
             <a:extLst>
               <a:ext uri="{FF2B5EF4-FFF2-40B4-BE49-F238E27FC236}">
-                <a16:creationId xmlns:a16="http://schemas.microsoft.com/office/drawing/2014/main" id="{034C8994-9B21-3CAF-B2C8-F4005BBEF94E}"/>
+                <a16:creationId xmlns:a16="http://schemas.microsoft.com/office/drawing/2014/main" id="{02D8580E-0F61-BDDB-77CC-E4F419C5A7D2}"/>
               </a:ext>
             </a:extLst>
           </p:cNvPr>
@@ -14250,7 +14752,7 @@
           <p:cNvPr id="6" name="Foliennummernplatzhalter 5">
             <a:extLst>
               <a:ext uri="{FF2B5EF4-FFF2-40B4-BE49-F238E27FC236}">
-                <a16:creationId xmlns:a16="http://schemas.microsoft.com/office/drawing/2014/main" id="{AED1C7AE-4D69-C023-148D-6CE0CF086ED4}"/>
+                <a16:creationId xmlns:a16="http://schemas.microsoft.com/office/drawing/2014/main" id="{5F851B5D-42CC-F4ED-FF52-3115D318058A}"/>
               </a:ext>
             </a:extLst>
           </p:cNvPr>
@@ -14274,10 +14776,230 @@
           </a:p>
         </p:txBody>
       </p:sp>
+      <p:sp>
+        <p:nvSpPr>
+          <p:cNvPr id="8" name="Inhaltsplatzhalter 7">
+            <a:extLst>
+              <a:ext uri="{FF2B5EF4-FFF2-40B4-BE49-F238E27FC236}">
+                <a16:creationId xmlns:a16="http://schemas.microsoft.com/office/drawing/2014/main" id="{CE09D830-85A1-1E56-1A4D-44EB1A8427E6}"/>
+              </a:ext>
+            </a:extLst>
+          </p:cNvPr>
+          <p:cNvSpPr>
+            <a:spLocks noGrp="1"/>
+          </p:cNvSpPr>
+          <p:nvPr>
+            <p:ph idx="1"/>
+          </p:nvPr>
+        </p:nvSpPr>
+        <p:spPr/>
+        <p:txBody>
+          <a:bodyPr/>
+          <a:lstStyle/>
+          <a:p>
+            <a:r>
+              <a:rPr lang="de-DE" dirty="0"/>
+              <a:t>Targets: </a:t>
+            </a:r>
+            <a:r>
+              <a:rPr lang="de-DE" dirty="0" err="1"/>
+              <a:t>Pre-trained</a:t>
+            </a:r>
+            <a:r>
+              <a:rPr lang="de-DE" dirty="0"/>
+              <a:t> AV-</a:t>
+            </a:r>
+            <a:r>
+              <a:rPr lang="de-DE" dirty="0" err="1"/>
+              <a:t>HuBERT</a:t>
+            </a:r>
+            <a:r>
+              <a:rPr lang="de-DE" dirty="0"/>
+              <a:t> </a:t>
+            </a:r>
+            <a:r>
+              <a:rPr lang="de-DE" dirty="0" err="1"/>
+              <a:t>clusters</a:t>
+            </a:r>
+            <a:endParaRPr lang="de-DE" dirty="0"/>
+          </a:p>
+          <a:p>
+            <a:pPr lvl="1"/>
+            <a:r>
+              <a:rPr lang="de-DE" dirty="0"/>
+              <a:t>Audio-text </a:t>
+            </a:r>
+            <a:r>
+              <a:rPr lang="de-DE" dirty="0" err="1"/>
+              <a:t>data</a:t>
+            </a:r>
+            <a:r>
+              <a:rPr lang="de-DE" dirty="0"/>
+              <a:t>: </a:t>
+            </a:r>
+            <a:r>
+              <a:rPr lang="de-DE" dirty="0" err="1"/>
+              <a:t>text</a:t>
+            </a:r>
+            <a:r>
+              <a:rPr lang="de-DE" dirty="0"/>
+              <a:t> </a:t>
+            </a:r>
+            <a:r>
+              <a:rPr lang="de-DE" dirty="0" err="1"/>
+              <a:t>omitted</a:t>
+            </a:r>
+            <a:endParaRPr lang="de-DE" dirty="0"/>
+          </a:p>
+          <a:p>
+            <a:pPr lvl="1"/>
+            <a:r>
+              <a:rPr lang="de-DE" dirty="0"/>
+              <a:t>Text-</a:t>
+            </a:r>
+            <a:r>
+              <a:rPr lang="de-DE" dirty="0" err="1"/>
+              <a:t>only</a:t>
+            </a:r>
+            <a:r>
+              <a:rPr lang="de-DE" dirty="0"/>
+              <a:t> </a:t>
+            </a:r>
+            <a:r>
+              <a:rPr lang="de-DE" dirty="0" err="1"/>
+              <a:t>data</a:t>
+            </a:r>
+            <a:r>
+              <a:rPr lang="de-DE" dirty="0"/>
+              <a:t>: phoneme2unit </a:t>
+            </a:r>
+            <a:r>
+              <a:rPr lang="de-DE" dirty="0" err="1"/>
+              <a:t>model</a:t>
+            </a:r>
+            <a:r>
+              <a:rPr lang="de-DE" dirty="0"/>
+              <a:t> </a:t>
+            </a:r>
+            <a:r>
+              <a:rPr lang="de-DE" dirty="0" err="1"/>
+              <a:t>with</a:t>
+            </a:r>
+            <a:r>
+              <a:rPr lang="de-DE" dirty="0"/>
+              <a:t> </a:t>
+            </a:r>
+            <a:r>
+              <a:rPr lang="de-DE" dirty="0" err="1"/>
+              <a:t>pre</a:t>
+            </a:r>
+            <a:r>
+              <a:rPr lang="de-DE" dirty="0"/>
+              <a:t>-training on </a:t>
+            </a:r>
+            <a:r>
+              <a:rPr lang="de-DE" dirty="0" err="1"/>
+              <a:t>labeled</a:t>
+            </a:r>
+            <a:r>
+              <a:rPr lang="de-DE" dirty="0"/>
+              <a:t> text-audio </a:t>
+            </a:r>
+            <a:r>
+              <a:rPr lang="de-DE" dirty="0" err="1"/>
+              <a:t>data</a:t>
+            </a:r>
+            <a:endParaRPr lang="de-DE" dirty="0"/>
+          </a:p>
+          <a:p>
+            <a:r>
+              <a:rPr lang="de-DE" dirty="0"/>
+              <a:t>Feature </a:t>
+            </a:r>
+            <a:r>
+              <a:rPr lang="de-DE" dirty="0" err="1"/>
+              <a:t>extraction</a:t>
+            </a:r>
+            <a:endParaRPr lang="de-DE" dirty="0"/>
+          </a:p>
+          <a:p>
+            <a:pPr lvl="1"/>
+            <a:r>
+              <a:rPr lang="de-DE" dirty="0"/>
+              <a:t>ResNet-18</a:t>
+            </a:r>
+          </a:p>
+          <a:p>
+            <a:pPr lvl="1"/>
+            <a:r>
+              <a:rPr lang="de-DE" dirty="0"/>
+              <a:t>Linear </a:t>
+            </a:r>
+            <a:r>
+              <a:rPr lang="de-DE" dirty="0" err="1"/>
+              <a:t>projection</a:t>
+            </a:r>
+            <a:r>
+              <a:rPr lang="de-DE" dirty="0"/>
+              <a:t> </a:t>
+            </a:r>
+            <a:r>
+              <a:rPr lang="de-DE" dirty="0" err="1"/>
+              <a:t>layer</a:t>
+            </a:r>
+            <a:r>
+              <a:rPr lang="de-DE" dirty="0"/>
+              <a:t> (</a:t>
+            </a:r>
+            <a:r>
+              <a:rPr lang="de-DE" dirty="0" err="1"/>
+              <a:t>audio</a:t>
+            </a:r>
+            <a:r>
+              <a:rPr lang="de-DE" dirty="0"/>
+              <a:t>)</a:t>
+            </a:r>
+          </a:p>
+          <a:p>
+            <a:pPr lvl="1"/>
+            <a:r>
+              <a:rPr lang="en-GB" dirty="0"/>
+              <a:t>Embedding layer (text)</a:t>
+            </a:r>
+          </a:p>
+          <a:p>
+            <a:r>
+              <a:rPr lang="en-GB" dirty="0"/>
+              <a:t>12-layer and 24-layer transformer for base and large model</a:t>
+            </a:r>
+          </a:p>
+          <a:p>
+            <a:pPr lvl="1"/>
+            <a:r>
+              <a:rPr lang="en-GB" dirty="0"/>
+              <a:t>Roughly same #parameters as AV-</a:t>
+            </a:r>
+            <a:r>
+              <a:rPr lang="en-GB" dirty="0" err="1"/>
+              <a:t>HuBERT</a:t>
+            </a:r>
+            <a:r>
+              <a:rPr lang="en-GB" dirty="0"/>
+              <a:t> (107M and 332M)</a:t>
+            </a:r>
+          </a:p>
+          <a:p>
+            <a:endParaRPr lang="en-GB" dirty="0"/>
+          </a:p>
+          <a:p>
+            <a:endParaRPr lang="en-GB" dirty="0"/>
+          </a:p>
+        </p:txBody>
+      </p:sp>
     </p:spTree>
     <p:extLst>
       <p:ext uri="{BB962C8B-B14F-4D97-AF65-F5344CB8AC3E}">
-        <p14:creationId xmlns:p14="http://schemas.microsoft.com/office/powerpoint/2010/main" val="3187350724"/>
+        <p14:creationId xmlns:p14="http://schemas.microsoft.com/office/powerpoint/2010/main" val="2770567741"/>
       </p:ext>
     </p:extLst>
   </p:cSld>
@@ -14288,6 +15010,869 @@
 </file>
 
 <file path=ppt/slides/slide28.xml><?xml version="1.0" encoding="utf-8"?>
+<p:sld xmlns:a="http://schemas.openxmlformats.org/drawingml/2006/main" xmlns:r="http://schemas.openxmlformats.org/officeDocument/2006/relationships" xmlns:p="http://schemas.openxmlformats.org/presentationml/2006/main">
+  <p:cSld>
+    <p:bg>
+      <p:bgPr>
+        <a:solidFill>
+          <a:schemeClr val="bg1"/>
+        </a:solidFill>
+        <a:effectLst/>
+      </p:bgPr>
+    </p:bg>
+    <p:spTree>
+      <p:nvGrpSpPr>
+        <p:cNvPr id="1" name=""/>
+        <p:cNvGrpSpPr/>
+        <p:nvPr/>
+      </p:nvGrpSpPr>
+      <p:grpSpPr>
+        <a:xfrm>
+          <a:off x="0" y="0"/>
+          <a:ext cx="0" cy="0"/>
+          <a:chOff x="0" y="0"/>
+          <a:chExt cx="0" cy="0"/>
+        </a:xfrm>
+      </p:grpSpPr>
+      <p:sp useBgFill="1">
+        <p:nvSpPr>
+          <p:cNvPr id="15" name="Rectangle 14">
+            <a:extLst>
+              <a:ext uri="{FF2B5EF4-FFF2-40B4-BE49-F238E27FC236}">
+                <a16:creationId xmlns:a16="http://schemas.microsoft.com/office/drawing/2014/main" id="{665DBBEF-238B-476B-96AB-8AAC3224ECEA}"/>
+              </a:ext>
+              <a:ext uri="{C183D7F6-B498-43B3-948B-1728B52AA6E4}">
+                <adec:decorative xmlns:adec="http://schemas.microsoft.com/office/drawing/2017/decorative" val="1"/>
+              </a:ext>
+            </a:extLst>
+          </p:cNvPr>
+          <p:cNvSpPr>
+            <a:spLocks noGrp="1" noRot="1" noChangeAspect="1" noMove="1" noResize="1" noEditPoints="1" noAdjustHandles="1" noChangeArrowheads="1" noChangeShapeType="1" noTextEdit="1"/>
+          </p:cNvSpPr>
+          <p:nvPr>
+            <p:extLst>
+              <p:ext uri="{386F3935-93C4-4BCD-93E2-E3B085C9AB24}">
+                <p16:designElem xmlns:p16="http://schemas.microsoft.com/office/powerpoint/2015/main" val="1"/>
+              </p:ext>
+            </p:extLst>
+          </p:nvPr>
+        </p:nvSpPr>
+        <p:spPr>
+          <a:xfrm>
+            <a:off x="0" y="0"/>
+            <a:ext cx="12192000" cy="6858000"/>
+          </a:xfrm>
+          <a:prstGeom prst="rect">
+            <a:avLst/>
+          </a:prstGeom>
+          <a:ln>
+            <a:noFill/>
+          </a:ln>
+        </p:spPr>
+        <p:style>
+          <a:lnRef idx="2">
+            <a:schemeClr val="accent1">
+              <a:shade val="50000"/>
+            </a:schemeClr>
+          </a:lnRef>
+          <a:fillRef idx="1">
+            <a:schemeClr val="accent1"/>
+          </a:fillRef>
+          <a:effectRef idx="0">
+            <a:schemeClr val="accent1"/>
+          </a:effectRef>
+          <a:fontRef idx="minor">
+            <a:schemeClr val="lt1"/>
+          </a:fontRef>
+        </p:style>
+        <p:txBody>
+          <a:bodyPr rtlCol="0" anchor="ctr"/>
+          <a:lstStyle/>
+          <a:p>
+            <a:pPr algn="ctr"/>
+            <a:endParaRPr lang="en-US"/>
+          </a:p>
+        </p:txBody>
+      </p:sp>
+      <p:sp>
+        <p:nvSpPr>
+          <p:cNvPr id="2" name="Titel 1">
+            <a:extLst>
+              <a:ext uri="{FF2B5EF4-FFF2-40B4-BE49-F238E27FC236}">
+                <a16:creationId xmlns:a16="http://schemas.microsoft.com/office/drawing/2014/main" id="{50D04423-9DD4-F6BA-2DC9-5D0829C9B98C}"/>
+              </a:ext>
+            </a:extLst>
+          </p:cNvPr>
+          <p:cNvSpPr>
+            <a:spLocks noGrp="1"/>
+          </p:cNvSpPr>
+          <p:nvPr>
+            <p:ph type="title"/>
+          </p:nvPr>
+        </p:nvSpPr>
+        <p:spPr>
+          <a:xfrm>
+            <a:off x="638882" y="639193"/>
+            <a:ext cx="3571810" cy="3573516"/>
+          </a:xfrm>
+        </p:spPr>
+        <p:txBody>
+          <a:bodyPr vert="horz" lIns="91440" tIns="45720" rIns="91440" bIns="45720" rtlCol="0" anchor="b">
+            <a:normAutofit/>
+          </a:bodyPr>
+          <a:lstStyle/>
+          <a:p>
+            <a:r>
+              <a:rPr lang="en-US" sz="5100" kern="1200" dirty="0">
+                <a:solidFill>
+                  <a:schemeClr val="tx1"/>
+                </a:solidFill>
+                <a:latin typeface="+mj-lt"/>
+                <a:ea typeface="+mj-ea"/>
+                <a:cs typeface="+mj-cs"/>
+              </a:rPr>
+              <a:t>VAT-LM</a:t>
+            </a:r>
+            <a:br>
+              <a:rPr lang="en-US" sz="5100" kern="1200" dirty="0">
+                <a:solidFill>
+                  <a:schemeClr val="tx1"/>
+                </a:solidFill>
+                <a:latin typeface="+mj-lt"/>
+                <a:ea typeface="+mj-ea"/>
+                <a:cs typeface="+mj-cs"/>
+              </a:rPr>
+            </a:br>
+            <a:r>
+              <a:rPr lang="en-US" sz="3200" dirty="0"/>
+              <a:t>(A</a:t>
+            </a:r>
+            <a:r>
+              <a:rPr lang="en-US" sz="3200" kern="1200" dirty="0">
+                <a:solidFill>
+                  <a:schemeClr val="tx1"/>
+                </a:solidFill>
+                <a:latin typeface="+mj-lt"/>
+                <a:ea typeface="+mj-ea"/>
+                <a:cs typeface="+mj-cs"/>
+              </a:rPr>
+              <a:t>)VSR Performance</a:t>
+            </a:r>
+            <a:endParaRPr lang="en-US" sz="5100" kern="1200" dirty="0">
+              <a:solidFill>
+                <a:schemeClr val="tx1"/>
+              </a:solidFill>
+              <a:latin typeface="+mj-lt"/>
+              <a:ea typeface="+mj-ea"/>
+              <a:cs typeface="+mj-cs"/>
+            </a:endParaRPr>
+          </a:p>
+        </p:txBody>
+      </p:sp>
+      <p:sp>
+        <p:nvSpPr>
+          <p:cNvPr id="17" name="sketch line">
+            <a:extLst>
+              <a:ext uri="{FF2B5EF4-FFF2-40B4-BE49-F238E27FC236}">
+                <a16:creationId xmlns:a16="http://schemas.microsoft.com/office/drawing/2014/main" id="{3FCFB1DE-0B7E-48CC-BA90-B2AB0889F9D6}"/>
+              </a:ext>
+              <a:ext uri="{C183D7F6-B498-43B3-948B-1728B52AA6E4}">
+                <adec:decorative xmlns:adec="http://schemas.microsoft.com/office/drawing/2017/decorative" val="1"/>
+              </a:ext>
+            </a:extLst>
+          </p:cNvPr>
+          <p:cNvSpPr>
+            <a:spLocks noGrp="1" noRot="1" noChangeAspect="1" noMove="1" noResize="1" noEditPoints="1" noAdjustHandles="1" noChangeArrowheads="1" noChangeShapeType="1" noTextEdit="1"/>
+          </p:cNvSpPr>
+          <p:nvPr>
+            <p:extLst>
+              <p:ext uri="{386F3935-93C4-4BCD-93E2-E3B085C9AB24}">
+                <p16:designElem xmlns:p16="http://schemas.microsoft.com/office/powerpoint/2015/main" val="1"/>
+              </p:ext>
+            </p:extLst>
+          </p:nvPr>
+        </p:nvSpPr>
+        <p:spPr>
+          <a:xfrm>
+            <a:off x="643278" y="4409267"/>
+            <a:ext cx="3255095" cy="18288"/>
+          </a:xfrm>
+          <a:custGeom>
+            <a:avLst/>
+            <a:gdLst>
+              <a:gd name="connsiteX0" fmla="*/ 0 w 3255095"/>
+              <a:gd name="connsiteY0" fmla="*/ 0 h 18288"/>
+              <a:gd name="connsiteX1" fmla="*/ 618468 w 3255095"/>
+              <a:gd name="connsiteY1" fmla="*/ 0 h 18288"/>
+              <a:gd name="connsiteX2" fmla="*/ 1269487 w 3255095"/>
+              <a:gd name="connsiteY2" fmla="*/ 0 h 18288"/>
+              <a:gd name="connsiteX3" fmla="*/ 1953057 w 3255095"/>
+              <a:gd name="connsiteY3" fmla="*/ 0 h 18288"/>
+              <a:gd name="connsiteX4" fmla="*/ 2636627 w 3255095"/>
+              <a:gd name="connsiteY4" fmla="*/ 0 h 18288"/>
+              <a:gd name="connsiteX5" fmla="*/ 3255095 w 3255095"/>
+              <a:gd name="connsiteY5" fmla="*/ 0 h 18288"/>
+              <a:gd name="connsiteX6" fmla="*/ 3255095 w 3255095"/>
+              <a:gd name="connsiteY6" fmla="*/ 18288 h 18288"/>
+              <a:gd name="connsiteX7" fmla="*/ 2538974 w 3255095"/>
+              <a:gd name="connsiteY7" fmla="*/ 18288 h 18288"/>
+              <a:gd name="connsiteX8" fmla="*/ 1822853 w 3255095"/>
+              <a:gd name="connsiteY8" fmla="*/ 18288 h 18288"/>
+              <a:gd name="connsiteX9" fmla="*/ 1171834 w 3255095"/>
+              <a:gd name="connsiteY9" fmla="*/ 18288 h 18288"/>
+              <a:gd name="connsiteX10" fmla="*/ 0 w 3255095"/>
+              <a:gd name="connsiteY10" fmla="*/ 18288 h 18288"/>
+              <a:gd name="connsiteX11" fmla="*/ 0 w 3255095"/>
+              <a:gd name="connsiteY11" fmla="*/ 0 h 18288"/>
+            </a:gdLst>
+            <a:ahLst/>
+            <a:cxnLst>
+              <a:cxn ang="0">
+                <a:pos x="connsiteX0" y="connsiteY0"/>
+              </a:cxn>
+              <a:cxn ang="0">
+                <a:pos x="connsiteX1" y="connsiteY1"/>
+              </a:cxn>
+              <a:cxn ang="0">
+                <a:pos x="connsiteX2" y="connsiteY2"/>
+              </a:cxn>
+              <a:cxn ang="0">
+                <a:pos x="connsiteX3" y="connsiteY3"/>
+              </a:cxn>
+              <a:cxn ang="0">
+                <a:pos x="connsiteX4" y="connsiteY4"/>
+              </a:cxn>
+              <a:cxn ang="0">
+                <a:pos x="connsiteX5" y="connsiteY5"/>
+              </a:cxn>
+              <a:cxn ang="0">
+                <a:pos x="connsiteX6" y="connsiteY6"/>
+              </a:cxn>
+              <a:cxn ang="0">
+                <a:pos x="connsiteX7" y="connsiteY7"/>
+              </a:cxn>
+              <a:cxn ang="0">
+                <a:pos x="connsiteX8" y="connsiteY8"/>
+              </a:cxn>
+              <a:cxn ang="0">
+                <a:pos x="connsiteX9" y="connsiteY9"/>
+              </a:cxn>
+              <a:cxn ang="0">
+                <a:pos x="connsiteX10" y="connsiteY10"/>
+              </a:cxn>
+              <a:cxn ang="0">
+                <a:pos x="connsiteX11" y="connsiteY11"/>
+              </a:cxn>
+            </a:cxnLst>
+            <a:rect l="l" t="t" r="r" b="b"/>
+            <a:pathLst>
+              <a:path w="3255095" h="18288" fill="none" extrusionOk="0">
+                <a:moveTo>
+                  <a:pt x="0" y="0"/>
+                </a:moveTo>
+                <a:cubicBezTo>
+                  <a:pt x="240201" y="-22123"/>
+                  <a:pt x="462021" y="-19623"/>
+                  <a:pt x="618468" y="0"/>
+                </a:cubicBezTo>
+                <a:cubicBezTo>
+                  <a:pt x="774915" y="19623"/>
+                  <a:pt x="974734" y="2035"/>
+                  <a:pt x="1269487" y="0"/>
+                </a:cubicBezTo>
+                <a:cubicBezTo>
+                  <a:pt x="1564240" y="-2035"/>
+                  <a:pt x="1733579" y="10639"/>
+                  <a:pt x="1953057" y="0"/>
+                </a:cubicBezTo>
+                <a:cubicBezTo>
+                  <a:pt x="2172535" y="-10639"/>
+                  <a:pt x="2453962" y="14018"/>
+                  <a:pt x="2636627" y="0"/>
+                </a:cubicBezTo>
+                <a:cubicBezTo>
+                  <a:pt x="2819292" y="-14018"/>
+                  <a:pt x="3121375" y="5399"/>
+                  <a:pt x="3255095" y="0"/>
+                </a:cubicBezTo>
+                <a:cubicBezTo>
+                  <a:pt x="3254386" y="8157"/>
+                  <a:pt x="3254682" y="12125"/>
+                  <a:pt x="3255095" y="18288"/>
+                </a:cubicBezTo>
+                <a:cubicBezTo>
+                  <a:pt x="3088545" y="23203"/>
+                  <a:pt x="2687475" y="7419"/>
+                  <a:pt x="2538974" y="18288"/>
+                </a:cubicBezTo>
+                <a:cubicBezTo>
+                  <a:pt x="2390473" y="29157"/>
+                  <a:pt x="2137381" y="-8959"/>
+                  <a:pt x="1822853" y="18288"/>
+                </a:cubicBezTo>
+                <a:cubicBezTo>
+                  <a:pt x="1508325" y="45535"/>
+                  <a:pt x="1466437" y="20385"/>
+                  <a:pt x="1171834" y="18288"/>
+                </a:cubicBezTo>
+                <a:cubicBezTo>
+                  <a:pt x="877231" y="16191"/>
+                  <a:pt x="561097" y="37643"/>
+                  <a:pt x="0" y="18288"/>
+                </a:cubicBezTo>
+                <a:cubicBezTo>
+                  <a:pt x="-46" y="12483"/>
+                  <a:pt x="-203" y="6491"/>
+                  <a:pt x="0" y="0"/>
+                </a:cubicBezTo>
+                <a:close/>
+              </a:path>
+              <a:path w="3255095" h="18288" stroke="0" extrusionOk="0">
+                <a:moveTo>
+                  <a:pt x="0" y="0"/>
+                </a:moveTo>
+                <a:cubicBezTo>
+                  <a:pt x="291965" y="19429"/>
+                  <a:pt x="363155" y="8568"/>
+                  <a:pt x="618468" y="0"/>
+                </a:cubicBezTo>
+                <a:cubicBezTo>
+                  <a:pt x="873781" y="-8568"/>
+                  <a:pt x="904459" y="-19505"/>
+                  <a:pt x="1171834" y="0"/>
+                </a:cubicBezTo>
+                <a:cubicBezTo>
+                  <a:pt x="1439209" y="19505"/>
+                  <a:pt x="1744369" y="9790"/>
+                  <a:pt x="1887955" y="0"/>
+                </a:cubicBezTo>
+                <a:cubicBezTo>
+                  <a:pt x="2031541" y="-9790"/>
+                  <a:pt x="2346378" y="21240"/>
+                  <a:pt x="2506423" y="0"/>
+                </a:cubicBezTo>
+                <a:cubicBezTo>
+                  <a:pt x="2666468" y="-21240"/>
+                  <a:pt x="2990257" y="30414"/>
+                  <a:pt x="3255095" y="0"/>
+                </a:cubicBezTo>
+                <a:cubicBezTo>
+                  <a:pt x="3254831" y="4493"/>
+                  <a:pt x="3255479" y="9472"/>
+                  <a:pt x="3255095" y="18288"/>
+                </a:cubicBezTo>
+                <a:cubicBezTo>
+                  <a:pt x="3120743" y="16690"/>
+                  <a:pt x="2759628" y="42462"/>
+                  <a:pt x="2604076" y="18288"/>
+                </a:cubicBezTo>
+                <a:cubicBezTo>
+                  <a:pt x="2448524" y="-5886"/>
+                  <a:pt x="2184336" y="19599"/>
+                  <a:pt x="1887955" y="18288"/>
+                </a:cubicBezTo>
+                <a:cubicBezTo>
+                  <a:pt x="1591574" y="16977"/>
+                  <a:pt x="1548845" y="6870"/>
+                  <a:pt x="1334589" y="18288"/>
+                </a:cubicBezTo>
+                <a:cubicBezTo>
+                  <a:pt x="1120333" y="29706"/>
+                  <a:pt x="996014" y="9662"/>
+                  <a:pt x="683570" y="18288"/>
+                </a:cubicBezTo>
+                <a:cubicBezTo>
+                  <a:pt x="371126" y="26914"/>
+                  <a:pt x="198687" y="16167"/>
+                  <a:pt x="0" y="18288"/>
+                </a:cubicBezTo>
+                <a:cubicBezTo>
+                  <a:pt x="843" y="9577"/>
+                  <a:pt x="371" y="6900"/>
+                  <a:pt x="0" y="0"/>
+                </a:cubicBezTo>
+                <a:close/>
+              </a:path>
+            </a:pathLst>
+          </a:custGeom>
+          <a:solidFill>
+            <a:schemeClr val="accent2"/>
+          </a:solidFill>
+          <a:ln w="38100" cap="rnd">
+            <a:solidFill>
+              <a:schemeClr val="accent2"/>
+            </a:solidFill>
+            <a:round/>
+            <a:extLst>
+              <a:ext uri="{C807C97D-BFC1-408E-A445-0C87EB9F89A2}">
+                <ask:lineSketchStyleProps xmlns:ask="http://schemas.microsoft.com/office/drawing/2018/sketchyshapes" sd="1219033472">
+                  <a:prstGeom prst="rect">
+                    <a:avLst/>
+                  </a:prstGeom>
+                  <ask:type>
+                    <ask:lineSketchFreehand/>
+                  </ask:type>
+                </ask:lineSketchStyleProps>
+              </a:ext>
+            </a:extLst>
+          </a:ln>
+        </p:spPr>
+        <p:style>
+          <a:lnRef idx="2">
+            <a:schemeClr val="accent1">
+              <a:shade val="50000"/>
+            </a:schemeClr>
+          </a:lnRef>
+          <a:fillRef idx="1">
+            <a:schemeClr val="accent1"/>
+          </a:fillRef>
+          <a:effectRef idx="0">
+            <a:schemeClr val="accent1"/>
+          </a:effectRef>
+          <a:fontRef idx="minor">
+            <a:schemeClr val="lt1"/>
+          </a:fontRef>
+        </p:style>
+        <p:txBody>
+          <a:bodyPr rtlCol="0" anchor="ctr"/>
+          <a:lstStyle/>
+          <a:p>
+            <a:pPr algn="ctr"/>
+            <a:endParaRPr lang="en-US"/>
+          </a:p>
+        </p:txBody>
+      </p:sp>
+      <p:pic>
+        <p:nvPicPr>
+          <p:cNvPr id="10" name="Grafik 9">
+            <a:extLst>
+              <a:ext uri="{FF2B5EF4-FFF2-40B4-BE49-F238E27FC236}">
+                <a16:creationId xmlns:a16="http://schemas.microsoft.com/office/drawing/2014/main" id="{6A948907-C58E-2D9A-4ADB-860591FC1E39}"/>
+              </a:ext>
+            </a:extLst>
+          </p:cNvPr>
+          <p:cNvPicPr>
+            <a:picLocks noChangeAspect="1"/>
+          </p:cNvPicPr>
+          <p:nvPr/>
+        </p:nvPicPr>
+        <p:blipFill>
+          <a:blip r:embed="rId3"/>
+          <a:stretch>
+            <a:fillRect/>
+          </a:stretch>
+        </p:blipFill>
+        <p:spPr>
+          <a:xfrm>
+            <a:off x="4654296" y="1214827"/>
+            <a:ext cx="7214616" cy="4400914"/>
+          </a:xfrm>
+          <a:prstGeom prst="rect">
+            <a:avLst/>
+          </a:prstGeom>
+        </p:spPr>
+      </p:pic>
+      <p:sp>
+        <p:nvSpPr>
+          <p:cNvPr id="4" name="Datumsplatzhalter 3">
+            <a:extLst>
+              <a:ext uri="{FF2B5EF4-FFF2-40B4-BE49-F238E27FC236}">
+                <a16:creationId xmlns:a16="http://schemas.microsoft.com/office/drawing/2014/main" id="{0EFF3519-5645-AC9C-2AC3-70C6A68E499D}"/>
+              </a:ext>
+            </a:extLst>
+          </p:cNvPr>
+          <p:cNvSpPr>
+            <a:spLocks noGrp="1"/>
+          </p:cNvSpPr>
+          <p:nvPr>
+            <p:ph type="dt" sz="half" idx="10"/>
+          </p:nvPr>
+        </p:nvSpPr>
+        <p:spPr>
+          <a:xfrm>
+            <a:off x="838200" y="6356350"/>
+            <a:ext cx="2743200" cy="365125"/>
+          </a:xfrm>
+        </p:spPr>
+        <p:txBody>
+          <a:bodyPr vert="horz" lIns="91440" tIns="45720" rIns="91440" bIns="45720" rtlCol="0" anchor="ctr">
+            <a:normAutofit/>
+          </a:bodyPr>
+          <a:lstStyle/>
+          <a:p>
+            <a:pPr>
+              <a:spcAft>
+                <a:spcPts val="600"/>
+              </a:spcAft>
+            </a:pPr>
+            <a:r>
+              <a:rPr lang="en-US"/>
+              <a:t>05.12.2023</a:t>
+            </a:r>
+          </a:p>
+        </p:txBody>
+      </p:sp>
+      <p:sp>
+        <p:nvSpPr>
+          <p:cNvPr id="5" name="Fußzeilenplatzhalter 4">
+            <a:extLst>
+              <a:ext uri="{FF2B5EF4-FFF2-40B4-BE49-F238E27FC236}">
+                <a16:creationId xmlns:a16="http://schemas.microsoft.com/office/drawing/2014/main" id="{BF312A83-83AC-9C68-95FC-E7A6D59D3BB4}"/>
+              </a:ext>
+            </a:extLst>
+          </p:cNvPr>
+          <p:cNvSpPr>
+            <a:spLocks noGrp="1"/>
+          </p:cNvSpPr>
+          <p:nvPr>
+            <p:ph type="ftr" sz="quarter" idx="11"/>
+          </p:nvPr>
+        </p:nvSpPr>
+        <p:spPr>
+          <a:xfrm>
+            <a:off x="4038600" y="6356350"/>
+            <a:ext cx="4114800" cy="365125"/>
+          </a:xfrm>
+        </p:spPr>
+        <p:txBody>
+          <a:bodyPr vert="horz" lIns="91440" tIns="45720" rIns="91440" bIns="45720" rtlCol="0" anchor="ctr">
+            <a:normAutofit/>
+          </a:bodyPr>
+          <a:lstStyle/>
+          <a:p>
+            <a:pPr>
+              <a:spcAft>
+                <a:spcPts val="600"/>
+              </a:spcAft>
+            </a:pPr>
+            <a:r>
+              <a:rPr lang="en-US" kern="1200" dirty="0">
+                <a:solidFill>
+                  <a:schemeClr val="tx1">
+                    <a:tint val="75000"/>
+                  </a:schemeClr>
+                </a:solidFill>
+                <a:latin typeface="+mn-lt"/>
+                <a:ea typeface="+mn-ea"/>
+                <a:cs typeface="+mn-cs"/>
+              </a:rPr>
+              <a:t>Multi-modal Speech Representation Learning</a:t>
+            </a:r>
+          </a:p>
+        </p:txBody>
+      </p:sp>
+      <p:sp>
+        <p:nvSpPr>
+          <p:cNvPr id="6" name="Foliennummernplatzhalter 5">
+            <a:extLst>
+              <a:ext uri="{FF2B5EF4-FFF2-40B4-BE49-F238E27FC236}">
+                <a16:creationId xmlns:a16="http://schemas.microsoft.com/office/drawing/2014/main" id="{E525FE09-F039-617D-9C2B-891727A4B0B4}"/>
+              </a:ext>
+            </a:extLst>
+          </p:cNvPr>
+          <p:cNvSpPr>
+            <a:spLocks noGrp="1"/>
+          </p:cNvSpPr>
+          <p:nvPr>
+            <p:ph type="sldNum" sz="quarter" idx="12"/>
+          </p:nvPr>
+        </p:nvSpPr>
+        <p:spPr>
+          <a:xfrm>
+            <a:off x="8610600" y="6356350"/>
+            <a:ext cx="2743200" cy="365125"/>
+          </a:xfrm>
+        </p:spPr>
+        <p:txBody>
+          <a:bodyPr vert="horz" lIns="91440" tIns="45720" rIns="91440" bIns="45720" rtlCol="0" anchor="ctr">
+            <a:normAutofit/>
+          </a:bodyPr>
+          <a:lstStyle/>
+          <a:p>
+            <a:pPr>
+              <a:spcAft>
+                <a:spcPts val="600"/>
+              </a:spcAft>
+            </a:pPr>
+            <a:fld id="{4589C08E-11F1-4614-AD94-2F79D605AB8D}" type="slidenum">
+              <a:rPr lang="en-US" smtClean="0"/>
+              <a:pPr>
+                <a:spcAft>
+                  <a:spcPts val="600"/>
+                </a:spcAft>
+              </a:pPr>
+              <a:t>28</a:t>
+            </a:fld>
+            <a:endParaRPr lang="en-US"/>
+          </a:p>
+        </p:txBody>
+      </p:sp>
+      <p:sp>
+        <p:nvSpPr>
+          <p:cNvPr id="11" name="Textfeld 10">
+            <a:extLst>
+              <a:ext uri="{FF2B5EF4-FFF2-40B4-BE49-F238E27FC236}">
+                <a16:creationId xmlns:a16="http://schemas.microsoft.com/office/drawing/2014/main" id="{29903BE6-72D9-A417-300E-4360A3263479}"/>
+              </a:ext>
+            </a:extLst>
+          </p:cNvPr>
+          <p:cNvSpPr txBox="1"/>
+          <p:nvPr/>
+        </p:nvSpPr>
+        <p:spPr>
+          <a:xfrm>
+            <a:off x="11426162" y="5615741"/>
+            <a:ext cx="442750" cy="369332"/>
+          </a:xfrm>
+          <a:prstGeom prst="rect">
+            <a:avLst/>
+          </a:prstGeom>
+          <a:noFill/>
+        </p:spPr>
+        <p:txBody>
+          <a:bodyPr wrap="none" rtlCol="0">
+            <a:spAutoFit/>
+          </a:bodyPr>
+          <a:lstStyle/>
+          <a:p>
+            <a:r>
+              <a:rPr lang="de-DE" dirty="0"/>
+              <a:t>[3]</a:t>
+            </a:r>
+            <a:endParaRPr lang="en-GB" dirty="0"/>
+          </a:p>
+        </p:txBody>
+      </p:sp>
+      <p:sp>
+        <p:nvSpPr>
+          <p:cNvPr id="12" name="Rechteck 11">
+            <a:extLst>
+              <a:ext uri="{FF2B5EF4-FFF2-40B4-BE49-F238E27FC236}">
+                <a16:creationId xmlns:a16="http://schemas.microsoft.com/office/drawing/2014/main" id="{A82BB4FE-29A0-E007-94C2-BB2F552C11EB}"/>
+              </a:ext>
+            </a:extLst>
+          </p:cNvPr>
+          <p:cNvSpPr/>
+          <p:nvPr/>
+        </p:nvSpPr>
+        <p:spPr>
+          <a:xfrm>
+            <a:off x="11401425" y="5178425"/>
+            <a:ext cx="269875" cy="254000"/>
+          </a:xfrm>
+          <a:prstGeom prst="rect">
+            <a:avLst/>
+          </a:prstGeom>
+          <a:noFill/>
+          <a:ln w="28575" cap="flat" cmpd="sng" algn="ctr">
+            <a:solidFill>
+              <a:srgbClr val="FF0000"/>
+            </a:solidFill>
+            <a:prstDash val="solid"/>
+            <a:round/>
+            <a:headEnd type="none" w="med" len="med"/>
+            <a:tailEnd type="none" w="med" len="med"/>
+          </a:ln>
+        </p:spPr>
+        <p:style>
+          <a:lnRef idx="0">
+            <a:scrgbClr r="0" g="0" b="0"/>
+          </a:lnRef>
+          <a:fillRef idx="0">
+            <a:scrgbClr r="0" g="0" b="0"/>
+          </a:fillRef>
+          <a:effectRef idx="0">
+            <a:scrgbClr r="0" g="0" b="0"/>
+          </a:effectRef>
+          <a:fontRef idx="minor">
+            <a:schemeClr val="accent2"/>
+          </a:fontRef>
+        </p:style>
+        <p:txBody>
+          <a:bodyPr rtlCol="0" anchor="ctr"/>
+          <a:lstStyle/>
+          <a:p>
+            <a:pPr algn="ctr"/>
+            <a:endParaRPr lang="en-GB"/>
+          </a:p>
+        </p:txBody>
+      </p:sp>
+      <p:sp>
+        <p:nvSpPr>
+          <p:cNvPr id="13" name="Rechteck 12">
+            <a:extLst>
+              <a:ext uri="{FF2B5EF4-FFF2-40B4-BE49-F238E27FC236}">
+                <a16:creationId xmlns:a16="http://schemas.microsoft.com/office/drawing/2014/main" id="{7D3B7469-ED8F-A456-BE4A-5D0DADF58A0C}"/>
+              </a:ext>
+            </a:extLst>
+          </p:cNvPr>
+          <p:cNvSpPr/>
+          <p:nvPr/>
+        </p:nvSpPr>
+        <p:spPr>
+          <a:xfrm>
+            <a:off x="11401425" y="4282267"/>
+            <a:ext cx="269875" cy="254000"/>
+          </a:xfrm>
+          <a:prstGeom prst="rect">
+            <a:avLst/>
+          </a:prstGeom>
+          <a:noFill/>
+          <a:ln w="28575" cap="flat" cmpd="sng" algn="ctr">
+            <a:solidFill>
+              <a:srgbClr val="FF0000"/>
+            </a:solidFill>
+            <a:prstDash val="solid"/>
+            <a:round/>
+            <a:headEnd type="none" w="med" len="med"/>
+            <a:tailEnd type="none" w="med" len="med"/>
+          </a:ln>
+        </p:spPr>
+        <p:style>
+          <a:lnRef idx="0">
+            <a:scrgbClr r="0" g="0" b="0"/>
+          </a:lnRef>
+          <a:fillRef idx="0">
+            <a:scrgbClr r="0" g="0" b="0"/>
+          </a:fillRef>
+          <a:effectRef idx="0">
+            <a:scrgbClr r="0" g="0" b="0"/>
+          </a:effectRef>
+          <a:fontRef idx="minor">
+            <a:schemeClr val="accent2"/>
+          </a:fontRef>
+        </p:style>
+        <p:txBody>
+          <a:bodyPr rtlCol="0" anchor="ctr"/>
+          <a:lstStyle/>
+          <a:p>
+            <a:pPr algn="ctr"/>
+            <a:endParaRPr lang="en-GB"/>
+          </a:p>
+        </p:txBody>
+      </p:sp>
+      <p:sp>
+        <p:nvSpPr>
+          <p:cNvPr id="14" name="Rechteck 13">
+            <a:extLst>
+              <a:ext uri="{FF2B5EF4-FFF2-40B4-BE49-F238E27FC236}">
+                <a16:creationId xmlns:a16="http://schemas.microsoft.com/office/drawing/2014/main" id="{990BA4C7-BEE5-655F-F79F-F4BF522A03E1}"/>
+              </a:ext>
+            </a:extLst>
+          </p:cNvPr>
+          <p:cNvSpPr/>
+          <p:nvPr/>
+        </p:nvSpPr>
+        <p:spPr>
+          <a:xfrm>
+            <a:off x="10728325" y="4924425"/>
+            <a:ext cx="269875" cy="254000"/>
+          </a:xfrm>
+          <a:prstGeom prst="rect">
+            <a:avLst/>
+          </a:prstGeom>
+          <a:noFill/>
+          <a:ln w="28575" cap="flat" cmpd="sng" algn="ctr">
+            <a:solidFill>
+              <a:srgbClr val="FF0000"/>
+            </a:solidFill>
+            <a:prstDash val="solid"/>
+            <a:round/>
+            <a:headEnd type="none" w="med" len="med"/>
+            <a:tailEnd type="none" w="med" len="med"/>
+          </a:ln>
+        </p:spPr>
+        <p:style>
+          <a:lnRef idx="0">
+            <a:scrgbClr r="0" g="0" b="0"/>
+          </a:lnRef>
+          <a:fillRef idx="0">
+            <a:scrgbClr r="0" g="0" b="0"/>
+          </a:fillRef>
+          <a:effectRef idx="0">
+            <a:scrgbClr r="0" g="0" b="0"/>
+          </a:effectRef>
+          <a:fontRef idx="minor">
+            <a:schemeClr val="accent2"/>
+          </a:fontRef>
+        </p:style>
+        <p:txBody>
+          <a:bodyPr rtlCol="0" anchor="ctr"/>
+          <a:lstStyle/>
+          <a:p>
+            <a:pPr algn="ctr"/>
+            <a:endParaRPr lang="en-GB"/>
+          </a:p>
+        </p:txBody>
+      </p:sp>
+      <p:sp>
+        <p:nvSpPr>
+          <p:cNvPr id="18" name="Rechteck 17">
+            <a:extLst>
+              <a:ext uri="{FF2B5EF4-FFF2-40B4-BE49-F238E27FC236}">
+                <a16:creationId xmlns:a16="http://schemas.microsoft.com/office/drawing/2014/main" id="{9EC5EDFF-8CCE-CA1E-5464-F3A79611A753}"/>
+              </a:ext>
+            </a:extLst>
+          </p:cNvPr>
+          <p:cNvSpPr/>
+          <p:nvPr/>
+        </p:nvSpPr>
+        <p:spPr>
+          <a:xfrm>
+            <a:off x="10721975" y="4028267"/>
+            <a:ext cx="269875" cy="254000"/>
+          </a:xfrm>
+          <a:prstGeom prst="rect">
+            <a:avLst/>
+          </a:prstGeom>
+          <a:noFill/>
+          <a:ln w="28575" cap="flat" cmpd="sng" algn="ctr">
+            <a:solidFill>
+              <a:srgbClr val="FF0000"/>
+            </a:solidFill>
+            <a:prstDash val="solid"/>
+            <a:round/>
+            <a:headEnd type="none" w="med" len="med"/>
+            <a:tailEnd type="none" w="med" len="med"/>
+          </a:ln>
+        </p:spPr>
+        <p:style>
+          <a:lnRef idx="0">
+            <a:scrgbClr r="0" g="0" b="0"/>
+          </a:lnRef>
+          <a:fillRef idx="0">
+            <a:scrgbClr r="0" g="0" b="0"/>
+          </a:fillRef>
+          <a:effectRef idx="0">
+            <a:scrgbClr r="0" g="0" b="0"/>
+          </a:effectRef>
+          <a:fontRef idx="minor">
+            <a:schemeClr val="accent2"/>
+          </a:fontRef>
+        </p:style>
+        <p:txBody>
+          <a:bodyPr rtlCol="0" anchor="ctr"/>
+          <a:lstStyle/>
+          <a:p>
+            <a:pPr algn="ctr"/>
+            <a:endParaRPr lang="en-GB"/>
+          </a:p>
+        </p:txBody>
+      </p:sp>
+    </p:spTree>
+    <p:extLst>
+      <p:ext uri="{BB962C8B-B14F-4D97-AF65-F5344CB8AC3E}">
+        <p14:creationId xmlns:p14="http://schemas.microsoft.com/office/powerpoint/2010/main" val="271953946"/>
+      </p:ext>
+    </p:extLst>
+  </p:cSld>
+  <p:clrMapOvr>
+    <a:masterClrMapping/>
+  </p:clrMapOvr>
+</p:sld>
+</file>
+
+<file path=ppt/slides/slide29.xml><?xml version="1.0" encoding="utf-8"?>
 <p:sld xmlns:a="http://schemas.openxmlformats.org/drawingml/2006/main" xmlns:r="http://schemas.openxmlformats.org/officeDocument/2006/relationships" xmlns:p="http://schemas.openxmlformats.org/presentationml/2006/main">
   <p:cSld>
     <p:spTree>
@@ -14306,10 +15891,43 @@
       </p:grpSpPr>
       <p:sp>
         <p:nvSpPr>
+          <p:cNvPr id="2" name="Titel 1">
+            <a:extLst>
+              <a:ext uri="{FF2B5EF4-FFF2-40B4-BE49-F238E27FC236}">
+                <a16:creationId xmlns:a16="http://schemas.microsoft.com/office/drawing/2014/main" id="{A5AA884D-9FF9-ADE1-DD18-42738AA778F6}"/>
+              </a:ext>
+            </a:extLst>
+          </p:cNvPr>
+          <p:cNvSpPr>
+            <a:spLocks noGrp="1"/>
+          </p:cNvSpPr>
+          <p:nvPr>
+            <p:ph type="title"/>
+          </p:nvPr>
+        </p:nvSpPr>
+        <p:spPr/>
+        <p:txBody>
+          <a:bodyPr/>
+          <a:lstStyle/>
+          <a:p>
+            <a:r>
+              <a:rPr lang="de-DE" dirty="0"/>
+              <a:t>Challenges / </a:t>
+            </a:r>
+            <a:r>
+              <a:rPr lang="de-DE" dirty="0" err="1"/>
+              <a:t>Prospects</a:t>
+            </a:r>
+            <a:endParaRPr lang="de-DE" dirty="0"/>
+          </a:p>
+        </p:txBody>
+      </p:sp>
+      <p:sp>
+        <p:nvSpPr>
           <p:cNvPr id="3" name="Inhaltsplatzhalter 2">
             <a:extLst>
               <a:ext uri="{FF2B5EF4-FFF2-40B4-BE49-F238E27FC236}">
-                <a16:creationId xmlns:a16="http://schemas.microsoft.com/office/drawing/2014/main" id="{DA58E8C4-24E6-5730-F68A-FA8C6C5C5E5E}"/>
+                <a16:creationId xmlns:a16="http://schemas.microsoft.com/office/drawing/2014/main" id="{3B2AF2DA-0C13-2231-5223-79DCFDDF93CD}"/>
               </a:ext>
             </a:extLst>
           </p:cNvPr>
@@ -14320,340 +15938,27 @@
             <p:ph idx="1"/>
           </p:nvPr>
         </p:nvSpPr>
-        <p:spPr>
-          <a:xfrm>
-            <a:off x="838200" y="589547"/>
-            <a:ext cx="10515600" cy="5587416"/>
-          </a:xfrm>
-        </p:spPr>
-        <p:txBody>
-          <a:bodyPr>
-            <a:normAutofit fontScale="92500" lnSpcReduction="20000"/>
-          </a:bodyPr>
-          <a:lstStyle/>
-          <a:p>
-            <a:pPr marL="0" indent="0">
-              <a:buNone/>
-            </a:pPr>
-            <a:r>
-              <a:rPr lang="en-US" sz="2800" dirty="0">
-                <a:solidFill>
-                  <a:schemeClr val="bg2">
-                    <a:lumMod val="50000"/>
-                  </a:schemeClr>
-                </a:solidFill>
-                <a:effectLst/>
-              </a:rPr>
-              <a:t>Sources</a:t>
-            </a:r>
-          </a:p>
-          <a:p>
-            <a:pPr marL="0" indent="0">
-              <a:buNone/>
-            </a:pPr>
-            <a:r>
-              <a:rPr lang="en-US" sz="2800" dirty="0">
-                <a:solidFill>
-                  <a:schemeClr val="bg2">
-                    <a:lumMod val="50000"/>
-                  </a:schemeClr>
-                </a:solidFill>
-                <a:effectLst/>
-              </a:rPr>
-              <a:t>[1] Mohamed, Abdelrahman, et al. "Self-supervised speech representation learning: A review." IEEE Journal of Selected Topics in Signal Processing (2022).</a:t>
-            </a:r>
-          </a:p>
-          <a:p>
-            <a:pPr marL="0" indent="0">
-              <a:buNone/>
-            </a:pPr>
-            <a:r>
-              <a:rPr lang="en-US" sz="2800" dirty="0">
-                <a:solidFill>
-                  <a:schemeClr val="bg2">
-                    <a:lumMod val="50000"/>
-                  </a:schemeClr>
-                </a:solidFill>
-                <a:effectLst/>
-              </a:rPr>
-              <a:t>[2] Ao, </a:t>
-            </a:r>
-            <a:r>
-              <a:rPr lang="en-US" sz="2800" dirty="0" err="1">
-                <a:solidFill>
-                  <a:schemeClr val="bg2">
-                    <a:lumMod val="50000"/>
-                  </a:schemeClr>
-                </a:solidFill>
-                <a:effectLst/>
-              </a:rPr>
-              <a:t>Junyi</a:t>
-            </a:r>
-            <a:r>
-              <a:rPr lang="en-US" sz="2800" dirty="0">
-                <a:solidFill>
-                  <a:schemeClr val="bg2">
-                    <a:lumMod val="50000"/>
-                  </a:schemeClr>
-                </a:solidFill>
-                <a:effectLst/>
-              </a:rPr>
-              <a:t>, et al. "SpeechT5: Unified-modal encoder-decoder pre-training for spoken language processing." ACL (2022).</a:t>
-            </a:r>
-          </a:p>
-          <a:p>
-            <a:pPr marL="0" indent="0">
-              <a:buNone/>
-            </a:pPr>
-            <a:r>
-              <a:rPr lang="en-US" sz="2800" dirty="0">
-                <a:solidFill>
-                  <a:schemeClr val="bg2">
-                    <a:lumMod val="50000"/>
-                  </a:schemeClr>
-                </a:solidFill>
-                <a:effectLst/>
-              </a:rPr>
-              <a:t>[3] Zhu, </a:t>
-            </a:r>
-            <a:r>
-              <a:rPr lang="en-US" sz="2800" dirty="0" err="1">
-                <a:solidFill>
-                  <a:schemeClr val="bg2">
-                    <a:lumMod val="50000"/>
-                  </a:schemeClr>
-                </a:solidFill>
-                <a:effectLst/>
-              </a:rPr>
-              <a:t>Qiushi</a:t>
-            </a:r>
-            <a:r>
-              <a:rPr lang="en-US" sz="2800" dirty="0">
-                <a:solidFill>
-                  <a:schemeClr val="bg2">
-                    <a:lumMod val="50000"/>
-                  </a:schemeClr>
-                </a:solidFill>
-                <a:effectLst/>
-              </a:rPr>
-              <a:t>, et al. "</a:t>
-            </a:r>
-            <a:r>
-              <a:rPr lang="en-US" sz="2800" dirty="0" err="1">
-                <a:solidFill>
-                  <a:schemeClr val="bg2">
-                    <a:lumMod val="50000"/>
-                  </a:schemeClr>
-                </a:solidFill>
-                <a:effectLst/>
-              </a:rPr>
-              <a:t>Vatlm</a:t>
-            </a:r>
-            <a:r>
-              <a:rPr lang="en-US" sz="2800" dirty="0">
-                <a:solidFill>
-                  <a:schemeClr val="bg2">
-                    <a:lumMod val="50000"/>
-                  </a:schemeClr>
-                </a:solidFill>
-                <a:effectLst/>
-              </a:rPr>
-              <a:t>: Visual-audio-text pre-training with unified masked prediction for speech representation learning." IEEE Transactions on Multimedia (2023).</a:t>
-            </a:r>
-          </a:p>
-          <a:p>
-            <a:pPr marL="0" indent="0">
-              <a:buNone/>
-            </a:pPr>
-            <a:r>
-              <a:rPr lang="en-US" sz="2800" dirty="0">
-                <a:solidFill>
-                  <a:schemeClr val="bg2">
-                    <a:lumMod val="50000"/>
-                  </a:schemeClr>
-                </a:solidFill>
-                <a:effectLst/>
-              </a:rPr>
-              <a:t>[4] Shi, Bowen, et al. "Learning audio-visual speech representation by masked multimodal cluster prediction." ICLR (2022).</a:t>
-            </a:r>
-          </a:p>
-          <a:p>
-            <a:pPr marL="0" indent="0">
-              <a:buNone/>
-            </a:pPr>
-            <a:r>
-              <a:rPr lang="en-US" dirty="0">
-                <a:solidFill>
-                  <a:schemeClr val="bg2">
-                    <a:lumMod val="50000"/>
-                  </a:schemeClr>
-                </a:solidFill>
-              </a:rPr>
-              <a:t>[5] Vassil </a:t>
-            </a:r>
-            <a:r>
-              <a:rPr lang="en-US" dirty="0" err="1">
-                <a:solidFill>
-                  <a:schemeClr val="bg2">
-                    <a:lumMod val="50000"/>
-                  </a:schemeClr>
-                </a:solidFill>
-              </a:rPr>
-              <a:t>Panayotov</a:t>
-            </a:r>
-            <a:r>
-              <a:rPr lang="en-US" dirty="0">
-                <a:solidFill>
-                  <a:schemeClr val="bg2">
-                    <a:lumMod val="50000"/>
-                  </a:schemeClr>
-                </a:solidFill>
-              </a:rPr>
-              <a:t>, </a:t>
-            </a:r>
-            <a:r>
-              <a:rPr lang="en-US" dirty="0" err="1">
-                <a:solidFill>
-                  <a:schemeClr val="bg2">
-                    <a:lumMod val="50000"/>
-                  </a:schemeClr>
-                </a:solidFill>
-              </a:rPr>
-              <a:t>Guoguo</a:t>
-            </a:r>
-            <a:r>
-              <a:rPr lang="en-US" dirty="0">
-                <a:solidFill>
-                  <a:schemeClr val="bg2">
-                    <a:lumMod val="50000"/>
-                  </a:schemeClr>
-                </a:solidFill>
-              </a:rPr>
-              <a:t> Chen, Daniel Povey, and Sanjeev </a:t>
-            </a:r>
-            <a:r>
-              <a:rPr lang="en-US" dirty="0" err="1">
-                <a:solidFill>
-                  <a:schemeClr val="bg2">
-                    <a:lumMod val="50000"/>
-                  </a:schemeClr>
-                </a:solidFill>
-              </a:rPr>
-              <a:t>Khudanpur</a:t>
-            </a:r>
-            <a:r>
-              <a:rPr lang="en-US" dirty="0">
-                <a:solidFill>
-                  <a:schemeClr val="bg2">
-                    <a:lumMod val="50000"/>
-                  </a:schemeClr>
-                </a:solidFill>
-              </a:rPr>
-              <a:t>. 2015. </a:t>
-            </a:r>
-            <a:r>
-              <a:rPr lang="en-US" dirty="0" err="1">
-                <a:solidFill>
-                  <a:schemeClr val="bg2">
-                    <a:lumMod val="50000"/>
-                  </a:schemeClr>
-                </a:solidFill>
-              </a:rPr>
-              <a:t>Librispeech</a:t>
-            </a:r>
-            <a:r>
-              <a:rPr lang="en-US" dirty="0">
-                <a:solidFill>
-                  <a:schemeClr val="bg2">
-                    <a:lumMod val="50000"/>
-                  </a:schemeClr>
-                </a:solidFill>
-              </a:rPr>
-              <a:t>: an </a:t>
-            </a:r>
-            <a:r>
-              <a:rPr lang="en-US" dirty="0" err="1">
-                <a:solidFill>
-                  <a:schemeClr val="bg2">
-                    <a:lumMod val="50000"/>
-                  </a:schemeClr>
-                </a:solidFill>
-              </a:rPr>
-              <a:t>asr</a:t>
-            </a:r>
-            <a:r>
-              <a:rPr lang="en-US" dirty="0">
-                <a:solidFill>
-                  <a:schemeClr val="bg2">
-                    <a:lumMod val="50000"/>
-                  </a:schemeClr>
-                </a:solidFill>
-              </a:rPr>
-              <a:t> corpus based on public domain audio books. In Proceedings of the 2015 IEEE International Conference on Acoustics, Speech and Signal Processing, pages 5206–5210. IEEE.</a:t>
-            </a:r>
-          </a:p>
-          <a:p>
-            <a:pPr marL="0" indent="0">
-              <a:buNone/>
-            </a:pPr>
-            <a:r>
-              <a:rPr lang="en-US" sz="2800" dirty="0">
-                <a:solidFill>
-                  <a:schemeClr val="bg2">
-                    <a:lumMod val="50000"/>
-                  </a:schemeClr>
-                </a:solidFill>
-                <a:effectLst/>
-              </a:rPr>
-              <a:t>[6] </a:t>
-            </a:r>
-            <a:r>
-              <a:rPr lang="en-US" sz="2800" dirty="0" err="1">
-                <a:solidFill>
-                  <a:schemeClr val="bg2">
-                    <a:lumMod val="50000"/>
-                  </a:schemeClr>
-                </a:solidFill>
-                <a:effectLst/>
-              </a:rPr>
-              <a:t>Triantafyllos</a:t>
-            </a:r>
-            <a:r>
-              <a:rPr lang="en-US" sz="2800" dirty="0">
-                <a:solidFill>
-                  <a:schemeClr val="bg2">
-                    <a:lumMod val="50000"/>
-                  </a:schemeClr>
-                </a:solidFill>
-                <a:effectLst/>
-              </a:rPr>
-              <a:t> </a:t>
-            </a:r>
-            <a:r>
-              <a:rPr lang="en-US" sz="2800" dirty="0" err="1">
-                <a:solidFill>
-                  <a:schemeClr val="bg2">
-                    <a:lumMod val="50000"/>
-                  </a:schemeClr>
-                </a:solidFill>
-                <a:effectLst/>
-              </a:rPr>
-              <a:t>Afouras</a:t>
-            </a:r>
-            <a:r>
-              <a:rPr lang="en-US" sz="2800" dirty="0">
-                <a:solidFill>
-                  <a:schemeClr val="bg2">
-                    <a:lumMod val="50000"/>
-                  </a:schemeClr>
-                </a:solidFill>
-                <a:effectLst/>
-              </a:rPr>
-              <a:t>, Joon Son Chung, and Andrew Zisserman. LRS3-TED: a large-scale dataset for visual speech recognition, 2018b. arXiv:1809.00496.</a:t>
-            </a:r>
-          </a:p>
-          <a:p>
-            <a:endParaRPr lang="en-US" dirty="0"/>
+        <p:spPr/>
+        <p:txBody>
+          <a:bodyPr/>
+          <a:lstStyle/>
+          <a:p>
+            <a:r>
+              <a:rPr lang="en-US" dirty="0"/>
+              <a:t>Multi-modal speech representations improves downstream performance in many tasks</a:t>
+            </a:r>
+          </a:p>
+          <a:p>
+            <a:r>
+              <a:rPr lang="en-US" dirty="0"/>
+              <a:t>Requires less labeled data than single-mode  [4]</a:t>
+            </a:r>
+          </a:p>
+          <a:p>
+            <a:r>
+              <a:rPr lang="en-US" dirty="0"/>
+              <a:t>Visual Speech Recognition task is still challenging</a:t>
+            </a:r>
           </a:p>
         </p:txBody>
       </p:sp>
@@ -14662,7 +15967,7 @@
           <p:cNvPr id="4" name="Datumsplatzhalter 3">
             <a:extLst>
               <a:ext uri="{FF2B5EF4-FFF2-40B4-BE49-F238E27FC236}">
-                <a16:creationId xmlns:a16="http://schemas.microsoft.com/office/drawing/2014/main" id="{FDB16A7C-3447-5A3F-AA02-DBF9A1E8C433}"/>
+                <a16:creationId xmlns:a16="http://schemas.microsoft.com/office/drawing/2014/main" id="{D634373F-6B03-7938-9148-0CE7A4B01FEB}"/>
               </a:ext>
             </a:extLst>
           </p:cNvPr>
@@ -14691,436 +15996,7 @@
           <p:cNvPr id="5" name="Fußzeilenplatzhalter 4">
             <a:extLst>
               <a:ext uri="{FF2B5EF4-FFF2-40B4-BE49-F238E27FC236}">
-                <a16:creationId xmlns:a16="http://schemas.microsoft.com/office/drawing/2014/main" id="{1BFF79C0-74D4-F6A9-2568-FE07B3251238}"/>
-              </a:ext>
-            </a:extLst>
-          </p:cNvPr>
-          <p:cNvSpPr>
-            <a:spLocks noGrp="1"/>
-          </p:cNvSpPr>
-          <p:nvPr>
-            <p:ph type="ftr" sz="quarter" idx="11"/>
-          </p:nvPr>
-        </p:nvSpPr>
-        <p:spPr/>
-        <p:txBody>
-          <a:bodyPr/>
-          <a:lstStyle/>
-          <a:p>
-            <a:r>
-              <a:rPr lang="en-US" dirty="0"/>
-              <a:t>Multi-modal Speech Representation Learning</a:t>
-            </a:r>
-            <a:endParaRPr lang="de-DE" dirty="0"/>
-          </a:p>
-        </p:txBody>
-      </p:sp>
-      <p:sp>
-        <p:nvSpPr>
-          <p:cNvPr id="6" name="Foliennummernplatzhalter 5">
-            <a:extLst>
-              <a:ext uri="{FF2B5EF4-FFF2-40B4-BE49-F238E27FC236}">
-                <a16:creationId xmlns:a16="http://schemas.microsoft.com/office/drawing/2014/main" id="{3CBB0A13-9FAD-E04F-A40F-6ACB1B46602C}"/>
-              </a:ext>
-            </a:extLst>
-          </p:cNvPr>
-          <p:cNvSpPr>
-            <a:spLocks noGrp="1"/>
-          </p:cNvSpPr>
-          <p:nvPr>
-            <p:ph type="sldNum" sz="quarter" idx="12"/>
-          </p:nvPr>
-        </p:nvSpPr>
-        <p:spPr/>
-        <p:txBody>
-          <a:bodyPr/>
-          <a:lstStyle/>
-          <a:p>
-            <a:fld id="{4589C08E-11F1-4614-AD94-2F79D605AB8D}" type="slidenum">
-              <a:rPr lang="de-DE" smtClean="0"/>
-              <a:t>28</a:t>
-            </a:fld>
-            <a:endParaRPr lang="de-DE" dirty="0"/>
-          </a:p>
-        </p:txBody>
-      </p:sp>
-    </p:spTree>
-    <p:extLst>
-      <p:ext uri="{BB962C8B-B14F-4D97-AF65-F5344CB8AC3E}">
-        <p14:creationId xmlns:p14="http://schemas.microsoft.com/office/powerpoint/2010/main" val="4083435871"/>
-      </p:ext>
-    </p:extLst>
-  </p:cSld>
-  <p:clrMapOvr>
-    <a:masterClrMapping/>
-  </p:clrMapOvr>
-</p:sld>
-</file>
-
-<file path=ppt/slides/slide29.xml><?xml version="1.0" encoding="utf-8"?>
-<p:sld xmlns:a="http://schemas.openxmlformats.org/drawingml/2006/main" xmlns:r="http://schemas.openxmlformats.org/officeDocument/2006/relationships" xmlns:p="http://schemas.openxmlformats.org/presentationml/2006/main" show="0">
-  <p:cSld>
-    <p:spTree>
-      <p:nvGrpSpPr>
-        <p:cNvPr id="1" name=""/>
-        <p:cNvGrpSpPr/>
-        <p:nvPr/>
-      </p:nvGrpSpPr>
-      <p:grpSpPr>
-        <a:xfrm>
-          <a:off x="0" y="0"/>
-          <a:ext cx="0" cy="0"/>
-          <a:chOff x="0" y="0"/>
-          <a:chExt cx="0" cy="0"/>
-        </a:xfrm>
-      </p:grpSpPr>
-      <p:sp>
-        <p:nvSpPr>
-          <p:cNvPr id="2" name="Titel 1">
-            <a:extLst>
-              <a:ext uri="{FF2B5EF4-FFF2-40B4-BE49-F238E27FC236}">
-                <a16:creationId xmlns:a16="http://schemas.microsoft.com/office/drawing/2014/main" id="{30A58369-3EB6-8A8B-ED49-DEFC19AC20F8}"/>
-              </a:ext>
-            </a:extLst>
-          </p:cNvPr>
-          <p:cNvSpPr>
-            <a:spLocks noGrp="1"/>
-          </p:cNvSpPr>
-          <p:nvPr>
-            <p:ph type="title"/>
-          </p:nvPr>
-        </p:nvSpPr>
-        <p:spPr>
-          <a:xfrm>
-            <a:off x="838200" y="358775"/>
-            <a:ext cx="10515600" cy="1325563"/>
-          </a:xfrm>
-        </p:spPr>
-        <p:txBody>
-          <a:bodyPr/>
-          <a:lstStyle/>
-          <a:p>
-            <a:r>
-              <a:rPr lang="de-DE" dirty="0" err="1"/>
-              <a:t>From</a:t>
-            </a:r>
-            <a:r>
-              <a:rPr lang="de-DE" dirty="0"/>
-              <a:t> ILIAS</a:t>
-            </a:r>
-          </a:p>
-        </p:txBody>
-      </p:sp>
-      <p:sp>
-        <p:nvSpPr>
-          <p:cNvPr id="3" name="Inhaltsplatzhalter 2">
-            <a:extLst>
-              <a:ext uri="{FF2B5EF4-FFF2-40B4-BE49-F238E27FC236}">
-                <a16:creationId xmlns:a16="http://schemas.microsoft.com/office/drawing/2014/main" id="{35A851A9-AF82-3EFF-8766-2B38DEE71237}"/>
-              </a:ext>
-            </a:extLst>
-          </p:cNvPr>
-          <p:cNvSpPr>
-            <a:spLocks noGrp="1"/>
-          </p:cNvSpPr>
-          <p:nvPr>
-            <p:ph idx="1"/>
-          </p:nvPr>
-        </p:nvSpPr>
-        <p:spPr/>
-        <p:txBody>
-          <a:bodyPr>
-            <a:normAutofit/>
-          </a:bodyPr>
-          <a:lstStyle/>
-          <a:p>
-            <a:r>
-              <a:rPr lang="en-US" sz="1800" dirty="0">
-                <a:effectLst/>
-                <a:latin typeface="Arial" panose="020B0604020202020204" pitchFamily="34" charset="0"/>
-                <a:cs typeface="Arial" panose="020B0604020202020204" pitchFamily="34" charset="0"/>
-              </a:rPr>
-              <a:t>Self-supervised speech representation learning provides universal models which can used for</a:t>
-            </a:r>
-            <a:br>
-              <a:rPr lang="en-US" sz="1800" dirty="0">
-                <a:effectLst/>
-                <a:latin typeface="Arial" panose="020B0604020202020204" pitchFamily="34" charset="0"/>
-                <a:cs typeface="Arial" panose="020B0604020202020204" pitchFamily="34" charset="0"/>
-              </a:rPr>
-            </a:br>
-            <a:r>
-              <a:rPr lang="en-US" sz="1800" dirty="0">
-                <a:effectLst/>
-                <a:latin typeface="Arial" panose="020B0604020202020204" pitchFamily="34" charset="0"/>
-                <a:cs typeface="Arial" panose="020B0604020202020204" pitchFamily="34" charset="0"/>
-              </a:rPr>
-              <a:t>downstream speech tasks.</a:t>
-            </a:r>
-            <a:endParaRPr lang="en-US" sz="1800" dirty="0">
-              <a:latin typeface="Arial" panose="020B0604020202020204" pitchFamily="34" charset="0"/>
-              <a:cs typeface="Arial" panose="020B0604020202020204" pitchFamily="34" charset="0"/>
-            </a:endParaRPr>
-          </a:p>
-          <a:p>
-            <a:r>
-              <a:rPr lang="en-US" sz="1800" dirty="0">
-                <a:effectLst/>
-                <a:latin typeface="Arial" panose="020B0604020202020204" pitchFamily="34" charset="0"/>
-                <a:cs typeface="Arial" panose="020B0604020202020204" pitchFamily="34" charset="0"/>
-              </a:rPr>
-              <a:t>Using multi-modal data for training such models enables to get better representations and</a:t>
-            </a:r>
-            <a:br>
-              <a:rPr lang="en-US" sz="1800" dirty="0">
-                <a:effectLst/>
-                <a:latin typeface="Arial" panose="020B0604020202020204" pitchFamily="34" charset="0"/>
-                <a:cs typeface="Arial" panose="020B0604020202020204" pitchFamily="34" charset="0"/>
-              </a:rPr>
-            </a:br>
-            <a:r>
-              <a:rPr lang="en-US" sz="1800" dirty="0">
-                <a:effectLst/>
-                <a:latin typeface="Arial" panose="020B0604020202020204" pitchFamily="34" charset="0"/>
-                <a:cs typeface="Arial" panose="020B0604020202020204" pitchFamily="34" charset="0"/>
-              </a:rPr>
-              <a:t>expands the use cases.</a:t>
-            </a:r>
-          </a:p>
-          <a:p>
-            <a:pPr marL="0" indent="0">
-              <a:buNone/>
-            </a:pPr>
-            <a:endParaRPr lang="en-US" sz="1800" dirty="0">
-              <a:latin typeface="Arial" panose="020B0604020202020204" pitchFamily="34" charset="0"/>
-              <a:cs typeface="Arial" panose="020B0604020202020204" pitchFamily="34" charset="0"/>
-            </a:endParaRPr>
-          </a:p>
-          <a:p>
-            <a:pPr marL="0" indent="0">
-              <a:buNone/>
-            </a:pPr>
-            <a:endParaRPr lang="en-US" sz="1800" dirty="0">
-              <a:effectLst/>
-              <a:latin typeface="Arial" panose="020B0604020202020204" pitchFamily="34" charset="0"/>
-              <a:cs typeface="Arial" panose="020B0604020202020204" pitchFamily="34" charset="0"/>
-            </a:endParaRPr>
-          </a:p>
-          <a:p>
-            <a:pPr marL="0" indent="0">
-              <a:buNone/>
-            </a:pPr>
-            <a:endParaRPr lang="en-US" sz="1800" dirty="0">
-              <a:latin typeface="Arial" panose="020B0604020202020204" pitchFamily="34" charset="0"/>
-              <a:cs typeface="Arial" panose="020B0604020202020204" pitchFamily="34" charset="0"/>
-            </a:endParaRPr>
-          </a:p>
-          <a:p>
-            <a:pPr marL="0" indent="0">
-              <a:buNone/>
-            </a:pPr>
-            <a:endParaRPr lang="en-US" sz="1800" dirty="0">
-              <a:effectLst/>
-              <a:latin typeface="Arial" panose="020B0604020202020204" pitchFamily="34" charset="0"/>
-              <a:cs typeface="Arial" panose="020B0604020202020204" pitchFamily="34" charset="0"/>
-            </a:endParaRPr>
-          </a:p>
-          <a:p>
-            <a:pPr marL="0" indent="0">
-              <a:buNone/>
-            </a:pPr>
-            <a:endParaRPr lang="en-US" sz="1800" dirty="0">
-              <a:effectLst/>
-              <a:latin typeface="Arial" panose="020B0604020202020204" pitchFamily="34" charset="0"/>
-              <a:cs typeface="Arial" panose="020B0604020202020204" pitchFamily="34" charset="0"/>
-            </a:endParaRPr>
-          </a:p>
-          <a:p>
-            <a:pPr marL="0" indent="0">
-              <a:buNone/>
-            </a:pPr>
-            <a:r>
-              <a:rPr lang="en-US" sz="800" dirty="0">
-                <a:solidFill>
-                  <a:schemeClr val="bg2">
-                    <a:lumMod val="50000"/>
-                  </a:schemeClr>
-                </a:solidFill>
-                <a:effectLst/>
-              </a:rPr>
-              <a:t>Literature</a:t>
-            </a:r>
-          </a:p>
-          <a:p>
-            <a:pPr marL="0" indent="0">
-              <a:buNone/>
-            </a:pPr>
-            <a:r>
-              <a:rPr lang="en-US" sz="800" dirty="0">
-                <a:solidFill>
-                  <a:schemeClr val="bg2">
-                    <a:lumMod val="50000"/>
-                  </a:schemeClr>
-                </a:solidFill>
-                <a:effectLst/>
-              </a:rPr>
-              <a:t>• [1] Mohamed, Abdelrahman, et al. "Self-supervised speech representation learning: A review." IEEE Journal of Selected Topics in Signal Processing (2022).</a:t>
-            </a:r>
-          </a:p>
-          <a:p>
-            <a:pPr marL="0" indent="0">
-              <a:buNone/>
-            </a:pPr>
-            <a:r>
-              <a:rPr lang="en-US" sz="800" dirty="0">
-                <a:solidFill>
-                  <a:schemeClr val="bg2">
-                    <a:lumMod val="50000"/>
-                  </a:schemeClr>
-                </a:solidFill>
-                <a:effectLst/>
-              </a:rPr>
-              <a:t>• [2] Ao, </a:t>
-            </a:r>
-            <a:r>
-              <a:rPr lang="en-US" sz="800" dirty="0" err="1">
-                <a:solidFill>
-                  <a:schemeClr val="bg2">
-                    <a:lumMod val="50000"/>
-                  </a:schemeClr>
-                </a:solidFill>
-                <a:effectLst/>
-              </a:rPr>
-              <a:t>Junyi</a:t>
-            </a:r>
-            <a:r>
-              <a:rPr lang="en-US" sz="800" dirty="0">
-                <a:solidFill>
-                  <a:schemeClr val="bg2">
-                    <a:lumMod val="50000"/>
-                  </a:schemeClr>
-                </a:solidFill>
-                <a:effectLst/>
-              </a:rPr>
-              <a:t>, et al. "Speecht5: Unified-modal encoder-decoder pre-training for spoken language processing." ACL (2022).</a:t>
-            </a:r>
-          </a:p>
-          <a:p>
-            <a:pPr marL="0" indent="0">
-              <a:buNone/>
-            </a:pPr>
-            <a:r>
-              <a:rPr lang="en-US" sz="800" dirty="0">
-                <a:solidFill>
-                  <a:schemeClr val="bg2">
-                    <a:lumMod val="50000"/>
-                  </a:schemeClr>
-                </a:solidFill>
-                <a:effectLst/>
-              </a:rPr>
-              <a:t>• [3] Zhu, </a:t>
-            </a:r>
-            <a:r>
-              <a:rPr lang="en-US" sz="800" dirty="0" err="1">
-                <a:solidFill>
-                  <a:schemeClr val="bg2">
-                    <a:lumMod val="50000"/>
-                  </a:schemeClr>
-                </a:solidFill>
-                <a:effectLst/>
-              </a:rPr>
-              <a:t>Qiushi</a:t>
-            </a:r>
-            <a:r>
-              <a:rPr lang="en-US" sz="800" dirty="0">
-                <a:solidFill>
-                  <a:schemeClr val="bg2">
-                    <a:lumMod val="50000"/>
-                  </a:schemeClr>
-                </a:solidFill>
-                <a:effectLst/>
-              </a:rPr>
-              <a:t>, et al. "</a:t>
-            </a:r>
-            <a:r>
-              <a:rPr lang="en-US" sz="800" dirty="0" err="1">
-                <a:solidFill>
-                  <a:schemeClr val="bg2">
-                    <a:lumMod val="50000"/>
-                  </a:schemeClr>
-                </a:solidFill>
-                <a:effectLst/>
-              </a:rPr>
-              <a:t>Vatlm</a:t>
-            </a:r>
-            <a:r>
-              <a:rPr lang="en-US" sz="800" dirty="0">
-                <a:solidFill>
-                  <a:schemeClr val="bg2">
-                    <a:lumMod val="50000"/>
-                  </a:schemeClr>
-                </a:solidFill>
-                <a:effectLst/>
-              </a:rPr>
-              <a:t>: Visual-audio-text pre-training with unified masked prediction for speech representation learning." IEEE Transactions on Multimedia (2023).</a:t>
-            </a:r>
-          </a:p>
-          <a:p>
-            <a:pPr marL="0" indent="0">
-              <a:buNone/>
-            </a:pPr>
-            <a:r>
-              <a:rPr lang="en-US" sz="800" dirty="0">
-                <a:solidFill>
-                  <a:schemeClr val="bg2">
-                    <a:lumMod val="50000"/>
-                  </a:schemeClr>
-                </a:solidFill>
-                <a:effectLst/>
-              </a:rPr>
-              <a:t>• [4] Shi, Bowen, et al. "Learning audio-visual speech representation by masked multimodal cluster prediction." ICLR (2022).</a:t>
-            </a:r>
-          </a:p>
-          <a:p>
-            <a:endParaRPr lang="de-DE" dirty="0"/>
-          </a:p>
-        </p:txBody>
-      </p:sp>
-      <p:sp>
-        <p:nvSpPr>
-          <p:cNvPr id="4" name="Datumsplatzhalter 3">
-            <a:extLst>
-              <a:ext uri="{FF2B5EF4-FFF2-40B4-BE49-F238E27FC236}">
-                <a16:creationId xmlns:a16="http://schemas.microsoft.com/office/drawing/2014/main" id="{EDD15EFB-FF5B-B4CA-55B9-6CC35A8EAF12}"/>
-              </a:ext>
-            </a:extLst>
-          </p:cNvPr>
-          <p:cNvSpPr>
-            <a:spLocks noGrp="1"/>
-          </p:cNvSpPr>
-          <p:nvPr>
-            <p:ph type="dt" sz="half" idx="10"/>
-          </p:nvPr>
-        </p:nvSpPr>
-        <p:spPr/>
-        <p:txBody>
-          <a:bodyPr/>
-          <a:lstStyle/>
-          <a:p>
-            <a:r>
-              <a:rPr lang="de-DE"/>
-              <a:t>05.12.2023</a:t>
-            </a:r>
-            <a:endParaRPr lang="de-DE" dirty="0"/>
-          </a:p>
-        </p:txBody>
-      </p:sp>
-      <p:sp>
-        <p:nvSpPr>
-          <p:cNvPr id="5" name="Fußzeilenplatzhalter 4">
-            <a:extLst>
-              <a:ext uri="{FF2B5EF4-FFF2-40B4-BE49-F238E27FC236}">
-                <a16:creationId xmlns:a16="http://schemas.microsoft.com/office/drawing/2014/main" id="{E7A447EA-958C-B9A2-64C2-FF1D7A366BDC}"/>
+                <a16:creationId xmlns:a16="http://schemas.microsoft.com/office/drawing/2014/main" id="{034C8994-9B21-3CAF-B2C8-F4005BBEF94E}"/>
               </a:ext>
             </a:extLst>
           </p:cNvPr>
@@ -15149,7 +16025,7 @@
           <p:cNvPr id="6" name="Foliennummernplatzhalter 5">
             <a:extLst>
               <a:ext uri="{FF2B5EF4-FFF2-40B4-BE49-F238E27FC236}">
-                <a16:creationId xmlns:a16="http://schemas.microsoft.com/office/drawing/2014/main" id="{0FA6D437-CFB6-C4C0-C250-EE2D2D7DD2FA}"/>
+                <a16:creationId xmlns:a16="http://schemas.microsoft.com/office/drawing/2014/main" id="{AED1C7AE-4D69-C023-148D-6CE0CF086ED4}"/>
               </a:ext>
             </a:extLst>
           </p:cNvPr>
@@ -15176,7 +16052,7 @@
     </p:spTree>
     <p:extLst>
       <p:ext uri="{BB962C8B-B14F-4D97-AF65-F5344CB8AC3E}">
-        <p14:creationId xmlns:p14="http://schemas.microsoft.com/office/powerpoint/2010/main" val="3496448324"/>
+        <p14:creationId xmlns:p14="http://schemas.microsoft.com/office/powerpoint/2010/main" val="3187350724"/>
       </p:ext>
     </p:extLst>
   </p:cSld>
@@ -15387,6 +16263,476 @@
 </file>
 
 <file path=ppt/slides/slide30.xml><?xml version="1.0" encoding="utf-8"?>
+<p:sld xmlns:a="http://schemas.openxmlformats.org/drawingml/2006/main" xmlns:r="http://schemas.openxmlformats.org/officeDocument/2006/relationships" xmlns:p="http://schemas.openxmlformats.org/presentationml/2006/main">
+  <p:cSld>
+    <p:spTree>
+      <p:nvGrpSpPr>
+        <p:cNvPr id="1" name=""/>
+        <p:cNvGrpSpPr/>
+        <p:nvPr/>
+      </p:nvGrpSpPr>
+      <p:grpSpPr>
+        <a:xfrm>
+          <a:off x="0" y="0"/>
+          <a:ext cx="0" cy="0"/>
+          <a:chOff x="0" y="0"/>
+          <a:chExt cx="0" cy="0"/>
+        </a:xfrm>
+      </p:grpSpPr>
+      <p:sp>
+        <p:nvSpPr>
+          <p:cNvPr id="3" name="Inhaltsplatzhalter 2">
+            <a:extLst>
+              <a:ext uri="{FF2B5EF4-FFF2-40B4-BE49-F238E27FC236}">
+                <a16:creationId xmlns:a16="http://schemas.microsoft.com/office/drawing/2014/main" id="{DA58E8C4-24E6-5730-F68A-FA8C6C5C5E5E}"/>
+              </a:ext>
+            </a:extLst>
+          </p:cNvPr>
+          <p:cNvSpPr>
+            <a:spLocks noGrp="1"/>
+          </p:cNvSpPr>
+          <p:nvPr>
+            <p:ph idx="1"/>
+          </p:nvPr>
+        </p:nvSpPr>
+        <p:spPr>
+          <a:xfrm>
+            <a:off x="838200" y="589547"/>
+            <a:ext cx="10515600" cy="5587416"/>
+          </a:xfrm>
+        </p:spPr>
+        <p:txBody>
+          <a:bodyPr>
+            <a:normAutofit fontScale="92500" lnSpcReduction="20000"/>
+          </a:bodyPr>
+          <a:lstStyle/>
+          <a:p>
+            <a:pPr marL="0" indent="0">
+              <a:buNone/>
+            </a:pPr>
+            <a:r>
+              <a:rPr lang="en-US" sz="2800" dirty="0">
+                <a:solidFill>
+                  <a:schemeClr val="bg2">
+                    <a:lumMod val="50000"/>
+                  </a:schemeClr>
+                </a:solidFill>
+                <a:effectLst/>
+              </a:rPr>
+              <a:t>Sources</a:t>
+            </a:r>
+          </a:p>
+          <a:p>
+            <a:pPr marL="0" indent="0">
+              <a:buNone/>
+            </a:pPr>
+            <a:r>
+              <a:rPr lang="en-US" sz="2800" dirty="0">
+                <a:solidFill>
+                  <a:schemeClr val="bg2">
+                    <a:lumMod val="50000"/>
+                  </a:schemeClr>
+                </a:solidFill>
+                <a:effectLst/>
+              </a:rPr>
+              <a:t>[1] Mohamed, Abdelrahman, et al. "Self-supervised speech representation learning: A review." IEEE Journal of Selected Topics in Signal Processing (2022).</a:t>
+            </a:r>
+          </a:p>
+          <a:p>
+            <a:pPr marL="0" indent="0">
+              <a:buNone/>
+            </a:pPr>
+            <a:r>
+              <a:rPr lang="en-US" sz="2800" dirty="0">
+                <a:solidFill>
+                  <a:schemeClr val="bg2">
+                    <a:lumMod val="50000"/>
+                  </a:schemeClr>
+                </a:solidFill>
+                <a:effectLst/>
+              </a:rPr>
+              <a:t>[2] Ao, </a:t>
+            </a:r>
+            <a:r>
+              <a:rPr lang="en-US" sz="2800" dirty="0" err="1">
+                <a:solidFill>
+                  <a:schemeClr val="bg2">
+                    <a:lumMod val="50000"/>
+                  </a:schemeClr>
+                </a:solidFill>
+                <a:effectLst/>
+              </a:rPr>
+              <a:t>Junyi</a:t>
+            </a:r>
+            <a:r>
+              <a:rPr lang="en-US" sz="2800" dirty="0">
+                <a:solidFill>
+                  <a:schemeClr val="bg2">
+                    <a:lumMod val="50000"/>
+                  </a:schemeClr>
+                </a:solidFill>
+                <a:effectLst/>
+              </a:rPr>
+              <a:t>, et al. "SpeechT5: Unified-modal encoder-decoder pre-training for spoken language processing." ACL (2022).</a:t>
+            </a:r>
+          </a:p>
+          <a:p>
+            <a:pPr marL="0" indent="0">
+              <a:buNone/>
+            </a:pPr>
+            <a:r>
+              <a:rPr lang="en-US" sz="2800" dirty="0">
+                <a:solidFill>
+                  <a:schemeClr val="bg2">
+                    <a:lumMod val="50000"/>
+                  </a:schemeClr>
+                </a:solidFill>
+                <a:effectLst/>
+              </a:rPr>
+              <a:t>[3] Zhu, </a:t>
+            </a:r>
+            <a:r>
+              <a:rPr lang="en-US" sz="2800" dirty="0" err="1">
+                <a:solidFill>
+                  <a:schemeClr val="bg2">
+                    <a:lumMod val="50000"/>
+                  </a:schemeClr>
+                </a:solidFill>
+                <a:effectLst/>
+              </a:rPr>
+              <a:t>Qiushi</a:t>
+            </a:r>
+            <a:r>
+              <a:rPr lang="en-US" sz="2800" dirty="0">
+                <a:solidFill>
+                  <a:schemeClr val="bg2">
+                    <a:lumMod val="50000"/>
+                  </a:schemeClr>
+                </a:solidFill>
+                <a:effectLst/>
+              </a:rPr>
+              <a:t>, et al. "</a:t>
+            </a:r>
+            <a:r>
+              <a:rPr lang="en-US" sz="2800" dirty="0" err="1">
+                <a:solidFill>
+                  <a:schemeClr val="bg2">
+                    <a:lumMod val="50000"/>
+                  </a:schemeClr>
+                </a:solidFill>
+                <a:effectLst/>
+              </a:rPr>
+              <a:t>Vatlm</a:t>
+            </a:r>
+            <a:r>
+              <a:rPr lang="en-US" sz="2800" dirty="0">
+                <a:solidFill>
+                  <a:schemeClr val="bg2">
+                    <a:lumMod val="50000"/>
+                  </a:schemeClr>
+                </a:solidFill>
+                <a:effectLst/>
+              </a:rPr>
+              <a:t>: Visual-audio-text pre-training with unified masked prediction for speech representation learning." IEEE Transactions on Multimedia (2023).</a:t>
+            </a:r>
+          </a:p>
+          <a:p>
+            <a:pPr marL="0" indent="0">
+              <a:buNone/>
+            </a:pPr>
+            <a:r>
+              <a:rPr lang="en-US" sz="2800" dirty="0">
+                <a:solidFill>
+                  <a:schemeClr val="bg2">
+                    <a:lumMod val="50000"/>
+                  </a:schemeClr>
+                </a:solidFill>
+                <a:effectLst/>
+              </a:rPr>
+              <a:t>[4] Shi, Bowen, et al. "Learning audio-visual speech representation by masked multimodal cluster prediction." ICLR (2022).</a:t>
+            </a:r>
+          </a:p>
+          <a:p>
+            <a:pPr marL="0" indent="0">
+              <a:buNone/>
+            </a:pPr>
+            <a:r>
+              <a:rPr lang="en-US" dirty="0">
+                <a:solidFill>
+                  <a:schemeClr val="bg2">
+                    <a:lumMod val="50000"/>
+                  </a:schemeClr>
+                </a:solidFill>
+              </a:rPr>
+              <a:t>[5] Vassil </a:t>
+            </a:r>
+            <a:r>
+              <a:rPr lang="en-US" dirty="0" err="1">
+                <a:solidFill>
+                  <a:schemeClr val="bg2">
+                    <a:lumMod val="50000"/>
+                  </a:schemeClr>
+                </a:solidFill>
+              </a:rPr>
+              <a:t>Panayotov</a:t>
+            </a:r>
+            <a:r>
+              <a:rPr lang="en-US" dirty="0">
+                <a:solidFill>
+                  <a:schemeClr val="bg2">
+                    <a:lumMod val="50000"/>
+                  </a:schemeClr>
+                </a:solidFill>
+              </a:rPr>
+              <a:t>, </a:t>
+            </a:r>
+            <a:r>
+              <a:rPr lang="en-US" dirty="0" err="1">
+                <a:solidFill>
+                  <a:schemeClr val="bg2">
+                    <a:lumMod val="50000"/>
+                  </a:schemeClr>
+                </a:solidFill>
+              </a:rPr>
+              <a:t>Guoguo</a:t>
+            </a:r>
+            <a:r>
+              <a:rPr lang="en-US" dirty="0">
+                <a:solidFill>
+                  <a:schemeClr val="bg2">
+                    <a:lumMod val="50000"/>
+                  </a:schemeClr>
+                </a:solidFill>
+              </a:rPr>
+              <a:t> Chen, Daniel Povey, and Sanjeev </a:t>
+            </a:r>
+            <a:r>
+              <a:rPr lang="en-US" dirty="0" err="1">
+                <a:solidFill>
+                  <a:schemeClr val="bg2">
+                    <a:lumMod val="50000"/>
+                  </a:schemeClr>
+                </a:solidFill>
+              </a:rPr>
+              <a:t>Khudanpur</a:t>
+            </a:r>
+            <a:r>
+              <a:rPr lang="en-US" dirty="0">
+                <a:solidFill>
+                  <a:schemeClr val="bg2">
+                    <a:lumMod val="50000"/>
+                  </a:schemeClr>
+                </a:solidFill>
+              </a:rPr>
+              <a:t>. 2015. </a:t>
+            </a:r>
+            <a:r>
+              <a:rPr lang="en-US" dirty="0" err="1">
+                <a:solidFill>
+                  <a:schemeClr val="bg2">
+                    <a:lumMod val="50000"/>
+                  </a:schemeClr>
+                </a:solidFill>
+              </a:rPr>
+              <a:t>Librispeech</a:t>
+            </a:r>
+            <a:r>
+              <a:rPr lang="en-US" dirty="0">
+                <a:solidFill>
+                  <a:schemeClr val="bg2">
+                    <a:lumMod val="50000"/>
+                  </a:schemeClr>
+                </a:solidFill>
+              </a:rPr>
+              <a:t>: an </a:t>
+            </a:r>
+            <a:r>
+              <a:rPr lang="en-US" dirty="0" err="1">
+                <a:solidFill>
+                  <a:schemeClr val="bg2">
+                    <a:lumMod val="50000"/>
+                  </a:schemeClr>
+                </a:solidFill>
+              </a:rPr>
+              <a:t>asr</a:t>
+            </a:r>
+            <a:r>
+              <a:rPr lang="en-US" dirty="0">
+                <a:solidFill>
+                  <a:schemeClr val="bg2">
+                    <a:lumMod val="50000"/>
+                  </a:schemeClr>
+                </a:solidFill>
+              </a:rPr>
+              <a:t> corpus based on public domain audio books. In Proceedings of the 2015 IEEE International Conference on Acoustics, Speech and Signal Processing, pages 5206–5210. IEEE.</a:t>
+            </a:r>
+          </a:p>
+          <a:p>
+            <a:pPr marL="0" indent="0">
+              <a:buNone/>
+            </a:pPr>
+            <a:r>
+              <a:rPr lang="en-US" sz="2800" dirty="0">
+                <a:solidFill>
+                  <a:schemeClr val="bg2">
+                    <a:lumMod val="50000"/>
+                  </a:schemeClr>
+                </a:solidFill>
+                <a:effectLst/>
+              </a:rPr>
+              <a:t>[6] </a:t>
+            </a:r>
+            <a:r>
+              <a:rPr lang="en-US" sz="2800" dirty="0" err="1">
+                <a:solidFill>
+                  <a:schemeClr val="bg2">
+                    <a:lumMod val="50000"/>
+                  </a:schemeClr>
+                </a:solidFill>
+                <a:effectLst/>
+              </a:rPr>
+              <a:t>Triantafyllos</a:t>
+            </a:r>
+            <a:r>
+              <a:rPr lang="en-US" sz="2800" dirty="0">
+                <a:solidFill>
+                  <a:schemeClr val="bg2">
+                    <a:lumMod val="50000"/>
+                  </a:schemeClr>
+                </a:solidFill>
+                <a:effectLst/>
+              </a:rPr>
+              <a:t> </a:t>
+            </a:r>
+            <a:r>
+              <a:rPr lang="en-US" sz="2800" dirty="0" err="1">
+                <a:solidFill>
+                  <a:schemeClr val="bg2">
+                    <a:lumMod val="50000"/>
+                  </a:schemeClr>
+                </a:solidFill>
+                <a:effectLst/>
+              </a:rPr>
+              <a:t>Afouras</a:t>
+            </a:r>
+            <a:r>
+              <a:rPr lang="en-US" sz="2800" dirty="0">
+                <a:solidFill>
+                  <a:schemeClr val="bg2">
+                    <a:lumMod val="50000"/>
+                  </a:schemeClr>
+                </a:solidFill>
+                <a:effectLst/>
+              </a:rPr>
+              <a:t>, Joon Son Chung, and Andrew Zisserman. LRS3-TED: a large-scale dataset for visual speech recognition, 2018b. arXiv:1809.00496.</a:t>
+            </a:r>
+          </a:p>
+          <a:p>
+            <a:endParaRPr lang="en-US" dirty="0"/>
+          </a:p>
+        </p:txBody>
+      </p:sp>
+      <p:sp>
+        <p:nvSpPr>
+          <p:cNvPr id="4" name="Datumsplatzhalter 3">
+            <a:extLst>
+              <a:ext uri="{FF2B5EF4-FFF2-40B4-BE49-F238E27FC236}">
+                <a16:creationId xmlns:a16="http://schemas.microsoft.com/office/drawing/2014/main" id="{FDB16A7C-3447-5A3F-AA02-DBF9A1E8C433}"/>
+              </a:ext>
+            </a:extLst>
+          </p:cNvPr>
+          <p:cNvSpPr>
+            <a:spLocks noGrp="1"/>
+          </p:cNvSpPr>
+          <p:nvPr>
+            <p:ph type="dt" sz="half" idx="10"/>
+          </p:nvPr>
+        </p:nvSpPr>
+        <p:spPr/>
+        <p:txBody>
+          <a:bodyPr/>
+          <a:lstStyle/>
+          <a:p>
+            <a:r>
+              <a:rPr lang="de-DE"/>
+              <a:t>05.12.2023</a:t>
+            </a:r>
+            <a:endParaRPr lang="de-DE" dirty="0"/>
+          </a:p>
+        </p:txBody>
+      </p:sp>
+      <p:sp>
+        <p:nvSpPr>
+          <p:cNvPr id="5" name="Fußzeilenplatzhalter 4">
+            <a:extLst>
+              <a:ext uri="{FF2B5EF4-FFF2-40B4-BE49-F238E27FC236}">
+                <a16:creationId xmlns:a16="http://schemas.microsoft.com/office/drawing/2014/main" id="{1BFF79C0-74D4-F6A9-2568-FE07B3251238}"/>
+              </a:ext>
+            </a:extLst>
+          </p:cNvPr>
+          <p:cNvSpPr>
+            <a:spLocks noGrp="1"/>
+          </p:cNvSpPr>
+          <p:nvPr>
+            <p:ph type="ftr" sz="quarter" idx="11"/>
+          </p:nvPr>
+        </p:nvSpPr>
+        <p:spPr/>
+        <p:txBody>
+          <a:bodyPr/>
+          <a:lstStyle/>
+          <a:p>
+            <a:r>
+              <a:rPr lang="en-US" dirty="0"/>
+              <a:t>Multi-modal Speech Representation Learning</a:t>
+            </a:r>
+            <a:endParaRPr lang="de-DE" dirty="0"/>
+          </a:p>
+        </p:txBody>
+      </p:sp>
+      <p:sp>
+        <p:nvSpPr>
+          <p:cNvPr id="6" name="Foliennummernplatzhalter 5">
+            <a:extLst>
+              <a:ext uri="{FF2B5EF4-FFF2-40B4-BE49-F238E27FC236}">
+                <a16:creationId xmlns:a16="http://schemas.microsoft.com/office/drawing/2014/main" id="{3CBB0A13-9FAD-E04F-A40F-6ACB1B46602C}"/>
+              </a:ext>
+            </a:extLst>
+          </p:cNvPr>
+          <p:cNvSpPr>
+            <a:spLocks noGrp="1"/>
+          </p:cNvSpPr>
+          <p:nvPr>
+            <p:ph type="sldNum" sz="quarter" idx="12"/>
+          </p:nvPr>
+        </p:nvSpPr>
+        <p:spPr/>
+        <p:txBody>
+          <a:bodyPr/>
+          <a:lstStyle/>
+          <a:p>
+            <a:fld id="{4589C08E-11F1-4614-AD94-2F79D605AB8D}" type="slidenum">
+              <a:rPr lang="de-DE" smtClean="0"/>
+              <a:t>30</a:t>
+            </a:fld>
+            <a:endParaRPr lang="de-DE" dirty="0"/>
+          </a:p>
+        </p:txBody>
+      </p:sp>
+    </p:spTree>
+    <p:extLst>
+      <p:ext uri="{BB962C8B-B14F-4D97-AF65-F5344CB8AC3E}">
+        <p14:creationId xmlns:p14="http://schemas.microsoft.com/office/powerpoint/2010/main" val="4083435871"/>
+      </p:ext>
+    </p:extLst>
+  </p:cSld>
+  <p:clrMapOvr>
+    <a:masterClrMapping/>
+  </p:clrMapOvr>
+</p:sld>
+</file>
+
+<file path=ppt/slides/slide31.xml><?xml version="1.0" encoding="utf-8"?>
 <p:sld xmlns:a="http://schemas.openxmlformats.org/drawingml/2006/main" xmlns:r="http://schemas.openxmlformats.org/officeDocument/2006/relationships" xmlns:p="http://schemas.openxmlformats.org/presentationml/2006/main" show="0">
   <p:cSld>
     <p:spTree>
@@ -15408,7 +16754,7 @@
           <p:cNvPr id="2" name="Titel 1">
             <a:extLst>
               <a:ext uri="{FF2B5EF4-FFF2-40B4-BE49-F238E27FC236}">
-                <a16:creationId xmlns:a16="http://schemas.microsoft.com/office/drawing/2014/main" id="{7ED805BA-22DB-7C3F-FA81-EBDA00F3079D}"/>
+                <a16:creationId xmlns:a16="http://schemas.microsoft.com/office/drawing/2014/main" id="{30A58369-3EB6-8A8B-ED49-DEFC19AC20F8}"/>
               </a:ext>
             </a:extLst>
           </p:cNvPr>
@@ -15419,24 +16765,24 @@
             <p:ph type="title"/>
           </p:nvPr>
         </p:nvSpPr>
-        <p:spPr/>
+        <p:spPr>
+          <a:xfrm>
+            <a:off x="838200" y="358775"/>
+            <a:ext cx="10515600" cy="1325563"/>
+          </a:xfrm>
+        </p:spPr>
         <p:txBody>
           <a:bodyPr/>
           <a:lstStyle/>
           <a:p>
             <a:r>
               <a:rPr lang="de-DE" dirty="0" err="1"/>
-              <a:t>Presentation</a:t>
-            </a:r>
-            <a:r>
-              <a:rPr lang="de-DE" dirty="0"/>
-              <a:t> </a:t>
-            </a:r>
-            <a:r>
-              <a:rPr lang="de-DE" dirty="0" err="1"/>
-              <a:t>metadata</a:t>
-            </a:r>
-            <a:endParaRPr lang="de-DE" dirty="0"/>
+              <a:t>From</a:t>
+            </a:r>
+            <a:r>
+              <a:rPr lang="de-DE" dirty="0"/>
+              <a:t> ILIAS</a:t>
+            </a:r>
           </a:p>
         </p:txBody>
       </p:sp>
@@ -15445,7 +16791,7 @@
           <p:cNvPr id="3" name="Inhaltsplatzhalter 2">
             <a:extLst>
               <a:ext uri="{FF2B5EF4-FFF2-40B4-BE49-F238E27FC236}">
-                <a16:creationId xmlns:a16="http://schemas.microsoft.com/office/drawing/2014/main" id="{785CE866-7610-D846-8EC9-42B4A6E74904}"/>
+                <a16:creationId xmlns:a16="http://schemas.microsoft.com/office/drawing/2014/main" id="{35A851A9-AF82-3EFF-8766-2B38DEE71237}"/>
               </a:ext>
             </a:extLst>
           </p:cNvPr>
@@ -15464,47 +16810,254 @@
           <a:lstStyle/>
           <a:p>
             <a:r>
-              <a:rPr lang="de-DE" b="1" dirty="0" err="1"/>
-              <a:t>two</a:t>
-            </a:r>
-            <a:r>
-              <a:rPr lang="de-DE" b="1" dirty="0"/>
-              <a:t> </a:t>
-            </a:r>
-            <a:r>
-              <a:rPr lang="de-DE" b="1" dirty="0" err="1"/>
-              <a:t>minutes</a:t>
-            </a:r>
-            <a:r>
-              <a:rPr lang="de-DE" b="1" dirty="0"/>
-              <a:t> per </a:t>
-            </a:r>
-            <a:r>
-              <a:rPr lang="de-DE" b="1" dirty="0" err="1"/>
-              <a:t>slide</a:t>
-            </a:r>
-            <a:r>
-              <a:rPr lang="de-DE" b="1" dirty="0"/>
-              <a:t> </a:t>
-            </a:r>
-            <a:r>
-              <a:rPr lang="de-DE" b="1" dirty="0">
-                <a:sym typeface="Wingdings" panose="05000000000000000000" pitchFamily="2" charset="2"/>
+              <a:rPr lang="en-US" sz="1800" dirty="0">
+                <a:effectLst/>
+                <a:latin typeface="Arial" panose="020B0604020202020204" pitchFamily="34" charset="0"/>
+                <a:cs typeface="Arial" panose="020B0604020202020204" pitchFamily="34" charset="0"/>
               </a:rPr>
-              <a:t> ~</a:t>
-            </a:r>
-            <a:r>
-              <a:rPr lang="de-DE" b="1">
-                <a:sym typeface="Wingdings" panose="05000000000000000000" pitchFamily="2" charset="2"/>
+              <a:t>Self-supervised speech representation learning provides universal models which can used for</a:t>
+            </a:r>
+            <a:br>
+              <a:rPr lang="en-US" sz="1800" dirty="0">
+                <a:effectLst/>
+                <a:latin typeface="Arial" panose="020B0604020202020204" pitchFamily="34" charset="0"/>
+                <a:cs typeface="Arial" panose="020B0604020202020204" pitchFamily="34" charset="0"/>
               </a:rPr>
-              <a:t>12.5 Slides</a:t>
+            </a:br>
+            <a:r>
+              <a:rPr lang="en-US" sz="1800" dirty="0">
+                <a:effectLst/>
+                <a:latin typeface="Arial" panose="020B0604020202020204" pitchFamily="34" charset="0"/>
+                <a:cs typeface="Arial" panose="020B0604020202020204" pitchFamily="34" charset="0"/>
+              </a:rPr>
+              <a:t>downstream speech tasks.</a:t>
+            </a:r>
+            <a:endParaRPr lang="en-US" sz="1800" dirty="0">
+              <a:latin typeface="Arial" panose="020B0604020202020204" pitchFamily="34" charset="0"/>
+              <a:cs typeface="Arial" panose="020B0604020202020204" pitchFamily="34" charset="0"/>
+            </a:endParaRPr>
+          </a:p>
+          <a:p>
+            <a:r>
+              <a:rPr lang="en-US" sz="1800" dirty="0">
+                <a:effectLst/>
+                <a:latin typeface="Arial" panose="020B0604020202020204" pitchFamily="34" charset="0"/>
+                <a:cs typeface="Arial" panose="020B0604020202020204" pitchFamily="34" charset="0"/>
+              </a:rPr>
+              <a:t>Using multi-modal data for training such models enables to get better representations and</a:t>
+            </a:r>
+            <a:br>
+              <a:rPr lang="en-US" sz="1800" dirty="0">
+                <a:effectLst/>
+                <a:latin typeface="Arial" panose="020B0604020202020204" pitchFamily="34" charset="0"/>
+                <a:cs typeface="Arial" panose="020B0604020202020204" pitchFamily="34" charset="0"/>
+              </a:rPr>
+            </a:br>
+            <a:r>
+              <a:rPr lang="en-US" sz="1800" dirty="0">
+                <a:effectLst/>
+                <a:latin typeface="Arial" panose="020B0604020202020204" pitchFamily="34" charset="0"/>
+                <a:cs typeface="Arial" panose="020B0604020202020204" pitchFamily="34" charset="0"/>
+              </a:rPr>
+              <a:t>expands the use cases.</a:t>
             </a:r>
           </a:p>
           <a:p>
             <a:pPr marL="0" indent="0">
               <a:buNone/>
             </a:pPr>
-            <a:endParaRPr lang="de-DE" b="1" dirty="0"/>
+            <a:endParaRPr lang="en-US" sz="1800" dirty="0">
+              <a:latin typeface="Arial" panose="020B0604020202020204" pitchFamily="34" charset="0"/>
+              <a:cs typeface="Arial" panose="020B0604020202020204" pitchFamily="34" charset="0"/>
+            </a:endParaRPr>
+          </a:p>
+          <a:p>
+            <a:pPr marL="0" indent="0">
+              <a:buNone/>
+            </a:pPr>
+            <a:endParaRPr lang="en-US" sz="1800" dirty="0">
+              <a:effectLst/>
+              <a:latin typeface="Arial" panose="020B0604020202020204" pitchFamily="34" charset="0"/>
+              <a:cs typeface="Arial" panose="020B0604020202020204" pitchFamily="34" charset="0"/>
+            </a:endParaRPr>
+          </a:p>
+          <a:p>
+            <a:pPr marL="0" indent="0">
+              <a:buNone/>
+            </a:pPr>
+            <a:endParaRPr lang="en-US" sz="1800" dirty="0">
+              <a:latin typeface="Arial" panose="020B0604020202020204" pitchFamily="34" charset="0"/>
+              <a:cs typeface="Arial" panose="020B0604020202020204" pitchFamily="34" charset="0"/>
+            </a:endParaRPr>
+          </a:p>
+          <a:p>
+            <a:pPr marL="0" indent="0">
+              <a:buNone/>
+            </a:pPr>
+            <a:endParaRPr lang="en-US" sz="1800" dirty="0">
+              <a:effectLst/>
+              <a:latin typeface="Arial" panose="020B0604020202020204" pitchFamily="34" charset="0"/>
+              <a:cs typeface="Arial" panose="020B0604020202020204" pitchFamily="34" charset="0"/>
+            </a:endParaRPr>
+          </a:p>
+          <a:p>
+            <a:pPr marL="0" indent="0">
+              <a:buNone/>
+            </a:pPr>
+            <a:endParaRPr lang="en-US" sz="1800" dirty="0">
+              <a:effectLst/>
+              <a:latin typeface="Arial" panose="020B0604020202020204" pitchFamily="34" charset="0"/>
+              <a:cs typeface="Arial" panose="020B0604020202020204" pitchFamily="34" charset="0"/>
+            </a:endParaRPr>
+          </a:p>
+          <a:p>
+            <a:pPr marL="0" indent="0">
+              <a:buNone/>
+            </a:pPr>
+            <a:r>
+              <a:rPr lang="en-US" sz="800" dirty="0">
+                <a:solidFill>
+                  <a:schemeClr val="bg2">
+                    <a:lumMod val="50000"/>
+                  </a:schemeClr>
+                </a:solidFill>
+                <a:effectLst/>
+              </a:rPr>
+              <a:t>Literature</a:t>
+            </a:r>
+          </a:p>
+          <a:p>
+            <a:pPr marL="0" indent="0">
+              <a:buNone/>
+            </a:pPr>
+            <a:r>
+              <a:rPr lang="en-US" sz="800" dirty="0">
+                <a:solidFill>
+                  <a:schemeClr val="bg2">
+                    <a:lumMod val="50000"/>
+                  </a:schemeClr>
+                </a:solidFill>
+                <a:effectLst/>
+              </a:rPr>
+              <a:t>• [1] Mohamed, Abdelrahman, et al. "Self-supervised speech representation learning: A review." IEEE Journal of Selected Topics in Signal Processing (2022).</a:t>
+            </a:r>
+          </a:p>
+          <a:p>
+            <a:pPr marL="0" indent="0">
+              <a:buNone/>
+            </a:pPr>
+            <a:r>
+              <a:rPr lang="en-US" sz="800" dirty="0">
+                <a:solidFill>
+                  <a:schemeClr val="bg2">
+                    <a:lumMod val="50000"/>
+                  </a:schemeClr>
+                </a:solidFill>
+                <a:effectLst/>
+              </a:rPr>
+              <a:t>• [2] Ao, </a:t>
+            </a:r>
+            <a:r>
+              <a:rPr lang="en-US" sz="800" dirty="0" err="1">
+                <a:solidFill>
+                  <a:schemeClr val="bg2">
+                    <a:lumMod val="50000"/>
+                  </a:schemeClr>
+                </a:solidFill>
+                <a:effectLst/>
+              </a:rPr>
+              <a:t>Junyi</a:t>
+            </a:r>
+            <a:r>
+              <a:rPr lang="en-US" sz="800" dirty="0">
+                <a:solidFill>
+                  <a:schemeClr val="bg2">
+                    <a:lumMod val="50000"/>
+                  </a:schemeClr>
+                </a:solidFill>
+                <a:effectLst/>
+              </a:rPr>
+              <a:t>, et al. "Speecht5: Unified-modal encoder-decoder pre-training for spoken language processing." ACL (2022).</a:t>
+            </a:r>
+          </a:p>
+          <a:p>
+            <a:pPr marL="0" indent="0">
+              <a:buNone/>
+            </a:pPr>
+            <a:r>
+              <a:rPr lang="en-US" sz="800" dirty="0">
+                <a:solidFill>
+                  <a:schemeClr val="bg2">
+                    <a:lumMod val="50000"/>
+                  </a:schemeClr>
+                </a:solidFill>
+                <a:effectLst/>
+              </a:rPr>
+              <a:t>• [3] Zhu, </a:t>
+            </a:r>
+            <a:r>
+              <a:rPr lang="en-US" sz="800" dirty="0" err="1">
+                <a:solidFill>
+                  <a:schemeClr val="bg2">
+                    <a:lumMod val="50000"/>
+                  </a:schemeClr>
+                </a:solidFill>
+                <a:effectLst/>
+              </a:rPr>
+              <a:t>Qiushi</a:t>
+            </a:r>
+            <a:r>
+              <a:rPr lang="en-US" sz="800" dirty="0">
+                <a:solidFill>
+                  <a:schemeClr val="bg2">
+                    <a:lumMod val="50000"/>
+                  </a:schemeClr>
+                </a:solidFill>
+                <a:effectLst/>
+              </a:rPr>
+              <a:t>, et al. "</a:t>
+            </a:r>
+            <a:r>
+              <a:rPr lang="en-US" sz="800" dirty="0" err="1">
+                <a:solidFill>
+                  <a:schemeClr val="bg2">
+                    <a:lumMod val="50000"/>
+                  </a:schemeClr>
+                </a:solidFill>
+                <a:effectLst/>
+              </a:rPr>
+              <a:t>Vatlm</a:t>
+            </a:r>
+            <a:r>
+              <a:rPr lang="en-US" sz="800" dirty="0">
+                <a:solidFill>
+                  <a:schemeClr val="bg2">
+                    <a:lumMod val="50000"/>
+                  </a:schemeClr>
+                </a:solidFill>
+                <a:effectLst/>
+              </a:rPr>
+              <a:t>: Visual-audio-text pre-training with unified masked prediction for speech representation learning." IEEE Transactions on Multimedia (2023).</a:t>
+            </a:r>
+          </a:p>
+          <a:p>
+            <a:pPr marL="0" indent="0">
+              <a:buNone/>
+            </a:pPr>
+            <a:r>
+              <a:rPr lang="en-US" sz="800" dirty="0">
+                <a:solidFill>
+                  <a:schemeClr val="bg2">
+                    <a:lumMod val="50000"/>
+                  </a:schemeClr>
+                </a:solidFill>
+                <a:effectLst/>
+              </a:rPr>
+              <a:t>• [4] Shi, Bowen, et al. "Learning audio-visual speech representation by masked multimodal cluster prediction." ICLR (2022).</a:t>
+            </a:r>
+          </a:p>
+          <a:p>
+            <a:endParaRPr lang="de-DE" dirty="0"/>
           </a:p>
         </p:txBody>
       </p:sp>
@@ -15513,7 +17066,7 @@
           <p:cNvPr id="4" name="Datumsplatzhalter 3">
             <a:extLst>
               <a:ext uri="{FF2B5EF4-FFF2-40B4-BE49-F238E27FC236}">
-                <a16:creationId xmlns:a16="http://schemas.microsoft.com/office/drawing/2014/main" id="{3A3F07CD-B7D8-56ED-F1C0-AD943813A33D}"/>
+                <a16:creationId xmlns:a16="http://schemas.microsoft.com/office/drawing/2014/main" id="{EDD15EFB-FF5B-B4CA-55B9-6CC35A8EAF12}"/>
               </a:ext>
             </a:extLst>
           </p:cNvPr>
@@ -15542,7 +17095,7 @@
           <p:cNvPr id="5" name="Fußzeilenplatzhalter 4">
             <a:extLst>
               <a:ext uri="{FF2B5EF4-FFF2-40B4-BE49-F238E27FC236}">
-                <a16:creationId xmlns:a16="http://schemas.microsoft.com/office/drawing/2014/main" id="{BB74E4BF-436F-2407-CCA7-6DF73948D4BC}"/>
+                <a16:creationId xmlns:a16="http://schemas.microsoft.com/office/drawing/2014/main" id="{E7A447EA-958C-B9A2-64C2-FF1D7A366BDC}"/>
               </a:ext>
             </a:extLst>
           </p:cNvPr>
@@ -15571,7 +17124,7 @@
           <p:cNvPr id="6" name="Foliennummernplatzhalter 5">
             <a:extLst>
               <a:ext uri="{FF2B5EF4-FFF2-40B4-BE49-F238E27FC236}">
-                <a16:creationId xmlns:a16="http://schemas.microsoft.com/office/drawing/2014/main" id="{168096F9-3FB5-0C55-D6F4-1BCA6D935B80}"/>
+                <a16:creationId xmlns:a16="http://schemas.microsoft.com/office/drawing/2014/main" id="{0FA6D437-CFB6-C4C0-C250-EE2D2D7DD2FA}"/>
               </a:ext>
             </a:extLst>
           </p:cNvPr>
@@ -15589,7 +17142,7 @@
           <a:p>
             <a:fld id="{4589C08E-11F1-4614-AD94-2F79D605AB8D}" type="slidenum">
               <a:rPr lang="de-DE" smtClean="0"/>
-              <a:t>30</a:t>
+              <a:t>31</a:t>
             </a:fld>
             <a:endParaRPr lang="de-DE" dirty="0"/>
           </a:p>
@@ -15598,7 +17151,7 @@
     </p:spTree>
     <p:extLst>
       <p:ext uri="{BB962C8B-B14F-4D97-AF65-F5344CB8AC3E}">
-        <p14:creationId xmlns:p14="http://schemas.microsoft.com/office/powerpoint/2010/main" val="2915824135"/>
+        <p14:creationId xmlns:p14="http://schemas.microsoft.com/office/powerpoint/2010/main" val="3496448324"/>
       </p:ext>
     </p:extLst>
   </p:cSld>

--- a/presentation.pptx
+++ b/presentation.pptx
@@ -5,7 +5,7 @@
     <p:sldMasterId id="2147483648" r:id="rId1"/>
   </p:sldMasterIdLst>
   <p:notesMasterIdLst>
-    <p:notesMasterId r:id="rId33"/>
+    <p:notesMasterId r:id="rId36"/>
   </p:notesMasterIdLst>
   <p:sldIdLst>
     <p:sldId id="256" r:id="rId2"/>
@@ -27,18 +27,21 @@
     <p:sldId id="286" r:id="rId18"/>
     <p:sldId id="295" r:id="rId19"/>
     <p:sldId id="292" r:id="rId20"/>
-    <p:sldId id="268" r:id="rId21"/>
-    <p:sldId id="289" r:id="rId22"/>
-    <p:sldId id="290" r:id="rId23"/>
-    <p:sldId id="271" r:id="rId24"/>
-    <p:sldId id="296" r:id="rId25"/>
-    <p:sldId id="270" r:id="rId26"/>
-    <p:sldId id="300" r:id="rId27"/>
-    <p:sldId id="301" r:id="rId28"/>
-    <p:sldId id="303" r:id="rId29"/>
-    <p:sldId id="276" r:id="rId30"/>
-    <p:sldId id="277" r:id="rId31"/>
-    <p:sldId id="259" r:id="rId32"/>
+    <p:sldId id="304" r:id="rId21"/>
+    <p:sldId id="268" r:id="rId22"/>
+    <p:sldId id="289" r:id="rId23"/>
+    <p:sldId id="290" r:id="rId24"/>
+    <p:sldId id="271" r:id="rId25"/>
+    <p:sldId id="296" r:id="rId26"/>
+    <p:sldId id="305" r:id="rId27"/>
+    <p:sldId id="270" r:id="rId28"/>
+    <p:sldId id="300" r:id="rId29"/>
+    <p:sldId id="301" r:id="rId30"/>
+    <p:sldId id="303" r:id="rId31"/>
+    <p:sldId id="306" r:id="rId32"/>
+    <p:sldId id="276" r:id="rId33"/>
+    <p:sldId id="277" r:id="rId34"/>
+    <p:sldId id="259" r:id="rId35"/>
   </p:sldIdLst>
   <p:sldSz cx="12192000" cy="6858000"/>
   <p:notesSz cx="6858000" cy="9144000"/>
@@ -230,7 +233,7 @@
           <a:p>
             <a:fld id="{B72CCB43-93CC-4D9A-B1A7-BFC1DBB69676}" type="datetimeFigureOut">
               <a:rPr lang="de-DE" smtClean="0"/>
-              <a:t>16.11.2023</a:t>
+              <a:t>25.11.2023</a:t>
             </a:fld>
             <a:endParaRPr lang="de-DE" dirty="0"/>
           </a:p>
@@ -1121,7 +1124,10 @@
           <a:bodyPr/>
           <a:lstStyle/>
           <a:p>
-            <a:endParaRPr lang="en-GB" dirty="0"/>
+            <a:r>
+              <a:rPr lang="en-US" noProof="0" dirty="0"/>
+              <a:t>TODO maybe don‘t show</a:t>
+            </a:r>
           </a:p>
         </p:txBody>
       </p:sp>
@@ -1142,7 +1148,7 @@
           <a:p>
             <a:fld id="{9AD6FCE9-5A9D-455A-BE37-0E2337950A31}" type="slidenum">
               <a:rPr lang="de-DE" smtClean="0"/>
-              <a:t>16</a:t>
+              <a:t>15</a:t>
             </a:fld>
             <a:endParaRPr lang="de-DE" dirty="0"/>
           </a:p>
@@ -1151,7 +1157,7 @@
     </p:spTree>
     <p:extLst>
       <p:ext uri="{BB962C8B-B14F-4D97-AF65-F5344CB8AC3E}">
-        <p14:creationId xmlns:p14="http://schemas.microsoft.com/office/powerpoint/2010/main" val="1397060723"/>
+        <p14:creationId xmlns:p14="http://schemas.microsoft.com/office/powerpoint/2010/main" val="2280359272"/>
       </p:ext>
     </p:extLst>
   </p:cSld>
@@ -1205,133 +1211,7 @@
           <a:bodyPr/>
           <a:lstStyle/>
           <a:p>
-            <a:pPr marL="228600" marR="0" lvl="0" indent="-228600" algn="l" defTabSz="914400" rtl="0" eaLnBrk="1" fontAlgn="auto" latinLnBrk="0" hangingPunct="1">
-              <a:lnSpc>
-                <a:spcPct val="100000"/>
-              </a:lnSpc>
-              <a:spcBef>
-                <a:spcPts val="0"/>
-              </a:spcBef>
-              <a:spcAft>
-                <a:spcPts val="0"/>
-              </a:spcAft>
-              <a:buClrTx/>
-              <a:buSzTx/>
-              <a:buFontTx/>
-              <a:buAutoNum type="arabicPeriod"/>
-              <a:tabLst/>
-              <a:defRPr/>
-            </a:pPr>
-            <a:r>
-              <a:rPr lang="en-US" noProof="0" dirty="0"/>
-              <a:t>Text/Speech input gets encoded in shared representation space U and mapped into shared code book C.</a:t>
-            </a:r>
-          </a:p>
-          <a:p>
-            <a:pPr marL="228600" marR="0" lvl="0" indent="-228600" algn="l" defTabSz="914400" rtl="0" eaLnBrk="1" fontAlgn="auto" latinLnBrk="0" hangingPunct="1">
-              <a:lnSpc>
-                <a:spcPct val="100000"/>
-              </a:lnSpc>
-              <a:spcBef>
-                <a:spcPts val="0"/>
-              </a:spcBef>
-              <a:spcAft>
-                <a:spcPts val="0"/>
-              </a:spcAft>
-              <a:buClrTx/>
-              <a:buSzTx/>
-              <a:buFontTx/>
-              <a:buAutoNum type="arabicPeriod"/>
-              <a:tabLst/>
-              <a:defRPr/>
-            </a:pPr>
-            <a:r>
-              <a:rPr lang="en-US" noProof="0" dirty="0"/>
-              <a:t>Then randomly replace 10% of the contextual representations </a:t>
-            </a:r>
-          </a:p>
-          <a:p>
-            <a:pPr marL="228600" marR="0" lvl="0" indent="-228600" algn="l" defTabSz="914400" rtl="0" eaLnBrk="1" fontAlgn="auto" latinLnBrk="0" hangingPunct="1">
-              <a:lnSpc>
-                <a:spcPct val="100000"/>
-              </a:lnSpc>
-              <a:spcBef>
-                <a:spcPts val="0"/>
-              </a:spcBef>
-              <a:spcAft>
-                <a:spcPts val="0"/>
-              </a:spcAft>
-              <a:buClrTx/>
-              <a:buSzTx/>
-              <a:buFontTx/>
-              <a:buAutoNum type="arabicPeriod"/>
-              <a:tabLst/>
-              <a:defRPr/>
-            </a:pPr>
-            <a:endParaRPr lang="en-US" noProof="0" dirty="0"/>
-          </a:p>
-          <a:p>
-            <a:pPr marL="0" marR="0" lvl="0" indent="0" algn="l" defTabSz="914400" rtl="0" eaLnBrk="1" fontAlgn="auto" latinLnBrk="0" hangingPunct="1">
-              <a:lnSpc>
-                <a:spcPct val="100000"/>
-              </a:lnSpc>
-              <a:spcBef>
-                <a:spcPts val="0"/>
-              </a:spcBef>
-              <a:spcAft>
-                <a:spcPts val="0"/>
-              </a:spcAft>
-              <a:buClrTx/>
-              <a:buSzTx/>
-              <a:buFontTx/>
-              <a:buNone/>
-              <a:tabLst/>
-              <a:defRPr/>
-            </a:pPr>
-            <a:r>
-              <a:rPr lang="en-US" noProof="0" dirty="0"/>
-              <a:t>You can use this model as Text-to-Speech, Speech-to-Speech, Speech-to-Text, Text-to-Text by putting the other input as zero</a:t>
-            </a:r>
-          </a:p>
-          <a:p>
-            <a:pPr marL="228600" marR="0" lvl="0" indent="-228600" algn="l" defTabSz="914400" rtl="0" eaLnBrk="1" fontAlgn="auto" latinLnBrk="0" hangingPunct="1">
-              <a:lnSpc>
-                <a:spcPct val="100000"/>
-              </a:lnSpc>
-              <a:spcBef>
-                <a:spcPts val="0"/>
-              </a:spcBef>
-              <a:spcAft>
-                <a:spcPts val="0"/>
-              </a:spcAft>
-              <a:buClrTx/>
-              <a:buSzTx/>
-              <a:buFontTx/>
-              <a:buAutoNum type="arabicPeriod"/>
-              <a:tabLst/>
-              <a:defRPr/>
-            </a:pPr>
-            <a:endParaRPr lang="en-US" noProof="0" dirty="0"/>
-          </a:p>
-          <a:p>
-            <a:pPr marL="228600" marR="0" lvl="0" indent="-228600" algn="l" defTabSz="914400" rtl="0" eaLnBrk="1" fontAlgn="auto" latinLnBrk="0" hangingPunct="1">
-              <a:lnSpc>
-                <a:spcPct val="100000"/>
-              </a:lnSpc>
-              <a:spcBef>
-                <a:spcPts val="0"/>
-              </a:spcBef>
-              <a:spcAft>
-                <a:spcPts val="0"/>
-              </a:spcAft>
-              <a:buClrTx/>
-              <a:buSzTx/>
-              <a:buFontTx/>
-              <a:buAutoNum type="arabicPeriod"/>
-              <a:tabLst/>
-              <a:defRPr/>
-            </a:pPr>
-            <a:endParaRPr lang="de-DE" dirty="0"/>
+            <a:endParaRPr lang="en-GB" dirty="0"/>
           </a:p>
         </p:txBody>
       </p:sp>
@@ -1352,7 +1232,7 @@
           <a:p>
             <a:fld id="{9AD6FCE9-5A9D-455A-BE37-0E2337950A31}" type="slidenum">
               <a:rPr lang="de-DE" smtClean="0"/>
-              <a:t>17</a:t>
+              <a:t>16</a:t>
             </a:fld>
             <a:endParaRPr lang="de-DE" dirty="0"/>
           </a:p>
@@ -1361,7 +1241,7 @@
     </p:spTree>
     <p:extLst>
       <p:ext uri="{BB962C8B-B14F-4D97-AF65-F5344CB8AC3E}">
-        <p14:creationId xmlns:p14="http://schemas.microsoft.com/office/powerpoint/2010/main" val="1814303562"/>
+        <p14:creationId xmlns:p14="http://schemas.microsoft.com/office/powerpoint/2010/main" val="1397060723"/>
       </p:ext>
     </p:extLst>
   </p:cSld>
@@ -1415,7 +1295,325 @@
           <a:bodyPr/>
           <a:lstStyle/>
           <a:p>
-            <a:endParaRPr lang="en-GB" dirty="0"/>
+            <a:pPr marL="0" marR="0" lvl="0" indent="0" algn="l" defTabSz="914400" rtl="0" eaLnBrk="1" fontAlgn="auto" latinLnBrk="0" hangingPunct="1">
+              <a:lnSpc>
+                <a:spcPct val="100000"/>
+              </a:lnSpc>
+              <a:spcBef>
+                <a:spcPts val="0"/>
+              </a:spcBef>
+              <a:spcAft>
+                <a:spcPts val="0"/>
+              </a:spcAft>
+              <a:buClrTx/>
+              <a:buSzTx/>
+              <a:buFontTx/>
+              <a:buNone/>
+              <a:tabLst/>
+              <a:defRPr/>
+            </a:pPr>
+            <a:r>
+              <a:rPr lang="en-US" noProof="0" dirty="0"/>
+              <a:t>First Speech and Text pre-training:</a:t>
+            </a:r>
+          </a:p>
+          <a:p>
+            <a:pPr marL="228600" marR="0" lvl="0" indent="-228600" algn="l" defTabSz="914400" rtl="0" eaLnBrk="1" fontAlgn="auto" latinLnBrk="0" hangingPunct="1">
+              <a:lnSpc>
+                <a:spcPct val="100000"/>
+              </a:lnSpc>
+              <a:spcBef>
+                <a:spcPts val="0"/>
+              </a:spcBef>
+              <a:spcAft>
+                <a:spcPts val="0"/>
+              </a:spcAft>
+              <a:buClrTx/>
+              <a:buSzTx/>
+              <a:buFontTx/>
+              <a:buAutoNum type="arabicPeriod"/>
+              <a:tabLst/>
+              <a:defRPr/>
+            </a:pPr>
+            <a:r>
+              <a:rPr lang="en-US" sz="900" noProof="0" dirty="0">
+                <a:solidFill>
+                  <a:schemeClr val="accent1"/>
+                </a:solidFill>
+              </a:rPr>
+              <a:t>(Speech) Bidirectional masked prediction and seq2seq generation</a:t>
+            </a:r>
+          </a:p>
+          <a:p>
+            <a:pPr marL="228600" marR="0" lvl="0" indent="-228600" algn="l" defTabSz="914400" rtl="0" eaLnBrk="1" fontAlgn="auto" latinLnBrk="0" hangingPunct="1">
+              <a:lnSpc>
+                <a:spcPct val="100000"/>
+              </a:lnSpc>
+              <a:spcBef>
+                <a:spcPts val="0"/>
+              </a:spcBef>
+              <a:spcAft>
+                <a:spcPts val="0"/>
+              </a:spcAft>
+              <a:buClrTx/>
+              <a:buSzTx/>
+              <a:buFontTx/>
+              <a:buAutoNum type="arabicPeriod"/>
+              <a:tabLst/>
+              <a:defRPr/>
+            </a:pPr>
+            <a:r>
+              <a:rPr lang="en-US" sz="900" noProof="0" dirty="0">
+                <a:solidFill>
+                  <a:schemeClr val="accent1"/>
+                </a:solidFill>
+              </a:rPr>
+              <a:t>(Text) Also masked prediction</a:t>
+            </a:r>
+          </a:p>
+          <a:p>
+            <a:pPr marL="0" marR="0" lvl="0" indent="0" algn="l" defTabSz="914400" rtl="0" eaLnBrk="1" fontAlgn="auto" latinLnBrk="0" hangingPunct="1">
+              <a:lnSpc>
+                <a:spcPct val="100000"/>
+              </a:lnSpc>
+              <a:spcBef>
+                <a:spcPts val="0"/>
+              </a:spcBef>
+              <a:spcAft>
+                <a:spcPts val="0"/>
+              </a:spcAft>
+              <a:buClrTx/>
+              <a:buSzTx/>
+              <a:buFontTx/>
+              <a:buNone/>
+              <a:tabLst/>
+              <a:defRPr/>
+            </a:pPr>
+            <a:endParaRPr lang="en-US" noProof="0" dirty="0"/>
+          </a:p>
+          <a:p>
+            <a:pPr marL="0" marR="0" lvl="0" indent="0" algn="l" defTabSz="914400" rtl="0" eaLnBrk="1" fontAlgn="auto" latinLnBrk="0" hangingPunct="1">
+              <a:lnSpc>
+                <a:spcPct val="100000"/>
+              </a:lnSpc>
+              <a:spcBef>
+                <a:spcPts val="0"/>
+              </a:spcBef>
+              <a:spcAft>
+                <a:spcPts val="0"/>
+              </a:spcAft>
+              <a:buClrTx/>
+              <a:buSzTx/>
+              <a:buFontTx/>
+              <a:buNone/>
+              <a:tabLst/>
+              <a:defRPr/>
+            </a:pPr>
+            <a:r>
+              <a:rPr lang="en-US" noProof="0" dirty="0"/>
+              <a:t>Shared Pre-training:</a:t>
+            </a:r>
+          </a:p>
+          <a:p>
+            <a:pPr marL="228600" marR="0" lvl="0" indent="-228600" algn="l" defTabSz="914400" rtl="0" eaLnBrk="1" fontAlgn="auto" latinLnBrk="0" hangingPunct="1">
+              <a:lnSpc>
+                <a:spcPct val="100000"/>
+              </a:lnSpc>
+              <a:spcBef>
+                <a:spcPts val="0"/>
+              </a:spcBef>
+              <a:spcAft>
+                <a:spcPts val="0"/>
+              </a:spcAft>
+              <a:buClrTx/>
+              <a:buSzTx/>
+              <a:buFontTx/>
+              <a:buAutoNum type="arabicPeriod"/>
+              <a:tabLst/>
+              <a:defRPr/>
+            </a:pPr>
+            <a:r>
+              <a:rPr lang="en-US" noProof="0" dirty="0"/>
+              <a:t>Text/Speech input gets encoded in shared representation space U and discretized into a shared code book C. (nearest neighbor search)</a:t>
+            </a:r>
+          </a:p>
+          <a:p>
+            <a:pPr marL="228600" marR="0" lvl="0" indent="-228600" algn="l" defTabSz="914400" rtl="0" eaLnBrk="1" fontAlgn="auto" latinLnBrk="0" hangingPunct="1">
+              <a:lnSpc>
+                <a:spcPct val="100000"/>
+              </a:lnSpc>
+              <a:spcBef>
+                <a:spcPts val="0"/>
+              </a:spcBef>
+              <a:spcAft>
+                <a:spcPts val="0"/>
+              </a:spcAft>
+              <a:buClrTx/>
+              <a:buSzTx/>
+              <a:buFontTx/>
+              <a:buAutoNum type="arabicPeriod"/>
+              <a:tabLst/>
+              <a:defRPr/>
+            </a:pPr>
+            <a:r>
+              <a:rPr lang="en-US" noProof="0" dirty="0"/>
+              <a:t>Then randomly replace 10% of the discrete representations with the continuous.</a:t>
+            </a:r>
+          </a:p>
+          <a:p>
+            <a:pPr marL="228600" marR="0" lvl="0" indent="-228600" algn="l" defTabSz="914400" rtl="0" eaLnBrk="1" fontAlgn="auto" latinLnBrk="0" hangingPunct="1">
+              <a:lnSpc>
+                <a:spcPct val="100000"/>
+              </a:lnSpc>
+              <a:spcBef>
+                <a:spcPts val="0"/>
+              </a:spcBef>
+              <a:spcAft>
+                <a:spcPts val="0"/>
+              </a:spcAft>
+              <a:buClrTx/>
+              <a:buSzTx/>
+              <a:buFontTx/>
+              <a:buAutoNum type="arabicPeriod"/>
+              <a:tabLst/>
+              <a:defRPr/>
+            </a:pPr>
+            <a:r>
+              <a:rPr lang="en-US" noProof="0" dirty="0"/>
+              <a:t>Finally calculate cross-attention with mixed representations</a:t>
+            </a:r>
+          </a:p>
+          <a:p>
+            <a:pPr marL="228600" marR="0" lvl="0" indent="-228600" algn="l" defTabSz="914400" rtl="0" eaLnBrk="1" fontAlgn="auto" latinLnBrk="0" hangingPunct="1">
+              <a:lnSpc>
+                <a:spcPct val="100000"/>
+              </a:lnSpc>
+              <a:spcBef>
+                <a:spcPts val="0"/>
+              </a:spcBef>
+              <a:spcAft>
+                <a:spcPts val="0"/>
+              </a:spcAft>
+              <a:buClrTx/>
+              <a:buSzTx/>
+              <a:buFontTx/>
+              <a:buAutoNum type="arabicPeriod"/>
+              <a:tabLst/>
+              <a:defRPr/>
+            </a:pPr>
+            <a:r>
+              <a:rPr lang="en-US" noProof="0" dirty="0"/>
+              <a:t>Apply loss function that encourages codebook sharing</a:t>
+            </a:r>
+          </a:p>
+          <a:p>
+            <a:pPr marL="0" marR="0" lvl="0" indent="0" algn="l" defTabSz="914400" rtl="0" eaLnBrk="1" fontAlgn="auto" latinLnBrk="0" hangingPunct="1">
+              <a:lnSpc>
+                <a:spcPct val="100000"/>
+              </a:lnSpc>
+              <a:spcBef>
+                <a:spcPts val="0"/>
+              </a:spcBef>
+              <a:spcAft>
+                <a:spcPts val="0"/>
+              </a:spcAft>
+              <a:buClrTx/>
+              <a:buSzTx/>
+              <a:buFontTx/>
+              <a:buNone/>
+              <a:tabLst/>
+              <a:defRPr/>
+            </a:pPr>
+            <a:endParaRPr lang="en-US" noProof="0" dirty="0"/>
+          </a:p>
+          <a:p>
+            <a:pPr marL="0" marR="0" lvl="0" indent="0" algn="l" defTabSz="914400" rtl="0" eaLnBrk="1" fontAlgn="auto" latinLnBrk="0" hangingPunct="1">
+              <a:lnSpc>
+                <a:spcPct val="100000"/>
+              </a:lnSpc>
+              <a:spcBef>
+                <a:spcPts val="0"/>
+              </a:spcBef>
+              <a:spcAft>
+                <a:spcPts val="0"/>
+              </a:spcAft>
+              <a:buClrTx/>
+              <a:buSzTx/>
+              <a:buFontTx/>
+              <a:buNone/>
+              <a:tabLst/>
+              <a:defRPr/>
+            </a:pPr>
+            <a:r>
+              <a:rPr lang="en-US" noProof="0" dirty="0"/>
+              <a:t>You can use this model as Text-to-Speech, Speech-to-Speech, Speech-to-Text, Text-to-Text by putting the other input as zero</a:t>
+            </a:r>
+          </a:p>
+          <a:p>
+            <a:pPr marL="0" marR="0" lvl="0" indent="0" algn="l" defTabSz="914400" rtl="0" eaLnBrk="1" fontAlgn="auto" latinLnBrk="0" hangingPunct="1">
+              <a:lnSpc>
+                <a:spcPct val="100000"/>
+              </a:lnSpc>
+              <a:spcBef>
+                <a:spcPts val="0"/>
+              </a:spcBef>
+              <a:spcAft>
+                <a:spcPts val="0"/>
+              </a:spcAft>
+              <a:buClrTx/>
+              <a:buSzTx/>
+              <a:buFontTx/>
+              <a:buNone/>
+              <a:tabLst/>
+              <a:defRPr/>
+            </a:pPr>
+            <a:endParaRPr lang="de-DE" noProof="0" dirty="0"/>
+          </a:p>
+          <a:p>
+            <a:pPr marL="0" marR="0" lvl="0" indent="0" algn="l" defTabSz="914400" rtl="0" eaLnBrk="1" fontAlgn="auto" latinLnBrk="0" hangingPunct="1">
+              <a:lnSpc>
+                <a:spcPct val="100000"/>
+              </a:lnSpc>
+              <a:spcBef>
+                <a:spcPts val="0"/>
+              </a:spcBef>
+              <a:spcAft>
+                <a:spcPts val="0"/>
+              </a:spcAft>
+              <a:buClrTx/>
+              <a:buSzTx/>
+              <a:buFontTx/>
+              <a:buNone/>
+              <a:tabLst/>
+              <a:defRPr/>
+            </a:pPr>
+            <a:r>
+              <a:rPr lang="en-US" noProof="0" dirty="0"/>
+              <a:t>Speech encoder: wav2vec 2.0 model</a:t>
+            </a:r>
+          </a:p>
+          <a:p>
+            <a:pPr marL="0" marR="0" lvl="0" indent="0" algn="l" defTabSz="914400" rtl="0" eaLnBrk="1" fontAlgn="auto" latinLnBrk="0" hangingPunct="1">
+              <a:lnSpc>
+                <a:spcPct val="100000"/>
+              </a:lnSpc>
+              <a:spcBef>
+                <a:spcPts val="0"/>
+              </a:spcBef>
+              <a:spcAft>
+                <a:spcPts val="0"/>
+              </a:spcAft>
+              <a:buClrTx/>
+              <a:buSzTx/>
+              <a:buFontTx/>
+              <a:buNone/>
+              <a:tabLst/>
+              <a:defRPr/>
+            </a:pPr>
+            <a:r>
+              <a:rPr lang="en-US" noProof="0" dirty="0"/>
+              <a:t>Decoder pre-nets: Auto-regressive generation like in original transformer paper…</a:t>
+            </a:r>
           </a:p>
         </p:txBody>
       </p:sp>
@@ -1436,7 +1634,7 @@
           <a:p>
             <a:fld id="{9AD6FCE9-5A9D-455A-BE37-0E2337950A31}" type="slidenum">
               <a:rPr lang="de-DE" smtClean="0"/>
-              <a:t>18</a:t>
+              <a:t>17</a:t>
             </a:fld>
             <a:endParaRPr lang="de-DE" dirty="0"/>
           </a:p>
@@ -1445,7 +1643,7 @@
     </p:spTree>
     <p:extLst>
       <p:ext uri="{BB962C8B-B14F-4D97-AF65-F5344CB8AC3E}">
-        <p14:creationId xmlns:p14="http://schemas.microsoft.com/office/powerpoint/2010/main" val="719077294"/>
+        <p14:creationId xmlns:p14="http://schemas.microsoft.com/office/powerpoint/2010/main" val="1814303562"/>
       </p:ext>
     </p:extLst>
   </p:cSld>
@@ -1520,7 +1718,7 @@
           <a:p>
             <a:fld id="{9AD6FCE9-5A9D-455A-BE37-0E2337950A31}" type="slidenum">
               <a:rPr lang="de-DE" smtClean="0"/>
-              <a:t>19</a:t>
+              <a:t>18</a:t>
             </a:fld>
             <a:endParaRPr lang="de-DE" dirty="0"/>
           </a:p>
@@ -1529,7 +1727,7 @@
     </p:spTree>
     <p:extLst>
       <p:ext uri="{BB962C8B-B14F-4D97-AF65-F5344CB8AC3E}">
-        <p14:creationId xmlns:p14="http://schemas.microsoft.com/office/powerpoint/2010/main" val="554393631"/>
+        <p14:creationId xmlns:p14="http://schemas.microsoft.com/office/powerpoint/2010/main" val="719077294"/>
       </p:ext>
     </p:extLst>
   </p:cSld>
@@ -1583,130 +1781,6 @@
           <a:bodyPr/>
           <a:lstStyle/>
           <a:p>
-            <a:r>
-              <a:rPr lang="de-DE" dirty="0" err="1"/>
-              <a:t>Masking</a:t>
-            </a:r>
-            <a:r>
-              <a:rPr lang="de-DE" dirty="0"/>
-              <a:t> </a:t>
-            </a:r>
-            <a:r>
-              <a:rPr lang="de-DE" dirty="0" err="1"/>
-              <a:t>by</a:t>
-            </a:r>
-            <a:r>
-              <a:rPr lang="de-DE" dirty="0"/>
-              <a:t> </a:t>
-            </a:r>
-            <a:r>
-              <a:rPr lang="de-DE" dirty="0" err="1"/>
-              <a:t>substitution</a:t>
-            </a:r>
-            <a:r>
-              <a:rPr lang="de-DE" dirty="0"/>
-              <a:t>: </a:t>
-            </a:r>
-            <a:r>
-              <a:rPr lang="de-DE" dirty="0" err="1"/>
-              <a:t>Instead</a:t>
-            </a:r>
-            <a:r>
-              <a:rPr lang="de-DE" dirty="0"/>
-              <a:t> of simple </a:t>
-            </a:r>
-            <a:r>
-              <a:rPr lang="de-DE" dirty="0" err="1"/>
-              <a:t>masking</a:t>
-            </a:r>
-            <a:r>
-              <a:rPr lang="de-DE" dirty="0"/>
-              <a:t>, </a:t>
-            </a:r>
-            <a:r>
-              <a:rPr lang="de-DE" dirty="0" err="1"/>
-              <a:t>use</a:t>
-            </a:r>
-            <a:r>
-              <a:rPr lang="de-DE" dirty="0"/>
-              <a:t> </a:t>
-            </a:r>
-            <a:r>
-              <a:rPr lang="de-DE" dirty="0" err="1"/>
-              <a:t>random</a:t>
-            </a:r>
-            <a:r>
-              <a:rPr lang="de-DE" dirty="0"/>
-              <a:t> </a:t>
-            </a:r>
-            <a:r>
-              <a:rPr lang="de-DE" dirty="0" err="1"/>
-              <a:t>segments</a:t>
-            </a:r>
-            <a:r>
-              <a:rPr lang="de-DE" dirty="0"/>
-              <a:t> </a:t>
-            </a:r>
-            <a:r>
-              <a:rPr lang="de-DE" dirty="0" err="1"/>
-              <a:t>from</a:t>
-            </a:r>
-            <a:r>
-              <a:rPr lang="de-DE" dirty="0"/>
-              <a:t> same </a:t>
-            </a:r>
-            <a:r>
-              <a:rPr lang="de-DE" dirty="0" err="1"/>
-              <a:t>video</a:t>
-            </a:r>
-            <a:r>
-              <a:rPr lang="de-DE" dirty="0"/>
-              <a:t>. Tasks </a:t>
-            </a:r>
-            <a:r>
-              <a:rPr lang="de-DE" dirty="0" err="1"/>
-              <a:t>are</a:t>
-            </a:r>
-            <a:r>
-              <a:rPr lang="de-DE" dirty="0"/>
-              <a:t> </a:t>
-            </a:r>
-            <a:r>
-              <a:rPr lang="de-DE" dirty="0" err="1"/>
-              <a:t>identifying</a:t>
-            </a:r>
-            <a:r>
-              <a:rPr lang="de-DE" dirty="0"/>
-              <a:t> fake </a:t>
-            </a:r>
-            <a:r>
-              <a:rPr lang="de-DE" dirty="0" err="1"/>
-              <a:t>frames</a:t>
-            </a:r>
-            <a:r>
-              <a:rPr lang="de-DE" dirty="0"/>
-              <a:t>, </a:t>
-            </a:r>
-            <a:r>
-              <a:rPr lang="de-DE" dirty="0" err="1"/>
-              <a:t>then</a:t>
-            </a:r>
-            <a:r>
-              <a:rPr lang="de-DE" dirty="0"/>
-              <a:t> </a:t>
-            </a:r>
-            <a:r>
-              <a:rPr lang="de-DE" dirty="0" err="1"/>
-              <a:t>predict</a:t>
-            </a:r>
-            <a:r>
-              <a:rPr lang="de-DE" dirty="0"/>
-              <a:t> original frame </a:t>
-            </a:r>
-            <a:r>
-              <a:rPr lang="de-DE" dirty="0" err="1"/>
-              <a:t>label</a:t>
-            </a:r>
             <a:endParaRPr lang="en-GB" dirty="0"/>
           </a:p>
         </p:txBody>
@@ -1728,7 +1802,7 @@
           <a:p>
             <a:fld id="{9AD6FCE9-5A9D-455A-BE37-0E2337950A31}" type="slidenum">
               <a:rPr lang="de-DE" smtClean="0"/>
-              <a:t>22</a:t>
+              <a:t>19</a:t>
             </a:fld>
             <a:endParaRPr lang="de-DE" dirty="0"/>
           </a:p>
@@ -1737,7 +1811,7 @@
     </p:spTree>
     <p:extLst>
       <p:ext uri="{BB962C8B-B14F-4D97-AF65-F5344CB8AC3E}">
-        <p14:creationId xmlns:p14="http://schemas.microsoft.com/office/powerpoint/2010/main" val="3483592530"/>
+        <p14:creationId xmlns:p14="http://schemas.microsoft.com/office/powerpoint/2010/main" val="554393631"/>
       </p:ext>
     </p:extLst>
   </p:cSld>
@@ -1791,7 +1865,10 @@
           <a:bodyPr/>
           <a:lstStyle/>
           <a:p>
-            <a:endParaRPr lang="en-GB" dirty="0"/>
+            <a:r>
+              <a:rPr lang="en-US" noProof="0" dirty="0"/>
+              <a:t>There is an improvement by adding joint pre training  and an even bigger improvement by adding text pre-training for downstream speech tasks</a:t>
+            </a:r>
           </a:p>
         </p:txBody>
       </p:sp>
@@ -1812,7 +1889,7 @@
           <a:p>
             <a:fld id="{9AD6FCE9-5A9D-455A-BE37-0E2337950A31}" type="slidenum">
               <a:rPr lang="de-DE" smtClean="0"/>
-              <a:t>23</a:t>
+              <a:t>20</a:t>
             </a:fld>
             <a:endParaRPr lang="de-DE" dirty="0"/>
           </a:p>
@@ -1821,7 +1898,7 @@
     </p:spTree>
     <p:extLst>
       <p:ext uri="{BB962C8B-B14F-4D97-AF65-F5344CB8AC3E}">
-        <p14:creationId xmlns:p14="http://schemas.microsoft.com/office/powerpoint/2010/main" val="3865802692"/>
+        <p14:creationId xmlns:p14="http://schemas.microsoft.com/office/powerpoint/2010/main" val="3039880485"/>
       </p:ext>
     </p:extLst>
   </p:cSld>
@@ -1875,6 +1952,134 @@
           <a:bodyPr/>
           <a:lstStyle/>
           <a:p>
+            <a:r>
+              <a:rPr lang="de-DE" dirty="0" err="1"/>
+              <a:t>Masking</a:t>
+            </a:r>
+            <a:r>
+              <a:rPr lang="de-DE" dirty="0"/>
+              <a:t> </a:t>
+            </a:r>
+            <a:r>
+              <a:rPr lang="de-DE" dirty="0" err="1"/>
+              <a:t>by</a:t>
+            </a:r>
+            <a:r>
+              <a:rPr lang="de-DE" dirty="0"/>
+              <a:t> </a:t>
+            </a:r>
+            <a:r>
+              <a:rPr lang="de-DE" dirty="0" err="1"/>
+              <a:t>substitution</a:t>
+            </a:r>
+            <a:r>
+              <a:rPr lang="de-DE" dirty="0"/>
+              <a:t>: </a:t>
+            </a:r>
+            <a:r>
+              <a:rPr lang="de-DE" dirty="0" err="1"/>
+              <a:t>Instead</a:t>
+            </a:r>
+            <a:r>
+              <a:rPr lang="de-DE" dirty="0"/>
+              <a:t> of simple </a:t>
+            </a:r>
+            <a:r>
+              <a:rPr lang="de-DE" dirty="0" err="1"/>
+              <a:t>masking</a:t>
+            </a:r>
+            <a:r>
+              <a:rPr lang="de-DE" dirty="0"/>
+              <a:t>, </a:t>
+            </a:r>
+            <a:r>
+              <a:rPr lang="de-DE" dirty="0" err="1"/>
+              <a:t>use</a:t>
+            </a:r>
+            <a:r>
+              <a:rPr lang="de-DE" dirty="0"/>
+              <a:t> </a:t>
+            </a:r>
+            <a:r>
+              <a:rPr lang="de-DE" dirty="0" err="1"/>
+              <a:t>random</a:t>
+            </a:r>
+            <a:r>
+              <a:rPr lang="de-DE" dirty="0"/>
+              <a:t> </a:t>
+            </a:r>
+            <a:r>
+              <a:rPr lang="de-DE" dirty="0" err="1"/>
+              <a:t>segments</a:t>
+            </a:r>
+            <a:r>
+              <a:rPr lang="de-DE" dirty="0"/>
+              <a:t> </a:t>
+            </a:r>
+            <a:r>
+              <a:rPr lang="de-DE" dirty="0" err="1"/>
+              <a:t>from</a:t>
+            </a:r>
+            <a:r>
+              <a:rPr lang="de-DE" dirty="0"/>
+              <a:t> same </a:t>
+            </a:r>
+            <a:r>
+              <a:rPr lang="de-DE" dirty="0" err="1"/>
+              <a:t>video</a:t>
+            </a:r>
+            <a:r>
+              <a:rPr lang="de-DE" dirty="0"/>
+              <a:t>. Task </a:t>
+            </a:r>
+            <a:r>
+              <a:rPr lang="de-DE" dirty="0" err="1"/>
+              <a:t>is</a:t>
+            </a:r>
+            <a:r>
+              <a:rPr lang="de-DE" dirty="0"/>
+              <a:t> </a:t>
+            </a:r>
+            <a:r>
+              <a:rPr lang="de-DE" dirty="0" err="1"/>
+              <a:t>to</a:t>
+            </a:r>
+            <a:r>
+              <a:rPr lang="de-DE" dirty="0"/>
+              <a:t> </a:t>
+            </a:r>
+            <a:r>
+              <a:rPr lang="de-DE" dirty="0" err="1"/>
+              <a:t>identify</a:t>
+            </a:r>
+            <a:r>
+              <a:rPr lang="de-DE" dirty="0"/>
+              <a:t> fake </a:t>
+            </a:r>
+            <a:r>
+              <a:rPr lang="de-DE" dirty="0" err="1"/>
+              <a:t>frames</a:t>
+            </a:r>
+            <a:r>
+              <a:rPr lang="de-DE" dirty="0"/>
+              <a:t>, </a:t>
+            </a:r>
+            <a:r>
+              <a:rPr lang="de-DE" dirty="0" err="1"/>
+              <a:t>then</a:t>
+            </a:r>
+            <a:r>
+              <a:rPr lang="de-DE" dirty="0"/>
+              <a:t> </a:t>
+            </a:r>
+            <a:r>
+              <a:rPr lang="de-DE" dirty="0" err="1"/>
+              <a:t>predict</a:t>
+            </a:r>
+            <a:r>
+              <a:rPr lang="de-DE" dirty="0"/>
+              <a:t> original frame</a:t>
+            </a:r>
             <a:endParaRPr lang="en-GB" dirty="0"/>
           </a:p>
         </p:txBody>
@@ -1896,7 +2101,7 @@
           <a:p>
             <a:fld id="{9AD6FCE9-5A9D-455A-BE37-0E2337950A31}" type="slidenum">
               <a:rPr lang="de-DE" smtClean="0"/>
-              <a:t>24</a:t>
+              <a:t>23</a:t>
             </a:fld>
             <a:endParaRPr lang="de-DE" dirty="0"/>
           </a:p>
@@ -1905,7 +2110,7 @@
     </p:spTree>
     <p:extLst>
       <p:ext uri="{BB962C8B-B14F-4D97-AF65-F5344CB8AC3E}">
-        <p14:creationId xmlns:p14="http://schemas.microsoft.com/office/powerpoint/2010/main" val="3548385982"/>
+        <p14:creationId xmlns:p14="http://schemas.microsoft.com/office/powerpoint/2010/main" val="3483592530"/>
       </p:ext>
     </p:extLst>
   </p:cSld>
@@ -1959,45 +2164,7 @@
           <a:bodyPr/>
           <a:lstStyle/>
           <a:p>
-            <a:r>
-              <a:rPr lang="en-US" noProof="0" dirty="0"/>
-              <a:t>Model consists of independent encoders for each channel, a fusion module and a transformer encoder</a:t>
-            </a:r>
-          </a:p>
-          <a:p>
-            <a:r>
-              <a:rPr lang="en-US" noProof="0" dirty="0"/>
-              <a:t>Audio and visual features are extracted and then discretized with a pre-trained AV-</a:t>
-            </a:r>
-            <a:r>
-              <a:rPr lang="en-US" noProof="0" dirty="0" err="1"/>
-              <a:t>HuBERT</a:t>
-            </a:r>
-            <a:r>
-              <a:rPr lang="en-US" noProof="0" dirty="0"/>
-              <a:t> model’s clusters.</a:t>
-            </a:r>
-          </a:p>
-          <a:p>
-            <a:r>
-              <a:rPr lang="en-GB" dirty="0"/>
-              <a:t>The text input is translated into phonemes, then into phoneme features</a:t>
-            </a:r>
-          </a:p>
-          <a:p>
-            <a:r>
-              <a:rPr lang="en-GB" dirty="0"/>
-              <a:t>The features get concatenated as input for the transformer encoder</a:t>
-            </a:r>
-          </a:p>
-          <a:p>
             <a:endParaRPr lang="en-GB" dirty="0"/>
-          </a:p>
-          <a:p>
-            <a:r>
-              <a:rPr lang="en-GB" dirty="0"/>
-              <a:t>For fine-tuning, the representations of the encoder are used as input for a transformer decoder.</a:t>
-            </a:r>
           </a:p>
         </p:txBody>
       </p:sp>
@@ -2018,7 +2185,7 @@
           <a:p>
             <a:fld id="{9AD6FCE9-5A9D-455A-BE37-0E2337950A31}" type="slidenum">
               <a:rPr lang="de-DE" smtClean="0"/>
-              <a:t>26</a:t>
+              <a:t>24</a:t>
             </a:fld>
             <a:endParaRPr lang="de-DE" dirty="0"/>
           </a:p>
@@ -2027,7 +2194,7 @@
     </p:spTree>
     <p:extLst>
       <p:ext uri="{BB962C8B-B14F-4D97-AF65-F5344CB8AC3E}">
-        <p14:creationId xmlns:p14="http://schemas.microsoft.com/office/powerpoint/2010/main" val="1082328344"/>
+        <p14:creationId xmlns:p14="http://schemas.microsoft.com/office/powerpoint/2010/main" val="3865802692"/>
       </p:ext>
     </p:extLst>
   </p:cSld>
@@ -2083,6 +2250,76 @@
           <a:p>
             <a:r>
               <a:rPr lang="de-DE" dirty="0"/>
+              <a:t>Goal: </a:t>
+            </a:r>
+            <a:r>
+              <a:rPr lang="de-DE" dirty="0" err="1"/>
+              <a:t>Build</a:t>
+            </a:r>
+            <a:r>
+              <a:rPr lang="de-DE" dirty="0"/>
+              <a:t> </a:t>
+            </a:r>
+            <a:r>
+              <a:rPr lang="de-DE" dirty="0" err="1"/>
+              <a:t>model</a:t>
+            </a:r>
+            <a:r>
+              <a:rPr lang="de-DE" dirty="0"/>
+              <a:t> </a:t>
+            </a:r>
+            <a:r>
+              <a:rPr lang="de-DE" dirty="0" err="1"/>
+              <a:t>that</a:t>
+            </a:r>
+            <a:r>
+              <a:rPr lang="de-DE" dirty="0"/>
+              <a:t> </a:t>
+            </a:r>
+            <a:r>
+              <a:rPr lang="de-DE" dirty="0" err="1"/>
+              <a:t>learns</a:t>
+            </a:r>
+            <a:r>
+              <a:rPr lang="de-DE" dirty="0"/>
+              <a:t> </a:t>
+            </a:r>
+            <a:r>
+              <a:rPr lang="de-DE" dirty="0" err="1"/>
+              <a:t>representation</a:t>
+            </a:r>
+            <a:r>
+              <a:rPr lang="de-DE" dirty="0"/>
+              <a:t> of </a:t>
+            </a:r>
+            <a:r>
+              <a:rPr lang="de-DE" dirty="0" err="1"/>
+              <a:t>speech</a:t>
+            </a:r>
+            <a:r>
+              <a:rPr lang="de-DE" dirty="0"/>
+              <a:t> in </a:t>
+            </a:r>
+            <a:r>
+              <a:rPr lang="de-DE" dirty="0" err="1"/>
+              <a:t>some</a:t>
+            </a:r>
+            <a:r>
+              <a:rPr lang="de-DE" dirty="0"/>
+              <a:t> latent </a:t>
+            </a:r>
+            <a:r>
+              <a:rPr lang="de-DE" dirty="0" err="1"/>
+              <a:t>space</a:t>
+            </a:r>
+            <a:endParaRPr lang="de-DE" dirty="0"/>
+          </a:p>
+          <a:p>
+            <a:endParaRPr lang="de-DE" dirty="0"/>
+          </a:p>
+          <a:p>
+            <a:r>
+              <a:rPr lang="de-DE" dirty="0"/>
               <a:t>Downstream Tasks: </a:t>
             </a:r>
             <a:r>
@@ -2105,11 +2342,19 @@
           <a:p>
             <a:r>
               <a:rPr lang="de-DE" dirty="0" err="1"/>
-              <a:t>Acoustic</a:t>
-            </a:r>
-            <a:r>
-              <a:rPr lang="de-DE" dirty="0"/>
-              <a:t> Word </a:t>
+              <a:t>Similar</a:t>
+            </a:r>
+            <a:r>
+              <a:rPr lang="de-DE" dirty="0"/>
+              <a:t> </a:t>
+            </a:r>
+            <a:r>
+              <a:rPr lang="de-DE" dirty="0" err="1"/>
+              <a:t>to</a:t>
+            </a:r>
+            <a:r>
+              <a:rPr lang="de-DE" dirty="0"/>
+              <a:t> Text Word </a:t>
             </a:r>
             <a:r>
               <a:rPr lang="de-DE" dirty="0" err="1"/>
@@ -2117,94 +2362,62 @@
             </a:r>
             <a:r>
               <a:rPr lang="de-DE" dirty="0"/>
+              <a:t>, but </a:t>
+            </a:r>
+            <a:r>
+              <a:rPr lang="de-DE" b="0" dirty="0" err="1"/>
+              <a:t>using</a:t>
+            </a:r>
+            <a:r>
+              <a:rPr lang="de-DE" b="0" dirty="0"/>
+              <a:t> variable-</a:t>
+            </a:r>
+            <a:r>
+              <a:rPr lang="de-DE" b="0" dirty="0" err="1"/>
+              <a:t>length</a:t>
+            </a:r>
+            <a:r>
+              <a:rPr lang="de-DE" b="0" dirty="0"/>
               <a:t> </a:t>
             </a:r>
             <a:r>
-              <a:rPr lang="de-DE" dirty="0" err="1"/>
-              <a:t>are</a:t>
-            </a:r>
-            <a:r>
-              <a:rPr lang="de-DE" dirty="0"/>
-              <a:t> in turn </a:t>
-            </a:r>
-            <a:r>
-              <a:rPr lang="de-DE" dirty="0" err="1"/>
-              <a:t>similar</a:t>
-            </a:r>
-            <a:r>
-              <a:rPr lang="de-DE" dirty="0"/>
+              <a:rPr lang="de-DE" b="0" dirty="0" err="1"/>
+              <a:t>audio</a:t>
+            </a:r>
+            <a:r>
+              <a:rPr lang="de-DE" b="0" dirty="0"/>
               <a:t> </a:t>
             </a:r>
             <a:r>
-              <a:rPr lang="de-DE" dirty="0" err="1"/>
-              <a:t>to</a:t>
-            </a:r>
-            <a:r>
-              <a:rPr lang="de-DE" dirty="0"/>
+              <a:rPr lang="de-DE" b="0" dirty="0" err="1"/>
+              <a:t>signals</a:t>
+            </a:r>
+            <a:r>
+              <a:rPr lang="de-DE" b="0" dirty="0"/>
               <a:t> </a:t>
             </a:r>
             <a:r>
-              <a:rPr lang="de-DE" dirty="0" err="1"/>
-              <a:t>Semantic</a:t>
-            </a:r>
-            <a:r>
-              <a:rPr lang="de-DE" dirty="0"/>
-              <a:t> Text Word </a:t>
-            </a:r>
-            <a:r>
-              <a:rPr lang="de-DE" dirty="0" err="1"/>
-              <a:t>Embeddings</a:t>
-            </a:r>
-            <a:r>
-              <a:rPr lang="de-DE" dirty="0"/>
-              <a:t>, but </a:t>
-            </a:r>
-            <a:r>
-              <a:rPr lang="de-DE" dirty="0" err="1"/>
-              <a:t>using</a:t>
-            </a:r>
-            <a:r>
-              <a:rPr lang="de-DE" dirty="0"/>
-              <a:t> variable-</a:t>
-            </a:r>
-            <a:r>
-              <a:rPr lang="de-DE" dirty="0" err="1"/>
-              <a:t>length</a:t>
-            </a:r>
-            <a:r>
-              <a:rPr lang="de-DE" dirty="0"/>
+              <a:rPr lang="de-DE" b="0" dirty="0" err="1"/>
+              <a:t>instead</a:t>
+            </a:r>
+            <a:r>
+              <a:rPr lang="de-DE" b="0" dirty="0"/>
+              <a:t> of </a:t>
+            </a:r>
+            <a:r>
+              <a:rPr lang="de-DE" b="0" dirty="0" err="1"/>
+              <a:t>textual</a:t>
+            </a:r>
+            <a:r>
+              <a:rPr lang="de-DE" b="0" dirty="0"/>
               <a:t> </a:t>
             </a:r>
             <a:r>
-              <a:rPr lang="de-DE" dirty="0" err="1"/>
-              <a:t>audio</a:t>
-            </a:r>
-            <a:r>
-              <a:rPr lang="de-DE" dirty="0"/>
-              <a:t> </a:t>
-            </a:r>
-            <a:r>
-              <a:rPr lang="de-DE" dirty="0" err="1"/>
-              <a:t>signals</a:t>
-            </a:r>
-            <a:r>
-              <a:rPr lang="de-DE" dirty="0"/>
-              <a:t> </a:t>
-            </a:r>
-            <a:r>
-              <a:rPr lang="de-DE" dirty="0" err="1"/>
-              <a:t>instead</a:t>
-            </a:r>
-            <a:r>
-              <a:rPr lang="de-DE" dirty="0"/>
-              <a:t> of </a:t>
-            </a:r>
-            <a:r>
-              <a:rPr lang="de-DE" dirty="0" err="1"/>
+              <a:rPr lang="de-DE" b="0" dirty="0" err="1"/>
               <a:t>words</a:t>
             </a:r>
             <a:r>
-              <a:rPr lang="de-DE" dirty="0"/>
+              <a:rPr lang="de-DE" b="0" dirty="0"/>
               <a:t> [https://medium.com/@maobedkova/acoustic-word-embeddings-fc3f1a8f0519]</a:t>
             </a:r>
           </a:p>
@@ -2463,7 +2676,498 @@
           <a:p>
             <a:fld id="{9AD6FCE9-5A9D-455A-BE37-0E2337950A31}" type="slidenum">
               <a:rPr lang="de-DE" smtClean="0"/>
+              <a:t>25</a:t>
+            </a:fld>
+            <a:endParaRPr lang="de-DE" dirty="0"/>
+          </a:p>
+        </p:txBody>
+      </p:sp>
+    </p:spTree>
+    <p:extLst>
+      <p:ext uri="{BB962C8B-B14F-4D97-AF65-F5344CB8AC3E}">
+        <p14:creationId xmlns:p14="http://schemas.microsoft.com/office/powerpoint/2010/main" val="3548385982"/>
+      </p:ext>
+    </p:extLst>
+  </p:cSld>
+  <p:clrMapOvr>
+    <a:masterClrMapping/>
+  </p:clrMapOvr>
+</p:notes>
+</file>
+
+<file path=ppt/notesSlides/notesSlide21.xml><?xml version="1.0" encoding="utf-8"?>
+<p:notes xmlns:a="http://schemas.openxmlformats.org/drawingml/2006/main" xmlns:r="http://schemas.openxmlformats.org/officeDocument/2006/relationships" xmlns:p="http://schemas.openxmlformats.org/presentationml/2006/main">
+  <p:cSld>
+    <p:spTree>
+      <p:nvGrpSpPr>
+        <p:cNvPr id="1" name=""/>
+        <p:cNvGrpSpPr/>
+        <p:nvPr/>
+      </p:nvGrpSpPr>
+      <p:grpSpPr>
+        <a:xfrm>
+          <a:off x="0" y="0"/>
+          <a:ext cx="0" cy="0"/>
+          <a:chOff x="0" y="0"/>
+          <a:chExt cx="0" cy="0"/>
+        </a:xfrm>
+      </p:grpSpPr>
+      <p:sp>
+        <p:nvSpPr>
+          <p:cNvPr id="2" name="Folienbildplatzhalter 1"/>
+          <p:cNvSpPr>
+            <a:spLocks noGrp="1" noRot="1" noChangeAspect="1"/>
+          </p:cNvSpPr>
+          <p:nvPr>
+            <p:ph type="sldImg"/>
+          </p:nvPr>
+        </p:nvSpPr>
+        <p:spPr/>
+      </p:sp>
+      <p:sp>
+        <p:nvSpPr>
+          <p:cNvPr id="3" name="Notizenplatzhalter 2"/>
+          <p:cNvSpPr>
+            <a:spLocks noGrp="1"/>
+          </p:cNvSpPr>
+          <p:nvPr>
+            <p:ph type="body" idx="1"/>
+          </p:nvPr>
+        </p:nvSpPr>
+        <p:spPr/>
+        <p:txBody>
+          <a:bodyPr/>
+          <a:lstStyle/>
+          <a:p>
+            <a:r>
+              <a:rPr lang="de-DE" dirty="0" err="1"/>
+              <a:t>They</a:t>
+            </a:r>
+            <a:r>
+              <a:rPr lang="de-DE" dirty="0"/>
+              <a:t> </a:t>
+            </a:r>
+            <a:r>
+              <a:rPr lang="de-DE" dirty="0" err="1"/>
+              <a:t>showed</a:t>
+            </a:r>
+            <a:r>
+              <a:rPr lang="de-DE" dirty="0"/>
+              <a:t> </a:t>
+            </a:r>
+            <a:r>
+              <a:rPr lang="de-DE" dirty="0" err="1"/>
+              <a:t>that</a:t>
+            </a:r>
+            <a:r>
+              <a:rPr lang="de-DE" dirty="0"/>
+              <a:t> </a:t>
+            </a:r>
+            <a:r>
+              <a:rPr lang="de-DE" dirty="0" err="1"/>
+              <a:t>modality</a:t>
+            </a:r>
+            <a:r>
+              <a:rPr lang="de-DE" dirty="0"/>
+              <a:t> </a:t>
+            </a:r>
+            <a:r>
+              <a:rPr lang="de-DE" dirty="0" err="1"/>
+              <a:t>dropout</a:t>
+            </a:r>
+            <a:r>
+              <a:rPr lang="de-DE" dirty="0"/>
+              <a:t> </a:t>
+            </a:r>
+            <a:r>
+              <a:rPr lang="de-DE" dirty="0" err="1"/>
+              <a:t>is</a:t>
+            </a:r>
+            <a:r>
+              <a:rPr lang="de-DE" dirty="0"/>
+              <a:t> </a:t>
+            </a:r>
+            <a:r>
+              <a:rPr lang="de-DE" dirty="0" err="1"/>
+              <a:t>helping</a:t>
+            </a:r>
+            <a:r>
+              <a:rPr lang="de-DE" dirty="0"/>
+              <a:t> </a:t>
+            </a:r>
+            <a:r>
+              <a:rPr lang="de-DE" dirty="0" err="1"/>
+              <a:t>against</a:t>
+            </a:r>
+            <a:r>
+              <a:rPr lang="de-DE" dirty="0"/>
+              <a:t> </a:t>
+            </a:r>
+            <a:r>
+              <a:rPr lang="de-DE" dirty="0" err="1"/>
+              <a:t>over</a:t>
+            </a:r>
+            <a:r>
+              <a:rPr lang="de-DE" dirty="0"/>
+              <a:t> </a:t>
+            </a:r>
+            <a:r>
+              <a:rPr lang="de-DE" dirty="0" err="1"/>
+              <a:t>relying</a:t>
+            </a:r>
+            <a:r>
+              <a:rPr lang="de-DE" dirty="0"/>
+              <a:t> on </a:t>
+            </a:r>
+            <a:r>
+              <a:rPr lang="de-DE" dirty="0" err="1"/>
+              <a:t>the</a:t>
+            </a:r>
+            <a:r>
+              <a:rPr lang="de-DE" dirty="0"/>
+              <a:t> </a:t>
+            </a:r>
+            <a:r>
+              <a:rPr lang="de-DE" dirty="0" err="1"/>
+              <a:t>audio</a:t>
+            </a:r>
+            <a:r>
+              <a:rPr lang="de-DE" dirty="0"/>
+              <a:t> </a:t>
+            </a:r>
+            <a:r>
+              <a:rPr lang="de-DE" dirty="0" err="1"/>
+              <a:t>data</a:t>
+            </a:r>
+            <a:endParaRPr lang="de-DE" dirty="0"/>
+          </a:p>
+          <a:p>
+            <a:endParaRPr lang="de-DE" dirty="0"/>
+          </a:p>
+          <a:p>
+            <a:endParaRPr lang="de-DE" dirty="0"/>
+          </a:p>
+          <a:p>
+            <a:r>
+              <a:rPr lang="de-DE" dirty="0" err="1"/>
+              <a:t>Only</a:t>
+            </a:r>
+            <a:r>
+              <a:rPr lang="de-DE" dirty="0"/>
+              <a:t> </a:t>
+            </a:r>
+            <a:r>
+              <a:rPr lang="de-DE" dirty="0" err="1"/>
+              <a:t>tested</a:t>
+            </a:r>
+            <a:r>
+              <a:rPr lang="de-DE" dirty="0"/>
+              <a:t> </a:t>
+            </a:r>
+            <a:r>
+              <a:rPr lang="de-DE" dirty="0" err="1"/>
+              <a:t>for</a:t>
+            </a:r>
+            <a:r>
+              <a:rPr lang="de-DE" dirty="0"/>
+              <a:t> different </a:t>
+            </a:r>
+            <a:r>
+              <a:rPr lang="de-DE" dirty="0" err="1"/>
+              <a:t>masking</a:t>
+            </a:r>
+            <a:r>
+              <a:rPr lang="de-DE" dirty="0"/>
+              <a:t> </a:t>
+            </a:r>
+            <a:r>
+              <a:rPr lang="de-DE" dirty="0" err="1"/>
+              <a:t>probabilities</a:t>
+            </a:r>
+            <a:endParaRPr lang="de-DE" dirty="0"/>
+          </a:p>
+          <a:p>
+            <a:r>
+              <a:rPr lang="de-DE" dirty="0" err="1"/>
+              <a:t>Leaving</a:t>
+            </a:r>
+            <a:r>
+              <a:rPr lang="de-DE" dirty="0"/>
+              <a:t> </a:t>
+            </a:r>
+            <a:r>
+              <a:rPr lang="de-DE" dirty="0" err="1"/>
+              <a:t>one</a:t>
+            </a:r>
+            <a:r>
+              <a:rPr lang="de-DE" dirty="0"/>
+              <a:t> </a:t>
+            </a:r>
+            <a:r>
+              <a:rPr lang="de-DE" dirty="0" err="1"/>
+              <a:t>output</a:t>
+            </a:r>
+            <a:r>
+              <a:rPr lang="de-DE" dirty="0"/>
+              <a:t> out </a:t>
+            </a:r>
+            <a:r>
+              <a:rPr lang="de-DE" dirty="0" err="1"/>
+              <a:t>would</a:t>
+            </a:r>
+            <a:r>
+              <a:rPr lang="de-DE" dirty="0"/>
+              <a:t> </a:t>
+            </a:r>
+            <a:r>
+              <a:rPr lang="de-DE" dirty="0" err="1"/>
+              <a:t>be</a:t>
+            </a:r>
+            <a:r>
+              <a:rPr lang="de-DE" dirty="0"/>
+              <a:t> </a:t>
+            </a:r>
+            <a:r>
+              <a:rPr lang="de-DE" dirty="0" err="1"/>
+              <a:t>counter</a:t>
+            </a:r>
+            <a:r>
+              <a:rPr lang="de-DE" dirty="0"/>
+              <a:t> intuitive</a:t>
+            </a:r>
+          </a:p>
+          <a:p>
+            <a:endParaRPr lang="de-DE" dirty="0"/>
+          </a:p>
+          <a:p>
+            <a:endParaRPr lang="en-GB" dirty="0"/>
+          </a:p>
+        </p:txBody>
+      </p:sp>
+      <p:sp>
+        <p:nvSpPr>
+          <p:cNvPr id="4" name="Foliennummernplatzhalter 3"/>
+          <p:cNvSpPr>
+            <a:spLocks noGrp="1"/>
+          </p:cNvSpPr>
+          <p:nvPr>
+            <p:ph type="sldNum" sz="quarter" idx="5"/>
+          </p:nvPr>
+        </p:nvSpPr>
+        <p:spPr/>
+        <p:txBody>
+          <a:bodyPr/>
+          <a:lstStyle/>
+          <a:p>
+            <a:fld id="{9AD6FCE9-5A9D-455A-BE37-0E2337950A31}" type="slidenum">
+              <a:rPr lang="de-DE" smtClean="0"/>
+              <a:t>26</a:t>
+            </a:fld>
+            <a:endParaRPr lang="de-DE" dirty="0"/>
+          </a:p>
+        </p:txBody>
+      </p:sp>
+    </p:spTree>
+    <p:extLst>
+      <p:ext uri="{BB962C8B-B14F-4D97-AF65-F5344CB8AC3E}">
+        <p14:creationId xmlns:p14="http://schemas.microsoft.com/office/powerpoint/2010/main" val="843852673"/>
+      </p:ext>
+    </p:extLst>
+  </p:cSld>
+  <p:clrMapOvr>
+    <a:masterClrMapping/>
+  </p:clrMapOvr>
+</p:notes>
+</file>
+
+<file path=ppt/notesSlides/notesSlide22.xml><?xml version="1.0" encoding="utf-8"?>
+<p:notes xmlns:a="http://schemas.openxmlformats.org/drawingml/2006/main" xmlns:r="http://schemas.openxmlformats.org/officeDocument/2006/relationships" xmlns:p="http://schemas.openxmlformats.org/presentationml/2006/main">
+  <p:cSld>
+    <p:spTree>
+      <p:nvGrpSpPr>
+        <p:cNvPr id="1" name=""/>
+        <p:cNvGrpSpPr/>
+        <p:nvPr/>
+      </p:nvGrpSpPr>
+      <p:grpSpPr>
+        <a:xfrm>
+          <a:off x="0" y="0"/>
+          <a:ext cx="0" cy="0"/>
+          <a:chOff x="0" y="0"/>
+          <a:chExt cx="0" cy="0"/>
+        </a:xfrm>
+      </p:grpSpPr>
+      <p:sp>
+        <p:nvSpPr>
+          <p:cNvPr id="2" name="Folienbildplatzhalter 1"/>
+          <p:cNvSpPr>
+            <a:spLocks noGrp="1" noRot="1" noChangeAspect="1"/>
+          </p:cNvSpPr>
+          <p:nvPr>
+            <p:ph type="sldImg"/>
+          </p:nvPr>
+        </p:nvSpPr>
+        <p:spPr/>
+      </p:sp>
+      <p:sp>
+        <p:nvSpPr>
+          <p:cNvPr id="3" name="Notizenplatzhalter 2"/>
+          <p:cNvSpPr>
+            <a:spLocks noGrp="1"/>
+          </p:cNvSpPr>
+          <p:nvPr>
+            <p:ph type="body" idx="1"/>
+          </p:nvPr>
+        </p:nvSpPr>
+        <p:spPr/>
+        <p:txBody>
+          <a:bodyPr/>
+          <a:lstStyle/>
+          <a:p>
+            <a:r>
+              <a:rPr lang="en-US" noProof="0" dirty="0"/>
+              <a:t>Model consists of independent encoders for each channel, a fusion module and a transformer encoder</a:t>
+            </a:r>
+          </a:p>
+          <a:p>
+            <a:r>
+              <a:rPr lang="en-US" noProof="0" dirty="0"/>
+              <a:t>Audio and visual features are extracted and then discretized with a pre-trained AV-</a:t>
+            </a:r>
+            <a:r>
+              <a:rPr lang="en-US" noProof="0" dirty="0" err="1"/>
+              <a:t>HuBERT</a:t>
+            </a:r>
+            <a:r>
+              <a:rPr lang="en-US" noProof="0" dirty="0"/>
+              <a:t> model’s clusters.</a:t>
+            </a:r>
+          </a:p>
+          <a:p>
+            <a:r>
+              <a:rPr lang="en-GB" dirty="0"/>
+              <a:t>The text input is translated into phonemes, then into phoneme features</a:t>
+            </a:r>
+          </a:p>
+          <a:p>
+            <a:r>
+              <a:rPr lang="en-GB" dirty="0"/>
+              <a:t>The features get concatenated as input for the transformer encoder</a:t>
+            </a:r>
+          </a:p>
+          <a:p>
+            <a:endParaRPr lang="en-GB" dirty="0"/>
+          </a:p>
+          <a:p>
+            <a:r>
+              <a:rPr lang="en-GB" dirty="0"/>
+              <a:t>For fine-tuning, the representations of the encoder are used as input for a transformer decoder.</a:t>
+            </a:r>
+          </a:p>
+        </p:txBody>
+      </p:sp>
+      <p:sp>
+        <p:nvSpPr>
+          <p:cNvPr id="4" name="Foliennummernplatzhalter 3"/>
+          <p:cNvSpPr>
+            <a:spLocks noGrp="1"/>
+          </p:cNvSpPr>
+          <p:nvPr>
+            <p:ph type="sldNum" sz="quarter" idx="5"/>
+          </p:nvPr>
+        </p:nvSpPr>
+        <p:spPr/>
+        <p:txBody>
+          <a:bodyPr/>
+          <a:lstStyle/>
+          <a:p>
+            <a:fld id="{9AD6FCE9-5A9D-455A-BE37-0E2337950A31}" type="slidenum">
+              <a:rPr lang="de-DE" smtClean="0"/>
               <a:t>28</a:t>
+            </a:fld>
+            <a:endParaRPr lang="de-DE" dirty="0"/>
+          </a:p>
+        </p:txBody>
+      </p:sp>
+    </p:spTree>
+    <p:extLst>
+      <p:ext uri="{BB962C8B-B14F-4D97-AF65-F5344CB8AC3E}">
+        <p14:creationId xmlns:p14="http://schemas.microsoft.com/office/powerpoint/2010/main" val="1082328344"/>
+      </p:ext>
+    </p:extLst>
+  </p:cSld>
+  <p:clrMapOvr>
+    <a:masterClrMapping/>
+  </p:clrMapOvr>
+</p:notes>
+</file>
+
+<file path=ppt/notesSlides/notesSlide23.xml><?xml version="1.0" encoding="utf-8"?>
+<p:notes xmlns:a="http://schemas.openxmlformats.org/drawingml/2006/main" xmlns:r="http://schemas.openxmlformats.org/officeDocument/2006/relationships" xmlns:p="http://schemas.openxmlformats.org/presentationml/2006/main">
+  <p:cSld>
+    <p:spTree>
+      <p:nvGrpSpPr>
+        <p:cNvPr id="1" name=""/>
+        <p:cNvGrpSpPr/>
+        <p:nvPr/>
+      </p:nvGrpSpPr>
+      <p:grpSpPr>
+        <a:xfrm>
+          <a:off x="0" y="0"/>
+          <a:ext cx="0" cy="0"/>
+          <a:chOff x="0" y="0"/>
+          <a:chExt cx="0" cy="0"/>
+        </a:xfrm>
+      </p:grpSpPr>
+      <p:sp>
+        <p:nvSpPr>
+          <p:cNvPr id="2" name="Folienbildplatzhalter 1"/>
+          <p:cNvSpPr>
+            <a:spLocks noGrp="1" noRot="1" noChangeAspect="1"/>
+          </p:cNvSpPr>
+          <p:nvPr>
+            <p:ph type="sldImg"/>
+          </p:nvPr>
+        </p:nvSpPr>
+        <p:spPr/>
+      </p:sp>
+      <p:sp>
+        <p:nvSpPr>
+          <p:cNvPr id="3" name="Notizenplatzhalter 2"/>
+          <p:cNvSpPr>
+            <a:spLocks noGrp="1"/>
+          </p:cNvSpPr>
+          <p:nvPr>
+            <p:ph type="body" idx="1"/>
+          </p:nvPr>
+        </p:nvSpPr>
+        <p:spPr/>
+        <p:txBody>
+          <a:bodyPr/>
+          <a:lstStyle/>
+          <a:p>
+            <a:endParaRPr lang="en-GB" dirty="0"/>
+          </a:p>
+        </p:txBody>
+      </p:sp>
+      <p:sp>
+        <p:nvSpPr>
+          <p:cNvPr id="4" name="Foliennummernplatzhalter 3"/>
+          <p:cNvSpPr>
+            <a:spLocks noGrp="1"/>
+          </p:cNvSpPr>
+          <p:nvPr>
+            <p:ph type="sldNum" sz="quarter" idx="5"/>
+          </p:nvPr>
+        </p:nvSpPr>
+        <p:spPr/>
+        <p:txBody>
+          <a:bodyPr/>
+          <a:lstStyle/>
+          <a:p>
+            <a:fld id="{9AD6FCE9-5A9D-455A-BE37-0E2337950A31}" type="slidenum">
+              <a:rPr lang="de-DE" smtClean="0"/>
+              <a:t>30</a:t>
             </a:fld>
             <a:endParaRPr lang="de-DE" dirty="0"/>
           </a:p>
@@ -2473,6 +3177,90 @@
     <p:extLst>
       <p:ext uri="{BB962C8B-B14F-4D97-AF65-F5344CB8AC3E}">
         <p14:creationId xmlns:p14="http://schemas.microsoft.com/office/powerpoint/2010/main" val="2776923097"/>
+      </p:ext>
+    </p:extLst>
+  </p:cSld>
+  <p:clrMapOvr>
+    <a:masterClrMapping/>
+  </p:clrMapOvr>
+</p:notes>
+</file>
+
+<file path=ppt/notesSlides/notesSlide24.xml><?xml version="1.0" encoding="utf-8"?>
+<p:notes xmlns:a="http://schemas.openxmlformats.org/drawingml/2006/main" xmlns:r="http://schemas.openxmlformats.org/officeDocument/2006/relationships" xmlns:p="http://schemas.openxmlformats.org/presentationml/2006/main">
+  <p:cSld>
+    <p:spTree>
+      <p:nvGrpSpPr>
+        <p:cNvPr id="1" name=""/>
+        <p:cNvGrpSpPr/>
+        <p:nvPr/>
+      </p:nvGrpSpPr>
+      <p:grpSpPr>
+        <a:xfrm>
+          <a:off x="0" y="0"/>
+          <a:ext cx="0" cy="0"/>
+          <a:chOff x="0" y="0"/>
+          <a:chExt cx="0" cy="0"/>
+        </a:xfrm>
+      </p:grpSpPr>
+      <p:sp>
+        <p:nvSpPr>
+          <p:cNvPr id="2" name="Folienbildplatzhalter 1"/>
+          <p:cNvSpPr>
+            <a:spLocks noGrp="1" noRot="1" noChangeAspect="1"/>
+          </p:cNvSpPr>
+          <p:nvPr>
+            <p:ph type="sldImg"/>
+          </p:nvPr>
+        </p:nvSpPr>
+        <p:spPr/>
+      </p:sp>
+      <p:sp>
+        <p:nvSpPr>
+          <p:cNvPr id="3" name="Notizenplatzhalter 2"/>
+          <p:cNvSpPr>
+            <a:spLocks noGrp="1"/>
+          </p:cNvSpPr>
+          <p:nvPr>
+            <p:ph type="body" idx="1"/>
+          </p:nvPr>
+        </p:nvSpPr>
+        <p:spPr/>
+        <p:txBody>
+          <a:bodyPr/>
+          <a:lstStyle/>
+          <a:p>
+            <a:endParaRPr lang="en-GB" dirty="0"/>
+          </a:p>
+        </p:txBody>
+      </p:sp>
+      <p:sp>
+        <p:nvSpPr>
+          <p:cNvPr id="4" name="Foliennummernplatzhalter 3"/>
+          <p:cNvSpPr>
+            <a:spLocks noGrp="1"/>
+          </p:cNvSpPr>
+          <p:nvPr>
+            <p:ph type="sldNum" sz="quarter" idx="5"/>
+          </p:nvPr>
+        </p:nvSpPr>
+        <p:spPr/>
+        <p:txBody>
+          <a:bodyPr/>
+          <a:lstStyle/>
+          <a:p>
+            <a:fld id="{9AD6FCE9-5A9D-455A-BE37-0E2337950A31}" type="slidenum">
+              <a:rPr lang="de-DE" smtClean="0"/>
+              <a:t>31</a:t>
+            </a:fld>
+            <a:endParaRPr lang="de-DE" dirty="0"/>
+          </a:p>
+        </p:txBody>
+      </p:sp>
+    </p:spTree>
+    <p:extLst>
+      <p:ext uri="{BB962C8B-B14F-4D97-AF65-F5344CB8AC3E}">
+        <p14:creationId xmlns:p14="http://schemas.microsoft.com/office/powerpoint/2010/main" val="2232721745"/>
       </p:ext>
     </p:extLst>
   </p:cSld>
@@ -2586,6 +3374,16 @@
               <a:tabLst/>
               <a:defRPr/>
             </a:pPr>
+            <a:r>
+              <a:rPr lang="en-US" dirty="0"/>
+              <a:t>Noise is common in audio input and not so common in textual input </a:t>
+            </a:r>
+            <a:r>
+              <a:rPr lang="en-US" dirty="0">
+                <a:sym typeface="Wingdings" panose="05000000000000000000" pitchFamily="2" charset="2"/>
+              </a:rPr>
+              <a:t> New challenges</a:t>
+            </a:r>
             <a:endParaRPr lang="en-US" dirty="0"/>
           </a:p>
           <a:p>
@@ -2632,7 +3430,10 @@
             </a:r>
           </a:p>
           <a:p>
-            <a:endParaRPr lang="en-GB" dirty="0"/>
+            <a:r>
+              <a:rPr lang="en-GB" dirty="0"/>
+              <a:t>Speaker identification low level features, translation high level</a:t>
+            </a:r>
           </a:p>
         </p:txBody>
       </p:sp>
@@ -3061,22 +3862,11 @@
           <a:p>
             <a:r>
               <a:rPr lang="de-DE" dirty="0"/>
-              <a:t>C</a:t>
-            </a:r>
-            <a:r>
-              <a:rPr lang="en-GB" dirty="0" err="1"/>
-              <a:t>onstrastive</a:t>
-            </a:r>
-            <a:r>
-              <a:rPr lang="en-GB" dirty="0"/>
-              <a:t>:</a:t>
-            </a:r>
-            <a:endParaRPr lang="de-DE" dirty="0"/>
-          </a:p>
-          <a:p>
+              <a:t>The </a:t>
+            </a:r>
             <a:r>
               <a:rPr lang="de-DE" dirty="0" err="1"/>
-              <a:t>Get</a:t>
+              <a:t>aim</a:t>
             </a:r>
             <a:r>
               <a:rPr lang="de-DE" dirty="0"/>
@@ -3084,7 +3874,7 @@
             </a:r>
             <a:r>
               <a:rPr lang="de-DE" dirty="0" err="1"/>
-              <a:t>similar</a:t>
+              <a:t>is</a:t>
             </a:r>
             <a:r>
               <a:rPr lang="de-DE" dirty="0"/>
@@ -3092,7 +3882,71 @@
             </a:r>
             <a:r>
               <a:rPr lang="de-DE" dirty="0" err="1"/>
-              <a:t>samples</a:t>
+              <a:t>to</a:t>
+            </a:r>
+            <a:r>
+              <a:rPr lang="de-DE" dirty="0"/>
+              <a:t> </a:t>
+            </a:r>
+            <a:r>
+              <a:rPr lang="de-DE" dirty="0" err="1"/>
+              <a:t>get</a:t>
+            </a:r>
+            <a:r>
+              <a:rPr lang="de-DE" dirty="0"/>
+              <a:t> a latent </a:t>
+            </a:r>
+            <a:r>
+              <a:rPr lang="de-DE" dirty="0" err="1"/>
+              <a:t>space</a:t>
+            </a:r>
+            <a:r>
+              <a:rPr lang="de-DE" dirty="0"/>
+              <a:t> </a:t>
+            </a:r>
+            <a:r>
+              <a:rPr lang="de-DE" dirty="0" err="1"/>
+              <a:t>with</a:t>
+            </a:r>
+            <a:r>
+              <a:rPr lang="de-DE" dirty="0"/>
+              <a:t> </a:t>
+            </a:r>
+            <a:r>
+              <a:rPr lang="de-DE" dirty="0" err="1"/>
+              <a:t>good</a:t>
+            </a:r>
+            <a:r>
+              <a:rPr lang="de-DE" dirty="0"/>
+              <a:t> </a:t>
+            </a:r>
+            <a:r>
+              <a:rPr lang="de-DE" dirty="0" err="1"/>
+              <a:t>characteristics</a:t>
+            </a:r>
+            <a:r>
+              <a:rPr lang="de-DE" dirty="0"/>
+              <a:t> like </a:t>
+            </a:r>
+            <a:r>
+              <a:rPr lang="de-DE" dirty="0" err="1"/>
+              <a:t>semantic</a:t>
+            </a:r>
+            <a:r>
+              <a:rPr lang="de-DE" dirty="0"/>
+              <a:t> </a:t>
+            </a:r>
+            <a:r>
+              <a:rPr lang="de-DE" dirty="0" err="1"/>
+              <a:t>word</a:t>
+            </a:r>
+            <a:r>
+              <a:rPr lang="de-DE" dirty="0"/>
+              <a:t> </a:t>
+            </a:r>
+            <a:r>
+              <a:rPr lang="de-DE" dirty="0" err="1"/>
+              <a:t>embeddings</a:t>
             </a:r>
             <a:r>
               <a:rPr lang="de-DE" dirty="0"/>
@@ -3108,7 +3962,7 @@
             </a:r>
             <a:r>
               <a:rPr lang="de-DE" dirty="0" err="1"/>
-              <a:t>example</a:t>
+              <a:t>text</a:t>
             </a:r>
             <a:r>
               <a:rPr lang="de-DE" dirty="0"/>
@@ -3116,107 +3970,13 @@
             </a:r>
             <a:r>
               <a:rPr lang="de-DE" dirty="0" err="1"/>
-              <a:t>by</a:t>
-            </a:r>
-            <a:r>
-              <a:rPr lang="de-DE" dirty="0"/>
-              <a:t> </a:t>
-            </a:r>
-            <a:r>
-              <a:rPr lang="de-DE" dirty="0" err="1"/>
-              <a:t>augmenting</a:t>
-            </a:r>
-            <a:endParaRPr lang="de-DE" dirty="0"/>
-          </a:p>
-          <a:p>
-            <a:r>
-              <a:rPr lang="de-DE" dirty="0"/>
-              <a:t>Can also </a:t>
-            </a:r>
-            <a:r>
-              <a:rPr lang="de-DE" dirty="0" err="1"/>
-              <a:t>treat</a:t>
-            </a:r>
-            <a:r>
-              <a:rPr lang="de-DE" dirty="0"/>
-              <a:t> all </a:t>
-            </a:r>
-            <a:r>
-              <a:rPr lang="de-DE" dirty="0" err="1"/>
-              <a:t>samples</a:t>
-            </a:r>
-            <a:r>
-              <a:rPr lang="de-DE" dirty="0"/>
-              <a:t> in a </a:t>
-            </a:r>
-            <a:r>
-              <a:rPr lang="de-DE" dirty="0" err="1"/>
-              <a:t>batch</a:t>
-            </a:r>
-            <a:r>
-              <a:rPr lang="de-DE" dirty="0"/>
-              <a:t> </a:t>
-            </a:r>
-            <a:r>
-              <a:rPr lang="de-DE" dirty="0" err="1"/>
-              <a:t>as</a:t>
-            </a:r>
-            <a:r>
-              <a:rPr lang="de-DE" dirty="0"/>
-              <a:t> negatives. </a:t>
-            </a:r>
-            <a:r>
-              <a:rPr lang="de-DE" dirty="0" err="1"/>
-              <a:t>With</a:t>
-            </a:r>
-            <a:r>
-              <a:rPr lang="de-DE" dirty="0"/>
-              <a:t> </a:t>
-            </a:r>
-            <a:r>
-              <a:rPr lang="de-DE" dirty="0" err="1"/>
-              <a:t>big</a:t>
-            </a:r>
-            <a:r>
-              <a:rPr lang="de-DE" dirty="0"/>
-              <a:t> </a:t>
-            </a:r>
-            <a:r>
-              <a:rPr lang="de-DE" dirty="0" err="1"/>
-              <a:t>enough</a:t>
-            </a:r>
-            <a:r>
-              <a:rPr lang="de-DE" dirty="0"/>
-              <a:t> </a:t>
-            </a:r>
-            <a:r>
-              <a:rPr lang="de-DE" dirty="0" err="1"/>
-              <a:t>batch</a:t>
-            </a:r>
-            <a:r>
-              <a:rPr lang="de-DE" dirty="0"/>
-              <a:t> </a:t>
-            </a:r>
-            <a:r>
-              <a:rPr lang="de-DE" dirty="0" err="1"/>
-              <a:t>this</a:t>
-            </a:r>
-            <a:r>
-              <a:rPr lang="de-DE" dirty="0"/>
-              <a:t> </a:t>
-            </a:r>
-            <a:r>
-              <a:rPr lang="de-DE" dirty="0" err="1"/>
-              <a:t>is</a:t>
-            </a:r>
-            <a:r>
-              <a:rPr lang="de-DE" dirty="0"/>
-              <a:t> valid</a:t>
-            </a:r>
-            <a:r>
-              <a:rPr lang="en-GB" dirty="0"/>
+              <a:t>representations</a:t>
+            </a:r>
+            <a:r>
+              <a:rPr lang="de-DE" dirty="0"/>
               <a:t>.</a:t>
             </a:r>
+            <a:endParaRPr lang="en-GB" dirty="0"/>
           </a:p>
           <a:p>
             <a:endParaRPr lang="en-GB" dirty="0"/>
@@ -7597,7 +8357,7 @@
           <a:p>
             <a:r>
               <a:rPr lang="en-US" dirty="0"/>
-              <a:t>wav2vec (Audio input)</a:t>
+              <a:t>wav2vec 2.0 [7]</a:t>
             </a:r>
           </a:p>
           <a:p>
@@ -7710,8 +8470,8 @@
           </a:p>
         </p:txBody>
       </p:sp>
-      <mc:AlternateContent xmlns:mc="http://schemas.openxmlformats.org/markup-compatibility/2006" xmlns:a14="http://schemas.microsoft.com/office/drawing/2010/main">
-        <mc:Choice Requires="a14">
+      <mc:AlternateContent xmlns:mc="http://schemas.openxmlformats.org/markup-compatibility/2006">
+        <mc:Choice xmlns:a14="http://schemas.microsoft.com/office/drawing/2010/main" Requires="a14">
           <p:sp>
             <p:nvSpPr>
               <p:cNvPr id="7" name="Textfeld 6">
@@ -7726,7 +8486,7 @@
             </p:nvSpPr>
             <p:spPr>
               <a:xfrm>
-                <a:off x="4826282" y="3872202"/>
+                <a:off x="7289703" y="4671689"/>
                 <a:ext cx="2539436" cy="517193"/>
               </a:xfrm>
               <a:prstGeom prst="rect">
@@ -8156,7 +8916,7 @@
             </p:txBody>
           </p:sp>
         </mc:Choice>
-        <mc:Fallback xmlns="">
+        <mc:Fallback>
           <p:sp>
             <p:nvSpPr>
               <p:cNvPr id="7" name="Textfeld 6">
@@ -8173,7 +8933,7 @@
             </p:nvSpPr>
             <p:spPr>
               <a:xfrm>
-                <a:off x="4826282" y="3872202"/>
+                <a:off x="7289703" y="4671689"/>
                 <a:ext cx="2539436" cy="517193"/>
               </a:xfrm>
               <a:prstGeom prst="rect">
@@ -8201,6 +8961,36 @@
           </p:sp>
         </mc:Fallback>
       </mc:AlternateContent>
+      <p:pic>
+        <p:nvPicPr>
+          <p:cNvPr id="9" name="Grafik 8">
+            <a:extLst>
+              <a:ext uri="{FF2B5EF4-FFF2-40B4-BE49-F238E27FC236}">
+                <a16:creationId xmlns:a16="http://schemas.microsoft.com/office/drawing/2014/main" id="{5A366F3D-9768-4437-414F-001CB08DD07B}"/>
+              </a:ext>
+            </a:extLst>
+          </p:cNvPr>
+          <p:cNvPicPr>
+            <a:picLocks noChangeAspect="1"/>
+          </p:cNvPicPr>
+          <p:nvPr/>
+        </p:nvPicPr>
+        <p:blipFill>
+          <a:blip r:embed="rId4"/>
+          <a:stretch>
+            <a:fillRect/>
+          </a:stretch>
+        </p:blipFill>
+        <p:spPr>
+          <a:xfrm>
+            <a:off x="838200" y="3683609"/>
+            <a:ext cx="4586785" cy="2493354"/>
+          </a:xfrm>
+          <a:prstGeom prst="rect">
+            <a:avLst/>
+          </a:prstGeom>
+        </p:spPr>
+      </p:pic>
     </p:spTree>
     <p:extLst>
       <p:ext uri="{BB962C8B-B14F-4D97-AF65-F5344CB8AC3E}">
@@ -8290,7 +9080,7 @@
             </a:r>
             <a:r>
               <a:rPr lang="en-US" dirty="0"/>
-              <a:t>loss</a:t>
+              <a:t>loss [7]</a:t>
             </a:r>
           </a:p>
         </p:txBody>
@@ -9296,7 +10086,7 @@
           <a:p>
             <a:r>
               <a:rPr lang="en-US" dirty="0"/>
-              <a:t>wav2vec</a:t>
+              <a:t>wav2vec 2.0 [7]</a:t>
             </a:r>
           </a:p>
           <a:p>
@@ -9514,7 +10304,7 @@
           <a:p>
             <a:r>
               <a:rPr lang="en-US" dirty="0"/>
-              <a:t>wav2vec</a:t>
+              <a:t>wav2vec 2.0 [7]</a:t>
             </a:r>
           </a:p>
           <a:p>
@@ -9540,7 +10330,7 @@
           <a:p>
             <a:r>
               <a:rPr lang="en-US" dirty="0"/>
-              <a:t>Many more [1]</a:t>
+              <a:t>Many more… [1]</a:t>
             </a:r>
           </a:p>
         </p:txBody>
@@ -10110,6 +10900,12 @@
             </a:r>
           </a:p>
           <a:p>
+            <a:r>
+              <a:rPr lang="en-US" dirty="0"/>
+              <a:t>Expansion of T5 framework: “Text-to-Text Transfer Transformer”</a:t>
+            </a:r>
+          </a:p>
+          <a:p>
             <a:endParaRPr lang="en-US" dirty="0"/>
           </a:p>
         </p:txBody>
@@ -10528,7 +11324,14 @@
           <a:p>
             <a:r>
               <a:rPr lang="en-US" dirty="0"/>
-              <a:t>Generative learning approach by seq2seq generation with masked inputs</a:t>
+              <a:t>Generative learning approach</a:t>
+            </a:r>
+          </a:p>
+          <a:p>
+            <a:pPr lvl="1"/>
+            <a:r>
+              <a:rPr lang="en-US" dirty="0"/>
+              <a:t>seq2seq generation with masked inputs</a:t>
             </a:r>
           </a:p>
           <a:p>
@@ -11485,7 +12288,7 @@
             </a:r>
             <a:r>
               <a:rPr lang="de-DE" dirty="0" err="1"/>
-              <a:t>Acoustic</a:t>
+              <a:t>Textual</a:t>
             </a:r>
             <a:r>
               <a:rPr lang="de-DE" dirty="0"/>
@@ -11750,6 +12553,916 @@
           <a:chExt cx="0" cy="0"/>
         </a:xfrm>
       </p:grpSpPr>
+      <p:pic>
+        <p:nvPicPr>
+          <p:cNvPr id="10" name="Grafik 9">
+            <a:extLst>
+              <a:ext uri="{FF2B5EF4-FFF2-40B4-BE49-F238E27FC236}">
+                <a16:creationId xmlns:a16="http://schemas.microsoft.com/office/drawing/2014/main" id="{7F5DF790-5517-B4B4-2E9C-44AF603FF0E3}"/>
+              </a:ext>
+            </a:extLst>
+          </p:cNvPr>
+          <p:cNvPicPr>
+            <a:picLocks noChangeAspect="1"/>
+          </p:cNvPicPr>
+          <p:nvPr/>
+        </p:nvPicPr>
+        <p:blipFill>
+          <a:blip r:embed="rId3"/>
+          <a:stretch>
+            <a:fillRect/>
+          </a:stretch>
+        </p:blipFill>
+        <p:spPr>
+          <a:xfrm>
+            <a:off x="4568162" y="2141318"/>
+            <a:ext cx="6609805" cy="2575363"/>
+          </a:xfrm>
+          <a:prstGeom prst="rect">
+            <a:avLst/>
+          </a:prstGeom>
+        </p:spPr>
+      </p:pic>
+      <p:sp>
+        <p:nvSpPr>
+          <p:cNvPr id="2" name="Titel 1">
+            <a:extLst>
+              <a:ext uri="{FF2B5EF4-FFF2-40B4-BE49-F238E27FC236}">
+                <a16:creationId xmlns:a16="http://schemas.microsoft.com/office/drawing/2014/main" id="{50D04423-9DD4-F6BA-2DC9-5D0829C9B98C}"/>
+              </a:ext>
+            </a:extLst>
+          </p:cNvPr>
+          <p:cNvSpPr>
+            <a:spLocks noGrp="1"/>
+          </p:cNvSpPr>
+          <p:nvPr>
+            <p:ph type="title"/>
+          </p:nvPr>
+        </p:nvSpPr>
+        <p:spPr>
+          <a:xfrm>
+            <a:off x="638882" y="639193"/>
+            <a:ext cx="3571810" cy="3573516"/>
+          </a:xfrm>
+        </p:spPr>
+        <p:txBody>
+          <a:bodyPr vert="horz" lIns="91440" tIns="45720" rIns="91440" bIns="45720" rtlCol="0" anchor="b">
+            <a:normAutofit/>
+          </a:bodyPr>
+          <a:lstStyle/>
+          <a:p>
+            <a:r>
+              <a:rPr lang="en-US" sz="5200" kern="1200" dirty="0">
+                <a:solidFill>
+                  <a:schemeClr val="tx1"/>
+                </a:solidFill>
+                <a:latin typeface="+mj-lt"/>
+                <a:ea typeface="+mj-ea"/>
+                <a:cs typeface="+mj-cs"/>
+              </a:rPr>
+              <a:t>SpeechT5</a:t>
+            </a:r>
+            <a:br>
+              <a:rPr lang="en-US" kern="1200" dirty="0">
+                <a:solidFill>
+                  <a:schemeClr val="tx1"/>
+                </a:solidFill>
+                <a:latin typeface="+mj-lt"/>
+                <a:ea typeface="+mj-ea"/>
+                <a:cs typeface="+mj-cs"/>
+              </a:rPr>
+            </a:br>
+            <a:r>
+              <a:rPr lang="en-US" sz="3600" kern="1200" dirty="0">
+                <a:solidFill>
+                  <a:schemeClr val="tx1"/>
+                </a:solidFill>
+                <a:latin typeface="+mj-lt"/>
+                <a:ea typeface="+mj-ea"/>
+                <a:cs typeface="+mj-cs"/>
+              </a:rPr>
+              <a:t>Ablation Study</a:t>
+            </a:r>
+            <a:endParaRPr lang="en-US" kern="1200" dirty="0">
+              <a:solidFill>
+                <a:schemeClr val="tx1"/>
+              </a:solidFill>
+              <a:latin typeface="+mj-lt"/>
+              <a:ea typeface="+mj-ea"/>
+              <a:cs typeface="+mj-cs"/>
+            </a:endParaRPr>
+          </a:p>
+        </p:txBody>
+      </p:sp>
+      <p:sp>
+        <p:nvSpPr>
+          <p:cNvPr id="4" name="Datumsplatzhalter 3">
+            <a:extLst>
+              <a:ext uri="{FF2B5EF4-FFF2-40B4-BE49-F238E27FC236}">
+                <a16:creationId xmlns:a16="http://schemas.microsoft.com/office/drawing/2014/main" id="{0EFF3519-5645-AC9C-2AC3-70C6A68E499D}"/>
+              </a:ext>
+            </a:extLst>
+          </p:cNvPr>
+          <p:cNvSpPr>
+            <a:spLocks noGrp="1"/>
+          </p:cNvSpPr>
+          <p:nvPr>
+            <p:ph type="dt" sz="half" idx="10"/>
+          </p:nvPr>
+        </p:nvSpPr>
+        <p:spPr>
+          <a:xfrm>
+            <a:off x="838200" y="6356350"/>
+            <a:ext cx="2743200" cy="365125"/>
+          </a:xfrm>
+        </p:spPr>
+        <p:txBody>
+          <a:bodyPr vert="horz" lIns="91440" tIns="45720" rIns="91440" bIns="45720" rtlCol="0" anchor="ctr">
+            <a:normAutofit/>
+          </a:bodyPr>
+          <a:lstStyle/>
+          <a:p>
+            <a:pPr>
+              <a:spcAft>
+                <a:spcPts val="600"/>
+              </a:spcAft>
+            </a:pPr>
+            <a:r>
+              <a:rPr lang="en-US"/>
+              <a:t>05.12.2023</a:t>
+            </a:r>
+          </a:p>
+        </p:txBody>
+      </p:sp>
+      <p:sp>
+        <p:nvSpPr>
+          <p:cNvPr id="5" name="Fußzeilenplatzhalter 4">
+            <a:extLst>
+              <a:ext uri="{FF2B5EF4-FFF2-40B4-BE49-F238E27FC236}">
+                <a16:creationId xmlns:a16="http://schemas.microsoft.com/office/drawing/2014/main" id="{BF312A83-83AC-9C68-95FC-E7A6D59D3BB4}"/>
+              </a:ext>
+            </a:extLst>
+          </p:cNvPr>
+          <p:cNvSpPr>
+            <a:spLocks noGrp="1"/>
+          </p:cNvSpPr>
+          <p:nvPr>
+            <p:ph type="ftr" sz="quarter" idx="11"/>
+          </p:nvPr>
+        </p:nvSpPr>
+        <p:spPr>
+          <a:xfrm>
+            <a:off x="4038600" y="6356350"/>
+            <a:ext cx="4114800" cy="365125"/>
+          </a:xfrm>
+        </p:spPr>
+        <p:txBody>
+          <a:bodyPr vert="horz" lIns="91440" tIns="45720" rIns="91440" bIns="45720" rtlCol="0" anchor="ctr">
+            <a:normAutofit/>
+          </a:bodyPr>
+          <a:lstStyle/>
+          <a:p>
+            <a:pPr>
+              <a:spcAft>
+                <a:spcPts val="600"/>
+              </a:spcAft>
+            </a:pPr>
+            <a:r>
+              <a:rPr lang="en-US" kern="1200" dirty="0">
+                <a:solidFill>
+                  <a:schemeClr val="tx1">
+                    <a:tint val="75000"/>
+                  </a:schemeClr>
+                </a:solidFill>
+                <a:latin typeface="+mn-lt"/>
+                <a:ea typeface="+mn-ea"/>
+                <a:cs typeface="+mn-cs"/>
+              </a:rPr>
+              <a:t>Multi-modal Speech Representation Learning</a:t>
+            </a:r>
+          </a:p>
+        </p:txBody>
+      </p:sp>
+      <p:sp>
+        <p:nvSpPr>
+          <p:cNvPr id="6" name="Foliennummernplatzhalter 5">
+            <a:extLst>
+              <a:ext uri="{FF2B5EF4-FFF2-40B4-BE49-F238E27FC236}">
+                <a16:creationId xmlns:a16="http://schemas.microsoft.com/office/drawing/2014/main" id="{E525FE09-F039-617D-9C2B-891727A4B0B4}"/>
+              </a:ext>
+            </a:extLst>
+          </p:cNvPr>
+          <p:cNvSpPr>
+            <a:spLocks noGrp="1"/>
+          </p:cNvSpPr>
+          <p:nvPr>
+            <p:ph type="sldNum" sz="quarter" idx="12"/>
+          </p:nvPr>
+        </p:nvSpPr>
+        <p:spPr>
+          <a:xfrm>
+            <a:off x="8610600" y="6356350"/>
+            <a:ext cx="2743200" cy="365125"/>
+          </a:xfrm>
+        </p:spPr>
+        <p:txBody>
+          <a:bodyPr vert="horz" lIns="91440" tIns="45720" rIns="91440" bIns="45720" rtlCol="0" anchor="ctr">
+            <a:normAutofit/>
+          </a:bodyPr>
+          <a:lstStyle/>
+          <a:p>
+            <a:pPr>
+              <a:spcAft>
+                <a:spcPts val="600"/>
+              </a:spcAft>
+            </a:pPr>
+            <a:fld id="{4589C08E-11F1-4614-AD94-2F79D605AB8D}" type="slidenum">
+              <a:rPr lang="en-US" smtClean="0"/>
+              <a:pPr>
+                <a:spcAft>
+                  <a:spcPts val="600"/>
+                </a:spcAft>
+              </a:pPr>
+              <a:t>20</a:t>
+            </a:fld>
+            <a:endParaRPr lang="en-US"/>
+          </a:p>
+        </p:txBody>
+      </p:sp>
+      <mc:AlternateContent xmlns:mc="http://schemas.openxmlformats.org/markup-compatibility/2006">
+        <mc:Choice xmlns:a14="http://schemas.microsoft.com/office/drawing/2010/main" Requires="a14">
+          <p:sp>
+            <p:nvSpPr>
+              <p:cNvPr id="7" name="Textfeld 6">
+                <a:extLst>
+                  <a:ext uri="{FF2B5EF4-FFF2-40B4-BE49-F238E27FC236}">
+                    <a16:creationId xmlns:a16="http://schemas.microsoft.com/office/drawing/2014/main" id="{E3DC2F4B-D31C-B8DF-DD20-DFBEAEA15B67}"/>
+                  </a:ext>
+                </a:extLst>
+              </p:cNvPr>
+              <p:cNvSpPr txBox="1"/>
+              <p:nvPr/>
+            </p:nvSpPr>
+            <p:spPr>
+              <a:xfrm>
+                <a:off x="4568162" y="4757609"/>
+                <a:ext cx="3438442" cy="261610"/>
+              </a:xfrm>
+              <a:prstGeom prst="rect">
+                <a:avLst/>
+              </a:prstGeom>
+              <a:noFill/>
+            </p:spPr>
+            <p:txBody>
+              <a:bodyPr wrap="none" rtlCol="0">
+                <a:spAutoFit/>
+              </a:bodyPr>
+              <a:lstStyle/>
+              <a:p>
+                <a14:m>
+                  <m:oMath xmlns:m="http://schemas.openxmlformats.org/officeDocument/2006/math">
+                    <m:sSubSup>
+                      <m:sSubSupPr>
+                        <m:ctrlPr>
+                          <a:rPr lang="de-DE" sz="1100" b="0" i="1" smtClean="0">
+                            <a:latin typeface="Cambria Math" panose="02040503050406030204" pitchFamily="18" charset="0"/>
+                            <a:ea typeface="Cambria Math" panose="02040503050406030204" pitchFamily="18" charset="0"/>
+                          </a:rPr>
+                        </m:ctrlPr>
+                      </m:sSubSupPr>
+                      <m:e>
+                        <m:r>
+                          <a:rPr lang="en-US" sz="1100" i="1" smtClean="0">
+                            <a:latin typeface="Cambria Math" panose="02040503050406030204" pitchFamily="18" charset="0"/>
+                            <a:ea typeface="Cambria Math" panose="02040503050406030204" pitchFamily="18" charset="0"/>
+                          </a:rPr>
+                          <m:t>ℒ</m:t>
+                        </m:r>
+                      </m:e>
+                      <m:sub>
+                        <m:r>
+                          <a:rPr lang="de-DE" sz="1100" b="0" i="1" smtClean="0">
+                            <a:latin typeface="Cambria Math" panose="02040503050406030204" pitchFamily="18" charset="0"/>
+                            <a:ea typeface="Cambria Math" panose="02040503050406030204" pitchFamily="18" charset="0"/>
+                          </a:rPr>
+                          <m:t>𝑚𝑙𝑚</m:t>
+                        </m:r>
+                      </m:sub>
+                      <m:sup>
+                        <m:r>
+                          <a:rPr lang="de-DE" sz="1100" b="0" i="1" smtClean="0">
+                            <a:latin typeface="Cambria Math" panose="02040503050406030204" pitchFamily="18" charset="0"/>
+                            <a:ea typeface="Cambria Math" panose="02040503050406030204" pitchFamily="18" charset="0"/>
+                          </a:rPr>
+                          <m:t>𝑠</m:t>
+                        </m:r>
+                      </m:sup>
+                    </m:sSubSup>
+                  </m:oMath>
+                </a14:m>
+                <a:r>
+                  <a:rPr lang="en-US" sz="1100" dirty="0"/>
+                  <a:t> is cross-entropy loss for speech PT (has two losses)</a:t>
+                </a:r>
+              </a:p>
+            </p:txBody>
+          </p:sp>
+        </mc:Choice>
+        <mc:Fallback>
+          <p:sp>
+            <p:nvSpPr>
+              <p:cNvPr id="7" name="Textfeld 6">
+                <a:extLst>
+                  <a:ext uri="{FF2B5EF4-FFF2-40B4-BE49-F238E27FC236}">
+                    <a16:creationId xmlns:a16="http://schemas.microsoft.com/office/drawing/2014/main" id="{E3DC2F4B-D31C-B8DF-DD20-DFBEAEA15B67}"/>
+                  </a:ext>
+                </a:extLst>
+              </p:cNvPr>
+              <p:cNvSpPr txBox="1">
+                <a:spLocks noRot="1" noChangeAspect="1" noMove="1" noResize="1" noEditPoints="1" noAdjustHandles="1" noChangeArrowheads="1" noChangeShapeType="1" noTextEdit="1"/>
+              </p:cNvSpPr>
+              <p:nvPr/>
+            </p:nvSpPr>
+            <p:spPr>
+              <a:xfrm>
+                <a:off x="4568162" y="4757609"/>
+                <a:ext cx="3438442" cy="261610"/>
+              </a:xfrm>
+              <a:prstGeom prst="rect">
+                <a:avLst/>
+              </a:prstGeom>
+              <a:blipFill>
+                <a:blip r:embed="rId4"/>
+                <a:stretch>
+                  <a:fillRect b="-16279"/>
+                </a:stretch>
+              </a:blipFill>
+            </p:spPr>
+            <p:txBody>
+              <a:bodyPr/>
+              <a:lstStyle/>
+              <a:p>
+                <a:r>
+                  <a:rPr lang="en-GB">
+                    <a:noFill/>
+                  </a:rPr>
+                  <a:t> </a:t>
+                </a:r>
+              </a:p>
+            </p:txBody>
+          </p:sp>
+        </mc:Fallback>
+      </mc:AlternateContent>
+      <p:sp>
+        <p:nvSpPr>
+          <p:cNvPr id="8" name="Textfeld 7">
+            <a:extLst>
+              <a:ext uri="{FF2B5EF4-FFF2-40B4-BE49-F238E27FC236}">
+                <a16:creationId xmlns:a16="http://schemas.microsoft.com/office/drawing/2014/main" id="{5F00BACF-9142-E0B5-F89C-55B34056B712}"/>
+              </a:ext>
+            </a:extLst>
+          </p:cNvPr>
+          <p:cNvSpPr txBox="1"/>
+          <p:nvPr/>
+        </p:nvSpPr>
+        <p:spPr>
+          <a:xfrm>
+            <a:off x="11058704" y="4819164"/>
+            <a:ext cx="442750" cy="369332"/>
+          </a:xfrm>
+          <a:prstGeom prst="rect">
+            <a:avLst/>
+          </a:prstGeom>
+          <a:noFill/>
+        </p:spPr>
+        <p:txBody>
+          <a:bodyPr wrap="none" rtlCol="0">
+            <a:spAutoFit/>
+          </a:bodyPr>
+          <a:lstStyle/>
+          <a:p>
+            <a:r>
+              <a:rPr lang="de-DE" dirty="0"/>
+              <a:t>[2]</a:t>
+            </a:r>
+            <a:endParaRPr lang="en-GB" dirty="0"/>
+          </a:p>
+        </p:txBody>
+      </p:sp>
+      <p:grpSp>
+        <p:nvGrpSpPr>
+          <p:cNvPr id="34" name="Gruppieren 33">
+            <a:extLst>
+              <a:ext uri="{FF2B5EF4-FFF2-40B4-BE49-F238E27FC236}">
+                <a16:creationId xmlns:a16="http://schemas.microsoft.com/office/drawing/2014/main" id="{A93E90BF-410B-B9F7-1BE3-298AA152ACEA}"/>
+              </a:ext>
+            </a:extLst>
+          </p:cNvPr>
+          <p:cNvGrpSpPr/>
+          <p:nvPr/>
+        </p:nvGrpSpPr>
+        <p:grpSpPr>
+          <a:xfrm>
+            <a:off x="7581553" y="3094893"/>
+            <a:ext cx="395451" cy="1070610"/>
+            <a:chOff x="2517184" y="1070708"/>
+            <a:chExt cx="395451" cy="1148860"/>
+          </a:xfrm>
+        </p:grpSpPr>
+        <p:sp>
+          <p:nvSpPr>
+            <p:cNvPr id="21" name="Pfeil: nach rechts gekrümmt 20">
+              <a:extLst>
+                <a:ext uri="{FF2B5EF4-FFF2-40B4-BE49-F238E27FC236}">
+                  <a16:creationId xmlns:a16="http://schemas.microsoft.com/office/drawing/2014/main" id="{740C03EF-1B25-C1F1-3391-BFB881F6D5F2}"/>
+                </a:ext>
+              </a:extLst>
+            </p:cNvPr>
+            <p:cNvSpPr/>
+            <p:nvPr/>
+          </p:nvSpPr>
+          <p:spPr>
+            <a:xfrm flipH="1" flipV="1">
+              <a:off x="2517184" y="1094096"/>
+              <a:ext cx="304169" cy="836303"/>
+            </a:xfrm>
+            <a:prstGeom prst="curvedRightArrow">
+              <a:avLst/>
+            </a:prstGeom>
+          </p:spPr>
+          <p:style>
+            <a:lnRef idx="2">
+              <a:schemeClr val="accent1">
+                <a:shade val="15000"/>
+              </a:schemeClr>
+            </a:lnRef>
+            <a:fillRef idx="1">
+              <a:schemeClr val="accent1"/>
+            </a:fillRef>
+            <a:effectRef idx="0">
+              <a:schemeClr val="accent1"/>
+            </a:effectRef>
+            <a:fontRef idx="minor">
+              <a:schemeClr val="lt1"/>
+            </a:fontRef>
+          </p:style>
+          <p:txBody>
+            <a:bodyPr rtlCol="0" anchor="ctr"/>
+            <a:lstStyle/>
+            <a:p>
+              <a:pPr algn="ctr"/>
+              <a:endParaRPr lang="en-GB">
+                <a:solidFill>
+                  <a:schemeClr val="tx1"/>
+                </a:solidFill>
+              </a:endParaRPr>
+            </a:p>
+          </p:txBody>
+        </p:sp>
+        <p:sp>
+          <p:nvSpPr>
+            <p:cNvPr id="19" name="Pfeil: nach rechts gekrümmt 18">
+              <a:extLst>
+                <a:ext uri="{FF2B5EF4-FFF2-40B4-BE49-F238E27FC236}">
+                  <a16:creationId xmlns:a16="http://schemas.microsoft.com/office/drawing/2014/main" id="{1E2E0BB1-2104-0326-F75D-3806A86DF6DA}"/>
+                </a:ext>
+              </a:extLst>
+            </p:cNvPr>
+            <p:cNvSpPr/>
+            <p:nvPr/>
+          </p:nvSpPr>
+          <p:spPr>
+            <a:xfrm flipH="1" flipV="1">
+              <a:off x="2517185" y="1070708"/>
+              <a:ext cx="395450" cy="1148860"/>
+            </a:xfrm>
+            <a:prstGeom prst="curvedRightArrow">
+              <a:avLst/>
+            </a:prstGeom>
+          </p:spPr>
+          <p:style>
+            <a:lnRef idx="2">
+              <a:schemeClr val="accent1">
+                <a:shade val="15000"/>
+              </a:schemeClr>
+            </a:lnRef>
+            <a:fillRef idx="1">
+              <a:schemeClr val="accent1"/>
+            </a:fillRef>
+            <a:effectRef idx="0">
+              <a:schemeClr val="accent1"/>
+            </a:effectRef>
+            <a:fontRef idx="minor">
+              <a:schemeClr val="lt1"/>
+            </a:fontRef>
+          </p:style>
+          <p:txBody>
+            <a:bodyPr rtlCol="0" anchor="ctr"/>
+            <a:lstStyle/>
+            <a:p>
+              <a:pPr algn="ctr"/>
+              <a:endParaRPr lang="en-GB">
+                <a:solidFill>
+                  <a:schemeClr val="tx1"/>
+                </a:solidFill>
+              </a:endParaRPr>
+            </a:p>
+          </p:txBody>
+        </p:sp>
+      </p:grpSp>
+      <p:grpSp>
+        <p:nvGrpSpPr>
+          <p:cNvPr id="35" name="Gruppieren 34">
+            <a:extLst>
+              <a:ext uri="{FF2B5EF4-FFF2-40B4-BE49-F238E27FC236}">
+                <a16:creationId xmlns:a16="http://schemas.microsoft.com/office/drawing/2014/main" id="{6E094815-577B-A583-1910-F174DB7490EC}"/>
+              </a:ext>
+            </a:extLst>
+          </p:cNvPr>
+          <p:cNvGrpSpPr/>
+          <p:nvPr/>
+        </p:nvGrpSpPr>
+        <p:grpSpPr>
+          <a:xfrm>
+            <a:off x="8742138" y="3098800"/>
+            <a:ext cx="395451" cy="1070610"/>
+            <a:chOff x="2517184" y="1070708"/>
+            <a:chExt cx="395451" cy="1148860"/>
+          </a:xfrm>
+        </p:grpSpPr>
+        <p:sp>
+          <p:nvSpPr>
+            <p:cNvPr id="36" name="Pfeil: nach rechts gekrümmt 35">
+              <a:extLst>
+                <a:ext uri="{FF2B5EF4-FFF2-40B4-BE49-F238E27FC236}">
+                  <a16:creationId xmlns:a16="http://schemas.microsoft.com/office/drawing/2014/main" id="{7C65851D-44B6-512D-68BF-2E349146B8AF}"/>
+                </a:ext>
+              </a:extLst>
+            </p:cNvPr>
+            <p:cNvSpPr/>
+            <p:nvPr/>
+          </p:nvSpPr>
+          <p:spPr>
+            <a:xfrm flipH="1" flipV="1">
+              <a:off x="2517184" y="1094096"/>
+              <a:ext cx="304169" cy="836303"/>
+            </a:xfrm>
+            <a:prstGeom prst="curvedRightArrow">
+              <a:avLst/>
+            </a:prstGeom>
+          </p:spPr>
+          <p:style>
+            <a:lnRef idx="2">
+              <a:schemeClr val="accent1">
+                <a:shade val="15000"/>
+              </a:schemeClr>
+            </a:lnRef>
+            <a:fillRef idx="1">
+              <a:schemeClr val="accent1"/>
+            </a:fillRef>
+            <a:effectRef idx="0">
+              <a:schemeClr val="accent1"/>
+            </a:effectRef>
+            <a:fontRef idx="minor">
+              <a:schemeClr val="lt1"/>
+            </a:fontRef>
+          </p:style>
+          <p:txBody>
+            <a:bodyPr rtlCol="0" anchor="ctr"/>
+            <a:lstStyle/>
+            <a:p>
+              <a:pPr algn="ctr"/>
+              <a:endParaRPr lang="en-GB">
+                <a:solidFill>
+                  <a:schemeClr val="tx1"/>
+                </a:solidFill>
+              </a:endParaRPr>
+            </a:p>
+          </p:txBody>
+        </p:sp>
+        <p:sp>
+          <p:nvSpPr>
+            <p:cNvPr id="37" name="Pfeil: nach rechts gekrümmt 36">
+              <a:extLst>
+                <a:ext uri="{FF2B5EF4-FFF2-40B4-BE49-F238E27FC236}">
+                  <a16:creationId xmlns:a16="http://schemas.microsoft.com/office/drawing/2014/main" id="{137340DD-CD43-1745-8E07-FA1E8D32A879}"/>
+                </a:ext>
+              </a:extLst>
+            </p:cNvPr>
+            <p:cNvSpPr/>
+            <p:nvPr/>
+          </p:nvSpPr>
+          <p:spPr>
+            <a:xfrm flipH="1" flipV="1">
+              <a:off x="2517185" y="1070708"/>
+              <a:ext cx="395450" cy="1148860"/>
+            </a:xfrm>
+            <a:prstGeom prst="curvedRightArrow">
+              <a:avLst/>
+            </a:prstGeom>
+          </p:spPr>
+          <p:style>
+            <a:lnRef idx="2">
+              <a:schemeClr val="accent1">
+                <a:shade val="15000"/>
+              </a:schemeClr>
+            </a:lnRef>
+            <a:fillRef idx="1">
+              <a:schemeClr val="accent1"/>
+            </a:fillRef>
+            <a:effectRef idx="0">
+              <a:schemeClr val="accent1"/>
+            </a:effectRef>
+            <a:fontRef idx="minor">
+              <a:schemeClr val="lt1"/>
+            </a:fontRef>
+          </p:style>
+          <p:txBody>
+            <a:bodyPr rtlCol="0" anchor="ctr"/>
+            <a:lstStyle/>
+            <a:p>
+              <a:pPr algn="ctr"/>
+              <a:endParaRPr lang="en-GB">
+                <a:solidFill>
+                  <a:schemeClr val="tx1"/>
+                </a:solidFill>
+              </a:endParaRPr>
+            </a:p>
+          </p:txBody>
+        </p:sp>
+      </p:grpSp>
+      <p:grpSp>
+        <p:nvGrpSpPr>
+          <p:cNvPr id="38" name="Gruppieren 37">
+            <a:extLst>
+              <a:ext uri="{FF2B5EF4-FFF2-40B4-BE49-F238E27FC236}">
+                <a16:creationId xmlns:a16="http://schemas.microsoft.com/office/drawing/2014/main" id="{9499AC09-52D8-4134-2F74-21FC82F6FA71}"/>
+              </a:ext>
+            </a:extLst>
+          </p:cNvPr>
+          <p:cNvGrpSpPr/>
+          <p:nvPr/>
+        </p:nvGrpSpPr>
+        <p:grpSpPr>
+          <a:xfrm>
+            <a:off x="9832385" y="3071447"/>
+            <a:ext cx="395451" cy="1070610"/>
+            <a:chOff x="2517184" y="1070708"/>
+            <a:chExt cx="395451" cy="1148860"/>
+          </a:xfrm>
+        </p:grpSpPr>
+        <p:sp>
+          <p:nvSpPr>
+            <p:cNvPr id="39" name="Pfeil: nach rechts gekrümmt 38">
+              <a:extLst>
+                <a:ext uri="{FF2B5EF4-FFF2-40B4-BE49-F238E27FC236}">
+                  <a16:creationId xmlns:a16="http://schemas.microsoft.com/office/drawing/2014/main" id="{3DE7A122-44D9-1C01-8F95-456942761DD1}"/>
+                </a:ext>
+              </a:extLst>
+            </p:cNvPr>
+            <p:cNvSpPr/>
+            <p:nvPr/>
+          </p:nvSpPr>
+          <p:spPr>
+            <a:xfrm flipH="1" flipV="1">
+              <a:off x="2517184" y="1094096"/>
+              <a:ext cx="304169" cy="836303"/>
+            </a:xfrm>
+            <a:prstGeom prst="curvedRightArrow">
+              <a:avLst/>
+            </a:prstGeom>
+          </p:spPr>
+          <p:style>
+            <a:lnRef idx="2">
+              <a:schemeClr val="accent1">
+                <a:shade val="15000"/>
+              </a:schemeClr>
+            </a:lnRef>
+            <a:fillRef idx="1">
+              <a:schemeClr val="accent1"/>
+            </a:fillRef>
+            <a:effectRef idx="0">
+              <a:schemeClr val="accent1"/>
+            </a:effectRef>
+            <a:fontRef idx="minor">
+              <a:schemeClr val="lt1"/>
+            </a:fontRef>
+          </p:style>
+          <p:txBody>
+            <a:bodyPr rtlCol="0" anchor="ctr"/>
+            <a:lstStyle/>
+            <a:p>
+              <a:pPr algn="ctr"/>
+              <a:endParaRPr lang="en-GB">
+                <a:solidFill>
+                  <a:schemeClr val="tx1"/>
+                </a:solidFill>
+              </a:endParaRPr>
+            </a:p>
+          </p:txBody>
+        </p:sp>
+        <p:sp>
+          <p:nvSpPr>
+            <p:cNvPr id="40" name="Pfeil: nach rechts gekrümmt 39">
+              <a:extLst>
+                <a:ext uri="{FF2B5EF4-FFF2-40B4-BE49-F238E27FC236}">
+                  <a16:creationId xmlns:a16="http://schemas.microsoft.com/office/drawing/2014/main" id="{D508DCBD-FF4C-4E11-83C7-BC3759DB1563}"/>
+                </a:ext>
+              </a:extLst>
+            </p:cNvPr>
+            <p:cNvSpPr/>
+            <p:nvPr/>
+          </p:nvSpPr>
+          <p:spPr>
+            <a:xfrm flipH="1" flipV="1">
+              <a:off x="2517185" y="1070708"/>
+              <a:ext cx="395450" cy="1148860"/>
+            </a:xfrm>
+            <a:prstGeom prst="curvedRightArrow">
+              <a:avLst/>
+            </a:prstGeom>
+          </p:spPr>
+          <p:style>
+            <a:lnRef idx="2">
+              <a:schemeClr val="accent1">
+                <a:shade val="15000"/>
+              </a:schemeClr>
+            </a:lnRef>
+            <a:fillRef idx="1">
+              <a:schemeClr val="accent1"/>
+            </a:fillRef>
+            <a:effectRef idx="0">
+              <a:schemeClr val="accent1"/>
+            </a:effectRef>
+            <a:fontRef idx="minor">
+              <a:schemeClr val="lt1"/>
+            </a:fontRef>
+          </p:style>
+          <p:txBody>
+            <a:bodyPr rtlCol="0" anchor="ctr"/>
+            <a:lstStyle/>
+            <a:p>
+              <a:pPr algn="ctr"/>
+              <a:endParaRPr lang="en-GB">
+                <a:solidFill>
+                  <a:schemeClr val="tx1"/>
+                </a:solidFill>
+              </a:endParaRPr>
+            </a:p>
+          </p:txBody>
+        </p:sp>
+      </p:grpSp>
+      <p:grpSp>
+        <p:nvGrpSpPr>
+          <p:cNvPr id="41" name="Gruppieren 40">
+            <a:extLst>
+              <a:ext uri="{FF2B5EF4-FFF2-40B4-BE49-F238E27FC236}">
+                <a16:creationId xmlns:a16="http://schemas.microsoft.com/office/drawing/2014/main" id="{56EA12A2-50F5-D756-20D6-E08EE6F8C599}"/>
+              </a:ext>
+            </a:extLst>
+          </p:cNvPr>
+          <p:cNvGrpSpPr/>
+          <p:nvPr/>
+        </p:nvGrpSpPr>
+        <p:grpSpPr>
+          <a:xfrm>
+            <a:off x="11188354" y="3083170"/>
+            <a:ext cx="395451" cy="1070610"/>
+            <a:chOff x="2517184" y="1070708"/>
+            <a:chExt cx="395451" cy="1148860"/>
+          </a:xfrm>
+        </p:grpSpPr>
+        <p:sp>
+          <p:nvSpPr>
+            <p:cNvPr id="42" name="Pfeil: nach rechts gekrümmt 41">
+              <a:extLst>
+                <a:ext uri="{FF2B5EF4-FFF2-40B4-BE49-F238E27FC236}">
+                  <a16:creationId xmlns:a16="http://schemas.microsoft.com/office/drawing/2014/main" id="{C5691BB3-34AA-A2F6-B2BC-464A9F40AC06}"/>
+                </a:ext>
+              </a:extLst>
+            </p:cNvPr>
+            <p:cNvSpPr/>
+            <p:nvPr/>
+          </p:nvSpPr>
+          <p:spPr>
+            <a:xfrm flipH="1" flipV="1">
+              <a:off x="2517184" y="1094096"/>
+              <a:ext cx="304169" cy="836303"/>
+            </a:xfrm>
+            <a:prstGeom prst="curvedRightArrow">
+              <a:avLst/>
+            </a:prstGeom>
+          </p:spPr>
+          <p:style>
+            <a:lnRef idx="2">
+              <a:schemeClr val="accent1">
+                <a:shade val="15000"/>
+              </a:schemeClr>
+            </a:lnRef>
+            <a:fillRef idx="1">
+              <a:schemeClr val="accent1"/>
+            </a:fillRef>
+            <a:effectRef idx="0">
+              <a:schemeClr val="accent1"/>
+            </a:effectRef>
+            <a:fontRef idx="minor">
+              <a:schemeClr val="lt1"/>
+            </a:fontRef>
+          </p:style>
+          <p:txBody>
+            <a:bodyPr rtlCol="0" anchor="ctr"/>
+            <a:lstStyle/>
+            <a:p>
+              <a:pPr algn="ctr"/>
+              <a:endParaRPr lang="en-GB">
+                <a:solidFill>
+                  <a:schemeClr val="tx1"/>
+                </a:solidFill>
+              </a:endParaRPr>
+            </a:p>
+          </p:txBody>
+        </p:sp>
+        <p:sp>
+          <p:nvSpPr>
+            <p:cNvPr id="43" name="Pfeil: nach rechts gekrümmt 42">
+              <a:extLst>
+                <a:ext uri="{FF2B5EF4-FFF2-40B4-BE49-F238E27FC236}">
+                  <a16:creationId xmlns:a16="http://schemas.microsoft.com/office/drawing/2014/main" id="{9680A089-3523-668C-47CC-472EE3449736}"/>
+                </a:ext>
+              </a:extLst>
+            </p:cNvPr>
+            <p:cNvSpPr/>
+            <p:nvPr/>
+          </p:nvSpPr>
+          <p:spPr>
+            <a:xfrm flipH="1" flipV="1">
+              <a:off x="2517185" y="1070708"/>
+              <a:ext cx="395450" cy="1148860"/>
+            </a:xfrm>
+            <a:prstGeom prst="curvedRightArrow">
+              <a:avLst/>
+            </a:prstGeom>
+          </p:spPr>
+          <p:style>
+            <a:lnRef idx="2">
+              <a:schemeClr val="accent1">
+                <a:shade val="15000"/>
+              </a:schemeClr>
+            </a:lnRef>
+            <a:fillRef idx="1">
+              <a:schemeClr val="accent1"/>
+            </a:fillRef>
+            <a:effectRef idx="0">
+              <a:schemeClr val="accent1"/>
+            </a:effectRef>
+            <a:fontRef idx="minor">
+              <a:schemeClr val="lt1"/>
+            </a:fontRef>
+          </p:style>
+          <p:txBody>
+            <a:bodyPr rtlCol="0" anchor="ctr"/>
+            <a:lstStyle/>
+            <a:p>
+              <a:pPr algn="ctr"/>
+              <a:endParaRPr lang="en-GB">
+                <a:solidFill>
+                  <a:schemeClr val="tx1"/>
+                </a:solidFill>
+              </a:endParaRPr>
+            </a:p>
+          </p:txBody>
+        </p:sp>
+      </p:grpSp>
+    </p:spTree>
+    <p:extLst>
+      <p:ext uri="{BB962C8B-B14F-4D97-AF65-F5344CB8AC3E}">
+        <p14:creationId xmlns:p14="http://schemas.microsoft.com/office/powerpoint/2010/main" val="3799040815"/>
+      </p:ext>
+    </p:extLst>
+  </p:cSld>
+  <p:clrMapOvr>
+    <a:masterClrMapping/>
+  </p:clrMapOvr>
+</p:sld>
+</file>
+
+<file path=ppt/slides/slide21.xml><?xml version="1.0" encoding="utf-8"?>
+<p:sld xmlns:a="http://schemas.openxmlformats.org/drawingml/2006/main" xmlns:r="http://schemas.openxmlformats.org/officeDocument/2006/relationships" xmlns:p="http://schemas.openxmlformats.org/presentationml/2006/main">
+  <p:cSld>
+    <p:spTree>
+      <p:nvGrpSpPr>
+        <p:cNvPr id="1" name=""/>
+        <p:cNvGrpSpPr/>
+        <p:nvPr/>
+      </p:nvGrpSpPr>
+      <p:grpSpPr>
+        <a:xfrm>
+          <a:off x="0" y="0"/>
+          <a:ext cx="0" cy="0"/>
+          <a:chOff x="0" y="0"/>
+          <a:chExt cx="0" cy="0"/>
+        </a:xfrm>
+      </p:grpSpPr>
       <p:sp>
         <p:nvSpPr>
           <p:cNvPr id="2" name="Titel 1">
@@ -11822,7 +13535,7 @@
           <a:p>
             <a:r>
               <a:rPr lang="en-US" dirty="0"/>
-              <a:t>Predict target clusters which are constantly updated (cf. </a:t>
+              <a:t>Predict target clusters which are constantly updated (see </a:t>
             </a:r>
             <a:r>
               <a:rPr lang="en-US" dirty="0" err="1"/>
@@ -11929,7 +13642,7 @@
           <a:p>
             <a:fld id="{4589C08E-11F1-4614-AD94-2F79D605AB8D}" type="slidenum">
               <a:rPr lang="de-DE" smtClean="0"/>
-              <a:t>20</a:t>
+              <a:t>21</a:t>
             </a:fld>
             <a:endParaRPr lang="de-DE" dirty="0"/>
           </a:p>
@@ -11948,7 +13661,7 @@
 </p:sld>
 </file>
 
-<file path=ppt/slides/slide21.xml><?xml version="1.0" encoding="utf-8"?>
+<file path=ppt/slides/slide22.xml><?xml version="1.0" encoding="utf-8"?>
 <p:sld xmlns:a="http://schemas.openxmlformats.org/drawingml/2006/main" xmlns:r="http://schemas.openxmlformats.org/officeDocument/2006/relationships" xmlns:p="http://schemas.openxmlformats.org/presentationml/2006/main">
   <p:cSld>
     <p:bg>
@@ -12256,7 +13969,7 @@
                   <a:spcPts val="600"/>
                 </a:spcAft>
               </a:pPr>
-              <a:t>21</a:t>
+              <a:t>22</a:t>
             </a:fld>
             <a:endParaRPr lang="en-US"/>
           </a:p>
@@ -12311,7 +14024,7 @@
 </p:sld>
 </file>
 
-<file path=ppt/slides/slide22.xml><?xml version="1.0" encoding="utf-8"?>
+<file path=ppt/slides/slide23.xml><?xml version="1.0" encoding="utf-8"?>
 <p:sld xmlns:a="http://schemas.openxmlformats.org/drawingml/2006/main" xmlns:r="http://schemas.openxmlformats.org/officeDocument/2006/relationships" xmlns:p="http://schemas.openxmlformats.org/presentationml/2006/main">
   <p:cSld>
     <p:spTree>
@@ -12419,7 +14132,7 @@
           <a:p>
             <a:r>
               <a:rPr lang="en-US" dirty="0"/>
-              <a:t>Masking by substitution</a:t>
+              <a:t>Masking by substituting</a:t>
             </a:r>
           </a:p>
           <a:p>
@@ -12517,7 +14230,7 @@
           <a:p>
             <a:fld id="{4589C08E-11F1-4614-AD94-2F79D605AB8D}" type="slidenum">
               <a:rPr lang="de-DE" smtClean="0"/>
-              <a:t>22</a:t>
+              <a:t>23</a:t>
             </a:fld>
             <a:endParaRPr lang="de-DE" dirty="0"/>
           </a:p>
@@ -12575,7 +14288,7 @@
         </p:blipFill>
         <p:spPr>
           <a:xfrm>
-            <a:off x="5586794" y="4157033"/>
+            <a:off x="5672763" y="4188294"/>
             <a:ext cx="2732612" cy="378174"/>
           </a:xfrm>
           <a:prstGeom prst="rect">
@@ -12605,7 +14318,7 @@
         </p:blipFill>
         <p:spPr>
           <a:xfrm>
-            <a:off x="8487256" y="4157033"/>
+            <a:off x="8573225" y="4188294"/>
             <a:ext cx="2023930" cy="378174"/>
           </a:xfrm>
           <a:prstGeom prst="rect">
@@ -12626,7 +14339,7 @@
 </p:sld>
 </file>
 
-<file path=ppt/slides/slide23.xml><?xml version="1.0" encoding="utf-8"?>
+<file path=ppt/slides/slide24.xml><?xml version="1.0" encoding="utf-8"?>
 <p:sld xmlns:a="http://schemas.openxmlformats.org/drawingml/2006/main" xmlns:r="http://schemas.openxmlformats.org/officeDocument/2006/relationships" xmlns:p="http://schemas.openxmlformats.org/presentationml/2006/main">
   <p:cSld>
     <p:bg>
@@ -13196,7 +14909,7 @@
                   <a:spcPts val="600"/>
                 </a:spcAft>
               </a:pPr>
-              <a:t>23</a:t>
+              <a:t>24</a:t>
             </a:fld>
             <a:endParaRPr lang="en-US"/>
           </a:p>
@@ -13510,8 +15223,8 @@
 </p:sld>
 </file>
 
-<file path=ppt/slides/slide24.xml><?xml version="1.0" encoding="utf-8"?>
-<p:sld xmlns:a="http://schemas.openxmlformats.org/drawingml/2006/main" xmlns:r="http://schemas.openxmlformats.org/officeDocument/2006/relationships" xmlns:p="http://schemas.openxmlformats.org/presentationml/2006/main">
+<file path=ppt/slides/slide25.xml><?xml version="1.0" encoding="utf-8"?>
+<p:sld xmlns:a="http://schemas.openxmlformats.org/drawingml/2006/main" xmlns:r="http://schemas.openxmlformats.org/officeDocument/2006/relationships" xmlns:p="http://schemas.openxmlformats.org/presentationml/2006/main" show="0">
   <p:cSld>
     <p:spTree>
       <p:nvGrpSpPr>
@@ -13739,7 +15452,7 @@
                   <a:spcPts val="600"/>
                 </a:spcAft>
               </a:pPr>
-              <a:t>24</a:t>
+              <a:t>25</a:t>
             </a:fld>
             <a:endParaRPr lang="en-US"/>
           </a:p>
@@ -14065,7 +15778,7 @@
 </p:sld>
 </file>
 
-<file path=ppt/slides/slide25.xml><?xml version="1.0" encoding="utf-8"?>
+<file path=ppt/slides/slide26.xml><?xml version="1.0" encoding="utf-8"?>
 <p:sld xmlns:a="http://schemas.openxmlformats.org/drawingml/2006/main" xmlns:r="http://schemas.openxmlformats.org/officeDocument/2006/relationships" xmlns:p="http://schemas.openxmlformats.org/presentationml/2006/main">
   <p:cSld>
     <p:spTree>
@@ -14087,6 +15800,591 @@
           <p:cNvPr id="2" name="Titel 1">
             <a:extLst>
               <a:ext uri="{FF2B5EF4-FFF2-40B4-BE49-F238E27FC236}">
+                <a16:creationId xmlns:a16="http://schemas.microsoft.com/office/drawing/2014/main" id="{50D04423-9DD4-F6BA-2DC9-5D0829C9B98C}"/>
+              </a:ext>
+            </a:extLst>
+          </p:cNvPr>
+          <p:cNvSpPr>
+            <a:spLocks noGrp="1"/>
+          </p:cNvSpPr>
+          <p:nvPr>
+            <p:ph type="title"/>
+          </p:nvPr>
+        </p:nvSpPr>
+        <p:spPr>
+          <a:xfrm>
+            <a:off x="638882" y="639192"/>
+            <a:ext cx="3571810" cy="4065670"/>
+          </a:xfrm>
+        </p:spPr>
+        <p:txBody>
+          <a:bodyPr vert="horz" lIns="91440" tIns="45720" rIns="91440" bIns="45720" rtlCol="0" anchor="b">
+            <a:normAutofit/>
+          </a:bodyPr>
+          <a:lstStyle/>
+          <a:p>
+            <a:r>
+              <a:rPr lang="en-US" sz="5200" kern="1200">
+                <a:solidFill>
+                  <a:schemeClr val="tx1"/>
+                </a:solidFill>
+                <a:latin typeface="+mj-lt"/>
+                <a:ea typeface="+mj-ea"/>
+                <a:cs typeface="+mj-cs"/>
+              </a:rPr>
+              <a:t>AV-HuBERT</a:t>
+            </a:r>
+            <a:r>
+              <a:rPr lang="en-US" sz="5100" kern="1200">
+                <a:solidFill>
+                  <a:schemeClr val="tx1"/>
+                </a:solidFill>
+                <a:latin typeface="+mj-lt"/>
+                <a:ea typeface="+mj-ea"/>
+                <a:cs typeface="+mj-cs"/>
+              </a:rPr>
+              <a:t> </a:t>
+            </a:r>
+            <a:r>
+              <a:rPr lang="en-US" sz="3600" kern="1200">
+                <a:solidFill>
+                  <a:schemeClr val="tx1"/>
+                </a:solidFill>
+                <a:latin typeface="+mj-lt"/>
+                <a:ea typeface="+mj-ea"/>
+                <a:cs typeface="+mj-cs"/>
+              </a:rPr>
+              <a:t>Ablation Study (VSR)</a:t>
+            </a:r>
+            <a:endParaRPr lang="en-US" sz="4900" kern="1200" dirty="0">
+              <a:solidFill>
+                <a:schemeClr val="tx1"/>
+              </a:solidFill>
+              <a:latin typeface="+mj-lt"/>
+              <a:ea typeface="+mj-ea"/>
+              <a:cs typeface="+mj-cs"/>
+            </a:endParaRPr>
+          </a:p>
+        </p:txBody>
+      </p:sp>
+      <p:sp>
+        <p:nvSpPr>
+          <p:cNvPr id="4" name="Datumsplatzhalter 3">
+            <a:extLst>
+              <a:ext uri="{FF2B5EF4-FFF2-40B4-BE49-F238E27FC236}">
+                <a16:creationId xmlns:a16="http://schemas.microsoft.com/office/drawing/2014/main" id="{0EFF3519-5645-AC9C-2AC3-70C6A68E499D}"/>
+              </a:ext>
+            </a:extLst>
+          </p:cNvPr>
+          <p:cNvSpPr>
+            <a:spLocks noGrp="1"/>
+          </p:cNvSpPr>
+          <p:nvPr>
+            <p:ph type="dt" sz="half" idx="10"/>
+          </p:nvPr>
+        </p:nvSpPr>
+        <p:spPr>
+          <a:xfrm>
+            <a:off x="838200" y="6356350"/>
+            <a:ext cx="2743200" cy="365125"/>
+          </a:xfrm>
+        </p:spPr>
+        <p:txBody>
+          <a:bodyPr vert="horz" lIns="91440" tIns="45720" rIns="91440" bIns="45720" rtlCol="0" anchor="ctr">
+            <a:normAutofit/>
+          </a:bodyPr>
+          <a:lstStyle/>
+          <a:p>
+            <a:pPr>
+              <a:spcAft>
+                <a:spcPts val="600"/>
+              </a:spcAft>
+            </a:pPr>
+            <a:r>
+              <a:rPr lang="en-US"/>
+              <a:t>05.12.2023</a:t>
+            </a:r>
+          </a:p>
+        </p:txBody>
+      </p:sp>
+      <p:sp>
+        <p:nvSpPr>
+          <p:cNvPr id="5" name="Fußzeilenplatzhalter 4">
+            <a:extLst>
+              <a:ext uri="{FF2B5EF4-FFF2-40B4-BE49-F238E27FC236}">
+                <a16:creationId xmlns:a16="http://schemas.microsoft.com/office/drawing/2014/main" id="{BF312A83-83AC-9C68-95FC-E7A6D59D3BB4}"/>
+              </a:ext>
+            </a:extLst>
+          </p:cNvPr>
+          <p:cNvSpPr>
+            <a:spLocks noGrp="1"/>
+          </p:cNvSpPr>
+          <p:nvPr>
+            <p:ph type="ftr" sz="quarter" idx="11"/>
+          </p:nvPr>
+        </p:nvSpPr>
+        <p:spPr>
+          <a:xfrm>
+            <a:off x="4038600" y="6356350"/>
+            <a:ext cx="4114800" cy="365125"/>
+          </a:xfrm>
+        </p:spPr>
+        <p:txBody>
+          <a:bodyPr vert="horz" lIns="91440" tIns="45720" rIns="91440" bIns="45720" rtlCol="0" anchor="ctr">
+            <a:normAutofit/>
+          </a:bodyPr>
+          <a:lstStyle/>
+          <a:p>
+            <a:pPr>
+              <a:spcAft>
+                <a:spcPts val="600"/>
+              </a:spcAft>
+            </a:pPr>
+            <a:r>
+              <a:rPr lang="en-US" kern="1200" dirty="0">
+                <a:solidFill>
+                  <a:schemeClr val="tx1">
+                    <a:tint val="75000"/>
+                  </a:schemeClr>
+                </a:solidFill>
+                <a:latin typeface="+mn-lt"/>
+                <a:ea typeface="+mn-ea"/>
+                <a:cs typeface="+mn-cs"/>
+              </a:rPr>
+              <a:t>Multi-modal Speech Representation Learning</a:t>
+            </a:r>
+          </a:p>
+        </p:txBody>
+      </p:sp>
+      <p:sp>
+        <p:nvSpPr>
+          <p:cNvPr id="6" name="Foliennummernplatzhalter 5">
+            <a:extLst>
+              <a:ext uri="{FF2B5EF4-FFF2-40B4-BE49-F238E27FC236}">
+                <a16:creationId xmlns:a16="http://schemas.microsoft.com/office/drawing/2014/main" id="{E525FE09-F039-617D-9C2B-891727A4B0B4}"/>
+              </a:ext>
+            </a:extLst>
+          </p:cNvPr>
+          <p:cNvSpPr>
+            <a:spLocks noGrp="1"/>
+          </p:cNvSpPr>
+          <p:nvPr>
+            <p:ph type="sldNum" sz="quarter" idx="12"/>
+          </p:nvPr>
+        </p:nvSpPr>
+        <p:spPr>
+          <a:xfrm>
+            <a:off x="8610600" y="6356350"/>
+            <a:ext cx="2743200" cy="365125"/>
+          </a:xfrm>
+        </p:spPr>
+        <p:txBody>
+          <a:bodyPr vert="horz" lIns="91440" tIns="45720" rIns="91440" bIns="45720" rtlCol="0" anchor="ctr">
+            <a:normAutofit/>
+          </a:bodyPr>
+          <a:lstStyle/>
+          <a:p>
+            <a:pPr>
+              <a:spcAft>
+                <a:spcPts val="600"/>
+              </a:spcAft>
+            </a:pPr>
+            <a:fld id="{4589C08E-11F1-4614-AD94-2F79D605AB8D}" type="slidenum">
+              <a:rPr lang="en-US" smtClean="0"/>
+              <a:pPr>
+                <a:spcAft>
+                  <a:spcPts val="600"/>
+                </a:spcAft>
+              </a:pPr>
+              <a:t>26</a:t>
+            </a:fld>
+            <a:endParaRPr lang="en-US" dirty="0"/>
+          </a:p>
+        </p:txBody>
+      </p:sp>
+      <p:sp>
+        <p:nvSpPr>
+          <p:cNvPr id="3" name="Textfeld 2">
+            <a:extLst>
+              <a:ext uri="{FF2B5EF4-FFF2-40B4-BE49-F238E27FC236}">
+                <a16:creationId xmlns:a16="http://schemas.microsoft.com/office/drawing/2014/main" id="{D595E8B3-FE37-11AE-B6F1-36C14F0076AD}"/>
+              </a:ext>
+            </a:extLst>
+          </p:cNvPr>
+          <p:cNvSpPr txBox="1"/>
+          <p:nvPr/>
+        </p:nvSpPr>
+        <p:spPr>
+          <a:xfrm>
+            <a:off x="10968513" y="5198710"/>
+            <a:ext cx="442750" cy="369332"/>
+          </a:xfrm>
+          <a:prstGeom prst="rect">
+            <a:avLst/>
+          </a:prstGeom>
+          <a:noFill/>
+        </p:spPr>
+        <p:txBody>
+          <a:bodyPr wrap="none" rtlCol="0">
+            <a:spAutoFit/>
+          </a:bodyPr>
+          <a:lstStyle/>
+          <a:p>
+            <a:r>
+              <a:rPr lang="de-DE"/>
+              <a:t>[4]</a:t>
+            </a:r>
+            <a:endParaRPr lang="en-GB" dirty="0"/>
+          </a:p>
+        </p:txBody>
+      </p:sp>
+      <p:pic>
+        <p:nvPicPr>
+          <p:cNvPr id="11" name="Grafik 10">
+            <a:extLst>
+              <a:ext uri="{FF2B5EF4-FFF2-40B4-BE49-F238E27FC236}">
+                <a16:creationId xmlns:a16="http://schemas.microsoft.com/office/drawing/2014/main" id="{EF7C85B4-F70F-343E-85AC-5FDC22BE9A25}"/>
+              </a:ext>
+            </a:extLst>
+          </p:cNvPr>
+          <p:cNvPicPr>
+            <a:picLocks noChangeAspect="1"/>
+          </p:cNvPicPr>
+          <p:nvPr/>
+        </p:nvPicPr>
+        <p:blipFill>
+          <a:blip r:embed="rId3"/>
+          <a:stretch>
+            <a:fillRect/>
+          </a:stretch>
+        </p:blipFill>
+        <p:spPr>
+          <a:xfrm>
+            <a:off x="5111996" y="1763868"/>
+            <a:ext cx="6299267" cy="3330263"/>
+          </a:xfrm>
+          <a:prstGeom prst="rect">
+            <a:avLst/>
+          </a:prstGeom>
+        </p:spPr>
+      </p:pic>
+      <mc:AlternateContent xmlns:mc="http://schemas.openxmlformats.org/markup-compatibility/2006">
+        <mc:Choice xmlns:a14="http://schemas.microsoft.com/office/drawing/2010/main" Requires="a14">
+          <p:sp>
+            <p:nvSpPr>
+              <p:cNvPr id="12" name="Textfeld 11">
+                <a:extLst>
+                  <a:ext uri="{FF2B5EF4-FFF2-40B4-BE49-F238E27FC236}">
+                    <a16:creationId xmlns:a16="http://schemas.microsoft.com/office/drawing/2014/main" id="{A9138BBF-E541-B815-21E6-4277D759C7F4}"/>
+                  </a:ext>
+                </a:extLst>
+              </p:cNvPr>
+              <p:cNvSpPr txBox="1"/>
+              <p:nvPr/>
+            </p:nvSpPr>
+            <p:spPr>
+              <a:xfrm>
+                <a:off x="5212861" y="5198710"/>
+                <a:ext cx="5181601" cy="430887"/>
+              </a:xfrm>
+              <a:prstGeom prst="rect">
+                <a:avLst/>
+              </a:prstGeom>
+              <a:noFill/>
+            </p:spPr>
+            <p:txBody>
+              <a:bodyPr wrap="square" rtlCol="0">
+                <a:spAutoFit/>
+              </a:bodyPr>
+              <a:lstStyle/>
+              <a:p>
+                <a14:m>
+                  <m:oMath xmlns:m="http://schemas.openxmlformats.org/officeDocument/2006/math">
+                    <m:sSub>
+                      <m:sSubPr>
+                        <m:ctrlPr>
+                          <a:rPr lang="de-DE" sz="1100" b="0" i="1" smtClean="0">
+                            <a:latin typeface="Cambria Math" panose="02040503050406030204" pitchFamily="18" charset="0"/>
+                          </a:rPr>
+                        </m:ctrlPr>
+                      </m:sSubPr>
+                      <m:e>
+                        <m:r>
+                          <a:rPr lang="de-DE" sz="1100" b="0" i="1" smtClean="0">
+                            <a:latin typeface="Cambria Math" panose="02040503050406030204" pitchFamily="18" charset="0"/>
+                          </a:rPr>
+                          <m:t>𝑚</m:t>
+                        </m:r>
+                      </m:e>
+                      <m:sub>
+                        <m:r>
+                          <a:rPr lang="de-DE" sz="1100" b="0" i="1" smtClean="0">
+                            <a:latin typeface="Cambria Math" panose="02040503050406030204" pitchFamily="18" charset="0"/>
+                          </a:rPr>
+                          <m:t>𝑎</m:t>
+                        </m:r>
+                      </m:sub>
+                    </m:sSub>
+                    <m:r>
+                      <a:rPr lang="de-DE" sz="1100" b="0" i="1" smtClean="0">
+                        <a:latin typeface="Cambria Math" panose="02040503050406030204" pitchFamily="18" charset="0"/>
+                      </a:rPr>
+                      <m:t>,</m:t>
+                    </m:r>
+                    <m:sSub>
+                      <m:sSubPr>
+                        <m:ctrlPr>
+                          <a:rPr lang="de-DE" sz="1100" b="0" i="1" smtClean="0">
+                            <a:latin typeface="Cambria Math" panose="02040503050406030204" pitchFamily="18" charset="0"/>
+                          </a:rPr>
+                        </m:ctrlPr>
+                      </m:sSubPr>
+                      <m:e>
+                        <m:r>
+                          <a:rPr lang="de-DE" sz="1100" b="0" i="1" smtClean="0">
+                            <a:latin typeface="Cambria Math" panose="02040503050406030204" pitchFamily="18" charset="0"/>
+                          </a:rPr>
+                          <m:t>𝑚</m:t>
+                        </m:r>
+                      </m:e>
+                      <m:sub>
+                        <m:r>
+                          <a:rPr lang="de-DE" sz="1100" b="0" i="1" smtClean="0">
+                            <a:latin typeface="Cambria Math" panose="02040503050406030204" pitchFamily="18" charset="0"/>
+                          </a:rPr>
+                          <m:t>𝑣</m:t>
+                        </m:r>
+                      </m:sub>
+                    </m:sSub>
+                  </m:oMath>
+                </a14:m>
+                <a:r>
+                  <a:rPr lang="en-GB" sz="1100" dirty="0"/>
+                  <a:t>: Masking probability audio and visual</a:t>
+                </a:r>
+                <a:br>
+                  <a:rPr lang="de-DE" sz="1100" b="0" i="1" dirty="0">
+                    <a:latin typeface="Cambria Math" panose="02040503050406030204" pitchFamily="18" charset="0"/>
+                  </a:rPr>
+                </a:br>
+                <a14:m>
+                  <m:oMath xmlns:m="http://schemas.openxmlformats.org/officeDocument/2006/math">
+                    <m:sSub>
+                      <m:sSubPr>
+                        <m:ctrlPr>
+                          <a:rPr lang="de-DE" sz="1100" b="0" i="1" smtClean="0">
+                            <a:latin typeface="Cambria Math" panose="02040503050406030204" pitchFamily="18" charset="0"/>
+                          </a:rPr>
+                        </m:ctrlPr>
+                      </m:sSubPr>
+                      <m:e>
+                        <m:r>
+                          <a:rPr lang="de-DE" sz="1100" b="0" i="1" smtClean="0">
+                            <a:latin typeface="Cambria Math" panose="02040503050406030204" pitchFamily="18" charset="0"/>
+                          </a:rPr>
+                          <m:t>𝑝</m:t>
+                        </m:r>
+                      </m:e>
+                      <m:sub>
+                        <m:r>
+                          <a:rPr lang="de-DE" sz="1100" b="0" i="1" smtClean="0">
+                            <a:latin typeface="Cambria Math" panose="02040503050406030204" pitchFamily="18" charset="0"/>
+                          </a:rPr>
+                          <m:t>𝑚</m:t>
+                        </m:r>
+                      </m:sub>
+                    </m:sSub>
+                    <m:r>
+                      <a:rPr lang="de-DE" sz="1100" b="0" i="1" smtClean="0">
+                        <a:latin typeface="Cambria Math" panose="02040503050406030204" pitchFamily="18" charset="0"/>
+                      </a:rPr>
+                      <m:t>, </m:t>
+                    </m:r>
+                    <m:sSub>
+                      <m:sSubPr>
+                        <m:ctrlPr>
+                          <a:rPr lang="de-DE" sz="1100" b="0" i="1" smtClean="0">
+                            <a:latin typeface="Cambria Math" panose="02040503050406030204" pitchFamily="18" charset="0"/>
+                          </a:rPr>
+                        </m:ctrlPr>
+                      </m:sSubPr>
+                      <m:e>
+                        <m:r>
+                          <a:rPr lang="de-DE" sz="1100" b="0" i="1" smtClean="0">
+                            <a:latin typeface="Cambria Math" panose="02040503050406030204" pitchFamily="18" charset="0"/>
+                          </a:rPr>
+                          <m:t>𝑝</m:t>
+                        </m:r>
+                      </m:e>
+                      <m:sub>
+                        <m:r>
+                          <a:rPr lang="de-DE" sz="1100" b="0" i="1" smtClean="0">
+                            <a:latin typeface="Cambria Math" panose="02040503050406030204" pitchFamily="18" charset="0"/>
+                          </a:rPr>
+                          <m:t>𝑎</m:t>
+                        </m:r>
+                      </m:sub>
+                    </m:sSub>
+                  </m:oMath>
+                </a14:m>
+                <a:r>
+                  <a:rPr lang="en-GB" sz="1100" dirty="0"/>
+                  <a:t>: Probability of (m)</a:t>
+                </a:r>
+                <a:r>
+                  <a:rPr lang="en-GB" sz="1100" dirty="0" err="1"/>
+                  <a:t>ulti</a:t>
+                </a:r>
+                <a:r>
+                  <a:rPr lang="en-GB" sz="1100" dirty="0"/>
+                  <a:t>-modal and (a)</a:t>
+                </a:r>
+                <a:r>
+                  <a:rPr lang="en-GB" sz="1100" dirty="0" err="1"/>
+                  <a:t>udio</a:t>
+                </a:r>
+                <a:r>
+                  <a:rPr lang="en-GB" sz="1100" dirty="0"/>
+                  <a:t> only training</a:t>
+                </a:r>
+              </a:p>
+            </p:txBody>
+          </p:sp>
+        </mc:Choice>
+        <mc:Fallback>
+          <p:sp>
+            <p:nvSpPr>
+              <p:cNvPr id="12" name="Textfeld 11">
+                <a:extLst>
+                  <a:ext uri="{FF2B5EF4-FFF2-40B4-BE49-F238E27FC236}">
+                    <a16:creationId xmlns:a16="http://schemas.microsoft.com/office/drawing/2014/main" id="{A9138BBF-E541-B815-21E6-4277D759C7F4}"/>
+                  </a:ext>
+                </a:extLst>
+              </p:cNvPr>
+              <p:cNvSpPr txBox="1">
+                <a:spLocks noRot="1" noChangeAspect="1" noMove="1" noResize="1" noEditPoints="1" noAdjustHandles="1" noChangeArrowheads="1" noChangeShapeType="1" noTextEdit="1"/>
+              </p:cNvSpPr>
+              <p:nvPr/>
+            </p:nvSpPr>
+            <p:spPr>
+              <a:xfrm>
+                <a:off x="5212861" y="5198710"/>
+                <a:ext cx="5181601" cy="430887"/>
+              </a:xfrm>
+              <a:prstGeom prst="rect">
+                <a:avLst/>
+              </a:prstGeom>
+              <a:blipFill>
+                <a:blip r:embed="rId4"/>
+                <a:stretch>
+                  <a:fillRect b="-10000"/>
+                </a:stretch>
+              </a:blipFill>
+            </p:spPr>
+            <p:txBody>
+              <a:bodyPr/>
+              <a:lstStyle/>
+              <a:p>
+                <a:r>
+                  <a:rPr lang="en-GB">
+                    <a:noFill/>
+                  </a:rPr>
+                  <a:t> </a:t>
+                </a:r>
+              </a:p>
+            </p:txBody>
+          </p:sp>
+        </mc:Fallback>
+      </mc:AlternateContent>
+      <p:sp>
+        <p:nvSpPr>
+          <p:cNvPr id="13" name="Rechteck 12">
+            <a:extLst>
+              <a:ext uri="{FF2B5EF4-FFF2-40B4-BE49-F238E27FC236}">
+                <a16:creationId xmlns:a16="http://schemas.microsoft.com/office/drawing/2014/main" id="{D314D37D-DC8A-7DD6-3322-28CA82983E37}"/>
+              </a:ext>
+            </a:extLst>
+          </p:cNvPr>
+          <p:cNvSpPr/>
+          <p:nvPr/>
+        </p:nvSpPr>
+        <p:spPr>
+          <a:xfrm>
+            <a:off x="8424984" y="4181400"/>
+            <a:ext cx="2907323" cy="367154"/>
+          </a:xfrm>
+          <a:prstGeom prst="rect">
+            <a:avLst/>
+          </a:prstGeom>
+          <a:noFill/>
+          <a:ln w="28575" cap="flat" cmpd="sng" algn="ctr">
+            <a:solidFill>
+              <a:srgbClr val="FF0000"/>
+            </a:solidFill>
+            <a:prstDash val="solid"/>
+            <a:round/>
+            <a:headEnd type="none" w="med" len="med"/>
+            <a:tailEnd type="none" w="med" len="med"/>
+          </a:ln>
+        </p:spPr>
+        <p:style>
+          <a:lnRef idx="0">
+            <a:scrgbClr r="0" g="0" b="0"/>
+          </a:lnRef>
+          <a:fillRef idx="0">
+            <a:scrgbClr r="0" g="0" b="0"/>
+          </a:fillRef>
+          <a:effectRef idx="0">
+            <a:scrgbClr r="0" g="0" b="0"/>
+          </a:effectRef>
+          <a:fontRef idx="minor">
+            <a:schemeClr val="accent2"/>
+          </a:fontRef>
+        </p:style>
+        <p:txBody>
+          <a:bodyPr rtlCol="0" anchor="ctr"/>
+          <a:lstStyle/>
+          <a:p>
+            <a:pPr algn="ctr"/>
+            <a:endParaRPr lang="en-GB"/>
+          </a:p>
+        </p:txBody>
+      </p:sp>
+    </p:spTree>
+    <p:extLst>
+      <p:ext uri="{BB962C8B-B14F-4D97-AF65-F5344CB8AC3E}">
+        <p14:creationId xmlns:p14="http://schemas.microsoft.com/office/powerpoint/2010/main" val="2793281608"/>
+      </p:ext>
+    </p:extLst>
+  </p:cSld>
+  <p:clrMapOvr>
+    <a:masterClrMapping/>
+  </p:clrMapOvr>
+</p:sld>
+</file>
+
+<file path=ppt/slides/slide27.xml><?xml version="1.0" encoding="utf-8"?>
+<p:sld xmlns:a="http://schemas.openxmlformats.org/drawingml/2006/main" xmlns:r="http://schemas.openxmlformats.org/officeDocument/2006/relationships" xmlns:p="http://schemas.openxmlformats.org/presentationml/2006/main">
+  <p:cSld>
+    <p:spTree>
+      <p:nvGrpSpPr>
+        <p:cNvPr id="1" name=""/>
+        <p:cNvGrpSpPr/>
+        <p:nvPr/>
+      </p:nvGrpSpPr>
+      <p:grpSpPr>
+        <a:xfrm>
+          <a:off x="0" y="0"/>
+          <a:ext cx="0" cy="0"/>
+          <a:chOff x="0" y="0"/>
+          <a:chExt cx="0" cy="0"/>
+        </a:xfrm>
+      </p:grpSpPr>
+      <p:sp>
+        <p:nvSpPr>
+          <p:cNvPr id="2" name="Titel 1">
+            <a:extLst>
+              <a:ext uri="{FF2B5EF4-FFF2-40B4-BE49-F238E27FC236}">
                 <a16:creationId xmlns:a16="http://schemas.microsoft.com/office/drawing/2014/main" id="{358629DF-DE7D-BAA9-F837-194F89F9BC96}"/>
               </a:ext>
             </a:extLst>
@@ -14284,7 +16582,7 @@
           <a:p>
             <a:fld id="{4589C08E-11F1-4614-AD94-2F79D605AB8D}" type="slidenum">
               <a:rPr lang="de-DE" smtClean="0"/>
-              <a:t>25</a:t>
+              <a:t>27</a:t>
             </a:fld>
             <a:endParaRPr lang="de-DE" dirty="0"/>
           </a:p>
@@ -14303,7 +16601,7 @@
 </p:sld>
 </file>
 
-<file path=ppt/slides/slide26.xml><?xml version="1.0" encoding="utf-8"?>
+<file path=ppt/slides/slide28.xml><?xml version="1.0" encoding="utf-8"?>
 <p:sld xmlns:a="http://schemas.openxmlformats.org/drawingml/2006/main" xmlns:r="http://schemas.openxmlformats.org/officeDocument/2006/relationships" xmlns:p="http://schemas.openxmlformats.org/presentationml/2006/main">
   <p:cSld>
     <p:bg>
@@ -14589,7 +16887,7 @@
                   <a:spcPts val="600"/>
                 </a:spcAft>
               </a:pPr>
-              <a:t>26</a:t>
+              <a:t>28</a:t>
             </a:fld>
             <a:endParaRPr lang="en-US"/>
           </a:p>
@@ -14644,7 +16942,7 @@
 </p:sld>
 </file>
 
-<file path=ppt/slides/slide27.xml><?xml version="1.0" encoding="utf-8"?>
+<file path=ppt/slides/slide29.xml><?xml version="1.0" encoding="utf-8"?>
 <p:sld xmlns:a="http://schemas.openxmlformats.org/drawingml/2006/main" xmlns:r="http://schemas.openxmlformats.org/officeDocument/2006/relationships" xmlns:p="http://schemas.openxmlformats.org/presentationml/2006/main">
   <p:cSld>
     <p:spTree>
@@ -14770,7 +17068,7 @@
           <a:p>
             <a:fld id="{4589C08E-11F1-4614-AD94-2F79D605AB8D}" type="slidenum">
               <a:rPr lang="de-DE" smtClean="0"/>
-              <a:t>27</a:t>
+              <a:t>29</a:t>
             </a:fld>
             <a:endParaRPr lang="de-DE" dirty="0"/>
           </a:p>
@@ -15009,7 +17307,216 @@
 </p:sld>
 </file>
 
-<file path=ppt/slides/slide28.xml><?xml version="1.0" encoding="utf-8"?>
+<file path=ppt/slides/slide3.xml><?xml version="1.0" encoding="utf-8"?>
+<p:sld xmlns:a="http://schemas.openxmlformats.org/drawingml/2006/main" xmlns:r="http://schemas.openxmlformats.org/officeDocument/2006/relationships" xmlns:p="http://schemas.openxmlformats.org/presentationml/2006/main">
+  <p:cSld>
+    <p:spTree>
+      <p:nvGrpSpPr>
+        <p:cNvPr id="1" name=""/>
+        <p:cNvGrpSpPr/>
+        <p:nvPr/>
+      </p:nvGrpSpPr>
+      <p:grpSpPr>
+        <a:xfrm>
+          <a:off x="0" y="0"/>
+          <a:ext cx="0" cy="0"/>
+          <a:chOff x="0" y="0"/>
+          <a:chExt cx="0" cy="0"/>
+        </a:xfrm>
+      </p:grpSpPr>
+      <p:sp>
+        <p:nvSpPr>
+          <p:cNvPr id="2" name="Titel 1">
+            <a:extLst>
+              <a:ext uri="{FF2B5EF4-FFF2-40B4-BE49-F238E27FC236}">
+                <a16:creationId xmlns:a16="http://schemas.microsoft.com/office/drawing/2014/main" id="{64C72F1A-8422-2279-853A-18490E33583F}"/>
+              </a:ext>
+            </a:extLst>
+          </p:cNvPr>
+          <p:cNvSpPr>
+            <a:spLocks noGrp="1"/>
+          </p:cNvSpPr>
+          <p:nvPr>
+            <p:ph type="title"/>
+          </p:nvPr>
+        </p:nvSpPr>
+        <p:spPr/>
+        <p:txBody>
+          <a:bodyPr>
+            <a:normAutofit/>
+          </a:bodyPr>
+          <a:lstStyle/>
+          <a:p>
+            <a:r>
+              <a:rPr lang="en-GB" sz="4350" dirty="0"/>
+              <a:t>Qualities</a:t>
+            </a:r>
+            <a:r>
+              <a:rPr lang="de-DE" sz="4350" dirty="0"/>
+              <a:t> of Speech </a:t>
+            </a:r>
+            <a:r>
+              <a:rPr lang="en-GB" sz="4350" dirty="0"/>
+              <a:t>Representation Models [1]</a:t>
+            </a:r>
+          </a:p>
+        </p:txBody>
+      </p:sp>
+      <p:sp>
+        <p:nvSpPr>
+          <p:cNvPr id="3" name="Inhaltsplatzhalter 2">
+            <a:extLst>
+              <a:ext uri="{FF2B5EF4-FFF2-40B4-BE49-F238E27FC236}">
+                <a16:creationId xmlns:a16="http://schemas.microsoft.com/office/drawing/2014/main" id="{AF88B905-BEC9-9440-7270-BBFF1996D0D4}"/>
+              </a:ext>
+            </a:extLst>
+          </p:cNvPr>
+          <p:cNvSpPr>
+            <a:spLocks noGrp="1"/>
+          </p:cNvSpPr>
+          <p:nvPr>
+            <p:ph idx="1"/>
+          </p:nvPr>
+        </p:nvSpPr>
+        <p:spPr/>
+        <p:txBody>
+          <a:bodyPr/>
+          <a:lstStyle/>
+          <a:p>
+            <a:r>
+              <a:rPr lang="en-US" dirty="0"/>
+              <a:t>Disentangled speaker identity, style, emotion, …</a:t>
+            </a:r>
+          </a:p>
+          <a:p>
+            <a:r>
+              <a:rPr lang="en-US" dirty="0"/>
+              <a:t>Invariant to noise</a:t>
+            </a:r>
+          </a:p>
+          <a:p>
+            <a:r>
+              <a:rPr lang="en-US" dirty="0"/>
+              <a:t>Hierarchical </a:t>
+            </a:r>
+            <a:r>
+              <a:rPr lang="en-US" dirty="0" err="1"/>
+              <a:t>w.r.t.</a:t>
+            </a:r>
+            <a:r>
+              <a:rPr lang="en-US" dirty="0"/>
+              <a:t> acoustic, lexical and semantic features</a:t>
+            </a:r>
+          </a:p>
+          <a:p>
+            <a:pPr lvl="1"/>
+            <a:r>
+              <a:rPr lang="en-US" dirty="0"/>
+              <a:t>E.g., speaker identification vs. translation task</a:t>
+            </a:r>
+          </a:p>
+        </p:txBody>
+      </p:sp>
+      <p:sp>
+        <p:nvSpPr>
+          <p:cNvPr id="4" name="Datumsplatzhalter 3">
+            <a:extLst>
+              <a:ext uri="{FF2B5EF4-FFF2-40B4-BE49-F238E27FC236}">
+                <a16:creationId xmlns:a16="http://schemas.microsoft.com/office/drawing/2014/main" id="{0181EC9C-43AB-D74F-1FC5-254FAFEFAF72}"/>
+              </a:ext>
+            </a:extLst>
+          </p:cNvPr>
+          <p:cNvSpPr>
+            <a:spLocks noGrp="1"/>
+          </p:cNvSpPr>
+          <p:nvPr>
+            <p:ph type="dt" sz="half" idx="10"/>
+          </p:nvPr>
+        </p:nvSpPr>
+        <p:spPr/>
+        <p:txBody>
+          <a:bodyPr/>
+          <a:lstStyle/>
+          <a:p>
+            <a:r>
+              <a:rPr lang="de-DE" dirty="0"/>
+              <a:t>05.12.2023</a:t>
+            </a:r>
+          </a:p>
+        </p:txBody>
+      </p:sp>
+      <p:sp>
+        <p:nvSpPr>
+          <p:cNvPr id="5" name="Fußzeilenplatzhalter 4">
+            <a:extLst>
+              <a:ext uri="{FF2B5EF4-FFF2-40B4-BE49-F238E27FC236}">
+                <a16:creationId xmlns:a16="http://schemas.microsoft.com/office/drawing/2014/main" id="{77AB99A6-3C32-E43E-15D8-1FB9D9215B6B}"/>
+              </a:ext>
+            </a:extLst>
+          </p:cNvPr>
+          <p:cNvSpPr>
+            <a:spLocks noGrp="1"/>
+          </p:cNvSpPr>
+          <p:nvPr>
+            <p:ph type="ftr" sz="quarter" idx="11"/>
+          </p:nvPr>
+        </p:nvSpPr>
+        <p:spPr/>
+        <p:txBody>
+          <a:bodyPr/>
+          <a:lstStyle/>
+          <a:p>
+            <a:r>
+              <a:rPr lang="en-US" dirty="0"/>
+              <a:t>Multi-modal Speech Representation Learning</a:t>
+            </a:r>
+            <a:endParaRPr lang="de-DE" dirty="0"/>
+          </a:p>
+        </p:txBody>
+      </p:sp>
+      <p:sp>
+        <p:nvSpPr>
+          <p:cNvPr id="6" name="Foliennummernplatzhalter 5">
+            <a:extLst>
+              <a:ext uri="{FF2B5EF4-FFF2-40B4-BE49-F238E27FC236}">
+                <a16:creationId xmlns:a16="http://schemas.microsoft.com/office/drawing/2014/main" id="{BF0FFA8E-2439-CD60-2906-CB99CE2AA93C}"/>
+              </a:ext>
+            </a:extLst>
+          </p:cNvPr>
+          <p:cNvSpPr>
+            <a:spLocks noGrp="1"/>
+          </p:cNvSpPr>
+          <p:nvPr>
+            <p:ph type="sldNum" sz="quarter" idx="12"/>
+          </p:nvPr>
+        </p:nvSpPr>
+        <p:spPr/>
+        <p:txBody>
+          <a:bodyPr/>
+          <a:lstStyle/>
+          <a:p>
+            <a:fld id="{4589C08E-11F1-4614-AD94-2F79D605AB8D}" type="slidenum">
+              <a:rPr lang="de-DE" smtClean="0"/>
+              <a:t>3</a:t>
+            </a:fld>
+            <a:endParaRPr lang="de-DE" dirty="0"/>
+          </a:p>
+        </p:txBody>
+      </p:sp>
+    </p:spTree>
+    <p:extLst>
+      <p:ext uri="{BB962C8B-B14F-4D97-AF65-F5344CB8AC3E}">
+        <p14:creationId xmlns:p14="http://schemas.microsoft.com/office/powerpoint/2010/main" val="3802131508"/>
+      </p:ext>
+    </p:extLst>
+  </p:cSld>
+  <p:clrMapOvr>
+    <a:masterClrMapping/>
+  </p:clrMapOvr>
+</p:sld>
+</file>
+
+<file path=ppt/slides/slide30.xml><?xml version="1.0" encoding="utf-8"?>
 <p:sld xmlns:a="http://schemas.openxmlformats.org/drawingml/2006/main" xmlns:r="http://schemas.openxmlformats.org/officeDocument/2006/relationships" xmlns:p="http://schemas.openxmlformats.org/presentationml/2006/main">
   <p:cSld>
     <p:bg>
@@ -15601,7 +18108,7 @@
                   <a:spcPts val="600"/>
                 </a:spcAft>
               </a:pPr>
-              <a:t>28</a:t>
+              <a:t>30</a:t>
             </a:fld>
             <a:endParaRPr lang="en-US"/>
           </a:p>
@@ -15872,7 +18379,836 @@
 </p:sld>
 </file>
 
-<file path=ppt/slides/slide29.xml><?xml version="1.0" encoding="utf-8"?>
+<file path=ppt/slides/slide31.xml><?xml version="1.0" encoding="utf-8"?>
+<p:sld xmlns:a="http://schemas.openxmlformats.org/drawingml/2006/main" xmlns:r="http://schemas.openxmlformats.org/officeDocument/2006/relationships" xmlns:p="http://schemas.openxmlformats.org/presentationml/2006/main">
+  <p:cSld>
+    <p:bg>
+      <p:bgPr>
+        <a:solidFill>
+          <a:schemeClr val="bg1"/>
+        </a:solidFill>
+        <a:effectLst/>
+      </p:bgPr>
+    </p:bg>
+    <p:spTree>
+      <p:nvGrpSpPr>
+        <p:cNvPr id="1" name=""/>
+        <p:cNvGrpSpPr/>
+        <p:nvPr/>
+      </p:nvGrpSpPr>
+      <p:grpSpPr>
+        <a:xfrm>
+          <a:off x="0" y="0"/>
+          <a:ext cx="0" cy="0"/>
+          <a:chOff x="0" y="0"/>
+          <a:chExt cx="0" cy="0"/>
+        </a:xfrm>
+      </p:grpSpPr>
+      <p:sp useBgFill="1">
+        <p:nvSpPr>
+          <p:cNvPr id="15" name="Rectangle 14">
+            <a:extLst>
+              <a:ext uri="{FF2B5EF4-FFF2-40B4-BE49-F238E27FC236}">
+                <a16:creationId xmlns:a16="http://schemas.microsoft.com/office/drawing/2014/main" id="{665DBBEF-238B-476B-96AB-8AAC3224ECEA}"/>
+              </a:ext>
+              <a:ext uri="{C183D7F6-B498-43B3-948B-1728B52AA6E4}">
+                <adec:decorative xmlns:adec="http://schemas.microsoft.com/office/drawing/2017/decorative" val="1"/>
+              </a:ext>
+            </a:extLst>
+          </p:cNvPr>
+          <p:cNvSpPr>
+            <a:spLocks noGrp="1" noRot="1" noChangeAspect="1" noMove="1" noResize="1" noEditPoints="1" noAdjustHandles="1" noChangeArrowheads="1" noChangeShapeType="1" noTextEdit="1"/>
+          </p:cNvSpPr>
+          <p:nvPr>
+            <p:extLst>
+              <p:ext uri="{386F3935-93C4-4BCD-93E2-E3B085C9AB24}">
+                <p16:designElem xmlns:p16="http://schemas.microsoft.com/office/powerpoint/2015/main" val="1"/>
+              </p:ext>
+            </p:extLst>
+          </p:nvPr>
+        </p:nvSpPr>
+        <p:spPr>
+          <a:xfrm>
+            <a:off x="0" y="0"/>
+            <a:ext cx="12192000" cy="6858000"/>
+          </a:xfrm>
+          <a:prstGeom prst="rect">
+            <a:avLst/>
+          </a:prstGeom>
+          <a:ln>
+            <a:noFill/>
+          </a:ln>
+        </p:spPr>
+        <p:style>
+          <a:lnRef idx="2">
+            <a:schemeClr val="accent1">
+              <a:shade val="50000"/>
+            </a:schemeClr>
+          </a:lnRef>
+          <a:fillRef idx="1">
+            <a:schemeClr val="accent1"/>
+          </a:fillRef>
+          <a:effectRef idx="0">
+            <a:schemeClr val="accent1"/>
+          </a:effectRef>
+          <a:fontRef idx="minor">
+            <a:schemeClr val="lt1"/>
+          </a:fontRef>
+        </p:style>
+        <p:txBody>
+          <a:bodyPr rtlCol="0" anchor="ctr"/>
+          <a:lstStyle/>
+          <a:p>
+            <a:pPr algn="ctr"/>
+            <a:endParaRPr lang="en-US"/>
+          </a:p>
+        </p:txBody>
+      </p:sp>
+      <p:sp>
+        <p:nvSpPr>
+          <p:cNvPr id="2" name="Titel 1">
+            <a:extLst>
+              <a:ext uri="{FF2B5EF4-FFF2-40B4-BE49-F238E27FC236}">
+                <a16:creationId xmlns:a16="http://schemas.microsoft.com/office/drawing/2014/main" id="{50D04423-9DD4-F6BA-2DC9-5D0829C9B98C}"/>
+              </a:ext>
+            </a:extLst>
+          </p:cNvPr>
+          <p:cNvSpPr>
+            <a:spLocks noGrp="1"/>
+          </p:cNvSpPr>
+          <p:nvPr>
+            <p:ph type="title"/>
+          </p:nvPr>
+        </p:nvSpPr>
+        <p:spPr>
+          <a:xfrm>
+            <a:off x="638882" y="639193"/>
+            <a:ext cx="3571810" cy="3573516"/>
+          </a:xfrm>
+        </p:spPr>
+        <p:txBody>
+          <a:bodyPr vert="horz" lIns="91440" tIns="45720" rIns="91440" bIns="45720" rtlCol="0" anchor="b">
+            <a:normAutofit/>
+          </a:bodyPr>
+          <a:lstStyle/>
+          <a:p>
+            <a:r>
+              <a:rPr lang="en-US" sz="5100" kern="1200" dirty="0">
+                <a:solidFill>
+                  <a:schemeClr val="tx1"/>
+                </a:solidFill>
+                <a:latin typeface="+mj-lt"/>
+                <a:ea typeface="+mj-ea"/>
+                <a:cs typeface="+mj-cs"/>
+              </a:rPr>
+              <a:t>VAT-LM</a:t>
+            </a:r>
+            <a:br>
+              <a:rPr lang="en-US" sz="5100" kern="1200" dirty="0">
+                <a:solidFill>
+                  <a:schemeClr val="tx1"/>
+                </a:solidFill>
+                <a:latin typeface="+mj-lt"/>
+                <a:ea typeface="+mj-ea"/>
+                <a:cs typeface="+mj-cs"/>
+              </a:rPr>
+            </a:br>
+            <a:r>
+              <a:rPr lang="en-US" sz="3200" kern="1200" dirty="0">
+                <a:solidFill>
+                  <a:schemeClr val="tx1"/>
+                </a:solidFill>
+                <a:latin typeface="+mj-lt"/>
+                <a:ea typeface="+mj-ea"/>
+                <a:cs typeface="+mj-cs"/>
+              </a:rPr>
+              <a:t>Ablation Study</a:t>
+            </a:r>
+            <a:endParaRPr lang="en-US" sz="5100" kern="1200" dirty="0">
+              <a:solidFill>
+                <a:schemeClr val="tx1"/>
+              </a:solidFill>
+              <a:latin typeface="+mj-lt"/>
+              <a:ea typeface="+mj-ea"/>
+              <a:cs typeface="+mj-cs"/>
+            </a:endParaRPr>
+          </a:p>
+        </p:txBody>
+      </p:sp>
+      <p:sp>
+        <p:nvSpPr>
+          <p:cNvPr id="17" name="sketch line">
+            <a:extLst>
+              <a:ext uri="{FF2B5EF4-FFF2-40B4-BE49-F238E27FC236}">
+                <a16:creationId xmlns:a16="http://schemas.microsoft.com/office/drawing/2014/main" id="{3FCFB1DE-0B7E-48CC-BA90-B2AB0889F9D6}"/>
+              </a:ext>
+              <a:ext uri="{C183D7F6-B498-43B3-948B-1728B52AA6E4}">
+                <adec:decorative xmlns:adec="http://schemas.microsoft.com/office/drawing/2017/decorative" val="1"/>
+              </a:ext>
+            </a:extLst>
+          </p:cNvPr>
+          <p:cNvSpPr>
+            <a:spLocks noGrp="1" noRot="1" noChangeAspect="1" noMove="1" noResize="1" noEditPoints="1" noAdjustHandles="1" noChangeArrowheads="1" noChangeShapeType="1" noTextEdit="1"/>
+          </p:cNvSpPr>
+          <p:nvPr>
+            <p:extLst>
+              <p:ext uri="{386F3935-93C4-4BCD-93E2-E3B085C9AB24}">
+                <p16:designElem xmlns:p16="http://schemas.microsoft.com/office/powerpoint/2015/main" val="1"/>
+              </p:ext>
+            </p:extLst>
+          </p:nvPr>
+        </p:nvSpPr>
+        <p:spPr>
+          <a:xfrm>
+            <a:off x="643278" y="4409267"/>
+            <a:ext cx="3255095" cy="18288"/>
+          </a:xfrm>
+          <a:custGeom>
+            <a:avLst/>
+            <a:gdLst>
+              <a:gd name="connsiteX0" fmla="*/ 0 w 3255095"/>
+              <a:gd name="connsiteY0" fmla="*/ 0 h 18288"/>
+              <a:gd name="connsiteX1" fmla="*/ 618468 w 3255095"/>
+              <a:gd name="connsiteY1" fmla="*/ 0 h 18288"/>
+              <a:gd name="connsiteX2" fmla="*/ 1269487 w 3255095"/>
+              <a:gd name="connsiteY2" fmla="*/ 0 h 18288"/>
+              <a:gd name="connsiteX3" fmla="*/ 1953057 w 3255095"/>
+              <a:gd name="connsiteY3" fmla="*/ 0 h 18288"/>
+              <a:gd name="connsiteX4" fmla="*/ 2636627 w 3255095"/>
+              <a:gd name="connsiteY4" fmla="*/ 0 h 18288"/>
+              <a:gd name="connsiteX5" fmla="*/ 3255095 w 3255095"/>
+              <a:gd name="connsiteY5" fmla="*/ 0 h 18288"/>
+              <a:gd name="connsiteX6" fmla="*/ 3255095 w 3255095"/>
+              <a:gd name="connsiteY6" fmla="*/ 18288 h 18288"/>
+              <a:gd name="connsiteX7" fmla="*/ 2538974 w 3255095"/>
+              <a:gd name="connsiteY7" fmla="*/ 18288 h 18288"/>
+              <a:gd name="connsiteX8" fmla="*/ 1822853 w 3255095"/>
+              <a:gd name="connsiteY8" fmla="*/ 18288 h 18288"/>
+              <a:gd name="connsiteX9" fmla="*/ 1171834 w 3255095"/>
+              <a:gd name="connsiteY9" fmla="*/ 18288 h 18288"/>
+              <a:gd name="connsiteX10" fmla="*/ 0 w 3255095"/>
+              <a:gd name="connsiteY10" fmla="*/ 18288 h 18288"/>
+              <a:gd name="connsiteX11" fmla="*/ 0 w 3255095"/>
+              <a:gd name="connsiteY11" fmla="*/ 0 h 18288"/>
+            </a:gdLst>
+            <a:ahLst/>
+            <a:cxnLst>
+              <a:cxn ang="0">
+                <a:pos x="connsiteX0" y="connsiteY0"/>
+              </a:cxn>
+              <a:cxn ang="0">
+                <a:pos x="connsiteX1" y="connsiteY1"/>
+              </a:cxn>
+              <a:cxn ang="0">
+                <a:pos x="connsiteX2" y="connsiteY2"/>
+              </a:cxn>
+              <a:cxn ang="0">
+                <a:pos x="connsiteX3" y="connsiteY3"/>
+              </a:cxn>
+              <a:cxn ang="0">
+                <a:pos x="connsiteX4" y="connsiteY4"/>
+              </a:cxn>
+              <a:cxn ang="0">
+                <a:pos x="connsiteX5" y="connsiteY5"/>
+              </a:cxn>
+              <a:cxn ang="0">
+                <a:pos x="connsiteX6" y="connsiteY6"/>
+              </a:cxn>
+              <a:cxn ang="0">
+                <a:pos x="connsiteX7" y="connsiteY7"/>
+              </a:cxn>
+              <a:cxn ang="0">
+                <a:pos x="connsiteX8" y="connsiteY8"/>
+              </a:cxn>
+              <a:cxn ang="0">
+                <a:pos x="connsiteX9" y="connsiteY9"/>
+              </a:cxn>
+              <a:cxn ang="0">
+                <a:pos x="connsiteX10" y="connsiteY10"/>
+              </a:cxn>
+              <a:cxn ang="0">
+                <a:pos x="connsiteX11" y="connsiteY11"/>
+              </a:cxn>
+            </a:cxnLst>
+            <a:rect l="l" t="t" r="r" b="b"/>
+            <a:pathLst>
+              <a:path w="3255095" h="18288" fill="none" extrusionOk="0">
+                <a:moveTo>
+                  <a:pt x="0" y="0"/>
+                </a:moveTo>
+                <a:cubicBezTo>
+                  <a:pt x="240201" y="-22123"/>
+                  <a:pt x="462021" y="-19623"/>
+                  <a:pt x="618468" y="0"/>
+                </a:cubicBezTo>
+                <a:cubicBezTo>
+                  <a:pt x="774915" y="19623"/>
+                  <a:pt x="974734" y="2035"/>
+                  <a:pt x="1269487" y="0"/>
+                </a:cubicBezTo>
+                <a:cubicBezTo>
+                  <a:pt x="1564240" y="-2035"/>
+                  <a:pt x="1733579" y="10639"/>
+                  <a:pt x="1953057" y="0"/>
+                </a:cubicBezTo>
+                <a:cubicBezTo>
+                  <a:pt x="2172535" y="-10639"/>
+                  <a:pt x="2453962" y="14018"/>
+                  <a:pt x="2636627" y="0"/>
+                </a:cubicBezTo>
+                <a:cubicBezTo>
+                  <a:pt x="2819292" y="-14018"/>
+                  <a:pt x="3121375" y="5399"/>
+                  <a:pt x="3255095" y="0"/>
+                </a:cubicBezTo>
+                <a:cubicBezTo>
+                  <a:pt x="3254386" y="8157"/>
+                  <a:pt x="3254682" y="12125"/>
+                  <a:pt x="3255095" y="18288"/>
+                </a:cubicBezTo>
+                <a:cubicBezTo>
+                  <a:pt x="3088545" y="23203"/>
+                  <a:pt x="2687475" y="7419"/>
+                  <a:pt x="2538974" y="18288"/>
+                </a:cubicBezTo>
+                <a:cubicBezTo>
+                  <a:pt x="2390473" y="29157"/>
+                  <a:pt x="2137381" y="-8959"/>
+                  <a:pt x="1822853" y="18288"/>
+                </a:cubicBezTo>
+                <a:cubicBezTo>
+                  <a:pt x="1508325" y="45535"/>
+                  <a:pt x="1466437" y="20385"/>
+                  <a:pt x="1171834" y="18288"/>
+                </a:cubicBezTo>
+                <a:cubicBezTo>
+                  <a:pt x="877231" y="16191"/>
+                  <a:pt x="561097" y="37643"/>
+                  <a:pt x="0" y="18288"/>
+                </a:cubicBezTo>
+                <a:cubicBezTo>
+                  <a:pt x="-46" y="12483"/>
+                  <a:pt x="-203" y="6491"/>
+                  <a:pt x="0" y="0"/>
+                </a:cubicBezTo>
+                <a:close/>
+              </a:path>
+              <a:path w="3255095" h="18288" stroke="0" extrusionOk="0">
+                <a:moveTo>
+                  <a:pt x="0" y="0"/>
+                </a:moveTo>
+                <a:cubicBezTo>
+                  <a:pt x="291965" y="19429"/>
+                  <a:pt x="363155" y="8568"/>
+                  <a:pt x="618468" y="0"/>
+                </a:cubicBezTo>
+                <a:cubicBezTo>
+                  <a:pt x="873781" y="-8568"/>
+                  <a:pt x="904459" y="-19505"/>
+                  <a:pt x="1171834" y="0"/>
+                </a:cubicBezTo>
+                <a:cubicBezTo>
+                  <a:pt x="1439209" y="19505"/>
+                  <a:pt x="1744369" y="9790"/>
+                  <a:pt x="1887955" y="0"/>
+                </a:cubicBezTo>
+                <a:cubicBezTo>
+                  <a:pt x="2031541" y="-9790"/>
+                  <a:pt x="2346378" y="21240"/>
+                  <a:pt x="2506423" y="0"/>
+                </a:cubicBezTo>
+                <a:cubicBezTo>
+                  <a:pt x="2666468" y="-21240"/>
+                  <a:pt x="2990257" y="30414"/>
+                  <a:pt x="3255095" y="0"/>
+                </a:cubicBezTo>
+                <a:cubicBezTo>
+                  <a:pt x="3254831" y="4493"/>
+                  <a:pt x="3255479" y="9472"/>
+                  <a:pt x="3255095" y="18288"/>
+                </a:cubicBezTo>
+                <a:cubicBezTo>
+                  <a:pt x="3120743" y="16690"/>
+                  <a:pt x="2759628" y="42462"/>
+                  <a:pt x="2604076" y="18288"/>
+                </a:cubicBezTo>
+                <a:cubicBezTo>
+                  <a:pt x="2448524" y="-5886"/>
+                  <a:pt x="2184336" y="19599"/>
+                  <a:pt x="1887955" y="18288"/>
+                </a:cubicBezTo>
+                <a:cubicBezTo>
+                  <a:pt x="1591574" y="16977"/>
+                  <a:pt x="1548845" y="6870"/>
+                  <a:pt x="1334589" y="18288"/>
+                </a:cubicBezTo>
+                <a:cubicBezTo>
+                  <a:pt x="1120333" y="29706"/>
+                  <a:pt x="996014" y="9662"/>
+                  <a:pt x="683570" y="18288"/>
+                </a:cubicBezTo>
+                <a:cubicBezTo>
+                  <a:pt x="371126" y="26914"/>
+                  <a:pt x="198687" y="16167"/>
+                  <a:pt x="0" y="18288"/>
+                </a:cubicBezTo>
+                <a:cubicBezTo>
+                  <a:pt x="843" y="9577"/>
+                  <a:pt x="371" y="6900"/>
+                  <a:pt x="0" y="0"/>
+                </a:cubicBezTo>
+                <a:close/>
+              </a:path>
+            </a:pathLst>
+          </a:custGeom>
+          <a:solidFill>
+            <a:schemeClr val="accent2"/>
+          </a:solidFill>
+          <a:ln w="38100" cap="rnd">
+            <a:solidFill>
+              <a:schemeClr val="accent2"/>
+            </a:solidFill>
+            <a:round/>
+            <a:extLst>
+              <a:ext uri="{C807C97D-BFC1-408E-A445-0C87EB9F89A2}">
+                <ask:lineSketchStyleProps xmlns:ask="http://schemas.microsoft.com/office/drawing/2018/sketchyshapes" sd="1219033472">
+                  <a:prstGeom prst="rect">
+                    <a:avLst/>
+                  </a:prstGeom>
+                  <ask:type>
+                    <ask:lineSketchFreehand/>
+                  </ask:type>
+                </ask:lineSketchStyleProps>
+              </a:ext>
+            </a:extLst>
+          </a:ln>
+        </p:spPr>
+        <p:style>
+          <a:lnRef idx="2">
+            <a:schemeClr val="accent1">
+              <a:shade val="50000"/>
+            </a:schemeClr>
+          </a:lnRef>
+          <a:fillRef idx="1">
+            <a:schemeClr val="accent1"/>
+          </a:fillRef>
+          <a:effectRef idx="0">
+            <a:schemeClr val="accent1"/>
+          </a:effectRef>
+          <a:fontRef idx="minor">
+            <a:schemeClr val="lt1"/>
+          </a:fontRef>
+        </p:style>
+        <p:txBody>
+          <a:bodyPr rtlCol="0" anchor="ctr"/>
+          <a:lstStyle/>
+          <a:p>
+            <a:pPr algn="ctr"/>
+            <a:endParaRPr lang="en-US"/>
+          </a:p>
+        </p:txBody>
+      </p:sp>
+      <p:sp>
+        <p:nvSpPr>
+          <p:cNvPr id="4" name="Datumsplatzhalter 3">
+            <a:extLst>
+              <a:ext uri="{FF2B5EF4-FFF2-40B4-BE49-F238E27FC236}">
+                <a16:creationId xmlns:a16="http://schemas.microsoft.com/office/drawing/2014/main" id="{0EFF3519-5645-AC9C-2AC3-70C6A68E499D}"/>
+              </a:ext>
+            </a:extLst>
+          </p:cNvPr>
+          <p:cNvSpPr>
+            <a:spLocks noGrp="1"/>
+          </p:cNvSpPr>
+          <p:nvPr>
+            <p:ph type="dt" sz="half" idx="10"/>
+          </p:nvPr>
+        </p:nvSpPr>
+        <p:spPr>
+          <a:xfrm>
+            <a:off x="838200" y="6356350"/>
+            <a:ext cx="2743200" cy="365125"/>
+          </a:xfrm>
+        </p:spPr>
+        <p:txBody>
+          <a:bodyPr vert="horz" lIns="91440" tIns="45720" rIns="91440" bIns="45720" rtlCol="0" anchor="ctr">
+            <a:normAutofit/>
+          </a:bodyPr>
+          <a:lstStyle/>
+          <a:p>
+            <a:pPr>
+              <a:spcAft>
+                <a:spcPts val="600"/>
+              </a:spcAft>
+            </a:pPr>
+            <a:r>
+              <a:rPr lang="en-US"/>
+              <a:t>05.12.2023</a:t>
+            </a:r>
+          </a:p>
+        </p:txBody>
+      </p:sp>
+      <p:sp>
+        <p:nvSpPr>
+          <p:cNvPr id="5" name="Fußzeilenplatzhalter 4">
+            <a:extLst>
+              <a:ext uri="{FF2B5EF4-FFF2-40B4-BE49-F238E27FC236}">
+                <a16:creationId xmlns:a16="http://schemas.microsoft.com/office/drawing/2014/main" id="{BF312A83-83AC-9C68-95FC-E7A6D59D3BB4}"/>
+              </a:ext>
+            </a:extLst>
+          </p:cNvPr>
+          <p:cNvSpPr>
+            <a:spLocks noGrp="1"/>
+          </p:cNvSpPr>
+          <p:nvPr>
+            <p:ph type="ftr" sz="quarter" idx="11"/>
+          </p:nvPr>
+        </p:nvSpPr>
+        <p:spPr>
+          <a:xfrm>
+            <a:off x="4038600" y="6356350"/>
+            <a:ext cx="4114800" cy="365125"/>
+          </a:xfrm>
+        </p:spPr>
+        <p:txBody>
+          <a:bodyPr vert="horz" lIns="91440" tIns="45720" rIns="91440" bIns="45720" rtlCol="0" anchor="ctr">
+            <a:normAutofit/>
+          </a:bodyPr>
+          <a:lstStyle/>
+          <a:p>
+            <a:pPr>
+              <a:spcAft>
+                <a:spcPts val="600"/>
+              </a:spcAft>
+            </a:pPr>
+            <a:r>
+              <a:rPr lang="en-US" kern="1200" dirty="0">
+                <a:solidFill>
+                  <a:schemeClr val="tx1">
+                    <a:tint val="75000"/>
+                  </a:schemeClr>
+                </a:solidFill>
+                <a:latin typeface="+mn-lt"/>
+                <a:ea typeface="+mn-ea"/>
+                <a:cs typeface="+mn-cs"/>
+              </a:rPr>
+              <a:t>Multi-modal Speech Representation Learning</a:t>
+            </a:r>
+          </a:p>
+        </p:txBody>
+      </p:sp>
+      <p:sp>
+        <p:nvSpPr>
+          <p:cNvPr id="6" name="Foliennummernplatzhalter 5">
+            <a:extLst>
+              <a:ext uri="{FF2B5EF4-FFF2-40B4-BE49-F238E27FC236}">
+                <a16:creationId xmlns:a16="http://schemas.microsoft.com/office/drawing/2014/main" id="{E525FE09-F039-617D-9C2B-891727A4B0B4}"/>
+              </a:ext>
+            </a:extLst>
+          </p:cNvPr>
+          <p:cNvSpPr>
+            <a:spLocks noGrp="1"/>
+          </p:cNvSpPr>
+          <p:nvPr>
+            <p:ph type="sldNum" sz="quarter" idx="12"/>
+          </p:nvPr>
+        </p:nvSpPr>
+        <p:spPr>
+          <a:xfrm>
+            <a:off x="8610600" y="6356350"/>
+            <a:ext cx="2743200" cy="365125"/>
+          </a:xfrm>
+        </p:spPr>
+        <p:txBody>
+          <a:bodyPr vert="horz" lIns="91440" tIns="45720" rIns="91440" bIns="45720" rtlCol="0" anchor="ctr">
+            <a:normAutofit/>
+          </a:bodyPr>
+          <a:lstStyle/>
+          <a:p>
+            <a:pPr>
+              <a:spcAft>
+                <a:spcPts val="600"/>
+              </a:spcAft>
+            </a:pPr>
+            <a:fld id="{4589C08E-11F1-4614-AD94-2F79D605AB8D}" type="slidenum">
+              <a:rPr lang="en-US" smtClean="0"/>
+              <a:pPr>
+                <a:spcAft>
+                  <a:spcPts val="600"/>
+                </a:spcAft>
+              </a:pPr>
+              <a:t>31</a:t>
+            </a:fld>
+            <a:endParaRPr lang="en-US"/>
+          </a:p>
+        </p:txBody>
+      </p:sp>
+      <p:sp>
+        <p:nvSpPr>
+          <p:cNvPr id="11" name="Textfeld 10">
+            <a:extLst>
+              <a:ext uri="{FF2B5EF4-FFF2-40B4-BE49-F238E27FC236}">
+                <a16:creationId xmlns:a16="http://schemas.microsoft.com/office/drawing/2014/main" id="{29903BE6-72D9-A417-300E-4360A3263479}"/>
+              </a:ext>
+            </a:extLst>
+          </p:cNvPr>
+          <p:cNvSpPr txBox="1"/>
+          <p:nvPr/>
+        </p:nvSpPr>
+        <p:spPr>
+          <a:xfrm>
+            <a:off x="11426162" y="5615741"/>
+            <a:ext cx="442750" cy="369332"/>
+          </a:xfrm>
+          <a:prstGeom prst="rect">
+            <a:avLst/>
+          </a:prstGeom>
+          <a:noFill/>
+        </p:spPr>
+        <p:txBody>
+          <a:bodyPr wrap="none" rtlCol="0">
+            <a:spAutoFit/>
+          </a:bodyPr>
+          <a:lstStyle/>
+          <a:p>
+            <a:r>
+              <a:rPr lang="de-DE" dirty="0"/>
+              <a:t>[3]</a:t>
+            </a:r>
+            <a:endParaRPr lang="en-GB" dirty="0"/>
+          </a:p>
+        </p:txBody>
+      </p:sp>
+      <p:sp>
+        <p:nvSpPr>
+          <p:cNvPr id="12" name="Rechteck 11">
+            <a:extLst>
+              <a:ext uri="{FF2B5EF4-FFF2-40B4-BE49-F238E27FC236}">
+                <a16:creationId xmlns:a16="http://schemas.microsoft.com/office/drawing/2014/main" id="{A82BB4FE-29A0-E007-94C2-BB2F552C11EB}"/>
+              </a:ext>
+            </a:extLst>
+          </p:cNvPr>
+          <p:cNvSpPr/>
+          <p:nvPr/>
+        </p:nvSpPr>
+        <p:spPr>
+          <a:xfrm>
+            <a:off x="5657117" y="2825993"/>
+            <a:ext cx="2212975" cy="1175483"/>
+          </a:xfrm>
+          <a:prstGeom prst="rect">
+            <a:avLst/>
+          </a:prstGeom>
+          <a:noFill/>
+          <a:ln w="28575" cap="flat" cmpd="sng" algn="ctr">
+            <a:solidFill>
+              <a:srgbClr val="FF0000"/>
+            </a:solidFill>
+            <a:prstDash val="solid"/>
+            <a:round/>
+            <a:headEnd type="none" w="med" len="med"/>
+            <a:tailEnd type="none" w="med" len="med"/>
+          </a:ln>
+        </p:spPr>
+        <p:style>
+          <a:lnRef idx="0">
+            <a:scrgbClr r="0" g="0" b="0"/>
+          </a:lnRef>
+          <a:fillRef idx="0">
+            <a:scrgbClr r="0" g="0" b="0"/>
+          </a:fillRef>
+          <a:effectRef idx="0">
+            <a:scrgbClr r="0" g="0" b="0"/>
+          </a:effectRef>
+          <a:fontRef idx="minor">
+            <a:schemeClr val="accent2"/>
+          </a:fontRef>
+        </p:style>
+        <p:txBody>
+          <a:bodyPr rtlCol="0" anchor="ctr"/>
+          <a:lstStyle/>
+          <a:p>
+            <a:pPr algn="ctr"/>
+            <a:endParaRPr lang="en-GB"/>
+          </a:p>
+        </p:txBody>
+      </p:sp>
+      <p:sp>
+        <p:nvSpPr>
+          <p:cNvPr id="13" name="Rechteck 12">
+            <a:extLst>
+              <a:ext uri="{FF2B5EF4-FFF2-40B4-BE49-F238E27FC236}">
+                <a16:creationId xmlns:a16="http://schemas.microsoft.com/office/drawing/2014/main" id="{7D3B7469-ED8F-A456-BE4A-5D0DADF58A0C}"/>
+              </a:ext>
+            </a:extLst>
+          </p:cNvPr>
+          <p:cNvSpPr/>
+          <p:nvPr/>
+        </p:nvSpPr>
+        <p:spPr>
+          <a:xfrm>
+            <a:off x="7924800" y="2000173"/>
+            <a:ext cx="987669" cy="2024749"/>
+          </a:xfrm>
+          <a:prstGeom prst="rect">
+            <a:avLst/>
+          </a:prstGeom>
+          <a:noFill/>
+          <a:ln w="28575" cap="flat" cmpd="sng" algn="ctr">
+            <a:solidFill>
+              <a:srgbClr val="FF0000"/>
+            </a:solidFill>
+            <a:prstDash val="solid"/>
+            <a:round/>
+            <a:headEnd type="none" w="med" len="med"/>
+            <a:tailEnd type="none" w="med" len="med"/>
+          </a:ln>
+        </p:spPr>
+        <p:style>
+          <a:lnRef idx="0">
+            <a:scrgbClr r="0" g="0" b="0"/>
+          </a:lnRef>
+          <a:fillRef idx="0">
+            <a:scrgbClr r="0" g="0" b="0"/>
+          </a:fillRef>
+          <a:effectRef idx="0">
+            <a:scrgbClr r="0" g="0" b="0"/>
+          </a:effectRef>
+          <a:fontRef idx="minor">
+            <a:schemeClr val="accent2"/>
+          </a:fontRef>
+        </p:style>
+        <p:txBody>
+          <a:bodyPr rtlCol="0" anchor="ctr"/>
+          <a:lstStyle/>
+          <a:p>
+            <a:pPr algn="ctr"/>
+            <a:endParaRPr lang="en-GB"/>
+          </a:p>
+        </p:txBody>
+      </p:sp>
+      <p:sp>
+        <p:nvSpPr>
+          <p:cNvPr id="14" name="Rechteck 13">
+            <a:extLst>
+              <a:ext uri="{FF2B5EF4-FFF2-40B4-BE49-F238E27FC236}">
+                <a16:creationId xmlns:a16="http://schemas.microsoft.com/office/drawing/2014/main" id="{990BA4C7-BEE5-655F-F79F-F4BF522A03E1}"/>
+              </a:ext>
+            </a:extLst>
+          </p:cNvPr>
+          <p:cNvSpPr/>
+          <p:nvPr/>
+        </p:nvSpPr>
+        <p:spPr>
+          <a:xfrm>
+            <a:off x="5640510" y="2001471"/>
+            <a:ext cx="2237398" cy="780806"/>
+          </a:xfrm>
+          <a:prstGeom prst="rect">
+            <a:avLst/>
+          </a:prstGeom>
+          <a:noFill/>
+          <a:ln w="28575" cap="flat" cmpd="sng" algn="ctr">
+            <a:solidFill>
+              <a:srgbClr val="FF0000"/>
+            </a:solidFill>
+            <a:prstDash val="solid"/>
+            <a:round/>
+            <a:headEnd type="none" w="med" len="med"/>
+            <a:tailEnd type="none" w="med" len="med"/>
+          </a:ln>
+        </p:spPr>
+        <p:style>
+          <a:lnRef idx="0">
+            <a:scrgbClr r="0" g="0" b="0"/>
+          </a:lnRef>
+          <a:fillRef idx="0">
+            <a:scrgbClr r="0" g="0" b="0"/>
+          </a:fillRef>
+          <a:effectRef idx="0">
+            <a:scrgbClr r="0" g="0" b="0"/>
+          </a:effectRef>
+          <a:fontRef idx="minor">
+            <a:schemeClr val="accent2"/>
+          </a:fontRef>
+        </p:style>
+        <p:txBody>
+          <a:bodyPr rtlCol="0" anchor="ctr"/>
+          <a:lstStyle/>
+          <a:p>
+            <a:pPr algn="ctr"/>
+            <a:endParaRPr lang="en-GB"/>
+          </a:p>
+        </p:txBody>
+      </p:sp>
+      <p:sp>
+        <p:nvSpPr>
+          <p:cNvPr id="18" name="Rechteck 17">
+            <a:extLst>
+              <a:ext uri="{FF2B5EF4-FFF2-40B4-BE49-F238E27FC236}">
+                <a16:creationId xmlns:a16="http://schemas.microsoft.com/office/drawing/2014/main" id="{9EC5EDFF-8CCE-CA1E-5464-F3A79611A753}"/>
+              </a:ext>
+            </a:extLst>
+          </p:cNvPr>
+          <p:cNvSpPr/>
+          <p:nvPr/>
+        </p:nvSpPr>
+        <p:spPr>
+          <a:xfrm>
+            <a:off x="5595083" y="1957189"/>
+            <a:ext cx="3361348" cy="2114625"/>
+          </a:xfrm>
+          <a:prstGeom prst="rect">
+            <a:avLst/>
+          </a:prstGeom>
+          <a:noFill/>
+          <a:ln w="28575" cap="flat" cmpd="sng" algn="ctr">
+            <a:solidFill>
+              <a:srgbClr val="FF0000"/>
+            </a:solidFill>
+            <a:prstDash val="solid"/>
+            <a:round/>
+            <a:headEnd type="none" w="med" len="med"/>
+            <a:tailEnd type="none" w="med" len="med"/>
+          </a:ln>
+        </p:spPr>
+        <p:style>
+          <a:lnRef idx="0">
+            <a:scrgbClr r="0" g="0" b="0"/>
+          </a:lnRef>
+          <a:fillRef idx="0">
+            <a:scrgbClr r="0" g="0" b="0"/>
+          </a:fillRef>
+          <a:effectRef idx="0">
+            <a:scrgbClr r="0" g="0" b="0"/>
+          </a:effectRef>
+          <a:fontRef idx="minor">
+            <a:schemeClr val="accent2"/>
+          </a:fontRef>
+        </p:style>
+        <p:txBody>
+          <a:bodyPr rtlCol="0" anchor="ctr"/>
+          <a:lstStyle/>
+          <a:p>
+            <a:pPr algn="ctr"/>
+            <a:endParaRPr lang="en-GB"/>
+          </a:p>
+        </p:txBody>
+      </p:sp>
+    </p:spTree>
+    <p:extLst>
+      <p:ext uri="{BB962C8B-B14F-4D97-AF65-F5344CB8AC3E}">
+        <p14:creationId xmlns:p14="http://schemas.microsoft.com/office/powerpoint/2010/main" val="3503396262"/>
+      </p:ext>
+    </p:extLst>
+  </p:cSld>
+  <p:clrMapOvr>
+    <a:masterClrMapping/>
+  </p:clrMapOvr>
+</p:sld>
+</file>
+
+<file path=ppt/slides/slide32.xml><?xml version="1.0" encoding="utf-8"?>
 <p:sld xmlns:a="http://schemas.openxmlformats.org/drawingml/2006/main" xmlns:r="http://schemas.openxmlformats.org/officeDocument/2006/relationships" xmlns:p="http://schemas.openxmlformats.org/presentationml/2006/main">
   <p:cSld>
     <p:spTree>
@@ -16043,7 +19379,7 @@
           <a:p>
             <a:fld id="{4589C08E-11F1-4614-AD94-2F79D605AB8D}" type="slidenum">
               <a:rPr lang="de-DE" smtClean="0"/>
-              <a:t>29</a:t>
+              <a:t>32</a:t>
             </a:fld>
             <a:endParaRPr lang="de-DE" dirty="0"/>
           </a:p>
@@ -16062,7 +19398,7 @@
 </p:sld>
 </file>
 
-<file path=ppt/slides/slide3.xml><?xml version="1.0" encoding="utf-8"?>
+<file path=ppt/slides/slide33.xml><?xml version="1.0" encoding="utf-8"?>
 <p:sld xmlns:a="http://schemas.openxmlformats.org/drawingml/2006/main" xmlns:r="http://schemas.openxmlformats.org/officeDocument/2006/relationships" xmlns:p="http://schemas.openxmlformats.org/presentationml/2006/main">
   <p:cSld>
     <p:spTree>
@@ -16081,206 +19417,6 @@
       </p:grpSpPr>
       <p:sp>
         <p:nvSpPr>
-          <p:cNvPr id="2" name="Titel 1">
-            <a:extLst>
-              <a:ext uri="{FF2B5EF4-FFF2-40B4-BE49-F238E27FC236}">
-                <a16:creationId xmlns:a16="http://schemas.microsoft.com/office/drawing/2014/main" id="{64C72F1A-8422-2279-853A-18490E33583F}"/>
-              </a:ext>
-            </a:extLst>
-          </p:cNvPr>
-          <p:cNvSpPr>
-            <a:spLocks noGrp="1"/>
-          </p:cNvSpPr>
-          <p:nvPr>
-            <p:ph type="title"/>
-          </p:nvPr>
-        </p:nvSpPr>
-        <p:spPr/>
-        <p:txBody>
-          <a:bodyPr/>
-          <a:lstStyle/>
-          <a:p>
-            <a:r>
-              <a:rPr lang="en-GB" dirty="0"/>
-              <a:t>Qualities</a:t>
-            </a:r>
-            <a:r>
-              <a:rPr lang="de-DE" dirty="0"/>
-              <a:t> of Speech </a:t>
-            </a:r>
-            <a:r>
-              <a:rPr lang="en-GB" dirty="0"/>
-              <a:t>Representations [1]</a:t>
-            </a:r>
-          </a:p>
-        </p:txBody>
-      </p:sp>
-      <p:sp>
-        <p:nvSpPr>
-          <p:cNvPr id="3" name="Inhaltsplatzhalter 2">
-            <a:extLst>
-              <a:ext uri="{FF2B5EF4-FFF2-40B4-BE49-F238E27FC236}">
-                <a16:creationId xmlns:a16="http://schemas.microsoft.com/office/drawing/2014/main" id="{AF88B905-BEC9-9440-7270-BBFF1996D0D4}"/>
-              </a:ext>
-            </a:extLst>
-          </p:cNvPr>
-          <p:cNvSpPr>
-            <a:spLocks noGrp="1"/>
-          </p:cNvSpPr>
-          <p:nvPr>
-            <p:ph idx="1"/>
-          </p:nvPr>
-        </p:nvSpPr>
-        <p:spPr/>
-        <p:txBody>
-          <a:bodyPr/>
-          <a:lstStyle/>
-          <a:p>
-            <a:r>
-              <a:rPr lang="en-US" dirty="0"/>
-              <a:t>Disentangled speaker identity, style, emotion, noise</a:t>
-            </a:r>
-          </a:p>
-          <a:p>
-            <a:r>
-              <a:rPr lang="en-US" dirty="0"/>
-              <a:t>Invariant to noise</a:t>
-            </a:r>
-          </a:p>
-          <a:p>
-            <a:r>
-              <a:rPr lang="en-US" dirty="0"/>
-              <a:t>Hierarchical </a:t>
-            </a:r>
-            <a:r>
-              <a:rPr lang="en-US" dirty="0" err="1"/>
-              <a:t>w.r.t.</a:t>
-            </a:r>
-            <a:r>
-              <a:rPr lang="en-US" dirty="0"/>
-              <a:t> acoustic, lexical and semantic features</a:t>
-            </a:r>
-          </a:p>
-        </p:txBody>
-      </p:sp>
-      <p:sp>
-        <p:nvSpPr>
-          <p:cNvPr id="4" name="Datumsplatzhalter 3">
-            <a:extLst>
-              <a:ext uri="{FF2B5EF4-FFF2-40B4-BE49-F238E27FC236}">
-                <a16:creationId xmlns:a16="http://schemas.microsoft.com/office/drawing/2014/main" id="{0181EC9C-43AB-D74F-1FC5-254FAFEFAF72}"/>
-              </a:ext>
-            </a:extLst>
-          </p:cNvPr>
-          <p:cNvSpPr>
-            <a:spLocks noGrp="1"/>
-          </p:cNvSpPr>
-          <p:nvPr>
-            <p:ph type="dt" sz="half" idx="10"/>
-          </p:nvPr>
-        </p:nvSpPr>
-        <p:spPr/>
-        <p:txBody>
-          <a:bodyPr/>
-          <a:lstStyle/>
-          <a:p>
-            <a:r>
-              <a:rPr lang="de-DE" dirty="0"/>
-              <a:t>05.12.2023</a:t>
-            </a:r>
-          </a:p>
-        </p:txBody>
-      </p:sp>
-      <p:sp>
-        <p:nvSpPr>
-          <p:cNvPr id="5" name="Fußzeilenplatzhalter 4">
-            <a:extLst>
-              <a:ext uri="{FF2B5EF4-FFF2-40B4-BE49-F238E27FC236}">
-                <a16:creationId xmlns:a16="http://schemas.microsoft.com/office/drawing/2014/main" id="{77AB99A6-3C32-E43E-15D8-1FB9D9215B6B}"/>
-              </a:ext>
-            </a:extLst>
-          </p:cNvPr>
-          <p:cNvSpPr>
-            <a:spLocks noGrp="1"/>
-          </p:cNvSpPr>
-          <p:nvPr>
-            <p:ph type="ftr" sz="quarter" idx="11"/>
-          </p:nvPr>
-        </p:nvSpPr>
-        <p:spPr/>
-        <p:txBody>
-          <a:bodyPr/>
-          <a:lstStyle/>
-          <a:p>
-            <a:r>
-              <a:rPr lang="en-US" dirty="0"/>
-              <a:t>Multi-modal Speech Representation Learning</a:t>
-            </a:r>
-            <a:endParaRPr lang="de-DE" dirty="0"/>
-          </a:p>
-        </p:txBody>
-      </p:sp>
-      <p:sp>
-        <p:nvSpPr>
-          <p:cNvPr id="6" name="Foliennummernplatzhalter 5">
-            <a:extLst>
-              <a:ext uri="{FF2B5EF4-FFF2-40B4-BE49-F238E27FC236}">
-                <a16:creationId xmlns:a16="http://schemas.microsoft.com/office/drawing/2014/main" id="{BF0FFA8E-2439-CD60-2906-CB99CE2AA93C}"/>
-              </a:ext>
-            </a:extLst>
-          </p:cNvPr>
-          <p:cNvSpPr>
-            <a:spLocks noGrp="1"/>
-          </p:cNvSpPr>
-          <p:nvPr>
-            <p:ph type="sldNum" sz="quarter" idx="12"/>
-          </p:nvPr>
-        </p:nvSpPr>
-        <p:spPr/>
-        <p:txBody>
-          <a:bodyPr/>
-          <a:lstStyle/>
-          <a:p>
-            <a:fld id="{4589C08E-11F1-4614-AD94-2F79D605AB8D}" type="slidenum">
-              <a:rPr lang="de-DE" smtClean="0"/>
-              <a:t>3</a:t>
-            </a:fld>
-            <a:endParaRPr lang="de-DE" dirty="0"/>
-          </a:p>
-        </p:txBody>
-      </p:sp>
-    </p:spTree>
-    <p:extLst>
-      <p:ext uri="{BB962C8B-B14F-4D97-AF65-F5344CB8AC3E}">
-        <p14:creationId xmlns:p14="http://schemas.microsoft.com/office/powerpoint/2010/main" val="3802131508"/>
-      </p:ext>
-    </p:extLst>
-  </p:cSld>
-  <p:clrMapOvr>
-    <a:masterClrMapping/>
-  </p:clrMapOvr>
-</p:sld>
-</file>
-
-<file path=ppt/slides/slide30.xml><?xml version="1.0" encoding="utf-8"?>
-<p:sld xmlns:a="http://schemas.openxmlformats.org/drawingml/2006/main" xmlns:r="http://schemas.openxmlformats.org/officeDocument/2006/relationships" xmlns:p="http://schemas.openxmlformats.org/presentationml/2006/main">
-  <p:cSld>
-    <p:spTree>
-      <p:nvGrpSpPr>
-        <p:cNvPr id="1" name=""/>
-        <p:cNvGrpSpPr/>
-        <p:nvPr/>
-      </p:nvGrpSpPr>
-      <p:grpSpPr>
-        <a:xfrm>
-          <a:off x="0" y="0"/>
-          <a:ext cx="0" cy="0"/>
-          <a:chOff x="0" y="0"/>
-          <a:chExt cx="0" cy="0"/>
-        </a:xfrm>
-      </p:grpSpPr>
-      <p:sp>
-        <p:nvSpPr>
           <p:cNvPr id="3" name="Inhaltsplatzhalter 2">
             <a:extLst>
               <a:ext uri="{FF2B5EF4-FFF2-40B4-BE49-F238E27FC236}">
@@ -16303,7 +19439,7 @@
         </p:spPr>
         <p:txBody>
           <a:bodyPr>
-            <a:normAutofit fontScale="92500" lnSpcReduction="20000"/>
+            <a:normAutofit fontScale="77500" lnSpcReduction="20000"/>
           </a:bodyPr>
           <a:lstStyle/>
           <a:p>
@@ -16628,6 +19764,39 @@
             </a:r>
           </a:p>
           <a:p>
+            <a:pPr marL="0" indent="0">
+              <a:buNone/>
+            </a:pPr>
+            <a:r>
+              <a:rPr lang="en-US" dirty="0">
+                <a:solidFill>
+                  <a:schemeClr val="bg2">
+                    <a:lumMod val="50000"/>
+                  </a:schemeClr>
+                </a:solidFill>
+              </a:rPr>
+              <a:t>[7] </a:t>
+            </a:r>
+            <a:r>
+              <a:rPr lang="en-GB" dirty="0">
+                <a:solidFill>
+                  <a:schemeClr val="bg2">
+                    <a:lumMod val="50000"/>
+                  </a:schemeClr>
+                </a:solidFill>
+              </a:rPr>
+              <a:t>wav2vec 2.0: A Framework for Self-Supervised Learning of Speech Representations, 2020. arXiv:2006.11477.</a:t>
+            </a:r>
+            <a:endParaRPr lang="en-US" sz="2800" dirty="0">
+              <a:solidFill>
+                <a:schemeClr val="bg2">
+                  <a:lumMod val="50000"/>
+                </a:schemeClr>
+              </a:solidFill>
+              <a:effectLst/>
+            </a:endParaRPr>
+          </a:p>
+          <a:p>
             <a:endParaRPr lang="en-US" dirty="0"/>
           </a:p>
         </p:txBody>
@@ -16713,7 +19882,7 @@
           <a:p>
             <a:fld id="{4589C08E-11F1-4614-AD94-2F79D605AB8D}" type="slidenum">
               <a:rPr lang="de-DE" smtClean="0"/>
-              <a:t>30</a:t>
+              <a:t>33</a:t>
             </a:fld>
             <a:endParaRPr lang="de-DE" dirty="0"/>
           </a:p>
@@ -16732,7 +19901,7 @@
 </p:sld>
 </file>
 
-<file path=ppt/slides/slide31.xml><?xml version="1.0" encoding="utf-8"?>
+<file path=ppt/slides/slide34.xml><?xml version="1.0" encoding="utf-8"?>
 <p:sld xmlns:a="http://schemas.openxmlformats.org/drawingml/2006/main" xmlns:r="http://schemas.openxmlformats.org/officeDocument/2006/relationships" xmlns:p="http://schemas.openxmlformats.org/presentationml/2006/main" show="0">
   <p:cSld>
     <p:spTree>
@@ -17142,7 +20311,7 @@
           <a:p>
             <a:fld id="{4589C08E-11F1-4614-AD94-2F79D605AB8D}" type="slidenum">
               <a:rPr lang="de-DE" smtClean="0"/>
-              <a:t>31</a:t>
+              <a:t>34</a:t>
             </a:fld>
             <a:endParaRPr lang="de-DE" dirty="0"/>
           </a:p>
@@ -17268,7 +20437,7 @@
           <a:p>
             <a:r>
               <a:rPr lang="en-GB" dirty="0"/>
-              <a:t>Currently: Pretext task optimization</a:t>
+              <a:t>Currently: Pretext task optimization (pre-training)</a:t>
             </a:r>
           </a:p>
           <a:p>
@@ -18901,10 +22070,32 @@
             </a:r>
           </a:p>
           <a:p>
+            <a:pPr lvl="1"/>
+            <a:r>
+              <a:rPr lang="en-US" sz="2000" dirty="0"/>
+              <a:t>Example (</a:t>
+            </a:r>
+            <a:r>
+              <a:rPr lang="en-US" sz="2000" dirty="0" err="1"/>
+              <a:t>HuBERT</a:t>
+            </a:r>
+            <a:r>
+              <a:rPr lang="en-US" sz="2000" dirty="0"/>
+              <a:t>, see later)</a:t>
+            </a:r>
+          </a:p>
+          <a:p>
             <a:pPr lvl="2"/>
             <a:r>
               <a:rPr lang="en-US" sz="1600" dirty="0"/>
-              <a:t>e.g., learn discrete targets with k-means (HuBERT, see later)</a:t>
+              <a:t>Learn discrete targets with k-means </a:t>
+            </a:r>
+          </a:p>
+          <a:p>
+            <a:pPr lvl="2"/>
+            <a:r>
+              <a:rPr lang="en-US" sz="1600" dirty="0"/>
+              <a:t>Use intermediate representations of your encoder for new targets</a:t>
             </a:r>
           </a:p>
         </p:txBody>
